--- a/keynote/loopring-technical.pptx
+++ b/keynote/loopring-technical.pptx
@@ -3036,9 +3036,9 @@
             <a:lvl1pPr defTabSz="607933">
               <a:defRPr sz="7992">
                 <a:solidFill>
-                  <a:schemeClr val="accent6">
-                    <a:satOff val="24555"/>
-                    <a:lumOff val="22232"/>
+                  <a:schemeClr val="accent1">
+                    <a:satOff val="-3355"/>
+                    <a:lumOff val="26614"/>
                   </a:schemeClr>
                 </a:solidFill>
                 <a:latin typeface="Roboto Black"/>
@@ -3087,9 +3087,9 @@
             <a:lvl1pPr algn="l" defTabSz="402550">
               <a:defRPr sz="4508">
                 <a:solidFill>
-                  <a:schemeClr val="accent6">
-                    <a:satOff val="24555"/>
-                    <a:lumOff val="22232"/>
+                  <a:schemeClr val="accent1">
+                    <a:satOff val="-3355"/>
+                    <a:lumOff val="26614"/>
                   </a:schemeClr>
                 </a:solidFill>
                 <a:latin typeface="Roboto Regular"/>
@@ -3139,9 +3139,9 @@
             <a:pPr>
               <a:defRPr sz="2800">
                 <a:solidFill>
-                  <a:schemeClr val="accent6">
-                    <a:satOff val="24555"/>
-                    <a:lumOff val="22232"/>
+                  <a:schemeClr val="accent1">
+                    <a:satOff val="-3355"/>
+                    <a:lumOff val="26614"/>
                   </a:schemeClr>
                 </a:solidFill>
                 <a:latin typeface="Roboto Regular"/>
@@ -3158,9 +3158,9 @@
             <a:pPr>
               <a:defRPr sz="2800">
                 <a:solidFill>
-                  <a:schemeClr val="accent6">
-                    <a:satOff val="24555"/>
-                    <a:lumOff val="22232"/>
+                  <a:schemeClr val="accent1">
+                    <a:satOff val="-3355"/>
+                    <a:lumOff val="26614"/>
                   </a:schemeClr>
                 </a:solidFill>
                 <a:latin typeface="Roboto Regular"/>
@@ -3175,6 +3175,35 @@
           </a:p>
         </p:txBody>
       </p:sp>
+      <p:pic>
+        <p:nvPicPr>
+          <p:cNvPr id="122" name="屏幕快照 2017-06-25 18.07.47.jpg" descr="屏幕快照 2017-06-25 18.07.47.jpg"/>
+          <p:cNvPicPr>
+            <a:picLocks noChangeAspect="1"/>
+          </p:cNvPicPr>
+          <p:nvPr/>
+        </p:nvPicPr>
+        <p:blipFill>
+          <a:blip r:embed="rId2">
+            <a:extLst/>
+          </a:blip>
+          <a:stretch>
+            <a:fillRect/>
+          </a:stretch>
+        </p:blipFill>
+        <p:spPr>
+          <a:xfrm>
+            <a:off x="11331575" y="2313582"/>
+            <a:ext cx="1720683" cy="1951457"/>
+          </a:xfrm>
+          <a:prstGeom prst="rect">
+            <a:avLst/>
+          </a:prstGeom>
+          <a:ln w="12700">
+            <a:miter lim="400000"/>
+          </a:ln>
+        </p:spPr>
+      </p:pic>
     </p:spTree>
   </p:cSld>
   <p:clrMapOvr>
@@ -3210,7 +3239,7 @@
       </p:grpSpPr>
       <p:sp>
         <p:nvSpPr>
-          <p:cNvPr id="188" name="Centralized…"/>
+          <p:cNvPr id="189" name="Centralized…"/>
           <p:cNvSpPr txBox="1"/>
           <p:nvPr/>
         </p:nvSpPr>
@@ -3264,7 +3293,7 @@
       </p:sp>
       <p:sp>
         <p:nvSpPr>
-          <p:cNvPr id="189" name="问题#1: 用户资产需要托管…"/>
+          <p:cNvPr id="190" name="问题#1: 用户资产需要托管…"/>
           <p:cNvSpPr/>
           <p:nvPr/>
         </p:nvSpPr>
@@ -3327,7 +3356,7 @@
       </p:sp>
       <p:sp>
         <p:nvSpPr>
-          <p:cNvPr id="190" name="问题#2: 交易所内幕交易…"/>
+          <p:cNvPr id="191" name="问题#2: 交易所内幕交易…"/>
           <p:cNvSpPr/>
           <p:nvPr/>
         </p:nvSpPr>
@@ -3390,7 +3419,7 @@
       </p:sp>
       <p:sp>
         <p:nvSpPr>
-          <p:cNvPr id="191" name="问题#3: 订单散落到多交易所…"/>
+          <p:cNvPr id="192" name="问题#3: 订单散落到多交易所…"/>
           <p:cNvSpPr/>
           <p:nvPr/>
         </p:nvSpPr>
@@ -3453,7 +3482,7 @@
       </p:sp>
       <p:sp>
         <p:nvSpPr>
-          <p:cNvPr id="192" name="{"/>
+          <p:cNvPr id="193" name="{"/>
           <p:cNvSpPr txBox="1"/>
           <p:nvPr/>
         </p:nvSpPr>
@@ -3498,7 +3527,7 @@
       </p:sp>
       <p:grpSp>
         <p:nvGrpSpPr>
-          <p:cNvPr id="195" name="成组"/>
+          <p:cNvPr id="196" name="成组"/>
           <p:cNvGrpSpPr/>
           <p:nvPr/>
         </p:nvGrpSpPr>
@@ -3512,7 +3541,7 @@
         </p:grpSpPr>
         <p:sp>
           <p:nvSpPr>
-            <p:cNvPr id="193" name="1.资产无需托管"/>
+            <p:cNvPr id="194" name="1.资产无需托管"/>
             <p:cNvSpPr txBox="1"/>
             <p:nvPr/>
           </p:nvSpPr>
@@ -3560,7 +3589,7 @@
         </p:sp>
         <p:sp>
           <p:nvSpPr>
-            <p:cNvPr id="194" name="没有充值提现过程，用户订单中的代币一直存放在用户区块链账户中，同时订单不锁定代币，下单后依然可以任意支配资产。"/>
+            <p:cNvPr id="195" name="没有充值提现过程，用户订单中的代币一直存放在用户区块链账户中，同时订单不锁定代币，下单后依然可以任意支配资产。"/>
             <p:cNvSpPr txBox="1"/>
             <p:nvPr/>
           </p:nvSpPr>
@@ -3609,7 +3638,7 @@
       </p:grpSp>
       <p:grpSp>
         <p:nvGrpSpPr>
-          <p:cNvPr id="198" name="成组"/>
+          <p:cNvPr id="199" name="成组"/>
           <p:cNvGrpSpPr/>
           <p:nvPr/>
         </p:nvGrpSpPr>
@@ -3623,7 +3652,7 @@
         </p:grpSpPr>
         <p:sp>
           <p:nvSpPr>
-            <p:cNvPr id="196" name="2. 区块链上交易清算"/>
+            <p:cNvPr id="197" name="2. 区块链上交易清算"/>
             <p:cNvSpPr txBox="1"/>
             <p:nvPr/>
           </p:nvSpPr>
@@ -3671,7 +3700,7 @@
         </p:sp>
         <p:sp>
           <p:nvSpPr>
-            <p:cNvPr id="197" name="订单链外生成，传播和撮合；链上做交易和验证和清结算，清结算通过智能合约保障原执行。不会再有内幕交易。"/>
+            <p:cNvPr id="198" name="订单链外生成，传播和撮合；链上做交易和验证和清结算，清结算通过智能合约保障原执行。不会再有内幕交易。"/>
             <p:cNvSpPr txBox="1"/>
             <p:nvPr/>
           </p:nvSpPr>
@@ -3720,7 +3749,7 @@
       </p:grpSp>
       <p:grpSp>
         <p:nvGrpSpPr>
-          <p:cNvPr id="201" name="成组"/>
+          <p:cNvPr id="202" name="成组"/>
           <p:cNvGrpSpPr/>
           <p:nvPr/>
         </p:nvGrpSpPr>
@@ -3734,7 +3763,7 @@
         </p:grpSpPr>
         <p:sp>
           <p:nvSpPr>
-            <p:cNvPr id="199" name="3. 订单共享"/>
+            <p:cNvPr id="200" name="3. 订单共享"/>
             <p:cNvSpPr txBox="1"/>
             <p:nvPr/>
           </p:nvSpPr>
@@ -3782,7 +3811,7 @@
         </p:sp>
         <p:sp>
           <p:nvSpPr>
-            <p:cNvPr id="200" name="订单可以被广播给一个或多个交易所，做联合的，同时也是竞争式的撮合。用户成交价格更优惠，流动性更大。"/>
+            <p:cNvPr id="201" name="订单可以被广播给一个或多个交易所，做联合的，同时也是竞争式的撮合。用户成交价格更优惠，流动性更大。"/>
             <p:cNvSpPr txBox="1"/>
             <p:nvPr/>
           </p:nvSpPr>
@@ -3831,7 +3860,7 @@
       </p:grpSp>
       <p:grpSp>
         <p:nvGrpSpPr>
-          <p:cNvPr id="204" name="成组"/>
+          <p:cNvPr id="205" name="成组"/>
           <p:cNvGrpSpPr/>
           <p:nvPr/>
         </p:nvGrpSpPr>
@@ -3845,7 +3874,7 @@
         </p:grpSpPr>
         <p:sp>
           <p:nvSpPr>
-            <p:cNvPr id="202" name="4.多订单环路撮合"/>
+            <p:cNvPr id="203" name="4.多订单环路撮合"/>
             <p:cNvSpPr txBox="1"/>
             <p:nvPr/>
           </p:nvSpPr>
@@ -3893,7 +3922,7 @@
         </p:sp>
         <p:sp>
           <p:nvSpPr>
-            <p:cNvPr id="203" name="革命性的“环路撮合”机制，允许任意两个虚拟货币之间的交易。同时能够更大程度上生成新的流动性。"/>
+            <p:cNvPr id="204" name="革命性的“环路撮合”机制，允许任意两个虚拟货币之间的交易。同时能够更大程度上生成新的流动性。"/>
             <p:cNvSpPr txBox="1"/>
             <p:nvPr/>
           </p:nvSpPr>
@@ -3942,7 +3971,7 @@
       </p:grpSp>
       <p:grpSp>
         <p:nvGrpSpPr>
-          <p:cNvPr id="207" name="成组"/>
+          <p:cNvPr id="208" name="成组"/>
           <p:cNvGrpSpPr/>
           <p:nvPr/>
         </p:nvGrpSpPr>
@@ -3956,7 +3985,7 @@
         </p:grpSpPr>
         <p:sp>
           <p:nvSpPr>
-            <p:cNvPr id="205" name="Loopring"/>
+            <p:cNvPr id="206" name="Loopring"/>
             <p:cNvSpPr txBox="1"/>
             <p:nvPr/>
           </p:nvSpPr>
@@ -4004,7 +4033,7 @@
         </p:sp>
         <p:sp>
           <p:nvSpPr>
-            <p:cNvPr id="206" name="去中心化代币交易所和协议"/>
+            <p:cNvPr id="207" name="去中心化代币交易所和协议"/>
             <p:cNvSpPr txBox="1"/>
             <p:nvPr/>
           </p:nvSpPr>
@@ -4101,7 +4130,7 @@
                                       <p:cBhvr>
                                         <p:cTn id="6" fill="hold"/>
                                         <p:tgtEl>
-                                          <p:spTgt spid="198"/>
+                                          <p:spTgt spid="199"/>
                                         </p:tgtEl>
                                         <p:attrNameLst>
                                           <p:attrName>style.visibility</p:attrName>
@@ -4115,7 +4144,7 @@
                                       <p:cBhvr>
                                         <p:cTn id="7" dur="1000"/>
                                         <p:tgtEl>
-                                          <p:spTgt spid="198"/>
+                                          <p:spTgt spid="199"/>
                                         </p:tgtEl>
                                       </p:cBhvr>
                                     </p:animEffect>
@@ -4153,7 +4182,7 @@
                                       <p:cBhvr>
                                         <p:cTn id="11" fill="hold"/>
                                         <p:tgtEl>
-                                          <p:spTgt spid="201"/>
+                                          <p:spTgt spid="202"/>
                                         </p:tgtEl>
                                         <p:attrNameLst>
                                           <p:attrName>style.visibility</p:attrName>
@@ -4167,7 +4196,7 @@
                                       <p:cBhvr>
                                         <p:cTn id="12" dur="1000"/>
                                         <p:tgtEl>
-                                          <p:spTgt spid="201"/>
+                                          <p:spTgt spid="202"/>
                                         </p:tgtEl>
                                       </p:cBhvr>
                                     </p:animEffect>
@@ -4205,7 +4234,7 @@
                                       <p:cBhvr>
                                         <p:cTn id="16" fill="hold"/>
                                         <p:tgtEl>
-                                          <p:spTgt spid="204"/>
+                                          <p:spTgt spid="205"/>
                                         </p:tgtEl>
                                         <p:attrNameLst>
                                           <p:attrName>style.visibility</p:attrName>
@@ -4219,7 +4248,7 @@
                                       <p:cBhvr>
                                         <p:cTn id="17" dur="1000"/>
                                         <p:tgtEl>
-                                          <p:spTgt spid="204"/>
+                                          <p:spTgt spid="205"/>
                                         </p:tgtEl>
                                       </p:cBhvr>
                                     </p:animEffect>
@@ -4254,9 +4283,9 @@
       </p:par>
     </p:tnLst>
     <p:bldLst>
-      <p:bldP build="whole" bldLvl="1" animBg="1" rev="0" advAuto="0" spid="198" grpId="1"/>
-      <p:bldP build="whole" bldLvl="1" animBg="1" rev="0" advAuto="0" spid="204" grpId="3"/>
-      <p:bldP build="whole" bldLvl="1" animBg="1" rev="0" advAuto="0" spid="201" grpId="2"/>
+      <p:bldP build="whole" bldLvl="1" animBg="1" rev="0" advAuto="0" spid="199" grpId="1"/>
+      <p:bldP build="whole" bldLvl="1" animBg="1" rev="0" advAuto="0" spid="202" grpId="2"/>
+      <p:bldP build="whole" bldLvl="1" animBg="1" rev="0" advAuto="0" spid="205" grpId="3"/>
     </p:bldLst>
   </p:timing>
 </p:sld>
@@ -4288,7 +4317,7 @@
       </p:grpSpPr>
       <p:sp>
         <p:nvSpPr>
-          <p:cNvPr id="209" name="Centralized…"/>
+          <p:cNvPr id="210" name="Centralized…"/>
           <p:cNvSpPr txBox="1"/>
           <p:nvPr/>
         </p:nvSpPr>
@@ -4342,7 +4371,7 @@
       </p:sp>
       <p:sp>
         <p:nvSpPr>
-          <p:cNvPr id="210" name="order#1…"/>
+          <p:cNvPr id="211" name="order#1…"/>
           <p:cNvSpPr/>
           <p:nvPr/>
         </p:nvSpPr>
@@ -4495,7 +4524,7 @@
       </p:sp>
       <p:sp>
         <p:nvSpPr>
-          <p:cNvPr id="211" name="order#2…"/>
+          <p:cNvPr id="212" name="order#2…"/>
           <p:cNvSpPr/>
           <p:nvPr/>
         </p:nvSpPr>
@@ -4647,7 +4676,7 @@
       </p:sp>
       <p:sp>
         <p:nvSpPr>
-          <p:cNvPr id="212" name="order#3…"/>
+          <p:cNvPr id="213" name="order#3…"/>
           <p:cNvSpPr/>
           <p:nvPr/>
         </p:nvSpPr>
@@ -4799,7 +4828,7 @@
       </p:sp>
       <p:grpSp>
         <p:nvGrpSpPr>
-          <p:cNvPr id="215" name="成组"/>
+          <p:cNvPr id="216" name="成组"/>
           <p:cNvGrpSpPr/>
           <p:nvPr/>
         </p:nvGrpSpPr>
@@ -4813,7 +4842,7 @@
         </p:grpSpPr>
         <p:sp>
           <p:nvSpPr>
-            <p:cNvPr id="213" name="4.多订单环路撮合"/>
+            <p:cNvPr id="214" name="4.多订单环路撮合"/>
             <p:cNvSpPr txBox="1"/>
             <p:nvPr/>
           </p:nvSpPr>
@@ -4861,7 +4890,7 @@
         </p:sp>
         <p:sp>
           <p:nvSpPr>
-            <p:cNvPr id="214" name="革命性的“环路撮合”机制，允许任意两个虚拟货币之间的交易。同时能够更大程度上生成新的流动性。"/>
+            <p:cNvPr id="215" name="革命性的“环路撮合”机制，允许任意两个虚拟货币之间的交易。同时能够更大程度上生成新的流动性。"/>
             <p:cNvSpPr txBox="1"/>
             <p:nvPr/>
           </p:nvSpPr>
@@ -4961,7 +4990,7 @@
                                       <p:cBhvr>
                                         <p:cTn id="6" fill="hold"/>
                                         <p:tgtEl>
-                                          <p:spTgt spid="210"/>
+                                          <p:spTgt spid="211"/>
                                         </p:tgtEl>
                                         <p:attrNameLst>
                                           <p:attrName>style.visibility</p:attrName>
@@ -4975,7 +5004,7 @@
                                       <p:cBhvr>
                                         <p:cTn id="7" dur="1000" fill="hold"/>
                                         <p:tgtEl>
-                                          <p:spTgt spid="210"/>
+                                          <p:spTgt spid="211"/>
                                         </p:tgtEl>
                                         <p:attrNameLst>
                                           <p:attrName>ppt_x</p:attrName>
@@ -4998,7 +5027,7 @@
                                       <p:cBhvr>
                                         <p:cTn id="8" dur="1000" fill="hold"/>
                                         <p:tgtEl>
-                                          <p:spTgt spid="210"/>
+                                          <p:spTgt spid="211"/>
                                         </p:tgtEl>
                                         <p:attrNameLst>
                                           <p:attrName>ppt_y</p:attrName>
@@ -5042,7 +5071,7 @@
                                       <p:cBhvr>
                                         <p:cTn id="11" fill="hold"/>
                                         <p:tgtEl>
-                                          <p:spTgt spid="211"/>
+                                          <p:spTgt spid="212"/>
                                         </p:tgtEl>
                                         <p:attrNameLst>
                                           <p:attrName>style.visibility</p:attrName>
@@ -5056,7 +5085,7 @@
                                       <p:cBhvr>
                                         <p:cTn id="12" dur="500" fill="hold"/>
                                         <p:tgtEl>
-                                          <p:spTgt spid="211"/>
+                                          <p:spTgt spid="212"/>
                                         </p:tgtEl>
                                         <p:attrNameLst>
                                           <p:attrName>ppt_x</p:attrName>
@@ -5079,7 +5108,7 @@
                                       <p:cBhvr>
                                         <p:cTn id="13" dur="500" fill="hold"/>
                                         <p:tgtEl>
-                                          <p:spTgt spid="211"/>
+                                          <p:spTgt spid="212"/>
                                         </p:tgtEl>
                                         <p:attrNameLst>
                                           <p:attrName>ppt_y</p:attrName>
@@ -5123,7 +5152,7 @@
                                       <p:cBhvr>
                                         <p:cTn id="16" fill="hold"/>
                                         <p:tgtEl>
-                                          <p:spTgt spid="212"/>
+                                          <p:spTgt spid="213"/>
                                         </p:tgtEl>
                                         <p:attrNameLst>
                                           <p:attrName>style.visibility</p:attrName>
@@ -5137,7 +5166,7 @@
                                       <p:cBhvr>
                                         <p:cTn id="17" dur="500" fill="hold"/>
                                         <p:tgtEl>
-                                          <p:spTgt spid="212"/>
+                                          <p:spTgt spid="213"/>
                                         </p:tgtEl>
                                         <p:attrNameLst>
                                           <p:attrName>ppt_x</p:attrName>
@@ -5160,7 +5189,7 @@
                                       <p:cBhvr>
                                         <p:cTn id="18" dur="500" fill="hold"/>
                                         <p:tgtEl>
-                                          <p:spTgt spid="212"/>
+                                          <p:spTgt spid="213"/>
                                         </p:tgtEl>
                                         <p:attrNameLst>
                                           <p:attrName>ppt_y</p:attrName>
@@ -5210,9 +5239,9 @@
       </p:par>
     </p:tnLst>
     <p:bldLst>
-      <p:bldP build="whole" bldLvl="1" animBg="1" rev="0" advAuto="0" spid="211" grpId="2"/>
-      <p:bldP build="whole" bldLvl="1" animBg="1" rev="0" advAuto="0" spid="210" grpId="1"/>
-      <p:bldP build="whole" bldLvl="1" animBg="1" rev="0" advAuto="0" spid="212" grpId="3"/>
+      <p:bldP build="whole" bldLvl="1" animBg="1" rev="0" advAuto="0" spid="212" grpId="2"/>
+      <p:bldP build="whole" bldLvl="1" animBg="1" rev="0" advAuto="0" spid="213" grpId="3"/>
+      <p:bldP build="whole" bldLvl="1" animBg="1" rev="0" advAuto="0" spid="211" grpId="1"/>
     </p:bldLst>
   </p:timing>
 </p:sld>
@@ -5244,7 +5273,7 @@
       </p:grpSpPr>
       <p:sp>
         <p:nvSpPr>
-          <p:cNvPr id="217" name="Centralized…"/>
+          <p:cNvPr id="218" name="Centralized…"/>
           <p:cNvSpPr txBox="1"/>
           <p:nvPr/>
         </p:nvSpPr>
@@ -5298,7 +5327,7 @@
       </p:sp>
       <p:sp>
         <p:nvSpPr>
-          <p:cNvPr id="218" name="order#1…"/>
+          <p:cNvPr id="219" name="order#1…"/>
           <p:cNvSpPr/>
           <p:nvPr/>
         </p:nvSpPr>
@@ -5451,7 +5480,7 @@
       </p:sp>
       <p:sp>
         <p:nvSpPr>
-          <p:cNvPr id="219" name="order#2…"/>
+          <p:cNvPr id="220" name="order#2…"/>
           <p:cNvSpPr/>
           <p:nvPr/>
         </p:nvSpPr>
@@ -5603,7 +5632,7 @@
       </p:sp>
       <p:sp>
         <p:nvSpPr>
-          <p:cNvPr id="220" name="order#3…"/>
+          <p:cNvPr id="221" name="order#3…"/>
           <p:cNvSpPr/>
           <p:nvPr/>
         </p:nvSpPr>
@@ -5755,7 +5784,7 @@
       </p:sp>
       <p:grpSp>
         <p:nvGrpSpPr>
-          <p:cNvPr id="227" name="成组"/>
+          <p:cNvPr id="228" name="成组"/>
           <p:cNvGrpSpPr/>
           <p:nvPr/>
         </p:nvGrpSpPr>
@@ -5769,7 +5798,7 @@
         </p:grpSpPr>
         <p:sp>
           <p:nvSpPr>
-            <p:cNvPr id="221" name="线条"/>
+            <p:cNvPr id="222" name="线条"/>
             <p:cNvSpPr/>
             <p:nvPr/>
           </p:nvSpPr>
@@ -5814,7 +5843,7 @@
         </p:sp>
         <p:sp>
           <p:nvSpPr>
-            <p:cNvPr id="222" name="线条"/>
+            <p:cNvPr id="223" name="线条"/>
             <p:cNvSpPr/>
             <p:nvPr/>
           </p:nvSpPr>
@@ -5859,7 +5888,7 @@
         </p:sp>
         <p:sp>
           <p:nvSpPr>
-            <p:cNvPr id="223" name="线条"/>
+            <p:cNvPr id="224" name="线条"/>
             <p:cNvSpPr/>
             <p:nvPr/>
           </p:nvSpPr>
@@ -5903,7 +5932,7 @@
         </p:sp>
         <p:sp>
           <p:nvSpPr>
-            <p:cNvPr id="224" name="线条"/>
+            <p:cNvPr id="225" name="线条"/>
             <p:cNvSpPr/>
             <p:nvPr/>
           </p:nvSpPr>
@@ -5947,7 +5976,7 @@
         </p:sp>
         <p:sp>
           <p:nvSpPr>
-            <p:cNvPr id="225" name="线条"/>
+            <p:cNvPr id="226" name="线条"/>
             <p:cNvSpPr/>
             <p:nvPr/>
           </p:nvSpPr>
@@ -5991,7 +6020,7 @@
         </p:sp>
         <p:sp>
           <p:nvSpPr>
-            <p:cNvPr id="226" name="线条"/>
+            <p:cNvPr id="227" name="线条"/>
             <p:cNvSpPr/>
             <p:nvPr/>
           </p:nvSpPr>
@@ -6036,7 +6065,7 @@
       </p:grpSp>
       <p:grpSp>
         <p:nvGrpSpPr>
-          <p:cNvPr id="231" name="成组"/>
+          <p:cNvPr id="232" name="成组"/>
           <p:cNvGrpSpPr/>
           <p:nvPr/>
         </p:nvGrpSpPr>
@@ -6050,7 +6079,7 @@
         </p:grpSpPr>
         <p:sp>
           <p:nvSpPr>
-            <p:cNvPr id="228" name="线条"/>
+            <p:cNvPr id="229" name="线条"/>
             <p:cNvSpPr/>
             <p:nvPr/>
           </p:nvSpPr>
@@ -6095,7 +6124,7 @@
         </p:sp>
         <p:sp>
           <p:nvSpPr>
-            <p:cNvPr id="229" name="线条"/>
+            <p:cNvPr id="230" name="线条"/>
             <p:cNvSpPr/>
             <p:nvPr/>
           </p:nvSpPr>
@@ -6139,7 +6168,7 @@
         </p:sp>
         <p:sp>
           <p:nvSpPr>
-            <p:cNvPr id="230" name="线条"/>
+            <p:cNvPr id="231" name="线条"/>
             <p:cNvSpPr/>
             <p:nvPr/>
           </p:nvSpPr>
@@ -6184,7 +6213,7 @@
       </p:grpSp>
       <p:sp>
         <p:nvSpPr>
-          <p:cNvPr id="232" name="8 token_B"/>
+          <p:cNvPr id="233" name="8 token_B"/>
           <p:cNvSpPr txBox="1"/>
           <p:nvPr/>
         </p:nvSpPr>
@@ -6247,7 +6276,7 @@
       </p:sp>
       <p:sp>
         <p:nvSpPr>
-          <p:cNvPr id="233" name="98 token_C"/>
+          <p:cNvPr id="234" name="98 token_C"/>
           <p:cNvSpPr txBox="1"/>
           <p:nvPr/>
         </p:nvSpPr>
@@ -6312,7 +6341,7 @@
       </p:sp>
       <p:sp>
         <p:nvSpPr>
-          <p:cNvPr id="234" name="7898 token_A"/>
+          <p:cNvPr id="235" name="7898 token_A"/>
           <p:cNvSpPr txBox="1"/>
           <p:nvPr/>
         </p:nvSpPr>
@@ -6378,7 +6407,7 @@
       </p:sp>
       <p:sp>
         <p:nvSpPr>
-          <p:cNvPr id="235" name="dust"/>
+          <p:cNvPr id="236" name="dust"/>
           <p:cNvSpPr/>
           <p:nvPr/>
         </p:nvSpPr>
@@ -6432,7 +6461,7 @@
       </p:sp>
       <p:sp>
         <p:nvSpPr>
-          <p:cNvPr id="236" name="dust"/>
+          <p:cNvPr id="237" name="dust"/>
           <p:cNvSpPr/>
           <p:nvPr/>
         </p:nvSpPr>
@@ -6486,7 +6515,7 @@
       </p:sp>
       <p:pic>
         <p:nvPicPr>
-          <p:cNvPr id="237" name="Screen Shot 2017-06-12 at 22.05.26.jpg" descr="Screen Shot 2017-06-12 at 22.05.26.jpg"/>
+          <p:cNvPr id="238" name="Screen Shot 2017-06-12 at 22.05.26.jpg" descr="Screen Shot 2017-06-12 at 22.05.26.jpg"/>
           <p:cNvPicPr>
             <a:picLocks noChangeAspect="1"/>
           </p:cNvPicPr>
@@ -6515,7 +6544,7 @@
       </p:pic>
       <p:grpSp>
         <p:nvGrpSpPr>
-          <p:cNvPr id="240" name="成组"/>
+          <p:cNvPr id="241" name="成组"/>
           <p:cNvGrpSpPr/>
           <p:nvPr/>
         </p:nvGrpSpPr>
@@ -6529,7 +6558,7 @@
         </p:grpSpPr>
         <p:sp>
           <p:nvSpPr>
-            <p:cNvPr id="238" name="4.多订单环路撮合"/>
+            <p:cNvPr id="239" name="4.多订单环路撮合"/>
             <p:cNvSpPr txBox="1"/>
             <p:nvPr/>
           </p:nvSpPr>
@@ -6577,7 +6606,7 @@
         </p:sp>
         <p:sp>
           <p:nvSpPr>
-            <p:cNvPr id="239" name="革命性的“环路撮合”机制，允许任意两个虚拟货币之间的交易。同时能够更大程度上生成新的流动性。"/>
+            <p:cNvPr id="240" name="革命性的“环路撮合”机制，允许任意两个虚拟货币之间的交易。同时能够更大程度上生成新的流动性。"/>
             <p:cNvSpPr txBox="1"/>
             <p:nvPr/>
           </p:nvSpPr>
@@ -6626,7 +6655,7 @@
       </p:grpSp>
       <p:grpSp>
         <p:nvGrpSpPr>
-          <p:cNvPr id="243" name="成组"/>
+          <p:cNvPr id="244" name="成组"/>
           <p:cNvGrpSpPr/>
           <p:nvPr/>
         </p:nvGrpSpPr>
@@ -6640,7 +6669,7 @@
         </p:grpSpPr>
         <p:sp>
           <p:nvSpPr>
-            <p:cNvPr id="241" name="Loopring"/>
+            <p:cNvPr id="242" name="Loopring"/>
             <p:cNvSpPr txBox="1"/>
             <p:nvPr/>
           </p:nvSpPr>
@@ -6688,7 +6717,7 @@
         </p:sp>
         <p:sp>
           <p:nvSpPr>
-            <p:cNvPr id="242" name="去中心化代币交易所和协议"/>
+            <p:cNvPr id="243" name="去中心化代币交易所和协议"/>
             <p:cNvSpPr txBox="1"/>
             <p:nvPr/>
           </p:nvSpPr>
@@ -6774,7 +6803,7 @@
                                       <p:cBhvr>
                                         <p:cTn id="6" fill="hold"/>
                                         <p:tgtEl>
-                                          <p:spTgt spid="236"/>
+                                          <p:spTgt spid="237"/>
                                         </p:tgtEl>
                                         <p:attrNameLst>
                                           <p:attrName>style.visibility</p:attrName>
@@ -6809,7 +6838,7 @@
                                       <p:cBhvr>
                                         <p:cTn id="9" fill="hold"/>
                                         <p:tgtEl>
-                                          <p:spTgt spid="235"/>
+                                          <p:spTgt spid="236"/>
                                         </p:tgtEl>
                                         <p:attrNameLst>
                                           <p:attrName>style.visibility</p:attrName>
@@ -6853,7 +6882,7 @@
                                       <p:cBhvr>
                                         <p:cTn id="13" fill="hold"/>
                                         <p:tgtEl>
-                                          <p:spTgt spid="237"/>
+                                          <p:spTgt spid="238"/>
                                         </p:tgtEl>
                                         <p:attrNameLst>
                                           <p:attrName>style.visibility</p:attrName>
@@ -6867,7 +6896,7 @@
                                       <p:cBhvr>
                                         <p:cTn id="14" dur="1000" fill="hold"/>
                                         <p:tgtEl>
-                                          <p:spTgt spid="237"/>
+                                          <p:spTgt spid="238"/>
                                         </p:tgtEl>
                                         <p:attrNameLst>
                                           <p:attrName>ppt_w</p:attrName>
@@ -6890,7 +6919,7 @@
                                       <p:cBhvr>
                                         <p:cTn id="15" dur="1000" fill="hold"/>
                                         <p:tgtEl>
-                                          <p:spTgt spid="237"/>
+                                          <p:spTgt spid="238"/>
                                         </p:tgtEl>
                                         <p:attrNameLst>
                                           <p:attrName>ppt_h</p:attrName>
@@ -6940,9 +6969,9 @@
       </p:par>
     </p:tnLst>
     <p:bldLst>
-      <p:bldP build="whole" bldLvl="1" animBg="1" rev="0" advAuto="0" spid="235" grpId="2"/>
-      <p:bldP build="whole" bldLvl="1" animBg="1" rev="0" advAuto="0" spid="236" grpId="1"/>
-      <p:bldP build="whole" bldLvl="1" animBg="1" rev="0" advAuto="0" spid="237" grpId="3"/>
+      <p:bldP build="whole" bldLvl="1" animBg="1" rev="0" advAuto="0" spid="236" grpId="2"/>
+      <p:bldP build="whole" bldLvl="1" animBg="1" rev="0" advAuto="0" spid="238" grpId="3"/>
+      <p:bldP build="whole" bldLvl="1" animBg="1" rev="0" advAuto="0" spid="237" grpId="1"/>
     </p:bldLst>
   </p:timing>
 </p:sld>
@@ -6974,7 +7003,7 @@
       </p:grpSpPr>
       <p:grpSp>
         <p:nvGrpSpPr>
-          <p:cNvPr id="247" name="成组"/>
+          <p:cNvPr id="248" name="成组"/>
           <p:cNvGrpSpPr/>
           <p:nvPr/>
         </p:nvGrpSpPr>
@@ -6988,7 +7017,7 @@
         </p:grpSpPr>
         <p:sp>
           <p:nvSpPr>
-            <p:cNvPr id="245" name="Loopring"/>
+            <p:cNvPr id="246" name="Loopring"/>
             <p:cNvSpPr txBox="1"/>
             <p:nvPr/>
           </p:nvSpPr>
@@ -7036,7 +7065,7 @@
         </p:sp>
         <p:sp>
           <p:nvSpPr>
-            <p:cNvPr id="246" name="去中心化代币交易所和协议"/>
+            <p:cNvPr id="247" name="去中心化代币交易所和协议"/>
             <p:cNvSpPr txBox="1"/>
             <p:nvPr/>
           </p:nvSpPr>
@@ -7085,7 +7114,7 @@
       </p:grpSp>
       <p:pic>
         <p:nvPicPr>
-          <p:cNvPr id="248" name="pasted-image.pdf" descr="pasted-image.pdf"/>
+          <p:cNvPr id="249" name="pasted-image.pdf" descr="pasted-image.pdf"/>
           <p:cNvPicPr>
             <a:picLocks noChangeAspect="1"/>
           </p:cNvPicPr>
@@ -7158,7 +7187,7 @@
       </p:grpSpPr>
       <p:sp>
         <p:nvSpPr>
-          <p:cNvPr id="250" name="Centralized…"/>
+          <p:cNvPr id="251" name="Centralized…"/>
           <p:cNvSpPr txBox="1"/>
           <p:nvPr/>
         </p:nvSpPr>
@@ -7212,7 +7241,7 @@
       </p:sp>
       <p:sp>
         <p:nvSpPr>
-          <p:cNvPr id="251" name="首先是个协议"/>
+          <p:cNvPr id="252" name="首先是个协议"/>
           <p:cNvSpPr txBox="1"/>
           <p:nvPr/>
         </p:nvSpPr>
@@ -7260,7 +7289,7 @@
       </p:sp>
       <p:sp>
         <p:nvSpPr>
-          <p:cNvPr id="252" name="其使命是通过去中心化技术，创造零风险，高流动性的资产交易模式。"/>
+          <p:cNvPr id="253" name="其使命是通过去中心化技术，创造零风险，高流动性的资产交易模式。"/>
           <p:cNvSpPr txBox="1"/>
           <p:nvPr/>
         </p:nvSpPr>
@@ -7305,7 +7334,7 @@
       </p:sp>
       <p:grpSp>
         <p:nvGrpSpPr>
-          <p:cNvPr id="255" name="成组"/>
+          <p:cNvPr id="256" name="成组"/>
           <p:cNvGrpSpPr/>
           <p:nvPr/>
         </p:nvGrpSpPr>
@@ -7319,7 +7348,7 @@
         </p:grpSpPr>
         <p:sp>
           <p:nvSpPr>
-            <p:cNvPr id="253" name="Loopring"/>
+            <p:cNvPr id="254" name="Loopring"/>
             <p:cNvSpPr txBox="1"/>
             <p:nvPr/>
           </p:nvSpPr>
@@ -7367,7 +7396,7 @@
         </p:sp>
         <p:sp>
           <p:nvSpPr>
-            <p:cNvPr id="254" name="去中心化代币交易所和协议"/>
+            <p:cNvPr id="255" name="去中心化代币交易所和协议"/>
             <p:cNvSpPr txBox="1"/>
             <p:nvPr/>
           </p:nvSpPr>
@@ -7467,7 +7496,7 @@
                                       <p:cBhvr>
                                         <p:cTn id="6" fill="hold"/>
                                         <p:tgtEl>
-                                          <p:spTgt spid="251"/>
+                                          <p:spTgt spid="252"/>
                                         </p:tgtEl>
                                         <p:attrNameLst>
                                           <p:attrName>style.visibility</p:attrName>
@@ -7481,7 +7510,7 @@
                                       <p:cBhvr>
                                         <p:cTn id="7" dur="500"/>
                                         <p:tgtEl>
-                                          <p:spTgt spid="251"/>
+                                          <p:spTgt spid="252"/>
                                         </p:tgtEl>
                                       </p:cBhvr>
                                     </p:animEffect>
@@ -7510,7 +7539,7 @@
                                       <p:cBhvr>
                                         <p:cTn id="10" fill="hold"/>
                                         <p:tgtEl>
-                                          <p:spTgt spid="252"/>
+                                          <p:spTgt spid="253"/>
                                         </p:tgtEl>
                                         <p:attrNameLst>
                                           <p:attrName>style.visibility</p:attrName>
@@ -7524,7 +7553,7 @@
                                       <p:cBhvr>
                                         <p:cTn id="11" dur="500"/>
                                         <p:tgtEl>
-                                          <p:spTgt spid="252"/>
+                                          <p:spTgt spid="253"/>
                                         </p:tgtEl>
                                       </p:cBhvr>
                                     </p:animEffect>
@@ -7559,8 +7588,8 @@
       </p:par>
     </p:tnLst>
     <p:bldLst>
-      <p:bldP build="whole" bldLvl="1" animBg="1" rev="0" advAuto="0" spid="252" grpId="2"/>
-      <p:bldP build="whole" bldLvl="1" animBg="1" rev="0" advAuto="0" spid="251" grpId="1"/>
+      <p:bldP build="whole" bldLvl="1" animBg="1" rev="0" advAuto="0" spid="252" grpId="1"/>
+      <p:bldP build="whole" bldLvl="1" animBg="1" rev="0" advAuto="0" spid="253" grpId="2"/>
     </p:bldLst>
   </p:timing>
 </p:sld>
@@ -7592,7 +7621,7 @@
       </p:grpSpPr>
       <p:sp>
         <p:nvSpPr>
-          <p:cNvPr id="257" name="Centralized…"/>
+          <p:cNvPr id="258" name="Centralized…"/>
           <p:cNvSpPr txBox="1"/>
           <p:nvPr/>
         </p:nvSpPr>
@@ -7646,7 +7675,7 @@
       </p:sp>
       <p:sp>
         <p:nvSpPr>
-          <p:cNvPr id="258" name="首先是个协议"/>
+          <p:cNvPr id="259" name="首先是个协议"/>
           <p:cNvSpPr txBox="1"/>
           <p:nvPr/>
         </p:nvSpPr>
@@ -7694,7 +7723,7 @@
       </p:sp>
       <p:sp>
         <p:nvSpPr>
-          <p:cNvPr id="259" name="HTTP"/>
+          <p:cNvPr id="260" name="HTTP"/>
           <p:cNvSpPr/>
           <p:nvPr/>
         </p:nvSpPr>
@@ -7743,7 +7772,7 @@
       </p:sp>
       <p:sp>
         <p:nvSpPr>
-          <p:cNvPr id="260" name="Linux"/>
+          <p:cNvPr id="261" name="Linux"/>
           <p:cNvSpPr/>
           <p:nvPr/>
         </p:nvSpPr>
@@ -7792,7 +7821,7 @@
       </p:sp>
       <p:sp>
         <p:nvSpPr>
-          <p:cNvPr id="261" name="Windows"/>
+          <p:cNvPr id="262" name="Windows"/>
           <p:cNvSpPr/>
           <p:nvPr/>
         </p:nvSpPr>
@@ -7841,7 +7870,7 @@
       </p:sp>
       <p:sp>
         <p:nvSpPr>
-          <p:cNvPr id="262" name="Android"/>
+          <p:cNvPr id="263" name="Android"/>
           <p:cNvSpPr/>
           <p:nvPr/>
         </p:nvSpPr>
@@ -7890,7 +7919,7 @@
       </p:sp>
       <p:sp>
         <p:nvSpPr>
-          <p:cNvPr id="263" name="iOS"/>
+          <p:cNvPr id="264" name="iOS"/>
           <p:cNvSpPr/>
           <p:nvPr/>
         </p:nvSpPr>
@@ -7939,7 +7968,7 @@
       </p:sp>
       <p:sp>
         <p:nvSpPr>
-          <p:cNvPr id="264" name="如同HTTP协议可以再多个操作系统中实现"/>
+          <p:cNvPr id="265" name="如同HTTP协议可以再多个操作系统中实现"/>
           <p:cNvSpPr txBox="1"/>
           <p:nvPr/>
         </p:nvSpPr>
@@ -7984,7 +8013,7 @@
       </p:sp>
       <p:sp>
         <p:nvSpPr>
-          <p:cNvPr id="265" name="Chrome"/>
+          <p:cNvPr id="266" name="Chrome"/>
           <p:cNvSpPr/>
           <p:nvPr/>
         </p:nvSpPr>
@@ -8033,7 +8062,7 @@
       </p:sp>
       <p:sp>
         <p:nvSpPr>
-          <p:cNvPr id="266" name="Firefox"/>
+          <p:cNvPr id="267" name="Firefox"/>
           <p:cNvSpPr/>
           <p:nvPr/>
         </p:nvSpPr>
@@ -8082,7 +8111,7 @@
       </p:sp>
       <p:sp>
         <p:nvSpPr>
-          <p:cNvPr id="267" name="Safari"/>
+          <p:cNvPr id="268" name="Safari"/>
           <p:cNvSpPr/>
           <p:nvPr/>
         </p:nvSpPr>
@@ -8131,7 +8160,7 @@
       </p:sp>
       <p:sp>
         <p:nvSpPr>
-          <p:cNvPr id="268" name="IE"/>
+          <p:cNvPr id="269" name="IE"/>
           <p:cNvSpPr/>
           <p:nvPr/>
         </p:nvSpPr>
@@ -8180,7 +8209,7 @@
       </p:sp>
       <p:grpSp>
         <p:nvGrpSpPr>
-          <p:cNvPr id="271" name="成组"/>
+          <p:cNvPr id="272" name="成组"/>
           <p:cNvGrpSpPr/>
           <p:nvPr/>
         </p:nvGrpSpPr>
@@ -8194,7 +8223,7 @@
         </p:grpSpPr>
         <p:sp>
           <p:nvSpPr>
-            <p:cNvPr id="269" name="Loopring"/>
+            <p:cNvPr id="270" name="Loopring"/>
             <p:cNvSpPr txBox="1"/>
             <p:nvPr/>
           </p:nvSpPr>
@@ -8242,7 +8271,7 @@
         </p:sp>
         <p:sp>
           <p:nvSpPr>
-            <p:cNvPr id="270" name="去中心化代币交易所和协议"/>
+            <p:cNvPr id="271" name="去中心化代币交易所和协议"/>
             <p:cNvSpPr txBox="1"/>
             <p:nvPr/>
           </p:nvSpPr>
@@ -8335,7 +8364,7 @@
       </p:grpSpPr>
       <p:sp>
         <p:nvSpPr>
-          <p:cNvPr id="273" name="Centralized…"/>
+          <p:cNvPr id="274" name="Centralized…"/>
           <p:cNvSpPr txBox="1"/>
           <p:nvPr/>
         </p:nvSpPr>
@@ -8389,7 +8418,7 @@
       </p:sp>
       <p:sp>
         <p:nvSpPr>
-          <p:cNvPr id="274" name="Loopring Protocol"/>
+          <p:cNvPr id="275" name="Loopring Protocol"/>
           <p:cNvSpPr/>
           <p:nvPr/>
         </p:nvSpPr>
@@ -8441,7 +8470,7 @@
       </p:sp>
       <p:sp>
         <p:nvSpPr>
-          <p:cNvPr id="275" name="Ethereum"/>
+          <p:cNvPr id="276" name="Ethereum"/>
           <p:cNvSpPr/>
           <p:nvPr/>
         </p:nvSpPr>
@@ -8490,7 +8519,7 @@
       </p:sp>
       <p:sp>
         <p:nvSpPr>
-          <p:cNvPr id="276" name="量子链QTUM"/>
+          <p:cNvPr id="277" name="量子链QTUM"/>
           <p:cNvSpPr/>
           <p:nvPr/>
         </p:nvSpPr>
@@ -8539,7 +8568,7 @@
       </p:sp>
       <p:sp>
         <p:nvSpPr>
-          <p:cNvPr id="277" name="星云链"/>
+          <p:cNvPr id="278" name="星云链"/>
           <p:cNvSpPr/>
           <p:nvPr/>
         </p:nvSpPr>
@@ -8588,7 +8617,7 @@
       </p:sp>
       <p:sp>
         <p:nvSpPr>
-          <p:cNvPr id="278" name="Hyperledger"/>
+          <p:cNvPr id="279" name="Hyperledger"/>
           <p:cNvSpPr/>
           <p:nvPr/>
         </p:nvSpPr>
@@ -8637,7 +8666,7 @@
       </p:sp>
       <p:sp>
         <p:nvSpPr>
-          <p:cNvPr id="279" name="Loopring也可以再多个支持智能合约的类ERC20代币的公有链上实现。"/>
+          <p:cNvPr id="280" name="Loopring也可以再多个支持智能合约的类ERC20代币的公有链上实现。"/>
           <p:cNvSpPr txBox="1"/>
           <p:nvPr/>
         </p:nvSpPr>
@@ -8682,7 +8711,7 @@
       </p:sp>
       <p:sp>
         <p:nvSpPr>
-          <p:cNvPr id="280" name="Loopring交易所"/>
+          <p:cNvPr id="281" name="Loopring交易所"/>
           <p:cNvSpPr/>
           <p:nvPr/>
         </p:nvSpPr>
@@ -8735,7 +8764,7 @@
       </p:sp>
       <p:sp>
         <p:nvSpPr>
-          <p:cNvPr id="281" name="其他交易所"/>
+          <p:cNvPr id="282" name="其他交易所"/>
           <p:cNvSpPr/>
           <p:nvPr/>
         </p:nvSpPr>
@@ -8787,7 +8816,7 @@
       </p:sp>
       <p:sp>
         <p:nvSpPr>
-          <p:cNvPr id="282" name="dApp2"/>
+          <p:cNvPr id="283" name="dApp2"/>
           <p:cNvSpPr/>
           <p:nvPr/>
         </p:nvSpPr>
@@ -8840,7 +8869,7 @@
       </p:sp>
       <p:sp>
         <p:nvSpPr>
-          <p:cNvPr id="283" name="首先是个协议"/>
+          <p:cNvPr id="284" name="首先是个协议"/>
           <p:cNvSpPr txBox="1"/>
           <p:nvPr/>
         </p:nvSpPr>
@@ -8888,7 +8917,7 @@
       </p:sp>
       <p:grpSp>
         <p:nvGrpSpPr>
-          <p:cNvPr id="286" name="成组"/>
+          <p:cNvPr id="287" name="成组"/>
           <p:cNvGrpSpPr/>
           <p:nvPr/>
         </p:nvGrpSpPr>
@@ -8902,7 +8931,7 @@
         </p:grpSpPr>
         <p:sp>
           <p:nvSpPr>
-            <p:cNvPr id="284" name="Loopring"/>
+            <p:cNvPr id="285" name="Loopring"/>
             <p:cNvSpPr txBox="1"/>
             <p:nvPr/>
           </p:nvSpPr>
@@ -8950,7 +8979,7 @@
         </p:sp>
         <p:sp>
           <p:nvSpPr>
-            <p:cNvPr id="285" name="去中心化代币交易所和协议"/>
+            <p:cNvPr id="286" name="去中心化代币交易所和协议"/>
             <p:cNvSpPr txBox="1"/>
             <p:nvPr/>
           </p:nvSpPr>
@@ -9043,7 +9072,7 @@
       </p:grpSpPr>
       <p:sp>
         <p:nvSpPr>
-          <p:cNvPr id="288" name="Centralized…"/>
+          <p:cNvPr id="289" name="Centralized…"/>
           <p:cNvSpPr txBox="1"/>
           <p:nvPr/>
         </p:nvSpPr>
@@ -9097,7 +9126,7 @@
       </p:sp>
       <p:grpSp>
         <p:nvGrpSpPr>
-          <p:cNvPr id="291" name="成组"/>
+          <p:cNvPr id="292" name="成组"/>
           <p:cNvGrpSpPr/>
           <p:nvPr/>
         </p:nvGrpSpPr>
@@ -9111,7 +9140,7 @@
         </p:grpSpPr>
         <p:sp>
           <p:nvSpPr>
-            <p:cNvPr id="289" name="目标1. 协议验证和落地示范"/>
+            <p:cNvPr id="290" name="目标1. 协议验证和落地示范"/>
             <p:cNvSpPr txBox="1"/>
             <p:nvPr/>
           </p:nvSpPr>
@@ -9159,7 +9188,7 @@
         </p:sp>
         <p:sp>
           <p:nvSpPr>
-            <p:cNvPr id="290" name="我们的交易所将是协议的第一个应用。我们将向社区证明去中心化交易所在效率和安全性方面可以有兼而有之的解决方案。…"/>
+            <p:cNvPr id="291" name="我们的交易所将是协议的第一个应用。我们将向社区证明去中心化交易所在效率和安全性方面可以有兼而有之的解决方案。…"/>
             <p:cNvSpPr txBox="1"/>
             <p:nvPr/>
           </p:nvSpPr>
@@ -9236,7 +9265,7 @@
       </p:grpSp>
       <p:grpSp>
         <p:nvGrpSpPr>
-          <p:cNvPr id="294" name="成组"/>
+          <p:cNvPr id="295" name="成组"/>
           <p:cNvGrpSpPr/>
           <p:nvPr/>
         </p:nvGrpSpPr>
@@ -9250,7 +9279,7 @@
         </p:grpSpPr>
         <p:sp>
           <p:nvSpPr>
-            <p:cNvPr id="292" name="目标2. 验证环路发现算法"/>
+            <p:cNvPr id="293" name="目标2. 验证环路发现算法"/>
             <p:cNvSpPr txBox="1"/>
             <p:nvPr/>
           </p:nvSpPr>
@@ -9298,7 +9327,7 @@
         </p:sp>
         <p:sp>
           <p:nvSpPr>
-            <p:cNvPr id="293" name="线下撮合的效率对于交易所之间的竞争异常重要。我们预见未来交易所的主要竞争力不是用户数，而是撮合能力。"/>
+            <p:cNvPr id="294" name="线下撮合的效率对于交易所之间的竞争异常重要。我们预见未来交易所的主要竞争力不是用户数，而是撮合能力。"/>
             <p:cNvSpPr txBox="1"/>
             <p:nvPr/>
           </p:nvSpPr>
@@ -9347,7 +9376,7 @@
       </p:grpSp>
       <p:grpSp>
         <p:nvGrpSpPr>
-          <p:cNvPr id="297" name="成组"/>
+          <p:cNvPr id="298" name="成组"/>
           <p:cNvGrpSpPr/>
           <p:nvPr/>
         </p:nvGrpSpPr>
@@ -9361,7 +9390,7 @@
         </p:grpSpPr>
         <p:sp>
           <p:nvSpPr>
-            <p:cNvPr id="295" name="目标3. 为以太坊ICO生态提供流动性"/>
+            <p:cNvPr id="296" name="目标3. 为以太坊ICO生态提供流动性"/>
             <p:cNvSpPr txBox="1"/>
             <p:nvPr/>
           </p:nvSpPr>
@@ -9409,7 +9438,7 @@
         </p:sp>
         <p:sp>
           <p:nvSpPr>
-            <p:cNvPr id="296" name="有了我们的交易所，任何基于ETH的ICO代币都可以第一时间与ETH及其他ERC20代币做交换。"/>
+            <p:cNvPr id="297" name="有了我们的交易所，任何基于ETH的ICO代币都可以第一时间与ETH及其他ERC20代币做交换。"/>
             <p:cNvSpPr txBox="1"/>
             <p:nvPr/>
           </p:nvSpPr>
@@ -9458,7 +9487,7 @@
       </p:grpSp>
       <p:sp>
         <p:nvSpPr>
-          <p:cNvPr id="298" name="也是个交易所"/>
+          <p:cNvPr id="299" name="也是个交易所"/>
           <p:cNvSpPr txBox="1"/>
           <p:nvPr/>
         </p:nvSpPr>
@@ -9506,7 +9535,7 @@
       </p:sp>
       <p:grpSp>
         <p:nvGrpSpPr>
-          <p:cNvPr id="301" name="成组"/>
+          <p:cNvPr id="302" name="成组"/>
           <p:cNvGrpSpPr/>
           <p:nvPr/>
         </p:nvGrpSpPr>
@@ -9520,7 +9549,7 @@
         </p:grpSpPr>
         <p:sp>
           <p:nvSpPr>
-            <p:cNvPr id="299" name="Loopring"/>
+            <p:cNvPr id="300" name="Loopring"/>
             <p:cNvSpPr txBox="1"/>
             <p:nvPr/>
           </p:nvSpPr>
@@ -9568,7 +9597,7 @@
         </p:sp>
         <p:sp>
           <p:nvSpPr>
-            <p:cNvPr id="300" name="去中心化代币交易所和协议"/>
+            <p:cNvPr id="301" name="去中心化代币交易所和协议"/>
             <p:cNvSpPr txBox="1"/>
             <p:nvPr/>
           </p:nvSpPr>
@@ -9654,7 +9683,7 @@
                                       <p:cBhvr>
                                         <p:cTn id="6" fill="hold"/>
                                         <p:tgtEl>
-                                          <p:spTgt spid="291"/>
+                                          <p:spTgt spid="292"/>
                                         </p:tgtEl>
                                         <p:attrNameLst>
                                           <p:attrName>style.visibility</p:attrName>
@@ -9668,7 +9697,7 @@
                                       <p:cBhvr>
                                         <p:cTn id="7" dur="500"/>
                                         <p:tgtEl>
-                                          <p:spTgt spid="291"/>
+                                          <p:spTgt spid="292"/>
                                         </p:tgtEl>
                                       </p:cBhvr>
                                     </p:animEffect>
@@ -9706,7 +9735,7 @@
                                       <p:cBhvr>
                                         <p:cTn id="11" fill="hold"/>
                                         <p:tgtEl>
-                                          <p:spTgt spid="294"/>
+                                          <p:spTgt spid="295"/>
                                         </p:tgtEl>
                                         <p:attrNameLst>
                                           <p:attrName>style.visibility</p:attrName>
@@ -9720,7 +9749,7 @@
                                       <p:cBhvr>
                                         <p:cTn id="12" dur="500"/>
                                         <p:tgtEl>
-                                          <p:spTgt spid="294"/>
+                                          <p:spTgt spid="295"/>
                                         </p:tgtEl>
                                       </p:cBhvr>
                                     </p:animEffect>
@@ -9758,7 +9787,7 @@
                                       <p:cBhvr>
                                         <p:cTn id="16" fill="hold"/>
                                         <p:tgtEl>
-                                          <p:spTgt spid="297"/>
+                                          <p:spTgt spid="298"/>
                                         </p:tgtEl>
                                         <p:attrNameLst>
                                           <p:attrName>style.visibility</p:attrName>
@@ -9772,7 +9801,7 @@
                                       <p:cBhvr>
                                         <p:cTn id="17" dur="500"/>
                                         <p:tgtEl>
-                                          <p:spTgt spid="297"/>
+                                          <p:spTgt spid="298"/>
                                         </p:tgtEl>
                                       </p:cBhvr>
                                     </p:animEffect>
@@ -9807,9 +9836,9 @@
       </p:par>
     </p:tnLst>
     <p:bldLst>
-      <p:bldP build="whole" bldLvl="1" animBg="1" rev="0" advAuto="0" spid="297" grpId="3"/>
-      <p:bldP build="whole" bldLvl="1" animBg="1" rev="0" advAuto="0" spid="291" grpId="1"/>
-      <p:bldP build="whole" bldLvl="1" animBg="1" rev="0" advAuto="0" spid="294" grpId="2"/>
+      <p:bldP build="whole" bldLvl="1" animBg="1" rev="0" advAuto="0" spid="298" grpId="3"/>
+      <p:bldP build="whole" bldLvl="1" animBg="1" rev="0" advAuto="0" spid="292" grpId="1"/>
+      <p:bldP build="whole" bldLvl="1" animBg="1" rev="0" advAuto="0" spid="295" grpId="2"/>
     </p:bldLst>
   </p:timing>
 </p:sld>
@@ -9841,7 +9870,7 @@
       </p:grpSpPr>
       <p:sp>
         <p:nvSpPr>
-          <p:cNvPr id="303" name="Centralized…"/>
+          <p:cNvPr id="304" name="Centralized…"/>
           <p:cNvSpPr txBox="1"/>
           <p:nvPr/>
         </p:nvSpPr>
@@ -9895,7 +9924,7 @@
       </p:sp>
       <p:grpSp>
         <p:nvGrpSpPr>
-          <p:cNvPr id="307" name="成组"/>
+          <p:cNvPr id="308" name="成组"/>
           <p:cNvGrpSpPr/>
           <p:nvPr/>
         </p:nvGrpSpPr>
@@ -9909,7 +9938,7 @@
         </p:grpSpPr>
         <p:sp>
           <p:nvSpPr>
-            <p:cNvPr id="304" name="English Whitepaper"/>
+            <p:cNvPr id="305" name="English Whitepaper"/>
             <p:cNvSpPr/>
             <p:nvPr/>
           </p:nvSpPr>
@@ -9952,7 +9981,10 @@
               <a:lvl1pPr algn="l">
                 <a:defRPr sz="3600" u="sng">
                   <a:solidFill>
-                    <a:schemeClr val="accent6"/>
+                    <a:schemeClr val="accent1">
+                      <a:satOff val="-3355"/>
+                      <a:lumOff val="26614"/>
+                    </a:schemeClr>
                   </a:solidFill>
                   <a:latin typeface="Roboto Bold"/>
                   <a:ea typeface="Roboto Bold"/>
@@ -9977,7 +10009,7 @@
         </p:sp>
         <p:sp>
           <p:nvSpPr>
-            <p:cNvPr id="305" name="三角形"/>
+            <p:cNvPr id="306" name="三角形"/>
             <p:cNvSpPr/>
             <p:nvPr/>
           </p:nvSpPr>
@@ -10054,7 +10086,7 @@
         </p:sp>
         <p:sp>
           <p:nvSpPr>
-            <p:cNvPr id="306" name="三角形"/>
+            <p:cNvPr id="307" name="三角形"/>
             <p:cNvSpPr/>
             <p:nvPr/>
           </p:nvSpPr>
@@ -10132,7 +10164,7 @@
       </p:grpSp>
       <p:grpSp>
         <p:nvGrpSpPr>
-          <p:cNvPr id="311" name="成组"/>
+          <p:cNvPr id="312" name="成组"/>
           <p:cNvGrpSpPr/>
           <p:nvPr/>
         </p:nvGrpSpPr>
@@ -10146,7 +10178,7 @@
         </p:grpSpPr>
         <p:sp>
           <p:nvSpPr>
-            <p:cNvPr id="308" name="中文白皮书"/>
+            <p:cNvPr id="309" name="中文白皮书"/>
             <p:cNvSpPr/>
             <p:nvPr/>
           </p:nvSpPr>
@@ -10189,7 +10221,10 @@
               <a:lvl1pPr algn="l">
                 <a:defRPr sz="3600" u="sng">
                   <a:solidFill>
-                    <a:schemeClr val="accent6"/>
+                    <a:schemeClr val="accent1">
+                      <a:satOff val="-3355"/>
+                      <a:lumOff val="26614"/>
+                    </a:schemeClr>
                   </a:solidFill>
                   <a:latin typeface="Roboto Bold"/>
                   <a:ea typeface="Roboto Bold"/>
@@ -10214,7 +10249,7 @@
         </p:sp>
         <p:sp>
           <p:nvSpPr>
-            <p:cNvPr id="309" name="三角形"/>
+            <p:cNvPr id="310" name="三角形"/>
             <p:cNvSpPr/>
             <p:nvPr/>
           </p:nvSpPr>
@@ -10291,7 +10326,7 @@
         </p:sp>
         <p:sp>
           <p:nvSpPr>
-            <p:cNvPr id="310" name="三角形"/>
+            <p:cNvPr id="311" name="三角形"/>
             <p:cNvSpPr/>
             <p:nvPr/>
           </p:nvSpPr>
@@ -10369,7 +10404,7 @@
       </p:grpSp>
       <p:grpSp>
         <p:nvGrpSpPr>
-          <p:cNvPr id="314" name="成组"/>
+          <p:cNvPr id="315" name="成组"/>
           <p:cNvGrpSpPr/>
           <p:nvPr/>
         </p:nvGrpSpPr>
@@ -10383,7 +10418,7 @@
         </p:grpSpPr>
         <p:sp>
           <p:nvSpPr>
-            <p:cNvPr id="312" name="Loopring"/>
+            <p:cNvPr id="313" name="Loopring"/>
             <p:cNvSpPr txBox="1"/>
             <p:nvPr/>
           </p:nvSpPr>
@@ -10431,7 +10466,7 @@
         </p:sp>
         <p:sp>
           <p:nvSpPr>
-            <p:cNvPr id="313" name="去中心化代币交易所和协议"/>
+            <p:cNvPr id="314" name="去中心化代币交易所和协议"/>
             <p:cNvSpPr txBox="1"/>
             <p:nvPr/>
           </p:nvSpPr>
@@ -10490,6 +10525,16 @@
 <file path=ppt/slides/slide19.xml><?xml version="1.0" encoding="utf-8"?>
 <p:sld xmlns:a="http://schemas.openxmlformats.org/drawingml/2006/main" xmlns:r="http://schemas.openxmlformats.org/officeDocument/2006/relationships" xmlns:p="http://schemas.openxmlformats.org/presentationml/2006/main" showMasterSp="1" showMasterPhAnim="1">
   <p:cSld>
+    <p:bg>
+      <p:bgPr>
+        <a:solidFill>
+          <a:schemeClr val="accent1">
+            <a:satOff val="-3355"/>
+            <a:lumOff val="26614"/>
+          </a:schemeClr>
+        </a:solidFill>
+      </p:bgPr>
+    </p:bg>
     <p:spTree>
       <p:nvGrpSpPr>
         <p:cNvPr id="1" name=""/>
@@ -10506,7 +10551,7 @@
       </p:grpSpPr>
       <p:sp>
         <p:nvSpPr>
-          <p:cNvPr id="316" name="代币LRC的发行"/>
+          <p:cNvPr id="317" name="代币LRC的发行"/>
           <p:cNvSpPr txBox="1"/>
           <p:nvPr/>
         </p:nvSpPr>
@@ -10551,7 +10596,7 @@
       </p:sp>
       <p:sp>
         <p:nvSpPr>
-          <p:cNvPr id="317" name="ICO"/>
+          <p:cNvPr id="318" name="ICO"/>
           <p:cNvSpPr txBox="1"/>
           <p:nvPr/>
         </p:nvSpPr>
@@ -10596,7 +10641,7 @@
       </p:sp>
       <p:sp>
         <p:nvSpPr>
-          <p:cNvPr id="318" name="24-Hour Trade Volume…"/>
+          <p:cNvPr id="319" name="24-Hour Trade Volume…"/>
           <p:cNvSpPr txBox="1"/>
           <p:nvPr/>
         </p:nvSpPr>
@@ -10652,7 +10697,7 @@
       </p:sp>
       <p:sp>
         <p:nvSpPr>
-          <p:cNvPr id="319" name="$5B"/>
+          <p:cNvPr id="320" name="$5B"/>
           <p:cNvSpPr txBox="1"/>
           <p:nvPr/>
         </p:nvSpPr>
@@ -10697,7 +10742,7 @@
       </p:sp>
       <p:sp>
         <p:nvSpPr>
-          <p:cNvPr id="320" name="2017/08/01 - 2017/08/07"/>
+          <p:cNvPr id="321" name="2017/08/01 - 2017/08/30"/>
           <p:cNvSpPr txBox="1"/>
           <p:nvPr/>
         </p:nvSpPr>
@@ -10738,7 +10783,7 @@
           <a:p>
             <a:pPr/>
             <a:r>
-              <a:t>2017/08/01 - 2017/08/07</a:t>
+              <a:t>2017/08/01 - 2017/08/30</a:t>
             </a:r>
           </a:p>
         </p:txBody>
@@ -10755,6 +10800,16 @@
 <file path=ppt/slides/slide2.xml><?xml version="1.0" encoding="utf-8"?>
 <p:sld xmlns:a="http://schemas.openxmlformats.org/drawingml/2006/main" xmlns:r="http://schemas.openxmlformats.org/officeDocument/2006/relationships" xmlns:p="http://schemas.openxmlformats.org/presentationml/2006/main" showMasterSp="1" showMasterPhAnim="1">
   <p:cSld>
+    <p:bg>
+      <p:bgPr>
+        <a:solidFill>
+          <a:schemeClr val="accent1">
+            <a:satOff val="-3355"/>
+            <a:lumOff val="26614"/>
+          </a:schemeClr>
+        </a:solidFill>
+      </p:bgPr>
+    </p:bg>
     <p:spTree>
       <p:nvGrpSpPr>
         <p:cNvPr id="1" name=""/>
@@ -10771,7 +10826,7 @@
       </p:grpSpPr>
       <p:sp>
         <p:nvSpPr>
-          <p:cNvPr id="123" name="24-Hour Trade Volume…"/>
+          <p:cNvPr id="124" name="24-Hour Trade Volume…"/>
           <p:cNvSpPr txBox="1"/>
           <p:nvPr/>
         </p:nvSpPr>
@@ -10827,7 +10882,7 @@
       </p:sp>
       <p:sp>
         <p:nvSpPr>
-          <p:cNvPr id="124" name="$5B"/>
+          <p:cNvPr id="125" name="$5B"/>
           <p:cNvSpPr txBox="1"/>
           <p:nvPr/>
         </p:nvSpPr>
@@ -10872,7 +10927,7 @@
       </p:sp>
       <p:sp>
         <p:nvSpPr>
-          <p:cNvPr id="125" name="公有链代币总市值"/>
+          <p:cNvPr id="126" name="公有链代币总市值"/>
           <p:cNvSpPr txBox="1"/>
           <p:nvPr/>
         </p:nvSpPr>
@@ -10917,7 +10972,7 @@
       </p:sp>
       <p:sp>
         <p:nvSpPr>
-          <p:cNvPr id="126" name="1090亿美金"/>
+          <p:cNvPr id="127" name="1090亿美金"/>
           <p:cNvSpPr txBox="1"/>
           <p:nvPr/>
         </p:nvSpPr>
@@ -10962,7 +11017,7 @@
       </p:sp>
       <p:sp>
         <p:nvSpPr>
-          <p:cNvPr id="127" name="同比增长830%↑"/>
+          <p:cNvPr id="128" name="同比增长830%↑"/>
           <p:cNvSpPr txBox="1"/>
           <p:nvPr/>
         </p:nvSpPr>
@@ -11058,7 +11113,7 @@
                                       <p:cBhvr>
                                         <p:cTn id="6" fill="hold"/>
                                         <p:tgtEl>
-                                          <p:spTgt spid="127"/>
+                                          <p:spTgt spid="128"/>
                                         </p:tgtEl>
                                         <p:attrNameLst>
                                           <p:attrName>style.visibility</p:attrName>
@@ -11072,7 +11127,7 @@
                                       <p:cBhvr>
                                         <p:cTn id="7" dur="750" fill="hold"/>
                                         <p:tgtEl>
-                                          <p:spTgt spid="127"/>
+                                          <p:spTgt spid="128"/>
                                         </p:tgtEl>
                                         <p:attrNameLst>
                                           <p:attrName>ppt_w</p:attrName>
@@ -11095,7 +11150,7 @@
                                       <p:cBhvr>
                                         <p:cTn id="8" dur="750" fill="hold"/>
                                         <p:tgtEl>
-                                          <p:spTgt spid="127"/>
+                                          <p:spTgt spid="128"/>
                                         </p:tgtEl>
                                         <p:attrNameLst>
                                           <p:attrName>ppt_h</p:attrName>
@@ -11145,7 +11200,7 @@
       </p:par>
     </p:tnLst>
     <p:bldLst>
-      <p:bldP build="whole" bldLvl="1" animBg="1" rev="0" advAuto="0" spid="127" grpId="1"/>
+      <p:bldP build="whole" bldLvl="1" animBg="1" rev="0" advAuto="0" spid="128" grpId="1"/>
     </p:bldLst>
   </p:timing>
 </p:sld>
@@ -11154,6 +11209,16 @@
 <file path=ppt/slides/slide20.xml><?xml version="1.0" encoding="utf-8"?>
 <p:sld xmlns:a="http://schemas.openxmlformats.org/drawingml/2006/main" xmlns:r="http://schemas.openxmlformats.org/officeDocument/2006/relationships" xmlns:p="http://schemas.openxmlformats.org/presentationml/2006/main" showMasterSp="1" showMasterPhAnim="1">
   <p:cSld>
+    <p:bg>
+      <p:bgPr>
+        <a:solidFill>
+          <a:schemeClr val="accent1">
+            <a:satOff val="-3355"/>
+            <a:lumOff val="26614"/>
+          </a:schemeClr>
+        </a:solidFill>
+      </p:bgPr>
+    </p:bg>
     <p:spTree>
       <p:nvGrpSpPr>
         <p:cNvPr id="1" name=""/>
@@ -11170,7 +11235,7 @@
       </p:grpSpPr>
       <p:sp>
         <p:nvSpPr>
-          <p:cNvPr id="322" name="ICO"/>
+          <p:cNvPr id="323" name="ICO"/>
           <p:cNvSpPr txBox="1"/>
           <p:nvPr/>
         </p:nvSpPr>
@@ -11215,7 +11280,7 @@
       </p:sp>
       <p:sp>
         <p:nvSpPr>
-          <p:cNvPr id="323" name="24-Hour Trade Volume…"/>
+          <p:cNvPr id="324" name="24-Hour Trade Volume…"/>
           <p:cNvSpPr txBox="1"/>
           <p:nvPr/>
         </p:nvSpPr>
@@ -11271,7 +11336,7 @@
       </p:sp>
       <p:sp>
         <p:nvSpPr>
-          <p:cNvPr id="324" name="$5B"/>
+          <p:cNvPr id="325" name="$5B"/>
           <p:cNvSpPr txBox="1"/>
           <p:nvPr/>
         </p:nvSpPr>
@@ -11316,7 +11381,7 @@
       </p:sp>
       <p:sp>
         <p:nvSpPr>
-          <p:cNvPr id="325" name="第1阶段      封顶2万ETH"/>
+          <p:cNvPr id="326" name="第1阶段      封顶2万ETH"/>
           <p:cNvSpPr/>
           <p:nvPr/>
         </p:nvSpPr>
@@ -11347,7 +11412,7 @@
             <a:pPr lvl="3" algn="l">
               <a:defRPr sz="4800">
                 <a:solidFill>
-                  <a:schemeClr val="accent6"/>
+                  <a:schemeClr val="accent1"/>
                 </a:solidFill>
                 <a:latin typeface="Roboto Black"/>
                 <a:ea typeface="Roboto Black"/>
@@ -11372,7 +11437,7 @@
       </p:sp>
       <p:sp>
         <p:nvSpPr>
-          <p:cNvPr id="326" name="第2阶段      封顶2万ETH"/>
+          <p:cNvPr id="327" name="第2阶段      封顶2万ETH"/>
           <p:cNvSpPr/>
           <p:nvPr/>
         </p:nvSpPr>
@@ -11403,7 +11468,7 @@
             <a:pPr lvl="3" algn="l">
               <a:defRPr sz="4800">
                 <a:solidFill>
-                  <a:schemeClr val="accent6"/>
+                  <a:schemeClr val="accent1"/>
                 </a:solidFill>
                 <a:latin typeface="Roboto Black"/>
                 <a:ea typeface="Roboto Black"/>
@@ -11428,7 +11493,7 @@
       </p:sp>
       <p:sp>
         <p:nvSpPr>
-          <p:cNvPr id="327" name="第3阶段      封顶2万ETH"/>
+          <p:cNvPr id="328" name="第3阶段      封顶2万ETH"/>
           <p:cNvSpPr/>
           <p:nvPr/>
         </p:nvSpPr>
@@ -11459,7 +11524,7 @@
             <a:pPr lvl="3" algn="l">
               <a:defRPr sz="4800">
                 <a:solidFill>
-                  <a:schemeClr val="accent6"/>
+                  <a:schemeClr val="accent1"/>
                 </a:solidFill>
                 <a:latin typeface="Roboto Black"/>
                 <a:ea typeface="Roboto Black"/>
@@ -11484,7 +11549,7 @@
       </p:sp>
       <p:sp>
         <p:nvSpPr>
-          <p:cNvPr id="328" name="第4阶段      封顶2万ETH"/>
+          <p:cNvPr id="329" name="第4阶段      封顶2万ETH"/>
           <p:cNvSpPr/>
           <p:nvPr/>
         </p:nvSpPr>
@@ -11497,7 +11562,7 @@
             <a:avLst/>
           </a:prstGeom>
           <a:solidFill>
-            <a:srgbClr val="94FF56"/>
+            <a:srgbClr val="FFFFFF"/>
           </a:solidFill>
           <a:ln w="12700">
             <a:miter lim="400000"/>
@@ -11515,7 +11580,7 @@
             <a:pPr lvl="3" algn="l">
               <a:defRPr sz="4800">
                 <a:solidFill>
-                  <a:schemeClr val="accent6"/>
+                  <a:schemeClr val="accent1"/>
                 </a:solidFill>
                 <a:latin typeface="Roboto Black"/>
                 <a:ea typeface="Roboto Black"/>
@@ -11540,7 +11605,7 @@
       </p:sp>
       <p:sp>
         <p:nvSpPr>
-          <p:cNvPr id="329" name="第5阶段      封顶2万ETH"/>
+          <p:cNvPr id="330" name="第5阶段      封顶2万ETH"/>
           <p:cNvSpPr/>
           <p:nvPr/>
         </p:nvSpPr>
@@ -11553,7 +11618,7 @@
             <a:avLst/>
           </a:prstGeom>
           <a:solidFill>
-            <a:srgbClr val="94FF56"/>
+            <a:srgbClr val="FFFFFF"/>
           </a:solidFill>
           <a:ln w="12700">
             <a:miter lim="400000"/>
@@ -11571,7 +11636,7 @@
             <a:pPr lvl="3" algn="l">
               <a:defRPr sz="4800">
                 <a:solidFill>
-                  <a:schemeClr val="accent6"/>
+                  <a:schemeClr val="accent1"/>
                 </a:solidFill>
                 <a:latin typeface="Roboto Black"/>
                 <a:ea typeface="Roboto Black"/>
@@ -11596,14 +11661,14 @@
       </p:sp>
       <p:sp>
         <p:nvSpPr>
-          <p:cNvPr id="330" name="ICO分为5个阶段，每个阶段1天（实际用以太坊区块高度确定），共5天。…"/>
+          <p:cNvPr id="331" name="ICO持续时间为30天，最多筹集10万个ETH，最少筹集5万个ETH；…"/>
           <p:cNvSpPr txBox="1"/>
           <p:nvPr/>
         </p:nvSpPr>
         <p:spPr>
           <a:xfrm>
-            <a:off x="9457296" y="2713935"/>
-            <a:ext cx="13913936" cy="10556876"/>
+            <a:off x="9475657" y="2426734"/>
+            <a:ext cx="13913936" cy="9515476"/>
           </a:xfrm>
           <a:prstGeom prst="rect">
             <a:avLst/>
@@ -11637,7 +11702,7 @@
               </a:defRPr>
             </a:pPr>
             <a:r>
-              <a:t>ICO分为5个阶段，每个阶段1天（实际用以太坊区块高度确定），共5天。</a:t>
+              <a:t>ICO持续时间为30天，最多筹集10万个ETH，最少筹集5万个ETH；</a:t>
             </a:r>
           </a:p>
           <a:p>
@@ -11655,7 +11720,7 @@
               </a:defRPr>
             </a:pPr>
             <a:r>
-              <a:t>每个阶段在当日早上约11点开始，持续到第二天11点。</a:t>
+              <a:t>众筹不到5万ETH，项目失败，一星期内返还投资；</a:t>
             </a:r>
           </a:p>
           <a:p>
@@ -11673,7 +11738,7 @@
               </a:defRPr>
             </a:pPr>
             <a:r>
-              <a:t>每个阶段筹2万个以太，筹到这个数目该阶段为“筹满”，否则为“未筹满）。</a:t>
+              <a:t>前2万ETH（含）每个ETH兑换6000 LRC；</a:t>
             </a:r>
           </a:p>
           <a:p>
@@ -11691,7 +11756,7 @@
               </a:defRPr>
             </a:pPr>
             <a:r>
-              <a:t>筹满后投资者的ETH会被自动打回，不会损失；投资者只能等下一个阶段开始才可以继续投资。</a:t>
+              <a:t>2万到4万（含）间每个ETH兑换5750LRC；</a:t>
             </a:r>
           </a:p>
           <a:p>
@@ -11709,7 +11774,7 @@
               </a:defRPr>
             </a:pPr>
             <a:r>
-              <a:t>如果某个阶段未筹满，整个ICO结束，不会有下一阶段；</a:t>
+              <a:t>4万到6万（含）间每个ETH兑换5500 LRC；</a:t>
             </a:r>
           </a:p>
           <a:p>
@@ -11727,7 +11792,7 @@
               </a:defRPr>
             </a:pPr>
             <a:r>
-              <a:t>如果一个阶段筹满，由团队触发下一个阶段开始的区块链高度（即时间）；</a:t>
+              <a:t>6万到8万（含）间每个ETH兑换5250 LRC；</a:t>
             </a:r>
           </a:p>
           <a:p>
@@ -11745,7 +11810,7 @@
               </a:defRPr>
             </a:pPr>
             <a:r>
-              <a:t>每个阶段的LRC价格都比上一个阶段更高；</a:t>
+              <a:t>8万到10万（含）间每个ETH兑换5000 LRC；</a:t>
             </a:r>
           </a:p>
           <a:p>
@@ -11763,7 +11828,7 @@
               </a:defRPr>
             </a:pPr>
             <a:r>
-              <a:t>如果前3个阶段任意一个未筹满，整个ICO失败。资金返还。</a:t>
+              <a:t>筹集到5万到6万ETH（含），ICO期间出售的LRC占比为40.0%；</a:t>
             </a:r>
           </a:p>
           <a:p>
@@ -11781,7 +11846,7 @@
               </a:defRPr>
             </a:pPr>
             <a:r>
-              <a:t>如果前3个阶段凑满，ICO成功，最后一个未筹满阶段资金不返还。</a:t>
+              <a:t>筹集到6万到7万ETH（含），ICO期间出售的LRC占比为42.5%；</a:t>
             </a:r>
           </a:p>
           <a:p>
@@ -11799,7 +11864,7 @@
               </a:defRPr>
             </a:pPr>
             <a:r>
-              <a:t>如果第4个阶段筹满，但第5个阶段未筹满，团队LRC占比为40%，</a:t>
+              <a:t>筹集到7万到8万ETH（含），ICO期间出售的LRC占比为45.0%；</a:t>
             </a:r>
           </a:p>
           <a:p>
@@ -11817,7 +11882,7 @@
               </a:defRPr>
             </a:pPr>
             <a:r>
-              <a:t>如果第5个阶段成功，团队LRC占比为50%</a:t>
+              <a:t>筹集到8万到9万ETH（含），ICO期间出售的LRC占比为47.5%；</a:t>
             </a:r>
           </a:p>
           <a:p>
@@ -11835,7 +11900,7 @@
               </a:defRPr>
             </a:pPr>
             <a:r>
-              <a:t>第5个成功后，ICO结束。</a:t>
+              <a:t>筹集到9万到10万ETH（含），ICO期间出售的LRC占比为50.0%；</a:t>
             </a:r>
           </a:p>
           <a:p>
@@ -11853,7 +11918,7 @@
               </a:defRPr>
             </a:pPr>
             <a:r>
-              <a:t>ICO期间投资者的LRC通过智能合约自动发行，成功后再根据上述规则，一次性发行未发售的LRC - 即用售出代币除以出售占比。</a:t>
+              <a:t>未发售的LRC中，10%通过preICO商定价格出售给早期投资者和社区贡献者；</a:t>
             </a:r>
           </a:p>
           <a:p>
@@ -11871,7 +11936,7 @@
               </a:defRPr>
             </a:pPr>
             <a:r>
-              <a:t>未发售的LRC中，5%通过preICO商定价格出售给早期投资者；</a:t>
+              <a:t>未发售的LRC中，40%留给团队；</a:t>
             </a:r>
           </a:p>
           <a:p>
@@ -11889,7 +11954,7 @@
               </a:defRPr>
             </a:pPr>
             <a:r>
-              <a:t>未发售的LRC中，45%留给团队；</a:t>
+              <a:t>未发售的LRC中，50%留给社区推广和对外合作；</a:t>
             </a:r>
           </a:p>
           <a:p>
@@ -11907,7 +11972,7 @@
               </a:defRPr>
             </a:pPr>
             <a:r>
-              <a:t>未发售的LRC中，50%留给社区推广和对外合作；</a:t>
+              <a:t>团队持有的LRC锁定期为3年，第一年后释放25%，第二年35%， 第三年40%；</a:t>
             </a:r>
           </a:p>
           <a:p>
@@ -11925,14 +11990,32 @@
               </a:defRPr>
             </a:pPr>
             <a:r>
-              <a:t>团队LRC锁定期为3年，第一年后释放25%，第二年35%， 第三年40%；用于社区推广部分不锁定。</a:t>
+              <a:t>ICO期间投资者的代币通过智能合约自动发行并转账给用户投资的ETH地址；</a:t>
+            </a:r>
+          </a:p>
+          <a:p>
+            <a:pPr marL="228600" indent="-228600" algn="l" defTabSz="457200">
+              <a:buSzPct val="100000"/>
+              <a:buChar char="•"/>
+              <a:defRPr sz="2900">
+                <a:solidFill>
+                  <a:srgbClr val="FFFFFF"/>
+                </a:solidFill>
+                <a:latin typeface="Roboto Regular"/>
+                <a:ea typeface="Roboto Regular"/>
+                <a:cs typeface="Roboto Regular"/>
+                <a:sym typeface="Roboto Regular"/>
+              </a:defRPr>
+            </a:pPr>
+            <a:r>
+              <a:t>ICO结束后，由团队触发智能合约一次性发行未发售的代币；</a:t>
             </a:r>
           </a:p>
         </p:txBody>
       </p:sp>
       <p:sp>
         <p:nvSpPr>
-          <p:cNvPr id="331" name="2017/08/01 - 2017/08/07"/>
+          <p:cNvPr id="332" name="2017/08/01 - 2017/08/30"/>
           <p:cNvSpPr txBox="1"/>
           <p:nvPr/>
         </p:nvSpPr>
@@ -11973,7 +12056,7 @@
           <a:p>
             <a:pPr/>
             <a:r>
-              <a:t>2017/08/01 - 2017/08/07</a:t>
+              <a:t>2017/08/01 - 2017/08/30</a:t>
             </a:r>
           </a:p>
         </p:txBody>
@@ -12001,6 +12084,16 @@
 <file path=ppt/slides/slide21.xml><?xml version="1.0" encoding="utf-8"?>
 <p:sld xmlns:a="http://schemas.openxmlformats.org/drawingml/2006/main" xmlns:r="http://schemas.openxmlformats.org/officeDocument/2006/relationships" xmlns:p="http://schemas.openxmlformats.org/presentationml/2006/main" showMasterSp="1" showMasterPhAnim="1">
   <p:cSld>
+    <p:bg>
+      <p:bgPr>
+        <a:solidFill>
+          <a:schemeClr val="accent1">
+            <a:satOff val="-3355"/>
+            <a:lumOff val="26614"/>
+          </a:schemeClr>
+        </a:solidFill>
+      </p:bgPr>
+    </p:bg>
     <p:spTree>
       <p:nvGrpSpPr>
         <p:cNvPr id="1" name=""/>
@@ -12017,7 +12110,7 @@
       </p:grpSpPr>
       <p:sp>
         <p:nvSpPr>
-          <p:cNvPr id="333" name="ICO"/>
+          <p:cNvPr id="334" name="ICO"/>
           <p:cNvSpPr txBox="1"/>
           <p:nvPr/>
         </p:nvSpPr>
@@ -12062,7 +12155,7 @@
       </p:sp>
       <p:sp>
         <p:nvSpPr>
-          <p:cNvPr id="334" name="24-Hour Trade Volume…"/>
+          <p:cNvPr id="335" name="24-Hour Trade Volume…"/>
           <p:cNvSpPr txBox="1"/>
           <p:nvPr/>
         </p:nvSpPr>
@@ -12118,7 +12211,7 @@
       </p:sp>
       <p:sp>
         <p:nvSpPr>
-          <p:cNvPr id="335" name="$5B"/>
+          <p:cNvPr id="336" name="$5B"/>
           <p:cNvSpPr txBox="1"/>
           <p:nvPr/>
         </p:nvSpPr>
@@ -12163,7 +12256,7 @@
       </p:sp>
       <p:sp>
         <p:nvSpPr>
-          <p:cNvPr id="336" name="2017/08/01 - 2017/08/07"/>
+          <p:cNvPr id="337" name="2017/08/01 - 2017/08/30"/>
           <p:cNvSpPr txBox="1"/>
           <p:nvPr/>
         </p:nvSpPr>
@@ -12204,14 +12297,14 @@
           <a:p>
             <a:pPr/>
             <a:r>
-              <a:t>2017/08/01 - 2017/08/07</a:t>
+              <a:t>2017/08/01 - 2017/08/30</a:t>
             </a:r>
           </a:p>
         </p:txBody>
       </p:sp>
       <p:sp>
         <p:nvSpPr>
-          <p:cNvPr id="337" name="矩形"/>
+          <p:cNvPr id="338" name="矩形"/>
           <p:cNvSpPr/>
           <p:nvPr/>
         </p:nvSpPr>
@@ -12250,13 +12343,13 @@
       </p:sp>
       <p:graphicFrame>
         <p:nvGraphicFramePr>
-          <p:cNvPr id="338" name="ICO数据"/>
+          <p:cNvPr id="339" name="ICO数据"/>
           <p:cNvGraphicFramePr/>
           <p:nvPr/>
         </p:nvGraphicFramePr>
         <p:xfrm>
-          <a:off x="546660" y="2622680"/>
-          <a:ext cx="23293855" cy="10731860"/>
+          <a:off x="809016" y="2495944"/>
+          <a:ext cx="22769143" cy="9059218"/>
         </p:xfrm>
         <a:graphic xmlns:a="http://schemas.openxmlformats.org/drawingml/2006/main">
           <a:graphicData uri="http://schemas.openxmlformats.org/drawingml/2006/table">
@@ -12265,17 +12358,17 @@
                 <a:tableStyleId>{33BA23B1-9221-436E-865A-0063620EA4FD}</a:tableStyleId>
               </a:tblPr>
               <a:tblGrid>
-                <a:gridCol w="1428894"/>
-                <a:gridCol w="2376856"/>
-                <a:gridCol w="2143342"/>
-                <a:gridCol w="2240766"/>
-                <a:gridCol w="2240766"/>
-                <a:gridCol w="2175817"/>
-                <a:gridCol w="1916017"/>
-                <a:gridCol w="2565515"/>
-                <a:gridCol w="1916017"/>
-                <a:gridCol w="1916017"/>
-                <a:gridCol w="2370666"/>
+                <a:gridCol w="2092626"/>
+                <a:gridCol w="2247647"/>
+                <a:gridCol w="2026826"/>
+                <a:gridCol w="2118954"/>
+                <a:gridCol w="2118954"/>
+                <a:gridCol w="2057535"/>
+                <a:gridCol w="1811860"/>
+                <a:gridCol w="2426049"/>
+                <a:gridCol w="1811860"/>
+                <a:gridCol w="1811860"/>
+                <a:gridCol w="2241792"/>
               </a:tblGrid>
               <a:tr h="393700">
                 <a:tc gridSpan="11">
@@ -12352,29 +12445,86 @@
                   <a:tcPr/>
                 </a:tc>
               </a:tr>
-              <a:tr h="1702988">
+              <a:tr h="1214366">
+                <a:tc gridSpan="2">
+                  <a:txBody>
+                    <a:bodyPr/>
+                    <a:lstStyle/>
+                    <a:p>
+                      <a:pPr algn="l" defTabSz="457200">
+                        <a:defRPr sz="1800"/>
+                      </a:pPr>
+                      <a:r>
+                        <a:rPr b="1">
+                          <a:solidFill>
+                            <a:srgbClr val="FFFFFF"/>
+                          </a:solidFill>
+                          <a:latin typeface="Helvetica Neue"/>
+                          <a:ea typeface="Helvetica Neue"/>
+                          <a:cs typeface="Helvetica Neue"/>
+                          <a:sym typeface="Helvetica Neue"/>
+                        </a:rPr>
+                        <a:t>阶段</a:t>
+                      </a:r>
+                    </a:p>
+                  </a:txBody>
+                  <a:tcPr marL="304800" marR="304800" marT="304800" marB="304800" anchor="t" anchorCtr="0" horzOverflow="overflow">
+                    <a:lnL w="3175">
+                      <a:solidFill>
+                        <a:srgbClr val="000000"/>
+                      </a:solidFill>
+                      <a:miter lim="400000"/>
+                    </a:lnL>
+                    <a:lnR w="3175">
+                      <a:solidFill>
+                        <a:srgbClr val="000000"/>
+                      </a:solidFill>
+                      <a:miter lim="400000"/>
+                    </a:lnR>
+                    <a:lnT w="3175">
+                      <a:solidFill>
+                        <a:srgbClr val="000000"/>
+                      </a:solidFill>
+                      <a:miter lim="400000"/>
+                    </a:lnT>
+                    <a:lnB w="6350">
+                      <a:solidFill>
+                        <a:srgbClr val="000000"/>
+                      </a:solidFill>
+                      <a:miter lim="400000"/>
+                    </a:lnB>
+                    <a:solidFill>
+                      <a:srgbClr val="00A2FF"/>
+                    </a:solidFill>
+                  </a:tcPr>
+                </a:tc>
+                <a:tc hMerge="1">
+                  <a:tcPr/>
+                </a:tc>
                 <a:tc>
                   <a:txBody>
                     <a:bodyPr/>
                     <a:lstStyle/>
                     <a:p>
-                      <a:pPr algn="l">
-                        <a:lnSpc>
-                          <a:spcPts val="6000"/>
-                        </a:lnSpc>
-                        <a:spcBef>
-                          <a:spcPts val="5900"/>
-                        </a:spcBef>
-                        <a:defRPr>
-                          <a:latin typeface="Roboto Bold"/>
-                          <a:ea typeface="Roboto Bold"/>
-                          <a:cs typeface="Roboto Bold"/>
-                          <a:sym typeface="Roboto Bold"/>
-                        </a:defRPr>
+                      <a:pPr algn="l" defTabSz="457200">
+                        <a:defRPr sz="1800"/>
                       </a:pPr>
+                      <a:r>
+                        <a:rPr b="1">
+                          <a:solidFill>
+                            <a:srgbClr val="FFFFFF"/>
+                          </a:solidFill>
+                          <a:latin typeface="Helvetica Neue"/>
+                          <a:ea typeface="Helvetica Neue"/>
+                          <a:cs typeface="Helvetica Neue"/>
+                          <a:sym typeface="Helvetica Neue"/>
+                        </a:rPr>
+                        <a:t>价格
+（代币/ETH)</a:t>
+                      </a:r>
                     </a:p>
                   </a:txBody>
-                  <a:tcPr marL="50800" marR="50800" marT="50800" marB="50800" anchor="t" anchorCtr="0" horzOverflow="overflow">
+                  <a:tcPr marL="304800" marR="304800" marT="304800" marB="304800" anchor="t" anchorCtr="0" horzOverflow="overflow">
                     <a:lnL w="3175">
                       <a:solidFill>
                         <a:srgbClr val="000000"/>
@@ -12400,11 +12550,7 @@
                       <a:miter lim="400000"/>
                     </a:lnB>
                     <a:solidFill>
-                      <a:schemeClr val="accent6">
-                        <a:satOff val="24555"/>
-                        <a:lumOff val="22232"/>
-                        <a:alpha val="35173"/>
-                      </a:schemeClr>
+                      <a:srgbClr val="00A2FF"/>
                     </a:solidFill>
                   </a:tcPr>
                 </a:tc>
@@ -12413,28 +12559,25 @@
                     <a:bodyPr/>
                     <a:lstStyle/>
                     <a:p>
-                      <a:pPr algn="l">
-                        <a:lnSpc>
-                          <a:spcPts val="6000"/>
-                        </a:lnSpc>
-                        <a:spcBef>
-                          <a:spcPts val="5900"/>
-                        </a:spcBef>
+                      <a:pPr algn="l" defTabSz="457200">
                         <a:defRPr sz="1800"/>
                       </a:pPr>
                       <a:r>
-                        <a:rPr sz="2400">
-                          <a:latin typeface="Roboto Bold"/>
-                          <a:ea typeface="Roboto Bold"/>
-                          <a:cs typeface="Roboto Bold"/>
-                          <a:sym typeface="Roboto Bold"/>
+                        <a:rPr b="1">
+                          <a:solidFill>
+                            <a:srgbClr val="FFFFFF"/>
+                          </a:solidFill>
+                          <a:latin typeface="Helvetica Neue"/>
+                          <a:ea typeface="Helvetica Neue"/>
+                          <a:cs typeface="Helvetica Neue"/>
+                          <a:sym typeface="Helvetica Neue"/>
                         </a:rPr>
-                        <a:t>阶段成功后 -募集ETH总数</a:t>
+                        <a:t>该阶段
+代币销售数量</a:t>
                       </a:r>
                     </a:p>
                   </a:txBody>
-                  <a:tcPr marL="50800" marR="50800" marT="50800" marB="50800" anchor="t" anchorCtr="0" horzOverflow="overflow">
+                  <a:tcPr marL="304800" marR="304800" marT="304800" marB="304800" anchor="t" anchorCtr="0" horzOverflow="overflow">
                     <a:lnL w="3175">
                       <a:solidFill>
                         <a:srgbClr val="000000"/>
@@ -12460,11 +12603,7 @@
                       <a:miter lim="400000"/>
                     </a:lnB>
                     <a:solidFill>
-                      <a:schemeClr val="accent6">
-                        <a:satOff val="24555"/>
-                        <a:lumOff val="22232"/>
-                        <a:alpha val="35173"/>
-                      </a:schemeClr>
+                      <a:srgbClr val="00A2FF"/>
                     </a:solidFill>
                   </a:tcPr>
                 </a:tc>
@@ -12473,28 +12612,25 @@
                     <a:bodyPr/>
                     <a:lstStyle/>
                     <a:p>
-                      <a:pPr algn="l">
-                        <a:lnSpc>
-                          <a:spcPts val="6000"/>
-                        </a:lnSpc>
-                        <a:spcBef>
-                          <a:spcPts val="5900"/>
-                        </a:spcBef>
+                      <a:pPr algn="l" defTabSz="457200">
                         <a:defRPr sz="1800"/>
                       </a:pPr>
                       <a:r>
-                        <a:rPr sz="2400">
-                          <a:latin typeface="Roboto Bold"/>
-                          <a:ea typeface="Roboto Bold"/>
-                          <a:cs typeface="Roboto Bold"/>
-                          <a:sym typeface="Roboto Bold"/>
+                        <a:rPr b="1">
+                          <a:solidFill>
+                            <a:srgbClr val="FFFFFF"/>
+                          </a:solidFill>
+                          <a:latin typeface="Helvetica Neue"/>
+                          <a:ea typeface="Helvetica Neue"/>
+                          <a:cs typeface="Helvetica Neue"/>
+                          <a:sym typeface="Helvetica Neue"/>
                         </a:rPr>
-                        <a:t>兑换率 -（LRC/ETH)</a:t>
+                        <a:t>该阶段后
+售出代币总数</a:t>
                       </a:r>
                     </a:p>
                   </a:txBody>
-                  <a:tcPr marL="50800" marR="50800" marT="50800" marB="50800" anchor="t" anchorCtr="0" horzOverflow="overflow">
+                  <a:tcPr marL="304800" marR="304800" marT="304800" marB="304800" anchor="t" anchorCtr="0" horzOverflow="overflow">
                     <a:lnL w="3175">
                       <a:solidFill>
                         <a:srgbClr val="000000"/>
@@ -12520,11 +12656,7 @@
                       <a:miter lim="400000"/>
                     </a:lnB>
                     <a:solidFill>
-                      <a:schemeClr val="accent6">
-                        <a:satOff val="24555"/>
-                        <a:lumOff val="22232"/>
-                        <a:alpha val="35173"/>
-                      </a:schemeClr>
+                      <a:srgbClr val="00A2FF"/>
                     </a:solidFill>
                   </a:tcPr>
                 </a:tc>
@@ -12533,28 +12665,25 @@
                     <a:bodyPr/>
                     <a:lstStyle/>
                     <a:p>
-                      <a:pPr algn="l">
-                        <a:lnSpc>
-                          <a:spcPts val="6000"/>
-                        </a:lnSpc>
-                        <a:spcBef>
-                          <a:spcPts val="5900"/>
-                        </a:spcBef>
+                      <a:pPr algn="l" defTabSz="457200">
                         <a:defRPr sz="1800"/>
                       </a:pPr>
                       <a:r>
-                        <a:rPr sz="2400">
-                          <a:latin typeface="Roboto Bold"/>
-                          <a:ea typeface="Roboto Bold"/>
-                          <a:cs typeface="Roboto Bold"/>
-                          <a:sym typeface="Roboto Bold"/>
+                        <a:rPr b="1">
+                          <a:solidFill>
+                            <a:srgbClr val="FFFFFF"/>
+                          </a:solidFill>
+                          <a:latin typeface="Helvetica Neue"/>
+                          <a:ea typeface="Helvetica Neue"/>
+                          <a:cs typeface="Helvetica Neue"/>
+                          <a:sym typeface="Helvetica Neue"/>
                         </a:rPr>
-                        <a:t>该阶段 -LRC销售数量</a:t>
+                        <a:t>阶段成功后
+ICO出售占比</a:t>
                       </a:r>
                     </a:p>
                   </a:txBody>
-                  <a:tcPr marL="50800" marR="50800" marT="50800" marB="50800" anchor="t" anchorCtr="0" horzOverflow="overflow">
+                  <a:tcPr marL="304800" marR="304800" marT="304800" marB="304800" anchor="t" anchorCtr="0" horzOverflow="overflow">
                     <a:lnL w="3175">
                       <a:solidFill>
                         <a:srgbClr val="000000"/>
@@ -12580,11 +12709,7 @@
                       <a:miter lim="400000"/>
                     </a:lnB>
                     <a:solidFill>
-                      <a:schemeClr val="accent6">
-                        <a:satOff val="24555"/>
-                        <a:lumOff val="22232"/>
-                        <a:alpha val="35173"/>
-                      </a:schemeClr>
+                      <a:srgbClr val="00A2FF"/>
                     </a:solidFill>
                   </a:tcPr>
                 </a:tc>
@@ -12593,28 +12718,25 @@
                     <a:bodyPr/>
                     <a:lstStyle/>
                     <a:p>
-                      <a:pPr algn="l">
-                        <a:lnSpc>
-                          <a:spcPts val="6000"/>
-                        </a:lnSpc>
-                        <a:spcBef>
-                          <a:spcPts val="5900"/>
-                        </a:spcBef>
+                      <a:pPr algn="l" defTabSz="457200">
                         <a:defRPr sz="1800"/>
                       </a:pPr>
                       <a:r>
-                        <a:rPr sz="2400">
-                          <a:latin typeface="Roboto Bold"/>
-                          <a:ea typeface="Roboto Bold"/>
-                          <a:cs typeface="Roboto Bold"/>
-                          <a:sym typeface="Roboto Bold"/>
+                        <a:rPr b="1">
+                          <a:solidFill>
+                            <a:srgbClr val="FFFFFF"/>
+                          </a:solidFill>
+                          <a:latin typeface="Helvetica Neue"/>
+                          <a:ea typeface="Helvetica Neue"/>
+                          <a:cs typeface="Helvetica Neue"/>
+                          <a:sym typeface="Helvetica Neue"/>
                         </a:rPr>
-                        <a:t>该阶段后 -售出LRC总数</a:t>
+                        <a:t>阶段成功后 +代币总数</a:t>
                       </a:r>
                     </a:p>
                   </a:txBody>
-                  <a:tcPr marL="50800" marR="50800" marT="50800" marB="50800" anchor="t" anchorCtr="0" horzOverflow="overflow">
+                  <a:tcPr marL="304800" marR="304800" marT="304800" marB="304800" anchor="t" anchorCtr="0" horzOverflow="overflow">
                     <a:lnL w="3175">
                       <a:solidFill>
                         <a:srgbClr val="000000"/>
@@ -12640,11 +12762,7 @@
                       <a:miter lim="400000"/>
                     </a:lnB>
                     <a:solidFill>
-                      <a:schemeClr val="accent6">
-                        <a:satOff val="24555"/>
-                        <a:lumOff val="22232"/>
-                        <a:alpha val="35173"/>
-                      </a:schemeClr>
+                      <a:srgbClr val="00A2FF"/>
                     </a:solidFill>
                   </a:tcPr>
                 </a:tc>
@@ -12653,28 +12771,25 @@
                     <a:bodyPr/>
                     <a:lstStyle/>
                     <a:p>
-                      <a:pPr algn="l">
-                        <a:lnSpc>
-                          <a:spcPts val="6000"/>
-                        </a:lnSpc>
-                        <a:spcBef>
-                          <a:spcPts val="5900"/>
-                        </a:spcBef>
+                      <a:pPr algn="l" defTabSz="457200">
                         <a:defRPr sz="1800"/>
                       </a:pPr>
                       <a:r>
-                        <a:rPr sz="2400">
-                          <a:latin typeface="Roboto Bold"/>
-                          <a:ea typeface="Roboto Bold"/>
-                          <a:cs typeface="Roboto Bold"/>
-                          <a:sym typeface="Roboto Bold"/>
+                        <a:rPr b="1">
+                          <a:solidFill>
+                            <a:srgbClr val="FFFFFF"/>
+                          </a:solidFill>
+                          <a:latin typeface="Helvetica Neue"/>
+                          <a:ea typeface="Helvetica Neue"/>
+                          <a:cs typeface="Helvetica Neue"/>
+                          <a:sym typeface="Helvetica Neue"/>
                         </a:rPr>
                         <a:t>阶段成功后 -ICO出售占比</a:t>
+未售出代币总数</a:t>
                       </a:r>
                     </a:p>
                   </a:txBody>
-                  <a:tcPr marL="50800" marR="50800" marT="50800" marB="50800" anchor="t" anchorCtr="0" horzOverflow="overflow">
+                  <a:tcPr marL="304800" marR="304800" marT="304800" marB="304800" anchor="t" anchorCtr="0" horzOverflow="overflow">
                     <a:lnL w="3175">
                       <a:solidFill>
                         <a:srgbClr val="000000"/>
@@ -12700,11 +12815,7 @@
                       <a:miter lim="400000"/>
                     </a:lnB>
                     <a:solidFill>
-                      <a:schemeClr val="accent6">
-                        <a:satOff val="24555"/>
-                        <a:lumOff val="22232"/>
-                        <a:alpha val="35173"/>
-                      </a:schemeClr>
+                      <a:srgbClr val="00A2FF"/>
                     </a:solidFill>
                   </a:tcPr>
                 </a:tc>
@@ -12713,28 +12824,25 @@
                     <a:bodyPr/>
                     <a:lstStyle/>
                     <a:p>
-                      <a:pPr algn="l">
-                        <a:lnSpc>
-                          <a:spcPts val="6000"/>
-                        </a:lnSpc>
-                        <a:spcBef>
-                          <a:spcPts val="5900"/>
-                        </a:spcBef>
+                      <a:pPr algn="l" defTabSz="457200">
                         <a:defRPr sz="1800"/>
                       </a:pPr>
                       <a:r>
-                        <a:rPr sz="2400">
-                          <a:latin typeface="Roboto Bold"/>
-                          <a:ea typeface="Roboto Bold"/>
-                          <a:cs typeface="Roboto Bold"/>
-                          <a:sym typeface="Roboto Bold"/>
+                        <a:rPr b="1">
+                          <a:solidFill>
+                            <a:srgbClr val="FFFFFF"/>
+                          </a:solidFill>
+                          <a:latin typeface="Helvetica Neue"/>
+                          <a:ea typeface="Helvetica Neue"/>
+                          <a:cs typeface="Helvetica Neue"/>
+                          <a:sym typeface="Helvetica Neue"/>
                         </a:rPr>
-                        <a:t>阶段成功后 -LRC总数</a:t>
+                        <a:t>阶段成功后
+整体估值</a:t>
                       </a:r>
                     </a:p>
                   </a:txBody>
-                  <a:tcPr marL="50800" marR="50800" marT="50800" marB="50800" anchor="t" anchorCtr="0" horzOverflow="overflow">
+                  <a:tcPr marL="304800" marR="304800" marT="304800" marB="304800" anchor="t" anchorCtr="0" horzOverflow="overflow">
                     <a:lnL w="3175">
                       <a:solidFill>
                         <a:srgbClr val="000000"/>
@@ -12760,11 +12868,7 @@
                       <a:miter lim="400000"/>
                     </a:lnB>
                     <a:solidFill>
-                      <a:schemeClr val="accent6">
-                        <a:satOff val="24555"/>
-                        <a:lumOff val="22232"/>
-                        <a:alpha val="35173"/>
-                      </a:schemeClr>
+                      <a:srgbClr val="00A2FF"/>
                     </a:solidFill>
                   </a:tcPr>
                 </a:tc>
@@ -12773,28 +12877,39 @@
                     <a:bodyPr/>
                     <a:lstStyle/>
                     <a:p>
-                      <a:pPr algn="l">
-                        <a:lnSpc>
-                          <a:spcPts val="6000"/>
-                        </a:lnSpc>
-                        <a:spcBef>
-                          <a:spcPts val="5900"/>
-                        </a:spcBef>
-                        <a:defRPr sz="1800"/>
+                      <a:pPr defTabSz="457200">
+                        <a:defRPr sz="1800">
+                          <a:solidFill>
+                            <a:srgbClr val="FFFFFF"/>
+                          </a:solidFill>
+                          <a:latin typeface="Helvetica Neue"/>
+                          <a:ea typeface="Helvetica Neue"/>
+                          <a:cs typeface="Helvetica Neue"/>
+                          <a:sym typeface="Helvetica Neue"/>
+                        </a:defRPr>
                       </a:pPr>
                       <a:r>
-                        <a:rPr sz="2400">
-                          <a:latin typeface="Roboto Bold"/>
-                          <a:ea typeface="Roboto Bold"/>
-                          <a:cs typeface="Roboto Bold"/>
-                          <a:sym typeface="Roboto Bold"/>
-                        </a:rPr>
-                        <a:t>阶段成功后 -未售LRC总数</a:t>
+                        <a:t>阶段成功后</a:t>
+                      </a:r>
+                    </a:p>
+                    <a:p>
+                      <a:pPr defTabSz="457200">
+                        <a:defRPr b="1" sz="1800">
+                          <a:solidFill>
+                            <a:srgbClr val="FFFFFF"/>
+                          </a:solidFill>
+                          <a:latin typeface="Helvetica Neue"/>
+                          <a:ea typeface="Helvetica Neue"/>
+                          <a:cs typeface="Helvetica Neue"/>
+                          <a:sym typeface="Helvetica Neue"/>
+                        </a:defRPr>
+                      </a:pPr>
+                      <a:r>
+                        <a:t>整体估值</a:t>
                       </a:r>
                     </a:p>
                   </a:txBody>
-                  <a:tcPr marL="50800" marR="50800" marT="50800" marB="50800" anchor="t" anchorCtr="0" horzOverflow="overflow">
+                  <a:tcPr marL="304800" marR="304800" marT="304800" marB="304800" anchor="t" anchorCtr="0" horzOverflow="overflow">
                     <a:lnL w="3175">
                       <a:solidFill>
                         <a:srgbClr val="000000"/>
@@ -12820,11 +12935,7 @@
                       <a:miter lim="400000"/>
                     </a:lnB>
                     <a:solidFill>
-                      <a:schemeClr val="accent6">
-                        <a:satOff val="24555"/>
-                        <a:lumOff val="22232"/>
-                        <a:alpha val="35173"/>
-                      </a:schemeClr>
+                      <a:srgbClr val="00A2FF"/>
                     </a:solidFill>
                   </a:tcPr>
                 </a:tc>
@@ -12833,27 +12944,24 @@
                     <a:bodyPr/>
                     <a:lstStyle/>
                     <a:p>
-                      <a:pPr algn="l">
-                        <a:lnSpc>
-                          <a:spcPts val="6000"/>
-                        </a:lnSpc>
-                        <a:spcBef>
-                          <a:spcPts val="5900"/>
-                        </a:spcBef>
+                      <a:pPr algn="l" defTabSz="457200">
                         <a:defRPr sz="1800"/>
                       </a:pPr>
                       <a:r>
-                        <a:rPr sz="2400">
-                          <a:latin typeface="Roboto Bold"/>
-                          <a:ea typeface="Roboto Bold"/>
-                          <a:cs typeface="Roboto Bold"/>
-                          <a:sym typeface="Roboto Bold"/>
+                        <a:rPr b="1">
+                          <a:solidFill>
+                            <a:srgbClr val="FFFFFF"/>
+                          </a:solidFill>
+                          <a:latin typeface="Helvetica Neue"/>
+                          <a:ea typeface="Helvetica Neue"/>
+                          <a:cs typeface="Helvetica Neue"/>
+                          <a:sym typeface="Helvetica Neue"/>
                         </a:rPr>
-                        <a:t>阶段成功后整体估值</a:t>
+                        <a:t>1代币估值</a:t>
                       </a:r>
                     </a:p>
                   </a:txBody>
-                  <a:tcPr marL="50800" marR="50800" marT="50800" marB="50800" anchor="t" anchorCtr="0" horzOverflow="overflow">
+                  <a:tcPr marL="304800" marR="304800" marT="304800" marB="304800" anchor="t" anchorCtr="0" horzOverflow="overflow">
                     <a:lnL w="3175">
                       <a:solidFill>
                         <a:srgbClr val="000000"/>
@@ -12879,11 +12987,61 @@
                       <a:miter lim="400000"/>
                     </a:lnB>
                     <a:solidFill>
-                      <a:schemeClr val="accent6">
-                        <a:satOff val="24555"/>
-                        <a:lumOff val="22232"/>
-                        <a:alpha val="35173"/>
-                      </a:schemeClr>
+                      <a:srgbClr val="00A2FF"/>
+                    </a:solidFill>
+                  </a:tcPr>
+                </a:tc>
+              </a:tr>
+              <a:tr h="745211">
+                <a:tc>
+                  <a:txBody>
+                    <a:bodyPr/>
+                    <a:lstStyle/>
+                    <a:p>
+                      <a:pPr algn="l" defTabSz="457200">
+                        <a:defRPr sz="1800"/>
+                      </a:pPr>
+                      <a:r>
+                        <a:rPr b="1">
+                          <a:solidFill>
+                            <a:srgbClr val="FFFFFF"/>
+                          </a:solidFill>
+                          <a:latin typeface="Helvetica Neue"/>
+                          <a:ea typeface="Helvetica Neue"/>
+                          <a:cs typeface="Helvetica Neue"/>
+                          <a:sym typeface="Helvetica Neue"/>
+                        </a:rPr>
+                        <a:t>0 到</a:t>
+                      </a:r>
+                    </a:p>
+                  </a:txBody>
+                  <a:tcPr marL="304800" marR="304800" marT="304800" marB="304800" anchor="t" anchorCtr="0" horzOverflow="overflow">
+                    <a:lnL w="3175">
+                      <a:solidFill>
+                        <a:srgbClr val="000000"/>
+                      </a:solidFill>
+                      <a:miter lim="400000"/>
+                    </a:lnL>
+                    <a:lnR w="3175">
+                      <a:solidFill>
+                        <a:srgbClr val="000000"/>
+                      </a:solidFill>
+                      <a:miter lim="400000"/>
+                    </a:lnR>
+                    <a:lnT w="6350">
+                      <a:solidFill>
+                        <a:srgbClr val="000000"/>
+                      </a:solidFill>
+                      <a:miter lim="400000"/>
+                    </a:lnT>
+                    <a:lnB w="3175">
+                      <a:solidFill>
+                        <a:srgbClr val="000000"/>
+                      </a:solidFill>
+                      <a:miter lim="400000"/>
+                    </a:lnB>
+                    <a:solidFill>
+                      <a:srgbClr val="004D80"/>
                     </a:solidFill>
                   </a:tcPr>
                 </a:tc>
@@ -12892,57 +13050,50 @@
                     <a:bodyPr/>
                     <a:lstStyle/>
                     <a:p>
-                      <a:pPr algn="l">
-                        <a:lnSpc>
-                          <a:spcPts val="6000"/>
-                        </a:lnSpc>
-                        <a:spcBef>
-                          <a:spcPts val="5900"/>
-                        </a:spcBef>
+                      <a:pPr algn="r" defTabSz="457200">
                         <a:defRPr sz="1800"/>
                       </a:pPr>
                       <a:r>
-                        <a:rPr sz="2400">
-                          <a:latin typeface="Roboto Bold"/>
-                          <a:ea typeface="Roboto Bold"/>
-                          <a:cs typeface="Roboto Bold"/>
-                          <a:sym typeface="Roboto Bold"/>
+                        <a:rPr b="1">
+                          <a:solidFill>
+                            <a:srgbClr val="FFFFFF"/>
+                          </a:solidFill>
+                          <a:latin typeface="Helvetica Neue"/>
+                          <a:ea typeface="Helvetica Neue"/>
+                          <a:cs typeface="Helvetica Neue"/>
+                          <a:sym typeface="Helvetica Neue"/>
                         </a:rPr>
-                        <a:t>阶段成功后整体估值</a:t>
+                        <a:t>1万ETH</a:t>
                       </a:r>
                     </a:p>
                   </a:txBody>
-                  <a:tcPr marL="50800" marR="50800" marT="50800" marB="50800" anchor="t" anchorCtr="0" horzOverflow="overflow">
+                  <a:tcPr marL="304800" marR="304800" marT="304800" marB="304800" anchor="t" anchorCtr="0" horzOverflow="overflow">
                     <a:lnL w="3175">
                       <a:solidFill>
                         <a:srgbClr val="000000"/>
                       </a:solidFill>
                       <a:miter lim="400000"/>
                     </a:lnL>
-                    <a:lnR w="3175">
+                    <a:lnR w="6350">
                       <a:solidFill>
                         <a:srgbClr val="000000"/>
                       </a:solidFill>
                       <a:miter lim="400000"/>
                     </a:lnR>
-                    <a:lnT w="3175">
+                    <a:lnT w="6350">
                       <a:solidFill>
                         <a:srgbClr val="000000"/>
                       </a:solidFill>
                       <a:miter lim="400000"/>
                     </a:lnT>
-                    <a:lnB w="6350">
+                    <a:lnB w="3175">
                       <a:solidFill>
                         <a:srgbClr val="000000"/>
                       </a:solidFill>
                       <a:miter lim="400000"/>
                     </a:lnB>
                     <a:solidFill>
-                      <a:schemeClr val="accent6">
-                        <a:satOff val="24555"/>
-                        <a:lumOff val="22232"/>
-                        <a:alpha val="35173"/>
-                      </a:schemeClr>
+                      <a:srgbClr val="004D80"/>
                     </a:solidFill>
                   </a:tcPr>
                 </a:tc>
@@ -12951,189 +13102,21 @@
                     <a:bodyPr/>
                     <a:lstStyle/>
                     <a:p>
-                      <a:pPr algn="l">
-                        <a:lnSpc>
-                          <a:spcPts val="6000"/>
-                        </a:lnSpc>
-                        <a:spcBef>
-                          <a:spcPts val="5900"/>
-                        </a:spcBef>
+                      <a:pPr algn="r" defTabSz="457200">
                         <a:defRPr sz="1800"/>
                       </a:pPr>
                       <a:r>
-                        <a:rPr sz="2400">
-                          <a:latin typeface="Roboto Bold"/>
-                          <a:ea typeface="Roboto Bold"/>
-                          <a:cs typeface="Roboto Bold"/>
-                          <a:sym typeface="Roboto Bold"/>
-                        </a:rPr>
-                        <a:t>1LRC估值</a:t>
-                      </a:r>
-                    </a:p>
-                  </a:txBody>
-                  <a:tcPr marL="50800" marR="50800" marT="50800" marB="50800" anchor="t" anchorCtr="0" horzOverflow="overflow">
-                    <a:lnL w="3175">
-                      <a:solidFill>
-                        <a:srgbClr val="000000"/>
-                      </a:solidFill>
-                      <a:miter lim="400000"/>
-                    </a:lnL>
-                    <a:lnR w="3175">
-                      <a:solidFill>
-                        <a:srgbClr val="000000"/>
-                      </a:solidFill>
-                      <a:miter lim="400000"/>
-                    </a:lnR>
-                    <a:lnT w="3175">
-                      <a:solidFill>
-                        <a:srgbClr val="000000"/>
-                      </a:solidFill>
-                      <a:miter lim="400000"/>
-                    </a:lnT>
-                    <a:lnB w="6350">
-                      <a:solidFill>
-                        <a:srgbClr val="000000"/>
-                      </a:solidFill>
-                      <a:miter lim="400000"/>
-                    </a:lnB>
-                    <a:solidFill>
-                      <a:schemeClr val="accent6">
-                        <a:satOff val="24555"/>
-                        <a:lumOff val="22232"/>
-                        <a:alpha val="35173"/>
-                      </a:schemeClr>
-                    </a:solidFill>
-                  </a:tcPr>
-                </a:tc>
-              </a:tr>
-              <a:tr h="1146891">
-                <a:tc>
-                  <a:txBody>
-                    <a:bodyPr/>
-                    <a:lstStyle/>
-                    <a:p>
-                      <a:pPr algn="l">
-                        <a:spcBef>
-                          <a:spcPts val="5900"/>
-                        </a:spcBef>
-                        <a:defRPr sz="1800"/>
-                      </a:pPr>
-                      <a:r>
-                        <a:rPr sz="2400">
-                          <a:latin typeface="Roboto Bold"/>
-                          <a:ea typeface="Roboto Bold"/>
-                          <a:cs typeface="Roboto Bold"/>
-                          <a:sym typeface="Roboto Bold"/>
-                        </a:rPr>
-                        <a:t>第1阶段</a:t>
-                      </a:r>
-                    </a:p>
-                  </a:txBody>
-                  <a:tcPr marL="50800" marR="50800" marT="50800" marB="50800" anchor="t" anchorCtr="0" horzOverflow="overflow">
-                    <a:lnL w="3175">
-                      <a:solidFill>
-                        <a:srgbClr val="000000"/>
-                      </a:solidFill>
-                      <a:miter lim="400000"/>
-                    </a:lnL>
-                    <a:lnR w="3175">
-                      <a:solidFill>
-                        <a:srgbClr val="000000"/>
-                      </a:solidFill>
-                      <a:miter lim="400000"/>
-                    </a:lnR>
-                    <a:lnT w="6350">
-                      <a:solidFill>
-                        <a:srgbClr val="000000"/>
-                      </a:solidFill>
-                      <a:miter lim="400000"/>
-                    </a:lnT>
-                    <a:lnB w="3175">
-                      <a:solidFill>
-                        <a:srgbClr val="000000"/>
-                      </a:solidFill>
-                      <a:miter lim="400000"/>
-                    </a:lnB>
-                    <a:solidFill>
-                      <a:srgbClr val="DCDEE0"/>
-                    </a:solidFill>
-                  </a:tcPr>
-                </a:tc>
-                <a:tc>
-                  <a:txBody>
-                    <a:bodyPr/>
-                    <a:lstStyle/>
-                    <a:p>
-                      <a:pPr algn="r">
-                        <a:spcBef>
-                          <a:spcPts val="5900"/>
-                        </a:spcBef>
-                        <a:defRPr sz="1800"/>
-                      </a:pPr>
-                      <a:r>
-                        <a:rPr sz="2400">
-                          <a:latin typeface="Roboto Bold"/>
-                          <a:ea typeface="Roboto Bold"/>
-                          <a:cs typeface="Roboto Bold"/>
-                          <a:sym typeface="Roboto Bold"/>
-                        </a:rPr>
-                        <a:t>2万ETH</a:t>
-                      </a:r>
-                    </a:p>
-                  </a:txBody>
-                  <a:tcPr marL="50800" marR="50800" marT="50800" marB="50800" anchor="t" anchorCtr="0" horzOverflow="overflow">
-                    <a:lnL w="3175">
-                      <a:solidFill>
-                        <a:srgbClr val="000000"/>
-                      </a:solidFill>
-                      <a:miter lim="400000"/>
-                    </a:lnL>
-                    <a:lnR w="6350">
-                      <a:solidFill>
-                        <a:srgbClr val="000000"/>
-                      </a:solidFill>
-                      <a:miter lim="400000"/>
-                    </a:lnR>
-                    <a:lnT w="6350">
-                      <a:solidFill>
-                        <a:srgbClr val="000000"/>
-                      </a:solidFill>
-                      <a:miter lim="400000"/>
-                    </a:lnT>
-                    <a:lnB w="3175">
-                      <a:solidFill>
-                        <a:srgbClr val="000000"/>
-                      </a:solidFill>
-                      <a:miter lim="400000"/>
-                    </a:lnB>
-                    <a:solidFill>
-                      <a:srgbClr val="DCDEE0"/>
-                    </a:solidFill>
-                  </a:tcPr>
-                </a:tc>
-                <a:tc>
-                  <a:txBody>
-                    <a:bodyPr/>
-                    <a:lstStyle/>
-                    <a:p>
-                      <a:pPr algn="r">
-                        <a:spcBef>
-                          <a:spcPts val="5900"/>
-                        </a:spcBef>
-                        <a:defRPr sz="1800"/>
-                      </a:pPr>
-                      <a:r>
-                        <a:rPr sz="2400">
-                          <a:latin typeface="Roboto Bold"/>
-                          <a:ea typeface="Roboto Bold"/>
-                          <a:cs typeface="Roboto Bold"/>
-                          <a:sym typeface="Roboto Bold"/>
+                        <a:rPr>
+                          <a:latin typeface="Helvetica Neue"/>
+                          <a:ea typeface="Helvetica Neue"/>
+                          <a:cs typeface="Helvetica Neue"/>
+                          <a:sym typeface="Helvetica Neue"/>
                         </a:rPr>
                         <a:t>6000</a:t>
                       </a:r>
                     </a:p>
                   </a:txBody>
-                  <a:tcPr marL="50800" marR="50800" marT="50800" marB="50800" anchor="t" anchorCtr="0" horzOverflow="overflow">
+                  <a:tcPr marL="304800" marR="304800" marT="304800" marB="304800" anchor="t" anchorCtr="0" horzOverflow="overflow">
                     <a:lnL w="6350">
                       <a:solidFill>
                         <a:srgbClr val="000000"/>
@@ -13172,24 +13155,21 @@
                     <a:bodyPr/>
                     <a:lstStyle/>
                     <a:p>
-                      <a:pPr algn="r">
-                        <a:spcBef>
-                          <a:spcPts val="5900"/>
-                        </a:spcBef>
+                      <a:pPr algn="r" defTabSz="457200">
                         <a:defRPr sz="1800"/>
                       </a:pPr>
                       <a:r>
-                        <a:rPr sz="2400">
-                          <a:latin typeface="Roboto Bold"/>
-                          <a:ea typeface="Roboto Bold"/>
-                          <a:cs typeface="Roboto Bold"/>
-                          <a:sym typeface="Roboto Bold"/>
+                        <a:rPr>
+                          <a:latin typeface="Helvetica Neue"/>
+                          <a:ea typeface="Helvetica Neue"/>
+                          <a:cs typeface="Helvetica Neue"/>
+                          <a:sym typeface="Helvetica Neue"/>
                         </a:rPr>
-                        <a:t>12,000万</a:t>
+                        <a:t>6,000万</a:t>
                       </a:r>
                     </a:p>
                   </a:txBody>
-                  <a:tcPr marL="50800" marR="50800" marT="50800" marB="50800" anchor="t" anchorCtr="0" horzOverflow="overflow">
+                  <a:tcPr marL="304800" marR="304800" marT="304800" marB="304800" anchor="t" anchorCtr="0" horzOverflow="overflow">
                     <a:lnL w="6350">
                       <a:solidFill>
                         <a:srgbClr val="000000"/>
@@ -13231,24 +13211,21 @@
                     <a:bodyPr/>
                     <a:lstStyle/>
                     <a:p>
-                      <a:pPr algn="r">
-                        <a:spcBef>
-                          <a:spcPts val="5900"/>
-                        </a:spcBef>
+                      <a:pPr algn="r" defTabSz="457200">
                         <a:defRPr sz="1800"/>
                       </a:pPr>
                       <a:r>
-                        <a:rPr sz="2400">
-                          <a:latin typeface="Roboto Bold"/>
-                          <a:ea typeface="Roboto Bold"/>
-                          <a:cs typeface="Roboto Bold"/>
-                          <a:sym typeface="Roboto Bold"/>
+                        <a:rPr>
+                          <a:latin typeface="Helvetica Neue"/>
+                          <a:ea typeface="Helvetica Neue"/>
+                          <a:cs typeface="Helvetica Neue"/>
+                          <a:sym typeface="Helvetica Neue"/>
                         </a:rPr>
-                        <a:t>12,000万</a:t>
+                        <a:t>6,000万</a:t>
                       </a:r>
                     </a:p>
                   </a:txBody>
-                  <a:tcPr marL="50800" marR="50800" marT="50800" marB="50800" anchor="t" anchorCtr="0" horzOverflow="overflow">
+                  <a:tcPr marL="304800" marR="304800" marT="304800" marB="304800" anchor="t" anchorCtr="0" horzOverflow="overflow">
                     <a:lnL w="6350">
                       <a:solidFill>
                         <a:srgbClr val="000000"/>
@@ -13290,24 +13267,21 @@
                     <a:bodyPr/>
                     <a:lstStyle/>
                     <a:p>
-                      <a:pPr algn="l">
-                        <a:spcBef>
-                          <a:spcPts val="5900"/>
-                        </a:spcBef>
+                      <a:pPr algn="l" defTabSz="457200">
                         <a:defRPr sz="1800"/>
                       </a:pPr>
                       <a:r>
-                        <a:rPr sz="2400">
-                          <a:latin typeface="Roboto Bold"/>
-                          <a:ea typeface="Roboto Bold"/>
-                          <a:cs typeface="Roboto Bold"/>
-                          <a:sym typeface="Roboto Bold"/>
+                        <a:rPr>
+                          <a:latin typeface="Helvetica Neue"/>
+                          <a:ea typeface="Helvetica Neue"/>
+                          <a:cs typeface="Helvetica Neue"/>
+                          <a:sym typeface="Helvetica Neue"/>
                         </a:rPr>
                         <a:t>ICO尚未成功</a:t>
                       </a:r>
                     </a:p>
                   </a:txBody>
-                  <a:tcPr marL="50800" marR="50800" marT="50800" marB="50800" anchor="t" anchorCtr="0" horzOverflow="overflow">
+                  <a:tcPr marL="304800" marR="304800" marT="304800" marB="304800" anchor="t" anchorCtr="0" horzOverflow="overflow">
                     <a:lnL w="6350">
                       <a:solidFill>
                         <a:srgbClr val="000000"/>
@@ -13349,20 +13323,17 @@
                     <a:bodyPr/>
                     <a:lstStyle/>
                     <a:p>
-                      <a:pPr algn="l">
-                        <a:spcBef>
-                          <a:spcPts val="5900"/>
-                        </a:spcBef>
-                        <a:defRPr>
-                          <a:latin typeface="Roboto Bold"/>
-                          <a:ea typeface="Roboto Bold"/>
-                          <a:cs typeface="Roboto Bold"/>
-                          <a:sym typeface="Roboto Bold"/>
+                      <a:pPr algn="l" defTabSz="457200">
+                        <a:defRPr sz="1800">
+                          <a:latin typeface="Helvetica Neue"/>
+                          <a:ea typeface="Helvetica Neue"/>
+                          <a:cs typeface="Helvetica Neue"/>
+                          <a:sym typeface="Helvetica Neue"/>
                         </a:defRPr>
                       </a:pPr>
                     </a:p>
                   </a:txBody>
-                  <a:tcPr marL="50800" marR="50800" marT="50800" marB="50800" anchor="t" anchorCtr="0" horzOverflow="overflow">
+                  <a:tcPr marL="304800" marR="304800" marT="304800" marB="304800" anchor="t" anchorCtr="0" horzOverflow="overflow">
                     <a:lnL w="6350">
                       <a:solidFill>
                         <a:srgbClr val="000000"/>
@@ -13404,20 +13375,17 @@
                     <a:bodyPr/>
                     <a:lstStyle/>
                     <a:p>
-                      <a:pPr algn="l">
-                        <a:spcBef>
-                          <a:spcPts val="5900"/>
-                        </a:spcBef>
-                        <a:defRPr>
-                          <a:latin typeface="Roboto Bold"/>
-                          <a:ea typeface="Roboto Bold"/>
-                          <a:cs typeface="Roboto Bold"/>
-                          <a:sym typeface="Roboto Bold"/>
+                      <a:pPr algn="l" defTabSz="457200">
+                        <a:defRPr sz="1800">
+                          <a:latin typeface="Helvetica Neue"/>
+                          <a:ea typeface="Helvetica Neue"/>
+                          <a:cs typeface="Helvetica Neue"/>
+                          <a:sym typeface="Helvetica Neue"/>
                         </a:defRPr>
                       </a:pPr>
                     </a:p>
                   </a:txBody>
-                  <a:tcPr marL="50800" marR="50800" marT="50800" marB="50800" anchor="t" anchorCtr="0" horzOverflow="overflow">
+                  <a:tcPr marL="304800" marR="304800" marT="304800" marB="304800" anchor="t" anchorCtr="0" horzOverflow="overflow">
                     <a:lnL w="6350">
                       <a:solidFill>
                         <a:srgbClr val="000000"/>
@@ -13459,20 +13427,17 @@
                     <a:bodyPr/>
                     <a:lstStyle/>
                     <a:p>
-                      <a:pPr algn="l">
-                        <a:spcBef>
-                          <a:spcPts val="5900"/>
-                        </a:spcBef>
-                        <a:defRPr>
-                          <a:latin typeface="Roboto Bold"/>
-                          <a:ea typeface="Roboto Bold"/>
-                          <a:cs typeface="Roboto Bold"/>
-                          <a:sym typeface="Roboto Bold"/>
+                      <a:pPr algn="l" defTabSz="457200">
+                        <a:defRPr sz="1800">
+                          <a:latin typeface="Helvetica Neue"/>
+                          <a:ea typeface="Helvetica Neue"/>
+                          <a:cs typeface="Helvetica Neue"/>
+                          <a:sym typeface="Helvetica Neue"/>
                         </a:defRPr>
                       </a:pPr>
                     </a:p>
                   </a:txBody>
-                  <a:tcPr marL="50800" marR="50800" marT="50800" marB="50800" anchor="t" anchorCtr="0" horzOverflow="overflow">
+                  <a:tcPr marL="304800" marR="304800" marT="304800" marB="304800" anchor="t" anchorCtr="0" horzOverflow="overflow">
                     <a:lnL w="6350">
                       <a:solidFill>
                         <a:srgbClr val="000000"/>
@@ -13514,20 +13479,17 @@
                     <a:bodyPr/>
                     <a:lstStyle/>
                     <a:p>
-                      <a:pPr algn="l">
-                        <a:spcBef>
-                          <a:spcPts val="5900"/>
-                        </a:spcBef>
-                        <a:defRPr>
-                          <a:latin typeface="Roboto Bold"/>
-                          <a:ea typeface="Roboto Bold"/>
-                          <a:cs typeface="Roboto Bold"/>
-                          <a:sym typeface="Roboto Bold"/>
+                      <a:pPr algn="l" defTabSz="457200">
+                        <a:defRPr sz="1800">
+                          <a:latin typeface="Helvetica Neue"/>
+                          <a:ea typeface="Helvetica Neue"/>
+                          <a:cs typeface="Helvetica Neue"/>
+                          <a:sym typeface="Helvetica Neue"/>
                         </a:defRPr>
                       </a:pPr>
                     </a:p>
                   </a:txBody>
-                  <a:tcPr marL="50800" marR="50800" marT="50800" marB="50800" anchor="t" anchorCtr="0" horzOverflow="overflow">
+                  <a:tcPr marL="304800" marR="304800" marT="304800" marB="304800" anchor="t" anchorCtr="0" horzOverflow="overflow">
                     <a:lnL w="6350">
                       <a:solidFill>
                         <a:srgbClr val="000000"/>
@@ -13569,20 +13531,17 @@
                     <a:bodyPr/>
                     <a:lstStyle/>
                     <a:p>
-                      <a:pPr algn="l">
-                        <a:spcBef>
-                          <a:spcPts val="5900"/>
-                        </a:spcBef>
-                        <a:defRPr>
-                          <a:latin typeface="Roboto Bold"/>
-                          <a:ea typeface="Roboto Bold"/>
-                          <a:cs typeface="Roboto Bold"/>
-                          <a:sym typeface="Roboto Bold"/>
+                      <a:pPr algn="l" defTabSz="457200">
+                        <a:defRPr sz="1800">
+                          <a:latin typeface="Helvetica Neue"/>
+                          <a:ea typeface="Helvetica Neue"/>
+                          <a:cs typeface="Helvetica Neue"/>
+                          <a:sym typeface="Helvetica Neue"/>
                         </a:defRPr>
                       </a:pPr>
                     </a:p>
                   </a:txBody>
-                  <a:tcPr marL="50800" marR="50800" marT="50800" marB="50800" anchor="t" anchorCtr="0" horzOverflow="overflow">
+                  <a:tcPr marL="304800" marR="304800" marT="304800" marB="304800" anchor="t" anchorCtr="0" horzOverflow="overflow">
                     <a:lnL w="6350">
                       <a:solidFill>
                         <a:srgbClr val="000000"/>
@@ -13617,30 +13576,30 @@
                   </a:tcPr>
                 </a:tc>
               </a:tr>
-              <a:tr h="1146891">
+              <a:tr h="745211">
                 <a:tc>
                   <a:txBody>
                     <a:bodyPr/>
                     <a:lstStyle/>
                     <a:p>
-                      <a:pPr algn="l">
-                        <a:spcBef>
-                          <a:spcPts val="5900"/>
-                        </a:spcBef>
+                      <a:pPr algn="l" defTabSz="457200">
                         <a:defRPr sz="1800"/>
                       </a:pPr>
                       <a:r>
-                        <a:rPr sz="2400">
-                          <a:latin typeface="Roboto Bold"/>
-                          <a:ea typeface="Roboto Bold"/>
-                          <a:cs typeface="Roboto Bold"/>
-                          <a:sym typeface="Roboto Bold"/>
+                        <a:rPr b="1">
+                          <a:solidFill>
+                            <a:srgbClr val="FFFFFF"/>
+                          </a:solidFill>
+                          <a:latin typeface="Helvetica Neue"/>
+                          <a:ea typeface="Helvetica Neue"/>
+                          <a:cs typeface="Helvetica Neue"/>
+                          <a:sym typeface="Helvetica Neue"/>
                         </a:rPr>
-                        <a:t>第2阶段</a:t>
+                        <a:t>1万ETH 到</a:t>
                       </a:r>
                     </a:p>
                   </a:txBody>
-                  <a:tcPr marL="50800" marR="50800" marT="50800" marB="50800" anchor="t" anchorCtr="0" horzOverflow="overflow">
+                  <a:tcPr marL="304800" marR="304800" marT="304800" marB="304800" anchor="t" anchorCtr="0" horzOverflow="overflow">
                     <a:lnL w="3175">
                       <a:solidFill>
                         <a:srgbClr val="000000"/>
@@ -13666,7 +13625,7 @@
                       <a:miter lim="400000"/>
                     </a:lnB>
                     <a:solidFill>
-                      <a:srgbClr val="DCDEE0"/>
+                      <a:srgbClr val="004D80"/>
                     </a:solidFill>
                   </a:tcPr>
                 </a:tc>
@@ -13675,24 +13634,24 @@
                     <a:bodyPr/>
                     <a:lstStyle/>
                     <a:p>
-                      <a:pPr algn="r">
-                        <a:spcBef>
-                          <a:spcPts val="5900"/>
-                        </a:spcBef>
+                      <a:pPr algn="r" defTabSz="457200">
                         <a:defRPr sz="1800"/>
                       </a:pPr>
                       <a:r>
-                        <a:rPr sz="2400">
-                          <a:latin typeface="Roboto Bold"/>
-                          <a:ea typeface="Roboto Bold"/>
-                          <a:cs typeface="Roboto Bold"/>
-                          <a:sym typeface="Roboto Bold"/>
+                        <a:rPr b="1">
+                          <a:solidFill>
+                            <a:srgbClr val="FFFFFF"/>
+                          </a:solidFill>
+                          <a:latin typeface="Helvetica Neue"/>
+                          <a:ea typeface="Helvetica Neue"/>
+                          <a:cs typeface="Helvetica Neue"/>
+                          <a:sym typeface="Helvetica Neue"/>
                         </a:rPr>
-                        <a:t>4万ETH</a:t>
+                        <a:t>2万ETH</a:t>
                       </a:r>
                     </a:p>
                   </a:txBody>
-                  <a:tcPr marL="50800" marR="50800" marT="50800" marB="50800" anchor="t" anchorCtr="0" horzOverflow="overflow">
+                  <a:tcPr marL="304800" marR="304800" marT="304800" marB="304800" anchor="t" anchorCtr="0" horzOverflow="overflow">
                     <a:lnL w="3175">
                       <a:solidFill>
                         <a:srgbClr val="000000"/>
@@ -13718,7 +13677,7 @@
                       <a:miter lim="400000"/>
                     </a:lnB>
                     <a:solidFill>
-                      <a:srgbClr val="DCDEE0"/>
+                      <a:srgbClr val="004D80"/>
                     </a:solidFill>
                   </a:tcPr>
                 </a:tc>
@@ -13727,24 +13686,21 @@
                     <a:bodyPr/>
                     <a:lstStyle/>
                     <a:p>
-                      <a:pPr algn="r">
-                        <a:spcBef>
-                          <a:spcPts val="5900"/>
-                        </a:spcBef>
+                      <a:pPr algn="r" defTabSz="457200">
                         <a:defRPr sz="1800"/>
                       </a:pPr>
                       <a:r>
-                        <a:rPr sz="2400">
-                          <a:latin typeface="Roboto Bold"/>
-                          <a:ea typeface="Roboto Bold"/>
-                          <a:cs typeface="Roboto Bold"/>
-                          <a:sym typeface="Roboto Bold"/>
+                        <a:rPr>
+                          <a:latin typeface="Helvetica Neue"/>
+                          <a:ea typeface="Helvetica Neue"/>
+                          <a:cs typeface="Helvetica Neue"/>
+                          <a:sym typeface="Helvetica Neue"/>
                         </a:rPr>
-                        <a:t>5750</a:t>
+                        <a:t>6000</a:t>
                       </a:r>
                     </a:p>
                   </a:txBody>
-                  <a:tcPr marL="50800" marR="50800" marT="50800" marB="50800" anchor="t" anchorCtr="0" horzOverflow="overflow">
+                  <a:tcPr marL="304800" marR="304800" marT="304800" marB="304800" anchor="t" anchorCtr="0" horzOverflow="overflow">
                     <a:lnL w="6350">
                       <a:solidFill>
                         <a:srgbClr val="000000"/>
@@ -13788,24 +13744,21 @@
                     <a:bodyPr/>
                     <a:lstStyle/>
                     <a:p>
-                      <a:pPr algn="r">
-                        <a:spcBef>
-                          <a:spcPts val="5900"/>
-                        </a:spcBef>
+                      <a:pPr algn="r" defTabSz="457200">
                         <a:defRPr sz="1800"/>
                       </a:pPr>
                       <a:r>
-                        <a:rPr sz="2400">
-                          <a:latin typeface="Roboto Bold"/>
-                          <a:ea typeface="Roboto Bold"/>
-                          <a:cs typeface="Roboto Bold"/>
-                          <a:sym typeface="Roboto Bold"/>
+                        <a:rPr>
+                          <a:latin typeface="Helvetica Neue"/>
+                          <a:ea typeface="Helvetica Neue"/>
+                          <a:cs typeface="Helvetica Neue"/>
+                          <a:sym typeface="Helvetica Neue"/>
                         </a:rPr>
-                        <a:t>11,500万</a:t>
+                        <a:t>6,000万</a:t>
                       </a:r>
                     </a:p>
                   </a:txBody>
-                  <a:tcPr marL="50800" marR="50800" marT="50800" marB="50800" anchor="t" anchorCtr="0" horzOverflow="overflow">
+                  <a:tcPr marL="304800" marR="304800" marT="304800" marB="304800" anchor="t" anchorCtr="0" horzOverflow="overflow">
                     <a:lnL w="6350">
                       <a:solidFill>
                         <a:srgbClr val="000000"/>
@@ -13852,24 +13805,21 @@
                     <a:bodyPr/>
                     <a:lstStyle/>
                     <a:p>
-                      <a:pPr algn="r">
-                        <a:spcBef>
-                          <a:spcPts val="5900"/>
-                        </a:spcBef>
+                      <a:pPr algn="r" defTabSz="457200">
                         <a:defRPr sz="1800"/>
                       </a:pPr>
                       <a:r>
-                        <a:rPr sz="2400">
-                          <a:latin typeface="Roboto Bold"/>
-                          <a:ea typeface="Roboto Bold"/>
-                          <a:cs typeface="Roboto Bold"/>
-                          <a:sym typeface="Roboto Bold"/>
+                        <a:rPr>
+                          <a:latin typeface="Helvetica Neue"/>
+                          <a:ea typeface="Helvetica Neue"/>
+                          <a:cs typeface="Helvetica Neue"/>
+                          <a:sym typeface="Helvetica Neue"/>
                         </a:rPr>
-                        <a:t>23,500万</a:t>
+                        <a:t>12,000万</a:t>
                       </a:r>
                     </a:p>
                   </a:txBody>
-                  <a:tcPr marL="50800" marR="50800" marT="50800" marB="50800" anchor="t" anchorCtr="0" horzOverflow="overflow">
+                  <a:tcPr marL="304800" marR="304800" marT="304800" marB="304800" anchor="t" anchorCtr="0" horzOverflow="overflow">
                     <a:lnL w="6350">
                       <a:solidFill>
                         <a:srgbClr val="000000"/>
@@ -13916,24 +13866,21 @@
                     <a:bodyPr/>
                     <a:lstStyle/>
                     <a:p>
-                      <a:pPr algn="l">
-                        <a:spcBef>
-                          <a:spcPts val="5900"/>
-                        </a:spcBef>
+                      <a:pPr algn="l" defTabSz="457200">
                         <a:defRPr sz="1800"/>
                       </a:pPr>
                       <a:r>
-                        <a:rPr sz="2400">
-                          <a:latin typeface="Roboto Bold"/>
-                          <a:ea typeface="Roboto Bold"/>
-                          <a:cs typeface="Roboto Bold"/>
-                          <a:sym typeface="Roboto Bold"/>
+                        <a:rPr>
+                          <a:latin typeface="Helvetica Neue"/>
+                          <a:ea typeface="Helvetica Neue"/>
+                          <a:cs typeface="Helvetica Neue"/>
+                          <a:sym typeface="Helvetica Neue"/>
                         </a:rPr>
                         <a:t>ICO尚未成功</a:t>
                       </a:r>
                     </a:p>
                   </a:txBody>
-                  <a:tcPr marL="50800" marR="50800" marT="50800" marB="50800" anchor="t" anchorCtr="0" horzOverflow="overflow">
+                  <a:tcPr marL="304800" marR="304800" marT="304800" marB="304800" anchor="t" anchorCtr="0" horzOverflow="overflow">
                     <a:lnL w="6350">
                       <a:solidFill>
                         <a:srgbClr val="000000"/>
@@ -13980,20 +13927,17 @@
                     <a:bodyPr/>
                     <a:lstStyle/>
                     <a:p>
-                      <a:pPr algn="l">
-                        <a:spcBef>
-                          <a:spcPts val="5900"/>
-                        </a:spcBef>
-                        <a:defRPr>
-                          <a:latin typeface="Roboto Bold"/>
-                          <a:ea typeface="Roboto Bold"/>
-                          <a:cs typeface="Roboto Bold"/>
-                          <a:sym typeface="Roboto Bold"/>
+                      <a:pPr algn="l" defTabSz="457200">
+                        <a:defRPr sz="1800">
+                          <a:latin typeface="Helvetica Neue"/>
+                          <a:ea typeface="Helvetica Neue"/>
+                          <a:cs typeface="Helvetica Neue"/>
+                          <a:sym typeface="Helvetica Neue"/>
                         </a:defRPr>
                       </a:pPr>
                     </a:p>
                   </a:txBody>
-                  <a:tcPr marL="50800" marR="50800" marT="50800" marB="50800" anchor="t" anchorCtr="0" horzOverflow="overflow">
+                  <a:tcPr marL="304800" marR="304800" marT="304800" marB="304800" anchor="t" anchorCtr="0" horzOverflow="overflow">
                     <a:lnL w="6350">
                       <a:solidFill>
                         <a:srgbClr val="000000"/>
@@ -14040,20 +13984,17 @@
                     <a:bodyPr/>
                     <a:lstStyle/>
                     <a:p>
-                      <a:pPr algn="l">
-                        <a:spcBef>
-                          <a:spcPts val="5900"/>
-                        </a:spcBef>
-                        <a:defRPr>
-                          <a:latin typeface="Roboto Bold"/>
-                          <a:ea typeface="Roboto Bold"/>
-                          <a:cs typeface="Roboto Bold"/>
-                          <a:sym typeface="Roboto Bold"/>
+                      <a:pPr algn="l" defTabSz="457200">
+                        <a:defRPr sz="1800">
+                          <a:latin typeface="Helvetica Neue"/>
+                          <a:ea typeface="Helvetica Neue"/>
+                          <a:cs typeface="Helvetica Neue"/>
+                          <a:sym typeface="Helvetica Neue"/>
                         </a:defRPr>
                       </a:pPr>
                     </a:p>
                   </a:txBody>
-                  <a:tcPr marL="50800" marR="50800" marT="50800" marB="50800" anchor="t" anchorCtr="0" horzOverflow="overflow">
+                  <a:tcPr marL="304800" marR="304800" marT="304800" marB="304800" anchor="t" anchorCtr="0" horzOverflow="overflow">
                     <a:lnL w="6350">
                       <a:solidFill>
                         <a:srgbClr val="000000"/>
@@ -14100,20 +14041,17 @@
                     <a:bodyPr/>
                     <a:lstStyle/>
                     <a:p>
-                      <a:pPr algn="l">
-                        <a:spcBef>
-                          <a:spcPts val="5900"/>
-                        </a:spcBef>
-                        <a:defRPr>
-                          <a:latin typeface="Roboto Bold"/>
-                          <a:ea typeface="Roboto Bold"/>
-                          <a:cs typeface="Roboto Bold"/>
-                          <a:sym typeface="Roboto Bold"/>
+                      <a:pPr algn="l" defTabSz="457200">
+                        <a:defRPr sz="1800">
+                          <a:latin typeface="Helvetica Neue"/>
+                          <a:ea typeface="Helvetica Neue"/>
+                          <a:cs typeface="Helvetica Neue"/>
+                          <a:sym typeface="Helvetica Neue"/>
                         </a:defRPr>
                       </a:pPr>
                     </a:p>
                   </a:txBody>
-                  <a:tcPr marL="50800" marR="50800" marT="50800" marB="50800" anchor="t" anchorCtr="0" horzOverflow="overflow">
+                  <a:tcPr marL="304800" marR="304800" marT="304800" marB="304800" anchor="t" anchorCtr="0" horzOverflow="overflow">
                     <a:lnL w="6350">
                       <a:solidFill>
                         <a:srgbClr val="000000"/>
@@ -14160,20 +14098,17 @@
                     <a:bodyPr/>
                     <a:lstStyle/>
                     <a:p>
-                      <a:pPr algn="l">
-                        <a:spcBef>
-                          <a:spcPts val="5900"/>
-                        </a:spcBef>
-                        <a:defRPr>
-                          <a:latin typeface="Roboto Bold"/>
-                          <a:ea typeface="Roboto Bold"/>
-                          <a:cs typeface="Roboto Bold"/>
-                          <a:sym typeface="Roboto Bold"/>
+                      <a:pPr algn="l" defTabSz="457200">
+                        <a:defRPr sz="1800">
+                          <a:latin typeface="Helvetica Neue"/>
+                          <a:ea typeface="Helvetica Neue"/>
+                          <a:cs typeface="Helvetica Neue"/>
+                          <a:sym typeface="Helvetica Neue"/>
                         </a:defRPr>
                       </a:pPr>
                     </a:p>
                   </a:txBody>
-                  <a:tcPr marL="50800" marR="50800" marT="50800" marB="50800" anchor="t" anchorCtr="0" horzOverflow="overflow">
+                  <a:tcPr marL="304800" marR="304800" marT="304800" marB="304800" anchor="t" anchorCtr="0" horzOverflow="overflow">
                     <a:lnL w="6350">
                       <a:solidFill>
                         <a:srgbClr val="000000"/>
@@ -14220,20 +14155,17 @@
                     <a:bodyPr/>
                     <a:lstStyle/>
                     <a:p>
-                      <a:pPr algn="l">
-                        <a:spcBef>
-                          <a:spcPts val="5900"/>
-                        </a:spcBef>
-                        <a:defRPr>
-                          <a:latin typeface="Roboto Bold"/>
-                          <a:ea typeface="Roboto Bold"/>
-                          <a:cs typeface="Roboto Bold"/>
-                          <a:sym typeface="Roboto Bold"/>
+                      <a:pPr algn="l" defTabSz="457200">
+                        <a:defRPr sz="1800">
+                          <a:latin typeface="Helvetica Neue"/>
+                          <a:ea typeface="Helvetica Neue"/>
+                          <a:cs typeface="Helvetica Neue"/>
+                          <a:sym typeface="Helvetica Neue"/>
                         </a:defRPr>
                       </a:pPr>
                     </a:p>
                   </a:txBody>
-                  <a:tcPr marL="50800" marR="50800" marT="50800" marB="50800" anchor="t" anchorCtr="0" horzOverflow="overflow">
+                  <a:tcPr marL="304800" marR="304800" marT="304800" marB="304800" anchor="t" anchorCtr="0" horzOverflow="overflow">
                     <a:lnL w="6350">
                       <a:solidFill>
                         <a:srgbClr val="000000"/>
@@ -14273,30 +14205,30 @@
                   </a:tcPr>
                 </a:tc>
               </a:tr>
-              <a:tr h="1146891">
+              <a:tr h="745211">
                 <a:tc>
                   <a:txBody>
                     <a:bodyPr/>
                     <a:lstStyle/>
                     <a:p>
-                      <a:pPr algn="l">
-                        <a:spcBef>
-                          <a:spcPts val="5900"/>
-                        </a:spcBef>
+                      <a:pPr algn="l" defTabSz="457200">
                         <a:defRPr sz="1800"/>
                       </a:pPr>
                       <a:r>
-                        <a:rPr sz="2400">
-                          <a:latin typeface="Roboto Bold"/>
-                          <a:ea typeface="Roboto Bold"/>
-                          <a:cs typeface="Roboto Bold"/>
-                          <a:sym typeface="Roboto Bold"/>
+                        <a:rPr b="1">
+                          <a:solidFill>
+                            <a:srgbClr val="FFFFFF"/>
+                          </a:solidFill>
+                          <a:latin typeface="Helvetica Neue"/>
+                          <a:ea typeface="Helvetica Neue"/>
+                          <a:cs typeface="Helvetica Neue"/>
+                          <a:sym typeface="Helvetica Neue"/>
                         </a:rPr>
-                        <a:t>第3阶段</a:t>
+                        <a:t>2万ETH 到</a:t>
                       </a:r>
                     </a:p>
                   </a:txBody>
-                  <a:tcPr marL="50800" marR="50800" marT="50800" marB="50800" anchor="t" anchorCtr="0" horzOverflow="overflow">
+                  <a:tcPr marL="304800" marR="304800" marT="304800" marB="304800" anchor="t" anchorCtr="0" horzOverflow="overflow">
                     <a:lnL w="3175">
                       <a:solidFill>
                         <a:srgbClr val="000000"/>
@@ -14322,7 +14254,7 @@
                       <a:miter lim="400000"/>
                     </a:lnB>
                     <a:solidFill>
-                      <a:srgbClr val="DCDEE0"/>
+                      <a:srgbClr val="004D80"/>
                     </a:solidFill>
                   </a:tcPr>
                 </a:tc>
@@ -14331,24 +14263,24 @@
                     <a:bodyPr/>
                     <a:lstStyle/>
                     <a:p>
-                      <a:pPr algn="r">
-                        <a:spcBef>
-                          <a:spcPts val="5900"/>
-                        </a:spcBef>
+                      <a:pPr algn="r" defTabSz="457200">
                         <a:defRPr sz="1800"/>
                       </a:pPr>
                       <a:r>
-                        <a:rPr sz="2400">
-                          <a:latin typeface="Roboto Bold"/>
-                          <a:ea typeface="Roboto Bold"/>
-                          <a:cs typeface="Roboto Bold"/>
-                          <a:sym typeface="Roboto Bold"/>
+                        <a:rPr b="1">
+                          <a:solidFill>
+                            <a:srgbClr val="FFFFFF"/>
+                          </a:solidFill>
+                          <a:latin typeface="Helvetica Neue"/>
+                          <a:ea typeface="Helvetica Neue"/>
+                          <a:cs typeface="Helvetica Neue"/>
+                          <a:sym typeface="Helvetica Neue"/>
                         </a:rPr>
-                        <a:t>6万ETH</a:t>
+                        <a:t>3万ETH</a:t>
                       </a:r>
                     </a:p>
                   </a:txBody>
-                  <a:tcPr marL="50800" marR="50800" marT="50800" marB="50800" anchor="t" anchorCtr="0" horzOverflow="overflow">
+                  <a:tcPr marL="304800" marR="304800" marT="304800" marB="304800" anchor="t" anchorCtr="0" horzOverflow="overflow">
                     <a:lnL w="3175">
                       <a:solidFill>
                         <a:srgbClr val="000000"/>
@@ -14374,7 +14306,7 @@
                       <a:miter lim="400000"/>
                     </a:lnB>
                     <a:solidFill>
-                      <a:srgbClr val="DCDEE0"/>
+                      <a:srgbClr val="004D80"/>
                     </a:solidFill>
                   </a:tcPr>
                 </a:tc>
@@ -14383,24 +14315,21 @@
                     <a:bodyPr/>
                     <a:lstStyle/>
                     <a:p>
-                      <a:pPr algn="r">
-                        <a:spcBef>
-                          <a:spcPts val="5900"/>
-                        </a:spcBef>
+                      <a:pPr algn="r" defTabSz="457200">
                         <a:defRPr sz="1800"/>
                       </a:pPr>
                       <a:r>
-                        <a:rPr sz="2400">
-                          <a:latin typeface="Roboto Bold"/>
-                          <a:ea typeface="Roboto Bold"/>
-                          <a:cs typeface="Roboto Bold"/>
-                          <a:sym typeface="Roboto Bold"/>
+                        <a:rPr>
+                          <a:latin typeface="Helvetica Neue"/>
+                          <a:ea typeface="Helvetica Neue"/>
+                          <a:cs typeface="Helvetica Neue"/>
+                          <a:sym typeface="Helvetica Neue"/>
                         </a:rPr>
-                        <a:t>5500</a:t>
+                        <a:t>5750</a:t>
                       </a:r>
                     </a:p>
                   </a:txBody>
-                  <a:tcPr marL="50800" marR="50800" marT="50800" marB="50800" anchor="t" anchorCtr="0" horzOverflow="overflow">
+                  <a:tcPr marL="304800" marR="304800" marT="304800" marB="304800" anchor="t" anchorCtr="0" horzOverflow="overflow">
                     <a:lnL w="6350">
                       <a:solidFill>
                         <a:srgbClr val="000000"/>
@@ -14442,24 +14371,21 @@
                     <a:bodyPr/>
                     <a:lstStyle/>
                     <a:p>
-                      <a:pPr algn="r">
-                        <a:spcBef>
-                          <a:spcPts val="5900"/>
-                        </a:spcBef>
+                      <a:pPr algn="r" defTabSz="457200">
                         <a:defRPr sz="1800"/>
                       </a:pPr>
                       <a:r>
-                        <a:rPr sz="2400">
-                          <a:latin typeface="Roboto Bold"/>
-                          <a:ea typeface="Roboto Bold"/>
-                          <a:cs typeface="Roboto Bold"/>
-                          <a:sym typeface="Roboto Bold"/>
+                        <a:rPr>
+                          <a:latin typeface="Helvetica Neue"/>
+                          <a:ea typeface="Helvetica Neue"/>
+                          <a:cs typeface="Helvetica Neue"/>
+                          <a:sym typeface="Helvetica Neue"/>
                         </a:rPr>
-                        <a:t>11,000万</a:t>
+                        <a:t>5,750万</a:t>
                       </a:r>
                     </a:p>
                   </a:txBody>
-                  <a:tcPr marL="50800" marR="50800" marT="50800" marB="50800" anchor="t" anchorCtr="0" horzOverflow="overflow">
+                  <a:tcPr marL="304800" marR="304800" marT="304800" marB="304800" anchor="t" anchorCtr="0" horzOverflow="overflow">
                     <a:lnL w="6350">
                       <a:solidFill>
                         <a:srgbClr val="000000"/>
@@ -14504,24 +14430,21 @@
                     <a:bodyPr/>
                     <a:lstStyle/>
                     <a:p>
-                      <a:pPr algn="r">
-                        <a:spcBef>
-                          <a:spcPts val="5900"/>
-                        </a:spcBef>
+                      <a:pPr algn="r" defTabSz="457200">
                         <a:defRPr sz="1800"/>
                       </a:pPr>
                       <a:r>
-                        <a:rPr sz="2400">
-                          <a:latin typeface="Roboto Bold"/>
-                          <a:ea typeface="Roboto Bold"/>
-                          <a:cs typeface="Roboto Bold"/>
-                          <a:sym typeface="Roboto Bold"/>
+                        <a:rPr>
+                          <a:latin typeface="Helvetica Neue"/>
+                          <a:ea typeface="Helvetica Neue"/>
+                          <a:cs typeface="Helvetica Neue"/>
+                          <a:sym typeface="Helvetica Neue"/>
                         </a:rPr>
-                        <a:t>34,500万</a:t>
+                        <a:t>17,750万</a:t>
                       </a:r>
                     </a:p>
                   </a:txBody>
-                  <a:tcPr marL="50800" marR="50800" marT="50800" marB="50800" anchor="t" anchorCtr="0" horzOverflow="overflow">
+                  <a:tcPr marL="304800" marR="304800" marT="304800" marB="304800" anchor="t" anchorCtr="0" horzOverflow="overflow">
                     <a:lnL w="6350">
                       <a:solidFill>
                         <a:srgbClr val="000000"/>
@@ -14566,24 +14489,21 @@
                     <a:bodyPr/>
                     <a:lstStyle/>
                     <a:p>
-                      <a:pPr algn="l">
-                        <a:spcBef>
-                          <a:spcPts val="5900"/>
-                        </a:spcBef>
+                      <a:pPr algn="l" defTabSz="457200">
                         <a:defRPr sz="1800"/>
                       </a:pPr>
                       <a:r>
-                        <a:rPr sz="2400">
-                          <a:latin typeface="Roboto Bold"/>
-                          <a:ea typeface="Roboto Bold"/>
-                          <a:cs typeface="Roboto Bold"/>
-                          <a:sym typeface="Roboto Bold"/>
+                        <a:rPr>
+                          <a:latin typeface="Helvetica Neue"/>
+                          <a:ea typeface="Helvetica Neue"/>
+                          <a:cs typeface="Helvetica Neue"/>
+                          <a:sym typeface="Helvetica Neue"/>
                         </a:rPr>
                         <a:t>ICO尚未成功</a:t>
                       </a:r>
                     </a:p>
                   </a:txBody>
-                  <a:tcPr marL="50800" marR="50800" marT="50800" marB="50800" anchor="t" anchorCtr="0" horzOverflow="overflow">
+                  <a:tcPr marL="304800" marR="304800" marT="304800" marB="304800" anchor="t" anchorCtr="0" horzOverflow="overflow">
                     <a:lnL w="6350">
                       <a:solidFill>
                         <a:srgbClr val="000000"/>
@@ -14628,20 +14548,17 @@
                     <a:bodyPr/>
                     <a:lstStyle/>
                     <a:p>
-                      <a:pPr algn="l">
-                        <a:spcBef>
-                          <a:spcPts val="5900"/>
-                        </a:spcBef>
-                        <a:defRPr>
-                          <a:latin typeface="Roboto Bold"/>
-                          <a:ea typeface="Roboto Bold"/>
-                          <a:cs typeface="Roboto Bold"/>
-                          <a:sym typeface="Roboto Bold"/>
+                      <a:pPr algn="l" defTabSz="457200">
+                        <a:defRPr sz="1800">
+                          <a:latin typeface="Helvetica Neue"/>
+                          <a:ea typeface="Helvetica Neue"/>
+                          <a:cs typeface="Helvetica Neue"/>
+                          <a:sym typeface="Helvetica Neue"/>
                         </a:defRPr>
                       </a:pPr>
                     </a:p>
                   </a:txBody>
-                  <a:tcPr marL="50800" marR="50800" marT="50800" marB="50800" anchor="t" anchorCtr="0" horzOverflow="overflow">
+                  <a:tcPr marL="304800" marR="304800" marT="304800" marB="304800" anchor="t" anchorCtr="0" horzOverflow="overflow">
                     <a:lnL w="6350">
                       <a:solidFill>
                         <a:srgbClr val="000000"/>
@@ -14686,20 +14603,17 @@
                     <a:bodyPr/>
                     <a:lstStyle/>
                     <a:p>
-                      <a:pPr algn="l">
-                        <a:spcBef>
-                          <a:spcPts val="5900"/>
-                        </a:spcBef>
-                        <a:defRPr>
-                          <a:latin typeface="Roboto Bold"/>
-                          <a:ea typeface="Roboto Bold"/>
-                          <a:cs typeface="Roboto Bold"/>
-                          <a:sym typeface="Roboto Bold"/>
+                      <a:pPr algn="l" defTabSz="457200">
+                        <a:defRPr sz="1800">
+                          <a:latin typeface="Helvetica Neue"/>
+                          <a:ea typeface="Helvetica Neue"/>
+                          <a:cs typeface="Helvetica Neue"/>
+                          <a:sym typeface="Helvetica Neue"/>
                         </a:defRPr>
                       </a:pPr>
                     </a:p>
                   </a:txBody>
-                  <a:tcPr marL="50800" marR="50800" marT="50800" marB="50800" anchor="t" anchorCtr="0" horzOverflow="overflow">
+                  <a:tcPr marL="304800" marR="304800" marT="304800" marB="304800" anchor="t" anchorCtr="0" horzOverflow="overflow">
                     <a:lnL w="6350">
                       <a:solidFill>
                         <a:srgbClr val="000000"/>
@@ -14744,20 +14658,17 @@
                     <a:bodyPr/>
                     <a:lstStyle/>
                     <a:p>
-                      <a:pPr algn="l">
-                        <a:spcBef>
-                          <a:spcPts val="5900"/>
-                        </a:spcBef>
-                        <a:defRPr>
-                          <a:latin typeface="Roboto Bold"/>
-                          <a:ea typeface="Roboto Bold"/>
-                          <a:cs typeface="Roboto Bold"/>
-                          <a:sym typeface="Roboto Bold"/>
+                      <a:pPr algn="l" defTabSz="457200">
+                        <a:defRPr sz="1800">
+                          <a:latin typeface="Helvetica Neue"/>
+                          <a:ea typeface="Helvetica Neue"/>
+                          <a:cs typeface="Helvetica Neue"/>
+                          <a:sym typeface="Helvetica Neue"/>
                         </a:defRPr>
                       </a:pPr>
                     </a:p>
                   </a:txBody>
-                  <a:tcPr marL="50800" marR="50800" marT="50800" marB="50800" anchor="t" anchorCtr="0" horzOverflow="overflow">
+                  <a:tcPr marL="304800" marR="304800" marT="304800" marB="304800" anchor="t" anchorCtr="0" horzOverflow="overflow">
                     <a:lnL w="6350">
                       <a:solidFill>
                         <a:srgbClr val="000000"/>
@@ -14802,20 +14713,17 @@
                     <a:bodyPr/>
                     <a:lstStyle/>
                     <a:p>
-                      <a:pPr algn="l">
-                        <a:spcBef>
-                          <a:spcPts val="5900"/>
-                        </a:spcBef>
-                        <a:defRPr>
-                          <a:latin typeface="Roboto Bold"/>
-                          <a:ea typeface="Roboto Bold"/>
-                          <a:cs typeface="Roboto Bold"/>
-                          <a:sym typeface="Roboto Bold"/>
+                      <a:pPr algn="l" defTabSz="457200">
+                        <a:defRPr sz="1800">
+                          <a:latin typeface="Helvetica Neue"/>
+                          <a:ea typeface="Helvetica Neue"/>
+                          <a:cs typeface="Helvetica Neue"/>
+                          <a:sym typeface="Helvetica Neue"/>
                         </a:defRPr>
                       </a:pPr>
                     </a:p>
                   </a:txBody>
-                  <a:tcPr marL="50800" marR="50800" marT="50800" marB="50800" anchor="t" anchorCtr="0" horzOverflow="overflow">
+                  <a:tcPr marL="304800" marR="304800" marT="304800" marB="304800" anchor="t" anchorCtr="0" horzOverflow="overflow">
                     <a:lnL w="6350">
                       <a:solidFill>
                         <a:srgbClr val="000000"/>
@@ -14860,20 +14768,17 @@
                     <a:bodyPr/>
                     <a:lstStyle/>
                     <a:p>
-                      <a:pPr algn="l">
-                        <a:spcBef>
-                          <a:spcPts val="5900"/>
-                        </a:spcBef>
-                        <a:defRPr>
-                          <a:latin typeface="Roboto Bold"/>
-                          <a:ea typeface="Roboto Bold"/>
-                          <a:cs typeface="Roboto Bold"/>
-                          <a:sym typeface="Roboto Bold"/>
+                      <a:pPr algn="l" defTabSz="457200">
+                        <a:defRPr sz="1800">
+                          <a:latin typeface="Helvetica Neue"/>
+                          <a:ea typeface="Helvetica Neue"/>
+                          <a:cs typeface="Helvetica Neue"/>
+                          <a:sym typeface="Helvetica Neue"/>
                         </a:defRPr>
                       </a:pPr>
                     </a:p>
                   </a:txBody>
-                  <a:tcPr marL="50800" marR="50800" marT="50800" marB="50800" anchor="t" anchorCtr="0" horzOverflow="overflow">
+                  <a:tcPr marL="304800" marR="304800" marT="304800" marB="304800" anchor="t" anchorCtr="0" horzOverflow="overflow">
                     <a:lnL w="6350">
                       <a:solidFill>
                         <a:srgbClr val="000000"/>
@@ -14911,30 +14816,30 @@
                   </a:tcPr>
                 </a:tc>
               </a:tr>
-              <a:tr h="1146891">
+              <a:tr h="745211">
                 <a:tc>
                   <a:txBody>
                     <a:bodyPr/>
                     <a:lstStyle/>
                     <a:p>
-                      <a:pPr algn="l">
-                        <a:spcBef>
-                          <a:spcPts val="5900"/>
-                        </a:spcBef>
+                      <a:pPr algn="l" defTabSz="457200">
                         <a:defRPr sz="1800"/>
                       </a:pPr>
                       <a:r>
-                        <a:rPr sz="2400">
-                          <a:latin typeface="Roboto Bold"/>
-                          <a:ea typeface="Roboto Bold"/>
-                          <a:cs typeface="Roboto Bold"/>
-                          <a:sym typeface="Roboto Bold"/>
+                        <a:rPr b="1">
+                          <a:solidFill>
+                            <a:srgbClr val="FFFFFF"/>
+                          </a:solidFill>
+                          <a:latin typeface="Helvetica Neue"/>
+                          <a:ea typeface="Helvetica Neue"/>
+                          <a:cs typeface="Helvetica Neue"/>
+                          <a:sym typeface="Helvetica Neue"/>
                         </a:rPr>
-                        <a:t>第4阶段</a:t>
+                        <a:t>3万ETH 到</a:t>
                       </a:r>
                     </a:p>
                   </a:txBody>
-                  <a:tcPr marL="50800" marR="50800" marT="50800" marB="50800" anchor="t" anchorCtr="0" horzOverflow="overflow">
+                  <a:tcPr marL="304800" marR="304800" marT="304800" marB="304800" anchor="t" anchorCtr="0" horzOverflow="overflow">
                     <a:lnL w="3175">
                       <a:solidFill>
                         <a:srgbClr val="000000"/>
@@ -14960,7 +14865,7 @@
                       <a:miter lim="400000"/>
                     </a:lnB>
                     <a:solidFill>
-                      <a:srgbClr val="DCDEE0"/>
+                      <a:srgbClr val="004D80"/>
                     </a:solidFill>
                   </a:tcPr>
                 </a:tc>
@@ -14969,24 +14874,24 @@
                     <a:bodyPr/>
                     <a:lstStyle/>
                     <a:p>
-                      <a:pPr algn="r">
-                        <a:spcBef>
-                          <a:spcPts val="5900"/>
-                        </a:spcBef>
+                      <a:pPr algn="r" defTabSz="457200">
                         <a:defRPr sz="1800"/>
                       </a:pPr>
                       <a:r>
-                        <a:rPr sz="2400">
-                          <a:latin typeface="Roboto Bold"/>
-                          <a:ea typeface="Roboto Bold"/>
-                          <a:cs typeface="Roboto Bold"/>
-                          <a:sym typeface="Roboto Bold"/>
+                        <a:rPr b="1">
+                          <a:solidFill>
+                            <a:srgbClr val="FFFFFF"/>
+                          </a:solidFill>
+                          <a:latin typeface="Helvetica Neue"/>
+                          <a:ea typeface="Helvetica Neue"/>
+                          <a:cs typeface="Helvetica Neue"/>
+                          <a:sym typeface="Helvetica Neue"/>
                         </a:rPr>
-                        <a:t>8万ETH</a:t>
+                        <a:t>4万ETH</a:t>
                       </a:r>
                     </a:p>
                   </a:txBody>
-                  <a:tcPr marL="50800" marR="50800" marT="50800" marB="50800" anchor="t" anchorCtr="0" horzOverflow="overflow">
+                  <a:tcPr marL="304800" marR="304800" marT="304800" marB="304800" anchor="t" anchorCtr="0" horzOverflow="overflow">
                     <a:lnL w="3175">
                       <a:solidFill>
                         <a:srgbClr val="000000"/>
@@ -15012,7 +14917,7 @@
                       <a:miter lim="400000"/>
                     </a:lnB>
                     <a:solidFill>
-                      <a:srgbClr val="DCDEE0"/>
+                      <a:srgbClr val="004D80"/>
                     </a:solidFill>
                   </a:tcPr>
                 </a:tc>
@@ -15021,24 +14926,21 @@
                     <a:bodyPr/>
                     <a:lstStyle/>
                     <a:p>
-                      <a:pPr algn="r">
-                        <a:spcBef>
-                          <a:spcPts val="5900"/>
-                        </a:spcBef>
+                      <a:pPr algn="r" defTabSz="457200">
                         <a:defRPr sz="1800"/>
                       </a:pPr>
                       <a:r>
-                        <a:rPr sz="2400">
-                          <a:latin typeface="Roboto Bold"/>
-                          <a:ea typeface="Roboto Bold"/>
-                          <a:cs typeface="Roboto Bold"/>
-                          <a:sym typeface="Roboto Bold"/>
+                        <a:rPr>
+                          <a:latin typeface="Helvetica Neue"/>
+                          <a:ea typeface="Helvetica Neue"/>
+                          <a:cs typeface="Helvetica Neue"/>
+                          <a:sym typeface="Helvetica Neue"/>
                         </a:rPr>
-                        <a:t>5250</a:t>
+                        <a:t>5750</a:t>
                       </a:r>
                     </a:p>
                   </a:txBody>
-                  <a:tcPr marL="50800" marR="50800" marT="50800" marB="50800" anchor="t" anchorCtr="0" horzOverflow="overflow">
+                  <a:tcPr marL="304800" marR="304800" marT="304800" marB="304800" anchor="t" anchorCtr="0" horzOverflow="overflow">
                     <a:lnL w="6350">
                       <a:solidFill>
                         <a:srgbClr val="000000"/>
@@ -15082,24 +14984,21 @@
                     <a:bodyPr/>
                     <a:lstStyle/>
                     <a:p>
-                      <a:pPr algn="r">
-                        <a:spcBef>
-                          <a:spcPts val="5900"/>
-                        </a:spcBef>
+                      <a:pPr algn="r" defTabSz="457200">
                         <a:defRPr sz="1800"/>
                       </a:pPr>
                       <a:r>
-                        <a:rPr sz="2400">
-                          <a:latin typeface="Roboto Bold"/>
-                          <a:ea typeface="Roboto Bold"/>
-                          <a:cs typeface="Roboto Bold"/>
-                          <a:sym typeface="Roboto Bold"/>
+                        <a:rPr>
+                          <a:latin typeface="Helvetica Neue"/>
+                          <a:ea typeface="Helvetica Neue"/>
+                          <a:cs typeface="Helvetica Neue"/>
+                          <a:sym typeface="Helvetica Neue"/>
                         </a:rPr>
-                        <a:t>10,500万</a:t>
+                        <a:t>5,750万</a:t>
                       </a:r>
                     </a:p>
                   </a:txBody>
-                  <a:tcPr marL="50800" marR="50800" marT="50800" marB="50800" anchor="t" anchorCtr="0" horzOverflow="overflow">
+                  <a:tcPr marL="304800" marR="304800" marT="304800" marB="304800" anchor="t" anchorCtr="0" horzOverflow="overflow">
                     <a:lnL w="6350">
                       <a:solidFill>
                         <a:srgbClr val="000000"/>
@@ -15146,24 +15045,21 @@
                     <a:bodyPr/>
                     <a:lstStyle/>
                     <a:p>
-                      <a:pPr algn="r">
-                        <a:spcBef>
-                          <a:spcPts val="5900"/>
-                        </a:spcBef>
+                      <a:pPr algn="r" defTabSz="457200">
                         <a:defRPr sz="1800"/>
                       </a:pPr>
                       <a:r>
-                        <a:rPr sz="2400">
-                          <a:latin typeface="Roboto Bold"/>
-                          <a:ea typeface="Roboto Bold"/>
-                          <a:cs typeface="Roboto Bold"/>
-                          <a:sym typeface="Roboto Bold"/>
+                        <a:rPr>
+                          <a:latin typeface="Helvetica Neue"/>
+                          <a:ea typeface="Helvetica Neue"/>
+                          <a:cs typeface="Helvetica Neue"/>
+                          <a:sym typeface="Helvetica Neue"/>
                         </a:rPr>
-                        <a:t>45,000万</a:t>
+                        <a:t>23,500万</a:t>
                       </a:r>
                     </a:p>
                   </a:txBody>
-                  <a:tcPr marL="50800" marR="50800" marT="50800" marB="50800" anchor="t" anchorCtr="0" horzOverflow="overflow">
+                  <a:tcPr marL="304800" marR="304800" marT="304800" marB="304800" anchor="t" anchorCtr="0" horzOverflow="overflow">
                     <a:lnL w="6350">
                       <a:solidFill>
                         <a:srgbClr val="000000"/>
@@ -15210,24 +15106,21 @@
                     <a:bodyPr/>
                     <a:lstStyle/>
                     <a:p>
-                      <a:pPr algn="r">
-                        <a:spcBef>
-                          <a:spcPts val="5900"/>
-                        </a:spcBef>
+                      <a:pPr algn="l" defTabSz="457200">
                         <a:defRPr sz="1800"/>
                       </a:pPr>
                       <a:r>
-                        <a:rPr sz="2400">
-                          <a:latin typeface="Roboto Bold"/>
-                          <a:ea typeface="Roboto Bold"/>
-                          <a:cs typeface="Roboto Bold"/>
-                          <a:sym typeface="Roboto Bold"/>
+                        <a:rPr>
+                          <a:latin typeface="Helvetica Neue"/>
+                          <a:ea typeface="Helvetica Neue"/>
+                          <a:cs typeface="Helvetica Neue"/>
+                          <a:sym typeface="Helvetica Neue"/>
                         </a:rPr>
-                        <a:t>45%</a:t>
+                        <a:t>ICO尚未成功</a:t>
                       </a:r>
                     </a:p>
                   </a:txBody>
-                  <a:tcPr marL="50800" marR="50800" marT="50800" marB="50800" anchor="t" anchorCtr="0" horzOverflow="overflow">
+                  <a:tcPr marL="304800" marR="304800" marT="304800" marB="304800" anchor="t" anchorCtr="0" horzOverflow="overflow">
                     <a:lnL w="6350">
                       <a:solidFill>
                         <a:srgbClr val="000000"/>
@@ -15274,24 +15167,17 @@
                     <a:bodyPr/>
                     <a:lstStyle/>
                     <a:p>
-                      <a:pPr algn="r">
-                        <a:spcBef>
-                          <a:spcPts val="5900"/>
-                        </a:spcBef>
-                        <a:defRPr sz="1800"/>
+                      <a:pPr algn="l" defTabSz="457200">
+                        <a:defRPr sz="1800">
+                          <a:latin typeface="Helvetica Neue"/>
+                          <a:ea typeface="Helvetica Neue"/>
+                          <a:cs typeface="Helvetica Neue"/>
+                          <a:sym typeface="Helvetica Neue"/>
+                        </a:defRPr>
                       </a:pPr>
-                      <a:r>
-                        <a:rPr sz="2400">
-                          <a:latin typeface="Roboto Bold"/>
-                          <a:ea typeface="Roboto Bold"/>
-                          <a:cs typeface="Roboto Bold"/>
-                          <a:sym typeface="Roboto Bold"/>
-                        </a:rPr>
-                        <a:t>100,000万</a:t>
-                      </a:r>
                     </a:p>
                   </a:txBody>
-                  <a:tcPr marL="50800" marR="50800" marT="50800" marB="50800" anchor="t" anchorCtr="0" horzOverflow="overflow">
+                  <a:tcPr marL="304800" marR="304800" marT="304800" marB="304800" anchor="t" anchorCtr="0" horzOverflow="overflow">
                     <a:lnL w="6350">
                       <a:solidFill>
                         <a:srgbClr val="000000"/>
@@ -15338,24 +15224,17 @@
                     <a:bodyPr/>
                     <a:lstStyle/>
                     <a:p>
-                      <a:pPr algn="r">
-                        <a:spcBef>
-                          <a:spcPts val="5900"/>
-                        </a:spcBef>
-                        <a:defRPr sz="1800"/>
+                      <a:pPr algn="l" defTabSz="457200">
+                        <a:defRPr sz="1800">
+                          <a:latin typeface="Helvetica Neue"/>
+                          <a:ea typeface="Helvetica Neue"/>
+                          <a:cs typeface="Helvetica Neue"/>
+                          <a:sym typeface="Helvetica Neue"/>
+                        </a:defRPr>
                       </a:pPr>
-                      <a:r>
-                        <a:rPr sz="2400">
-                          <a:latin typeface="Roboto Bold"/>
-                          <a:ea typeface="Roboto Bold"/>
-                          <a:cs typeface="Roboto Bold"/>
-                          <a:sym typeface="Roboto Bold"/>
-                        </a:rPr>
-                        <a:t>55,000万</a:t>
-                      </a:r>
                     </a:p>
                   </a:txBody>
-                  <a:tcPr marL="50800" marR="50800" marT="50800" marB="50800" anchor="t" anchorCtr="0" horzOverflow="overflow">
+                  <a:tcPr marL="304800" marR="304800" marT="304800" marB="304800" anchor="t" anchorCtr="0" horzOverflow="overflow">
                     <a:lnL w="6350">
                       <a:solidFill>
                         <a:srgbClr val="000000"/>
@@ -15402,24 +15281,17 @@
                     <a:bodyPr/>
                     <a:lstStyle/>
                     <a:p>
-                      <a:pPr algn="r">
-                        <a:spcBef>
-                          <a:spcPts val="5900"/>
-                        </a:spcBef>
-                        <a:defRPr sz="1800"/>
+                      <a:pPr algn="l" defTabSz="457200">
+                        <a:defRPr sz="1800">
+                          <a:latin typeface="Helvetica Neue"/>
+                          <a:ea typeface="Helvetica Neue"/>
+                          <a:cs typeface="Helvetica Neue"/>
+                          <a:sym typeface="Helvetica Neue"/>
+                        </a:defRPr>
                       </a:pPr>
-                      <a:r>
-                        <a:rPr sz="2400">
-                          <a:latin typeface="Roboto Bold"/>
-                          <a:ea typeface="Roboto Bold"/>
-                          <a:cs typeface="Roboto Bold"/>
-                          <a:sym typeface="Roboto Bold"/>
-                        </a:rPr>
-                        <a:t>18万ETH</a:t>
-                      </a:r>
                     </a:p>
                   </a:txBody>
-                  <a:tcPr marL="50800" marR="50800" marT="50800" marB="50800" anchor="t" anchorCtr="0" horzOverflow="overflow">
+                  <a:tcPr marL="304800" marR="304800" marT="304800" marB="304800" anchor="t" anchorCtr="0" horzOverflow="overflow">
                     <a:lnL w="6350">
                       <a:solidFill>
                         <a:srgbClr val="000000"/>
@@ -15466,24 +15338,17 @@
                     <a:bodyPr/>
                     <a:lstStyle/>
                     <a:p>
-                      <a:pPr algn="r">
-                        <a:spcBef>
-                          <a:spcPts val="5900"/>
-                        </a:spcBef>
-                        <a:defRPr sz="1800"/>
+                      <a:pPr algn="l" defTabSz="457200">
+                        <a:defRPr sz="1800">
+                          <a:latin typeface="Helvetica Neue"/>
+                          <a:ea typeface="Helvetica Neue"/>
+                          <a:cs typeface="Helvetica Neue"/>
+                          <a:sym typeface="Helvetica Neue"/>
+                        </a:defRPr>
                       </a:pPr>
-                      <a:r>
-                        <a:rPr sz="2400">
-                          <a:latin typeface="Roboto Bold"/>
-                          <a:ea typeface="Roboto Bold"/>
-                          <a:cs typeface="Roboto Bold"/>
-                          <a:sym typeface="Roboto Bold"/>
-                        </a:rPr>
-                        <a:t>4亿RMB</a:t>
-                      </a:r>
                     </a:p>
                   </a:txBody>
-                  <a:tcPr marL="50800" marR="50800" marT="50800" marB="50800" anchor="t" anchorCtr="0" horzOverflow="overflow">
+                  <a:tcPr marL="304800" marR="304800" marT="304800" marB="304800" anchor="t" anchorCtr="0" horzOverflow="overflow">
                     <a:lnL w="6350">
                       <a:solidFill>
                         <a:srgbClr val="000000"/>
@@ -15530,24 +15395,17 @@
                     <a:bodyPr/>
                     <a:lstStyle/>
                     <a:p>
-                      <a:pPr algn="r">
-                        <a:spcBef>
-                          <a:spcPts val="5900"/>
-                        </a:spcBef>
-                        <a:defRPr sz="1800"/>
+                      <a:pPr algn="l" defTabSz="457200">
+                        <a:defRPr sz="1800">
+                          <a:latin typeface="Helvetica Neue"/>
+                          <a:ea typeface="Helvetica Neue"/>
+                          <a:cs typeface="Helvetica Neue"/>
+                          <a:sym typeface="Helvetica Neue"/>
+                        </a:defRPr>
                       </a:pPr>
-                      <a:r>
-                        <a:rPr sz="2400">
-                          <a:latin typeface="Roboto Bold"/>
-                          <a:ea typeface="Roboto Bold"/>
-                          <a:cs typeface="Roboto Bold"/>
-                          <a:sym typeface="Roboto Bold"/>
-                        </a:rPr>
-                        <a:t>0.44元RMB</a:t>
-                      </a:r>
                     </a:p>
                   </a:txBody>
-                  <a:tcPr marL="50800" marR="50800" marT="50800" marB="50800" anchor="t" anchorCtr="0" horzOverflow="overflow">
+                  <a:tcPr marL="304800" marR="304800" marT="304800" marB="304800" anchor="t" anchorCtr="0" horzOverflow="overflow">
                     <a:lnL w="6350">
                       <a:solidFill>
                         <a:srgbClr val="000000"/>
@@ -15587,30 +15445,30 @@
                   </a:tcPr>
                 </a:tc>
               </a:tr>
-              <a:tr h="1146891">
+              <a:tr h="745211">
                 <a:tc>
                   <a:txBody>
                     <a:bodyPr/>
                     <a:lstStyle/>
                     <a:p>
-                      <a:pPr algn="l">
-                        <a:spcBef>
-                          <a:spcPts val="5900"/>
-                        </a:spcBef>
+                      <a:pPr algn="l" defTabSz="457200">
                         <a:defRPr sz="1800"/>
                       </a:pPr>
                       <a:r>
-                        <a:rPr sz="2400">
-                          <a:latin typeface="Roboto Bold"/>
-                          <a:ea typeface="Roboto Bold"/>
-                          <a:cs typeface="Roboto Bold"/>
-                          <a:sym typeface="Roboto Bold"/>
+                        <a:rPr b="1">
+                          <a:solidFill>
+                            <a:srgbClr val="FFFFFF"/>
+                          </a:solidFill>
+                          <a:latin typeface="Helvetica Neue"/>
+                          <a:ea typeface="Helvetica Neue"/>
+                          <a:cs typeface="Helvetica Neue"/>
+                          <a:sym typeface="Helvetica Neue"/>
                         </a:rPr>
-                        <a:t>第5阶段</a:t>
+                        <a:t>4万ETH 到</a:t>
                       </a:r>
                     </a:p>
                   </a:txBody>
-                  <a:tcPr marL="50800" marR="50800" marT="50800" marB="50800" anchor="t" anchorCtr="0" horzOverflow="overflow">
+                  <a:tcPr marL="304800" marR="304800" marT="304800" marB="304800" anchor="t" anchorCtr="0" horzOverflow="overflow">
                     <a:lnL w="3175">
                       <a:solidFill>
                         <a:srgbClr val="000000"/>
@@ -15636,7 +15494,7 @@
                       <a:miter lim="400000"/>
                     </a:lnB>
                     <a:solidFill>
-                      <a:srgbClr val="DCDEE0"/>
+                      <a:srgbClr val="004D80"/>
                     </a:solidFill>
                   </a:tcPr>
                 </a:tc>
@@ -15645,24 +15503,24 @@
                     <a:bodyPr/>
                     <a:lstStyle/>
                     <a:p>
-                      <a:pPr algn="r">
-                        <a:spcBef>
-                          <a:spcPts val="5900"/>
-                        </a:spcBef>
+                      <a:pPr algn="r" defTabSz="457200">
                         <a:defRPr sz="1800"/>
                       </a:pPr>
                       <a:r>
-                        <a:rPr sz="2400">
-                          <a:latin typeface="Roboto Bold"/>
-                          <a:ea typeface="Roboto Bold"/>
-                          <a:cs typeface="Roboto Bold"/>
-                          <a:sym typeface="Roboto Bold"/>
+                        <a:rPr b="1">
+                          <a:solidFill>
+                            <a:srgbClr val="FFFFFF"/>
+                          </a:solidFill>
+                          <a:latin typeface="Helvetica Neue"/>
+                          <a:ea typeface="Helvetica Neue"/>
+                          <a:cs typeface="Helvetica Neue"/>
+                          <a:sym typeface="Helvetica Neue"/>
                         </a:rPr>
-                        <a:t>10万ETH</a:t>
+                        <a:t>5万ETH</a:t>
                       </a:r>
                     </a:p>
                   </a:txBody>
-                  <a:tcPr marL="50800" marR="50800" marT="50800" marB="50800" anchor="t" anchorCtr="0" horzOverflow="overflow">
+                  <a:tcPr marL="304800" marR="304800" marT="304800" marB="304800" anchor="t" anchorCtr="0" horzOverflow="overflow">
                     <a:lnL w="3175">
                       <a:solidFill>
                         <a:srgbClr val="000000"/>
@@ -15688,7 +15546,7 @@
                       <a:miter lim="400000"/>
                     </a:lnB>
                     <a:solidFill>
-                      <a:srgbClr val="DCDEE0"/>
+                      <a:srgbClr val="004D80"/>
                     </a:solidFill>
                   </a:tcPr>
                 </a:tc>
@@ -15697,24 +15555,21 @@
                     <a:bodyPr/>
                     <a:lstStyle/>
                     <a:p>
-                      <a:pPr algn="r">
-                        <a:spcBef>
-                          <a:spcPts val="5900"/>
-                        </a:spcBef>
+                      <a:pPr algn="r" defTabSz="457200">
                         <a:defRPr sz="1800"/>
                       </a:pPr>
                       <a:r>
-                        <a:rPr sz="2400">
-                          <a:latin typeface="Roboto Bold"/>
-                          <a:ea typeface="Roboto Bold"/>
-                          <a:cs typeface="Roboto Bold"/>
-                          <a:sym typeface="Roboto Bold"/>
+                        <a:rPr>
+                          <a:latin typeface="Helvetica Neue"/>
+                          <a:ea typeface="Helvetica Neue"/>
+                          <a:cs typeface="Helvetica Neue"/>
+                          <a:sym typeface="Helvetica Neue"/>
                         </a:rPr>
-                        <a:t>5000</a:t>
+                        <a:t>5500</a:t>
                       </a:r>
                     </a:p>
                   </a:txBody>
-                  <a:tcPr marL="50800" marR="50800" marT="50800" marB="50800" anchor="t" anchorCtr="0" horzOverflow="overflow">
+                  <a:tcPr marL="304800" marR="304800" marT="304800" marB="304800" anchor="t" anchorCtr="0" horzOverflow="overflow">
                     <a:lnL w="6350">
                       <a:solidFill>
                         <a:srgbClr val="000000"/>
@@ -15739,10 +15594,13 @@
                       </a:custDash>
                       <a:miter lim="400000"/>
                     </a:lnT>
-                    <a:lnB w="3175">
-                      <a:solidFill>
-                        <a:srgbClr val="000000"/>
-                      </a:solidFill>
+                    <a:lnB w="6350">
+                      <a:solidFill>
+                        <a:srgbClr val="000000"/>
+                      </a:solidFill>
+                      <a:custDash>
+                        <a:ds d="200000" sp="200000"/>
+                      </a:custDash>
                       <a:miter lim="400000"/>
                     </a:lnB>
                     <a:noFill/>
@@ -15753,24 +15611,21 @@
                     <a:bodyPr/>
                     <a:lstStyle/>
                     <a:p>
-                      <a:pPr algn="r">
-                        <a:spcBef>
-                          <a:spcPts val="5900"/>
-                        </a:spcBef>
+                      <a:pPr algn="r" defTabSz="457200">
                         <a:defRPr sz="1800"/>
                       </a:pPr>
                       <a:r>
-                        <a:rPr sz="2400">
-                          <a:latin typeface="Roboto Bold"/>
-                          <a:ea typeface="Roboto Bold"/>
-                          <a:cs typeface="Roboto Bold"/>
-                          <a:sym typeface="Roboto Bold"/>
+                        <a:rPr>
+                          <a:latin typeface="Helvetica Neue"/>
+                          <a:ea typeface="Helvetica Neue"/>
+                          <a:cs typeface="Helvetica Neue"/>
+                          <a:sym typeface="Helvetica Neue"/>
                         </a:rPr>
-                        <a:t>10,000万</a:t>
+                        <a:t>5,500万</a:t>
                       </a:r>
                     </a:p>
                   </a:txBody>
-                  <a:tcPr marL="50800" marR="50800" marT="50800" marB="50800" anchor="t" anchorCtr="0" horzOverflow="overflow">
+                  <a:tcPr marL="304800" marR="304800" marT="304800" marB="304800" anchor="t" anchorCtr="0" horzOverflow="overflow">
                     <a:lnL w="6350">
                       <a:solidFill>
                         <a:srgbClr val="000000"/>
@@ -15798,10 +15653,13 @@
                       </a:custDash>
                       <a:miter lim="400000"/>
                     </a:lnT>
-                    <a:lnB w="3175">
-                      <a:solidFill>
-                        <a:srgbClr val="000000"/>
-                      </a:solidFill>
+                    <a:lnB w="6350">
+                      <a:solidFill>
+                        <a:srgbClr val="000000"/>
+                      </a:solidFill>
+                      <a:custDash>
+                        <a:ds d="200000" sp="200000"/>
+                      </a:custDash>
                       <a:miter lim="400000"/>
                     </a:lnB>
                     <a:noFill/>
@@ -15812,24 +15670,21 @@
                     <a:bodyPr/>
                     <a:lstStyle/>
                     <a:p>
-                      <a:pPr algn="r">
-                        <a:spcBef>
-                          <a:spcPts val="5900"/>
-                        </a:spcBef>
+                      <a:pPr algn="r" defTabSz="457200">
                         <a:defRPr sz="1800"/>
                       </a:pPr>
                       <a:r>
-                        <a:rPr sz="2400">
-                          <a:latin typeface="Roboto Bold"/>
-                          <a:ea typeface="Roboto Bold"/>
-                          <a:cs typeface="Roboto Bold"/>
-                          <a:sym typeface="Roboto Bold"/>
+                        <a:rPr>
+                          <a:latin typeface="Helvetica Neue"/>
+                          <a:ea typeface="Helvetica Neue"/>
+                          <a:cs typeface="Helvetica Neue"/>
+                          <a:sym typeface="Helvetica Neue"/>
                         </a:rPr>
-                        <a:t>55,000万</a:t>
+                        <a:t>29,000万</a:t>
                       </a:r>
                     </a:p>
                   </a:txBody>
-                  <a:tcPr marL="50800" marR="50800" marT="50800" marB="50800" anchor="t" anchorCtr="0" horzOverflow="overflow">
+                  <a:tcPr marL="304800" marR="304800" marT="304800" marB="304800" anchor="t" anchorCtr="0" horzOverflow="overflow">
                     <a:lnL w="6350">
                       <a:solidFill>
                         <a:srgbClr val="000000"/>
@@ -15857,10 +15712,13 @@
                       </a:custDash>
                       <a:miter lim="400000"/>
                     </a:lnT>
-                    <a:lnB w="3175">
-                      <a:solidFill>
-                        <a:srgbClr val="000000"/>
-                      </a:solidFill>
+                    <a:lnB w="6350">
+                      <a:solidFill>
+                        <a:srgbClr val="000000"/>
+                      </a:solidFill>
+                      <a:custDash>
+                        <a:ds d="200000" sp="200000"/>
+                      </a:custDash>
                       <a:miter lim="400000"/>
                     </a:lnB>
                     <a:noFill/>
@@ -15871,24 +15729,21 @@
                     <a:bodyPr/>
                     <a:lstStyle/>
                     <a:p>
-                      <a:pPr algn="r">
-                        <a:spcBef>
-                          <a:spcPts val="5900"/>
-                        </a:spcBef>
+                      <a:pPr algn="l" defTabSz="457200">
                         <a:defRPr sz="1800"/>
                       </a:pPr>
                       <a:r>
-                        <a:rPr sz="2400">
-                          <a:latin typeface="Roboto Bold"/>
-                          <a:ea typeface="Roboto Bold"/>
-                          <a:cs typeface="Roboto Bold"/>
-                          <a:sym typeface="Roboto Bold"/>
+                        <a:rPr>
+                          <a:latin typeface="Helvetica Neue"/>
+                          <a:ea typeface="Helvetica Neue"/>
+                          <a:cs typeface="Helvetica Neue"/>
+                          <a:sym typeface="Helvetica Neue"/>
                         </a:rPr>
-                        <a:t>50%</a:t>
+                        <a:t>ICO尚未成功</a:t>
                       </a:r>
                     </a:p>
                   </a:txBody>
-                  <a:tcPr marL="50800" marR="50800" marT="50800" marB="50800" anchor="t" anchorCtr="0" horzOverflow="overflow">
+                  <a:tcPr marL="304800" marR="304800" marT="304800" marB="304800" anchor="t" anchorCtr="0" horzOverflow="overflow">
                     <a:lnL w="6350">
                       <a:solidFill>
                         <a:srgbClr val="000000"/>
@@ -15916,10 +15771,13 @@
                       </a:custDash>
                       <a:miter lim="400000"/>
                     </a:lnT>
-                    <a:lnB w="3175">
-                      <a:solidFill>
-                        <a:srgbClr val="000000"/>
-                      </a:solidFill>
+                    <a:lnB w="6350">
+                      <a:solidFill>
+                        <a:srgbClr val="000000"/>
+                      </a:solidFill>
+                      <a:custDash>
+                        <a:ds d="200000" sp="200000"/>
+                      </a:custDash>
                       <a:miter lim="400000"/>
                     </a:lnB>
                     <a:noFill/>
@@ -15930,24 +15788,17 @@
                     <a:bodyPr/>
                     <a:lstStyle/>
                     <a:p>
-                      <a:pPr algn="r">
-                        <a:spcBef>
-                          <a:spcPts val="5900"/>
-                        </a:spcBef>
-                        <a:defRPr sz="1800"/>
+                      <a:pPr algn="l" defTabSz="457200">
+                        <a:defRPr sz="1800">
+                          <a:latin typeface="Helvetica Neue"/>
+                          <a:ea typeface="Helvetica Neue"/>
+                          <a:cs typeface="Helvetica Neue"/>
+                          <a:sym typeface="Helvetica Neue"/>
+                        </a:defRPr>
                       </a:pPr>
-                      <a:r>
-                        <a:rPr sz="2400">
-                          <a:latin typeface="Roboto Bold"/>
-                          <a:ea typeface="Roboto Bold"/>
-                          <a:cs typeface="Roboto Bold"/>
-                          <a:sym typeface="Roboto Bold"/>
-                        </a:rPr>
-                        <a:t>110,000万</a:t>
-                      </a:r>
                     </a:p>
                   </a:txBody>
-                  <a:tcPr marL="50800" marR="50800" marT="50800" marB="50800" anchor="t" anchorCtr="0" horzOverflow="overflow">
+                  <a:tcPr marL="304800" marR="304800" marT="304800" marB="304800" anchor="t" anchorCtr="0" horzOverflow="overflow">
                     <a:lnL w="6350">
                       <a:solidFill>
                         <a:srgbClr val="000000"/>
@@ -15975,10 +15826,13 @@
                       </a:custDash>
                       <a:miter lim="400000"/>
                     </a:lnT>
-                    <a:lnB w="3175">
-                      <a:solidFill>
-                        <a:srgbClr val="000000"/>
-                      </a:solidFill>
+                    <a:lnB w="6350">
+                      <a:solidFill>
+                        <a:srgbClr val="000000"/>
+                      </a:solidFill>
+                      <a:custDash>
+                        <a:ds d="200000" sp="200000"/>
+                      </a:custDash>
                       <a:miter lim="400000"/>
                     </a:lnB>
                     <a:noFill/>
@@ -15989,24 +15843,17 @@
                     <a:bodyPr/>
                     <a:lstStyle/>
                     <a:p>
-                      <a:pPr algn="r">
-                        <a:spcBef>
-                          <a:spcPts val="5900"/>
-                        </a:spcBef>
-                        <a:defRPr sz="1800"/>
+                      <a:pPr algn="l" defTabSz="457200">
+                        <a:defRPr sz="1800">
+                          <a:latin typeface="Helvetica Neue"/>
+                          <a:ea typeface="Helvetica Neue"/>
+                          <a:cs typeface="Helvetica Neue"/>
+                          <a:sym typeface="Helvetica Neue"/>
+                        </a:defRPr>
                       </a:pPr>
-                      <a:r>
-                        <a:rPr sz="2400">
-                          <a:latin typeface="Roboto Bold"/>
-                          <a:ea typeface="Roboto Bold"/>
-                          <a:cs typeface="Roboto Bold"/>
-                          <a:sym typeface="Roboto Bold"/>
-                        </a:rPr>
-                        <a:t>55,000万</a:t>
-                      </a:r>
                     </a:p>
                   </a:txBody>
-                  <a:tcPr marL="50800" marR="50800" marT="50800" marB="50800" anchor="t" anchorCtr="0" horzOverflow="overflow">
+                  <a:tcPr marL="304800" marR="304800" marT="304800" marB="304800" anchor="t" anchorCtr="0" horzOverflow="overflow">
                     <a:lnL w="6350">
                       <a:solidFill>
                         <a:srgbClr val="000000"/>
@@ -16034,10 +15881,13 @@
                       </a:custDash>
                       <a:miter lim="400000"/>
                     </a:lnT>
-                    <a:lnB w="3175">
-                      <a:solidFill>
-                        <a:srgbClr val="000000"/>
-                      </a:solidFill>
+                    <a:lnB w="6350">
+                      <a:solidFill>
+                        <a:srgbClr val="000000"/>
+                      </a:solidFill>
+                      <a:custDash>
+                        <a:ds d="200000" sp="200000"/>
+                      </a:custDash>
                       <a:miter lim="400000"/>
                     </a:lnB>
                     <a:noFill/>
@@ -16048,24 +15898,17 @@
                     <a:bodyPr/>
                     <a:lstStyle/>
                     <a:p>
-                      <a:pPr algn="r">
-                        <a:spcBef>
-                          <a:spcPts val="5900"/>
-                        </a:spcBef>
-                        <a:defRPr sz="1800"/>
+                      <a:pPr algn="l" defTabSz="457200">
+                        <a:defRPr sz="1800">
+                          <a:latin typeface="Helvetica Neue"/>
+                          <a:ea typeface="Helvetica Neue"/>
+                          <a:cs typeface="Helvetica Neue"/>
+                          <a:sym typeface="Helvetica Neue"/>
+                        </a:defRPr>
                       </a:pPr>
-                      <a:r>
-                        <a:rPr sz="2400">
-                          <a:latin typeface="Roboto Bold"/>
-                          <a:ea typeface="Roboto Bold"/>
-                          <a:cs typeface="Roboto Bold"/>
-                          <a:sym typeface="Roboto Bold"/>
-                        </a:rPr>
-                        <a:t>20万ETH</a:t>
-                      </a:r>
                     </a:p>
                   </a:txBody>
-                  <a:tcPr marL="50800" marR="50800" marT="50800" marB="50800" anchor="t" anchorCtr="0" horzOverflow="overflow">
+                  <a:tcPr marL="304800" marR="304800" marT="304800" marB="304800" anchor="t" anchorCtr="0" horzOverflow="overflow">
                     <a:lnL w="6350">
                       <a:solidFill>
                         <a:srgbClr val="000000"/>
@@ -16093,10 +15936,13 @@
                       </a:custDash>
                       <a:miter lim="400000"/>
                     </a:lnT>
-                    <a:lnB w="3175">
-                      <a:solidFill>
-                        <a:srgbClr val="000000"/>
-                      </a:solidFill>
+                    <a:lnB w="6350">
+                      <a:solidFill>
+                        <a:srgbClr val="000000"/>
+                      </a:solidFill>
+                      <a:custDash>
+                        <a:ds d="200000" sp="200000"/>
+                      </a:custDash>
                       <a:miter lim="400000"/>
                     </a:lnB>
                     <a:noFill/>
@@ -16107,24 +15953,17 @@
                     <a:bodyPr/>
                     <a:lstStyle/>
                     <a:p>
-                      <a:pPr algn="r">
-                        <a:spcBef>
-                          <a:spcPts val="5900"/>
-                        </a:spcBef>
-                        <a:defRPr sz="1800"/>
+                      <a:pPr algn="l" defTabSz="457200">
+                        <a:defRPr sz="1800">
+                          <a:latin typeface="Helvetica Neue"/>
+                          <a:ea typeface="Helvetica Neue"/>
+                          <a:cs typeface="Helvetica Neue"/>
+                          <a:sym typeface="Helvetica Neue"/>
+                        </a:defRPr>
                       </a:pPr>
-                      <a:r>
-                        <a:rPr sz="2400">
-                          <a:latin typeface="Roboto Bold"/>
-                          <a:ea typeface="Roboto Bold"/>
-                          <a:cs typeface="Roboto Bold"/>
-                          <a:sym typeface="Roboto Bold"/>
-                        </a:rPr>
-                        <a:t>5亿RMB</a:t>
-                      </a:r>
                     </a:p>
                   </a:txBody>
-                  <a:tcPr marL="50800" marR="50800" marT="50800" marB="50800" anchor="t" anchorCtr="0" horzOverflow="overflow">
+                  <a:tcPr marL="304800" marR="304800" marT="304800" marB="304800" anchor="t" anchorCtr="0" horzOverflow="overflow">
                     <a:lnL w="6350">
                       <a:solidFill>
                         <a:srgbClr val="000000"/>
@@ -16152,10 +15991,13 @@
                       </a:custDash>
                       <a:miter lim="400000"/>
                     </a:lnT>
-                    <a:lnB w="3175">
-                      <a:solidFill>
-                        <a:srgbClr val="000000"/>
-                      </a:solidFill>
+                    <a:lnB w="6350">
+                      <a:solidFill>
+                        <a:srgbClr val="000000"/>
+                      </a:solidFill>
+                      <a:custDash>
+                        <a:ds d="200000" sp="200000"/>
+                      </a:custDash>
                       <a:miter lim="400000"/>
                     </a:lnB>
                     <a:noFill/>
@@ -16166,24 +16008,2577 @@
                     <a:bodyPr/>
                     <a:lstStyle/>
                     <a:p>
-                      <a:pPr algn="r">
-                        <a:spcBef>
-                          <a:spcPts val="5900"/>
-                        </a:spcBef>
+                      <a:pPr algn="l" defTabSz="457200">
+                        <a:defRPr sz="1800">
+                          <a:latin typeface="Helvetica Neue"/>
+                          <a:ea typeface="Helvetica Neue"/>
+                          <a:cs typeface="Helvetica Neue"/>
+                          <a:sym typeface="Helvetica Neue"/>
+                        </a:defRPr>
+                      </a:pPr>
+                    </a:p>
+                  </a:txBody>
+                  <a:tcPr marL="304800" marR="304800" marT="304800" marB="304800" anchor="t" anchorCtr="0" horzOverflow="overflow">
+                    <a:lnL w="6350">
+                      <a:solidFill>
+                        <a:srgbClr val="000000"/>
+                      </a:solidFill>
+                      <a:custDash>
+                        <a:ds d="200000" sp="200000"/>
+                      </a:custDash>
+                      <a:miter lim="400000"/>
+                    </a:lnL>
+                    <a:lnR w="3175">
+                      <a:solidFill>
+                        <a:srgbClr val="000000"/>
+                      </a:solidFill>
+                      <a:miter lim="400000"/>
+                    </a:lnR>
+                    <a:lnT w="6350">
+                      <a:solidFill>
+                        <a:srgbClr val="000000"/>
+                      </a:solidFill>
+                      <a:custDash>
+                        <a:ds d="200000" sp="200000"/>
+                      </a:custDash>
+                      <a:miter lim="400000"/>
+                    </a:lnT>
+                    <a:lnB w="6350">
+                      <a:solidFill>
+                        <a:srgbClr val="000000"/>
+                      </a:solidFill>
+                      <a:custDash>
+                        <a:ds d="200000" sp="200000"/>
+                      </a:custDash>
+                      <a:miter lim="400000"/>
+                    </a:lnB>
+                    <a:noFill/>
+                  </a:tcPr>
+                </a:tc>
+              </a:tr>
+              <a:tr h="745211">
+                <a:tc>
+                  <a:txBody>
+                    <a:bodyPr/>
+                    <a:lstStyle/>
+                    <a:p>
+                      <a:pPr algn="l" defTabSz="457200">
                         <a:defRPr sz="1800"/>
                       </a:pPr>
                       <a:r>
-                        <a:rPr sz="2400">
-                          <a:latin typeface="Roboto Bold"/>
-                          <a:ea typeface="Roboto Bold"/>
-                          <a:cs typeface="Roboto Bold"/>
-                          <a:sym typeface="Roboto Bold"/>
+                        <a:rPr b="1">
+                          <a:solidFill>
+                            <a:srgbClr val="FFFFFF"/>
+                          </a:solidFill>
+                          <a:latin typeface="Helvetica Neue"/>
+                          <a:ea typeface="Helvetica Neue"/>
+                          <a:cs typeface="Helvetica Neue"/>
+                          <a:sym typeface="Helvetica Neue"/>
+                        </a:rPr>
+                        <a:t>5万ETH 到</a:t>
+                      </a:r>
+                    </a:p>
+                  </a:txBody>
+                  <a:tcPr marL="304800" marR="304800" marT="304800" marB="304800" anchor="t" anchorCtr="0" horzOverflow="overflow">
+                    <a:lnL w="3175">
+                      <a:solidFill>
+                        <a:srgbClr val="000000"/>
+                      </a:solidFill>
+                      <a:miter lim="400000"/>
+                    </a:lnL>
+                    <a:lnR w="3175">
+                      <a:solidFill>
+                        <a:srgbClr val="000000"/>
+                      </a:solidFill>
+                      <a:miter lim="400000"/>
+                    </a:lnR>
+                    <a:lnT w="3175">
+                      <a:solidFill>
+                        <a:srgbClr val="000000"/>
+                      </a:solidFill>
+                      <a:miter lim="400000"/>
+                    </a:lnT>
+                    <a:lnB w="3175">
+                      <a:solidFill>
+                        <a:srgbClr val="000000"/>
+                      </a:solidFill>
+                      <a:miter lim="400000"/>
+                    </a:lnB>
+                    <a:solidFill>
+                      <a:srgbClr val="004D80"/>
+                    </a:solidFill>
+                  </a:tcPr>
+                </a:tc>
+                <a:tc>
+                  <a:txBody>
+                    <a:bodyPr/>
+                    <a:lstStyle/>
+                    <a:p>
+                      <a:pPr algn="r" defTabSz="457200">
+                        <a:defRPr sz="1800"/>
+                      </a:pPr>
+                      <a:r>
+                        <a:rPr b="1">
+                          <a:solidFill>
+                            <a:srgbClr val="FFFFFF"/>
+                          </a:solidFill>
+                          <a:latin typeface="Helvetica Neue"/>
+                          <a:ea typeface="Helvetica Neue"/>
+                          <a:cs typeface="Helvetica Neue"/>
+                          <a:sym typeface="Helvetica Neue"/>
+                        </a:rPr>
+                        <a:t>6万ETH</a:t>
+                      </a:r>
+                    </a:p>
+                  </a:txBody>
+                  <a:tcPr marL="304800" marR="304800" marT="304800" marB="304800" anchor="t" anchorCtr="0" horzOverflow="overflow">
+                    <a:lnL w="3175">
+                      <a:solidFill>
+                        <a:srgbClr val="000000"/>
+                      </a:solidFill>
+                      <a:miter lim="400000"/>
+                    </a:lnL>
+                    <a:lnR w="6350">
+                      <a:solidFill>
+                        <a:srgbClr val="000000"/>
+                      </a:solidFill>
+                      <a:miter lim="400000"/>
+                    </a:lnR>
+                    <a:lnT w="3175">
+                      <a:solidFill>
+                        <a:srgbClr val="000000"/>
+                      </a:solidFill>
+                      <a:miter lim="400000"/>
+                    </a:lnT>
+                    <a:lnB w="3175">
+                      <a:solidFill>
+                        <a:srgbClr val="000000"/>
+                      </a:solidFill>
+                      <a:miter lim="400000"/>
+                    </a:lnB>
+                    <a:solidFill>
+                      <a:srgbClr val="004D80"/>
+                    </a:solidFill>
+                  </a:tcPr>
+                </a:tc>
+                <a:tc>
+                  <a:txBody>
+                    <a:bodyPr/>
+                    <a:lstStyle/>
+                    <a:p>
+                      <a:pPr algn="r" defTabSz="457200">
+                        <a:defRPr sz="1800"/>
+                      </a:pPr>
+                      <a:r>
+                        <a:rPr>
+                          <a:latin typeface="Helvetica Neue"/>
+                          <a:ea typeface="Helvetica Neue"/>
+                          <a:cs typeface="Helvetica Neue"/>
+                          <a:sym typeface="Helvetica Neue"/>
+                        </a:rPr>
+                        <a:t>5500</a:t>
+                      </a:r>
+                    </a:p>
+                  </a:txBody>
+                  <a:tcPr marL="304800" marR="304800" marT="304800" marB="304800" anchor="t" anchorCtr="0" horzOverflow="overflow">
+                    <a:lnL w="6350">
+                      <a:solidFill>
+                        <a:srgbClr val="000000"/>
+                      </a:solidFill>
+                      <a:miter lim="400000"/>
+                    </a:lnL>
+                    <a:lnR w="6350">
+                      <a:solidFill>
+                        <a:srgbClr val="000000"/>
+                      </a:solidFill>
+                      <a:custDash>
+                        <a:ds d="200000" sp="200000"/>
+                      </a:custDash>
+                      <a:miter lim="400000"/>
+                    </a:lnR>
+                    <a:lnT w="6350">
+                      <a:solidFill>
+                        <a:srgbClr val="000000"/>
+                      </a:solidFill>
+                      <a:custDash>
+                        <a:ds d="200000" sp="200000"/>
+                      </a:custDash>
+                      <a:miter lim="400000"/>
+                    </a:lnT>
+                    <a:lnB w="6350">
+                      <a:solidFill>
+                        <a:srgbClr val="000000"/>
+                      </a:solidFill>
+                      <a:custDash>
+                        <a:ds d="200000" sp="200000"/>
+                      </a:custDash>
+                      <a:miter lim="400000"/>
+                    </a:lnB>
+                    <a:solidFill>
+                      <a:srgbClr val="E8E8E8"/>
+                    </a:solidFill>
+                  </a:tcPr>
+                </a:tc>
+                <a:tc>
+                  <a:txBody>
+                    <a:bodyPr/>
+                    <a:lstStyle/>
+                    <a:p>
+                      <a:pPr algn="r" defTabSz="457200">
+                        <a:defRPr sz="1800"/>
+                      </a:pPr>
+                      <a:r>
+                        <a:rPr>
+                          <a:latin typeface="Helvetica Neue"/>
+                          <a:ea typeface="Helvetica Neue"/>
+                          <a:cs typeface="Helvetica Neue"/>
+                          <a:sym typeface="Helvetica Neue"/>
+                        </a:rPr>
+                        <a:t>5,500万</a:t>
+                      </a:r>
+                    </a:p>
+                  </a:txBody>
+                  <a:tcPr marL="304800" marR="304800" marT="304800" marB="304800" anchor="t" anchorCtr="0" horzOverflow="overflow">
+                    <a:lnL w="6350">
+                      <a:solidFill>
+                        <a:srgbClr val="000000"/>
+                      </a:solidFill>
+                      <a:custDash>
+                        <a:ds d="200000" sp="200000"/>
+                      </a:custDash>
+                      <a:miter lim="400000"/>
+                    </a:lnL>
+                    <a:lnR w="6350">
+                      <a:solidFill>
+                        <a:srgbClr val="000000"/>
+                      </a:solidFill>
+                      <a:custDash>
+                        <a:ds d="200000" sp="200000"/>
+                      </a:custDash>
+                      <a:miter lim="400000"/>
+                    </a:lnR>
+                    <a:lnT w="6350">
+                      <a:solidFill>
+                        <a:srgbClr val="000000"/>
+                      </a:solidFill>
+                      <a:custDash>
+                        <a:ds d="200000" sp="200000"/>
+                      </a:custDash>
+                      <a:miter lim="400000"/>
+                    </a:lnT>
+                    <a:lnB w="6350">
+                      <a:solidFill>
+                        <a:srgbClr val="000000"/>
+                      </a:solidFill>
+                      <a:custDash>
+                        <a:ds d="200000" sp="200000"/>
+                      </a:custDash>
+                      <a:miter lim="400000"/>
+                    </a:lnB>
+                    <a:solidFill>
+                      <a:srgbClr val="E8E8E8"/>
+                    </a:solidFill>
+                  </a:tcPr>
+                </a:tc>
+                <a:tc>
+                  <a:txBody>
+                    <a:bodyPr/>
+                    <a:lstStyle/>
+                    <a:p>
+                      <a:pPr algn="r" defTabSz="457200">
+                        <a:defRPr sz="1800"/>
+                      </a:pPr>
+                      <a:r>
+                        <a:rPr>
+                          <a:latin typeface="Helvetica Neue"/>
+                          <a:ea typeface="Helvetica Neue"/>
+                          <a:cs typeface="Helvetica Neue"/>
+                          <a:sym typeface="Helvetica Neue"/>
+                        </a:rPr>
+                        <a:t>34,500万</a:t>
+                      </a:r>
+                    </a:p>
+                  </a:txBody>
+                  <a:tcPr marL="304800" marR="304800" marT="304800" marB="304800" anchor="t" anchorCtr="0" horzOverflow="overflow">
+                    <a:lnL w="6350">
+                      <a:solidFill>
+                        <a:srgbClr val="000000"/>
+                      </a:solidFill>
+                      <a:custDash>
+                        <a:ds d="200000" sp="200000"/>
+                      </a:custDash>
+                      <a:miter lim="400000"/>
+                    </a:lnL>
+                    <a:lnR w="6350">
+                      <a:solidFill>
+                        <a:srgbClr val="000000"/>
+                      </a:solidFill>
+                      <a:custDash>
+                        <a:ds d="200000" sp="200000"/>
+                      </a:custDash>
+                      <a:miter lim="400000"/>
+                    </a:lnR>
+                    <a:lnT w="6350">
+                      <a:solidFill>
+                        <a:srgbClr val="000000"/>
+                      </a:solidFill>
+                      <a:custDash>
+                        <a:ds d="200000" sp="200000"/>
+                      </a:custDash>
+                      <a:miter lim="400000"/>
+                    </a:lnT>
+                    <a:lnB w="6350">
+                      <a:solidFill>
+                        <a:srgbClr val="000000"/>
+                      </a:solidFill>
+                      <a:custDash>
+                        <a:ds d="200000" sp="200000"/>
+                      </a:custDash>
+                      <a:miter lim="400000"/>
+                    </a:lnB>
+                    <a:solidFill>
+                      <a:srgbClr val="E8E8E8"/>
+                    </a:solidFill>
+                  </a:tcPr>
+                </a:tc>
+                <a:tc>
+                  <a:txBody>
+                    <a:bodyPr/>
+                    <a:lstStyle/>
+                    <a:p>
+                      <a:pPr algn="r" defTabSz="457200">
+                        <a:defRPr sz="1800"/>
+                      </a:pPr>
+                      <a:r>
+                        <a:rPr>
+                          <a:latin typeface="Helvetica Neue"/>
+                          <a:ea typeface="Helvetica Neue"/>
+                          <a:cs typeface="Helvetica Neue"/>
+                          <a:sym typeface="Helvetica Neue"/>
+                        </a:rPr>
+                        <a:t>40%</a:t>
+                      </a:r>
+                    </a:p>
+                  </a:txBody>
+                  <a:tcPr marL="304800" marR="304800" marT="304800" marB="304800" anchor="t" anchorCtr="0" horzOverflow="overflow">
+                    <a:lnL w="6350">
+                      <a:solidFill>
+                        <a:srgbClr val="000000"/>
+                      </a:solidFill>
+                      <a:custDash>
+                        <a:ds d="200000" sp="200000"/>
+                      </a:custDash>
+                      <a:miter lim="400000"/>
+                    </a:lnL>
+                    <a:lnR w="6350">
+                      <a:solidFill>
+                        <a:srgbClr val="000000"/>
+                      </a:solidFill>
+                      <a:custDash>
+                        <a:ds d="200000" sp="200000"/>
+                      </a:custDash>
+                      <a:miter lim="400000"/>
+                    </a:lnR>
+                    <a:lnT w="6350">
+                      <a:solidFill>
+                        <a:srgbClr val="000000"/>
+                      </a:solidFill>
+                      <a:custDash>
+                        <a:ds d="200000" sp="200000"/>
+                      </a:custDash>
+                      <a:miter lim="400000"/>
+                    </a:lnT>
+                    <a:lnB w="6350">
+                      <a:solidFill>
+                        <a:srgbClr val="000000"/>
+                      </a:solidFill>
+                      <a:custDash>
+                        <a:ds d="200000" sp="200000"/>
+                      </a:custDash>
+                      <a:miter lim="400000"/>
+                    </a:lnB>
+                    <a:solidFill>
+                      <a:srgbClr val="E8E8E8"/>
+                    </a:solidFill>
+                  </a:tcPr>
+                </a:tc>
+                <a:tc>
+                  <a:txBody>
+                    <a:bodyPr/>
+                    <a:lstStyle/>
+                    <a:p>
+                      <a:pPr algn="r" defTabSz="457200">
+                        <a:defRPr sz="1800"/>
+                      </a:pPr>
+                      <a:r>
+                        <a:rPr>
+                          <a:latin typeface="Helvetica Neue"/>
+                          <a:ea typeface="Helvetica Neue"/>
+                          <a:cs typeface="Helvetica Neue"/>
+                          <a:sym typeface="Helvetica Neue"/>
+                        </a:rPr>
+                        <a:t>86,250万</a:t>
+                      </a:r>
+                    </a:p>
+                  </a:txBody>
+                  <a:tcPr marL="304800" marR="304800" marT="304800" marB="304800" anchor="t" anchorCtr="0" horzOverflow="overflow">
+                    <a:lnL w="6350">
+                      <a:solidFill>
+                        <a:srgbClr val="000000"/>
+                      </a:solidFill>
+                      <a:custDash>
+                        <a:ds d="200000" sp="200000"/>
+                      </a:custDash>
+                      <a:miter lim="400000"/>
+                    </a:lnL>
+                    <a:lnR w="6350">
+                      <a:solidFill>
+                        <a:srgbClr val="000000"/>
+                      </a:solidFill>
+                      <a:custDash>
+                        <a:ds d="200000" sp="200000"/>
+                      </a:custDash>
+                      <a:miter lim="400000"/>
+                    </a:lnR>
+                    <a:lnT w="6350">
+                      <a:solidFill>
+                        <a:srgbClr val="000000"/>
+                      </a:solidFill>
+                      <a:custDash>
+                        <a:ds d="200000" sp="200000"/>
+                      </a:custDash>
+                      <a:miter lim="400000"/>
+                    </a:lnT>
+                    <a:lnB w="6350">
+                      <a:solidFill>
+                        <a:srgbClr val="000000"/>
+                      </a:solidFill>
+                      <a:custDash>
+                        <a:ds d="200000" sp="200000"/>
+                      </a:custDash>
+                      <a:miter lim="400000"/>
+                    </a:lnB>
+                    <a:solidFill>
+                      <a:srgbClr val="E8E8E8"/>
+                    </a:solidFill>
+                  </a:tcPr>
+                </a:tc>
+                <a:tc>
+                  <a:txBody>
+                    <a:bodyPr/>
+                    <a:lstStyle/>
+                    <a:p>
+                      <a:pPr algn="r" defTabSz="457200">
+                        <a:defRPr sz="1800"/>
+                      </a:pPr>
+                      <a:r>
+                        <a:rPr>
+                          <a:latin typeface="Helvetica Neue"/>
+                          <a:ea typeface="Helvetica Neue"/>
+                          <a:cs typeface="Helvetica Neue"/>
+                          <a:sym typeface="Helvetica Neue"/>
+                        </a:rPr>
+                        <a:t>51,750万</a:t>
+                      </a:r>
+                    </a:p>
+                  </a:txBody>
+                  <a:tcPr marL="304800" marR="304800" marT="304800" marB="304800" anchor="t" anchorCtr="0" horzOverflow="overflow">
+                    <a:lnL w="6350">
+                      <a:solidFill>
+                        <a:srgbClr val="000000"/>
+                      </a:solidFill>
+                      <a:custDash>
+                        <a:ds d="200000" sp="200000"/>
+                      </a:custDash>
+                      <a:miter lim="400000"/>
+                    </a:lnL>
+                    <a:lnR w="6350">
+                      <a:solidFill>
+                        <a:srgbClr val="000000"/>
+                      </a:solidFill>
+                      <a:custDash>
+                        <a:ds d="200000" sp="200000"/>
+                      </a:custDash>
+                      <a:miter lim="400000"/>
+                    </a:lnR>
+                    <a:lnT w="6350">
+                      <a:solidFill>
+                        <a:srgbClr val="000000"/>
+                      </a:solidFill>
+                      <a:custDash>
+                        <a:ds d="200000" sp="200000"/>
+                      </a:custDash>
+                      <a:miter lim="400000"/>
+                    </a:lnT>
+                    <a:lnB w="6350">
+                      <a:solidFill>
+                        <a:srgbClr val="000000"/>
+                      </a:solidFill>
+                      <a:custDash>
+                        <a:ds d="200000" sp="200000"/>
+                      </a:custDash>
+                      <a:miter lim="400000"/>
+                    </a:lnB>
+                    <a:solidFill>
+                      <a:srgbClr val="E8E8E8"/>
+                    </a:solidFill>
+                  </a:tcPr>
+                </a:tc>
+                <a:tc>
+                  <a:txBody>
+                    <a:bodyPr/>
+                    <a:lstStyle/>
+                    <a:p>
+                      <a:pPr algn="r" defTabSz="457200">
+                        <a:defRPr sz="1800"/>
+                      </a:pPr>
+                      <a:r>
+                        <a:rPr>
+                          <a:latin typeface="Helvetica Neue"/>
+                          <a:ea typeface="Helvetica Neue"/>
+                          <a:cs typeface="Helvetica Neue"/>
+                          <a:sym typeface="Helvetica Neue"/>
+                        </a:rPr>
+                        <a:t>15万ETH</a:t>
+                      </a:r>
+                    </a:p>
+                  </a:txBody>
+                  <a:tcPr marL="304800" marR="304800" marT="304800" marB="304800" anchor="t" anchorCtr="0" horzOverflow="overflow">
+                    <a:lnL w="6350">
+                      <a:solidFill>
+                        <a:srgbClr val="000000"/>
+                      </a:solidFill>
+                      <a:custDash>
+                        <a:ds d="200000" sp="200000"/>
+                      </a:custDash>
+                      <a:miter lim="400000"/>
+                    </a:lnL>
+                    <a:lnR w="6350">
+                      <a:solidFill>
+                        <a:srgbClr val="000000"/>
+                      </a:solidFill>
+                      <a:custDash>
+                        <a:ds d="200000" sp="200000"/>
+                      </a:custDash>
+                      <a:miter lim="400000"/>
+                    </a:lnR>
+                    <a:lnT w="6350">
+                      <a:solidFill>
+                        <a:srgbClr val="000000"/>
+                      </a:solidFill>
+                      <a:custDash>
+                        <a:ds d="200000" sp="200000"/>
+                      </a:custDash>
+                      <a:miter lim="400000"/>
+                    </a:lnT>
+                    <a:lnB w="6350">
+                      <a:solidFill>
+                        <a:srgbClr val="000000"/>
+                      </a:solidFill>
+                      <a:custDash>
+                        <a:ds d="200000" sp="200000"/>
+                      </a:custDash>
+                      <a:miter lim="400000"/>
+                    </a:lnB>
+                    <a:solidFill>
+                      <a:srgbClr val="E8E8E8"/>
+                    </a:solidFill>
+                  </a:tcPr>
+                </a:tc>
+                <a:tc>
+                  <a:txBody>
+                    <a:bodyPr/>
+                    <a:lstStyle/>
+                    <a:p>
+                      <a:pPr algn="r" defTabSz="457200">
+                        <a:defRPr sz="1800"/>
+                      </a:pPr>
+                      <a:r>
+                        <a:rPr>
+                          <a:latin typeface="Helvetica Neue"/>
+                          <a:ea typeface="Helvetica Neue"/>
+                          <a:cs typeface="Helvetica Neue"/>
+                          <a:sym typeface="Helvetica Neue"/>
+                        </a:rPr>
+                        <a:t>4亿RMB</a:t>
+                      </a:r>
+                    </a:p>
+                  </a:txBody>
+                  <a:tcPr marL="304800" marR="304800" marT="304800" marB="304800" anchor="t" anchorCtr="0" horzOverflow="overflow">
+                    <a:lnL w="6350">
+                      <a:solidFill>
+                        <a:srgbClr val="000000"/>
+                      </a:solidFill>
+                      <a:custDash>
+                        <a:ds d="200000" sp="200000"/>
+                      </a:custDash>
+                      <a:miter lim="400000"/>
+                    </a:lnL>
+                    <a:lnR w="6350">
+                      <a:solidFill>
+                        <a:srgbClr val="000000"/>
+                      </a:solidFill>
+                      <a:custDash>
+                        <a:ds d="200000" sp="200000"/>
+                      </a:custDash>
+                      <a:miter lim="400000"/>
+                    </a:lnR>
+                    <a:lnT w="6350">
+                      <a:solidFill>
+                        <a:srgbClr val="000000"/>
+                      </a:solidFill>
+                      <a:custDash>
+                        <a:ds d="200000" sp="200000"/>
+                      </a:custDash>
+                      <a:miter lim="400000"/>
+                    </a:lnT>
+                    <a:lnB w="6350">
+                      <a:solidFill>
+                        <a:srgbClr val="000000"/>
+                      </a:solidFill>
+                      <a:custDash>
+                        <a:ds d="200000" sp="200000"/>
+                      </a:custDash>
+                      <a:miter lim="400000"/>
+                    </a:lnB>
+                    <a:solidFill>
+                      <a:srgbClr val="E8E8E8"/>
+                    </a:solidFill>
+                  </a:tcPr>
+                </a:tc>
+                <a:tc>
+                  <a:txBody>
+                    <a:bodyPr/>
+                    <a:lstStyle/>
+                    <a:p>
+                      <a:pPr algn="r" defTabSz="457200">
+                        <a:defRPr sz="1800"/>
+                      </a:pPr>
+                      <a:r>
+                        <a:rPr>
+                          <a:latin typeface="Helvetica Neue"/>
+                          <a:ea typeface="Helvetica Neue"/>
+                          <a:cs typeface="Helvetica Neue"/>
+                          <a:sym typeface="Helvetica Neue"/>
+                        </a:rPr>
+                        <a:t>0.43元RMB</a:t>
+                      </a:r>
+                    </a:p>
+                  </a:txBody>
+                  <a:tcPr marL="304800" marR="304800" marT="304800" marB="304800" anchor="t" anchorCtr="0" horzOverflow="overflow">
+                    <a:lnL w="6350">
+                      <a:solidFill>
+                        <a:srgbClr val="000000"/>
+                      </a:solidFill>
+                      <a:custDash>
+                        <a:ds d="200000" sp="200000"/>
+                      </a:custDash>
+                      <a:miter lim="400000"/>
+                    </a:lnL>
+                    <a:lnR w="3175">
+                      <a:solidFill>
+                        <a:srgbClr val="000000"/>
+                      </a:solidFill>
+                      <a:miter lim="400000"/>
+                    </a:lnR>
+                    <a:lnT w="6350">
+                      <a:solidFill>
+                        <a:srgbClr val="000000"/>
+                      </a:solidFill>
+                      <a:custDash>
+                        <a:ds d="200000" sp="200000"/>
+                      </a:custDash>
+                      <a:miter lim="400000"/>
+                    </a:lnT>
+                    <a:lnB w="6350">
+                      <a:solidFill>
+                        <a:srgbClr val="000000"/>
+                      </a:solidFill>
+                      <a:custDash>
+                        <a:ds d="200000" sp="200000"/>
+                      </a:custDash>
+                      <a:miter lim="400000"/>
+                    </a:lnB>
+                    <a:solidFill>
+                      <a:srgbClr val="E8E8E8"/>
+                    </a:solidFill>
+                  </a:tcPr>
+                </a:tc>
+              </a:tr>
+              <a:tr h="745211">
+                <a:tc>
+                  <a:txBody>
+                    <a:bodyPr/>
+                    <a:lstStyle/>
+                    <a:p>
+                      <a:pPr algn="l" defTabSz="457200">
+                        <a:defRPr sz="1800"/>
+                      </a:pPr>
+                      <a:r>
+                        <a:rPr b="1">
+                          <a:solidFill>
+                            <a:srgbClr val="FFFFFF"/>
+                          </a:solidFill>
+                          <a:latin typeface="Helvetica Neue"/>
+                          <a:ea typeface="Helvetica Neue"/>
+                          <a:cs typeface="Helvetica Neue"/>
+                          <a:sym typeface="Helvetica Neue"/>
+                        </a:rPr>
+                        <a:t>6万ETH 到</a:t>
+                      </a:r>
+                    </a:p>
+                  </a:txBody>
+                  <a:tcPr marL="304800" marR="304800" marT="304800" marB="304800" anchor="t" anchorCtr="0" horzOverflow="overflow">
+                    <a:lnL w="3175">
+                      <a:solidFill>
+                        <a:srgbClr val="000000"/>
+                      </a:solidFill>
+                      <a:miter lim="400000"/>
+                    </a:lnL>
+                    <a:lnR w="3175">
+                      <a:solidFill>
+                        <a:srgbClr val="000000"/>
+                      </a:solidFill>
+                      <a:miter lim="400000"/>
+                    </a:lnR>
+                    <a:lnT w="3175">
+                      <a:solidFill>
+                        <a:srgbClr val="000000"/>
+                      </a:solidFill>
+                      <a:miter lim="400000"/>
+                    </a:lnT>
+                    <a:lnB w="3175">
+                      <a:solidFill>
+                        <a:srgbClr val="000000"/>
+                      </a:solidFill>
+                      <a:miter lim="400000"/>
+                    </a:lnB>
+                    <a:solidFill>
+                      <a:srgbClr val="004D80"/>
+                    </a:solidFill>
+                  </a:tcPr>
+                </a:tc>
+                <a:tc>
+                  <a:txBody>
+                    <a:bodyPr/>
+                    <a:lstStyle/>
+                    <a:p>
+                      <a:pPr algn="r" defTabSz="457200">
+                        <a:defRPr sz="1800"/>
+                      </a:pPr>
+                      <a:r>
+                        <a:rPr b="1">
+                          <a:solidFill>
+                            <a:srgbClr val="FFFFFF"/>
+                          </a:solidFill>
+                          <a:latin typeface="Helvetica Neue"/>
+                          <a:ea typeface="Helvetica Neue"/>
+                          <a:cs typeface="Helvetica Neue"/>
+                          <a:sym typeface="Helvetica Neue"/>
+                        </a:rPr>
+                        <a:t>7万ETH</a:t>
+                      </a:r>
+                    </a:p>
+                  </a:txBody>
+                  <a:tcPr marL="304800" marR="304800" marT="304800" marB="304800" anchor="t" anchorCtr="0" horzOverflow="overflow">
+                    <a:lnL w="3175">
+                      <a:solidFill>
+                        <a:srgbClr val="000000"/>
+                      </a:solidFill>
+                      <a:miter lim="400000"/>
+                    </a:lnL>
+                    <a:lnR w="6350">
+                      <a:solidFill>
+                        <a:srgbClr val="000000"/>
+                      </a:solidFill>
+                      <a:miter lim="400000"/>
+                    </a:lnR>
+                    <a:lnT w="3175">
+                      <a:solidFill>
+                        <a:srgbClr val="000000"/>
+                      </a:solidFill>
+                      <a:miter lim="400000"/>
+                    </a:lnT>
+                    <a:lnB w="3175">
+                      <a:solidFill>
+                        <a:srgbClr val="000000"/>
+                      </a:solidFill>
+                      <a:miter lim="400000"/>
+                    </a:lnB>
+                    <a:solidFill>
+                      <a:srgbClr val="004D80"/>
+                    </a:solidFill>
+                  </a:tcPr>
+                </a:tc>
+                <a:tc>
+                  <a:txBody>
+                    <a:bodyPr/>
+                    <a:lstStyle/>
+                    <a:p>
+                      <a:pPr algn="r" defTabSz="457200">
+                        <a:defRPr sz="1800"/>
+                      </a:pPr>
+                      <a:r>
+                        <a:rPr>
+                          <a:latin typeface="Helvetica Neue"/>
+                          <a:ea typeface="Helvetica Neue"/>
+                          <a:cs typeface="Helvetica Neue"/>
+                          <a:sym typeface="Helvetica Neue"/>
+                        </a:rPr>
+                        <a:t>5250</a:t>
+                      </a:r>
+                    </a:p>
+                  </a:txBody>
+                  <a:tcPr marL="304800" marR="304800" marT="304800" marB="304800" anchor="t" anchorCtr="0" horzOverflow="overflow">
+                    <a:lnL w="6350">
+                      <a:solidFill>
+                        <a:srgbClr val="000000"/>
+                      </a:solidFill>
+                      <a:miter lim="400000"/>
+                    </a:lnL>
+                    <a:lnR w="6350">
+                      <a:solidFill>
+                        <a:srgbClr val="000000"/>
+                      </a:solidFill>
+                      <a:custDash>
+                        <a:ds d="200000" sp="200000"/>
+                      </a:custDash>
+                      <a:miter lim="400000"/>
+                    </a:lnR>
+                    <a:lnT w="6350">
+                      <a:solidFill>
+                        <a:srgbClr val="000000"/>
+                      </a:solidFill>
+                      <a:custDash>
+                        <a:ds d="200000" sp="200000"/>
+                      </a:custDash>
+                      <a:miter lim="400000"/>
+                    </a:lnT>
+                    <a:lnB w="6350">
+                      <a:solidFill>
+                        <a:srgbClr val="000000"/>
+                      </a:solidFill>
+                      <a:custDash>
+                        <a:ds d="200000" sp="200000"/>
+                      </a:custDash>
+                      <a:miter lim="400000"/>
+                    </a:lnB>
+                    <a:noFill/>
+                  </a:tcPr>
+                </a:tc>
+                <a:tc>
+                  <a:txBody>
+                    <a:bodyPr/>
+                    <a:lstStyle/>
+                    <a:p>
+                      <a:pPr algn="r" defTabSz="457200">
+                        <a:defRPr sz="1800"/>
+                      </a:pPr>
+                      <a:r>
+                        <a:rPr>
+                          <a:latin typeface="Helvetica Neue"/>
+                          <a:ea typeface="Helvetica Neue"/>
+                          <a:cs typeface="Helvetica Neue"/>
+                          <a:sym typeface="Helvetica Neue"/>
+                        </a:rPr>
+                        <a:t>5,250万</a:t>
+                      </a:r>
+                    </a:p>
+                  </a:txBody>
+                  <a:tcPr marL="304800" marR="304800" marT="304800" marB="304800" anchor="t" anchorCtr="0" horzOverflow="overflow">
+                    <a:lnL w="6350">
+                      <a:solidFill>
+                        <a:srgbClr val="000000"/>
+                      </a:solidFill>
+                      <a:custDash>
+                        <a:ds d="200000" sp="200000"/>
+                      </a:custDash>
+                      <a:miter lim="400000"/>
+                    </a:lnL>
+                    <a:lnR w="6350">
+                      <a:solidFill>
+                        <a:srgbClr val="000000"/>
+                      </a:solidFill>
+                      <a:custDash>
+                        <a:ds d="200000" sp="200000"/>
+                      </a:custDash>
+                      <a:miter lim="400000"/>
+                    </a:lnR>
+                    <a:lnT w="6350">
+                      <a:solidFill>
+                        <a:srgbClr val="000000"/>
+                      </a:solidFill>
+                      <a:custDash>
+                        <a:ds d="200000" sp="200000"/>
+                      </a:custDash>
+                      <a:miter lim="400000"/>
+                    </a:lnT>
+                    <a:lnB w="6350">
+                      <a:solidFill>
+                        <a:srgbClr val="000000"/>
+                      </a:solidFill>
+                      <a:custDash>
+                        <a:ds d="200000" sp="200000"/>
+                      </a:custDash>
+                      <a:miter lim="400000"/>
+                    </a:lnB>
+                    <a:noFill/>
+                  </a:tcPr>
+                </a:tc>
+                <a:tc>
+                  <a:txBody>
+                    <a:bodyPr/>
+                    <a:lstStyle/>
+                    <a:p>
+                      <a:pPr algn="r" defTabSz="457200">
+                        <a:defRPr sz="1800"/>
+                      </a:pPr>
+                      <a:r>
+                        <a:rPr>
+                          <a:latin typeface="Helvetica Neue"/>
+                          <a:ea typeface="Helvetica Neue"/>
+                          <a:cs typeface="Helvetica Neue"/>
+                          <a:sym typeface="Helvetica Neue"/>
+                        </a:rPr>
+                        <a:t>39,750万</a:t>
+                      </a:r>
+                    </a:p>
+                  </a:txBody>
+                  <a:tcPr marL="304800" marR="304800" marT="304800" marB="304800" anchor="t" anchorCtr="0" horzOverflow="overflow">
+                    <a:lnL w="6350">
+                      <a:solidFill>
+                        <a:srgbClr val="000000"/>
+                      </a:solidFill>
+                      <a:custDash>
+                        <a:ds d="200000" sp="200000"/>
+                      </a:custDash>
+                      <a:miter lim="400000"/>
+                    </a:lnL>
+                    <a:lnR w="6350">
+                      <a:solidFill>
+                        <a:srgbClr val="000000"/>
+                      </a:solidFill>
+                      <a:custDash>
+                        <a:ds d="200000" sp="200000"/>
+                      </a:custDash>
+                      <a:miter lim="400000"/>
+                    </a:lnR>
+                    <a:lnT w="6350">
+                      <a:solidFill>
+                        <a:srgbClr val="000000"/>
+                      </a:solidFill>
+                      <a:custDash>
+                        <a:ds d="200000" sp="200000"/>
+                      </a:custDash>
+                      <a:miter lim="400000"/>
+                    </a:lnT>
+                    <a:lnB w="6350">
+                      <a:solidFill>
+                        <a:srgbClr val="000000"/>
+                      </a:solidFill>
+                      <a:custDash>
+                        <a:ds d="200000" sp="200000"/>
+                      </a:custDash>
+                      <a:miter lim="400000"/>
+                    </a:lnB>
+                    <a:noFill/>
+                  </a:tcPr>
+                </a:tc>
+                <a:tc>
+                  <a:txBody>
+                    <a:bodyPr/>
+                    <a:lstStyle/>
+                    <a:p>
+                      <a:pPr algn="r" defTabSz="457200">
+                        <a:defRPr sz="1800"/>
+                      </a:pPr>
+                      <a:r>
+                        <a:rPr>
+                          <a:latin typeface="Helvetica Neue"/>
+                          <a:ea typeface="Helvetica Neue"/>
+                          <a:cs typeface="Helvetica Neue"/>
+                          <a:sym typeface="Helvetica Neue"/>
+                        </a:rPr>
+                        <a:t>42.5%</a:t>
+                      </a:r>
+                    </a:p>
+                  </a:txBody>
+                  <a:tcPr marL="304800" marR="304800" marT="304800" marB="304800" anchor="t" anchorCtr="0" horzOverflow="overflow">
+                    <a:lnL w="6350">
+                      <a:solidFill>
+                        <a:srgbClr val="000000"/>
+                      </a:solidFill>
+                      <a:custDash>
+                        <a:ds d="200000" sp="200000"/>
+                      </a:custDash>
+                      <a:miter lim="400000"/>
+                    </a:lnL>
+                    <a:lnR w="6350">
+                      <a:solidFill>
+                        <a:srgbClr val="000000"/>
+                      </a:solidFill>
+                      <a:custDash>
+                        <a:ds d="200000" sp="200000"/>
+                      </a:custDash>
+                      <a:miter lim="400000"/>
+                    </a:lnR>
+                    <a:lnT w="6350">
+                      <a:solidFill>
+                        <a:srgbClr val="000000"/>
+                      </a:solidFill>
+                      <a:custDash>
+                        <a:ds d="200000" sp="200000"/>
+                      </a:custDash>
+                      <a:miter lim="400000"/>
+                    </a:lnT>
+                    <a:lnB w="6350">
+                      <a:solidFill>
+                        <a:srgbClr val="000000"/>
+                      </a:solidFill>
+                      <a:custDash>
+                        <a:ds d="200000" sp="200000"/>
+                      </a:custDash>
+                      <a:miter lim="400000"/>
+                    </a:lnB>
+                    <a:noFill/>
+                  </a:tcPr>
+                </a:tc>
+                <a:tc>
+                  <a:txBody>
+                    <a:bodyPr/>
+                    <a:lstStyle/>
+                    <a:p>
+                      <a:pPr algn="r" defTabSz="457200">
+                        <a:defRPr sz="1800"/>
+                      </a:pPr>
+                      <a:r>
+                        <a:rPr>
+                          <a:latin typeface="Helvetica Neue"/>
+                          <a:ea typeface="Helvetica Neue"/>
+                          <a:cs typeface="Helvetica Neue"/>
+                          <a:sym typeface="Helvetica Neue"/>
+                        </a:rPr>
+                        <a:t>93,529万</a:t>
+                      </a:r>
+                    </a:p>
+                  </a:txBody>
+                  <a:tcPr marL="304800" marR="304800" marT="304800" marB="304800" anchor="t" anchorCtr="0" horzOverflow="overflow">
+                    <a:lnL w="6350">
+                      <a:solidFill>
+                        <a:srgbClr val="000000"/>
+                      </a:solidFill>
+                      <a:custDash>
+                        <a:ds d="200000" sp="200000"/>
+                      </a:custDash>
+                      <a:miter lim="400000"/>
+                    </a:lnL>
+                    <a:lnR w="6350">
+                      <a:solidFill>
+                        <a:srgbClr val="000000"/>
+                      </a:solidFill>
+                      <a:custDash>
+                        <a:ds d="200000" sp="200000"/>
+                      </a:custDash>
+                      <a:miter lim="400000"/>
+                    </a:lnR>
+                    <a:lnT w="6350">
+                      <a:solidFill>
+                        <a:srgbClr val="000000"/>
+                      </a:solidFill>
+                      <a:custDash>
+                        <a:ds d="200000" sp="200000"/>
+                      </a:custDash>
+                      <a:miter lim="400000"/>
+                    </a:lnT>
+                    <a:lnB w="6350">
+                      <a:solidFill>
+                        <a:srgbClr val="000000"/>
+                      </a:solidFill>
+                      <a:custDash>
+                        <a:ds d="200000" sp="200000"/>
+                      </a:custDash>
+                      <a:miter lim="400000"/>
+                    </a:lnB>
+                    <a:noFill/>
+                  </a:tcPr>
+                </a:tc>
+                <a:tc>
+                  <a:txBody>
+                    <a:bodyPr/>
+                    <a:lstStyle/>
+                    <a:p>
+                      <a:pPr algn="r" defTabSz="457200">
+                        <a:defRPr sz="1800"/>
+                      </a:pPr>
+                      <a:r>
+                        <a:rPr>
+                          <a:latin typeface="Helvetica Neue"/>
+                          <a:ea typeface="Helvetica Neue"/>
+                          <a:cs typeface="Helvetica Neue"/>
+                          <a:sym typeface="Helvetica Neue"/>
+                        </a:rPr>
+                        <a:t>53,779万</a:t>
+                      </a:r>
+                    </a:p>
+                  </a:txBody>
+                  <a:tcPr marL="304800" marR="304800" marT="304800" marB="304800" anchor="t" anchorCtr="0" horzOverflow="overflow">
+                    <a:lnL w="6350">
+                      <a:solidFill>
+                        <a:srgbClr val="000000"/>
+                      </a:solidFill>
+                      <a:custDash>
+                        <a:ds d="200000" sp="200000"/>
+                      </a:custDash>
+                      <a:miter lim="400000"/>
+                    </a:lnL>
+                    <a:lnR w="6350">
+                      <a:solidFill>
+                        <a:srgbClr val="000000"/>
+                      </a:solidFill>
+                      <a:custDash>
+                        <a:ds d="200000" sp="200000"/>
+                      </a:custDash>
+                      <a:miter lim="400000"/>
+                    </a:lnR>
+                    <a:lnT w="6350">
+                      <a:solidFill>
+                        <a:srgbClr val="000000"/>
+                      </a:solidFill>
+                      <a:custDash>
+                        <a:ds d="200000" sp="200000"/>
+                      </a:custDash>
+                      <a:miter lim="400000"/>
+                    </a:lnT>
+                    <a:lnB w="6350">
+                      <a:solidFill>
+                        <a:srgbClr val="000000"/>
+                      </a:solidFill>
+                      <a:custDash>
+                        <a:ds d="200000" sp="200000"/>
+                      </a:custDash>
+                      <a:miter lim="400000"/>
+                    </a:lnB>
+                    <a:noFill/>
+                  </a:tcPr>
+                </a:tc>
+                <a:tc>
+                  <a:txBody>
+                    <a:bodyPr/>
+                    <a:lstStyle/>
+                    <a:p>
+                      <a:pPr algn="r" defTabSz="457200">
+                        <a:defRPr sz="1800"/>
+                      </a:pPr>
+                      <a:r>
+                        <a:rPr>
+                          <a:latin typeface="Helvetica Neue"/>
+                          <a:ea typeface="Helvetica Neue"/>
+                          <a:cs typeface="Helvetica Neue"/>
+                          <a:sym typeface="Helvetica Neue"/>
+                        </a:rPr>
+                        <a:t>16万ETH</a:t>
+                      </a:r>
+                    </a:p>
+                  </a:txBody>
+                  <a:tcPr marL="304800" marR="304800" marT="304800" marB="304800" anchor="t" anchorCtr="0" horzOverflow="overflow">
+                    <a:lnL w="6350">
+                      <a:solidFill>
+                        <a:srgbClr val="000000"/>
+                      </a:solidFill>
+                      <a:custDash>
+                        <a:ds d="200000" sp="200000"/>
+                      </a:custDash>
+                      <a:miter lim="400000"/>
+                    </a:lnL>
+                    <a:lnR w="6350">
+                      <a:solidFill>
+                        <a:srgbClr val="000000"/>
+                      </a:solidFill>
+                      <a:custDash>
+                        <a:ds d="200000" sp="200000"/>
+                      </a:custDash>
+                      <a:miter lim="400000"/>
+                    </a:lnR>
+                    <a:lnT w="6350">
+                      <a:solidFill>
+                        <a:srgbClr val="000000"/>
+                      </a:solidFill>
+                      <a:custDash>
+                        <a:ds d="200000" sp="200000"/>
+                      </a:custDash>
+                      <a:miter lim="400000"/>
+                    </a:lnT>
+                    <a:lnB w="6350">
+                      <a:solidFill>
+                        <a:srgbClr val="000000"/>
+                      </a:solidFill>
+                      <a:custDash>
+                        <a:ds d="200000" sp="200000"/>
+                      </a:custDash>
+                      <a:miter lim="400000"/>
+                    </a:lnB>
+                    <a:noFill/>
+                  </a:tcPr>
+                </a:tc>
+                <a:tc>
+                  <a:txBody>
+                    <a:bodyPr/>
+                    <a:lstStyle/>
+                    <a:p>
+                      <a:pPr algn="r" defTabSz="457200">
+                        <a:defRPr sz="1800"/>
+                      </a:pPr>
+                      <a:r>
+                        <a:rPr>
+                          <a:latin typeface="Helvetica Neue"/>
+                          <a:ea typeface="Helvetica Neue"/>
+                          <a:cs typeface="Helvetica Neue"/>
+                          <a:sym typeface="Helvetica Neue"/>
+                        </a:rPr>
+                        <a:t>4亿RMB</a:t>
+                      </a:r>
+                    </a:p>
+                  </a:txBody>
+                  <a:tcPr marL="304800" marR="304800" marT="304800" marB="304800" anchor="t" anchorCtr="0" horzOverflow="overflow">
+                    <a:lnL w="6350">
+                      <a:solidFill>
+                        <a:srgbClr val="000000"/>
+                      </a:solidFill>
+                      <a:custDash>
+                        <a:ds d="200000" sp="200000"/>
+                      </a:custDash>
+                      <a:miter lim="400000"/>
+                    </a:lnL>
+                    <a:lnR w="6350">
+                      <a:solidFill>
+                        <a:srgbClr val="000000"/>
+                      </a:solidFill>
+                      <a:custDash>
+                        <a:ds d="200000" sp="200000"/>
+                      </a:custDash>
+                      <a:miter lim="400000"/>
+                    </a:lnR>
+                    <a:lnT w="6350">
+                      <a:solidFill>
+                        <a:srgbClr val="000000"/>
+                      </a:solidFill>
+                      <a:custDash>
+                        <a:ds d="200000" sp="200000"/>
+                      </a:custDash>
+                      <a:miter lim="400000"/>
+                    </a:lnT>
+                    <a:lnB w="6350">
+                      <a:solidFill>
+                        <a:srgbClr val="000000"/>
+                      </a:solidFill>
+                      <a:custDash>
+                        <a:ds d="200000" sp="200000"/>
+                      </a:custDash>
+                      <a:miter lim="400000"/>
+                    </a:lnB>
+                    <a:noFill/>
+                  </a:tcPr>
+                </a:tc>
+                <a:tc>
+                  <a:txBody>
+                    <a:bodyPr/>
+                    <a:lstStyle/>
+                    <a:p>
+                      <a:pPr algn="r" defTabSz="457200">
+                        <a:defRPr sz="1800"/>
+                      </a:pPr>
+                      <a:r>
+                        <a:rPr>
+                          <a:latin typeface="Helvetica Neue"/>
+                          <a:ea typeface="Helvetica Neue"/>
+                          <a:cs typeface="Helvetica Neue"/>
+                          <a:sym typeface="Helvetica Neue"/>
+                        </a:rPr>
+                        <a:t>0.44元RMB</a:t>
+                      </a:r>
+                    </a:p>
+                  </a:txBody>
+                  <a:tcPr marL="304800" marR="304800" marT="304800" marB="304800" anchor="t" anchorCtr="0" horzOverflow="overflow">
+                    <a:lnL w="6350">
+                      <a:solidFill>
+                        <a:srgbClr val="000000"/>
+                      </a:solidFill>
+                      <a:custDash>
+                        <a:ds d="200000" sp="200000"/>
+                      </a:custDash>
+                      <a:miter lim="400000"/>
+                    </a:lnL>
+                    <a:lnR w="3175">
+                      <a:solidFill>
+                        <a:srgbClr val="000000"/>
+                      </a:solidFill>
+                      <a:miter lim="400000"/>
+                    </a:lnR>
+                    <a:lnT w="6350">
+                      <a:solidFill>
+                        <a:srgbClr val="000000"/>
+                      </a:solidFill>
+                      <a:custDash>
+                        <a:ds d="200000" sp="200000"/>
+                      </a:custDash>
+                      <a:miter lim="400000"/>
+                    </a:lnT>
+                    <a:lnB w="6350">
+                      <a:solidFill>
+                        <a:srgbClr val="000000"/>
+                      </a:solidFill>
+                      <a:custDash>
+                        <a:ds d="200000" sp="200000"/>
+                      </a:custDash>
+                      <a:miter lim="400000"/>
+                    </a:lnB>
+                    <a:noFill/>
+                  </a:tcPr>
+                </a:tc>
+              </a:tr>
+              <a:tr h="745211">
+                <a:tc>
+                  <a:txBody>
+                    <a:bodyPr/>
+                    <a:lstStyle/>
+                    <a:p>
+                      <a:pPr algn="l" defTabSz="457200">
+                        <a:defRPr sz="1800"/>
+                      </a:pPr>
+                      <a:r>
+                        <a:rPr b="1">
+                          <a:solidFill>
+                            <a:srgbClr val="FFFFFF"/>
+                          </a:solidFill>
+                          <a:latin typeface="Helvetica Neue"/>
+                          <a:ea typeface="Helvetica Neue"/>
+                          <a:cs typeface="Helvetica Neue"/>
+                          <a:sym typeface="Helvetica Neue"/>
+                        </a:rPr>
+                        <a:t>7万ETH 到</a:t>
+                      </a:r>
+                    </a:p>
+                  </a:txBody>
+                  <a:tcPr marL="304800" marR="304800" marT="304800" marB="304800" anchor="t" anchorCtr="0" horzOverflow="overflow">
+                    <a:lnL w="3175">
+                      <a:solidFill>
+                        <a:srgbClr val="000000"/>
+                      </a:solidFill>
+                      <a:miter lim="400000"/>
+                    </a:lnL>
+                    <a:lnR w="3175">
+                      <a:solidFill>
+                        <a:srgbClr val="000000"/>
+                      </a:solidFill>
+                      <a:miter lim="400000"/>
+                    </a:lnR>
+                    <a:lnT w="3175">
+                      <a:solidFill>
+                        <a:srgbClr val="000000"/>
+                      </a:solidFill>
+                      <a:miter lim="400000"/>
+                    </a:lnT>
+                    <a:lnB w="3175">
+                      <a:solidFill>
+                        <a:srgbClr val="000000"/>
+                      </a:solidFill>
+                      <a:miter lim="400000"/>
+                    </a:lnB>
+                    <a:solidFill>
+                      <a:srgbClr val="004D80"/>
+                    </a:solidFill>
+                  </a:tcPr>
+                </a:tc>
+                <a:tc>
+                  <a:txBody>
+                    <a:bodyPr/>
+                    <a:lstStyle/>
+                    <a:p>
+                      <a:pPr algn="r" defTabSz="457200">
+                        <a:defRPr sz="1800"/>
+                      </a:pPr>
+                      <a:r>
+                        <a:rPr b="1">
+                          <a:solidFill>
+                            <a:srgbClr val="FFFFFF"/>
+                          </a:solidFill>
+                          <a:latin typeface="Helvetica Neue"/>
+                          <a:ea typeface="Helvetica Neue"/>
+                          <a:cs typeface="Helvetica Neue"/>
+                          <a:sym typeface="Helvetica Neue"/>
+                        </a:rPr>
+                        <a:t>8万ETH</a:t>
+                      </a:r>
+                    </a:p>
+                  </a:txBody>
+                  <a:tcPr marL="304800" marR="304800" marT="304800" marB="304800" anchor="t" anchorCtr="0" horzOverflow="overflow">
+                    <a:lnL w="3175">
+                      <a:solidFill>
+                        <a:srgbClr val="000000"/>
+                      </a:solidFill>
+                      <a:miter lim="400000"/>
+                    </a:lnL>
+                    <a:lnR w="6350">
+                      <a:solidFill>
+                        <a:srgbClr val="000000"/>
+                      </a:solidFill>
+                      <a:miter lim="400000"/>
+                    </a:lnR>
+                    <a:lnT w="3175">
+                      <a:solidFill>
+                        <a:srgbClr val="000000"/>
+                      </a:solidFill>
+                      <a:miter lim="400000"/>
+                    </a:lnT>
+                    <a:lnB w="3175">
+                      <a:solidFill>
+                        <a:srgbClr val="000000"/>
+                      </a:solidFill>
+                      <a:miter lim="400000"/>
+                    </a:lnB>
+                    <a:solidFill>
+                      <a:srgbClr val="004D80"/>
+                    </a:solidFill>
+                  </a:tcPr>
+                </a:tc>
+                <a:tc>
+                  <a:txBody>
+                    <a:bodyPr/>
+                    <a:lstStyle/>
+                    <a:p>
+                      <a:pPr algn="r" defTabSz="457200">
+                        <a:defRPr sz="1800"/>
+                      </a:pPr>
+                      <a:r>
+                        <a:rPr>
+                          <a:latin typeface="Helvetica Neue"/>
+                          <a:ea typeface="Helvetica Neue"/>
+                          <a:cs typeface="Helvetica Neue"/>
+                          <a:sym typeface="Helvetica Neue"/>
+                        </a:rPr>
+                        <a:t>5250</a:t>
+                      </a:r>
+                    </a:p>
+                  </a:txBody>
+                  <a:tcPr marL="304800" marR="304800" marT="304800" marB="304800" anchor="t" anchorCtr="0" horzOverflow="overflow">
+                    <a:lnL w="6350">
+                      <a:solidFill>
+                        <a:srgbClr val="000000"/>
+                      </a:solidFill>
+                      <a:miter lim="400000"/>
+                    </a:lnL>
+                    <a:lnR w="6350">
+                      <a:solidFill>
+                        <a:srgbClr val="000000"/>
+                      </a:solidFill>
+                      <a:custDash>
+                        <a:ds d="200000" sp="200000"/>
+                      </a:custDash>
+                      <a:miter lim="400000"/>
+                    </a:lnR>
+                    <a:lnT w="6350">
+                      <a:solidFill>
+                        <a:srgbClr val="000000"/>
+                      </a:solidFill>
+                      <a:custDash>
+                        <a:ds d="200000" sp="200000"/>
+                      </a:custDash>
+                      <a:miter lim="400000"/>
+                    </a:lnT>
+                    <a:lnB w="6350">
+                      <a:solidFill>
+                        <a:srgbClr val="000000"/>
+                      </a:solidFill>
+                      <a:custDash>
+                        <a:ds d="200000" sp="200000"/>
+                      </a:custDash>
+                      <a:miter lim="400000"/>
+                    </a:lnB>
+                    <a:solidFill>
+                      <a:srgbClr val="E8E8E8"/>
+                    </a:solidFill>
+                  </a:tcPr>
+                </a:tc>
+                <a:tc>
+                  <a:txBody>
+                    <a:bodyPr/>
+                    <a:lstStyle/>
+                    <a:p>
+                      <a:pPr algn="r" defTabSz="457200">
+                        <a:defRPr sz="1800"/>
+                      </a:pPr>
+                      <a:r>
+                        <a:rPr>
+                          <a:latin typeface="Helvetica Neue"/>
+                          <a:ea typeface="Helvetica Neue"/>
+                          <a:cs typeface="Helvetica Neue"/>
+                          <a:sym typeface="Helvetica Neue"/>
+                        </a:rPr>
+                        <a:t>5,250万</a:t>
+                      </a:r>
+                    </a:p>
+                  </a:txBody>
+                  <a:tcPr marL="304800" marR="304800" marT="304800" marB="304800" anchor="t" anchorCtr="0" horzOverflow="overflow">
+                    <a:lnL w="6350">
+                      <a:solidFill>
+                        <a:srgbClr val="000000"/>
+                      </a:solidFill>
+                      <a:custDash>
+                        <a:ds d="200000" sp="200000"/>
+                      </a:custDash>
+                      <a:miter lim="400000"/>
+                    </a:lnL>
+                    <a:lnR w="6350">
+                      <a:solidFill>
+                        <a:srgbClr val="000000"/>
+                      </a:solidFill>
+                      <a:custDash>
+                        <a:ds d="200000" sp="200000"/>
+                      </a:custDash>
+                      <a:miter lim="400000"/>
+                    </a:lnR>
+                    <a:lnT w="6350">
+                      <a:solidFill>
+                        <a:srgbClr val="000000"/>
+                      </a:solidFill>
+                      <a:custDash>
+                        <a:ds d="200000" sp="200000"/>
+                      </a:custDash>
+                      <a:miter lim="400000"/>
+                    </a:lnT>
+                    <a:lnB w="6350">
+                      <a:solidFill>
+                        <a:srgbClr val="000000"/>
+                      </a:solidFill>
+                      <a:custDash>
+                        <a:ds d="200000" sp="200000"/>
+                      </a:custDash>
+                      <a:miter lim="400000"/>
+                    </a:lnB>
+                    <a:solidFill>
+                      <a:srgbClr val="E8E8E8"/>
+                    </a:solidFill>
+                  </a:tcPr>
+                </a:tc>
+                <a:tc>
+                  <a:txBody>
+                    <a:bodyPr/>
+                    <a:lstStyle/>
+                    <a:p>
+                      <a:pPr algn="r" defTabSz="457200">
+                        <a:defRPr sz="1800"/>
+                      </a:pPr>
+                      <a:r>
+                        <a:rPr>
+                          <a:latin typeface="Helvetica Neue"/>
+                          <a:ea typeface="Helvetica Neue"/>
+                          <a:cs typeface="Helvetica Neue"/>
+                          <a:sym typeface="Helvetica Neue"/>
+                        </a:rPr>
+                        <a:t>45,000万</a:t>
+                      </a:r>
+                    </a:p>
+                  </a:txBody>
+                  <a:tcPr marL="304800" marR="304800" marT="304800" marB="304800" anchor="t" anchorCtr="0" horzOverflow="overflow">
+                    <a:lnL w="6350">
+                      <a:solidFill>
+                        <a:srgbClr val="000000"/>
+                      </a:solidFill>
+                      <a:custDash>
+                        <a:ds d="200000" sp="200000"/>
+                      </a:custDash>
+                      <a:miter lim="400000"/>
+                    </a:lnL>
+                    <a:lnR w="6350">
+                      <a:solidFill>
+                        <a:srgbClr val="000000"/>
+                      </a:solidFill>
+                      <a:custDash>
+                        <a:ds d="200000" sp="200000"/>
+                      </a:custDash>
+                      <a:miter lim="400000"/>
+                    </a:lnR>
+                    <a:lnT w="6350">
+                      <a:solidFill>
+                        <a:srgbClr val="000000"/>
+                      </a:solidFill>
+                      <a:custDash>
+                        <a:ds d="200000" sp="200000"/>
+                      </a:custDash>
+                      <a:miter lim="400000"/>
+                    </a:lnT>
+                    <a:lnB w="6350">
+                      <a:solidFill>
+                        <a:srgbClr val="000000"/>
+                      </a:solidFill>
+                      <a:custDash>
+                        <a:ds d="200000" sp="200000"/>
+                      </a:custDash>
+                      <a:miter lim="400000"/>
+                    </a:lnB>
+                    <a:solidFill>
+                      <a:srgbClr val="E8E8E8"/>
+                    </a:solidFill>
+                  </a:tcPr>
+                </a:tc>
+                <a:tc>
+                  <a:txBody>
+                    <a:bodyPr/>
+                    <a:lstStyle/>
+                    <a:p>
+                      <a:pPr algn="r" defTabSz="457200">
+                        <a:defRPr sz="1800"/>
+                      </a:pPr>
+                      <a:r>
+                        <a:rPr>
+                          <a:latin typeface="Helvetica Neue"/>
+                          <a:ea typeface="Helvetica Neue"/>
+                          <a:cs typeface="Helvetica Neue"/>
+                          <a:sym typeface="Helvetica Neue"/>
+                        </a:rPr>
+                        <a:t>45%</a:t>
+                      </a:r>
+                    </a:p>
+                  </a:txBody>
+                  <a:tcPr marL="304800" marR="304800" marT="304800" marB="304800" anchor="t" anchorCtr="0" horzOverflow="overflow">
+                    <a:lnL w="6350">
+                      <a:solidFill>
+                        <a:srgbClr val="000000"/>
+                      </a:solidFill>
+                      <a:custDash>
+                        <a:ds d="200000" sp="200000"/>
+                      </a:custDash>
+                      <a:miter lim="400000"/>
+                    </a:lnL>
+                    <a:lnR w="6350">
+                      <a:solidFill>
+                        <a:srgbClr val="000000"/>
+                      </a:solidFill>
+                      <a:custDash>
+                        <a:ds d="200000" sp="200000"/>
+                      </a:custDash>
+                      <a:miter lim="400000"/>
+                    </a:lnR>
+                    <a:lnT w="6350">
+                      <a:solidFill>
+                        <a:srgbClr val="000000"/>
+                      </a:solidFill>
+                      <a:custDash>
+                        <a:ds d="200000" sp="200000"/>
+                      </a:custDash>
+                      <a:miter lim="400000"/>
+                    </a:lnT>
+                    <a:lnB w="6350">
+                      <a:solidFill>
+                        <a:srgbClr val="000000"/>
+                      </a:solidFill>
+                      <a:custDash>
+                        <a:ds d="200000" sp="200000"/>
+                      </a:custDash>
+                      <a:miter lim="400000"/>
+                    </a:lnB>
+                    <a:solidFill>
+                      <a:srgbClr val="E8E8E8"/>
+                    </a:solidFill>
+                  </a:tcPr>
+                </a:tc>
+                <a:tc>
+                  <a:txBody>
+                    <a:bodyPr/>
+                    <a:lstStyle/>
+                    <a:p>
+                      <a:pPr algn="r" defTabSz="457200">
+                        <a:defRPr sz="1800"/>
+                      </a:pPr>
+                      <a:r>
+                        <a:rPr>
+                          <a:latin typeface="Helvetica Neue"/>
+                          <a:ea typeface="Helvetica Neue"/>
+                          <a:cs typeface="Helvetica Neue"/>
+                          <a:sym typeface="Helvetica Neue"/>
+                        </a:rPr>
+                        <a:t>100,000万</a:t>
+                      </a:r>
+                    </a:p>
+                  </a:txBody>
+                  <a:tcPr marL="304800" marR="304800" marT="304800" marB="304800" anchor="t" anchorCtr="0" horzOverflow="overflow">
+                    <a:lnL w="6350">
+                      <a:solidFill>
+                        <a:srgbClr val="000000"/>
+                      </a:solidFill>
+                      <a:custDash>
+                        <a:ds d="200000" sp="200000"/>
+                      </a:custDash>
+                      <a:miter lim="400000"/>
+                    </a:lnL>
+                    <a:lnR w="6350">
+                      <a:solidFill>
+                        <a:srgbClr val="000000"/>
+                      </a:solidFill>
+                      <a:custDash>
+                        <a:ds d="200000" sp="200000"/>
+                      </a:custDash>
+                      <a:miter lim="400000"/>
+                    </a:lnR>
+                    <a:lnT w="6350">
+                      <a:solidFill>
+                        <a:srgbClr val="000000"/>
+                      </a:solidFill>
+                      <a:custDash>
+                        <a:ds d="200000" sp="200000"/>
+                      </a:custDash>
+                      <a:miter lim="400000"/>
+                    </a:lnT>
+                    <a:lnB w="6350">
+                      <a:solidFill>
+                        <a:srgbClr val="000000"/>
+                      </a:solidFill>
+                      <a:custDash>
+                        <a:ds d="200000" sp="200000"/>
+                      </a:custDash>
+                      <a:miter lim="400000"/>
+                    </a:lnB>
+                    <a:solidFill>
+                      <a:srgbClr val="E8E8E8"/>
+                    </a:solidFill>
+                  </a:tcPr>
+                </a:tc>
+                <a:tc>
+                  <a:txBody>
+                    <a:bodyPr/>
+                    <a:lstStyle/>
+                    <a:p>
+                      <a:pPr algn="r" defTabSz="457200">
+                        <a:defRPr sz="1800"/>
+                      </a:pPr>
+                      <a:r>
+                        <a:rPr>
+                          <a:latin typeface="Helvetica Neue"/>
+                          <a:ea typeface="Helvetica Neue"/>
+                          <a:cs typeface="Helvetica Neue"/>
+                          <a:sym typeface="Helvetica Neue"/>
+                        </a:rPr>
+                        <a:t>55,000万</a:t>
+                      </a:r>
+                    </a:p>
+                  </a:txBody>
+                  <a:tcPr marL="304800" marR="304800" marT="304800" marB="304800" anchor="t" anchorCtr="0" horzOverflow="overflow">
+                    <a:lnL w="6350">
+                      <a:solidFill>
+                        <a:srgbClr val="000000"/>
+                      </a:solidFill>
+                      <a:custDash>
+                        <a:ds d="200000" sp="200000"/>
+                      </a:custDash>
+                      <a:miter lim="400000"/>
+                    </a:lnL>
+                    <a:lnR w="6350">
+                      <a:solidFill>
+                        <a:srgbClr val="000000"/>
+                      </a:solidFill>
+                      <a:custDash>
+                        <a:ds d="200000" sp="200000"/>
+                      </a:custDash>
+                      <a:miter lim="400000"/>
+                    </a:lnR>
+                    <a:lnT w="6350">
+                      <a:solidFill>
+                        <a:srgbClr val="000000"/>
+                      </a:solidFill>
+                      <a:custDash>
+                        <a:ds d="200000" sp="200000"/>
+                      </a:custDash>
+                      <a:miter lim="400000"/>
+                    </a:lnT>
+                    <a:lnB w="6350">
+                      <a:solidFill>
+                        <a:srgbClr val="000000"/>
+                      </a:solidFill>
+                      <a:custDash>
+                        <a:ds d="200000" sp="200000"/>
+                      </a:custDash>
+                      <a:miter lim="400000"/>
+                    </a:lnB>
+                    <a:solidFill>
+                      <a:srgbClr val="E8E8E8"/>
+                    </a:solidFill>
+                  </a:tcPr>
+                </a:tc>
+                <a:tc>
+                  <a:txBody>
+                    <a:bodyPr/>
+                    <a:lstStyle/>
+                    <a:p>
+                      <a:pPr algn="r" defTabSz="457200">
+                        <a:defRPr sz="1800"/>
+                      </a:pPr>
+                      <a:r>
+                        <a:rPr>
+                          <a:latin typeface="Helvetica Neue"/>
+                          <a:ea typeface="Helvetica Neue"/>
+                          <a:cs typeface="Helvetica Neue"/>
+                          <a:sym typeface="Helvetica Neue"/>
+                        </a:rPr>
+                        <a:t>18万ETH</a:t>
+                      </a:r>
+                    </a:p>
+                  </a:txBody>
+                  <a:tcPr marL="304800" marR="304800" marT="304800" marB="304800" anchor="t" anchorCtr="0" horzOverflow="overflow">
+                    <a:lnL w="6350">
+                      <a:solidFill>
+                        <a:srgbClr val="000000"/>
+                      </a:solidFill>
+                      <a:custDash>
+                        <a:ds d="200000" sp="200000"/>
+                      </a:custDash>
+                      <a:miter lim="400000"/>
+                    </a:lnL>
+                    <a:lnR w="6350">
+                      <a:solidFill>
+                        <a:srgbClr val="000000"/>
+                      </a:solidFill>
+                      <a:custDash>
+                        <a:ds d="200000" sp="200000"/>
+                      </a:custDash>
+                      <a:miter lim="400000"/>
+                    </a:lnR>
+                    <a:lnT w="6350">
+                      <a:solidFill>
+                        <a:srgbClr val="000000"/>
+                      </a:solidFill>
+                      <a:custDash>
+                        <a:ds d="200000" sp="200000"/>
+                      </a:custDash>
+                      <a:miter lim="400000"/>
+                    </a:lnT>
+                    <a:lnB w="6350">
+                      <a:solidFill>
+                        <a:srgbClr val="000000"/>
+                      </a:solidFill>
+                      <a:custDash>
+                        <a:ds d="200000" sp="200000"/>
+                      </a:custDash>
+                      <a:miter lim="400000"/>
+                    </a:lnB>
+                    <a:solidFill>
+                      <a:srgbClr val="E8E8E8"/>
+                    </a:solidFill>
+                  </a:tcPr>
+                </a:tc>
+                <a:tc>
+                  <a:txBody>
+                    <a:bodyPr/>
+                    <a:lstStyle/>
+                    <a:p>
+                      <a:pPr algn="r" defTabSz="457200">
+                        <a:defRPr sz="1800"/>
+                      </a:pPr>
+                      <a:r>
+                        <a:rPr>
+                          <a:latin typeface="Helvetica Neue"/>
+                          <a:ea typeface="Helvetica Neue"/>
+                          <a:cs typeface="Helvetica Neue"/>
+                          <a:sym typeface="Helvetica Neue"/>
+                        </a:rPr>
+                        <a:t>4亿RMB</a:t>
+                      </a:r>
+                    </a:p>
+                  </a:txBody>
+                  <a:tcPr marL="304800" marR="304800" marT="304800" marB="304800" anchor="t" anchorCtr="0" horzOverflow="overflow">
+                    <a:lnL w="6350">
+                      <a:solidFill>
+                        <a:srgbClr val="000000"/>
+                      </a:solidFill>
+                      <a:custDash>
+                        <a:ds d="200000" sp="200000"/>
+                      </a:custDash>
+                      <a:miter lim="400000"/>
+                    </a:lnL>
+                    <a:lnR w="6350">
+                      <a:solidFill>
+                        <a:srgbClr val="000000"/>
+                      </a:solidFill>
+                      <a:custDash>
+                        <a:ds d="200000" sp="200000"/>
+                      </a:custDash>
+                      <a:miter lim="400000"/>
+                    </a:lnR>
+                    <a:lnT w="6350">
+                      <a:solidFill>
+                        <a:srgbClr val="000000"/>
+                      </a:solidFill>
+                      <a:custDash>
+                        <a:ds d="200000" sp="200000"/>
+                      </a:custDash>
+                      <a:miter lim="400000"/>
+                    </a:lnT>
+                    <a:lnB w="6350">
+                      <a:solidFill>
+                        <a:srgbClr val="000000"/>
+                      </a:solidFill>
+                      <a:custDash>
+                        <a:ds d="200000" sp="200000"/>
+                      </a:custDash>
+                      <a:miter lim="400000"/>
+                    </a:lnB>
+                    <a:solidFill>
+                      <a:srgbClr val="E8E8E8"/>
+                    </a:solidFill>
+                  </a:tcPr>
+                </a:tc>
+                <a:tc>
+                  <a:txBody>
+                    <a:bodyPr/>
+                    <a:lstStyle/>
+                    <a:p>
+                      <a:pPr algn="r" defTabSz="457200">
+                        <a:defRPr sz="1800"/>
+                      </a:pPr>
+                      <a:r>
+                        <a:rPr>
+                          <a:latin typeface="Helvetica Neue"/>
+                          <a:ea typeface="Helvetica Neue"/>
+                          <a:cs typeface="Helvetica Neue"/>
+                          <a:sym typeface="Helvetica Neue"/>
+                        </a:rPr>
+                        <a:t>0.44元RMB</a:t>
+                      </a:r>
+                    </a:p>
+                  </a:txBody>
+                  <a:tcPr marL="304800" marR="304800" marT="304800" marB="304800" anchor="t" anchorCtr="0" horzOverflow="overflow">
+                    <a:lnL w="6350">
+                      <a:solidFill>
+                        <a:srgbClr val="000000"/>
+                      </a:solidFill>
+                      <a:custDash>
+                        <a:ds d="200000" sp="200000"/>
+                      </a:custDash>
+                      <a:miter lim="400000"/>
+                    </a:lnL>
+                    <a:lnR w="3175">
+                      <a:solidFill>
+                        <a:srgbClr val="000000"/>
+                      </a:solidFill>
+                      <a:miter lim="400000"/>
+                    </a:lnR>
+                    <a:lnT w="6350">
+                      <a:solidFill>
+                        <a:srgbClr val="000000"/>
+                      </a:solidFill>
+                      <a:custDash>
+                        <a:ds d="200000" sp="200000"/>
+                      </a:custDash>
+                      <a:miter lim="400000"/>
+                    </a:lnT>
+                    <a:lnB w="6350">
+                      <a:solidFill>
+                        <a:srgbClr val="000000"/>
+                      </a:solidFill>
+                      <a:custDash>
+                        <a:ds d="200000" sp="200000"/>
+                      </a:custDash>
+                      <a:miter lim="400000"/>
+                    </a:lnB>
+                    <a:solidFill>
+                      <a:srgbClr val="E8E8E8"/>
+                    </a:solidFill>
+                  </a:tcPr>
+                </a:tc>
+              </a:tr>
+              <a:tr h="745211">
+                <a:tc>
+                  <a:txBody>
+                    <a:bodyPr/>
+                    <a:lstStyle/>
+                    <a:p>
+                      <a:pPr algn="l" defTabSz="457200">
+                        <a:defRPr sz="1800"/>
+                      </a:pPr>
+                      <a:r>
+                        <a:rPr b="1">
+                          <a:solidFill>
+                            <a:srgbClr val="FFFFFF"/>
+                          </a:solidFill>
+                          <a:latin typeface="Helvetica Neue"/>
+                          <a:ea typeface="Helvetica Neue"/>
+                          <a:cs typeface="Helvetica Neue"/>
+                          <a:sym typeface="Helvetica Neue"/>
+                        </a:rPr>
+                        <a:t>8万ETH 到</a:t>
+                      </a:r>
+                    </a:p>
+                  </a:txBody>
+                  <a:tcPr marL="304800" marR="304800" marT="304800" marB="304800" anchor="t" anchorCtr="0" horzOverflow="overflow">
+                    <a:lnL w="3175">
+                      <a:solidFill>
+                        <a:srgbClr val="000000"/>
+                      </a:solidFill>
+                      <a:miter lim="400000"/>
+                    </a:lnL>
+                    <a:lnR w="3175">
+                      <a:solidFill>
+                        <a:srgbClr val="000000"/>
+                      </a:solidFill>
+                      <a:miter lim="400000"/>
+                    </a:lnR>
+                    <a:lnT w="3175">
+                      <a:solidFill>
+                        <a:srgbClr val="000000"/>
+                      </a:solidFill>
+                      <a:miter lim="400000"/>
+                    </a:lnT>
+                    <a:lnB w="3175">
+                      <a:solidFill>
+                        <a:srgbClr val="000000"/>
+                      </a:solidFill>
+                      <a:miter lim="400000"/>
+                    </a:lnB>
+                    <a:solidFill>
+                      <a:srgbClr val="004D80"/>
+                    </a:solidFill>
+                  </a:tcPr>
+                </a:tc>
+                <a:tc>
+                  <a:txBody>
+                    <a:bodyPr/>
+                    <a:lstStyle/>
+                    <a:p>
+                      <a:pPr algn="r" defTabSz="457200">
+                        <a:defRPr sz="1800"/>
+                      </a:pPr>
+                      <a:r>
+                        <a:rPr b="1">
+                          <a:solidFill>
+                            <a:srgbClr val="FFFFFF"/>
+                          </a:solidFill>
+                          <a:latin typeface="Helvetica Neue"/>
+                          <a:ea typeface="Helvetica Neue"/>
+                          <a:cs typeface="Helvetica Neue"/>
+                          <a:sym typeface="Helvetica Neue"/>
+                        </a:rPr>
+                        <a:t>9万ETH</a:t>
+                      </a:r>
+                    </a:p>
+                  </a:txBody>
+                  <a:tcPr marL="304800" marR="304800" marT="304800" marB="304800" anchor="t" anchorCtr="0" horzOverflow="overflow">
+                    <a:lnL w="3175">
+                      <a:solidFill>
+                        <a:srgbClr val="000000"/>
+                      </a:solidFill>
+                      <a:miter lim="400000"/>
+                    </a:lnL>
+                    <a:lnR w="6350">
+                      <a:solidFill>
+                        <a:srgbClr val="000000"/>
+                      </a:solidFill>
+                      <a:miter lim="400000"/>
+                    </a:lnR>
+                    <a:lnT w="3175">
+                      <a:solidFill>
+                        <a:srgbClr val="000000"/>
+                      </a:solidFill>
+                      <a:miter lim="400000"/>
+                    </a:lnT>
+                    <a:lnB w="3175">
+                      <a:solidFill>
+                        <a:srgbClr val="000000"/>
+                      </a:solidFill>
+                      <a:miter lim="400000"/>
+                    </a:lnB>
+                    <a:solidFill>
+                      <a:srgbClr val="004D80"/>
+                    </a:solidFill>
+                  </a:tcPr>
+                </a:tc>
+                <a:tc>
+                  <a:txBody>
+                    <a:bodyPr/>
+                    <a:lstStyle/>
+                    <a:p>
+                      <a:pPr algn="r" defTabSz="457200">
+                        <a:defRPr sz="1800"/>
+                      </a:pPr>
+                      <a:r>
+                        <a:rPr>
+                          <a:latin typeface="Helvetica Neue"/>
+                          <a:ea typeface="Helvetica Neue"/>
+                          <a:cs typeface="Helvetica Neue"/>
+                          <a:sym typeface="Helvetica Neue"/>
+                        </a:rPr>
+                        <a:t>5000</a:t>
+                      </a:r>
+                    </a:p>
+                  </a:txBody>
+                  <a:tcPr marL="304800" marR="304800" marT="304800" marB="304800" anchor="t" anchorCtr="0" horzOverflow="overflow">
+                    <a:lnL w="6350">
+                      <a:solidFill>
+                        <a:srgbClr val="000000"/>
+                      </a:solidFill>
+                      <a:miter lim="400000"/>
+                    </a:lnL>
+                    <a:lnR w="6350">
+                      <a:solidFill>
+                        <a:srgbClr val="000000"/>
+                      </a:solidFill>
+                      <a:custDash>
+                        <a:ds d="200000" sp="200000"/>
+                      </a:custDash>
+                      <a:miter lim="400000"/>
+                    </a:lnR>
+                    <a:lnT w="6350">
+                      <a:solidFill>
+                        <a:srgbClr val="000000"/>
+                      </a:solidFill>
+                      <a:custDash>
+                        <a:ds d="200000" sp="200000"/>
+                      </a:custDash>
+                      <a:miter lim="400000"/>
+                    </a:lnT>
+                    <a:lnB w="6350">
+                      <a:solidFill>
+                        <a:srgbClr val="000000"/>
+                      </a:solidFill>
+                      <a:custDash>
+                        <a:ds d="200000" sp="200000"/>
+                      </a:custDash>
+                      <a:miter lim="400000"/>
+                    </a:lnB>
+                    <a:noFill/>
+                  </a:tcPr>
+                </a:tc>
+                <a:tc>
+                  <a:txBody>
+                    <a:bodyPr/>
+                    <a:lstStyle/>
+                    <a:p>
+                      <a:pPr algn="r" defTabSz="457200">
+                        <a:defRPr sz="1800"/>
+                      </a:pPr>
+                      <a:r>
+                        <a:rPr>
+                          <a:latin typeface="Helvetica Neue"/>
+                          <a:ea typeface="Helvetica Neue"/>
+                          <a:cs typeface="Helvetica Neue"/>
+                          <a:sym typeface="Helvetica Neue"/>
+                        </a:rPr>
+                        <a:t>5,000万</a:t>
+                      </a:r>
+                    </a:p>
+                  </a:txBody>
+                  <a:tcPr marL="304800" marR="304800" marT="304800" marB="304800" anchor="t" anchorCtr="0" horzOverflow="overflow">
+                    <a:lnL w="6350">
+                      <a:solidFill>
+                        <a:srgbClr val="000000"/>
+                      </a:solidFill>
+                      <a:custDash>
+                        <a:ds d="200000" sp="200000"/>
+                      </a:custDash>
+                      <a:miter lim="400000"/>
+                    </a:lnL>
+                    <a:lnR w="6350">
+                      <a:solidFill>
+                        <a:srgbClr val="000000"/>
+                      </a:solidFill>
+                      <a:custDash>
+                        <a:ds d="200000" sp="200000"/>
+                      </a:custDash>
+                      <a:miter lim="400000"/>
+                    </a:lnR>
+                    <a:lnT w="6350">
+                      <a:solidFill>
+                        <a:srgbClr val="000000"/>
+                      </a:solidFill>
+                      <a:custDash>
+                        <a:ds d="200000" sp="200000"/>
+                      </a:custDash>
+                      <a:miter lim="400000"/>
+                    </a:lnT>
+                    <a:lnB w="6350">
+                      <a:solidFill>
+                        <a:srgbClr val="000000"/>
+                      </a:solidFill>
+                      <a:custDash>
+                        <a:ds d="200000" sp="200000"/>
+                      </a:custDash>
+                      <a:miter lim="400000"/>
+                    </a:lnB>
+                    <a:noFill/>
+                  </a:tcPr>
+                </a:tc>
+                <a:tc>
+                  <a:txBody>
+                    <a:bodyPr/>
+                    <a:lstStyle/>
+                    <a:p>
+                      <a:pPr algn="r" defTabSz="457200">
+                        <a:defRPr sz="1800"/>
+                      </a:pPr>
+                      <a:r>
+                        <a:rPr>
+                          <a:latin typeface="Helvetica Neue"/>
+                          <a:ea typeface="Helvetica Neue"/>
+                          <a:cs typeface="Helvetica Neue"/>
+                          <a:sym typeface="Helvetica Neue"/>
+                        </a:rPr>
+                        <a:t>50,000万</a:t>
+                      </a:r>
+                    </a:p>
+                  </a:txBody>
+                  <a:tcPr marL="304800" marR="304800" marT="304800" marB="304800" anchor="t" anchorCtr="0" horzOverflow="overflow">
+                    <a:lnL w="6350">
+                      <a:solidFill>
+                        <a:srgbClr val="000000"/>
+                      </a:solidFill>
+                      <a:custDash>
+                        <a:ds d="200000" sp="200000"/>
+                      </a:custDash>
+                      <a:miter lim="400000"/>
+                    </a:lnL>
+                    <a:lnR w="6350">
+                      <a:solidFill>
+                        <a:srgbClr val="000000"/>
+                      </a:solidFill>
+                      <a:custDash>
+                        <a:ds d="200000" sp="200000"/>
+                      </a:custDash>
+                      <a:miter lim="400000"/>
+                    </a:lnR>
+                    <a:lnT w="6350">
+                      <a:solidFill>
+                        <a:srgbClr val="000000"/>
+                      </a:solidFill>
+                      <a:custDash>
+                        <a:ds d="200000" sp="200000"/>
+                      </a:custDash>
+                      <a:miter lim="400000"/>
+                    </a:lnT>
+                    <a:lnB w="6350">
+                      <a:solidFill>
+                        <a:srgbClr val="000000"/>
+                      </a:solidFill>
+                      <a:custDash>
+                        <a:ds d="200000" sp="200000"/>
+                      </a:custDash>
+                      <a:miter lim="400000"/>
+                    </a:lnB>
+                    <a:noFill/>
+                  </a:tcPr>
+                </a:tc>
+                <a:tc>
+                  <a:txBody>
+                    <a:bodyPr/>
+                    <a:lstStyle/>
+                    <a:p>
+                      <a:pPr algn="r" defTabSz="457200">
+                        <a:defRPr sz="1800"/>
+                      </a:pPr>
+                      <a:r>
+                        <a:rPr>
+                          <a:latin typeface="Helvetica Neue"/>
+                          <a:ea typeface="Helvetica Neue"/>
+                          <a:cs typeface="Helvetica Neue"/>
+                          <a:sym typeface="Helvetica Neue"/>
+                        </a:rPr>
+                        <a:t>47.5%</a:t>
+                      </a:r>
+                    </a:p>
+                  </a:txBody>
+                  <a:tcPr marL="304800" marR="304800" marT="304800" marB="304800" anchor="t" anchorCtr="0" horzOverflow="overflow">
+                    <a:lnL w="6350">
+                      <a:solidFill>
+                        <a:srgbClr val="000000"/>
+                      </a:solidFill>
+                      <a:custDash>
+                        <a:ds d="200000" sp="200000"/>
+                      </a:custDash>
+                      <a:miter lim="400000"/>
+                    </a:lnL>
+                    <a:lnR w="6350">
+                      <a:solidFill>
+                        <a:srgbClr val="000000"/>
+                      </a:solidFill>
+                      <a:custDash>
+                        <a:ds d="200000" sp="200000"/>
+                      </a:custDash>
+                      <a:miter lim="400000"/>
+                    </a:lnR>
+                    <a:lnT w="6350">
+                      <a:solidFill>
+                        <a:srgbClr val="000000"/>
+                      </a:solidFill>
+                      <a:custDash>
+                        <a:ds d="200000" sp="200000"/>
+                      </a:custDash>
+                      <a:miter lim="400000"/>
+                    </a:lnT>
+                    <a:lnB w="6350">
+                      <a:solidFill>
+                        <a:srgbClr val="000000"/>
+                      </a:solidFill>
+                      <a:custDash>
+                        <a:ds d="200000" sp="200000"/>
+                      </a:custDash>
+                      <a:miter lim="400000"/>
+                    </a:lnB>
+                    <a:noFill/>
+                  </a:tcPr>
+                </a:tc>
+                <a:tc>
+                  <a:txBody>
+                    <a:bodyPr/>
+                    <a:lstStyle/>
+                    <a:p>
+                      <a:pPr algn="r" defTabSz="457200">
+                        <a:defRPr sz="1800"/>
+                      </a:pPr>
+                      <a:r>
+                        <a:rPr>
+                          <a:latin typeface="Helvetica Neue"/>
+                          <a:ea typeface="Helvetica Neue"/>
+                          <a:cs typeface="Helvetica Neue"/>
+                          <a:sym typeface="Helvetica Neue"/>
+                        </a:rPr>
+                        <a:t>105,263万</a:t>
+                      </a:r>
+                    </a:p>
+                  </a:txBody>
+                  <a:tcPr marL="304800" marR="304800" marT="304800" marB="304800" anchor="t" anchorCtr="0" horzOverflow="overflow">
+                    <a:lnL w="6350">
+                      <a:solidFill>
+                        <a:srgbClr val="000000"/>
+                      </a:solidFill>
+                      <a:custDash>
+                        <a:ds d="200000" sp="200000"/>
+                      </a:custDash>
+                      <a:miter lim="400000"/>
+                    </a:lnL>
+                    <a:lnR w="6350">
+                      <a:solidFill>
+                        <a:srgbClr val="000000"/>
+                      </a:solidFill>
+                      <a:custDash>
+                        <a:ds d="200000" sp="200000"/>
+                      </a:custDash>
+                      <a:miter lim="400000"/>
+                    </a:lnR>
+                    <a:lnT w="6350">
+                      <a:solidFill>
+                        <a:srgbClr val="000000"/>
+                      </a:solidFill>
+                      <a:custDash>
+                        <a:ds d="200000" sp="200000"/>
+                      </a:custDash>
+                      <a:miter lim="400000"/>
+                    </a:lnT>
+                    <a:lnB w="6350">
+                      <a:solidFill>
+                        <a:srgbClr val="000000"/>
+                      </a:solidFill>
+                      <a:custDash>
+                        <a:ds d="200000" sp="200000"/>
+                      </a:custDash>
+                      <a:miter lim="400000"/>
+                    </a:lnB>
+                    <a:noFill/>
+                  </a:tcPr>
+                </a:tc>
+                <a:tc>
+                  <a:txBody>
+                    <a:bodyPr/>
+                    <a:lstStyle/>
+                    <a:p>
+                      <a:pPr algn="r" defTabSz="457200">
+                        <a:defRPr sz="1800"/>
+                      </a:pPr>
+                      <a:r>
+                        <a:rPr>
+                          <a:latin typeface="Helvetica Neue"/>
+                          <a:ea typeface="Helvetica Neue"/>
+                          <a:cs typeface="Helvetica Neue"/>
+                          <a:sym typeface="Helvetica Neue"/>
+                        </a:rPr>
+                        <a:t>55,263万</a:t>
+                      </a:r>
+                    </a:p>
+                  </a:txBody>
+                  <a:tcPr marL="304800" marR="304800" marT="304800" marB="304800" anchor="t" anchorCtr="0" horzOverflow="overflow">
+                    <a:lnL w="6350">
+                      <a:solidFill>
+                        <a:srgbClr val="000000"/>
+                      </a:solidFill>
+                      <a:custDash>
+                        <a:ds d="200000" sp="200000"/>
+                      </a:custDash>
+                      <a:miter lim="400000"/>
+                    </a:lnL>
+                    <a:lnR w="6350">
+                      <a:solidFill>
+                        <a:srgbClr val="000000"/>
+                      </a:solidFill>
+                      <a:custDash>
+                        <a:ds d="200000" sp="200000"/>
+                      </a:custDash>
+                      <a:miter lim="400000"/>
+                    </a:lnR>
+                    <a:lnT w="6350">
+                      <a:solidFill>
+                        <a:srgbClr val="000000"/>
+                      </a:solidFill>
+                      <a:custDash>
+                        <a:ds d="200000" sp="200000"/>
+                      </a:custDash>
+                      <a:miter lim="400000"/>
+                    </a:lnT>
+                    <a:lnB w="6350">
+                      <a:solidFill>
+                        <a:srgbClr val="000000"/>
+                      </a:solidFill>
+                      <a:custDash>
+                        <a:ds d="200000" sp="200000"/>
+                      </a:custDash>
+                      <a:miter lim="400000"/>
+                    </a:lnB>
+                    <a:noFill/>
+                  </a:tcPr>
+                </a:tc>
+                <a:tc>
+                  <a:txBody>
+                    <a:bodyPr/>
+                    <a:lstStyle/>
+                    <a:p>
+                      <a:pPr algn="r" defTabSz="457200">
+                        <a:defRPr sz="1800"/>
+                      </a:pPr>
+                      <a:r>
+                        <a:rPr>
+                          <a:latin typeface="Helvetica Neue"/>
+                          <a:ea typeface="Helvetica Neue"/>
+                          <a:cs typeface="Helvetica Neue"/>
+                          <a:sym typeface="Helvetica Neue"/>
+                        </a:rPr>
+                        <a:t>19万ETH</a:t>
+                      </a:r>
+                    </a:p>
+                  </a:txBody>
+                  <a:tcPr marL="304800" marR="304800" marT="304800" marB="304800" anchor="t" anchorCtr="0" horzOverflow="overflow">
+                    <a:lnL w="6350">
+                      <a:solidFill>
+                        <a:srgbClr val="000000"/>
+                      </a:solidFill>
+                      <a:custDash>
+                        <a:ds d="200000" sp="200000"/>
+                      </a:custDash>
+                      <a:miter lim="400000"/>
+                    </a:lnL>
+                    <a:lnR w="6350">
+                      <a:solidFill>
+                        <a:srgbClr val="000000"/>
+                      </a:solidFill>
+                      <a:custDash>
+                        <a:ds d="200000" sp="200000"/>
+                      </a:custDash>
+                      <a:miter lim="400000"/>
+                    </a:lnR>
+                    <a:lnT w="6350">
+                      <a:solidFill>
+                        <a:srgbClr val="000000"/>
+                      </a:solidFill>
+                      <a:custDash>
+                        <a:ds d="200000" sp="200000"/>
+                      </a:custDash>
+                      <a:miter lim="400000"/>
+                    </a:lnT>
+                    <a:lnB w="6350">
+                      <a:solidFill>
+                        <a:srgbClr val="000000"/>
+                      </a:solidFill>
+                      <a:custDash>
+                        <a:ds d="200000" sp="200000"/>
+                      </a:custDash>
+                      <a:miter lim="400000"/>
+                    </a:lnB>
+                    <a:noFill/>
+                  </a:tcPr>
+                </a:tc>
+                <a:tc>
+                  <a:txBody>
+                    <a:bodyPr/>
+                    <a:lstStyle/>
+                    <a:p>
+                      <a:pPr algn="r" defTabSz="457200">
+                        <a:defRPr sz="1800"/>
+                      </a:pPr>
+                      <a:r>
+                        <a:rPr>
+                          <a:latin typeface="Helvetica Neue"/>
+                          <a:ea typeface="Helvetica Neue"/>
+                          <a:cs typeface="Helvetica Neue"/>
+                          <a:sym typeface="Helvetica Neue"/>
+                        </a:rPr>
+                        <a:t>5亿RMB</a:t>
+                      </a:r>
+                    </a:p>
+                  </a:txBody>
+                  <a:tcPr marL="304800" marR="304800" marT="304800" marB="304800" anchor="t" anchorCtr="0" horzOverflow="overflow">
+                    <a:lnL w="6350">
+                      <a:solidFill>
+                        <a:srgbClr val="000000"/>
+                      </a:solidFill>
+                      <a:custDash>
+                        <a:ds d="200000" sp="200000"/>
+                      </a:custDash>
+                      <a:miter lim="400000"/>
+                    </a:lnL>
+                    <a:lnR w="6350">
+                      <a:solidFill>
+                        <a:srgbClr val="000000"/>
+                      </a:solidFill>
+                      <a:custDash>
+                        <a:ds d="200000" sp="200000"/>
+                      </a:custDash>
+                      <a:miter lim="400000"/>
+                    </a:lnR>
+                    <a:lnT w="6350">
+                      <a:solidFill>
+                        <a:srgbClr val="000000"/>
+                      </a:solidFill>
+                      <a:custDash>
+                        <a:ds d="200000" sp="200000"/>
+                      </a:custDash>
+                      <a:miter lim="400000"/>
+                    </a:lnT>
+                    <a:lnB w="6350">
+                      <a:solidFill>
+                        <a:srgbClr val="000000"/>
+                      </a:solidFill>
+                      <a:custDash>
+                        <a:ds d="200000" sp="200000"/>
+                      </a:custDash>
+                      <a:miter lim="400000"/>
+                    </a:lnB>
+                    <a:noFill/>
+                  </a:tcPr>
+                </a:tc>
+                <a:tc>
+                  <a:txBody>
+                    <a:bodyPr/>
+                    <a:lstStyle/>
+                    <a:p>
+                      <a:pPr algn="r" defTabSz="457200">
+                        <a:defRPr sz="1800"/>
+                      </a:pPr>
+                      <a:r>
+                        <a:rPr>
+                          <a:latin typeface="Helvetica Neue"/>
+                          <a:ea typeface="Helvetica Neue"/>
+                          <a:cs typeface="Helvetica Neue"/>
+                          <a:sym typeface="Helvetica Neue"/>
                         </a:rPr>
                         <a:t>0.45元RMB</a:t>
                       </a:r>
                     </a:p>
                   </a:txBody>
-                  <a:tcPr marL="50800" marR="50800" marT="50800" marB="50800" anchor="t" anchorCtr="0" horzOverflow="overflow">
+                  <a:tcPr marL="304800" marR="304800" marT="304800" marB="304800" anchor="t" anchorCtr="0" horzOverflow="overflow">
                     <a:lnL w="6350">
                       <a:solidFill>
                         <a:srgbClr val="000000"/>
@@ -16208,13 +18603,638 @@
                       </a:custDash>
                       <a:miter lim="400000"/>
                     </a:lnT>
-                    <a:lnB w="3175">
-                      <a:solidFill>
-                        <a:srgbClr val="000000"/>
-                      </a:solidFill>
+                    <a:lnB w="6350">
+                      <a:solidFill>
+                        <a:srgbClr val="000000"/>
+                      </a:solidFill>
+                      <a:custDash>
+                        <a:ds d="200000" sp="200000"/>
+                      </a:custDash>
                       <a:miter lim="400000"/>
                     </a:lnB>
                     <a:noFill/>
+                  </a:tcPr>
+                </a:tc>
+              </a:tr>
+              <a:tr h="741071">
+                <a:tc>
+                  <a:txBody>
+                    <a:bodyPr/>
+                    <a:lstStyle/>
+                    <a:p>
+                      <a:pPr algn="l" defTabSz="457200">
+                        <a:defRPr sz="1800"/>
+                      </a:pPr>
+                      <a:r>
+                        <a:rPr b="1">
+                          <a:solidFill>
+                            <a:srgbClr val="FFFFFF"/>
+                          </a:solidFill>
+                          <a:latin typeface="Helvetica Neue"/>
+                          <a:ea typeface="Helvetica Neue"/>
+                          <a:cs typeface="Helvetica Neue"/>
+                          <a:sym typeface="Helvetica Neue"/>
+                        </a:rPr>
+                        <a:t>9万ETH 到</a:t>
+                      </a:r>
+                    </a:p>
+                  </a:txBody>
+                  <a:tcPr marL="304800" marR="304800" marT="304800" marB="304800" anchor="t" anchorCtr="0" horzOverflow="overflow">
+                    <a:lnL w="3175">
+                      <a:solidFill>
+                        <a:srgbClr val="000000"/>
+                      </a:solidFill>
+                      <a:miter lim="400000"/>
+                    </a:lnL>
+                    <a:lnR w="3175">
+                      <a:solidFill>
+                        <a:srgbClr val="000000"/>
+                      </a:solidFill>
+                      <a:miter lim="400000"/>
+                    </a:lnR>
+                    <a:lnT w="3175">
+                      <a:solidFill>
+                        <a:srgbClr val="000000"/>
+                      </a:solidFill>
+                      <a:miter lim="400000"/>
+                    </a:lnT>
+                    <a:lnB w="3175">
+                      <a:solidFill>
+                        <a:srgbClr val="000000"/>
+                      </a:solidFill>
+                      <a:miter lim="400000"/>
+                    </a:lnB>
+                    <a:solidFill>
+                      <a:srgbClr val="004D80"/>
+                    </a:solidFill>
+                  </a:tcPr>
+                </a:tc>
+                <a:tc>
+                  <a:txBody>
+                    <a:bodyPr/>
+                    <a:lstStyle/>
+                    <a:p>
+                      <a:pPr algn="r" defTabSz="457200">
+                        <a:defRPr sz="1800"/>
+                      </a:pPr>
+                      <a:r>
+                        <a:rPr b="1">
+                          <a:solidFill>
+                            <a:srgbClr val="FFFFFF"/>
+                          </a:solidFill>
+                          <a:latin typeface="Helvetica Neue"/>
+                          <a:ea typeface="Helvetica Neue"/>
+                          <a:cs typeface="Helvetica Neue"/>
+                          <a:sym typeface="Helvetica Neue"/>
+                        </a:rPr>
+                        <a:t>10万ETH</a:t>
+                      </a:r>
+                    </a:p>
+                  </a:txBody>
+                  <a:tcPr marL="304800" marR="304800" marT="304800" marB="304800" anchor="t" anchorCtr="0" horzOverflow="overflow">
+                    <a:lnL w="3175">
+                      <a:solidFill>
+                        <a:srgbClr val="000000"/>
+                      </a:solidFill>
+                      <a:miter lim="400000"/>
+                    </a:lnL>
+                    <a:lnR w="6350">
+                      <a:solidFill>
+                        <a:srgbClr val="000000"/>
+                      </a:solidFill>
+                      <a:miter lim="400000"/>
+                    </a:lnR>
+                    <a:lnT w="3175">
+                      <a:solidFill>
+                        <a:srgbClr val="000000"/>
+                      </a:solidFill>
+                      <a:miter lim="400000"/>
+                    </a:lnT>
+                    <a:lnB w="3175">
+                      <a:solidFill>
+                        <a:srgbClr val="000000"/>
+                      </a:solidFill>
+                      <a:miter lim="400000"/>
+                    </a:lnB>
+                    <a:solidFill>
+                      <a:srgbClr val="004D80"/>
+                    </a:solidFill>
+                  </a:tcPr>
+                </a:tc>
+                <a:tc>
+                  <a:txBody>
+                    <a:bodyPr/>
+                    <a:lstStyle/>
+                    <a:p>
+                      <a:pPr algn="r" defTabSz="457200">
+                        <a:defRPr sz="1800"/>
+                      </a:pPr>
+                      <a:r>
+                        <a:rPr>
+                          <a:latin typeface="Helvetica Neue"/>
+                          <a:ea typeface="Helvetica Neue"/>
+                          <a:cs typeface="Helvetica Neue"/>
+                          <a:sym typeface="Helvetica Neue"/>
+                        </a:rPr>
+                        <a:t>5000</a:t>
+                      </a:r>
+                    </a:p>
+                  </a:txBody>
+                  <a:tcPr marL="304800" marR="304800" marT="304800" marB="304800" anchor="t" anchorCtr="0" horzOverflow="overflow">
+                    <a:lnL w="6350">
+                      <a:solidFill>
+                        <a:srgbClr val="000000"/>
+                      </a:solidFill>
+                      <a:miter lim="400000"/>
+                    </a:lnL>
+                    <a:lnR w="6350">
+                      <a:solidFill>
+                        <a:srgbClr val="000000"/>
+                      </a:solidFill>
+                      <a:custDash>
+                        <a:ds d="200000" sp="200000"/>
+                      </a:custDash>
+                      <a:miter lim="400000"/>
+                    </a:lnR>
+                    <a:lnT w="6350">
+                      <a:solidFill>
+                        <a:srgbClr val="000000"/>
+                      </a:solidFill>
+                      <a:custDash>
+                        <a:ds d="200000" sp="200000"/>
+                      </a:custDash>
+                      <a:miter lim="400000"/>
+                    </a:lnT>
+                    <a:lnB w="3175">
+                      <a:solidFill>
+                        <a:srgbClr val="000000"/>
+                      </a:solidFill>
+                      <a:miter lim="400000"/>
+                    </a:lnB>
+                    <a:solidFill>
+                      <a:srgbClr val="E8E8E8"/>
+                    </a:solidFill>
+                  </a:tcPr>
+                </a:tc>
+                <a:tc>
+                  <a:txBody>
+                    <a:bodyPr/>
+                    <a:lstStyle/>
+                    <a:p>
+                      <a:pPr algn="r" defTabSz="457200">
+                        <a:defRPr sz="1800"/>
+                      </a:pPr>
+                      <a:r>
+                        <a:rPr>
+                          <a:latin typeface="Helvetica Neue"/>
+                          <a:ea typeface="Helvetica Neue"/>
+                          <a:cs typeface="Helvetica Neue"/>
+                          <a:sym typeface="Helvetica Neue"/>
+                        </a:rPr>
+                        <a:t>5,000万</a:t>
+                      </a:r>
+                    </a:p>
+                  </a:txBody>
+                  <a:tcPr marL="304800" marR="304800" marT="304800" marB="304800" anchor="t" anchorCtr="0" horzOverflow="overflow">
+                    <a:lnL w="6350">
+                      <a:solidFill>
+                        <a:srgbClr val="000000"/>
+                      </a:solidFill>
+                      <a:custDash>
+                        <a:ds d="200000" sp="200000"/>
+                      </a:custDash>
+                      <a:miter lim="400000"/>
+                    </a:lnL>
+                    <a:lnR w="6350">
+                      <a:solidFill>
+                        <a:srgbClr val="000000"/>
+                      </a:solidFill>
+                      <a:custDash>
+                        <a:ds d="200000" sp="200000"/>
+                      </a:custDash>
+                      <a:miter lim="400000"/>
+                    </a:lnR>
+                    <a:lnT w="6350">
+                      <a:solidFill>
+                        <a:srgbClr val="000000"/>
+                      </a:solidFill>
+                      <a:custDash>
+                        <a:ds d="200000" sp="200000"/>
+                      </a:custDash>
+                      <a:miter lim="400000"/>
+                    </a:lnT>
+                    <a:lnB w="3175">
+                      <a:solidFill>
+                        <a:srgbClr val="000000"/>
+                      </a:solidFill>
+                      <a:miter lim="400000"/>
+                    </a:lnB>
+                    <a:solidFill>
+                      <a:srgbClr val="E8E8E8"/>
+                    </a:solidFill>
+                  </a:tcPr>
+                </a:tc>
+                <a:tc>
+                  <a:txBody>
+                    <a:bodyPr/>
+                    <a:lstStyle/>
+                    <a:p>
+                      <a:pPr algn="r" defTabSz="457200">
+                        <a:defRPr sz="1800"/>
+                      </a:pPr>
+                      <a:r>
+                        <a:rPr>
+                          <a:latin typeface="Helvetica Neue"/>
+                          <a:ea typeface="Helvetica Neue"/>
+                          <a:cs typeface="Helvetica Neue"/>
+                          <a:sym typeface="Helvetica Neue"/>
+                        </a:rPr>
+                        <a:t>55,000万</a:t>
+                      </a:r>
+                    </a:p>
+                  </a:txBody>
+                  <a:tcPr marL="304800" marR="304800" marT="304800" marB="304800" anchor="t" anchorCtr="0" horzOverflow="overflow">
+                    <a:lnL w="6350">
+                      <a:solidFill>
+                        <a:srgbClr val="000000"/>
+                      </a:solidFill>
+                      <a:custDash>
+                        <a:ds d="200000" sp="200000"/>
+                      </a:custDash>
+                      <a:miter lim="400000"/>
+                    </a:lnL>
+                    <a:lnR w="6350">
+                      <a:solidFill>
+                        <a:srgbClr val="000000"/>
+                      </a:solidFill>
+                      <a:custDash>
+                        <a:ds d="200000" sp="200000"/>
+                      </a:custDash>
+                      <a:miter lim="400000"/>
+                    </a:lnR>
+                    <a:lnT w="6350">
+                      <a:solidFill>
+                        <a:srgbClr val="000000"/>
+                      </a:solidFill>
+                      <a:custDash>
+                        <a:ds d="200000" sp="200000"/>
+                      </a:custDash>
+                      <a:miter lim="400000"/>
+                    </a:lnT>
+                    <a:lnB w="3175">
+                      <a:solidFill>
+                        <a:srgbClr val="000000"/>
+                      </a:solidFill>
+                      <a:miter lim="400000"/>
+                    </a:lnB>
+                    <a:solidFill>
+                      <a:srgbClr val="E8E8E8"/>
+                    </a:solidFill>
+                  </a:tcPr>
+                </a:tc>
+                <a:tc>
+                  <a:txBody>
+                    <a:bodyPr/>
+                    <a:lstStyle/>
+                    <a:p>
+                      <a:pPr algn="r" defTabSz="457200">
+                        <a:defRPr sz="1800"/>
+                      </a:pPr>
+                      <a:r>
+                        <a:rPr>
+                          <a:latin typeface="Helvetica Neue"/>
+                          <a:ea typeface="Helvetica Neue"/>
+                          <a:cs typeface="Helvetica Neue"/>
+                          <a:sym typeface="Helvetica Neue"/>
+                        </a:rPr>
+                        <a:t>50%</a:t>
+                      </a:r>
+                    </a:p>
+                  </a:txBody>
+                  <a:tcPr marL="304800" marR="304800" marT="304800" marB="304800" anchor="t" anchorCtr="0" horzOverflow="overflow">
+                    <a:lnL w="6350">
+                      <a:solidFill>
+                        <a:srgbClr val="000000"/>
+                      </a:solidFill>
+                      <a:custDash>
+                        <a:ds d="200000" sp="200000"/>
+                      </a:custDash>
+                      <a:miter lim="400000"/>
+                    </a:lnL>
+                    <a:lnR w="6350">
+                      <a:solidFill>
+                        <a:srgbClr val="000000"/>
+                      </a:solidFill>
+                      <a:custDash>
+                        <a:ds d="200000" sp="200000"/>
+                      </a:custDash>
+                      <a:miter lim="400000"/>
+                    </a:lnR>
+                    <a:lnT w="6350">
+                      <a:solidFill>
+                        <a:srgbClr val="000000"/>
+                      </a:solidFill>
+                      <a:custDash>
+                        <a:ds d="200000" sp="200000"/>
+                      </a:custDash>
+                      <a:miter lim="400000"/>
+                    </a:lnT>
+                    <a:lnB w="3175">
+                      <a:solidFill>
+                        <a:srgbClr val="000000"/>
+                      </a:solidFill>
+                      <a:miter lim="400000"/>
+                    </a:lnB>
+                    <a:solidFill>
+                      <a:srgbClr val="E8E8E8"/>
+                    </a:solidFill>
+                  </a:tcPr>
+                </a:tc>
+                <a:tc>
+                  <a:txBody>
+                    <a:bodyPr/>
+                    <a:lstStyle/>
+                    <a:p>
+                      <a:pPr algn="r" defTabSz="457200">
+                        <a:defRPr sz="1800"/>
+                      </a:pPr>
+                      <a:r>
+                        <a:rPr>
+                          <a:latin typeface="Helvetica Neue"/>
+                          <a:ea typeface="Helvetica Neue"/>
+                          <a:cs typeface="Helvetica Neue"/>
+                          <a:sym typeface="Helvetica Neue"/>
+                        </a:rPr>
+                        <a:t>110,000万</a:t>
+                      </a:r>
+                    </a:p>
+                  </a:txBody>
+                  <a:tcPr marL="304800" marR="304800" marT="304800" marB="304800" anchor="t" anchorCtr="0" horzOverflow="overflow">
+                    <a:lnL w="6350">
+                      <a:solidFill>
+                        <a:srgbClr val="000000"/>
+                      </a:solidFill>
+                      <a:custDash>
+                        <a:ds d="200000" sp="200000"/>
+                      </a:custDash>
+                      <a:miter lim="400000"/>
+                    </a:lnL>
+                    <a:lnR w="6350">
+                      <a:solidFill>
+                        <a:srgbClr val="000000"/>
+                      </a:solidFill>
+                      <a:custDash>
+                        <a:ds d="200000" sp="200000"/>
+                      </a:custDash>
+                      <a:miter lim="400000"/>
+                    </a:lnR>
+                    <a:lnT w="6350">
+                      <a:solidFill>
+                        <a:srgbClr val="000000"/>
+                      </a:solidFill>
+                      <a:custDash>
+                        <a:ds d="200000" sp="200000"/>
+                      </a:custDash>
+                      <a:miter lim="400000"/>
+                    </a:lnT>
+                    <a:lnB w="3175">
+                      <a:solidFill>
+                        <a:srgbClr val="000000"/>
+                      </a:solidFill>
+                      <a:miter lim="400000"/>
+                    </a:lnB>
+                    <a:solidFill>
+                      <a:srgbClr val="E8E8E8"/>
+                    </a:solidFill>
+                  </a:tcPr>
+                </a:tc>
+                <a:tc>
+                  <a:txBody>
+                    <a:bodyPr/>
+                    <a:lstStyle/>
+                    <a:p>
+                      <a:pPr algn="r" defTabSz="457200">
+                        <a:defRPr sz="1800"/>
+                      </a:pPr>
+                      <a:r>
+                        <a:rPr>
+                          <a:latin typeface="Helvetica Neue"/>
+                          <a:ea typeface="Helvetica Neue"/>
+                          <a:cs typeface="Helvetica Neue"/>
+                          <a:sym typeface="Helvetica Neue"/>
+                        </a:rPr>
+                        <a:t>55,000万</a:t>
+                      </a:r>
+                    </a:p>
+                  </a:txBody>
+                  <a:tcPr marL="304800" marR="304800" marT="304800" marB="304800" anchor="t" anchorCtr="0" horzOverflow="overflow">
+                    <a:lnL w="6350">
+                      <a:solidFill>
+                        <a:srgbClr val="000000"/>
+                      </a:solidFill>
+                      <a:custDash>
+                        <a:ds d="200000" sp="200000"/>
+                      </a:custDash>
+                      <a:miter lim="400000"/>
+                    </a:lnL>
+                    <a:lnR w="6350">
+                      <a:solidFill>
+                        <a:srgbClr val="000000"/>
+                      </a:solidFill>
+                      <a:custDash>
+                        <a:ds d="200000" sp="200000"/>
+                      </a:custDash>
+                      <a:miter lim="400000"/>
+                    </a:lnR>
+                    <a:lnT w="6350">
+                      <a:solidFill>
+                        <a:srgbClr val="000000"/>
+                      </a:solidFill>
+                      <a:custDash>
+                        <a:ds d="200000" sp="200000"/>
+                      </a:custDash>
+                      <a:miter lim="400000"/>
+                    </a:lnT>
+                    <a:lnB w="3175">
+                      <a:solidFill>
+                        <a:srgbClr val="000000"/>
+                      </a:solidFill>
+                      <a:miter lim="400000"/>
+                    </a:lnB>
+                    <a:solidFill>
+                      <a:srgbClr val="E8E8E8"/>
+                    </a:solidFill>
+                  </a:tcPr>
+                </a:tc>
+                <a:tc>
+                  <a:txBody>
+                    <a:bodyPr/>
+                    <a:lstStyle/>
+                    <a:p>
+                      <a:pPr algn="r" defTabSz="457200">
+                        <a:defRPr sz="1800"/>
+                      </a:pPr>
+                      <a:r>
+                        <a:rPr>
+                          <a:latin typeface="Helvetica Neue"/>
+                          <a:ea typeface="Helvetica Neue"/>
+                          <a:cs typeface="Helvetica Neue"/>
+                          <a:sym typeface="Helvetica Neue"/>
+                        </a:rPr>
+                        <a:t>20万ETH</a:t>
+                      </a:r>
+                    </a:p>
+                  </a:txBody>
+                  <a:tcPr marL="304800" marR="304800" marT="304800" marB="304800" anchor="t" anchorCtr="0" horzOverflow="overflow">
+                    <a:lnL w="6350">
+                      <a:solidFill>
+                        <a:srgbClr val="000000"/>
+                      </a:solidFill>
+                      <a:custDash>
+                        <a:ds d="200000" sp="200000"/>
+                      </a:custDash>
+                      <a:miter lim="400000"/>
+                    </a:lnL>
+                    <a:lnR w="6350">
+                      <a:solidFill>
+                        <a:srgbClr val="000000"/>
+                      </a:solidFill>
+                      <a:custDash>
+                        <a:ds d="200000" sp="200000"/>
+                      </a:custDash>
+                      <a:miter lim="400000"/>
+                    </a:lnR>
+                    <a:lnT w="6350">
+                      <a:solidFill>
+                        <a:srgbClr val="000000"/>
+                      </a:solidFill>
+                      <a:custDash>
+                        <a:ds d="200000" sp="200000"/>
+                      </a:custDash>
+                      <a:miter lim="400000"/>
+                    </a:lnT>
+                    <a:lnB w="3175">
+                      <a:solidFill>
+                        <a:srgbClr val="000000"/>
+                      </a:solidFill>
+                      <a:miter lim="400000"/>
+                    </a:lnB>
+                    <a:solidFill>
+                      <a:srgbClr val="E8E8E8"/>
+                    </a:solidFill>
+                  </a:tcPr>
+                </a:tc>
+                <a:tc>
+                  <a:txBody>
+                    <a:bodyPr/>
+                    <a:lstStyle/>
+                    <a:p>
+                      <a:pPr algn="r" defTabSz="457200">
+                        <a:defRPr sz="1800"/>
+                      </a:pPr>
+                      <a:r>
+                        <a:rPr>
+                          <a:latin typeface="Helvetica Neue"/>
+                          <a:ea typeface="Helvetica Neue"/>
+                          <a:cs typeface="Helvetica Neue"/>
+                          <a:sym typeface="Helvetica Neue"/>
+                        </a:rPr>
+                        <a:t>5亿RMB</a:t>
+                      </a:r>
+                    </a:p>
+                  </a:txBody>
+                  <a:tcPr marL="304800" marR="304800" marT="304800" marB="304800" anchor="t" anchorCtr="0" horzOverflow="overflow">
+                    <a:lnL w="6350">
+                      <a:solidFill>
+                        <a:srgbClr val="000000"/>
+                      </a:solidFill>
+                      <a:custDash>
+                        <a:ds d="200000" sp="200000"/>
+                      </a:custDash>
+                      <a:miter lim="400000"/>
+                    </a:lnL>
+                    <a:lnR w="6350">
+                      <a:solidFill>
+                        <a:srgbClr val="000000"/>
+                      </a:solidFill>
+                      <a:custDash>
+                        <a:ds d="200000" sp="200000"/>
+                      </a:custDash>
+                      <a:miter lim="400000"/>
+                    </a:lnR>
+                    <a:lnT w="6350">
+                      <a:solidFill>
+                        <a:srgbClr val="000000"/>
+                      </a:solidFill>
+                      <a:custDash>
+                        <a:ds d="200000" sp="200000"/>
+                      </a:custDash>
+                      <a:miter lim="400000"/>
+                    </a:lnT>
+                    <a:lnB w="3175">
+                      <a:solidFill>
+                        <a:srgbClr val="000000"/>
+                      </a:solidFill>
+                      <a:miter lim="400000"/>
+                    </a:lnB>
+                    <a:solidFill>
+                      <a:srgbClr val="E8E8E8"/>
+                    </a:solidFill>
+                  </a:tcPr>
+                </a:tc>
+                <a:tc>
+                  <a:txBody>
+                    <a:bodyPr/>
+                    <a:lstStyle/>
+                    <a:p>
+                      <a:pPr algn="r" defTabSz="457200">
+                        <a:defRPr sz="1800"/>
+                      </a:pPr>
+                      <a:r>
+                        <a:rPr>
+                          <a:latin typeface="Helvetica Neue"/>
+                          <a:ea typeface="Helvetica Neue"/>
+                          <a:cs typeface="Helvetica Neue"/>
+                          <a:sym typeface="Helvetica Neue"/>
+                        </a:rPr>
+                        <a:t>0.45元RMB</a:t>
+                      </a:r>
+                    </a:p>
+                  </a:txBody>
+                  <a:tcPr marL="304800" marR="304800" marT="304800" marB="304800" anchor="t" anchorCtr="0" horzOverflow="overflow">
+                    <a:lnL w="6350">
+                      <a:solidFill>
+                        <a:srgbClr val="000000"/>
+                      </a:solidFill>
+                      <a:custDash>
+                        <a:ds d="200000" sp="200000"/>
+                      </a:custDash>
+                      <a:miter lim="400000"/>
+                    </a:lnL>
+                    <a:lnR w="3175">
+                      <a:solidFill>
+                        <a:srgbClr val="000000"/>
+                      </a:solidFill>
+                      <a:miter lim="400000"/>
+                    </a:lnR>
+                    <a:lnT w="6350">
+                      <a:solidFill>
+                        <a:srgbClr val="000000"/>
+                      </a:solidFill>
+                      <a:custDash>
+                        <a:ds d="200000" sp="200000"/>
+                      </a:custDash>
+                      <a:miter lim="400000"/>
+                    </a:lnT>
+                    <a:lnB w="3175">
+                      <a:solidFill>
+                        <a:srgbClr val="000000"/>
+                      </a:solidFill>
+                      <a:miter lim="400000"/>
+                    </a:lnB>
+                    <a:solidFill>
+                      <a:srgbClr val="E8E8E8"/>
+                    </a:solidFill>
                   </a:tcPr>
                 </a:tc>
               </a:tr>
@@ -16245,6 +19265,16 @@
 <file path=ppt/slides/slide22.xml><?xml version="1.0" encoding="utf-8"?>
 <p:sld xmlns:a="http://schemas.openxmlformats.org/drawingml/2006/main" xmlns:r="http://schemas.openxmlformats.org/officeDocument/2006/relationships" xmlns:p="http://schemas.openxmlformats.org/presentationml/2006/main" showMasterSp="1" showMasterPhAnim="1">
   <p:cSld>
+    <p:bg>
+      <p:bgPr>
+        <a:solidFill>
+          <a:schemeClr val="accent1">
+            <a:satOff val="-3355"/>
+            <a:lumOff val="26614"/>
+          </a:schemeClr>
+        </a:solidFill>
+      </p:bgPr>
+    </p:bg>
     <p:spTree>
       <p:nvGrpSpPr>
         <p:cNvPr id="1" name=""/>
@@ -16261,7 +19291,7 @@
       </p:grpSpPr>
       <p:sp>
         <p:nvSpPr>
-          <p:cNvPr id="340" name="ICO"/>
+          <p:cNvPr id="341" name="ICO"/>
           <p:cNvSpPr txBox="1"/>
           <p:nvPr/>
         </p:nvSpPr>
@@ -16306,7 +19336,7 @@
       </p:sp>
       <p:sp>
         <p:nvSpPr>
-          <p:cNvPr id="341" name="24-Hour Trade Volume…"/>
+          <p:cNvPr id="342" name="24-Hour Trade Volume…"/>
           <p:cNvSpPr txBox="1"/>
           <p:nvPr/>
         </p:nvSpPr>
@@ -16362,7 +19392,7 @@
       </p:sp>
       <p:sp>
         <p:nvSpPr>
-          <p:cNvPr id="342" name="$5B"/>
+          <p:cNvPr id="343" name="$5B"/>
           <p:cNvSpPr txBox="1"/>
           <p:nvPr/>
         </p:nvSpPr>
@@ -16407,7 +19437,7 @@
       </p:sp>
       <p:sp>
         <p:nvSpPr>
-          <p:cNvPr id="343" name="2017/08/01 - 2017/08/07"/>
+          <p:cNvPr id="344" name="2017/08/01 - 2017/08/30"/>
           <p:cNvSpPr txBox="1"/>
           <p:nvPr/>
         </p:nvSpPr>
@@ -16448,14 +19478,14 @@
           <a:p>
             <a:pPr/>
             <a:r>
-              <a:t>2017/08/01 - 2017/08/07</a:t>
+              <a:t>2017/08/01 - 2017/08/30</a:t>
             </a:r>
           </a:p>
         </p:txBody>
       </p:sp>
       <p:grpSp>
         <p:nvGrpSpPr>
-          <p:cNvPr id="346" name="成组"/>
+          <p:cNvPr id="347" name="成组"/>
           <p:cNvGrpSpPr/>
           <p:nvPr/>
         </p:nvGrpSpPr>
@@ -16469,7 +19499,7 @@
         </p:grpSpPr>
         <p:sp>
           <p:nvSpPr>
-            <p:cNvPr id="344" name="1. 众筹基于以太坊智能合约"/>
+            <p:cNvPr id="345" name="1. 众筹基于以太坊智能合约"/>
             <p:cNvSpPr txBox="1"/>
             <p:nvPr/>
           </p:nvSpPr>
@@ -16520,7 +19550,7 @@
         </p:sp>
         <p:sp>
           <p:nvSpPr>
-            <p:cNvPr id="345" name="所有参与众筹的ETH都需要通过普通以太坊转账，转到智能合约地址。如果阶段凑满，未能成功参与ICO的ETH会被立即打回到原来的账号。"/>
+            <p:cNvPr id="346" name="所有参与众筹的ETH都需要通过普通以太坊转账，转到智能合约地址。如果阶段凑满，未能成功参与ICO的ETH会被立即打回到原来的账号。"/>
             <p:cNvSpPr txBox="1"/>
             <p:nvPr/>
           </p:nvSpPr>
@@ -16572,7 +19602,7 @@
       </p:grpSp>
       <p:grpSp>
         <p:nvGrpSpPr>
-          <p:cNvPr id="349" name="成组"/>
+          <p:cNvPr id="350" name="成组"/>
           <p:cNvGrpSpPr/>
           <p:nvPr/>
         </p:nvGrpSpPr>
@@ -16586,7 +19616,7 @@
         </p:grpSpPr>
         <p:sp>
           <p:nvSpPr>
-            <p:cNvPr id="347" name="2. LRC使用ERC20标准"/>
+            <p:cNvPr id="348" name="2. LRC使用ERC20标准"/>
             <p:cNvSpPr txBox="1"/>
             <p:nvPr/>
           </p:nvSpPr>
@@ -16637,7 +19667,7 @@
         </p:sp>
         <p:sp>
           <p:nvSpPr>
-            <p:cNvPr id="348" name="我们的代币LRC符合ERC20标准，并且所有出售的代币在ETH入账时实时发行并转账给用户的ETH地址。切记不要通过交易所直接体现ETH到我们ICO的众筹地址。你的代币有可能会丢失，我们不承担任何这方面的责任，也不会提供技术支持。"/>
+            <p:cNvPr id="349" name="我们的代币LRC符合ERC20标准，并且所有出售的代币在ETH入账时实时发行并转账给用户的ETH地址。切记不要通过交易所直接体现ETH到我们ICO的众筹地址。你的代币有可能会丢失，我们不承担任何这方面的责任，也不会提供技术支持。"/>
             <p:cNvSpPr txBox="1"/>
             <p:nvPr/>
           </p:nvSpPr>
@@ -16705,7 +19735,7 @@
       </p:grpSp>
       <p:grpSp>
         <p:nvGrpSpPr>
-          <p:cNvPr id="352" name="成组"/>
+          <p:cNvPr id="353" name="成组"/>
           <p:cNvGrpSpPr/>
           <p:nvPr/>
         </p:nvGrpSpPr>
@@ -16719,7 +19749,7 @@
         </p:grpSpPr>
         <p:sp>
           <p:nvSpPr>
-            <p:cNvPr id="350" name="3. 不鼓励，也不限制代币交易"/>
+            <p:cNvPr id="351" name="3. 不鼓励，也不限制代币交易"/>
             <p:cNvSpPr txBox="1"/>
             <p:nvPr/>
           </p:nvSpPr>
@@ -16770,7 +19800,7 @@
         </p:sp>
         <p:sp>
           <p:nvSpPr>
-            <p:cNvPr id="351" name="得到LRC后，如果有交易所支持，代币可以自由交易。我们对此不做限制，但也不鼓励。当我们的项目上线后，可以通过Loopring的去中心化交易机制，将代币卖成任何以太坊上面的其它代币（包括ETH）。"/>
+            <p:cNvPr id="352" name="得到LRC后，如果有交易所支持，代币可以自由交易。我们对此不做限制，但也不鼓励。当我们的项目上线后，可以通过Loopring的去中心化交易机制，将代币卖成任何以太坊上面的其它代币（包括ETH）。"/>
             <p:cNvSpPr txBox="1"/>
             <p:nvPr/>
           </p:nvSpPr>
@@ -16870,7 +19900,7 @@
                                       <p:cBhvr>
                                         <p:cTn id="6" fill="hold"/>
                                         <p:tgtEl>
-                                          <p:spTgt spid="349"/>
+                                          <p:spTgt spid="350"/>
                                         </p:tgtEl>
                                         <p:attrNameLst>
                                           <p:attrName>style.visibility</p:attrName>
@@ -16884,7 +19914,7 @@
                                       <p:cBhvr>
                                         <p:cTn id="7" dur="1000"/>
                                         <p:tgtEl>
-                                          <p:spTgt spid="349"/>
+                                          <p:spTgt spid="350"/>
                                         </p:tgtEl>
                                       </p:cBhvr>
                                     </p:animEffect>
@@ -16922,7 +19952,7 @@
                                       <p:cBhvr>
                                         <p:cTn id="11" fill="hold"/>
                                         <p:tgtEl>
-                                          <p:spTgt spid="352"/>
+                                          <p:spTgt spid="353"/>
                                         </p:tgtEl>
                                         <p:attrNameLst>
                                           <p:attrName>style.visibility</p:attrName>
@@ -16936,7 +19966,7 @@
                                       <p:cBhvr>
                                         <p:cTn id="12" dur="1000"/>
                                         <p:tgtEl>
-                                          <p:spTgt spid="352"/>
+                                          <p:spTgt spid="353"/>
                                         </p:tgtEl>
                                       </p:cBhvr>
                                     </p:animEffect>
@@ -16971,8 +20001,8 @@
       </p:par>
     </p:tnLst>
     <p:bldLst>
-      <p:bldP build="whole" bldLvl="1" animBg="1" rev="0" advAuto="0" spid="349" grpId="1"/>
-      <p:bldP build="whole" bldLvl="1" animBg="1" rev="0" advAuto="0" spid="352" grpId="2"/>
+      <p:bldP build="whole" bldLvl="1" animBg="1" rev="0" advAuto="0" spid="350" grpId="1"/>
+      <p:bldP build="whole" bldLvl="1" animBg="1" rev="0" advAuto="0" spid="353" grpId="2"/>
     </p:bldLst>
   </p:timing>
 </p:sld>
@@ -16981,6 +20011,16 @@
 <file path=ppt/slides/slide23.xml><?xml version="1.0" encoding="utf-8"?>
 <p:sld xmlns:a="http://schemas.openxmlformats.org/drawingml/2006/main" xmlns:r="http://schemas.openxmlformats.org/officeDocument/2006/relationships" xmlns:p="http://schemas.openxmlformats.org/presentationml/2006/main" showMasterSp="1" showMasterPhAnim="1">
   <p:cSld>
+    <p:bg>
+      <p:bgPr>
+        <a:solidFill>
+          <a:schemeClr val="accent1">
+            <a:satOff val="-3355"/>
+            <a:lumOff val="26614"/>
+          </a:schemeClr>
+        </a:solidFill>
+      </p:bgPr>
+    </p:bg>
     <p:spTree>
       <p:nvGrpSpPr>
         <p:cNvPr id="1" name=""/>
@@ -16997,7 +20037,7 @@
       </p:grpSpPr>
       <p:sp>
         <p:nvSpPr>
-          <p:cNvPr id="354" name="24-Hour Trade Volume…"/>
+          <p:cNvPr id="355" name="24-Hour Trade Volume…"/>
           <p:cNvSpPr txBox="1"/>
           <p:nvPr/>
         </p:nvSpPr>
@@ -17053,7 +20093,7 @@
       </p:sp>
       <p:sp>
         <p:nvSpPr>
-          <p:cNvPr id="355" name="$5B"/>
+          <p:cNvPr id="356" name="$5B"/>
           <p:cNvSpPr txBox="1"/>
           <p:nvPr/>
         </p:nvSpPr>
@@ -17098,7 +20138,7 @@
       </p:sp>
       <p:sp>
         <p:nvSpPr>
-          <p:cNvPr id="356" name="详情请参考：https://loopring.org"/>
+          <p:cNvPr id="357" name="详情请参考：https://loopring.org"/>
           <p:cNvSpPr txBox="1"/>
           <p:nvPr/>
         </p:nvSpPr>
@@ -17171,6 +20211,16 @@
 <file path=ppt/slides/slide3.xml><?xml version="1.0" encoding="utf-8"?>
 <p:sld xmlns:a="http://schemas.openxmlformats.org/drawingml/2006/main" xmlns:r="http://schemas.openxmlformats.org/officeDocument/2006/relationships" xmlns:p="http://schemas.openxmlformats.org/presentationml/2006/main" showMasterSp="1" showMasterPhAnim="1">
   <p:cSld>
+    <p:bg>
+      <p:bgPr>
+        <a:solidFill>
+          <a:schemeClr val="accent1">
+            <a:satOff val="-3355"/>
+            <a:lumOff val="26614"/>
+          </a:schemeClr>
+        </a:solidFill>
+      </p:bgPr>
+    </p:bg>
     <p:spTree>
       <p:nvGrpSpPr>
         <p:cNvPr id="1" name=""/>
@@ -17187,7 +20237,7 @@
       </p:grpSpPr>
       <p:sp>
         <p:nvSpPr>
-          <p:cNvPr id="129" name="公有链代币总市值"/>
+          <p:cNvPr id="130" name="公有链代币总市值"/>
           <p:cNvSpPr txBox="1"/>
           <p:nvPr/>
         </p:nvSpPr>
@@ -17232,7 +20282,7 @@
       </p:sp>
       <p:sp>
         <p:nvSpPr>
-          <p:cNvPr id="130" name="1090亿美金"/>
+          <p:cNvPr id="131" name="1090亿美金"/>
           <p:cNvSpPr txBox="1"/>
           <p:nvPr/>
         </p:nvSpPr>
@@ -17277,7 +20327,7 @@
       </p:sp>
       <p:sp>
         <p:nvSpPr>
-          <p:cNvPr id="131" name="同比增长830%↑"/>
+          <p:cNvPr id="132" name="同比增长830%↑"/>
           <p:cNvSpPr txBox="1"/>
           <p:nvPr/>
         </p:nvSpPr>
@@ -17325,7 +20375,7 @@
       </p:sp>
       <p:sp>
         <p:nvSpPr>
-          <p:cNvPr id="132" name="24小时全球交易额"/>
+          <p:cNvPr id="133" name="24小时全球交易额"/>
           <p:cNvSpPr txBox="1"/>
           <p:nvPr/>
         </p:nvSpPr>
@@ -17370,7 +20420,7 @@
       </p:sp>
       <p:sp>
         <p:nvSpPr>
-          <p:cNvPr id="133" name="50亿美金"/>
+          <p:cNvPr id="134" name="50亿美金"/>
           <p:cNvSpPr txBox="1"/>
           <p:nvPr/>
         </p:nvSpPr>
@@ -17415,7 +20465,7 @@
       </p:sp>
       <p:sp>
         <p:nvSpPr>
-          <p:cNvPr id="134" name="同比增长1250%↑"/>
+          <p:cNvPr id="135" name="同比增长1250%↑"/>
           <p:cNvSpPr txBox="1"/>
           <p:nvPr/>
         </p:nvSpPr>
@@ -17511,7 +20561,7 @@
                                       <p:cBhvr>
                                         <p:cTn id="6" fill="hold"/>
                                         <p:tgtEl>
-                                          <p:spTgt spid="134"/>
+                                          <p:spTgt spid="135"/>
                                         </p:tgtEl>
                                         <p:attrNameLst>
                                           <p:attrName>style.visibility</p:attrName>
@@ -17525,7 +20575,7 @@
                                       <p:cBhvr>
                                         <p:cTn id="7" dur="750" fill="hold"/>
                                         <p:tgtEl>
-                                          <p:spTgt spid="134"/>
+                                          <p:spTgt spid="135"/>
                                         </p:tgtEl>
                                         <p:attrNameLst>
                                           <p:attrName>ppt_w</p:attrName>
@@ -17548,7 +20598,7 @@
                                       <p:cBhvr>
                                         <p:cTn id="8" dur="750" fill="hold"/>
                                         <p:tgtEl>
-                                          <p:spTgt spid="134"/>
+                                          <p:spTgt spid="135"/>
                                         </p:tgtEl>
                                         <p:attrNameLst>
                                           <p:attrName>ppt_h</p:attrName>
@@ -17598,7 +20648,7 @@
       </p:par>
     </p:tnLst>
     <p:bldLst>
-      <p:bldP build="whole" bldLvl="1" animBg="1" rev="0" advAuto="0" spid="134" grpId="1"/>
+      <p:bldP build="whole" bldLvl="1" animBg="1" rev="0" advAuto="0" spid="135" grpId="1"/>
     </p:bldLst>
   </p:timing>
 </p:sld>
@@ -17607,6 +20657,16 @@
 <file path=ppt/slides/slide4.xml><?xml version="1.0" encoding="utf-8"?>
 <p:sld xmlns:a="http://schemas.openxmlformats.org/drawingml/2006/main" xmlns:r="http://schemas.openxmlformats.org/officeDocument/2006/relationships" xmlns:p="http://schemas.openxmlformats.org/presentationml/2006/main" showMasterSp="1" showMasterPhAnim="1">
   <p:cSld>
+    <p:bg>
+      <p:bgPr>
+        <a:solidFill>
+          <a:schemeClr val="accent1">
+            <a:satOff val="-3355"/>
+            <a:lumOff val="26614"/>
+          </a:schemeClr>
+        </a:solidFill>
+      </p:bgPr>
+    </p:bg>
     <p:spTree>
       <p:nvGrpSpPr>
         <p:cNvPr id="1" name=""/>
@@ -17623,7 +20683,7 @@
       </p:grpSpPr>
       <p:sp>
         <p:nvSpPr>
-          <p:cNvPr id="136" name="Cryptocurrency Market Cap…"/>
+          <p:cNvPr id="137" name="Cryptocurrency Market Cap…"/>
           <p:cNvSpPr txBox="1"/>
           <p:nvPr/>
         </p:nvSpPr>
@@ -17679,7 +20739,7 @@
       </p:sp>
       <p:sp>
         <p:nvSpPr>
-          <p:cNvPr id="137" name="$109B"/>
+          <p:cNvPr id="138" name="$109B"/>
           <p:cNvSpPr txBox="1"/>
           <p:nvPr/>
         </p:nvSpPr>
@@ -17724,7 +20784,7 @@
       </p:sp>
       <p:sp>
         <p:nvSpPr>
-          <p:cNvPr id="138" name="Poloniex…"/>
+          <p:cNvPr id="139" name="Poloniex…"/>
           <p:cNvSpPr txBox="1"/>
           <p:nvPr/>
         </p:nvSpPr>
@@ -18024,7 +21084,7 @@
       </p:sp>
       <p:sp>
         <p:nvSpPr>
-          <p:cNvPr id="139" name="中心化交易所"/>
+          <p:cNvPr id="140" name="中心化交易所"/>
           <p:cNvSpPr txBox="1"/>
           <p:nvPr/>
         </p:nvSpPr>
@@ -18064,7 +21124,7 @@
       </p:sp>
       <p:sp>
         <p:nvSpPr>
-          <p:cNvPr id="140" name="问题#1: 用户资产需要托管…"/>
+          <p:cNvPr id="141" name="问题#1: 用户资产需要托管…"/>
           <p:cNvSpPr/>
           <p:nvPr/>
         </p:nvSpPr>
@@ -18127,7 +21187,7 @@
       </p:sp>
       <p:sp>
         <p:nvSpPr>
-          <p:cNvPr id="141" name="24小时全球交易额"/>
+          <p:cNvPr id="142" name="24小时全球交易额"/>
           <p:cNvSpPr txBox="1"/>
           <p:nvPr/>
         </p:nvSpPr>
@@ -18172,7 +21232,7 @@
       </p:sp>
       <p:sp>
         <p:nvSpPr>
-          <p:cNvPr id="142" name="50亿美金"/>
+          <p:cNvPr id="143" name="50亿美金"/>
           <p:cNvSpPr txBox="1"/>
           <p:nvPr/>
         </p:nvSpPr>
@@ -18217,7 +21277,7 @@
       </p:sp>
       <p:sp>
         <p:nvSpPr>
-          <p:cNvPr id="143" name="同比增长1250%↑"/>
+          <p:cNvPr id="144" name="同比增长1250%↑"/>
           <p:cNvSpPr txBox="1"/>
           <p:nvPr/>
         </p:nvSpPr>
@@ -18313,7 +21373,7 @@
                                       <p:cBhvr>
                                         <p:cTn id="6" fill="hold"/>
                                         <p:tgtEl>
-                                          <p:spTgt spid="139"/>
+                                          <p:spTgt spid="140"/>
                                         </p:tgtEl>
                                         <p:attrNameLst>
                                           <p:attrName>style.visibility</p:attrName>
@@ -18327,7 +21387,7 @@
                                       <p:cBhvr>
                                         <p:cTn id="7" dur="1000"/>
                                         <p:tgtEl>
-                                          <p:spTgt spid="139"/>
+                                          <p:spTgt spid="140"/>
                                         </p:tgtEl>
                                       </p:cBhvr>
                                     </p:animEffect>
@@ -18362,7 +21422,7 @@
       </p:par>
     </p:tnLst>
     <p:bldLst>
-      <p:bldP build="whole" bldLvl="1" animBg="1" rev="0" advAuto="0" spid="139" grpId="1"/>
+      <p:bldP build="whole" bldLvl="1" animBg="1" rev="0" advAuto="0" spid="140" grpId="1"/>
     </p:bldLst>
   </p:timing>
 </p:sld>
@@ -18394,7 +21454,7 @@
       </p:grpSpPr>
       <p:sp>
         <p:nvSpPr>
-          <p:cNvPr id="145" name="24-Hour Trade Volume…"/>
+          <p:cNvPr id="146" name="24-Hour Trade Volume…"/>
           <p:cNvSpPr txBox="1"/>
           <p:nvPr/>
         </p:nvSpPr>
@@ -18460,7 +21520,7 @@
       </p:sp>
       <p:sp>
         <p:nvSpPr>
-          <p:cNvPr id="146" name="$5B"/>
+          <p:cNvPr id="147" name="$5B"/>
           <p:cNvSpPr txBox="1"/>
           <p:nvPr/>
         </p:nvSpPr>
@@ -18510,7 +21570,7 @@
       </p:sp>
       <p:sp>
         <p:nvSpPr>
-          <p:cNvPr id="147" name="Poloniex…"/>
+          <p:cNvPr id="148" name="Poloniex…"/>
           <p:cNvSpPr txBox="1"/>
           <p:nvPr/>
         </p:nvSpPr>
@@ -18840,7 +21900,7 @@
       </p:sp>
       <p:sp>
         <p:nvSpPr>
-          <p:cNvPr id="148" name="问题#1: 用户资产需要托管…"/>
+          <p:cNvPr id="149" name="问题#1: 用户资产需要托管…"/>
           <p:cNvSpPr/>
           <p:nvPr/>
         </p:nvSpPr>
@@ -18903,7 +21963,7 @@
       </p:sp>
       <p:sp>
         <p:nvSpPr>
-          <p:cNvPr id="149" name="问题#2: 交易所内幕交易…"/>
+          <p:cNvPr id="150" name="问题#2: 交易所内幕交易…"/>
           <p:cNvSpPr/>
           <p:nvPr/>
         </p:nvSpPr>
@@ -18966,7 +22026,7 @@
       </p:sp>
       <p:sp>
         <p:nvSpPr>
-          <p:cNvPr id="150" name="中心化交易所"/>
+          <p:cNvPr id="151" name="中心化交易所"/>
           <p:cNvSpPr txBox="1"/>
           <p:nvPr/>
         </p:nvSpPr>
@@ -19050,7 +22110,7 @@
       </p:grpSpPr>
       <p:sp>
         <p:nvSpPr>
-          <p:cNvPr id="152" name="24-Hour Trade Volume…"/>
+          <p:cNvPr id="153" name="24-Hour Trade Volume…"/>
           <p:cNvSpPr txBox="1"/>
           <p:nvPr/>
         </p:nvSpPr>
@@ -19116,7 +22176,7 @@
       </p:sp>
       <p:sp>
         <p:nvSpPr>
-          <p:cNvPr id="153" name="$5B"/>
+          <p:cNvPr id="154" name="$5B"/>
           <p:cNvSpPr txBox="1"/>
           <p:nvPr/>
         </p:nvSpPr>
@@ -19166,7 +22226,7 @@
       </p:sp>
       <p:sp>
         <p:nvSpPr>
-          <p:cNvPr id="154" name="Poloniex…"/>
+          <p:cNvPr id="155" name="Poloniex…"/>
           <p:cNvSpPr txBox="1"/>
           <p:nvPr/>
         </p:nvSpPr>
@@ -19496,7 +22556,7 @@
       </p:sp>
       <p:sp>
         <p:nvSpPr>
-          <p:cNvPr id="155" name="问题#1: 用户资产需要托管…"/>
+          <p:cNvPr id="156" name="问题#1: 用户资产需要托管…"/>
           <p:cNvSpPr/>
           <p:nvPr/>
         </p:nvSpPr>
@@ -19559,7 +22619,7 @@
       </p:sp>
       <p:sp>
         <p:nvSpPr>
-          <p:cNvPr id="156" name="问题#2: 交易所内幕交易…"/>
+          <p:cNvPr id="157" name="问题#2: 交易所内幕交易…"/>
           <p:cNvSpPr/>
           <p:nvPr/>
         </p:nvSpPr>
@@ -19622,7 +22682,7 @@
       </p:sp>
       <p:sp>
         <p:nvSpPr>
-          <p:cNvPr id="157" name="问题#3: 订单散落到多交易所…"/>
+          <p:cNvPr id="158" name="问题#3: 订单散落到多交易所…"/>
           <p:cNvSpPr/>
           <p:nvPr/>
         </p:nvSpPr>
@@ -19685,7 +22745,7 @@
       </p:sp>
       <p:sp>
         <p:nvSpPr>
-          <p:cNvPr id="158" name="中心化交易所"/>
+          <p:cNvPr id="159" name="中心化交易所"/>
           <p:cNvSpPr txBox="1"/>
           <p:nvPr/>
         </p:nvSpPr>
@@ -19769,7 +22829,7 @@
       </p:grpSpPr>
       <p:sp>
         <p:nvSpPr>
-          <p:cNvPr id="160" name="24-Hour Trade Volume…"/>
+          <p:cNvPr id="161" name="24-Hour Trade Volume…"/>
           <p:cNvSpPr txBox="1"/>
           <p:nvPr/>
         </p:nvSpPr>
@@ -19835,7 +22895,7 @@
       </p:sp>
       <p:sp>
         <p:nvSpPr>
-          <p:cNvPr id="161" name="$5B"/>
+          <p:cNvPr id="162" name="$5B"/>
           <p:cNvSpPr txBox="1"/>
           <p:nvPr/>
         </p:nvSpPr>
@@ -19885,7 +22945,7 @@
       </p:sp>
       <p:sp>
         <p:nvSpPr>
-          <p:cNvPr id="162" name="Poloniex…"/>
+          <p:cNvPr id="163" name="Poloniex…"/>
           <p:cNvSpPr txBox="1"/>
           <p:nvPr/>
         </p:nvSpPr>
@@ -20215,7 +23275,7 @@
       </p:sp>
       <p:sp>
         <p:nvSpPr>
-          <p:cNvPr id="163" name="问题#1: 用户资产需要托管…"/>
+          <p:cNvPr id="164" name="问题#1: 用户资产需要托管…"/>
           <p:cNvSpPr/>
           <p:nvPr/>
         </p:nvSpPr>
@@ -20278,7 +23338,7 @@
       </p:sp>
       <p:sp>
         <p:nvSpPr>
-          <p:cNvPr id="164" name="问题#2: 交易所内幕交易…"/>
+          <p:cNvPr id="165" name="问题#2: 交易所内幕交易…"/>
           <p:cNvSpPr/>
           <p:nvPr/>
         </p:nvSpPr>
@@ -20341,7 +23401,7 @@
       </p:sp>
       <p:sp>
         <p:nvSpPr>
-          <p:cNvPr id="165" name="问题#3: 订单散落到多交易所…"/>
+          <p:cNvPr id="166" name="问题#3: 订单散落到多交易所…"/>
           <p:cNvSpPr/>
           <p:nvPr/>
         </p:nvSpPr>
@@ -20404,7 +23464,7 @@
       </p:sp>
       <p:sp>
         <p:nvSpPr>
-          <p:cNvPr id="166" name="问题#4: 缺少或没有监管…"/>
+          <p:cNvPr id="167" name="问题#4: 缺少或没有监管…"/>
           <p:cNvSpPr/>
           <p:nvPr/>
         </p:nvSpPr>
@@ -20467,7 +23527,7 @@
       </p:sp>
       <p:sp>
         <p:nvSpPr>
-          <p:cNvPr id="167" name="中心化交易所"/>
+          <p:cNvPr id="168" name="中心化交易所"/>
           <p:cNvSpPr txBox="1"/>
           <p:nvPr/>
         </p:nvSpPr>
@@ -20551,7 +23611,7 @@
       </p:grpSpPr>
       <p:sp>
         <p:nvSpPr>
-          <p:cNvPr id="169" name="24-Hour Trade Volume…"/>
+          <p:cNvPr id="170" name="24-Hour Trade Volume…"/>
           <p:cNvSpPr txBox="1"/>
           <p:nvPr/>
         </p:nvSpPr>
@@ -20617,7 +23677,7 @@
       </p:sp>
       <p:sp>
         <p:nvSpPr>
-          <p:cNvPr id="170" name="$5B"/>
+          <p:cNvPr id="171" name="$5B"/>
           <p:cNvSpPr txBox="1"/>
           <p:nvPr/>
         </p:nvSpPr>
@@ -20667,7 +23727,7 @@
       </p:sp>
       <p:sp>
         <p:nvSpPr>
-          <p:cNvPr id="171" name="Poloniex…"/>
+          <p:cNvPr id="172" name="Poloniex…"/>
           <p:cNvSpPr txBox="1"/>
           <p:nvPr/>
         </p:nvSpPr>
@@ -20997,7 +24057,7 @@
       </p:sp>
       <p:sp>
         <p:nvSpPr>
-          <p:cNvPr id="172" name="问题#1: 用户资产需要托管…"/>
+          <p:cNvPr id="173" name="问题#1: 用户资产需要托管…"/>
           <p:cNvSpPr/>
           <p:nvPr/>
         </p:nvSpPr>
@@ -21060,7 +24120,7 @@
       </p:sp>
       <p:sp>
         <p:nvSpPr>
-          <p:cNvPr id="173" name="问题#2: 交易所内幕交易…"/>
+          <p:cNvPr id="174" name="问题#2: 交易所内幕交易…"/>
           <p:cNvSpPr/>
           <p:nvPr/>
         </p:nvSpPr>
@@ -21123,7 +24183,7 @@
       </p:sp>
       <p:sp>
         <p:nvSpPr>
-          <p:cNvPr id="174" name="问题#3: 订单散落到多交易所…"/>
+          <p:cNvPr id="175" name="问题#3: 订单散落到多交易所…"/>
           <p:cNvSpPr/>
           <p:nvPr/>
         </p:nvSpPr>
@@ -21186,7 +24246,7 @@
       </p:sp>
       <p:sp>
         <p:nvSpPr>
-          <p:cNvPr id="175" name="问题#4: 缺少或没有监管…"/>
+          <p:cNvPr id="176" name="问题#4: 缺少或没有监管…"/>
           <p:cNvSpPr/>
           <p:nvPr/>
         </p:nvSpPr>
@@ -21249,7 +24309,7 @@
       </p:sp>
       <p:sp>
         <p:nvSpPr>
-          <p:cNvPr id="176" name="中心化交易所"/>
+          <p:cNvPr id="177" name="中心化交易所"/>
           <p:cNvSpPr txBox="1"/>
           <p:nvPr/>
         </p:nvSpPr>
@@ -21333,7 +24393,7 @@
       </p:grpSpPr>
       <p:sp>
         <p:nvSpPr>
-          <p:cNvPr id="178" name="问题#1: 用户资产需要托管…"/>
+          <p:cNvPr id="179" name="问题#1: 用户资产需要托管…"/>
           <p:cNvSpPr/>
           <p:nvPr/>
         </p:nvSpPr>
@@ -21396,7 +24456,7 @@
       </p:sp>
       <p:sp>
         <p:nvSpPr>
-          <p:cNvPr id="179" name="问题#2: 交易所内幕交易…"/>
+          <p:cNvPr id="180" name="问题#2: 交易所内幕交易…"/>
           <p:cNvSpPr/>
           <p:nvPr/>
         </p:nvSpPr>
@@ -21459,7 +24519,7 @@
       </p:sp>
       <p:sp>
         <p:nvSpPr>
-          <p:cNvPr id="180" name="问题#3: 订单散落到多交易所…"/>
+          <p:cNvPr id="181" name="问题#3: 订单散落到多交易所…"/>
           <p:cNvSpPr/>
           <p:nvPr/>
         </p:nvSpPr>
@@ -21522,7 +24582,7 @@
       </p:sp>
       <p:sp>
         <p:nvSpPr>
-          <p:cNvPr id="181" name="问题#4: 缺少或没有监管…"/>
+          <p:cNvPr id="182" name="问题#4: 缺少或没有监管…"/>
           <p:cNvSpPr/>
           <p:nvPr/>
         </p:nvSpPr>
@@ -21585,7 +24645,7 @@
       </p:sp>
       <p:sp>
         <p:nvSpPr>
-          <p:cNvPr id="182" name="{"/>
+          <p:cNvPr id="183" name="{"/>
           <p:cNvSpPr txBox="1"/>
           <p:nvPr/>
         </p:nvSpPr>
@@ -21630,7 +24690,7 @@
       </p:sp>
       <p:grpSp>
         <p:nvGrpSpPr>
-          <p:cNvPr id="185" name="成组"/>
+          <p:cNvPr id="186" name="成组"/>
           <p:cNvGrpSpPr/>
           <p:nvPr/>
         </p:nvGrpSpPr>
@@ -21644,7 +24704,7 @@
         </p:grpSpPr>
         <p:sp>
           <p:nvSpPr>
-            <p:cNvPr id="183" name="Loopring"/>
+            <p:cNvPr id="184" name="Loopring"/>
             <p:cNvSpPr txBox="1"/>
             <p:nvPr/>
           </p:nvSpPr>
@@ -21692,7 +24752,7 @@
         </p:sp>
         <p:sp>
           <p:nvSpPr>
-            <p:cNvPr id="184" name="去中心化代币交易所和协议"/>
+            <p:cNvPr id="185" name="去中心化代币交易所和协议"/>
             <p:cNvSpPr txBox="1"/>
             <p:nvPr/>
           </p:nvSpPr>
@@ -21741,7 +24801,7 @@
       </p:grpSp>
       <p:sp>
         <p:nvSpPr>
-          <p:cNvPr id="186" name="中心化交易所"/>
+          <p:cNvPr id="187" name="中心化交易所"/>
           <p:cNvSpPr txBox="1"/>
           <p:nvPr/>
         </p:nvSpPr>

--- a/keynote/loopring-technical.pptx
+++ b/keynote/loopring-technical.pptx
@@ -4283,9 +4283,9 @@
       </p:par>
     </p:tnLst>
     <p:bldLst>
-      <p:bldP build="whole" bldLvl="1" animBg="1" rev="0" advAuto="0" spid="199" grpId="1"/>
       <p:bldP build="whole" bldLvl="1" animBg="1" rev="0" advAuto="0" spid="202" grpId="2"/>
       <p:bldP build="whole" bldLvl="1" animBg="1" rev="0" advAuto="0" spid="205" grpId="3"/>
+      <p:bldP build="whole" bldLvl="1" animBg="1" rev="0" advAuto="0" spid="199" grpId="1"/>
     </p:bldLst>
   </p:timing>
 </p:sld>
@@ -5239,9 +5239,9 @@
       </p:par>
     </p:tnLst>
     <p:bldLst>
+      <p:bldP build="whole" bldLvl="1" animBg="1" rev="0" advAuto="0" spid="211" grpId="1"/>
+      <p:bldP build="whole" bldLvl="1" animBg="1" rev="0" advAuto="0" spid="213" grpId="3"/>
       <p:bldP build="whole" bldLvl="1" animBg="1" rev="0" advAuto="0" spid="212" grpId="2"/>
-      <p:bldP build="whole" bldLvl="1" animBg="1" rev="0" advAuto="0" spid="213" grpId="3"/>
-      <p:bldP build="whole" bldLvl="1" animBg="1" rev="0" advAuto="0" spid="211" grpId="1"/>
     </p:bldLst>
   </p:timing>
 </p:sld>
@@ -6969,9 +6969,9 @@
       </p:par>
     </p:tnLst>
     <p:bldLst>
+      <p:bldP build="whole" bldLvl="1" animBg="1" rev="0" advAuto="0" spid="237" grpId="1"/>
       <p:bldP build="whole" bldLvl="1" animBg="1" rev="0" advAuto="0" spid="236" grpId="2"/>
       <p:bldP build="whole" bldLvl="1" animBg="1" rev="0" advAuto="0" spid="238" grpId="3"/>
-      <p:bldP build="whole" bldLvl="1" animBg="1" rev="0" advAuto="0" spid="237" grpId="1"/>
     </p:bldLst>
   </p:timing>
 </p:sld>
@@ -7588,8 +7588,8 @@
       </p:par>
     </p:tnLst>
     <p:bldLst>
+      <p:bldP build="whole" bldLvl="1" animBg="1" rev="0" advAuto="0" spid="253" grpId="2"/>
       <p:bldP build="whole" bldLvl="1" animBg="1" rev="0" advAuto="0" spid="252" grpId="1"/>
-      <p:bldP build="whole" bldLvl="1" animBg="1" rev="0" advAuto="0" spid="253" grpId="2"/>
     </p:bldLst>
   </p:timing>
 </p:sld>
@@ -9836,9 +9836,9 @@
       </p:par>
     </p:tnLst>
     <p:bldLst>
+      <p:bldP build="whole" bldLvl="1" animBg="1" rev="0" advAuto="0" spid="295" grpId="2"/>
       <p:bldP build="whole" bldLvl="1" animBg="1" rev="0" advAuto="0" spid="298" grpId="3"/>
       <p:bldP build="whole" bldLvl="1" animBg="1" rev="0" advAuto="0" spid="292" grpId="1"/>
-      <p:bldP build="whole" bldLvl="1" animBg="1" rev="0" advAuto="0" spid="295" grpId="2"/>
     </p:bldLst>
   </p:timing>
 </p:sld>
@@ -11667,7 +11667,7 @@
         </p:nvSpPr>
         <p:spPr>
           <a:xfrm>
-            <a:off x="9475657" y="2426734"/>
+            <a:off x="9475658" y="2426734"/>
             <a:ext cx="13913936" cy="9515476"/>
           </a:xfrm>
           <a:prstGeom prst="rect">
@@ -19667,7 +19667,7 @@
         </p:sp>
         <p:sp>
           <p:nvSpPr>
-            <p:cNvPr id="349" name="我们的代币LRC符合ERC20标准，并且所有出售的代币在ETH入账时实时发行并转账给用户的ETH地址。切记不要通过交易所直接体现ETH到我们ICO的众筹地址。你的代币有可能会丢失，我们不承担任何这方面的责任，也不会提供技术支持。"/>
+            <p:cNvPr id="349" name="我们的代币LRC符合ERC20标准，并且所有出售的代币在ETH入账时实时发行并转账给用户的ETH地址。切记不要通过交易所直接提现ETH到我们ICO的众筹地址。你的代币有可能会丢失，我们不承担任何这方面的责任，也不会提供技术支持。"/>
             <p:cNvSpPr txBox="1"/>
             <p:nvPr/>
           </p:nvSpPr>
@@ -19724,7 +19724,7 @@
                   <a:cs typeface="Roboto Bold"/>
                   <a:sym typeface="Roboto Bold"/>
                 </a:rPr>
-                <a:t>切记不要通过交易所直接体现ETH到我们ICO的众筹地址</a:t>
+                <a:t>切记不要通过交易所直接提现ETH到我们ICO的众筹地址</a:t>
               </a:r>
               <a:r>
                 <a:t>。你的代币有可能会丢失，我们不承担任何这方面的责任，也不会提供技术支持。</a:t>

--- a/keynote/loopring-technical.pptx
+++ b/keynote/loopring-technical.pptx
@@ -3151,8 +3151,8 @@
           </a:bodyPr>
           <a:lstStyle/>
           <a:p>
-            <a:pPr>
-              <a:defRPr sz="2400">
+            <a:pPr defTabSz="698301">
+              <a:defRPr sz="2040">
                 <a:solidFill>
                   <a:schemeClr val="accent1">
                     <a:satOff val="-3355"/>
@@ -3170,8 +3170,8 @@
             </a:r>
           </a:p>
           <a:p>
-            <a:pPr>
-              <a:defRPr sz="2400">
+            <a:pPr defTabSz="698301">
+              <a:defRPr sz="2040">
                 <a:solidFill>
                   <a:schemeClr val="accent1">
                     <a:satOff val="-3355"/>
@@ -3192,8 +3192,8 @@
             </a:r>
           </a:p>
           <a:p>
-            <a:pPr>
-              <a:defRPr sz="2400">
+            <a:pPr defTabSz="698301">
+              <a:defRPr sz="2040">
                 <a:solidFill>
                   <a:schemeClr val="accent1">
                     <a:satOff val="-3355"/>
@@ -3207,7 +3207,10 @@
               </a:defRPr>
             </a:pPr>
             <a:r>
-              <a:t>daniel@loopringorg</a:t>
+              <a:rPr u="sng">
+                <a:hlinkClick r:id="rId3" invalidUrl="" action="" tgtFrame="" tooltip="" history="1" highlightClick="0" endSnd="0"/>
+              </a:rPr>
+              <a:t>daniel@loopring.org</a:t>
             </a:r>
           </a:p>
         </p:txBody>
@@ -3221,7 +3224,7 @@
           <p:nvPr/>
         </p:nvPicPr>
         <p:blipFill>
-          <a:blip r:embed="rId3">
+          <a:blip r:embed="rId4">
             <a:alphaModFix amt="50587"/>
             <a:extLst/>
           </a:blip>
@@ -3232,8 +3235,8 @@
         </p:blipFill>
         <p:spPr>
           <a:xfrm>
-            <a:off x="9454258" y="4494932"/>
-            <a:ext cx="722558" cy="1011636"/>
+            <a:off x="9454258" y="4494933"/>
+            <a:ext cx="722558" cy="1011635"/>
           </a:xfrm>
           <a:custGeom>
             <a:avLst/>
@@ -3440,7 +3443,7 @@
           <p:nvPr/>
         </p:nvPicPr>
         <p:blipFill>
-          <a:blip r:embed="rId4">
+          <a:blip r:embed="rId5">
             <a:extLst/>
           </a:blip>
           <a:stretch>
@@ -5813,9 +5816,9 @@
       </p:par>
     </p:tnLst>
     <p:bldLst>
-      <p:bldP build="whole" bldLvl="1" animBg="1" rev="0" advAuto="0" spid="216" grpId="3"/>
       <p:bldP build="whole" bldLvl="1" animBg="1" rev="0" advAuto="0" spid="210" grpId="1"/>
       <p:bldP build="whole" bldLvl="1" animBg="1" rev="0" advAuto="0" spid="213" grpId="2"/>
+      <p:bldP build="whole" bldLvl="1" animBg="1" rev="0" advAuto="0" spid="216" grpId="3"/>
     </p:bldLst>
   </p:timing>
 </p:sld>
@@ -7452,9 +7455,9 @@
       </p:par>
     </p:tnLst>
     <p:bldLst>
+      <p:bldP build="whole" bldLvl="1" animBg="1" rev="0" advAuto="0" spid="221" grpId="1"/>
       <p:bldP build="whole" bldLvl="1" animBg="1" rev="0" advAuto="0" spid="222" grpId="2"/>
       <p:bldP build="whole" bldLvl="1" animBg="1" rev="0" advAuto="0" spid="223" grpId="3"/>
-      <p:bldP build="whole" bldLvl="1" animBg="1" rev="0" advAuto="0" spid="221" grpId="1"/>
     </p:bldLst>
   </p:timing>
 </p:sld>
@@ -16491,9 +16494,9 @@
       </p:par>
     </p:tnLst>
     <p:bldLst>
-      <p:bldP build="whole" bldLvl="1" animBg="1" rev="0" advAuto="0" spid="346" grpId="1"/>
       <p:bldP build="whole" bldLvl="1" animBg="1" rev="0" advAuto="0" spid="347" grpId="2"/>
       <p:bldP build="whole" bldLvl="1" animBg="1" rev="0" advAuto="0" spid="348" grpId="3"/>
+      <p:bldP build="whole" bldLvl="1" animBg="1" rev="0" advAuto="0" spid="346" grpId="1"/>
     </p:bldLst>
   </p:timing>
 </p:sld>
@@ -16541,8 +16544,8 @@
         </p:blipFill>
         <p:spPr>
           <a:xfrm>
-            <a:off x="9205560" y="254000"/>
-            <a:ext cx="13893801" cy="13208001"/>
+            <a:off x="9205559" y="254000"/>
+            <a:ext cx="13893801" cy="13208000"/>
           </a:xfrm>
           <a:prstGeom prst="rect">
             <a:avLst/>
@@ -18369,8 +18372,8 @@
     </p:tnLst>
     <p:bldLst>
       <p:bldP build="whole" bldLvl="1" animBg="1" rev="0" advAuto="0" spid="372" grpId="1"/>
+      <p:bldP build="whole" bldLvl="1" animBg="1" rev="0" advAuto="0" spid="373" grpId="3"/>
       <p:bldP build="whole" bldLvl="1" animBg="1" rev="0" advAuto="0" spid="371" grpId="2"/>
-      <p:bldP build="whole" bldLvl="1" animBg="1" rev="0" advAuto="0" spid="373" grpId="3"/>
     </p:bldLst>
   </p:timing>
 </p:sld>
@@ -18987,8 +18990,8 @@
       </p:par>
     </p:tnLst>
     <p:bldLst>
+      <p:bldP build="whole" bldLvl="1" animBg="1" rev="0" advAuto="0" spid="387" grpId="1"/>
       <p:bldP build="whole" bldLvl="1" animBg="1" rev="0" advAuto="0" spid="388" grpId="2"/>
-      <p:bldP build="whole" bldLvl="1" animBg="1" rev="0" advAuto="0" spid="387" grpId="1"/>
     </p:bldLst>
   </p:timing>
 </p:sld>
@@ -21235,9 +21238,9 @@
       </p:par>
     </p:tnLst>
     <p:bldLst>
-      <p:bldP build="whole" bldLvl="1" animBg="1" rev="0" advAuto="0" spid="430" grpId="2"/>
       <p:bldP build="whole" bldLvl="1" animBg="1" rev="0" advAuto="0" spid="433" grpId="3"/>
       <p:bldP build="whole" bldLvl="1" animBg="1" rev="0" advAuto="0" spid="427" grpId="1"/>
+      <p:bldP build="whole" bldLvl="1" animBg="1" rev="0" advAuto="0" spid="430" grpId="2"/>
     </p:bldLst>
   </p:timing>
 </p:sld>
@@ -30092,8 +30095,8 @@
         </p:blipFill>
         <p:spPr>
           <a:xfrm>
-            <a:off x="9047039" y="565150"/>
-            <a:ext cx="13970001" cy="12585701"/>
+            <a:off x="9047040" y="565150"/>
+            <a:ext cx="13970001" cy="12585700"/>
           </a:xfrm>
           <a:prstGeom prst="rect">
             <a:avLst/>
@@ -30907,7 +30910,7 @@
         <p:spPr>
           <a:xfrm>
             <a:off x="8983631" y="133350"/>
-            <a:ext cx="12750801" cy="13449301"/>
+            <a:ext cx="12750801" cy="13449300"/>
           </a:xfrm>
           <a:prstGeom prst="rect">
             <a:avLst/>

--- a/keynote/loopring-technical.pptx
+++ b/keynote/loopring-technical.pptx
@@ -40,6 +40,7 @@
     <p:sldId id="285" r:id="rId37"/>
     <p:sldId id="286" r:id="rId38"/>
     <p:sldId id="287" r:id="rId39"/>
+    <p:sldId id="288" r:id="rId40"/>
   </p:sldIdLst>
   <p:sldSz cx="24384000" cy="13716000"/>
   <p:notesSz cx="6858000" cy="9144000"/>
@@ -541,7 +542,7 @@
       </p:grpSpPr>
       <p:sp>
         <p:nvSpPr>
-          <p:cNvPr id="160" name="Shape 160"/>
+          <p:cNvPr id="168" name="Shape 168"/>
           <p:cNvSpPr/>
           <p:nvPr>
             <p:ph type="sldImg"/>
@@ -562,7 +563,7 @@
       </p:sp>
       <p:sp>
         <p:nvSpPr>
-          <p:cNvPr id="161" name="Shape 161"/>
+          <p:cNvPr id="169" name="Shape 169"/>
           <p:cNvSpPr/>
           <p:nvPr>
             <p:ph type="body" sz="quarter" idx="1"/>
@@ -641,7 +642,7 @@
       </p:grpSpPr>
       <p:sp>
         <p:nvSpPr>
-          <p:cNvPr id="11" name="Title Text"/>
+          <p:cNvPr id="11" name="标题文本"/>
           <p:cNvSpPr txBox="1"/>
           <p:nvPr>
             <p:ph type="title"/>
@@ -662,14 +663,14 @@
           <a:p>
             <a:pPr/>
             <a:r>
-              <a:t>Title Text</a:t>
+              <a:t>标题文本</a:t>
             </a:r>
           </a:p>
         </p:txBody>
       </p:sp>
       <p:sp>
         <p:nvSpPr>
-          <p:cNvPr id="12" name="Body Level One…"/>
+          <p:cNvPr id="12" name="正文级别 1…"/>
           <p:cNvSpPr txBox="1"/>
           <p:nvPr>
             <p:ph type="body" sz="quarter" idx="1"/>
@@ -731,38 +732,38 @@
           <a:p>
             <a:pPr/>
             <a:r>
-              <a:t>Body Level One</a:t>
+              <a:t>正文级别 1</a:t>
             </a:r>
           </a:p>
           <a:p>
             <a:pPr lvl="1"/>
             <a:r>
-              <a:t>Body Level Two</a:t>
+              <a:t>正文级别 2</a:t>
             </a:r>
           </a:p>
           <a:p>
             <a:pPr lvl="2"/>
             <a:r>
-              <a:t>Body Level Three</a:t>
+              <a:t>正文级别 3</a:t>
             </a:r>
           </a:p>
           <a:p>
             <a:pPr lvl="3"/>
             <a:r>
-              <a:t>Body Level Four</a:t>
+              <a:t>正文级别 4</a:t>
             </a:r>
           </a:p>
           <a:p>
             <a:pPr lvl="4"/>
             <a:r>
-              <a:t>Body Level Five</a:t>
+              <a:t>正文级别 5</a:t>
             </a:r>
           </a:p>
         </p:txBody>
       </p:sp>
       <p:sp>
         <p:nvSpPr>
-          <p:cNvPr id="13" name="Slide Number"/>
+          <p:cNvPr id="13" name="幻灯片编号"/>
           <p:cNvSpPr txBox="1"/>
           <p:nvPr>
             <p:ph type="sldNum" sz="quarter" idx="2"/>
@@ -893,7 +894,7 @@
       </p:sp>
       <p:sp>
         <p:nvSpPr>
-          <p:cNvPr id="95" name="Slide Number"/>
+          <p:cNvPr id="95" name="幻灯片编号"/>
           <p:cNvSpPr txBox="1"/>
           <p:nvPr>
             <p:ph type="sldNum" sz="quarter" idx="2"/>
@@ -941,7 +942,7 @@
       </p:grpSpPr>
       <p:sp>
         <p:nvSpPr>
-          <p:cNvPr id="102" name="Image"/>
+          <p:cNvPr id="102" name="图像"/>
           <p:cNvSpPr/>
           <p:nvPr>
             <p:ph type="pic" idx="13"/>
@@ -968,7 +969,7 @@
       </p:sp>
       <p:sp>
         <p:nvSpPr>
-          <p:cNvPr id="103" name="Slide Number"/>
+          <p:cNvPr id="103" name="幻灯片编号"/>
           <p:cNvSpPr txBox="1"/>
           <p:nvPr>
             <p:ph type="sldNum" sz="quarter" idx="2"/>
@@ -1016,7 +1017,7 @@
       </p:grpSpPr>
       <p:sp>
         <p:nvSpPr>
-          <p:cNvPr id="110" name="Slide Number"/>
+          <p:cNvPr id="110" name="幻灯片编号"/>
           <p:cNvSpPr txBox="1"/>
           <p:nvPr>
             <p:ph type="sldNum" sz="quarter" idx="2"/>
@@ -1064,7 +1065,7 @@
       </p:grpSpPr>
       <p:sp>
         <p:nvSpPr>
-          <p:cNvPr id="20" name="Image"/>
+          <p:cNvPr id="20" name="图像"/>
           <p:cNvSpPr/>
           <p:nvPr>
             <p:ph type="pic" sz="half" idx="13"/>
@@ -1091,7 +1092,7 @@
       </p:sp>
       <p:sp>
         <p:nvSpPr>
-          <p:cNvPr id="21" name="Title Text"/>
+          <p:cNvPr id="21" name="标题文本"/>
           <p:cNvSpPr txBox="1"/>
           <p:nvPr>
             <p:ph type="title"/>
@@ -1112,14 +1113,14 @@
           <a:p>
             <a:pPr/>
             <a:r>
-              <a:t>Title Text</a:t>
+              <a:t>标题文本</a:t>
             </a:r>
           </a:p>
         </p:txBody>
       </p:sp>
       <p:sp>
         <p:nvSpPr>
-          <p:cNvPr id="22" name="Body Level One…"/>
+          <p:cNvPr id="22" name="正文级别 1…"/>
           <p:cNvSpPr txBox="1"/>
           <p:nvPr>
             <p:ph type="body" sz="quarter" idx="1"/>
@@ -1181,38 +1182,38 @@
           <a:p>
             <a:pPr/>
             <a:r>
-              <a:t>Body Level One</a:t>
+              <a:t>正文级别 1</a:t>
             </a:r>
           </a:p>
           <a:p>
             <a:pPr lvl="1"/>
             <a:r>
-              <a:t>Body Level Two</a:t>
+              <a:t>正文级别 2</a:t>
             </a:r>
           </a:p>
           <a:p>
             <a:pPr lvl="2"/>
             <a:r>
-              <a:t>Body Level Three</a:t>
+              <a:t>正文级别 3</a:t>
             </a:r>
           </a:p>
           <a:p>
             <a:pPr lvl="3"/>
             <a:r>
-              <a:t>Body Level Four</a:t>
+              <a:t>正文级别 4</a:t>
             </a:r>
           </a:p>
           <a:p>
             <a:pPr lvl="4"/>
             <a:r>
-              <a:t>Body Level Five</a:t>
+              <a:t>正文级别 5</a:t>
             </a:r>
           </a:p>
         </p:txBody>
       </p:sp>
       <p:sp>
         <p:nvSpPr>
-          <p:cNvPr id="23" name="Slide Number"/>
+          <p:cNvPr id="23" name="幻灯片编号"/>
           <p:cNvSpPr txBox="1"/>
           <p:nvPr>
             <p:ph type="sldNum" sz="quarter" idx="2"/>
@@ -1264,7 +1265,7 @@
       </p:grpSpPr>
       <p:sp>
         <p:nvSpPr>
-          <p:cNvPr id="30" name="Title Text"/>
+          <p:cNvPr id="30" name="标题文本"/>
           <p:cNvSpPr txBox="1"/>
           <p:nvPr>
             <p:ph type="title"/>
@@ -1285,14 +1286,14 @@
           <a:p>
             <a:pPr/>
             <a:r>
-              <a:t>Title Text</a:t>
+              <a:t>标题文本</a:t>
             </a:r>
           </a:p>
         </p:txBody>
       </p:sp>
       <p:sp>
         <p:nvSpPr>
-          <p:cNvPr id="31" name="Slide Number"/>
+          <p:cNvPr id="31" name="幻灯片编号"/>
           <p:cNvSpPr txBox="1"/>
           <p:nvPr>
             <p:ph type="sldNum" sz="quarter" idx="2"/>
@@ -1340,7 +1341,7 @@
       </p:grpSpPr>
       <p:sp>
         <p:nvSpPr>
-          <p:cNvPr id="38" name="Image"/>
+          <p:cNvPr id="38" name="图像"/>
           <p:cNvSpPr/>
           <p:nvPr>
             <p:ph type="pic" sz="half" idx="13"/>
@@ -1367,7 +1368,7 @@
       </p:sp>
       <p:sp>
         <p:nvSpPr>
-          <p:cNvPr id="39" name="Title Text"/>
+          <p:cNvPr id="39" name="标题文本"/>
           <p:cNvSpPr txBox="1"/>
           <p:nvPr>
             <p:ph type="title"/>
@@ -1392,14 +1393,14 @@
           <a:p>
             <a:pPr/>
             <a:r>
-              <a:t>Title Text</a:t>
+              <a:t>标题文本</a:t>
             </a:r>
           </a:p>
         </p:txBody>
       </p:sp>
       <p:sp>
         <p:nvSpPr>
-          <p:cNvPr id="40" name="Body Level One…"/>
+          <p:cNvPr id="40" name="正文级别 1…"/>
           <p:cNvSpPr txBox="1"/>
           <p:nvPr>
             <p:ph type="body" sz="quarter" idx="1"/>
@@ -1461,38 +1462,38 @@
           <a:p>
             <a:pPr/>
             <a:r>
-              <a:t>Body Level One</a:t>
+              <a:t>正文级别 1</a:t>
             </a:r>
           </a:p>
           <a:p>
             <a:pPr lvl="1"/>
             <a:r>
-              <a:t>Body Level Two</a:t>
+              <a:t>正文级别 2</a:t>
             </a:r>
           </a:p>
           <a:p>
             <a:pPr lvl="2"/>
             <a:r>
-              <a:t>Body Level Three</a:t>
+              <a:t>正文级别 3</a:t>
             </a:r>
           </a:p>
           <a:p>
             <a:pPr lvl="3"/>
             <a:r>
-              <a:t>Body Level Four</a:t>
+              <a:t>正文级别 4</a:t>
             </a:r>
           </a:p>
           <a:p>
             <a:pPr lvl="4"/>
             <a:r>
-              <a:t>Body Level Five</a:t>
+              <a:t>正文级别 5</a:t>
             </a:r>
           </a:p>
         </p:txBody>
       </p:sp>
       <p:sp>
         <p:nvSpPr>
-          <p:cNvPr id="41" name="Slide Number"/>
+          <p:cNvPr id="41" name="幻灯片编号"/>
           <p:cNvSpPr txBox="1"/>
           <p:nvPr>
             <p:ph type="sldNum" sz="quarter" idx="2"/>
@@ -1540,7 +1541,7 @@
       </p:grpSpPr>
       <p:sp>
         <p:nvSpPr>
-          <p:cNvPr id="48" name="Title Text"/>
+          <p:cNvPr id="48" name="标题文本"/>
           <p:cNvSpPr txBox="1"/>
           <p:nvPr>
             <p:ph type="title"/>
@@ -1557,14 +1558,14 @@
           <a:p>
             <a:pPr/>
             <a:r>
-              <a:t>Title Text</a:t>
+              <a:t>标题文本</a:t>
             </a:r>
           </a:p>
         </p:txBody>
       </p:sp>
       <p:sp>
         <p:nvSpPr>
-          <p:cNvPr id="49" name="Slide Number"/>
+          <p:cNvPr id="49" name="幻灯片编号"/>
           <p:cNvSpPr txBox="1"/>
           <p:nvPr>
             <p:ph type="sldNum" sz="quarter" idx="2"/>
@@ -1612,7 +1613,7 @@
       </p:grpSpPr>
       <p:sp>
         <p:nvSpPr>
-          <p:cNvPr id="56" name="Title Text"/>
+          <p:cNvPr id="56" name="标题文本"/>
           <p:cNvSpPr txBox="1"/>
           <p:nvPr>
             <p:ph type="title"/>
@@ -1629,14 +1630,14 @@
           <a:p>
             <a:pPr/>
             <a:r>
-              <a:t>Title Text</a:t>
+              <a:t>标题文本</a:t>
             </a:r>
           </a:p>
         </p:txBody>
       </p:sp>
       <p:sp>
         <p:nvSpPr>
-          <p:cNvPr id="57" name="Body Level One…"/>
+          <p:cNvPr id="57" name="正文级别 1…"/>
           <p:cNvSpPr txBox="1"/>
           <p:nvPr>
             <p:ph type="body" idx="1"/>
@@ -1653,38 +1654,38 @@
           <a:p>
             <a:pPr/>
             <a:r>
-              <a:t>Body Level One</a:t>
+              <a:t>正文级别 1</a:t>
             </a:r>
           </a:p>
           <a:p>
             <a:pPr lvl="1"/>
             <a:r>
-              <a:t>Body Level Two</a:t>
+              <a:t>正文级别 2</a:t>
             </a:r>
           </a:p>
           <a:p>
             <a:pPr lvl="2"/>
             <a:r>
-              <a:t>Body Level Three</a:t>
+              <a:t>正文级别 3</a:t>
             </a:r>
           </a:p>
           <a:p>
             <a:pPr lvl="3"/>
             <a:r>
-              <a:t>Body Level Four</a:t>
+              <a:t>正文级别 4</a:t>
             </a:r>
           </a:p>
           <a:p>
             <a:pPr lvl="4"/>
             <a:r>
-              <a:t>Body Level Five</a:t>
+              <a:t>正文级别 5</a:t>
             </a:r>
           </a:p>
         </p:txBody>
       </p:sp>
       <p:sp>
         <p:nvSpPr>
-          <p:cNvPr id="58" name="Slide Number"/>
+          <p:cNvPr id="58" name="幻灯片编号"/>
           <p:cNvSpPr txBox="1"/>
           <p:nvPr>
             <p:ph type="sldNum" sz="quarter" idx="2"/>
@@ -1732,7 +1733,7 @@
       </p:grpSpPr>
       <p:sp>
         <p:nvSpPr>
-          <p:cNvPr id="65" name="Image"/>
+          <p:cNvPr id="65" name="图像"/>
           <p:cNvSpPr/>
           <p:nvPr>
             <p:ph type="pic" sz="quarter" idx="13"/>
@@ -1759,7 +1760,7 @@
       </p:sp>
       <p:sp>
         <p:nvSpPr>
-          <p:cNvPr id="66" name="Title Text"/>
+          <p:cNvPr id="66" name="标题文本"/>
           <p:cNvSpPr txBox="1"/>
           <p:nvPr>
             <p:ph type="title"/>
@@ -1776,14 +1777,14 @@
           <a:p>
             <a:pPr/>
             <a:r>
-              <a:t>Title Text</a:t>
+              <a:t>标题文本</a:t>
             </a:r>
           </a:p>
         </p:txBody>
       </p:sp>
       <p:sp>
         <p:nvSpPr>
-          <p:cNvPr id="67" name="Body Level One…"/>
+          <p:cNvPr id="67" name="正文级别 1…"/>
           <p:cNvSpPr txBox="1"/>
           <p:nvPr>
             <p:ph type="body" sz="quarter" idx="1"/>
@@ -1835,38 +1836,38 @@
           <a:p>
             <a:pPr/>
             <a:r>
-              <a:t>Body Level One</a:t>
+              <a:t>正文级别 1</a:t>
             </a:r>
           </a:p>
           <a:p>
             <a:pPr lvl="1"/>
             <a:r>
-              <a:t>Body Level Two</a:t>
+              <a:t>正文级别 2</a:t>
             </a:r>
           </a:p>
           <a:p>
             <a:pPr lvl="2"/>
             <a:r>
-              <a:t>Body Level Three</a:t>
+              <a:t>正文级别 3</a:t>
             </a:r>
           </a:p>
           <a:p>
             <a:pPr lvl="3"/>
             <a:r>
-              <a:t>Body Level Four</a:t>
+              <a:t>正文级别 4</a:t>
             </a:r>
           </a:p>
           <a:p>
             <a:pPr lvl="4"/>
             <a:r>
-              <a:t>Body Level Five</a:t>
+              <a:t>正文级别 5</a:t>
             </a:r>
           </a:p>
         </p:txBody>
       </p:sp>
       <p:sp>
         <p:nvSpPr>
-          <p:cNvPr id="68" name="Slide Number"/>
+          <p:cNvPr id="68" name="幻灯片编号"/>
           <p:cNvSpPr txBox="1"/>
           <p:nvPr>
             <p:ph type="sldNum" sz="quarter" idx="2"/>
@@ -1914,7 +1915,7 @@
       </p:grpSpPr>
       <p:sp>
         <p:nvSpPr>
-          <p:cNvPr id="75" name="Body Level One…"/>
+          <p:cNvPr id="75" name="正文级别 1…"/>
           <p:cNvSpPr txBox="1"/>
           <p:nvPr>
             <p:ph type="body" idx="1"/>
@@ -1935,38 +1936,38 @@
           <a:p>
             <a:pPr/>
             <a:r>
-              <a:t>Body Level One</a:t>
+              <a:t>正文级别 1</a:t>
             </a:r>
           </a:p>
           <a:p>
             <a:pPr lvl="1"/>
             <a:r>
-              <a:t>Body Level Two</a:t>
+              <a:t>正文级别 2</a:t>
             </a:r>
           </a:p>
           <a:p>
             <a:pPr lvl="2"/>
             <a:r>
-              <a:t>Body Level Three</a:t>
+              <a:t>正文级别 3</a:t>
             </a:r>
           </a:p>
           <a:p>
             <a:pPr lvl="3"/>
             <a:r>
-              <a:t>Body Level Four</a:t>
+              <a:t>正文级别 4</a:t>
             </a:r>
           </a:p>
           <a:p>
             <a:pPr lvl="4"/>
             <a:r>
-              <a:t>Body Level Five</a:t>
+              <a:t>正文级别 5</a:t>
             </a:r>
           </a:p>
         </p:txBody>
       </p:sp>
       <p:sp>
         <p:nvSpPr>
-          <p:cNvPr id="76" name="Slide Number"/>
+          <p:cNvPr id="76" name="幻灯片编号"/>
           <p:cNvSpPr txBox="1"/>
           <p:nvPr>
             <p:ph type="sldNum" sz="quarter" idx="2"/>
@@ -2014,7 +2015,7 @@
       </p:grpSpPr>
       <p:sp>
         <p:nvSpPr>
-          <p:cNvPr id="83" name="Image"/>
+          <p:cNvPr id="83" name="图像"/>
           <p:cNvSpPr/>
           <p:nvPr>
             <p:ph type="pic" sz="quarter" idx="13"/>
@@ -2041,7 +2042,7 @@
       </p:sp>
       <p:sp>
         <p:nvSpPr>
-          <p:cNvPr id="84" name="Image"/>
+          <p:cNvPr id="84" name="图像"/>
           <p:cNvSpPr/>
           <p:nvPr>
             <p:ph type="pic" sz="quarter" idx="14"/>
@@ -2068,7 +2069,7 @@
       </p:sp>
       <p:sp>
         <p:nvSpPr>
-          <p:cNvPr id="85" name="Image"/>
+          <p:cNvPr id="85" name="图像"/>
           <p:cNvSpPr/>
           <p:nvPr>
             <p:ph type="pic" sz="half" idx="15"/>
@@ -2095,7 +2096,7 @@
       </p:sp>
       <p:sp>
         <p:nvSpPr>
-          <p:cNvPr id="86" name="Slide Number"/>
+          <p:cNvPr id="86" name="幻灯片编号"/>
           <p:cNvSpPr txBox="1"/>
           <p:nvPr>
             <p:ph type="sldNum" sz="quarter" idx="2"/>
@@ -2153,7 +2154,7 @@
       </p:grpSpPr>
       <p:sp>
         <p:nvSpPr>
-          <p:cNvPr id="2" name="Title Text"/>
+          <p:cNvPr id="2" name="标题文本"/>
           <p:cNvSpPr txBox="1"/>
           <p:nvPr>
             <p:ph type="title"/>
@@ -2184,14 +2185,14 @@
           <a:p>
             <a:pPr/>
             <a:r>
-              <a:t>Title Text</a:t>
+              <a:t>标题文本</a:t>
             </a:r>
           </a:p>
         </p:txBody>
       </p:sp>
       <p:sp>
         <p:nvSpPr>
-          <p:cNvPr id="3" name="Body Level One…"/>
+          <p:cNvPr id="3" name="正文级别 1…"/>
           <p:cNvSpPr txBox="1"/>
           <p:nvPr>
             <p:ph type="body" idx="1"/>
@@ -2222,38 +2223,38 @@
           <a:p>
             <a:pPr/>
             <a:r>
-              <a:t>Body Level One</a:t>
+              <a:t>正文级别 1</a:t>
             </a:r>
           </a:p>
           <a:p>
             <a:pPr lvl="1"/>
             <a:r>
-              <a:t>Body Level Two</a:t>
+              <a:t>正文级别 2</a:t>
             </a:r>
           </a:p>
           <a:p>
             <a:pPr lvl="2"/>
             <a:r>
-              <a:t>Body Level Three</a:t>
+              <a:t>正文级别 3</a:t>
             </a:r>
           </a:p>
           <a:p>
             <a:pPr lvl="3"/>
             <a:r>
-              <a:t>Body Level Four</a:t>
+              <a:t>正文级别 4</a:t>
             </a:r>
           </a:p>
           <a:p>
             <a:pPr lvl="4"/>
             <a:r>
-              <a:t>Body Level Five</a:t>
+              <a:t>正文级别 5</a:t>
             </a:r>
           </a:p>
         </p:txBody>
       </p:sp>
       <p:sp>
         <p:nvSpPr>
-          <p:cNvPr id="4" name="Slide Number"/>
+          <p:cNvPr id="4" name="幻灯片编号"/>
           <p:cNvSpPr txBox="1"/>
           <p:nvPr>
             <p:ph type="sldNum" sz="quarter" idx="2"/>
@@ -3498,7 +3499,7 @@
       </p:grpSpPr>
       <p:sp>
         <p:nvSpPr>
-          <p:cNvPr id="181" name="24-Hour Trade Volume…"/>
+          <p:cNvPr id="180" name="24-Hour Trade Volume…"/>
           <p:cNvSpPr txBox="1"/>
           <p:nvPr/>
         </p:nvSpPr>
@@ -3564,7 +3565,7 @@
       </p:sp>
       <p:sp>
         <p:nvSpPr>
-          <p:cNvPr id="182" name="$5B"/>
+          <p:cNvPr id="181" name="$5B"/>
           <p:cNvSpPr txBox="1"/>
           <p:nvPr/>
         </p:nvSpPr>
@@ -3614,7 +3615,7 @@
       </p:sp>
       <p:sp>
         <p:nvSpPr>
-          <p:cNvPr id="183" name="Poloniex…"/>
+          <p:cNvPr id="182" name="Poloniex…"/>
           <p:cNvSpPr txBox="1"/>
           <p:nvPr/>
         </p:nvSpPr>
@@ -3944,13 +3945,13 @@
       </p:sp>
       <p:sp>
         <p:nvSpPr>
-          <p:cNvPr id="184" name="问题#1: 用户资产需要托管…"/>
+          <p:cNvPr id="183" name="问题#1: 用户资产需要托管…"/>
           <p:cNvSpPr/>
           <p:nvPr/>
         </p:nvSpPr>
         <p:spPr>
           <a:xfrm>
-            <a:off x="1272857" y="159609"/>
+            <a:off x="1272857" y="1839184"/>
             <a:ext cx="13369382" cy="3319332"/>
           </a:xfrm>
           <a:prstGeom prst="rect">
@@ -4007,13 +4008,13 @@
       </p:sp>
       <p:sp>
         <p:nvSpPr>
-          <p:cNvPr id="185" name="问题#2: 交易所内幕交易…"/>
+          <p:cNvPr id="184" name="问题#2: 交易所内幕交易…"/>
           <p:cNvSpPr/>
           <p:nvPr/>
         </p:nvSpPr>
         <p:spPr>
           <a:xfrm>
-            <a:off x="1272857" y="3518759"/>
+            <a:off x="1272857" y="5198334"/>
             <a:ext cx="13369382" cy="3319332"/>
           </a:xfrm>
           <a:prstGeom prst="rect">
@@ -4070,13 +4071,13 @@
       </p:sp>
       <p:sp>
         <p:nvSpPr>
-          <p:cNvPr id="186" name="问题#3: 订单散落到多交易所…"/>
+          <p:cNvPr id="185" name="问题#3: 订单散落到多交易所…"/>
           <p:cNvSpPr/>
           <p:nvPr/>
         </p:nvSpPr>
         <p:spPr>
           <a:xfrm>
-            <a:off x="1272857" y="6877909"/>
+            <a:off x="1272857" y="8557484"/>
             <a:ext cx="13369382" cy="3319332"/>
           </a:xfrm>
           <a:prstGeom prst="rect">
@@ -4133,14 +4134,14 @@
       </p:sp>
       <p:sp>
         <p:nvSpPr>
-          <p:cNvPr id="187" name="问题#4: 缺少或没有监管…"/>
+          <p:cNvPr id="186" name="问题#4: 缺少或没有监管…"/>
           <p:cNvSpPr/>
           <p:nvPr/>
         </p:nvSpPr>
         <p:spPr>
           <a:xfrm>
-            <a:off x="1272857" y="10237059"/>
-            <a:ext cx="13369382" cy="3319332"/>
+            <a:off x="1272857" y="13969958"/>
+            <a:ext cx="13369382" cy="3319331"/>
           </a:xfrm>
           <a:prstGeom prst="rect">
             <a:avLst/>
@@ -4196,7 +4197,7 @@
       </p:sp>
       <p:sp>
         <p:nvSpPr>
-          <p:cNvPr id="188" name="中心化交易所"/>
+          <p:cNvPr id="187" name="中心化交易所"/>
           <p:cNvSpPr txBox="1"/>
           <p:nvPr/>
         </p:nvSpPr>
@@ -4280,7 +4281,789 @@
       </p:grpSpPr>
       <p:sp>
         <p:nvSpPr>
-          <p:cNvPr id="190" name="问题#1: 用户资产需要托管…"/>
+          <p:cNvPr id="189" name="24-Hour Trade Volume…"/>
+          <p:cNvSpPr txBox="1"/>
+          <p:nvPr/>
+        </p:nvSpPr>
+        <p:spPr>
+          <a:xfrm>
+            <a:off x="2113666" y="7171635"/>
+            <a:ext cx="6032706" cy="1641476"/>
+          </a:xfrm>
+          <a:prstGeom prst="rect">
+            <a:avLst/>
+          </a:prstGeom>
+          <a:ln w="12700">
+            <a:miter lim="400000"/>
+          </a:ln>
+          <a:extLst>
+            <a:ext uri="{C572A759-6A51-4108-AA02-DFA0A04FC94B}">
+              <ma14:wrappingTextBoxFlag xmlns:ma14="http://schemas.microsoft.com/office/mac/drawingml/2011/main" val="1"/>
+            </a:ext>
+          </a:extLst>
+        </p:spPr>
+        <p:txBody>
+          <a:bodyPr wrap="none" lIns="71437" tIns="71437" rIns="71437" bIns="71437" anchor="ctr">
+            <a:spAutoFit/>
+          </a:bodyPr>
+          <a:lstStyle/>
+          <a:p>
+            <a:pPr>
+              <a:defRPr sz="4500">
+                <a:solidFill>
+                  <a:srgbClr val="000000">
+                    <a:alpha val="0"/>
+                  </a:srgbClr>
+                </a:solidFill>
+                <a:latin typeface="Roboto Regular"/>
+                <a:ea typeface="Roboto Regular"/>
+                <a:cs typeface="Roboto Regular"/>
+                <a:sym typeface="Roboto Regular"/>
+              </a:defRPr>
+            </a:pPr>
+            <a:r>
+              <a:t>24-Hour Trade Volume</a:t>
+            </a:r>
+          </a:p>
+          <a:p>
+            <a:pPr>
+              <a:defRPr sz="4500">
+                <a:solidFill>
+                  <a:srgbClr val="000000">
+                    <a:alpha val="0"/>
+                  </a:srgbClr>
+                </a:solidFill>
+                <a:latin typeface="Roboto Regular"/>
+                <a:ea typeface="Roboto Regular"/>
+                <a:cs typeface="Roboto Regular"/>
+                <a:sym typeface="Roboto Regular"/>
+              </a:defRPr>
+            </a:pPr>
+            <a:r>
+              <a:t>on Global Exchanges</a:t>
+            </a:r>
+          </a:p>
+        </p:txBody>
+      </p:sp>
+      <p:sp>
+        <p:nvSpPr>
+          <p:cNvPr id="190" name="$5B"/>
+          <p:cNvSpPr txBox="1"/>
+          <p:nvPr/>
+        </p:nvSpPr>
+        <p:spPr>
+          <a:xfrm>
+            <a:off x="3416312" y="4902889"/>
+            <a:ext cx="3427414" cy="2555876"/>
+          </a:xfrm>
+          <a:prstGeom prst="rect">
+            <a:avLst/>
+          </a:prstGeom>
+          <a:ln w="12700">
+            <a:miter lim="400000"/>
+          </a:ln>
+          <a:extLst>
+            <a:ext uri="{C572A759-6A51-4108-AA02-DFA0A04FC94B}">
+              <ma14:wrappingTextBoxFlag xmlns:ma14="http://schemas.microsoft.com/office/mac/drawingml/2011/main" val="1"/>
+            </a:ext>
+          </a:extLst>
+        </p:spPr>
+        <p:txBody>
+          <a:bodyPr wrap="none" lIns="71437" tIns="71437" rIns="71437" bIns="71437" anchor="ctr">
+            <a:spAutoFit/>
+          </a:bodyPr>
+          <a:lstStyle>
+            <a:lvl1pPr>
+              <a:defRPr sz="14400">
+                <a:solidFill>
+                  <a:srgbClr val="000000">
+                    <a:alpha val="0"/>
+                  </a:srgbClr>
+                </a:solidFill>
+                <a:latin typeface="Roboto Bold"/>
+                <a:ea typeface="Roboto Bold"/>
+                <a:cs typeface="Roboto Bold"/>
+                <a:sym typeface="Roboto Bold"/>
+              </a:defRPr>
+            </a:lvl1pPr>
+          </a:lstStyle>
+          <a:p>
+            <a:pPr/>
+            <a:r>
+              <a:t>$5B</a:t>
+            </a:r>
+          </a:p>
+        </p:txBody>
+      </p:sp>
+      <p:sp>
+        <p:nvSpPr>
+          <p:cNvPr id="191" name="Poloniex…"/>
+          <p:cNvSpPr txBox="1"/>
+          <p:nvPr/>
+        </p:nvSpPr>
+        <p:spPr>
+          <a:xfrm>
+            <a:off x="10971586" y="785812"/>
+            <a:ext cx="3640237" cy="12144376"/>
+          </a:xfrm>
+          <a:prstGeom prst="rect">
+            <a:avLst/>
+          </a:prstGeom>
+          <a:ln w="12700">
+            <a:miter lim="400000"/>
+          </a:ln>
+          <a:extLst>
+            <a:ext uri="{C572A759-6A51-4108-AA02-DFA0A04FC94B}">
+              <ma14:wrappingTextBoxFlag xmlns:ma14="http://schemas.microsoft.com/office/mac/drawingml/2011/main" val="1"/>
+            </a:ext>
+          </a:extLst>
+        </p:spPr>
+        <p:txBody>
+          <a:bodyPr wrap="none" lIns="71437" tIns="71437" rIns="71437" bIns="71437" anchor="ctr">
+            <a:spAutoFit/>
+          </a:bodyPr>
+          <a:lstStyle/>
+          <a:p>
+            <a:pPr marL="800100" indent="-800100" algn="l">
+              <a:buSzPct val="100000"/>
+              <a:buAutoNum type="arabicPeriod" startAt="1"/>
+              <a:defRPr sz="4800">
+                <a:solidFill>
+                  <a:srgbClr val="FFFFFF">
+                    <a:alpha val="0"/>
+                  </a:srgbClr>
+                </a:solidFill>
+                <a:latin typeface="Roboto Bold"/>
+                <a:ea typeface="Roboto Bold"/>
+                <a:cs typeface="Roboto Bold"/>
+                <a:sym typeface="Roboto Bold"/>
+              </a:defRPr>
+            </a:pPr>
+            <a:r>
+              <a:t>Poloniex</a:t>
+            </a:r>
+          </a:p>
+          <a:p>
+            <a:pPr marL="800100" indent="-800100" algn="l">
+              <a:buSzPct val="100000"/>
+              <a:buAutoNum type="arabicPeriod" startAt="1"/>
+              <a:defRPr sz="4800">
+                <a:solidFill>
+                  <a:srgbClr val="FFFFFF">
+                    <a:alpha val="0"/>
+                  </a:srgbClr>
+                </a:solidFill>
+                <a:latin typeface="Roboto Bold"/>
+                <a:ea typeface="Roboto Bold"/>
+                <a:cs typeface="Roboto Bold"/>
+                <a:sym typeface="Roboto Bold"/>
+              </a:defRPr>
+            </a:pPr>
+            <a:r>
+              <a:t>Kraken</a:t>
+            </a:r>
+          </a:p>
+          <a:p>
+            <a:pPr marL="800100" indent="-800100" algn="l">
+              <a:buSzPct val="100000"/>
+              <a:buAutoNum type="arabicPeriod" startAt="1"/>
+              <a:defRPr sz="4800">
+                <a:solidFill>
+                  <a:srgbClr val="FFFFFF">
+                    <a:alpha val="0"/>
+                  </a:srgbClr>
+                </a:solidFill>
+                <a:latin typeface="Roboto Bold"/>
+                <a:ea typeface="Roboto Bold"/>
+                <a:cs typeface="Roboto Bold"/>
+                <a:sym typeface="Roboto Bold"/>
+              </a:defRPr>
+            </a:pPr>
+            <a:r>
+              <a:t>Bitfinex</a:t>
+            </a:r>
+          </a:p>
+          <a:p>
+            <a:pPr marL="800100" indent="-800100" algn="l">
+              <a:buSzPct val="100000"/>
+              <a:buAutoNum type="arabicPeriod" startAt="1"/>
+              <a:defRPr sz="4800">
+                <a:solidFill>
+                  <a:srgbClr val="FFFFFF">
+                    <a:alpha val="0"/>
+                  </a:srgbClr>
+                </a:solidFill>
+                <a:latin typeface="Roboto Bold"/>
+                <a:ea typeface="Roboto Bold"/>
+                <a:cs typeface="Roboto Bold"/>
+                <a:sym typeface="Roboto Bold"/>
+              </a:defRPr>
+            </a:pPr>
+            <a:r>
+              <a:t>OKCoin</a:t>
+            </a:r>
+          </a:p>
+          <a:p>
+            <a:pPr marL="800100" indent="-800100" algn="l">
+              <a:buSzPct val="100000"/>
+              <a:buAutoNum type="arabicPeriod" startAt="1"/>
+              <a:defRPr sz="4800">
+                <a:solidFill>
+                  <a:srgbClr val="FFFFFF">
+                    <a:alpha val="0"/>
+                  </a:srgbClr>
+                </a:solidFill>
+                <a:latin typeface="Roboto Bold"/>
+                <a:ea typeface="Roboto Bold"/>
+                <a:cs typeface="Roboto Bold"/>
+                <a:sym typeface="Roboto Bold"/>
+              </a:defRPr>
+            </a:pPr>
+            <a:r>
+              <a:t>BTC38</a:t>
+            </a:r>
+          </a:p>
+          <a:p>
+            <a:pPr marL="800100" indent="-800100" algn="l">
+              <a:buSzPct val="100000"/>
+              <a:buAutoNum type="arabicPeriod" startAt="1"/>
+              <a:defRPr sz="4800">
+                <a:solidFill>
+                  <a:srgbClr val="FFFFFF">
+                    <a:alpha val="0"/>
+                  </a:srgbClr>
+                </a:solidFill>
+                <a:latin typeface="Roboto Bold"/>
+                <a:ea typeface="Roboto Bold"/>
+                <a:cs typeface="Roboto Bold"/>
+                <a:sym typeface="Roboto Bold"/>
+              </a:defRPr>
+            </a:pPr>
+            <a:r>
+              <a:t>Bittrex</a:t>
+            </a:r>
+          </a:p>
+          <a:p>
+            <a:pPr marL="800100" indent="-800100" algn="l">
+              <a:buSzPct val="100000"/>
+              <a:buAutoNum type="arabicPeriod" startAt="1"/>
+              <a:defRPr sz="4800">
+                <a:solidFill>
+                  <a:srgbClr val="FFFFFF">
+                    <a:alpha val="0"/>
+                  </a:srgbClr>
+                </a:solidFill>
+                <a:latin typeface="Roboto Bold"/>
+                <a:ea typeface="Roboto Bold"/>
+                <a:cs typeface="Roboto Bold"/>
+                <a:sym typeface="Roboto Bold"/>
+              </a:defRPr>
+            </a:pPr>
+            <a:r>
+              <a:t>Quoine</a:t>
+            </a:r>
+          </a:p>
+          <a:p>
+            <a:pPr marL="800100" indent="-800100" algn="l">
+              <a:buSzPct val="100000"/>
+              <a:buAutoNum type="arabicPeriod" startAt="1"/>
+              <a:defRPr sz="4800">
+                <a:solidFill>
+                  <a:srgbClr val="FFFFFF">
+                    <a:alpha val="0"/>
+                  </a:srgbClr>
+                </a:solidFill>
+                <a:latin typeface="Roboto Bold"/>
+                <a:ea typeface="Roboto Bold"/>
+                <a:cs typeface="Roboto Bold"/>
+                <a:sym typeface="Roboto Bold"/>
+              </a:defRPr>
+            </a:pPr>
+            <a:r>
+              <a:t>Bitstamp</a:t>
+            </a:r>
+          </a:p>
+          <a:p>
+            <a:pPr marL="800100" indent="-800100" algn="l">
+              <a:buSzPct val="100000"/>
+              <a:buAutoNum type="arabicPeriod" startAt="1"/>
+              <a:defRPr sz="4800">
+                <a:solidFill>
+                  <a:srgbClr val="FFFFFF">
+                    <a:alpha val="0"/>
+                  </a:srgbClr>
+                </a:solidFill>
+                <a:latin typeface="Roboto Bold"/>
+                <a:ea typeface="Roboto Bold"/>
+                <a:cs typeface="Roboto Bold"/>
+                <a:sym typeface="Roboto Bold"/>
+              </a:defRPr>
+            </a:pPr>
+            <a:r>
+              <a:t>BTC-e</a:t>
+            </a:r>
+          </a:p>
+          <a:p>
+            <a:pPr marL="800100" indent="-800100" algn="l">
+              <a:buSzPct val="100000"/>
+              <a:buAutoNum type="arabicPeriod" startAt="1"/>
+              <a:defRPr sz="4800">
+                <a:solidFill>
+                  <a:srgbClr val="FFFFFF">
+                    <a:alpha val="0"/>
+                  </a:srgbClr>
+                </a:solidFill>
+                <a:latin typeface="Roboto Bold"/>
+                <a:ea typeface="Roboto Bold"/>
+                <a:cs typeface="Roboto Bold"/>
+                <a:sym typeface="Roboto Bold"/>
+              </a:defRPr>
+            </a:pPr>
+            <a:r>
+              <a:t>CEX.IO</a:t>
+            </a:r>
+          </a:p>
+          <a:p>
+            <a:pPr marL="800100" indent="-800100" algn="l">
+              <a:buSzPct val="100000"/>
+              <a:buAutoNum type="arabicPeriod" startAt="1"/>
+              <a:defRPr sz="4800">
+                <a:solidFill>
+                  <a:srgbClr val="FFFFFF">
+                    <a:alpha val="0"/>
+                  </a:srgbClr>
+                </a:solidFill>
+                <a:latin typeface="Roboto Bold"/>
+                <a:ea typeface="Roboto Bold"/>
+                <a:cs typeface="Roboto Bold"/>
+                <a:sym typeface="Roboto Bold"/>
+              </a:defRPr>
+            </a:pPr>
+            <a:r>
+              <a:t>YoBit</a:t>
+            </a:r>
+          </a:p>
+          <a:p>
+            <a:pPr marL="800100" indent="-800100" algn="l">
+              <a:buSzPct val="100000"/>
+              <a:buAutoNum type="arabicPeriod" startAt="1"/>
+              <a:defRPr sz="4800">
+                <a:solidFill>
+                  <a:srgbClr val="FFFFFF">
+                    <a:alpha val="0"/>
+                  </a:srgbClr>
+                </a:solidFill>
+                <a:latin typeface="Roboto Bold"/>
+                <a:ea typeface="Roboto Bold"/>
+                <a:cs typeface="Roboto Bold"/>
+                <a:sym typeface="Roboto Bold"/>
+              </a:defRPr>
+            </a:pPr>
+            <a:r>
+              <a:t>hitbtc</a:t>
+            </a:r>
+          </a:p>
+          <a:p>
+            <a:pPr marL="800100" indent="-800100" algn="l">
+              <a:buSzPct val="100000"/>
+              <a:buAutoNum type="arabicPeriod" startAt="1"/>
+              <a:defRPr sz="4800">
+                <a:solidFill>
+                  <a:srgbClr val="FFFFFF">
+                    <a:alpha val="0"/>
+                  </a:srgbClr>
+                </a:solidFill>
+                <a:latin typeface="Roboto Bold"/>
+                <a:ea typeface="Roboto Bold"/>
+                <a:cs typeface="Roboto Bold"/>
+                <a:sym typeface="Roboto Bold"/>
+              </a:defRPr>
+            </a:pPr>
+            <a:r>
+              <a:t>Vaultoro</a:t>
+            </a:r>
+          </a:p>
+          <a:p>
+            <a:pPr marL="800100" indent="-800100" algn="l">
+              <a:buSzPct val="100000"/>
+              <a:buAutoNum type="arabicPeriod" startAt="1"/>
+              <a:defRPr sz="4800">
+                <a:solidFill>
+                  <a:srgbClr val="FFFFFF">
+                    <a:alpha val="0"/>
+                  </a:srgbClr>
+                </a:solidFill>
+                <a:latin typeface="Roboto Bold"/>
+                <a:ea typeface="Roboto Bold"/>
+                <a:cs typeface="Roboto Bold"/>
+                <a:sym typeface="Roboto Bold"/>
+              </a:defRPr>
+            </a:pPr>
+            <a:r>
+              <a:t>Coinspot</a:t>
+            </a:r>
+          </a:p>
+          <a:p>
+            <a:pPr marL="800100" indent="-800100" algn="l">
+              <a:buSzPct val="100000"/>
+              <a:buAutoNum type="arabicPeriod" startAt="1"/>
+              <a:defRPr sz="4800">
+                <a:solidFill>
+                  <a:srgbClr val="FFFFFF">
+                    <a:alpha val="0"/>
+                  </a:srgbClr>
+                </a:solidFill>
+                <a:latin typeface="Roboto Bold"/>
+                <a:ea typeface="Roboto Bold"/>
+                <a:cs typeface="Roboto Bold"/>
+                <a:sym typeface="Roboto Bold"/>
+              </a:defRPr>
+            </a:pPr>
+            <a:r>
+              <a:t>Bter</a:t>
+            </a:r>
+          </a:p>
+        </p:txBody>
+      </p:sp>
+      <p:sp>
+        <p:nvSpPr>
+          <p:cNvPr id="192" name="问题#1: 用户资产需要托管…"/>
+          <p:cNvSpPr/>
+          <p:nvPr/>
+        </p:nvSpPr>
+        <p:spPr>
+          <a:xfrm>
+            <a:off x="1272857" y="159609"/>
+            <a:ext cx="13369382" cy="3319332"/>
+          </a:xfrm>
+          <a:prstGeom prst="rect">
+            <a:avLst/>
+          </a:prstGeom>
+          <a:solidFill>
+            <a:schemeClr val="accent2"/>
+          </a:solidFill>
+          <a:ln w="12700">
+            <a:miter lim="400000"/>
+          </a:ln>
+          <a:extLst>
+            <a:ext uri="{C572A759-6A51-4108-AA02-DFA0A04FC94B}">
+              <ma14:wrappingTextBoxFlag xmlns:ma14="http://schemas.microsoft.com/office/mac/drawingml/2011/main" val="1"/>
+            </a:ext>
+          </a:extLst>
+        </p:spPr>
+        <p:txBody>
+          <a:bodyPr lIns="71437" tIns="71437" rIns="71437" bIns="71437" anchor="ctr"/>
+          <a:lstStyle/>
+          <a:p>
+            <a:pPr lvl="3" algn="l">
+              <a:defRPr sz="4800">
+                <a:solidFill>
+                  <a:srgbClr val="FFFFFF"/>
+                </a:solidFill>
+                <a:latin typeface="Roboto Black"/>
+                <a:ea typeface="Roboto Black"/>
+                <a:cs typeface="Roboto Black"/>
+                <a:sym typeface="Roboto Black"/>
+              </a:defRPr>
+            </a:pPr>
+            <a:r>
+              <a:t>问题#1: 用户资产需要托管</a:t>
+            </a:r>
+          </a:p>
+          <a:p>
+            <a:pPr lvl="3" algn="l">
+              <a:defRPr sz="4800">
+                <a:solidFill>
+                  <a:srgbClr val="FFFFFF"/>
+                </a:solidFill>
+                <a:latin typeface="Roboto Black"/>
+                <a:ea typeface="Roboto Black"/>
+                <a:cs typeface="Roboto Black"/>
+                <a:sym typeface="Roboto Black"/>
+              </a:defRPr>
+            </a:pPr>
+            <a:r>
+              <a:t>                      [安全性风险]</a:t>
+            </a:r>
+          </a:p>
+        </p:txBody>
+      </p:sp>
+      <p:sp>
+        <p:nvSpPr>
+          <p:cNvPr id="193" name="问题#2: 交易所内幕交易…"/>
+          <p:cNvSpPr/>
+          <p:nvPr/>
+        </p:nvSpPr>
+        <p:spPr>
+          <a:xfrm>
+            <a:off x="1272857" y="3518759"/>
+            <a:ext cx="13369382" cy="3319332"/>
+          </a:xfrm>
+          <a:prstGeom prst="rect">
+            <a:avLst/>
+          </a:prstGeom>
+          <a:solidFill>
+            <a:schemeClr val="accent1"/>
+          </a:solidFill>
+          <a:ln w="12700">
+            <a:miter lim="400000"/>
+          </a:ln>
+          <a:extLst>
+            <a:ext uri="{C572A759-6A51-4108-AA02-DFA0A04FC94B}">
+              <ma14:wrappingTextBoxFlag xmlns:ma14="http://schemas.microsoft.com/office/mac/drawingml/2011/main" val="1"/>
+            </a:ext>
+          </a:extLst>
+        </p:spPr>
+        <p:txBody>
+          <a:bodyPr lIns="71437" tIns="71437" rIns="71437" bIns="71437" anchor="ctr"/>
+          <a:lstStyle/>
+          <a:p>
+            <a:pPr lvl="3" algn="l">
+              <a:defRPr sz="4800">
+                <a:solidFill>
+                  <a:srgbClr val="FFFFFF"/>
+                </a:solidFill>
+                <a:latin typeface="Roboto Black"/>
+                <a:ea typeface="Roboto Black"/>
+                <a:cs typeface="Roboto Black"/>
+                <a:sym typeface="Roboto Black"/>
+              </a:defRPr>
+            </a:pPr>
+            <a:r>
+              <a:t>问题#2: 交易所内幕交易</a:t>
+            </a:r>
+          </a:p>
+          <a:p>
+            <a:pPr lvl="3" algn="l">
+              <a:defRPr sz="4800">
+                <a:solidFill>
+                  <a:srgbClr val="FFFFFF"/>
+                </a:solidFill>
+                <a:latin typeface="Roboto Black"/>
+                <a:ea typeface="Roboto Black"/>
+                <a:cs typeface="Roboto Black"/>
+                <a:sym typeface="Roboto Black"/>
+              </a:defRPr>
+            </a:pPr>
+            <a:r>
+              <a:t>                      [透明与公正]</a:t>
+            </a:r>
+          </a:p>
+        </p:txBody>
+      </p:sp>
+      <p:sp>
+        <p:nvSpPr>
+          <p:cNvPr id="194" name="问题#3: 订单散落到多交易所…"/>
+          <p:cNvSpPr/>
+          <p:nvPr/>
+        </p:nvSpPr>
+        <p:spPr>
+          <a:xfrm>
+            <a:off x="1272857" y="6877909"/>
+            <a:ext cx="13369382" cy="3319332"/>
+          </a:xfrm>
+          <a:prstGeom prst="rect">
+            <a:avLst/>
+          </a:prstGeom>
+          <a:solidFill>
+            <a:schemeClr val="accent5"/>
+          </a:solidFill>
+          <a:ln w="12700">
+            <a:miter lim="400000"/>
+          </a:ln>
+          <a:extLst>
+            <a:ext uri="{C572A759-6A51-4108-AA02-DFA0A04FC94B}">
+              <ma14:wrappingTextBoxFlag xmlns:ma14="http://schemas.microsoft.com/office/mac/drawingml/2011/main" val="1"/>
+            </a:ext>
+          </a:extLst>
+        </p:spPr>
+        <p:txBody>
+          <a:bodyPr lIns="71437" tIns="71437" rIns="71437" bIns="71437" anchor="ctr"/>
+          <a:lstStyle/>
+          <a:p>
+            <a:pPr lvl="3" algn="l">
+              <a:defRPr sz="4800">
+                <a:solidFill>
+                  <a:srgbClr val="FFFFFF"/>
+                </a:solidFill>
+                <a:latin typeface="Roboto Black"/>
+                <a:ea typeface="Roboto Black"/>
+                <a:cs typeface="Roboto Black"/>
+                <a:sym typeface="Roboto Black"/>
+              </a:defRPr>
+            </a:pPr>
+            <a:r>
+              <a:t>问题#3: 订单散落到多交易所</a:t>
+            </a:r>
+          </a:p>
+          <a:p>
+            <a:pPr lvl="3" algn="l">
+              <a:defRPr sz="4800">
+                <a:solidFill>
+                  <a:srgbClr val="FFFFFF"/>
+                </a:solidFill>
+                <a:latin typeface="Roboto Black"/>
+                <a:ea typeface="Roboto Black"/>
+                <a:cs typeface="Roboto Black"/>
+                <a:sym typeface="Roboto Black"/>
+              </a:defRPr>
+            </a:pPr>
+            <a:r>
+              <a:t>                      [流动性限制]</a:t>
+            </a:r>
+          </a:p>
+        </p:txBody>
+      </p:sp>
+      <p:sp>
+        <p:nvSpPr>
+          <p:cNvPr id="195" name="问题#4: 缺少或没有监管…"/>
+          <p:cNvSpPr/>
+          <p:nvPr/>
+        </p:nvSpPr>
+        <p:spPr>
+          <a:xfrm>
+            <a:off x="1272857" y="10237059"/>
+            <a:ext cx="13369382" cy="3319332"/>
+          </a:xfrm>
+          <a:prstGeom prst="rect">
+            <a:avLst/>
+          </a:prstGeom>
+          <a:solidFill>
+            <a:schemeClr val="accent6"/>
+          </a:solidFill>
+          <a:ln w="12700">
+            <a:miter lim="400000"/>
+          </a:ln>
+          <a:extLst>
+            <a:ext uri="{C572A759-6A51-4108-AA02-DFA0A04FC94B}">
+              <ma14:wrappingTextBoxFlag xmlns:ma14="http://schemas.microsoft.com/office/mac/drawingml/2011/main" val="1"/>
+            </a:ext>
+          </a:extLst>
+        </p:spPr>
+        <p:txBody>
+          <a:bodyPr lIns="71437" tIns="71437" rIns="71437" bIns="71437" anchor="ctr"/>
+          <a:lstStyle/>
+          <a:p>
+            <a:pPr lvl="3" algn="l">
+              <a:defRPr sz="4800">
+                <a:solidFill>
+                  <a:srgbClr val="FFFFFF"/>
+                </a:solidFill>
+                <a:latin typeface="Roboto Black"/>
+                <a:ea typeface="Roboto Black"/>
+                <a:cs typeface="Roboto Black"/>
+                <a:sym typeface="Roboto Black"/>
+              </a:defRPr>
+            </a:pPr>
+            <a:r>
+              <a:t>问题#4: 缺少或没有监管</a:t>
+            </a:r>
+          </a:p>
+          <a:p>
+            <a:pPr lvl="3" algn="l">
+              <a:defRPr sz="4800">
+                <a:solidFill>
+                  <a:srgbClr val="FFFFFF"/>
+                </a:solidFill>
+                <a:latin typeface="Roboto Black"/>
+                <a:ea typeface="Roboto Black"/>
+                <a:cs typeface="Roboto Black"/>
+                <a:sym typeface="Roboto Black"/>
+              </a:defRPr>
+            </a:pPr>
+            <a:r>
+              <a:t>                      [安全性风险]</a:t>
+            </a:r>
+          </a:p>
+        </p:txBody>
+      </p:sp>
+      <p:sp>
+        <p:nvSpPr>
+          <p:cNvPr id="196" name="中心化交易所"/>
+          <p:cNvSpPr txBox="1"/>
+          <p:nvPr/>
+        </p:nvSpPr>
+        <p:spPr>
+          <a:xfrm>
+            <a:off x="16024297" y="6151562"/>
+            <a:ext cx="5641976" cy="1412876"/>
+          </a:xfrm>
+          <a:prstGeom prst="rect">
+            <a:avLst/>
+          </a:prstGeom>
+          <a:ln w="12700">
+            <a:miter lim="400000"/>
+          </a:ln>
+          <a:extLst>
+            <a:ext uri="{C572A759-6A51-4108-AA02-DFA0A04FC94B}">
+              <ma14:wrappingTextBoxFlag xmlns:ma14="http://schemas.microsoft.com/office/mac/drawingml/2011/main" val="1"/>
+            </a:ext>
+          </a:extLst>
+        </p:spPr>
+        <p:txBody>
+          <a:bodyPr wrap="none" lIns="71437" tIns="71437" rIns="71437" bIns="71437" anchor="ctr">
+            <a:spAutoFit/>
+          </a:bodyPr>
+          <a:lstStyle>
+            <a:lvl1pPr>
+              <a:defRPr sz="7200"/>
+            </a:lvl1pPr>
+          </a:lstStyle>
+          <a:p>
+            <a:pPr/>
+            <a:r>
+              <a:t>中心化交易所</a:t>
+            </a:r>
+          </a:p>
+        </p:txBody>
+      </p:sp>
+    </p:spTree>
+  </p:cSld>
+  <p:clrMapOvr>
+    <a:masterClrMapping/>
+  </p:clrMapOvr>
+  <mc:AlternateContent xmlns:mc="http://schemas.openxmlformats.org/markup-compatibility/2006">
+    <mc:Choice xmlns:p14="http://schemas.microsoft.com/office/powerpoint/2010/main" Requires="p14">
+      <p:transition spd="fast" advClick="1" p14:dur="750">
+        <p:dissolve/>
+      </p:transition>
+    </mc:Choice>
+    <mc:Fallback>
+      <p:transition spd="fast">
+        <p:fade/>
+      </p:transition>
+    </mc:Fallback>
+  </mc:AlternateContent>
+</p:sld>
+</file>
+
+<file path=ppt/slides/slide12.xml><?xml version="1.0" encoding="utf-8"?>
+<p:sld xmlns:a="http://schemas.openxmlformats.org/drawingml/2006/main" xmlns:r="http://schemas.openxmlformats.org/officeDocument/2006/relationships" xmlns:p="http://schemas.openxmlformats.org/presentationml/2006/main" showMasterSp="1" showMasterPhAnim="1">
+  <p:cSld>
+    <p:bg>
+      <p:bgPr>
+        <a:solidFill>
+          <a:srgbClr val="FFFFFF"/>
+        </a:solidFill>
+      </p:bgPr>
+    </p:bg>
+    <p:spTree>
+      <p:nvGrpSpPr>
+        <p:cNvPr id="1" name=""/>
+        <p:cNvGrpSpPr/>
+        <p:nvPr/>
+      </p:nvGrpSpPr>
+      <p:grpSpPr>
+        <a:xfrm>
+          <a:off x="0" y="0"/>
+          <a:ext cx="0" cy="0"/>
+          <a:chOff x="0" y="0"/>
+          <a:chExt cx="0" cy="0"/>
+        </a:xfrm>
+      </p:grpSpPr>
+      <p:sp>
+        <p:nvSpPr>
+          <p:cNvPr id="198" name="问题#1: 用户资产需要托管…"/>
           <p:cNvSpPr/>
           <p:nvPr/>
         </p:nvSpPr>
@@ -4343,7 +5126,7 @@
       </p:sp>
       <p:sp>
         <p:nvSpPr>
-          <p:cNvPr id="191" name="问题#2: 交易所内幕交易…"/>
+          <p:cNvPr id="199" name="问题#2: 交易所内幕交易…"/>
           <p:cNvSpPr/>
           <p:nvPr/>
         </p:nvSpPr>
@@ -4406,7 +5189,7 @@
       </p:sp>
       <p:sp>
         <p:nvSpPr>
-          <p:cNvPr id="192" name="问题#3: 订单散落到多交易所…"/>
+          <p:cNvPr id="200" name="问题#3: 订单散落到多交易所…"/>
           <p:cNvSpPr/>
           <p:nvPr/>
         </p:nvSpPr>
@@ -4469,7 +5252,7 @@
       </p:sp>
       <p:sp>
         <p:nvSpPr>
-          <p:cNvPr id="193" name="问题#4: 缺少或没有监管…"/>
+          <p:cNvPr id="201" name="问题#4: 缺少或没有监管…"/>
           <p:cNvSpPr/>
           <p:nvPr/>
         </p:nvSpPr>
@@ -4532,7 +5315,7 @@
       </p:sp>
       <p:sp>
         <p:nvSpPr>
-          <p:cNvPr id="194" name="{"/>
+          <p:cNvPr id="202" name="{"/>
           <p:cNvSpPr txBox="1"/>
           <p:nvPr/>
         </p:nvSpPr>
@@ -4577,7 +5360,7 @@
       </p:sp>
       <p:grpSp>
         <p:nvGrpSpPr>
-          <p:cNvPr id="197" name="Group"/>
+          <p:cNvPr id="205" name="成组"/>
           <p:cNvGrpSpPr/>
           <p:nvPr/>
         </p:nvGrpSpPr>
@@ -4591,7 +5374,7 @@
         </p:grpSpPr>
         <p:sp>
           <p:nvSpPr>
-            <p:cNvPr id="195" name="Loopring"/>
+            <p:cNvPr id="203" name="Loopring"/>
             <p:cNvSpPr txBox="1"/>
             <p:nvPr/>
           </p:nvSpPr>
@@ -4639,7 +5422,7 @@
         </p:sp>
         <p:sp>
           <p:nvSpPr>
-            <p:cNvPr id="196" name="去中心化代币交易所和协议"/>
+            <p:cNvPr id="204" name="去中心化代币交易所和协议"/>
             <p:cNvSpPr txBox="1"/>
             <p:nvPr/>
           </p:nvSpPr>
@@ -4688,7 +5471,7 @@
       </p:grpSp>
       <p:sp>
         <p:nvSpPr>
-          <p:cNvPr id="198" name="中心化交易所"/>
+          <p:cNvPr id="206" name="中心化交易所"/>
           <p:cNvSpPr txBox="1"/>
           <p:nvPr/>
         </p:nvSpPr>
@@ -4746,7 +5529,7 @@
 </p:sld>
 </file>
 
-<file path=ppt/slides/slide12.xml><?xml version="1.0" encoding="utf-8"?>
+<file path=ppt/slides/slide13.xml><?xml version="1.0" encoding="utf-8"?>
 <p:sld xmlns:a="http://schemas.openxmlformats.org/drawingml/2006/main" xmlns:r="http://schemas.openxmlformats.org/officeDocument/2006/relationships" xmlns:p="http://schemas.openxmlformats.org/presentationml/2006/main" showMasterSp="1" showMasterPhAnim="1">
   <p:cSld>
     <p:bg>
@@ -4772,7 +5555,7 @@
       </p:grpSpPr>
       <p:sp>
         <p:nvSpPr>
-          <p:cNvPr id="200" name="Centralized…"/>
+          <p:cNvPr id="208" name="Centralized…"/>
           <p:cNvSpPr txBox="1"/>
           <p:nvPr/>
         </p:nvSpPr>
@@ -4826,7 +5609,7 @@
       </p:sp>
       <p:sp>
         <p:nvSpPr>
-          <p:cNvPr id="201" name="问题#1: 用户资产需要托管…"/>
+          <p:cNvPr id="209" name="问题#1: 用户资产需要托管…"/>
           <p:cNvSpPr/>
           <p:nvPr/>
         </p:nvSpPr>
@@ -4889,7 +5672,7 @@
       </p:sp>
       <p:sp>
         <p:nvSpPr>
-          <p:cNvPr id="202" name="问题#2: 交易所内幕交易…"/>
+          <p:cNvPr id="210" name="问题#2: 交易所内幕交易…"/>
           <p:cNvSpPr/>
           <p:nvPr/>
         </p:nvSpPr>
@@ -4952,7 +5735,7 @@
       </p:sp>
       <p:sp>
         <p:nvSpPr>
-          <p:cNvPr id="203" name="问题#3: 订单散落到多交易所…"/>
+          <p:cNvPr id="211" name="问题#3: 订单散落到多交易所…"/>
           <p:cNvSpPr/>
           <p:nvPr/>
         </p:nvSpPr>
@@ -5015,7 +5798,7 @@
       </p:sp>
       <p:sp>
         <p:nvSpPr>
-          <p:cNvPr id="204" name="{"/>
+          <p:cNvPr id="212" name="{"/>
           <p:cNvSpPr txBox="1"/>
           <p:nvPr/>
         </p:nvSpPr>
@@ -5060,7 +5843,7 @@
       </p:sp>
       <p:grpSp>
         <p:nvGrpSpPr>
-          <p:cNvPr id="207" name="Group"/>
+          <p:cNvPr id="215" name="成组"/>
           <p:cNvGrpSpPr/>
           <p:nvPr/>
         </p:nvGrpSpPr>
@@ -5074,7 +5857,7 @@
         </p:grpSpPr>
         <p:sp>
           <p:nvSpPr>
-            <p:cNvPr id="205" name="1.资产无需托管"/>
+            <p:cNvPr id="213" name="1.资产无需托管"/>
             <p:cNvSpPr txBox="1"/>
             <p:nvPr/>
           </p:nvSpPr>
@@ -5122,7 +5905,7 @@
         </p:sp>
         <p:sp>
           <p:nvSpPr>
-            <p:cNvPr id="206" name="没有充值提现过程，用户订单中的代币一直存放在用户区块链账户中，同时订单不锁定代币，下单后依然可以任意支配资产。"/>
+            <p:cNvPr id="214" name="没有充值提现过程，用户订单中的代币一直存放在用户区块链账户中，同时订单不锁定代币，下单后依然可以任意支配资产。"/>
             <p:cNvSpPr txBox="1"/>
             <p:nvPr/>
           </p:nvSpPr>
@@ -5171,7 +5954,7 @@
       </p:grpSp>
       <p:grpSp>
         <p:nvGrpSpPr>
-          <p:cNvPr id="210" name="Group"/>
+          <p:cNvPr id="218" name="成组"/>
           <p:cNvGrpSpPr/>
           <p:nvPr/>
         </p:nvGrpSpPr>
@@ -5185,7 +5968,7 @@
         </p:grpSpPr>
         <p:sp>
           <p:nvSpPr>
-            <p:cNvPr id="208" name="2. 区块链上交易清算"/>
+            <p:cNvPr id="216" name="2. 区块链上交易清算"/>
             <p:cNvSpPr txBox="1"/>
             <p:nvPr/>
           </p:nvSpPr>
@@ -5233,7 +6016,7 @@
         </p:sp>
         <p:sp>
           <p:nvSpPr>
-            <p:cNvPr id="209" name="订单链外生成，传播和撮合；链上做交易和验证和清结算，清结算通过智能合约保障原执行。不会再有内幕交易。"/>
+            <p:cNvPr id="217" name="订单链外生成，传播和撮合；链上做交易和验证和清结算，清结算通过智能合约保障原执行。不会再有内幕交易。"/>
             <p:cNvSpPr txBox="1"/>
             <p:nvPr/>
           </p:nvSpPr>
@@ -5282,7 +6065,7 @@
       </p:grpSp>
       <p:grpSp>
         <p:nvGrpSpPr>
-          <p:cNvPr id="213" name="Group"/>
+          <p:cNvPr id="221" name="成组"/>
           <p:cNvGrpSpPr/>
           <p:nvPr/>
         </p:nvGrpSpPr>
@@ -5296,7 +6079,7 @@
         </p:grpSpPr>
         <p:sp>
           <p:nvSpPr>
-            <p:cNvPr id="211" name="3. 订单共享"/>
+            <p:cNvPr id="219" name="3. 订单共享"/>
             <p:cNvSpPr txBox="1"/>
             <p:nvPr/>
           </p:nvSpPr>
@@ -5344,7 +6127,7 @@
         </p:sp>
         <p:sp>
           <p:nvSpPr>
-            <p:cNvPr id="212" name="订单可以被广播给一个或多个交易所，做联合的，同时也是竞争式的撮合。用户成交价格更优惠，流动性更大。"/>
+            <p:cNvPr id="220" name="订单可以被广播给一个或多个交易所，做联合的，同时也是竞争式的撮合。用户成交价格更优惠，流动性更大。"/>
             <p:cNvSpPr txBox="1"/>
             <p:nvPr/>
           </p:nvSpPr>
@@ -5393,7 +6176,7 @@
       </p:grpSp>
       <p:grpSp>
         <p:nvGrpSpPr>
-          <p:cNvPr id="216" name="Group"/>
+          <p:cNvPr id="224" name="成组"/>
           <p:cNvGrpSpPr/>
           <p:nvPr/>
         </p:nvGrpSpPr>
@@ -5407,7 +6190,7 @@
         </p:grpSpPr>
         <p:sp>
           <p:nvSpPr>
-            <p:cNvPr id="214" name="4.多订单环路撮合"/>
+            <p:cNvPr id="222" name="4.多订单环路撮合"/>
             <p:cNvSpPr txBox="1"/>
             <p:nvPr/>
           </p:nvSpPr>
@@ -5455,7 +6238,7 @@
         </p:sp>
         <p:sp>
           <p:nvSpPr>
-            <p:cNvPr id="215" name="革命性的“环路撮合”机制，允许任意两个虚拟货币之间的交易。同时能够更大程度上生成新的流动性。"/>
+            <p:cNvPr id="223" name="革命性的“环路撮合”机制，允许任意两个虚拟货币之间的交易。同时能够更大程度上生成新的流动性。"/>
             <p:cNvSpPr txBox="1"/>
             <p:nvPr/>
           </p:nvSpPr>
@@ -5504,7 +6287,7 @@
       </p:grpSp>
       <p:grpSp>
         <p:nvGrpSpPr>
-          <p:cNvPr id="219" name="Group"/>
+          <p:cNvPr id="227" name="成组"/>
           <p:cNvGrpSpPr/>
           <p:nvPr/>
         </p:nvGrpSpPr>
@@ -5518,7 +6301,7 @@
         </p:grpSpPr>
         <p:sp>
           <p:nvSpPr>
-            <p:cNvPr id="217" name="Loopring"/>
+            <p:cNvPr id="225" name="Loopring"/>
             <p:cNvSpPr txBox="1"/>
             <p:nvPr/>
           </p:nvSpPr>
@@ -5566,7 +6349,7 @@
         </p:sp>
         <p:sp>
           <p:nvSpPr>
-            <p:cNvPr id="218" name="去中心化代币交易所和协议"/>
+            <p:cNvPr id="226" name="去中心化代币交易所和协议"/>
             <p:cNvSpPr txBox="1"/>
             <p:nvPr/>
           </p:nvSpPr>
@@ -5663,7 +6446,7 @@
                                       <p:cBhvr>
                                         <p:cTn id="6" fill="hold"/>
                                         <p:tgtEl>
-                                          <p:spTgt spid="210"/>
+                                          <p:spTgt spid="218"/>
                                         </p:tgtEl>
                                         <p:attrNameLst>
                                           <p:attrName>style.visibility</p:attrName>
@@ -5677,7 +6460,7 @@
                                       <p:cBhvr>
                                         <p:cTn id="7" dur="1000"/>
                                         <p:tgtEl>
-                                          <p:spTgt spid="210"/>
+                                          <p:spTgt spid="218"/>
                                         </p:tgtEl>
                                       </p:cBhvr>
                                     </p:animEffect>
@@ -5715,7 +6498,7 @@
                                       <p:cBhvr>
                                         <p:cTn id="11" fill="hold"/>
                                         <p:tgtEl>
-                                          <p:spTgt spid="213"/>
+                                          <p:spTgt spid="221"/>
                                         </p:tgtEl>
                                         <p:attrNameLst>
                                           <p:attrName>style.visibility</p:attrName>
@@ -5729,7 +6512,7 @@
                                       <p:cBhvr>
                                         <p:cTn id="12" dur="1000"/>
                                         <p:tgtEl>
-                                          <p:spTgt spid="213"/>
+                                          <p:spTgt spid="221"/>
                                         </p:tgtEl>
                                       </p:cBhvr>
                                     </p:animEffect>
@@ -5767,7 +6550,7 @@
                                       <p:cBhvr>
                                         <p:cTn id="16" fill="hold"/>
                                         <p:tgtEl>
-                                          <p:spTgt spid="216"/>
+                                          <p:spTgt spid="224"/>
                                         </p:tgtEl>
                                         <p:attrNameLst>
                                           <p:attrName>style.visibility</p:attrName>
@@ -5781,7 +6564,7 @@
                                       <p:cBhvr>
                                         <p:cTn id="17" dur="1000"/>
                                         <p:tgtEl>
-                                          <p:spTgt spid="216"/>
+                                          <p:spTgt spid="224"/>
                                         </p:tgtEl>
                                       </p:cBhvr>
                                     </p:animEffect>
@@ -5816,15 +6599,15 @@
       </p:par>
     </p:tnLst>
     <p:bldLst>
-      <p:bldP build="whole" bldLvl="1" animBg="1" rev="0" advAuto="0" spid="210" grpId="1"/>
-      <p:bldP build="whole" bldLvl="1" animBg="1" rev="0" advAuto="0" spid="213" grpId="2"/>
-      <p:bldP build="whole" bldLvl="1" animBg="1" rev="0" advAuto="0" spid="216" grpId="3"/>
+      <p:bldP build="whole" bldLvl="1" animBg="1" rev="0" advAuto="0" spid="218" grpId="1"/>
+      <p:bldP build="whole" bldLvl="1" animBg="1" rev="0" advAuto="0" spid="221" grpId="2"/>
+      <p:bldP build="whole" bldLvl="1" animBg="1" rev="0" advAuto="0" spid="224" grpId="3"/>
     </p:bldLst>
   </p:timing>
 </p:sld>
 </file>
 
-<file path=ppt/slides/slide13.xml><?xml version="1.0" encoding="utf-8"?>
+<file path=ppt/slides/slide14.xml><?xml version="1.0" encoding="utf-8"?>
 <p:sld xmlns:a="http://schemas.openxmlformats.org/drawingml/2006/main" xmlns:r="http://schemas.openxmlformats.org/officeDocument/2006/relationships" xmlns:p="http://schemas.openxmlformats.org/presentationml/2006/main" showMasterSp="1" showMasterPhAnim="1">
   <p:cSld>
     <p:bg>
@@ -5850,7 +6633,7 @@
       </p:grpSpPr>
       <p:pic>
         <p:nvPicPr>
-          <p:cNvPr id="221" name="pasted-image.pdf" descr="pasted-image.pdf"/>
+          <p:cNvPr id="229" name="pasted-image.pdf" descr="pasted-image.pdf"/>
           <p:cNvPicPr>
             <a:picLocks noChangeAspect="1"/>
           </p:cNvPicPr>
@@ -5879,7 +6662,7 @@
       </p:pic>
       <p:pic>
         <p:nvPicPr>
-          <p:cNvPr id="222" name="pasted-image.pdf" descr="pasted-image.pdf"/>
+          <p:cNvPr id="230" name="pasted-image.pdf" descr="pasted-image.pdf"/>
           <p:cNvPicPr>
             <a:picLocks noChangeAspect="1"/>
           </p:cNvPicPr>
@@ -5908,7 +6691,7 @@
       </p:pic>
       <p:pic>
         <p:nvPicPr>
-          <p:cNvPr id="223" name="pasted-image.pdf" descr="pasted-image.pdf"/>
+          <p:cNvPr id="231" name="pasted-image.pdf" descr="pasted-image.pdf"/>
           <p:cNvPicPr>
             <a:picLocks noChangeAspect="1"/>
           </p:cNvPicPr>
@@ -5937,7 +6720,7 @@
       </p:pic>
       <p:sp>
         <p:nvSpPr>
-          <p:cNvPr id="224" name="order#1…"/>
+          <p:cNvPr id="232" name="order#1…"/>
           <p:cNvSpPr/>
           <p:nvPr/>
         </p:nvSpPr>
@@ -6090,7 +6873,7 @@
       </p:sp>
       <p:sp>
         <p:nvSpPr>
-          <p:cNvPr id="225" name="order#1…"/>
+          <p:cNvPr id="233" name="order#1…"/>
           <p:cNvSpPr/>
           <p:nvPr/>
         </p:nvSpPr>
@@ -6243,7 +7026,7 @@
       </p:sp>
       <p:sp>
         <p:nvSpPr>
-          <p:cNvPr id="226" name="order#1…"/>
+          <p:cNvPr id="234" name="order#1…"/>
           <p:cNvSpPr/>
           <p:nvPr/>
         </p:nvSpPr>
@@ -6396,7 +7179,7 @@
       </p:sp>
       <p:sp>
         <p:nvSpPr>
-          <p:cNvPr id="227" name="order#2…"/>
+          <p:cNvPr id="235" name="order#2…"/>
           <p:cNvSpPr/>
           <p:nvPr/>
         </p:nvSpPr>
@@ -6549,7 +7332,7 @@
       </p:sp>
       <p:sp>
         <p:nvSpPr>
-          <p:cNvPr id="228" name="order#2…"/>
+          <p:cNvPr id="236" name="order#2…"/>
           <p:cNvSpPr/>
           <p:nvPr/>
         </p:nvSpPr>
@@ -6702,7 +7485,7 @@
       </p:sp>
       <p:sp>
         <p:nvSpPr>
-          <p:cNvPr id="229" name="order#2…"/>
+          <p:cNvPr id="237" name="order#2…"/>
           <p:cNvSpPr/>
           <p:nvPr/>
         </p:nvSpPr>
@@ -6855,7 +7638,7 @@
       </p:sp>
       <p:sp>
         <p:nvSpPr>
-          <p:cNvPr id="230" name="order#2…"/>
+          <p:cNvPr id="238" name="order#2…"/>
           <p:cNvSpPr/>
           <p:nvPr/>
         </p:nvSpPr>
@@ -7008,7 +7791,7 @@
       </p:sp>
       <p:sp>
         <p:nvSpPr>
-          <p:cNvPr id="231" name="order#1…"/>
+          <p:cNvPr id="239" name="order#1…"/>
           <p:cNvSpPr/>
           <p:nvPr/>
         </p:nvSpPr>
@@ -7161,7 +7944,7 @@
       </p:sp>
       <p:grpSp>
         <p:nvGrpSpPr>
-          <p:cNvPr id="234" name="Group"/>
+          <p:cNvPr id="242" name="成组"/>
           <p:cNvGrpSpPr/>
           <p:nvPr/>
         </p:nvGrpSpPr>
@@ -7175,7 +7958,7 @@
         </p:grpSpPr>
         <p:sp>
           <p:nvSpPr>
-            <p:cNvPr id="232" name="Loopring"/>
+            <p:cNvPr id="240" name="Loopring"/>
             <p:cNvSpPr txBox="1"/>
             <p:nvPr/>
           </p:nvSpPr>
@@ -7223,7 +8006,7 @@
         </p:sp>
         <p:sp>
           <p:nvSpPr>
-            <p:cNvPr id="233" name="去中心化代币交易所和协议"/>
+            <p:cNvPr id="241" name="去中心化代币交易所和协议"/>
             <p:cNvSpPr txBox="1"/>
             <p:nvPr/>
           </p:nvSpPr>
@@ -7320,7 +8103,7 @@
                                       <p:cBhvr>
                                         <p:cTn id="6" fill="hold"/>
                                         <p:tgtEl>
-                                          <p:spTgt spid="221"/>
+                                          <p:spTgt spid="229"/>
                                         </p:tgtEl>
                                         <p:attrNameLst>
                                           <p:attrName>style.visibility</p:attrName>
@@ -7334,7 +8117,7 @@
                                       <p:cBhvr>
                                         <p:cTn id="7" dur="1000"/>
                                         <p:tgtEl>
-                                          <p:spTgt spid="221"/>
+                                          <p:spTgt spid="229"/>
                                         </p:tgtEl>
                                       </p:cBhvr>
                                     </p:animEffect>
@@ -7363,7 +8146,7 @@
                                       <p:cBhvr>
                                         <p:cTn id="10" fill="hold"/>
                                         <p:tgtEl>
-                                          <p:spTgt spid="222"/>
+                                          <p:spTgt spid="230"/>
                                         </p:tgtEl>
                                         <p:attrNameLst>
                                           <p:attrName>style.visibility</p:attrName>
@@ -7377,7 +8160,7 @@
                                       <p:cBhvr>
                                         <p:cTn id="11" dur="1000"/>
                                         <p:tgtEl>
-                                          <p:spTgt spid="222"/>
+                                          <p:spTgt spid="230"/>
                                         </p:tgtEl>
                                       </p:cBhvr>
                                     </p:animEffect>
@@ -7406,7 +8189,7 @@
                                       <p:cBhvr>
                                         <p:cTn id="14" fill="hold"/>
                                         <p:tgtEl>
-                                          <p:spTgt spid="223"/>
+                                          <p:spTgt spid="231"/>
                                         </p:tgtEl>
                                         <p:attrNameLst>
                                           <p:attrName>style.visibility</p:attrName>
@@ -7420,7 +8203,7 @@
                                       <p:cBhvr>
                                         <p:cTn id="15" dur="1000"/>
                                         <p:tgtEl>
-                                          <p:spTgt spid="223"/>
+                                          <p:spTgt spid="231"/>
                                         </p:tgtEl>
                                       </p:cBhvr>
                                     </p:animEffect>
@@ -7455,15 +8238,15 @@
       </p:par>
     </p:tnLst>
     <p:bldLst>
-      <p:bldP build="whole" bldLvl="1" animBg="1" rev="0" advAuto="0" spid="221" grpId="1"/>
-      <p:bldP build="whole" bldLvl="1" animBg="1" rev="0" advAuto="0" spid="222" grpId="2"/>
-      <p:bldP build="whole" bldLvl="1" animBg="1" rev="0" advAuto="0" spid="223" grpId="3"/>
+      <p:bldP build="whole" bldLvl="1" animBg="1" rev="0" advAuto="0" spid="230" grpId="2"/>
+      <p:bldP build="whole" bldLvl="1" animBg="1" rev="0" advAuto="0" spid="231" grpId="3"/>
+      <p:bldP build="whole" bldLvl="1" animBg="1" rev="0" advAuto="0" spid="229" grpId="1"/>
     </p:bldLst>
   </p:timing>
 </p:sld>
 </file>
 
-<file path=ppt/slides/slide14.xml><?xml version="1.0" encoding="utf-8"?>
+<file path=ppt/slides/slide15.xml><?xml version="1.0" encoding="utf-8"?>
 <p:sld xmlns:a="http://schemas.openxmlformats.org/drawingml/2006/main" xmlns:r="http://schemas.openxmlformats.org/officeDocument/2006/relationships" xmlns:p="http://schemas.openxmlformats.org/presentationml/2006/main" showMasterSp="1" showMasterPhAnim="1">
   <p:cSld>
     <p:bg>
@@ -7489,7 +8272,7 @@
       </p:grpSpPr>
       <p:pic>
         <p:nvPicPr>
-          <p:cNvPr id="236" name="pasted-image.pdf" descr="pasted-image.pdf"/>
+          <p:cNvPr id="244" name="pasted-image.pdf" descr="pasted-image.pdf"/>
           <p:cNvPicPr>
             <a:picLocks noChangeAspect="1"/>
           </p:cNvPicPr>
@@ -7518,7 +8301,7 @@
       </p:pic>
       <p:pic>
         <p:nvPicPr>
-          <p:cNvPr id="237" name="pasted-image.pdf" descr="pasted-image.pdf"/>
+          <p:cNvPr id="245" name="pasted-image.pdf" descr="pasted-image.pdf"/>
           <p:cNvPicPr>
             <a:picLocks noChangeAspect="1"/>
           </p:cNvPicPr>
@@ -7547,7 +8330,7 @@
       </p:pic>
       <p:pic>
         <p:nvPicPr>
-          <p:cNvPr id="238" name="pasted-image.pdf" descr="pasted-image.pdf"/>
+          <p:cNvPr id="246" name="pasted-image.pdf" descr="pasted-image.pdf"/>
           <p:cNvPicPr>
             <a:picLocks noChangeAspect="1"/>
           </p:cNvPicPr>
@@ -7576,7 +8359,7 @@
       </p:pic>
       <p:sp>
         <p:nvSpPr>
-          <p:cNvPr id="239" name="order#1…"/>
+          <p:cNvPr id="247" name="order#1…"/>
           <p:cNvSpPr/>
           <p:nvPr/>
         </p:nvSpPr>
@@ -7729,7 +8512,7 @@
       </p:sp>
       <p:sp>
         <p:nvSpPr>
-          <p:cNvPr id="240" name="order#1…"/>
+          <p:cNvPr id="248" name="order#1…"/>
           <p:cNvSpPr/>
           <p:nvPr/>
         </p:nvSpPr>
@@ -7882,7 +8665,7 @@
       </p:sp>
       <p:sp>
         <p:nvSpPr>
-          <p:cNvPr id="241" name="order#2…"/>
+          <p:cNvPr id="249" name="order#2…"/>
           <p:cNvSpPr/>
           <p:nvPr/>
         </p:nvSpPr>
@@ -8035,7 +8818,7 @@
       </p:sp>
       <p:sp>
         <p:nvSpPr>
-          <p:cNvPr id="242" name="order#2…"/>
+          <p:cNvPr id="250" name="order#2…"/>
           <p:cNvSpPr/>
           <p:nvPr/>
         </p:nvSpPr>
@@ -8188,7 +8971,7 @@
       </p:sp>
       <p:sp>
         <p:nvSpPr>
-          <p:cNvPr id="243" name="order#1…"/>
+          <p:cNvPr id="251" name="order#1…"/>
           <p:cNvSpPr/>
           <p:nvPr/>
         </p:nvSpPr>
@@ -8341,7 +9124,7 @@
       </p:sp>
       <p:sp>
         <p:nvSpPr>
-          <p:cNvPr id="244" name="order#2…"/>
+          <p:cNvPr id="252" name="order#2…"/>
           <p:cNvSpPr/>
           <p:nvPr/>
         </p:nvSpPr>
@@ -8494,7 +9277,7 @@
       </p:sp>
       <p:sp>
         <p:nvSpPr>
-          <p:cNvPr id="245" name="order#2…"/>
+          <p:cNvPr id="253" name="order#2…"/>
           <p:cNvSpPr/>
           <p:nvPr/>
         </p:nvSpPr>
@@ -8647,7 +9430,7 @@
       </p:sp>
       <p:sp>
         <p:nvSpPr>
-          <p:cNvPr id="246" name="order#1…"/>
+          <p:cNvPr id="254" name="order#1…"/>
           <p:cNvSpPr/>
           <p:nvPr/>
         </p:nvSpPr>
@@ -8800,7 +9583,7 @@
       </p:sp>
       <p:grpSp>
         <p:nvGrpSpPr>
-          <p:cNvPr id="249" name="Group"/>
+          <p:cNvPr id="257" name="成组"/>
           <p:cNvGrpSpPr/>
           <p:nvPr/>
         </p:nvGrpSpPr>
@@ -8814,7 +9597,7 @@
         </p:grpSpPr>
         <p:sp>
           <p:nvSpPr>
-            <p:cNvPr id="247" name="Loopring"/>
+            <p:cNvPr id="255" name="Loopring"/>
             <p:cNvSpPr txBox="1"/>
             <p:nvPr/>
           </p:nvSpPr>
@@ -8862,7 +9645,7 @@
         </p:sp>
         <p:sp>
           <p:nvSpPr>
-            <p:cNvPr id="248" name="去中心化代币交易所和协议"/>
+            <p:cNvPr id="256" name="去中心化代币交易所和协议"/>
             <p:cNvSpPr txBox="1"/>
             <p:nvPr/>
           </p:nvSpPr>
@@ -8929,7 +9712,7 @@
 </p:sld>
 </file>
 
-<file path=ppt/slides/slide15.xml><?xml version="1.0" encoding="utf-8"?>
+<file path=ppt/slides/slide16.xml><?xml version="1.0" encoding="utf-8"?>
 <p:sld xmlns:a="http://schemas.openxmlformats.org/drawingml/2006/main" xmlns:r="http://schemas.openxmlformats.org/officeDocument/2006/relationships" xmlns:p="http://schemas.openxmlformats.org/presentationml/2006/main" showMasterSp="1" showMasterPhAnim="1">
   <p:cSld>
     <p:bg>
@@ -8955,7 +9738,7 @@
       </p:grpSpPr>
       <p:pic>
         <p:nvPicPr>
-          <p:cNvPr id="251" name="pasted-image.pdf" descr="pasted-image.pdf"/>
+          <p:cNvPr id="259" name="pasted-image.pdf" descr="pasted-image.pdf"/>
           <p:cNvPicPr>
             <a:picLocks noChangeAspect="1"/>
           </p:cNvPicPr>
@@ -8984,7 +9767,7 @@
       </p:pic>
       <p:pic>
         <p:nvPicPr>
-          <p:cNvPr id="252" name="pasted-image.pdf" descr="pasted-image.pdf"/>
+          <p:cNvPr id="260" name="pasted-image.pdf" descr="pasted-image.pdf"/>
           <p:cNvPicPr>
             <a:picLocks noChangeAspect="1"/>
           </p:cNvPicPr>
@@ -9013,7 +9796,7 @@
       </p:pic>
       <p:pic>
         <p:nvPicPr>
-          <p:cNvPr id="253" name="pasted-image.pdf" descr="pasted-image.pdf"/>
+          <p:cNvPr id="261" name="pasted-image.pdf" descr="pasted-image.pdf"/>
           <p:cNvPicPr>
             <a:picLocks noChangeAspect="1"/>
           </p:cNvPicPr>
@@ -9042,7 +9825,7 @@
       </p:pic>
       <p:pic>
         <p:nvPicPr>
-          <p:cNvPr id="254" name="pasted-image.pdf" descr="pasted-image.pdf"/>
+          <p:cNvPr id="262" name="pasted-image.pdf" descr="pasted-image.pdf"/>
           <p:cNvPicPr>
             <a:picLocks noChangeAspect="1"/>
           </p:cNvPicPr>
@@ -9071,7 +9854,7 @@
       </p:pic>
       <p:sp>
         <p:nvSpPr>
-          <p:cNvPr id="255" name="order#1…"/>
+          <p:cNvPr id="263" name="order#1…"/>
           <p:cNvSpPr/>
           <p:nvPr/>
         </p:nvSpPr>
@@ -9224,7 +10007,7 @@
       </p:sp>
       <p:sp>
         <p:nvSpPr>
-          <p:cNvPr id="256" name="order#1…"/>
+          <p:cNvPr id="264" name="order#1…"/>
           <p:cNvSpPr/>
           <p:nvPr/>
         </p:nvSpPr>
@@ -9377,7 +10160,7 @@
       </p:sp>
       <p:sp>
         <p:nvSpPr>
-          <p:cNvPr id="257" name="order#2…"/>
+          <p:cNvPr id="265" name="order#2…"/>
           <p:cNvSpPr/>
           <p:nvPr/>
         </p:nvSpPr>
@@ -9530,7 +10313,7 @@
       </p:sp>
       <p:sp>
         <p:nvSpPr>
-          <p:cNvPr id="258" name="order#2…"/>
+          <p:cNvPr id="266" name="order#2…"/>
           <p:cNvSpPr/>
           <p:nvPr/>
         </p:nvSpPr>
@@ -9683,7 +10466,7 @@
       </p:sp>
       <p:sp>
         <p:nvSpPr>
-          <p:cNvPr id="259" name="order#1…"/>
+          <p:cNvPr id="267" name="order#1…"/>
           <p:cNvSpPr/>
           <p:nvPr/>
         </p:nvSpPr>
@@ -9836,7 +10619,7 @@
       </p:sp>
       <p:sp>
         <p:nvSpPr>
-          <p:cNvPr id="260" name="order#2…"/>
+          <p:cNvPr id="268" name="order#2…"/>
           <p:cNvSpPr/>
           <p:nvPr/>
         </p:nvSpPr>
@@ -9989,7 +10772,7 @@
       </p:sp>
       <p:sp>
         <p:nvSpPr>
-          <p:cNvPr id="261" name="order#2…"/>
+          <p:cNvPr id="269" name="order#2…"/>
           <p:cNvSpPr/>
           <p:nvPr/>
         </p:nvSpPr>
@@ -10142,7 +10925,7 @@
       </p:sp>
       <p:sp>
         <p:nvSpPr>
-          <p:cNvPr id="262" name="order#1…"/>
+          <p:cNvPr id="270" name="order#1…"/>
           <p:cNvSpPr/>
           <p:nvPr/>
         </p:nvSpPr>
@@ -10295,7 +11078,7 @@
       </p:sp>
       <p:sp>
         <p:nvSpPr>
-          <p:cNvPr id="263" name="Blockchain"/>
+          <p:cNvPr id="271" name="Blockchain"/>
           <p:cNvSpPr/>
           <p:nvPr/>
         </p:nvSpPr>
@@ -10350,7 +11133,7 @@
       </p:sp>
       <p:sp>
         <p:nvSpPr>
-          <p:cNvPr id="264" name="address_X"/>
+          <p:cNvPr id="272" name="address_X"/>
           <p:cNvSpPr/>
           <p:nvPr/>
         </p:nvSpPr>
@@ -10402,7 +11185,7 @@
       </p:sp>
       <p:sp>
         <p:nvSpPr>
-          <p:cNvPr id="265" name="address_Y"/>
+          <p:cNvPr id="273" name="address_Y"/>
           <p:cNvSpPr/>
           <p:nvPr/>
         </p:nvSpPr>
@@ -10454,7 +11237,7 @@
       </p:sp>
       <p:sp>
         <p:nvSpPr>
-          <p:cNvPr id="266" name="Loopring…"/>
+          <p:cNvPr id="274" name="Loopring…"/>
           <p:cNvSpPr/>
           <p:nvPr/>
         </p:nvSpPr>
@@ -10516,7 +11299,7 @@
       </p:sp>
       <p:grpSp>
         <p:nvGrpSpPr>
-          <p:cNvPr id="269" name="Group"/>
+          <p:cNvPr id="277" name="成组"/>
           <p:cNvGrpSpPr/>
           <p:nvPr/>
         </p:nvGrpSpPr>
@@ -10530,7 +11313,7 @@
         </p:grpSpPr>
         <p:sp>
           <p:nvSpPr>
-            <p:cNvPr id="267" name="Loopring"/>
+            <p:cNvPr id="275" name="Loopring"/>
             <p:cNvSpPr txBox="1"/>
             <p:nvPr/>
           </p:nvSpPr>
@@ -10578,7 +11361,7 @@
         </p:sp>
         <p:sp>
           <p:nvSpPr>
-            <p:cNvPr id="268" name="去中心化代币交易所和协议"/>
+            <p:cNvPr id="276" name="去中心化代币交易所和协议"/>
             <p:cNvSpPr txBox="1"/>
             <p:nvPr/>
           </p:nvSpPr>
@@ -10678,7 +11461,7 @@
                                       <p:cBhvr>
                                         <p:cTn id="6" fill="hold"/>
                                         <p:tgtEl>
-                                          <p:spTgt spid="251"/>
+                                          <p:spTgt spid="259"/>
                                         </p:tgtEl>
                                         <p:attrNameLst>
                                           <p:attrName>style.visibility</p:attrName>
@@ -10692,7 +11475,7 @@
                                       <p:cBhvr>
                                         <p:cTn id="7" dur="1000"/>
                                         <p:tgtEl>
-                                          <p:spTgt spid="251"/>
+                                          <p:spTgt spid="259"/>
                                         </p:tgtEl>
                                       </p:cBhvr>
                                     </p:animEffect>
@@ -10727,13 +11510,13 @@
       </p:par>
     </p:tnLst>
     <p:bldLst>
-      <p:bldP build="whole" bldLvl="1" animBg="1" rev="0" advAuto="0" spid="251" grpId="1"/>
+      <p:bldP build="whole" bldLvl="1" animBg="1" rev="0" advAuto="0" spid="259" grpId="1"/>
     </p:bldLst>
   </p:timing>
 </p:sld>
 </file>
 
-<file path=ppt/slides/slide16.xml><?xml version="1.0" encoding="utf-8"?>
+<file path=ppt/slides/slide17.xml><?xml version="1.0" encoding="utf-8"?>
 <p:sld xmlns:a="http://schemas.openxmlformats.org/drawingml/2006/main" xmlns:r="http://schemas.openxmlformats.org/officeDocument/2006/relationships" xmlns:p="http://schemas.openxmlformats.org/presentationml/2006/main" showMasterSp="1" showMasterPhAnim="1">
   <p:cSld>
     <p:bg>
@@ -10759,7 +11542,7 @@
       </p:grpSpPr>
       <p:pic>
         <p:nvPicPr>
-          <p:cNvPr id="271" name="pasted-image.pdf" descr="pasted-image.pdf"/>
+          <p:cNvPr id="279" name="pasted-image.pdf" descr="pasted-image.pdf"/>
           <p:cNvPicPr>
             <a:picLocks noChangeAspect="1"/>
           </p:cNvPicPr>
@@ -10788,7 +11571,7 @@
       </p:pic>
       <p:pic>
         <p:nvPicPr>
-          <p:cNvPr id="272" name="pasted-image.pdf" descr="pasted-image.pdf"/>
+          <p:cNvPr id="280" name="pasted-image.pdf" descr="pasted-image.pdf"/>
           <p:cNvPicPr>
             <a:picLocks noChangeAspect="1"/>
           </p:cNvPicPr>
@@ -10818,7 +11601,7 @@
       </p:pic>
       <p:pic>
         <p:nvPicPr>
-          <p:cNvPr id="273" name="pasted-image.pdf" descr="pasted-image.pdf"/>
+          <p:cNvPr id="281" name="pasted-image.pdf" descr="pasted-image.pdf"/>
           <p:cNvPicPr>
             <a:picLocks noChangeAspect="1"/>
           </p:cNvPicPr>
@@ -10848,7 +11631,7 @@
       </p:pic>
       <p:sp>
         <p:nvSpPr>
-          <p:cNvPr id="274" name="order#1…"/>
+          <p:cNvPr id="282" name="order#1…"/>
           <p:cNvSpPr/>
           <p:nvPr/>
         </p:nvSpPr>
@@ -11005,7 +11788,7 @@
       </p:sp>
       <p:sp>
         <p:nvSpPr>
-          <p:cNvPr id="275" name="order#2…"/>
+          <p:cNvPr id="283" name="order#2…"/>
           <p:cNvSpPr/>
           <p:nvPr/>
         </p:nvSpPr>
@@ -11162,7 +11945,7 @@
       </p:sp>
       <p:sp>
         <p:nvSpPr>
-          <p:cNvPr id="276" name="order#1…"/>
+          <p:cNvPr id="284" name="order#1…"/>
           <p:cNvSpPr/>
           <p:nvPr/>
         </p:nvSpPr>
@@ -11319,7 +12102,7 @@
       </p:sp>
       <p:sp>
         <p:nvSpPr>
-          <p:cNvPr id="277" name="order#2…"/>
+          <p:cNvPr id="285" name="order#2…"/>
           <p:cNvSpPr/>
           <p:nvPr/>
         </p:nvSpPr>
@@ -11476,7 +12259,7 @@
       </p:sp>
       <p:sp>
         <p:nvSpPr>
-          <p:cNvPr id="278" name="order#2…"/>
+          <p:cNvPr id="286" name="order#2…"/>
           <p:cNvSpPr/>
           <p:nvPr/>
         </p:nvSpPr>
@@ -11629,7 +12412,7 @@
       </p:sp>
       <p:sp>
         <p:nvSpPr>
-          <p:cNvPr id="279" name="order#1…"/>
+          <p:cNvPr id="287" name="order#1…"/>
           <p:cNvSpPr/>
           <p:nvPr/>
         </p:nvSpPr>
@@ -11782,7 +12565,7 @@
       </p:sp>
       <p:sp>
         <p:nvSpPr>
-          <p:cNvPr id="280" name="Blockchain"/>
+          <p:cNvPr id="288" name="Blockchain"/>
           <p:cNvSpPr/>
           <p:nvPr/>
         </p:nvSpPr>
@@ -11837,7 +12620,7 @@
       </p:sp>
       <p:sp>
         <p:nvSpPr>
-          <p:cNvPr id="281" name="address_X"/>
+          <p:cNvPr id="289" name="address_X"/>
           <p:cNvSpPr/>
           <p:nvPr/>
         </p:nvSpPr>
@@ -11889,7 +12672,7 @@
       </p:sp>
       <p:sp>
         <p:nvSpPr>
-          <p:cNvPr id="282" name="address_Y"/>
+          <p:cNvPr id="290" name="address_Y"/>
           <p:cNvSpPr/>
           <p:nvPr/>
         </p:nvSpPr>
@@ -11941,7 +12724,7 @@
       </p:sp>
       <p:sp>
         <p:nvSpPr>
-          <p:cNvPr id="283" name="Loopring…"/>
+          <p:cNvPr id="291" name="Loopring…"/>
           <p:cNvSpPr/>
           <p:nvPr/>
         </p:nvSpPr>
@@ -12003,7 +12786,7 @@
       </p:sp>
       <p:pic>
         <p:nvPicPr>
-          <p:cNvPr id="284" name="pasted-image.pdf" descr="pasted-image.pdf"/>
+          <p:cNvPr id="292" name="pasted-image.pdf" descr="pasted-image.pdf"/>
           <p:cNvPicPr>
             <a:picLocks noChangeAspect="1"/>
           </p:cNvPicPr>
@@ -12032,7 +12815,7 @@
       </p:pic>
       <p:sp>
         <p:nvSpPr>
-          <p:cNvPr id="285" name="order#1…"/>
+          <p:cNvPr id="293" name="order#1…"/>
           <p:cNvSpPr/>
           <p:nvPr/>
         </p:nvSpPr>
@@ -12185,7 +12968,7 @@
       </p:sp>
       <p:sp>
         <p:nvSpPr>
-          <p:cNvPr id="286" name="order#2…"/>
+          <p:cNvPr id="294" name="order#2…"/>
           <p:cNvSpPr/>
           <p:nvPr/>
         </p:nvSpPr>
@@ -12338,7 +13121,7 @@
       </p:sp>
       <p:sp>
         <p:nvSpPr>
-          <p:cNvPr id="287" name="Line"/>
+          <p:cNvPr id="295" name="线条"/>
           <p:cNvSpPr/>
           <p:nvPr/>
         </p:nvSpPr>
@@ -12377,7 +13160,7 @@
       </p:sp>
       <p:sp>
         <p:nvSpPr>
-          <p:cNvPr id="288" name="Line"/>
+          <p:cNvPr id="296" name="线条"/>
           <p:cNvSpPr/>
           <p:nvPr/>
         </p:nvSpPr>
@@ -12417,7 +13200,7 @@
       </p:sp>
       <p:sp>
         <p:nvSpPr>
-          <p:cNvPr id="289" name="Line"/>
+          <p:cNvPr id="297" name="线条"/>
           <p:cNvSpPr/>
           <p:nvPr/>
         </p:nvSpPr>
@@ -12457,7 +13240,7 @@
       </p:sp>
       <p:grpSp>
         <p:nvGrpSpPr>
-          <p:cNvPr id="292" name="Group"/>
+          <p:cNvPr id="300" name="成组"/>
           <p:cNvGrpSpPr/>
           <p:nvPr/>
         </p:nvGrpSpPr>
@@ -12471,7 +13254,7 @@
         </p:grpSpPr>
         <p:sp>
           <p:nvSpPr>
-            <p:cNvPr id="290" name="Loopring"/>
+            <p:cNvPr id="298" name="Loopring"/>
             <p:cNvSpPr txBox="1"/>
             <p:nvPr/>
           </p:nvSpPr>
@@ -12519,7 +13302,7 @@
         </p:sp>
         <p:sp>
           <p:nvSpPr>
-            <p:cNvPr id="291" name="去中心化代币交易所和协议"/>
+            <p:cNvPr id="299" name="去中心化代币交易所和协议"/>
             <p:cNvSpPr txBox="1"/>
             <p:nvPr/>
           </p:nvSpPr>
@@ -12586,7 +13369,7 @@
 </p:sld>
 </file>
 
-<file path=ppt/slides/slide17.xml><?xml version="1.0" encoding="utf-8"?>
+<file path=ppt/slides/slide18.xml><?xml version="1.0" encoding="utf-8"?>
 <p:sld xmlns:a="http://schemas.openxmlformats.org/drawingml/2006/main" xmlns:r="http://schemas.openxmlformats.org/officeDocument/2006/relationships" xmlns:p="http://schemas.openxmlformats.org/presentationml/2006/main" showMasterSp="1" showMasterPhAnim="1">
   <p:cSld>
     <p:bg>
@@ -12612,7 +13395,7 @@
       </p:grpSpPr>
       <p:pic>
         <p:nvPicPr>
-          <p:cNvPr id="294" name="pasted-image.pdf" descr="pasted-image.pdf"/>
+          <p:cNvPr id="302" name="pasted-image.pdf" descr="pasted-image.pdf"/>
           <p:cNvPicPr>
             <a:picLocks noChangeAspect="1"/>
           </p:cNvPicPr>
@@ -12641,7 +13424,7 @@
       </p:pic>
       <p:pic>
         <p:nvPicPr>
-          <p:cNvPr id="295" name="pasted-image.pdf" descr="pasted-image.pdf"/>
+          <p:cNvPr id="303" name="pasted-image.pdf" descr="pasted-image.pdf"/>
           <p:cNvPicPr>
             <a:picLocks noChangeAspect="1"/>
           </p:cNvPicPr>
@@ -12671,7 +13454,7 @@
       </p:pic>
       <p:pic>
         <p:nvPicPr>
-          <p:cNvPr id="296" name="pasted-image.pdf" descr="pasted-image.pdf"/>
+          <p:cNvPr id="304" name="pasted-image.pdf" descr="pasted-image.pdf"/>
           <p:cNvPicPr>
             <a:picLocks noChangeAspect="1"/>
           </p:cNvPicPr>
@@ -12701,7 +13484,7 @@
       </p:pic>
       <p:sp>
         <p:nvSpPr>
-          <p:cNvPr id="297" name="order#1…"/>
+          <p:cNvPr id="305" name="order#1…"/>
           <p:cNvSpPr/>
           <p:nvPr/>
         </p:nvSpPr>
@@ -12858,7 +13641,7 @@
       </p:sp>
       <p:sp>
         <p:nvSpPr>
-          <p:cNvPr id="298" name="order#2…"/>
+          <p:cNvPr id="306" name="order#2…"/>
           <p:cNvSpPr/>
           <p:nvPr/>
         </p:nvSpPr>
@@ -13015,7 +13798,7 @@
       </p:sp>
       <p:sp>
         <p:nvSpPr>
-          <p:cNvPr id="299" name="order#1…"/>
+          <p:cNvPr id="307" name="order#1…"/>
           <p:cNvSpPr/>
           <p:nvPr/>
         </p:nvSpPr>
@@ -13172,7 +13955,7 @@
       </p:sp>
       <p:sp>
         <p:nvSpPr>
-          <p:cNvPr id="300" name="order#2…"/>
+          <p:cNvPr id="308" name="order#2…"/>
           <p:cNvSpPr/>
           <p:nvPr/>
         </p:nvSpPr>
@@ -13329,7 +14112,7 @@
       </p:sp>
       <p:sp>
         <p:nvSpPr>
-          <p:cNvPr id="301" name="order#2…"/>
+          <p:cNvPr id="309" name="order#2…"/>
           <p:cNvSpPr/>
           <p:nvPr/>
         </p:nvSpPr>
@@ -13482,7 +14265,7 @@
       </p:sp>
       <p:sp>
         <p:nvSpPr>
-          <p:cNvPr id="302" name="order#1…"/>
+          <p:cNvPr id="310" name="order#1…"/>
           <p:cNvSpPr/>
           <p:nvPr/>
         </p:nvSpPr>
@@ -13635,7 +14418,7 @@
       </p:sp>
       <p:sp>
         <p:nvSpPr>
-          <p:cNvPr id="303" name="Blockchain"/>
+          <p:cNvPr id="311" name="Blockchain"/>
           <p:cNvSpPr/>
           <p:nvPr/>
         </p:nvSpPr>
@@ -13690,7 +14473,7 @@
       </p:sp>
       <p:sp>
         <p:nvSpPr>
-          <p:cNvPr id="304" name="address_X"/>
+          <p:cNvPr id="312" name="address_X"/>
           <p:cNvSpPr/>
           <p:nvPr/>
         </p:nvSpPr>
@@ -13742,7 +14525,7 @@
       </p:sp>
       <p:sp>
         <p:nvSpPr>
-          <p:cNvPr id="305" name="address_Y"/>
+          <p:cNvPr id="313" name="address_Y"/>
           <p:cNvSpPr/>
           <p:nvPr/>
         </p:nvSpPr>
@@ -13794,7 +14577,7 @@
       </p:sp>
       <p:sp>
         <p:nvSpPr>
-          <p:cNvPr id="306" name="Loopring…"/>
+          <p:cNvPr id="314" name="Loopring…"/>
           <p:cNvSpPr/>
           <p:nvPr/>
         </p:nvSpPr>
@@ -13856,7 +14639,7 @@
       </p:sp>
       <p:pic>
         <p:nvPicPr>
-          <p:cNvPr id="307" name="pasted-image.pdf" descr="pasted-image.pdf"/>
+          <p:cNvPr id="315" name="pasted-image.pdf" descr="pasted-image.pdf"/>
           <p:cNvPicPr>
             <a:picLocks noChangeAspect="1"/>
           </p:cNvPicPr>
@@ -13885,7 +14668,7 @@
       </p:pic>
       <p:sp>
         <p:nvSpPr>
-          <p:cNvPr id="308" name="order#1…"/>
+          <p:cNvPr id="316" name="order#1…"/>
           <p:cNvSpPr/>
           <p:nvPr/>
         </p:nvSpPr>
@@ -14038,7 +14821,7 @@
       </p:sp>
       <p:sp>
         <p:nvSpPr>
-          <p:cNvPr id="309" name="order#2…"/>
+          <p:cNvPr id="317" name="order#2…"/>
           <p:cNvSpPr/>
           <p:nvPr/>
         </p:nvSpPr>
@@ -14191,7 +14974,7 @@
       </p:sp>
       <p:sp>
         <p:nvSpPr>
-          <p:cNvPr id="310" name="Line"/>
+          <p:cNvPr id="318" name="线条"/>
           <p:cNvSpPr/>
           <p:nvPr/>
         </p:nvSpPr>
@@ -14230,7 +15013,7 @@
       </p:sp>
       <p:sp>
         <p:nvSpPr>
-          <p:cNvPr id="311" name="Line"/>
+          <p:cNvPr id="319" name="线条"/>
           <p:cNvSpPr/>
           <p:nvPr/>
         </p:nvSpPr>
@@ -14270,7 +15053,7 @@
       </p:sp>
       <p:sp>
         <p:nvSpPr>
-          <p:cNvPr id="312" name="Line"/>
+          <p:cNvPr id="320" name="线条"/>
           <p:cNvSpPr/>
           <p:nvPr/>
         </p:nvSpPr>
@@ -14310,7 +15093,7 @@
       </p:sp>
       <p:grpSp>
         <p:nvGrpSpPr>
-          <p:cNvPr id="317" name="Group"/>
+          <p:cNvPr id="325" name="成组"/>
           <p:cNvGrpSpPr/>
           <p:nvPr/>
         </p:nvGrpSpPr>
@@ -14324,7 +15107,7 @@
         </p:grpSpPr>
         <p:sp>
           <p:nvSpPr>
-            <p:cNvPr id="321" name="Connection Line"/>
+            <p:cNvPr id="329" name="连接线"/>
             <p:cNvSpPr/>
             <p:nvPr/>
           </p:nvSpPr>
@@ -14390,7 +15173,7 @@
         </p:sp>
         <p:sp>
           <p:nvSpPr>
-            <p:cNvPr id="314" name="4750 token_A"/>
+            <p:cNvPr id="322" name="4750 token_A"/>
             <p:cNvSpPr txBox="1"/>
             <p:nvPr/>
           </p:nvSpPr>
@@ -14445,7 +15228,7 @@
         </p:sp>
         <p:sp>
           <p:nvSpPr>
-            <p:cNvPr id="322" name="Connection Line"/>
+            <p:cNvPr id="330" name="连接线"/>
             <p:cNvSpPr/>
             <p:nvPr/>
           </p:nvSpPr>
@@ -14511,7 +15294,7 @@
         </p:sp>
         <p:sp>
           <p:nvSpPr>
-            <p:cNvPr id="316" name="5 token_B"/>
+            <p:cNvPr id="324" name="5 token_B"/>
             <p:cNvSpPr txBox="1"/>
             <p:nvPr/>
           </p:nvSpPr>
@@ -14567,7 +15350,7 @@
       </p:grpSp>
       <p:grpSp>
         <p:nvGrpSpPr>
-          <p:cNvPr id="320" name="Group"/>
+          <p:cNvPr id="328" name="成组"/>
           <p:cNvGrpSpPr/>
           <p:nvPr/>
         </p:nvGrpSpPr>
@@ -14581,7 +15364,7 @@
         </p:grpSpPr>
         <p:sp>
           <p:nvSpPr>
-            <p:cNvPr id="318" name="Loopring"/>
+            <p:cNvPr id="326" name="Loopring"/>
             <p:cNvSpPr txBox="1"/>
             <p:nvPr/>
           </p:nvSpPr>
@@ -14629,7 +15412,7 @@
         </p:sp>
         <p:sp>
           <p:nvSpPr>
-            <p:cNvPr id="319" name="去中心化代币交易所和协议"/>
+            <p:cNvPr id="327" name="去中心化代币交易所和协议"/>
             <p:cNvSpPr txBox="1"/>
             <p:nvPr/>
           </p:nvSpPr>
@@ -14726,7 +15509,7 @@
                                       <p:cBhvr>
                                         <p:cTn id="6" fill="hold"/>
                                         <p:tgtEl>
-                                          <p:spTgt spid="317"/>
+                                          <p:spTgt spid="325"/>
                                         </p:tgtEl>
                                         <p:attrNameLst>
                                           <p:attrName>style.visibility</p:attrName>
@@ -14767,13 +15550,13 @@
       </p:par>
     </p:tnLst>
     <p:bldLst>
-      <p:bldP build="whole" bldLvl="1" animBg="1" rev="0" advAuto="0" spid="317" grpId="1"/>
+      <p:bldP build="whole" bldLvl="1" animBg="1" rev="0" advAuto="0" spid="325" grpId="1"/>
     </p:bldLst>
   </p:timing>
 </p:sld>
 </file>
 
-<file path=ppt/slides/slide18.xml><?xml version="1.0" encoding="utf-8"?>
+<file path=ppt/slides/slide19.xml><?xml version="1.0" encoding="utf-8"?>
 <p:sld xmlns:a="http://schemas.openxmlformats.org/drawingml/2006/main" xmlns:r="http://schemas.openxmlformats.org/officeDocument/2006/relationships" xmlns:p="http://schemas.openxmlformats.org/presentationml/2006/main" showMasterSp="1" showMasterPhAnim="1">
   <p:cSld>
     <p:bg>
@@ -14799,7 +15582,7 @@
       </p:grpSpPr>
       <p:sp>
         <p:nvSpPr>
-          <p:cNvPr id="324" name="Centralized…"/>
+          <p:cNvPr id="332" name="Centralized…"/>
           <p:cNvSpPr txBox="1"/>
           <p:nvPr/>
         </p:nvSpPr>
@@ -14853,7 +15636,7 @@
       </p:sp>
       <p:sp>
         <p:nvSpPr>
-          <p:cNvPr id="325" name="问题#1: 用户资产需要托管…"/>
+          <p:cNvPr id="333" name="问题#1: 用户资产需要托管…"/>
           <p:cNvSpPr/>
           <p:nvPr/>
         </p:nvSpPr>
@@ -14916,7 +15699,7 @@
       </p:sp>
       <p:sp>
         <p:nvSpPr>
-          <p:cNvPr id="326" name="问题#2: 交易所内幕交易…"/>
+          <p:cNvPr id="334" name="问题#2: 交易所内幕交易…"/>
           <p:cNvSpPr/>
           <p:nvPr/>
         </p:nvSpPr>
@@ -14979,7 +15762,7 @@
       </p:sp>
       <p:sp>
         <p:nvSpPr>
-          <p:cNvPr id="327" name="问题#3: 订单散落到多交易所…"/>
+          <p:cNvPr id="335" name="问题#3: 订单散落到多交易所…"/>
           <p:cNvSpPr/>
           <p:nvPr/>
         </p:nvSpPr>
@@ -15042,7 +15825,7 @@
       </p:sp>
       <p:sp>
         <p:nvSpPr>
-          <p:cNvPr id="328" name="{"/>
+          <p:cNvPr id="336" name="{"/>
           <p:cNvSpPr txBox="1"/>
           <p:nvPr/>
         </p:nvSpPr>
@@ -15087,7 +15870,7 @@
       </p:sp>
       <p:grpSp>
         <p:nvGrpSpPr>
-          <p:cNvPr id="331" name="Group"/>
+          <p:cNvPr id="339" name="成组"/>
           <p:cNvGrpSpPr/>
           <p:nvPr/>
         </p:nvGrpSpPr>
@@ -15101,7 +15884,7 @@
         </p:grpSpPr>
         <p:sp>
           <p:nvSpPr>
-            <p:cNvPr id="329" name="1.资产无需托管"/>
+            <p:cNvPr id="337" name="1.资产无需托管"/>
             <p:cNvSpPr txBox="1"/>
             <p:nvPr/>
           </p:nvSpPr>
@@ -15149,7 +15932,7 @@
         </p:sp>
         <p:sp>
           <p:nvSpPr>
-            <p:cNvPr id="330" name="没有充值提现过程，用户订单中的代币一直存放在用户区块链账户中，同时订单不锁定代币，下单后依然可以任意支配资产。"/>
+            <p:cNvPr id="338" name="没有充值提现过程，用户订单中的代币一直存放在用户区块链账户中，同时订单不锁定代币，下单后依然可以任意支配资产。"/>
             <p:cNvSpPr txBox="1"/>
             <p:nvPr/>
           </p:nvSpPr>
@@ -15198,7 +15981,7 @@
       </p:grpSp>
       <p:grpSp>
         <p:nvGrpSpPr>
-          <p:cNvPr id="334" name="Group"/>
+          <p:cNvPr id="342" name="成组"/>
           <p:cNvGrpSpPr/>
           <p:nvPr/>
         </p:nvGrpSpPr>
@@ -15212,7 +15995,7 @@
         </p:grpSpPr>
         <p:sp>
           <p:nvSpPr>
-            <p:cNvPr id="332" name="2. 区块链上交易清算"/>
+            <p:cNvPr id="340" name="2. 区块链上交易清算"/>
             <p:cNvSpPr txBox="1"/>
             <p:nvPr/>
           </p:nvSpPr>
@@ -15260,7 +16043,7 @@
         </p:sp>
         <p:sp>
           <p:nvSpPr>
-            <p:cNvPr id="333" name="订单链外生成，传播和撮合；链上做交易和验证和清结算，清结算通过智能合约保障原执行。不会再有内幕交易。"/>
+            <p:cNvPr id="341" name="订单链外生成，传播和撮合；链上做交易和验证和清结算，清结算通过智能合约保障原执行。不会再有内幕交易。"/>
             <p:cNvSpPr txBox="1"/>
             <p:nvPr/>
           </p:nvSpPr>
@@ -15309,7 +16092,7 @@
       </p:grpSp>
       <p:grpSp>
         <p:nvGrpSpPr>
-          <p:cNvPr id="337" name="Group"/>
+          <p:cNvPr id="345" name="成组"/>
           <p:cNvGrpSpPr/>
           <p:nvPr/>
         </p:nvGrpSpPr>
@@ -15323,7 +16106,7 @@
         </p:grpSpPr>
         <p:sp>
           <p:nvSpPr>
-            <p:cNvPr id="335" name="3. 订单共享"/>
+            <p:cNvPr id="343" name="3. 订单共享"/>
             <p:cNvSpPr txBox="1"/>
             <p:nvPr/>
           </p:nvSpPr>
@@ -15371,7 +16154,7 @@
         </p:sp>
         <p:sp>
           <p:nvSpPr>
-            <p:cNvPr id="336" name="订单可以被广播给一个或多个交易所，做联合的，同时也是竞争式的撮合。用户成交价格更优惠，流动性更大。"/>
+            <p:cNvPr id="344" name="订单可以被广播给一个或多个交易所，做联合的，同时也是竞争式的撮合。用户成交价格更优惠，流动性更大。"/>
             <p:cNvSpPr txBox="1"/>
             <p:nvPr/>
           </p:nvSpPr>
@@ -15420,7 +16203,7 @@
       </p:grpSp>
       <p:grpSp>
         <p:nvGrpSpPr>
-          <p:cNvPr id="340" name="Group"/>
+          <p:cNvPr id="348" name="成组"/>
           <p:cNvGrpSpPr/>
           <p:nvPr/>
         </p:nvGrpSpPr>
@@ -15434,7 +16217,7 @@
         </p:grpSpPr>
         <p:sp>
           <p:nvSpPr>
-            <p:cNvPr id="338" name="4.多订单环路撮合"/>
+            <p:cNvPr id="346" name="4.多订单环路撮合"/>
             <p:cNvSpPr txBox="1"/>
             <p:nvPr/>
           </p:nvSpPr>
@@ -15482,7 +16265,7 @@
         </p:sp>
         <p:sp>
           <p:nvSpPr>
-            <p:cNvPr id="339" name="革命性的“环路撮合”机制，允许任意两个虚拟货币之间的交易。同时能够更大程度上生成新的流动性。"/>
+            <p:cNvPr id="347" name="革命性的“环路撮合”机制，允许任意两个虚拟货币之间的交易。同时能够更大程度上生成新的流动性。"/>
             <p:cNvSpPr txBox="1"/>
             <p:nvPr/>
           </p:nvSpPr>
@@ -15531,7 +16314,7 @@
       </p:grpSp>
       <p:grpSp>
         <p:nvGrpSpPr>
-          <p:cNvPr id="343" name="Group"/>
+          <p:cNvPr id="351" name="成组"/>
           <p:cNvGrpSpPr/>
           <p:nvPr/>
         </p:nvGrpSpPr>
@@ -15545,7 +16328,7 @@
         </p:grpSpPr>
         <p:sp>
           <p:nvSpPr>
-            <p:cNvPr id="341" name="Loopring"/>
+            <p:cNvPr id="349" name="Loopring"/>
             <p:cNvSpPr txBox="1"/>
             <p:nvPr/>
           </p:nvSpPr>
@@ -15593,7 +16376,7 @@
         </p:sp>
         <p:sp>
           <p:nvSpPr>
-            <p:cNvPr id="342" name="去中心化代币交易所和协议"/>
+            <p:cNvPr id="350" name="去中心化代币交易所和协议"/>
             <p:cNvSpPr txBox="1"/>
             <p:nvPr/>
           </p:nvSpPr>
@@ -15660,7 +16443,328 @@
 </p:sld>
 </file>
 
-<file path=ppt/slides/slide19.xml><?xml version="1.0" encoding="utf-8"?>
+<file path=ppt/slides/slide2.xml><?xml version="1.0" encoding="utf-8"?>
+<p:sld xmlns:a="http://schemas.openxmlformats.org/drawingml/2006/main" xmlns:r="http://schemas.openxmlformats.org/officeDocument/2006/relationships" xmlns:p="http://schemas.openxmlformats.org/presentationml/2006/main" showMasterSp="1" showMasterPhAnim="1">
+  <p:cSld>
+    <p:bg>
+      <p:bgPr>
+        <a:solidFill>
+          <a:srgbClr val="EEEEEE"/>
+        </a:solidFill>
+      </p:bgPr>
+    </p:bg>
+    <p:spTree>
+      <p:nvGrpSpPr>
+        <p:cNvPr id="1" name=""/>
+        <p:cNvGrpSpPr/>
+        <p:nvPr/>
+      </p:nvGrpSpPr>
+      <p:grpSpPr>
+        <a:xfrm>
+          <a:off x="0" y="0"/>
+          <a:ext cx="0" cy="0"/>
+          <a:chOff x="0" y="0"/>
+          <a:chExt cx="0" cy="0"/>
+        </a:xfrm>
+      </p:grpSpPr>
+      <p:pic>
+        <p:nvPicPr>
+          <p:cNvPr id="123" name="屏幕快照 2017-06-29 15.15.42.jpg" descr="屏幕快照 2017-06-29 15.15.42.jpg"/>
+          <p:cNvPicPr>
+            <a:picLocks noChangeAspect="1"/>
+          </p:cNvPicPr>
+          <p:nvPr/>
+        </p:nvPicPr>
+        <p:blipFill>
+          <a:blip r:embed="rId2">
+            <a:extLst/>
+          </a:blip>
+          <a:stretch>
+            <a:fillRect/>
+          </a:stretch>
+        </p:blipFill>
+        <p:spPr>
+          <a:xfrm>
+            <a:off x="9205559" y="254000"/>
+            <a:ext cx="13893801" cy="13208000"/>
+          </a:xfrm>
+          <a:prstGeom prst="rect">
+            <a:avLst/>
+          </a:prstGeom>
+          <a:ln w="12700">
+            <a:miter lim="400000"/>
+          </a:ln>
+        </p:spPr>
+      </p:pic>
+      <p:sp>
+        <p:nvSpPr>
+          <p:cNvPr id="124" name="团队"/>
+          <p:cNvSpPr txBox="1"/>
+          <p:nvPr/>
+        </p:nvSpPr>
+        <p:spPr>
+          <a:xfrm>
+            <a:off x="2791336" y="1782896"/>
+            <a:ext cx="3559176" cy="2530476"/>
+          </a:xfrm>
+          <a:prstGeom prst="rect">
+            <a:avLst/>
+          </a:prstGeom>
+          <a:ln w="12700">
+            <a:miter lim="400000"/>
+          </a:ln>
+          <a:extLst>
+            <a:ext uri="{C572A759-6A51-4108-AA02-DFA0A04FC94B}">
+              <ma14:wrappingTextBoxFlag xmlns:ma14="http://schemas.microsoft.com/office/mac/drawingml/2011/main" val="1"/>
+            </a:ext>
+          </a:extLst>
+        </p:spPr>
+        <p:txBody>
+          <a:bodyPr wrap="none" lIns="71437" tIns="71437" rIns="71437" bIns="71437" anchor="ctr">
+            <a:spAutoFit/>
+          </a:bodyPr>
+          <a:lstStyle>
+            <a:lvl1pPr>
+              <a:defRPr sz="13400">
+                <a:latin typeface="Roboto Bold"/>
+                <a:ea typeface="Roboto Bold"/>
+                <a:cs typeface="Roboto Bold"/>
+                <a:sym typeface="Roboto Bold"/>
+              </a:defRPr>
+            </a:lvl1pPr>
+          </a:lstStyle>
+          <a:p>
+            <a:pPr/>
+            <a:r>
+              <a:t>团队</a:t>
+            </a:r>
+          </a:p>
+        </p:txBody>
+      </p:sp>
+      <p:pic>
+        <p:nvPicPr>
+          <p:cNvPr id="125" name="屏幕快照 2017-06-29 15.19.02.jpg" descr="屏幕快照 2017-06-29 15.19.02.jpg"/>
+          <p:cNvPicPr>
+            <a:picLocks noChangeAspect="1"/>
+          </p:cNvPicPr>
+          <p:nvPr/>
+        </p:nvPicPr>
+        <p:blipFill>
+          <a:blip r:embed="rId3">
+            <a:extLst/>
+          </a:blip>
+          <a:stretch>
+            <a:fillRect/>
+          </a:stretch>
+        </p:blipFill>
+        <p:spPr>
+          <a:xfrm>
+            <a:off x="379924" y="8737816"/>
+            <a:ext cx="8382001" cy="3581401"/>
+          </a:xfrm>
+          <a:prstGeom prst="rect">
+            <a:avLst/>
+          </a:prstGeom>
+          <a:ln w="12700">
+            <a:miter lim="400000"/>
+          </a:ln>
+        </p:spPr>
+      </p:pic>
+      <p:sp>
+        <p:nvSpPr>
+          <p:cNvPr id="126" name="4位 - Google工程师…"/>
+          <p:cNvSpPr txBox="1"/>
+          <p:nvPr/>
+        </p:nvSpPr>
+        <p:spPr>
+          <a:xfrm>
+            <a:off x="8855655" y="14704810"/>
+            <a:ext cx="9116102" cy="5426076"/>
+          </a:xfrm>
+          <a:prstGeom prst="rect">
+            <a:avLst/>
+          </a:prstGeom>
+          <a:ln w="12700">
+            <a:miter lim="400000"/>
+          </a:ln>
+          <a:extLst>
+            <a:ext uri="{C572A759-6A51-4108-AA02-DFA0A04FC94B}">
+              <ma14:wrappingTextBoxFlag xmlns:ma14="http://schemas.microsoft.com/office/mac/drawingml/2011/main" val="1"/>
+            </a:ext>
+          </a:extLst>
+        </p:spPr>
+        <p:txBody>
+          <a:bodyPr wrap="none" lIns="71437" tIns="71437" rIns="71437" bIns="71437" anchor="ctr">
+            <a:spAutoFit/>
+          </a:bodyPr>
+          <a:lstStyle/>
+          <a:p>
+            <a:pPr marL="228600" indent="-228600" algn="l">
+              <a:buSzPct val="100000"/>
+              <a:buChar char="•"/>
+              <a:defRPr sz="3700">
+                <a:solidFill>
+                  <a:srgbClr val="53585F"/>
+                </a:solidFill>
+                <a:latin typeface="Roboto Regular"/>
+                <a:ea typeface="Roboto Regular"/>
+                <a:cs typeface="Roboto Regular"/>
+                <a:sym typeface="Roboto Regular"/>
+              </a:defRPr>
+            </a:pPr>
+            <a:r>
+              <a:t>4位 - Google工程师</a:t>
+            </a:r>
+          </a:p>
+          <a:p>
+            <a:pPr marL="228600" indent="-228600" algn="l">
+              <a:buSzPct val="100000"/>
+              <a:buChar char="•"/>
+              <a:defRPr sz="3700">
+                <a:solidFill>
+                  <a:srgbClr val="53585F"/>
+                </a:solidFill>
+                <a:latin typeface="Roboto Regular"/>
+                <a:ea typeface="Roboto Regular"/>
+                <a:cs typeface="Roboto Regular"/>
+                <a:sym typeface="Roboto Regular"/>
+              </a:defRPr>
+            </a:pPr>
+            <a:r>
+              <a:t>3位 - 蚂蚁金服工程师</a:t>
+            </a:r>
+          </a:p>
+          <a:p>
+            <a:pPr marL="228600" indent="-228600" algn="l">
+              <a:buSzPct val="100000"/>
+              <a:buChar char="•"/>
+              <a:defRPr sz="3700">
+                <a:solidFill>
+                  <a:srgbClr val="53585F"/>
+                </a:solidFill>
+                <a:latin typeface="Roboto Regular"/>
+                <a:ea typeface="Roboto Regular"/>
+                <a:cs typeface="Roboto Regular"/>
+                <a:sym typeface="Roboto Regular"/>
+              </a:defRPr>
+            </a:pPr>
+            <a:r>
+              <a:t>2外 - 美团工程师</a:t>
+            </a:r>
+          </a:p>
+          <a:p>
+            <a:pPr marL="228600" indent="-228600" algn="l">
+              <a:buSzPct val="100000"/>
+              <a:buChar char="•"/>
+              <a:defRPr sz="3700">
+                <a:solidFill>
+                  <a:srgbClr val="53585F"/>
+                </a:solidFill>
+                <a:latin typeface="Roboto Regular"/>
+                <a:ea typeface="Roboto Regular"/>
+                <a:cs typeface="Roboto Regular"/>
+                <a:sym typeface="Roboto Regular"/>
+              </a:defRPr>
+            </a:pPr>
+            <a:r>
+              <a:t>2位 - 金融领域运营/风控</a:t>
+            </a:r>
+          </a:p>
+          <a:p>
+            <a:pPr marL="228600" indent="-228600" algn="l">
+              <a:buSzPct val="100000"/>
+              <a:buChar char="•"/>
+              <a:defRPr sz="3700">
+                <a:solidFill>
+                  <a:srgbClr val="53585F"/>
+                </a:solidFill>
+                <a:latin typeface="Roboto Regular"/>
+                <a:ea typeface="Roboto Regular"/>
+                <a:cs typeface="Roboto Regular"/>
+                <a:sym typeface="Roboto Regular"/>
+              </a:defRPr>
+            </a:pPr>
+            <a:r>
+              <a:t>3位 - 博士研究生</a:t>
+            </a:r>
+          </a:p>
+          <a:p>
+            <a:pPr marL="228600" indent="-228600" algn="l">
+              <a:buSzPct val="100000"/>
+              <a:buChar char="•"/>
+              <a:defRPr sz="3700">
+                <a:solidFill>
+                  <a:srgbClr val="53585F"/>
+                </a:solidFill>
+                <a:latin typeface="Roboto Regular"/>
+                <a:ea typeface="Roboto Regular"/>
+                <a:cs typeface="Roboto Regular"/>
+                <a:sym typeface="Roboto Regular"/>
+              </a:defRPr>
+            </a:pPr>
+            <a:r>
+              <a:t>6位 - 硕士研究生 </a:t>
+            </a:r>
+          </a:p>
+          <a:p>
+            <a:pPr marL="228600" indent="-228600" algn="l">
+              <a:buSzPct val="100000"/>
+              <a:buChar char="•"/>
+              <a:defRPr sz="3700">
+                <a:solidFill>
+                  <a:srgbClr val="53585F"/>
+                </a:solidFill>
+                <a:latin typeface="Roboto Regular"/>
+                <a:ea typeface="Roboto Regular"/>
+                <a:cs typeface="Roboto Regular"/>
+                <a:sym typeface="Roboto Regular"/>
+              </a:defRPr>
+            </a:pPr>
+            <a:r>
+              <a:t>4位 - 上市互联网公司总监级以上管理经验</a:t>
+            </a:r>
+          </a:p>
+          <a:p>
+            <a:pPr marL="228600" indent="-228600" algn="l">
+              <a:buSzPct val="100000"/>
+              <a:buChar char="•"/>
+              <a:defRPr sz="3700">
+                <a:solidFill>
+                  <a:srgbClr val="53585F"/>
+                </a:solidFill>
+                <a:latin typeface="Roboto Regular"/>
+                <a:ea typeface="Roboto Regular"/>
+                <a:cs typeface="Roboto Regular"/>
+                <a:sym typeface="Roboto Regular"/>
+              </a:defRPr>
+            </a:pPr>
+            <a:r>
+              <a:t>7位 - 虚拟资产交易所创业经验</a:t>
+            </a:r>
+          </a:p>
+        </p:txBody>
+      </p:sp>
+    </p:spTree>
+  </p:cSld>
+  <p:clrMapOvr>
+    <a:masterClrMapping/>
+  </p:clrMapOvr>
+  <mc:AlternateContent xmlns:mc="http://schemas.openxmlformats.org/markup-compatibility/2006">
+    <mc:Choice xmlns:p14="http://schemas.microsoft.com/office/powerpoint/2010/main" Requires="p14">
+      <p:transition spd="fast" advClick="1" p14:dur="750">
+        <p:push dir="u"/>
+      </p:transition>
+    </mc:Choice>
+    <mc:Fallback>
+      <p:transition spd="fast">
+        <p:fade/>
+      </p:transition>
+    </mc:Fallback>
+  </mc:AlternateContent>
+</p:sld>
+</file>
+
+<file path=ppt/slides/slide20.xml><?xml version="1.0" encoding="utf-8"?>
 <p:sld xmlns:a="http://schemas.openxmlformats.org/drawingml/2006/main" xmlns:r="http://schemas.openxmlformats.org/officeDocument/2006/relationships" xmlns:p="http://schemas.openxmlformats.org/presentationml/2006/main" showMasterSp="1" showMasterPhAnim="1">
   <p:cSld>
     <p:bg>
@@ -15686,7 +16790,7 @@
       </p:grpSpPr>
       <p:sp>
         <p:nvSpPr>
-          <p:cNvPr id="345" name="Centralized…"/>
+          <p:cNvPr id="353" name="Centralized…"/>
           <p:cNvSpPr txBox="1"/>
           <p:nvPr/>
         </p:nvSpPr>
@@ -15740,7 +16844,7 @@
       </p:sp>
       <p:sp>
         <p:nvSpPr>
-          <p:cNvPr id="346" name="order#1…"/>
+          <p:cNvPr id="354" name="order#1…"/>
           <p:cNvSpPr/>
           <p:nvPr/>
         </p:nvSpPr>
@@ -15893,7 +16997,7 @@
       </p:sp>
       <p:sp>
         <p:nvSpPr>
-          <p:cNvPr id="347" name="order#2…"/>
+          <p:cNvPr id="355" name="order#2…"/>
           <p:cNvSpPr/>
           <p:nvPr/>
         </p:nvSpPr>
@@ -16045,7 +17149,7 @@
       </p:sp>
       <p:sp>
         <p:nvSpPr>
-          <p:cNvPr id="348" name="order#3…"/>
+          <p:cNvPr id="356" name="order#3…"/>
           <p:cNvSpPr/>
           <p:nvPr/>
         </p:nvSpPr>
@@ -16197,7 +17301,7 @@
       </p:sp>
       <p:grpSp>
         <p:nvGrpSpPr>
-          <p:cNvPr id="351" name="Group"/>
+          <p:cNvPr id="359" name="成组"/>
           <p:cNvGrpSpPr/>
           <p:nvPr/>
         </p:nvGrpSpPr>
@@ -16211,7 +17315,7 @@
         </p:grpSpPr>
         <p:sp>
           <p:nvSpPr>
-            <p:cNvPr id="349" name="4.多订单环路撮合"/>
+            <p:cNvPr id="357" name="4.多订单环路撮合"/>
             <p:cNvSpPr txBox="1"/>
             <p:nvPr/>
           </p:nvSpPr>
@@ -16259,7 +17363,7 @@
         </p:sp>
         <p:sp>
           <p:nvSpPr>
-            <p:cNvPr id="350" name="革命性的“环路撮合”机制，允许任意两个虚拟货币之间的交易。同时能够更大程度上生成新的流动性。"/>
+            <p:cNvPr id="358" name="革命性的“环路撮合”机制，允许任意两个虚拟货币之间的交易。同时能够更大程度上生成新的流动性。"/>
             <p:cNvSpPr txBox="1"/>
             <p:nvPr/>
           </p:nvSpPr>
@@ -16359,7 +17463,7 @@
                                       <p:cBhvr>
                                         <p:cTn id="6" fill="hold"/>
                                         <p:tgtEl>
-                                          <p:spTgt spid="346"/>
+                                          <p:spTgt spid="354"/>
                                         </p:tgtEl>
                                         <p:attrNameLst>
                                           <p:attrName>style.visibility</p:attrName>
@@ -16373,7 +17477,7 @@
                                       <p:cBhvr>
                                         <p:cTn id="7" dur="1000"/>
                                         <p:tgtEl>
-                                          <p:spTgt spid="346"/>
+                                          <p:spTgt spid="354"/>
                                         </p:tgtEl>
                                       </p:cBhvr>
                                     </p:animEffect>
@@ -16402,7 +17506,7 @@
                                       <p:cBhvr>
                                         <p:cTn id="10" fill="hold"/>
                                         <p:tgtEl>
-                                          <p:spTgt spid="347"/>
+                                          <p:spTgt spid="355"/>
                                         </p:tgtEl>
                                         <p:attrNameLst>
                                           <p:attrName>style.visibility</p:attrName>
@@ -16416,7 +17520,7 @@
                                       <p:cBhvr>
                                         <p:cTn id="11" dur="500"/>
                                         <p:tgtEl>
-                                          <p:spTgt spid="347"/>
+                                          <p:spTgt spid="355"/>
                                         </p:tgtEl>
                                       </p:cBhvr>
                                     </p:animEffect>
@@ -16445,7 +17549,7 @@
                                       <p:cBhvr>
                                         <p:cTn id="14" fill="hold"/>
                                         <p:tgtEl>
-                                          <p:spTgt spid="348"/>
+                                          <p:spTgt spid="356"/>
                                         </p:tgtEl>
                                         <p:attrNameLst>
                                           <p:attrName>style.visibility</p:attrName>
@@ -16459,7 +17563,7 @@
                                       <p:cBhvr>
                                         <p:cTn id="15" dur="500"/>
                                         <p:tgtEl>
-                                          <p:spTgt spid="348"/>
+                                          <p:spTgt spid="356"/>
                                         </p:tgtEl>
                                       </p:cBhvr>
                                     </p:animEffect>
@@ -16494,162 +17598,15 @@
       </p:par>
     </p:tnLst>
     <p:bldLst>
-      <p:bldP build="whole" bldLvl="1" animBg="1" rev="0" advAuto="0" spid="347" grpId="2"/>
-      <p:bldP build="whole" bldLvl="1" animBg="1" rev="0" advAuto="0" spid="348" grpId="3"/>
-      <p:bldP build="whole" bldLvl="1" animBg="1" rev="0" advAuto="0" spid="346" grpId="1"/>
+      <p:bldP build="whole" bldLvl="1" animBg="1" rev="0" advAuto="0" spid="356" grpId="3"/>
+      <p:bldP build="whole" bldLvl="1" animBg="1" rev="0" advAuto="0" spid="355" grpId="2"/>
+      <p:bldP build="whole" bldLvl="1" animBg="1" rev="0" advAuto="0" spid="354" grpId="1"/>
     </p:bldLst>
   </p:timing>
 </p:sld>
 </file>
 
-<file path=ppt/slides/slide2.xml><?xml version="1.0" encoding="utf-8"?>
-<p:sld xmlns:a="http://schemas.openxmlformats.org/drawingml/2006/main" xmlns:r="http://schemas.openxmlformats.org/officeDocument/2006/relationships" xmlns:p="http://schemas.openxmlformats.org/presentationml/2006/main" showMasterSp="1" showMasterPhAnim="1">
-  <p:cSld>
-    <p:bg>
-      <p:bgPr>
-        <a:solidFill>
-          <a:srgbClr val="EEEEEE"/>
-        </a:solidFill>
-      </p:bgPr>
-    </p:bg>
-    <p:spTree>
-      <p:nvGrpSpPr>
-        <p:cNvPr id="1" name=""/>
-        <p:cNvGrpSpPr/>
-        <p:nvPr/>
-      </p:nvGrpSpPr>
-      <p:grpSpPr>
-        <a:xfrm>
-          <a:off x="0" y="0"/>
-          <a:ext cx="0" cy="0"/>
-          <a:chOff x="0" y="0"/>
-          <a:chExt cx="0" cy="0"/>
-        </a:xfrm>
-      </p:grpSpPr>
-      <p:pic>
-        <p:nvPicPr>
-          <p:cNvPr id="123" name="屏幕快照 2017-06-29 15.15.42.jpg" descr="屏幕快照 2017-06-29 15.15.42.jpg"/>
-          <p:cNvPicPr>
-            <a:picLocks noChangeAspect="1"/>
-          </p:cNvPicPr>
-          <p:nvPr/>
-        </p:nvPicPr>
-        <p:blipFill>
-          <a:blip r:embed="rId2">
-            <a:extLst/>
-          </a:blip>
-          <a:stretch>
-            <a:fillRect/>
-          </a:stretch>
-        </p:blipFill>
-        <p:spPr>
-          <a:xfrm>
-            <a:off x="9205559" y="254000"/>
-            <a:ext cx="13893801" cy="13208000"/>
-          </a:xfrm>
-          <a:prstGeom prst="rect">
-            <a:avLst/>
-          </a:prstGeom>
-          <a:ln w="12700">
-            <a:miter lim="400000"/>
-          </a:ln>
-        </p:spPr>
-      </p:pic>
-      <p:sp>
-        <p:nvSpPr>
-          <p:cNvPr id="124" name="团队"/>
-          <p:cNvSpPr txBox="1"/>
-          <p:nvPr/>
-        </p:nvSpPr>
-        <p:spPr>
-          <a:xfrm>
-            <a:off x="2791336" y="1782896"/>
-            <a:ext cx="3559176" cy="2530476"/>
-          </a:xfrm>
-          <a:prstGeom prst="rect">
-            <a:avLst/>
-          </a:prstGeom>
-          <a:ln w="12700">
-            <a:miter lim="400000"/>
-          </a:ln>
-          <a:extLst>
-            <a:ext uri="{C572A759-6A51-4108-AA02-DFA0A04FC94B}">
-              <ma14:wrappingTextBoxFlag xmlns:ma14="http://schemas.microsoft.com/office/mac/drawingml/2011/main" val="1"/>
-            </a:ext>
-          </a:extLst>
-        </p:spPr>
-        <p:txBody>
-          <a:bodyPr wrap="none" lIns="71437" tIns="71437" rIns="71437" bIns="71437" anchor="ctr">
-            <a:spAutoFit/>
-          </a:bodyPr>
-          <a:lstStyle>
-            <a:lvl1pPr>
-              <a:defRPr sz="13400">
-                <a:latin typeface="Roboto Bold"/>
-                <a:ea typeface="Roboto Bold"/>
-                <a:cs typeface="Roboto Bold"/>
-                <a:sym typeface="Roboto Bold"/>
-              </a:defRPr>
-            </a:lvl1pPr>
-          </a:lstStyle>
-          <a:p>
-            <a:pPr/>
-            <a:r>
-              <a:t>团队</a:t>
-            </a:r>
-          </a:p>
-        </p:txBody>
-      </p:sp>
-      <p:pic>
-        <p:nvPicPr>
-          <p:cNvPr id="125" name="屏幕快照 2017-06-29 15.19.02.jpg" descr="屏幕快照 2017-06-29 15.19.02.jpg"/>
-          <p:cNvPicPr>
-            <a:picLocks noChangeAspect="1"/>
-          </p:cNvPicPr>
-          <p:nvPr/>
-        </p:nvPicPr>
-        <p:blipFill>
-          <a:blip r:embed="rId3">
-            <a:extLst/>
-          </a:blip>
-          <a:stretch>
-            <a:fillRect/>
-          </a:stretch>
-        </p:blipFill>
-        <p:spPr>
-          <a:xfrm>
-            <a:off x="379924" y="8737816"/>
-            <a:ext cx="8382001" cy="3581401"/>
-          </a:xfrm>
-          <a:prstGeom prst="rect">
-            <a:avLst/>
-          </a:prstGeom>
-          <a:ln w="12700">
-            <a:miter lim="400000"/>
-          </a:ln>
-        </p:spPr>
-      </p:pic>
-    </p:spTree>
-  </p:cSld>
-  <p:clrMapOvr>
-    <a:masterClrMapping/>
-  </p:clrMapOvr>
-  <mc:AlternateContent xmlns:mc="http://schemas.openxmlformats.org/markup-compatibility/2006">
-    <mc:Choice xmlns:p14="http://schemas.microsoft.com/office/powerpoint/2010/main" Requires="p14">
-      <p:transition spd="fast" advClick="1" p14:dur="750">
-        <p:push dir="u"/>
-      </p:transition>
-    </mc:Choice>
-    <mc:Fallback>
-      <p:transition spd="fast">
-        <p:fade/>
-      </p:transition>
-    </mc:Fallback>
-  </mc:AlternateContent>
-</p:sld>
-</file>
-
-<file path=ppt/slides/slide20.xml><?xml version="1.0" encoding="utf-8"?>
+<file path=ppt/slides/slide21.xml><?xml version="1.0" encoding="utf-8"?>
 <p:sld xmlns:a="http://schemas.openxmlformats.org/drawingml/2006/main" xmlns:r="http://schemas.openxmlformats.org/officeDocument/2006/relationships" xmlns:p="http://schemas.openxmlformats.org/presentationml/2006/main" showMasterSp="1" showMasterPhAnim="1">
   <p:cSld>
     <p:bg>
@@ -16675,7 +17632,7 @@
       </p:grpSpPr>
       <p:sp>
         <p:nvSpPr>
-          <p:cNvPr id="353" name="Centralized…"/>
+          <p:cNvPr id="361" name="Centralized…"/>
           <p:cNvSpPr txBox="1"/>
           <p:nvPr/>
         </p:nvSpPr>
@@ -16729,7 +17686,7 @@
       </p:sp>
       <p:sp>
         <p:nvSpPr>
-          <p:cNvPr id="354" name="order#1…"/>
+          <p:cNvPr id="362" name="order#1…"/>
           <p:cNvSpPr/>
           <p:nvPr/>
         </p:nvSpPr>
@@ -16882,7 +17839,7 @@
       </p:sp>
       <p:sp>
         <p:nvSpPr>
-          <p:cNvPr id="355" name="order#2…"/>
+          <p:cNvPr id="363" name="order#2…"/>
           <p:cNvSpPr/>
           <p:nvPr/>
         </p:nvSpPr>
@@ -17034,7 +17991,7 @@
       </p:sp>
       <p:sp>
         <p:nvSpPr>
-          <p:cNvPr id="356" name="order#3…"/>
+          <p:cNvPr id="364" name="order#3…"/>
           <p:cNvSpPr/>
           <p:nvPr/>
         </p:nvSpPr>
@@ -17186,7 +18143,7 @@
       </p:sp>
       <p:grpSp>
         <p:nvGrpSpPr>
-          <p:cNvPr id="363" name="Group"/>
+          <p:cNvPr id="371" name="成组"/>
           <p:cNvGrpSpPr/>
           <p:nvPr/>
         </p:nvGrpSpPr>
@@ -17200,7 +18157,7 @@
         </p:grpSpPr>
         <p:sp>
           <p:nvSpPr>
-            <p:cNvPr id="357" name="Line"/>
+            <p:cNvPr id="365" name="线条"/>
             <p:cNvSpPr/>
             <p:nvPr/>
           </p:nvSpPr>
@@ -17245,7 +18202,7 @@
         </p:sp>
         <p:sp>
           <p:nvSpPr>
-            <p:cNvPr id="358" name="Line"/>
+            <p:cNvPr id="366" name="线条"/>
             <p:cNvSpPr/>
             <p:nvPr/>
           </p:nvSpPr>
@@ -17290,7 +18247,7 @@
         </p:sp>
         <p:sp>
           <p:nvSpPr>
-            <p:cNvPr id="359" name="Line"/>
+            <p:cNvPr id="367" name="线条"/>
             <p:cNvSpPr/>
             <p:nvPr/>
           </p:nvSpPr>
@@ -17334,7 +18291,7 @@
         </p:sp>
         <p:sp>
           <p:nvSpPr>
-            <p:cNvPr id="360" name="Line"/>
+            <p:cNvPr id="368" name="线条"/>
             <p:cNvSpPr/>
             <p:nvPr/>
           </p:nvSpPr>
@@ -17378,7 +18335,7 @@
         </p:sp>
         <p:sp>
           <p:nvSpPr>
-            <p:cNvPr id="361" name="Line"/>
+            <p:cNvPr id="369" name="线条"/>
             <p:cNvSpPr/>
             <p:nvPr/>
           </p:nvSpPr>
@@ -17422,7 +18379,7 @@
         </p:sp>
         <p:sp>
           <p:nvSpPr>
-            <p:cNvPr id="362" name="Line"/>
+            <p:cNvPr id="370" name="线条"/>
             <p:cNvSpPr/>
             <p:nvPr/>
           </p:nvSpPr>
@@ -17467,7 +18424,7 @@
       </p:grpSp>
       <p:grpSp>
         <p:nvGrpSpPr>
-          <p:cNvPr id="367" name="Group"/>
+          <p:cNvPr id="375" name="成组"/>
           <p:cNvGrpSpPr/>
           <p:nvPr/>
         </p:nvGrpSpPr>
@@ -17481,7 +18438,7 @@
         </p:grpSpPr>
         <p:sp>
           <p:nvSpPr>
-            <p:cNvPr id="364" name="Line"/>
+            <p:cNvPr id="372" name="线条"/>
             <p:cNvSpPr/>
             <p:nvPr/>
           </p:nvSpPr>
@@ -17526,7 +18483,7 @@
         </p:sp>
         <p:sp>
           <p:nvSpPr>
-            <p:cNvPr id="365" name="Line"/>
+            <p:cNvPr id="373" name="线条"/>
             <p:cNvSpPr/>
             <p:nvPr/>
           </p:nvSpPr>
@@ -17570,7 +18527,7 @@
         </p:sp>
         <p:sp>
           <p:nvSpPr>
-            <p:cNvPr id="366" name="Line"/>
+            <p:cNvPr id="374" name="线条"/>
             <p:cNvSpPr/>
             <p:nvPr/>
           </p:nvSpPr>
@@ -17615,7 +18572,7 @@
       </p:grpSp>
       <p:sp>
         <p:nvSpPr>
-          <p:cNvPr id="368" name="8 token_B"/>
+          <p:cNvPr id="376" name="8 token_B"/>
           <p:cNvSpPr txBox="1"/>
           <p:nvPr/>
         </p:nvSpPr>
@@ -17678,7 +18635,7 @@
       </p:sp>
       <p:sp>
         <p:nvSpPr>
-          <p:cNvPr id="369" name="98 token_C"/>
+          <p:cNvPr id="377" name="98 token_C"/>
           <p:cNvSpPr txBox="1"/>
           <p:nvPr/>
         </p:nvSpPr>
@@ -17743,7 +18700,7 @@
       </p:sp>
       <p:sp>
         <p:nvSpPr>
-          <p:cNvPr id="370" name="7898 token_A"/>
+          <p:cNvPr id="378" name="7898 token_A"/>
           <p:cNvSpPr txBox="1"/>
           <p:nvPr/>
         </p:nvSpPr>
@@ -17809,7 +18766,7 @@
       </p:sp>
       <p:sp>
         <p:nvSpPr>
-          <p:cNvPr id="371" name="dust"/>
+          <p:cNvPr id="379" name="dust"/>
           <p:cNvSpPr/>
           <p:nvPr/>
         </p:nvSpPr>
@@ -17863,7 +18820,7 @@
       </p:sp>
       <p:sp>
         <p:nvSpPr>
-          <p:cNvPr id="372" name="dust"/>
+          <p:cNvPr id="380" name="dust"/>
           <p:cNvSpPr/>
           <p:nvPr/>
         </p:nvSpPr>
@@ -17917,7 +18874,7 @@
       </p:sp>
       <p:pic>
         <p:nvPicPr>
-          <p:cNvPr id="373" name="Screen Shot 2017-06-12 at 22.05.26.jpg" descr="Screen Shot 2017-06-12 at 22.05.26.jpg"/>
+          <p:cNvPr id="381" name="Screen Shot 2017-06-12 at 22.05.26.jpg" descr="Screen Shot 2017-06-12 at 22.05.26.jpg"/>
           <p:cNvPicPr>
             <a:picLocks noChangeAspect="1"/>
           </p:cNvPicPr>
@@ -17946,7 +18903,7 @@
       </p:pic>
       <p:grpSp>
         <p:nvGrpSpPr>
-          <p:cNvPr id="376" name="Group"/>
+          <p:cNvPr id="384" name="成组"/>
           <p:cNvGrpSpPr/>
           <p:nvPr/>
         </p:nvGrpSpPr>
@@ -17960,7 +18917,7 @@
         </p:grpSpPr>
         <p:sp>
           <p:nvSpPr>
-            <p:cNvPr id="374" name="4.多订单环路撮合"/>
+            <p:cNvPr id="382" name="4.多订单环路撮合"/>
             <p:cNvSpPr txBox="1"/>
             <p:nvPr/>
           </p:nvSpPr>
@@ -18008,7 +18965,7 @@
         </p:sp>
         <p:sp>
           <p:nvSpPr>
-            <p:cNvPr id="375" name="革命性的“环路撮合”机制，允许任意两个虚拟货币之间的交易。同时能够更大程度上生成新的流动性。"/>
+            <p:cNvPr id="383" name="革命性的“环路撮合”机制，允许任意两个虚拟货币之间的交易。同时能够更大程度上生成新的流动性。"/>
             <p:cNvSpPr txBox="1"/>
             <p:nvPr/>
           </p:nvSpPr>
@@ -18057,7 +19014,7 @@
       </p:grpSp>
       <p:grpSp>
         <p:nvGrpSpPr>
-          <p:cNvPr id="379" name="Group"/>
+          <p:cNvPr id="387" name="成组"/>
           <p:cNvGrpSpPr/>
           <p:nvPr/>
         </p:nvGrpSpPr>
@@ -18071,7 +19028,7 @@
         </p:grpSpPr>
         <p:sp>
           <p:nvSpPr>
-            <p:cNvPr id="377" name="Loopring"/>
+            <p:cNvPr id="385" name="Loopring"/>
             <p:cNvSpPr txBox="1"/>
             <p:nvPr/>
           </p:nvSpPr>
@@ -18119,7 +19076,7 @@
         </p:sp>
         <p:sp>
           <p:nvSpPr>
-            <p:cNvPr id="378" name="去中心化代币交易所和协议"/>
+            <p:cNvPr id="386" name="去中心化代币交易所和协议"/>
             <p:cNvSpPr txBox="1"/>
             <p:nvPr/>
           </p:nvSpPr>
@@ -18205,7 +19162,7 @@
                                       <p:cBhvr>
                                         <p:cTn id="6" fill="hold"/>
                                         <p:tgtEl>
-                                          <p:spTgt spid="372"/>
+                                          <p:spTgt spid="380"/>
                                         </p:tgtEl>
                                         <p:attrNameLst>
                                           <p:attrName>style.visibility</p:attrName>
@@ -18240,7 +19197,7 @@
                                       <p:cBhvr>
                                         <p:cTn id="9" fill="hold"/>
                                         <p:tgtEl>
-                                          <p:spTgt spid="371"/>
+                                          <p:spTgt spid="379"/>
                                         </p:tgtEl>
                                         <p:attrNameLst>
                                           <p:attrName>style.visibility</p:attrName>
@@ -18284,7 +19241,7 @@
                                       <p:cBhvr>
                                         <p:cTn id="13" fill="hold"/>
                                         <p:tgtEl>
-                                          <p:spTgt spid="373"/>
+                                          <p:spTgt spid="381"/>
                                         </p:tgtEl>
                                         <p:attrNameLst>
                                           <p:attrName>style.visibility</p:attrName>
@@ -18298,7 +19255,7 @@
                                       <p:cBhvr>
                                         <p:cTn id="14" dur="1000" fill="hold"/>
                                         <p:tgtEl>
-                                          <p:spTgt spid="373"/>
+                                          <p:spTgt spid="381"/>
                                         </p:tgtEl>
                                         <p:attrNameLst>
                                           <p:attrName>ppt_w</p:attrName>
@@ -18321,7 +19278,7 @@
                                       <p:cBhvr>
                                         <p:cTn id="15" dur="1000" fill="hold"/>
                                         <p:tgtEl>
-                                          <p:spTgt spid="373"/>
+                                          <p:spTgt spid="381"/>
                                         </p:tgtEl>
                                         <p:attrNameLst>
                                           <p:attrName>ppt_h</p:attrName>
@@ -18371,195 +19328,11 @@
       </p:par>
     </p:tnLst>
     <p:bldLst>
-      <p:bldP build="whole" bldLvl="1" animBg="1" rev="0" advAuto="0" spid="372" grpId="1"/>
-      <p:bldP build="whole" bldLvl="1" animBg="1" rev="0" advAuto="0" spid="373" grpId="3"/>
-      <p:bldP build="whole" bldLvl="1" animBg="1" rev="0" advAuto="0" spid="371" grpId="2"/>
+      <p:bldP build="whole" bldLvl="1" animBg="1" rev="0" advAuto="0" spid="381" grpId="3"/>
+      <p:bldP build="whole" bldLvl="1" animBg="1" rev="0" advAuto="0" spid="380" grpId="1"/>
+      <p:bldP build="whole" bldLvl="1" animBg="1" rev="0" advAuto="0" spid="379" grpId="2"/>
     </p:bldLst>
   </p:timing>
-</p:sld>
-</file>
-
-<file path=ppt/slides/slide21.xml><?xml version="1.0" encoding="utf-8"?>
-<p:sld xmlns:a="http://schemas.openxmlformats.org/drawingml/2006/main" xmlns:r="http://schemas.openxmlformats.org/officeDocument/2006/relationships" xmlns:p="http://schemas.openxmlformats.org/presentationml/2006/main" showMasterSp="1" showMasterPhAnim="1">
-  <p:cSld>
-    <p:bg>
-      <p:bgPr>
-        <a:solidFill>
-          <a:srgbClr val="FFFFFF"/>
-        </a:solidFill>
-      </p:bgPr>
-    </p:bg>
-    <p:spTree>
-      <p:nvGrpSpPr>
-        <p:cNvPr id="1" name=""/>
-        <p:cNvGrpSpPr/>
-        <p:nvPr/>
-      </p:nvGrpSpPr>
-      <p:grpSpPr>
-        <a:xfrm>
-          <a:off x="0" y="0"/>
-          <a:ext cx="0" cy="0"/>
-          <a:chOff x="0" y="0"/>
-          <a:chExt cx="0" cy="0"/>
-        </a:xfrm>
-      </p:grpSpPr>
-      <p:grpSp>
-        <p:nvGrpSpPr>
-          <p:cNvPr id="383" name="Group"/>
-          <p:cNvGrpSpPr/>
-          <p:nvPr/>
-        </p:nvGrpSpPr>
-        <p:grpSpPr>
-          <a:xfrm>
-            <a:off x="2500784" y="179009"/>
-            <a:ext cx="5210772" cy="2269765"/>
-            <a:chOff x="0" y="368299"/>
-            <a:chExt cx="5210770" cy="2269763"/>
-          </a:xfrm>
-        </p:grpSpPr>
-        <p:sp>
-          <p:nvSpPr>
-            <p:cNvPr id="381" name="Loopring"/>
-            <p:cNvSpPr txBox="1"/>
-            <p:nvPr/>
-          </p:nvSpPr>
-          <p:spPr>
-            <a:xfrm>
-              <a:off x="0" y="368299"/>
-              <a:ext cx="5210771" cy="1819276"/>
-            </a:xfrm>
-            <a:prstGeom prst="rect">
-              <a:avLst/>
-            </a:prstGeom>
-            <a:noFill/>
-            <a:ln w="12700" cap="flat">
-              <a:noFill/>
-              <a:miter lim="400000"/>
-            </a:ln>
-            <a:effectLst/>
-            <a:extLst>
-              <a:ext uri="{C572A759-6A51-4108-AA02-DFA0A04FC94B}">
-                <ma14:wrappingTextBoxFlag xmlns:ma14="http://schemas.microsoft.com/office/mac/drawingml/2011/main" val="1"/>
-              </a:ext>
-            </a:extLst>
-          </p:spPr>
-          <p:txBody>
-            <a:bodyPr wrap="none" lIns="71437" tIns="71437" rIns="71437" bIns="71437" numCol="1" anchor="ctr">
-              <a:spAutoFit/>
-            </a:bodyPr>
-            <a:lstStyle>
-              <a:lvl1pPr algn="l">
-                <a:defRPr sz="10000">
-                  <a:latin typeface="Roboto Bold"/>
-                  <a:ea typeface="Roboto Bold"/>
-                  <a:cs typeface="Roboto Bold"/>
-                  <a:sym typeface="Roboto Bold"/>
-                </a:defRPr>
-              </a:lvl1pPr>
-            </a:lstStyle>
-            <a:p>
-              <a:pPr/>
-              <a:r>
-                <a:t>Loopring</a:t>
-              </a:r>
-            </a:p>
-          </p:txBody>
-        </p:sp>
-        <p:sp>
-          <p:nvSpPr>
-            <p:cNvPr id="382" name="去中心化代币交易所和协议"/>
-            <p:cNvSpPr txBox="1"/>
-            <p:nvPr/>
-          </p:nvSpPr>
-          <p:spPr>
-            <a:xfrm>
-              <a:off x="60388" y="2076088"/>
-              <a:ext cx="3813176" cy="561976"/>
-            </a:xfrm>
-            <a:prstGeom prst="rect">
-              <a:avLst/>
-            </a:prstGeom>
-            <a:noFill/>
-            <a:ln w="12700" cap="flat">
-              <a:noFill/>
-              <a:miter lim="400000"/>
-            </a:ln>
-            <a:effectLst/>
-            <a:extLst>
-              <a:ext uri="{C572A759-6A51-4108-AA02-DFA0A04FC94B}">
-                <ma14:wrappingTextBoxFlag xmlns:ma14="http://schemas.microsoft.com/office/mac/drawingml/2011/main" val="1"/>
-              </a:ext>
-            </a:extLst>
-          </p:spPr>
-          <p:txBody>
-            <a:bodyPr wrap="none" lIns="71437" tIns="71437" rIns="71437" bIns="71437" numCol="1" anchor="ctr">
-              <a:spAutoFit/>
-            </a:bodyPr>
-            <a:lstStyle>
-              <a:lvl1pPr algn="l">
-                <a:defRPr sz="2400">
-                  <a:latin typeface="Roboto Regular"/>
-                  <a:ea typeface="Roboto Regular"/>
-                  <a:cs typeface="Roboto Regular"/>
-                  <a:sym typeface="Roboto Regular"/>
-                </a:defRPr>
-              </a:lvl1pPr>
-            </a:lstStyle>
-            <a:p>
-              <a:pPr/>
-              <a:r>
-                <a:t>去中心化代币交易所和协议</a:t>
-              </a:r>
-            </a:p>
-          </p:txBody>
-        </p:sp>
-      </p:grpSp>
-      <p:pic>
-        <p:nvPicPr>
-          <p:cNvPr id="384" name="pasted-image.pdf" descr="pasted-image.pdf"/>
-          <p:cNvPicPr>
-            <a:picLocks noChangeAspect="1"/>
-          </p:cNvPicPr>
-          <p:nvPr/>
-        </p:nvPicPr>
-        <p:blipFill>
-          <a:blip r:embed="rId2">
-            <a:extLst/>
-          </a:blip>
-          <a:stretch>
-            <a:fillRect/>
-          </a:stretch>
-        </p:blipFill>
-        <p:spPr>
-          <a:xfrm>
-            <a:off x="4329067" y="3555437"/>
-            <a:ext cx="15725866" cy="8301505"/>
-          </a:xfrm>
-          <a:prstGeom prst="rect">
-            <a:avLst/>
-          </a:prstGeom>
-          <a:ln w="12700">
-            <a:miter lim="400000"/>
-          </a:ln>
-        </p:spPr>
-      </p:pic>
-    </p:spTree>
-  </p:cSld>
-  <p:clrMapOvr>
-    <a:masterClrMapping/>
-  </p:clrMapOvr>
-  <mc:AlternateContent xmlns:mc="http://schemas.openxmlformats.org/markup-compatibility/2006">
-    <mc:Choice xmlns:p14="http://schemas.microsoft.com/office/powerpoint/2010/main" Requires="p14">
-      <p:transition spd="fast" advClick="1" p14:dur="750">
-        <p:dissolve/>
-      </p:transition>
-    </mc:Choice>
-    <mc:Fallback>
-      <p:transition spd="fast">
-        <p:fade/>
-      </p:transition>
-    </mc:Fallback>
-  </mc:AlternateContent>
 </p:sld>
 </file>
 
@@ -18587,162 +19360,15 @@
           <a:chExt cx="0" cy="0"/>
         </a:xfrm>
       </p:grpSpPr>
-      <p:sp>
-        <p:nvSpPr>
-          <p:cNvPr id="386" name="Centralized…"/>
-          <p:cNvSpPr txBox="1"/>
-          <p:nvPr/>
-        </p:nvSpPr>
-        <p:spPr>
-          <a:xfrm>
-            <a:off x="25657495" y="5148262"/>
-            <a:ext cx="5084192" cy="3419476"/>
-          </a:xfrm>
-          <a:prstGeom prst="rect">
-            <a:avLst/>
-          </a:prstGeom>
-          <a:ln w="12700">
-            <a:miter lim="400000"/>
-          </a:ln>
-          <a:extLst>
-            <a:ext uri="{C572A759-6A51-4108-AA02-DFA0A04FC94B}">
-              <ma14:wrappingTextBoxFlag xmlns:ma14="http://schemas.microsoft.com/office/mac/drawingml/2011/main" val="1"/>
-            </a:ext>
-          </a:extLst>
-        </p:spPr>
-        <p:txBody>
-          <a:bodyPr wrap="none" lIns="71437" tIns="71437" rIns="71437" bIns="71437" anchor="ctr">
-            <a:spAutoFit/>
-          </a:bodyPr>
-          <a:lstStyle/>
-          <a:p>
-            <a:pPr algn="l">
-              <a:defRPr sz="7200"/>
-            </a:pPr>
-            <a:r>
-              <a:t>Centralized</a:t>
-            </a:r>
-          </a:p>
-          <a:p>
-            <a:pPr algn="l">
-              <a:defRPr sz="7200"/>
-            </a:pPr>
-            <a:r>
-              <a:t>Off-chain</a:t>
-            </a:r>
-          </a:p>
-          <a:p>
-            <a:pPr algn="l">
-              <a:defRPr sz="7200"/>
-            </a:pPr>
-            <a:r>
-              <a:t>Exchange</a:t>
-            </a:r>
-          </a:p>
-        </p:txBody>
-      </p:sp>
-      <p:sp>
-        <p:nvSpPr>
-          <p:cNvPr id="387" name="首先是个协议"/>
-          <p:cNvSpPr txBox="1"/>
-          <p:nvPr/>
-        </p:nvSpPr>
-        <p:spPr>
-          <a:xfrm>
-            <a:off x="8308950" y="3824287"/>
-            <a:ext cx="11128376" cy="2708276"/>
-          </a:xfrm>
-          <a:prstGeom prst="rect">
-            <a:avLst/>
-          </a:prstGeom>
-          <a:ln w="12700">
-            <a:miter lim="400000"/>
-          </a:ln>
-          <a:extLst>
-            <a:ext uri="{C572A759-6A51-4108-AA02-DFA0A04FC94B}">
-              <ma14:wrappingTextBoxFlag xmlns:ma14="http://schemas.microsoft.com/office/mac/drawingml/2011/main" val="1"/>
-            </a:ext>
-          </a:extLst>
-        </p:spPr>
-        <p:txBody>
-          <a:bodyPr wrap="none" lIns="71437" tIns="71437" rIns="71437" bIns="71437" anchor="ctr">
-            <a:spAutoFit/>
-          </a:bodyPr>
-          <a:lstStyle>
-            <a:lvl1pPr algn="l">
-              <a:defRPr sz="14400">
-                <a:solidFill>
-                  <a:srgbClr val="53585F"/>
-                </a:solidFill>
-                <a:latin typeface="Roboto Light"/>
-                <a:ea typeface="Roboto Light"/>
-                <a:cs typeface="Roboto Light"/>
-                <a:sym typeface="Roboto Light"/>
-              </a:defRPr>
-            </a:lvl1pPr>
-          </a:lstStyle>
-          <a:p>
-            <a:pPr/>
-            <a:r>
-              <a:t>首先是个协议</a:t>
-            </a:r>
-          </a:p>
-        </p:txBody>
-      </p:sp>
-      <p:sp>
-        <p:nvSpPr>
-          <p:cNvPr id="388" name="其使命是通过去中心化技术，创造零风险，高流动性的资产交易模式。"/>
-          <p:cNvSpPr txBox="1"/>
-          <p:nvPr/>
-        </p:nvSpPr>
-        <p:spPr>
-          <a:xfrm>
-            <a:off x="8637925" y="6806789"/>
-            <a:ext cx="12255378" cy="1844676"/>
-          </a:xfrm>
-          <a:prstGeom prst="rect">
-            <a:avLst/>
-          </a:prstGeom>
-          <a:ln w="12700">
-            <a:miter lim="400000"/>
-          </a:ln>
-          <a:extLst>
-            <a:ext uri="{C572A759-6A51-4108-AA02-DFA0A04FC94B}">
-              <ma14:wrappingTextBoxFlag xmlns:ma14="http://schemas.microsoft.com/office/mac/drawingml/2011/main" val="1"/>
-            </a:ext>
-          </a:extLst>
-        </p:spPr>
-        <p:txBody>
-          <a:bodyPr lIns="71437" tIns="71437" rIns="71437" bIns="71437" anchor="ctr">
-            <a:spAutoFit/>
-          </a:bodyPr>
-          <a:lstStyle>
-            <a:lvl1pPr algn="l">
-              <a:defRPr sz="4800">
-                <a:latin typeface="Roboto Light"/>
-                <a:ea typeface="Roboto Light"/>
-                <a:cs typeface="Roboto Light"/>
-                <a:sym typeface="Roboto Light"/>
-              </a:defRPr>
-            </a:lvl1pPr>
-          </a:lstStyle>
-          <a:p>
-            <a:pPr/>
-            <a:r>
-              <a:t>其使命是通过去中心化技术，创造零风险，高流动性的资产交易模式。</a:t>
-            </a:r>
-          </a:p>
-        </p:txBody>
-      </p:sp>
       <p:grpSp>
         <p:nvGrpSpPr>
-          <p:cNvPr id="391" name="Group"/>
+          <p:cNvPr id="391" name="成组"/>
           <p:cNvGrpSpPr/>
           <p:nvPr/>
         </p:nvGrpSpPr>
         <p:grpSpPr>
           <a:xfrm>
-            <a:off x="2500784" y="3824287"/>
+            <a:off x="2500784" y="179009"/>
             <a:ext cx="5210772" cy="2269765"/>
             <a:chOff x="0" y="368299"/>
             <a:chExt cx="5210770" cy="2269763"/>
@@ -18845,6 +19471,337 @@
           </p:txBody>
         </p:sp>
       </p:grpSp>
+      <p:pic>
+        <p:nvPicPr>
+          <p:cNvPr id="392" name="pasted-image.pdf" descr="pasted-image.pdf"/>
+          <p:cNvPicPr>
+            <a:picLocks noChangeAspect="1"/>
+          </p:cNvPicPr>
+          <p:nvPr/>
+        </p:nvPicPr>
+        <p:blipFill>
+          <a:blip r:embed="rId2">
+            <a:extLst/>
+          </a:blip>
+          <a:stretch>
+            <a:fillRect/>
+          </a:stretch>
+        </p:blipFill>
+        <p:spPr>
+          <a:xfrm>
+            <a:off x="4329067" y="3555437"/>
+            <a:ext cx="15725866" cy="8301505"/>
+          </a:xfrm>
+          <a:prstGeom prst="rect">
+            <a:avLst/>
+          </a:prstGeom>
+          <a:ln w="12700">
+            <a:miter lim="400000"/>
+          </a:ln>
+        </p:spPr>
+      </p:pic>
+    </p:spTree>
+  </p:cSld>
+  <p:clrMapOvr>
+    <a:masterClrMapping/>
+  </p:clrMapOvr>
+  <mc:AlternateContent xmlns:mc="http://schemas.openxmlformats.org/markup-compatibility/2006">
+    <mc:Choice xmlns:p14="http://schemas.microsoft.com/office/powerpoint/2010/main" Requires="p14">
+      <p:transition spd="fast" advClick="1" p14:dur="750">
+        <p:dissolve/>
+      </p:transition>
+    </mc:Choice>
+    <mc:Fallback>
+      <p:transition spd="fast">
+        <p:fade/>
+      </p:transition>
+    </mc:Fallback>
+  </mc:AlternateContent>
+</p:sld>
+</file>
+
+<file path=ppt/slides/slide23.xml><?xml version="1.0" encoding="utf-8"?>
+<p:sld xmlns:a="http://schemas.openxmlformats.org/drawingml/2006/main" xmlns:r="http://schemas.openxmlformats.org/officeDocument/2006/relationships" xmlns:p="http://schemas.openxmlformats.org/presentationml/2006/main" showMasterSp="1" showMasterPhAnim="1">
+  <p:cSld>
+    <p:bg>
+      <p:bgPr>
+        <a:solidFill>
+          <a:srgbClr val="FFFFFF"/>
+        </a:solidFill>
+      </p:bgPr>
+    </p:bg>
+    <p:spTree>
+      <p:nvGrpSpPr>
+        <p:cNvPr id="1" name=""/>
+        <p:cNvGrpSpPr/>
+        <p:nvPr/>
+      </p:nvGrpSpPr>
+      <p:grpSpPr>
+        <a:xfrm>
+          <a:off x="0" y="0"/>
+          <a:ext cx="0" cy="0"/>
+          <a:chOff x="0" y="0"/>
+          <a:chExt cx="0" cy="0"/>
+        </a:xfrm>
+      </p:grpSpPr>
+      <p:sp>
+        <p:nvSpPr>
+          <p:cNvPr id="394" name="Centralized…"/>
+          <p:cNvSpPr txBox="1"/>
+          <p:nvPr/>
+        </p:nvSpPr>
+        <p:spPr>
+          <a:xfrm>
+            <a:off x="25657495" y="5148262"/>
+            <a:ext cx="5084192" cy="3419476"/>
+          </a:xfrm>
+          <a:prstGeom prst="rect">
+            <a:avLst/>
+          </a:prstGeom>
+          <a:ln w="12700">
+            <a:miter lim="400000"/>
+          </a:ln>
+          <a:extLst>
+            <a:ext uri="{C572A759-6A51-4108-AA02-DFA0A04FC94B}">
+              <ma14:wrappingTextBoxFlag xmlns:ma14="http://schemas.microsoft.com/office/mac/drawingml/2011/main" val="1"/>
+            </a:ext>
+          </a:extLst>
+        </p:spPr>
+        <p:txBody>
+          <a:bodyPr wrap="none" lIns="71437" tIns="71437" rIns="71437" bIns="71437" anchor="ctr">
+            <a:spAutoFit/>
+          </a:bodyPr>
+          <a:lstStyle/>
+          <a:p>
+            <a:pPr algn="l">
+              <a:defRPr sz="7200"/>
+            </a:pPr>
+            <a:r>
+              <a:t>Centralized</a:t>
+            </a:r>
+          </a:p>
+          <a:p>
+            <a:pPr algn="l">
+              <a:defRPr sz="7200"/>
+            </a:pPr>
+            <a:r>
+              <a:t>Off-chain</a:t>
+            </a:r>
+          </a:p>
+          <a:p>
+            <a:pPr algn="l">
+              <a:defRPr sz="7200"/>
+            </a:pPr>
+            <a:r>
+              <a:t>Exchange</a:t>
+            </a:r>
+          </a:p>
+        </p:txBody>
+      </p:sp>
+      <p:sp>
+        <p:nvSpPr>
+          <p:cNvPr id="395" name="首先是个协议"/>
+          <p:cNvSpPr txBox="1"/>
+          <p:nvPr/>
+        </p:nvSpPr>
+        <p:spPr>
+          <a:xfrm>
+            <a:off x="8308950" y="3824287"/>
+            <a:ext cx="11128376" cy="2708276"/>
+          </a:xfrm>
+          <a:prstGeom prst="rect">
+            <a:avLst/>
+          </a:prstGeom>
+          <a:ln w="12700">
+            <a:miter lim="400000"/>
+          </a:ln>
+          <a:extLst>
+            <a:ext uri="{C572A759-6A51-4108-AA02-DFA0A04FC94B}">
+              <ma14:wrappingTextBoxFlag xmlns:ma14="http://schemas.microsoft.com/office/mac/drawingml/2011/main" val="1"/>
+            </a:ext>
+          </a:extLst>
+        </p:spPr>
+        <p:txBody>
+          <a:bodyPr wrap="none" lIns="71437" tIns="71437" rIns="71437" bIns="71437" anchor="ctr">
+            <a:spAutoFit/>
+          </a:bodyPr>
+          <a:lstStyle>
+            <a:lvl1pPr algn="l">
+              <a:defRPr sz="14400">
+                <a:solidFill>
+                  <a:srgbClr val="53585F"/>
+                </a:solidFill>
+                <a:latin typeface="Roboto Light"/>
+                <a:ea typeface="Roboto Light"/>
+                <a:cs typeface="Roboto Light"/>
+                <a:sym typeface="Roboto Light"/>
+              </a:defRPr>
+            </a:lvl1pPr>
+          </a:lstStyle>
+          <a:p>
+            <a:pPr/>
+            <a:r>
+              <a:t>首先是个协议</a:t>
+            </a:r>
+          </a:p>
+        </p:txBody>
+      </p:sp>
+      <p:sp>
+        <p:nvSpPr>
+          <p:cNvPr id="396" name="其使命是通过去中心化技术，创造零风险，高流动性的资产交易模式。"/>
+          <p:cNvSpPr txBox="1"/>
+          <p:nvPr/>
+        </p:nvSpPr>
+        <p:spPr>
+          <a:xfrm>
+            <a:off x="8637925" y="6806789"/>
+            <a:ext cx="12255378" cy="1844676"/>
+          </a:xfrm>
+          <a:prstGeom prst="rect">
+            <a:avLst/>
+          </a:prstGeom>
+          <a:ln w="12700">
+            <a:miter lim="400000"/>
+          </a:ln>
+          <a:extLst>
+            <a:ext uri="{C572A759-6A51-4108-AA02-DFA0A04FC94B}">
+              <ma14:wrappingTextBoxFlag xmlns:ma14="http://schemas.microsoft.com/office/mac/drawingml/2011/main" val="1"/>
+            </a:ext>
+          </a:extLst>
+        </p:spPr>
+        <p:txBody>
+          <a:bodyPr lIns="71437" tIns="71437" rIns="71437" bIns="71437" anchor="ctr">
+            <a:spAutoFit/>
+          </a:bodyPr>
+          <a:lstStyle>
+            <a:lvl1pPr algn="l">
+              <a:defRPr sz="4800">
+                <a:latin typeface="Roboto Light"/>
+                <a:ea typeface="Roboto Light"/>
+                <a:cs typeface="Roboto Light"/>
+                <a:sym typeface="Roboto Light"/>
+              </a:defRPr>
+            </a:lvl1pPr>
+          </a:lstStyle>
+          <a:p>
+            <a:pPr/>
+            <a:r>
+              <a:t>其使命是通过去中心化技术，创造零风险，高流动性的资产交易模式。</a:t>
+            </a:r>
+          </a:p>
+        </p:txBody>
+      </p:sp>
+      <p:grpSp>
+        <p:nvGrpSpPr>
+          <p:cNvPr id="399" name="成组"/>
+          <p:cNvGrpSpPr/>
+          <p:nvPr/>
+        </p:nvGrpSpPr>
+        <p:grpSpPr>
+          <a:xfrm>
+            <a:off x="2500784" y="3824287"/>
+            <a:ext cx="5210772" cy="2269765"/>
+            <a:chOff x="0" y="368299"/>
+            <a:chExt cx="5210770" cy="2269763"/>
+          </a:xfrm>
+        </p:grpSpPr>
+        <p:sp>
+          <p:nvSpPr>
+            <p:cNvPr id="397" name="Loopring"/>
+            <p:cNvSpPr txBox="1"/>
+            <p:nvPr/>
+          </p:nvSpPr>
+          <p:spPr>
+            <a:xfrm>
+              <a:off x="0" y="368299"/>
+              <a:ext cx="5210771" cy="1819276"/>
+            </a:xfrm>
+            <a:prstGeom prst="rect">
+              <a:avLst/>
+            </a:prstGeom>
+            <a:noFill/>
+            <a:ln w="12700" cap="flat">
+              <a:noFill/>
+              <a:miter lim="400000"/>
+            </a:ln>
+            <a:effectLst/>
+            <a:extLst>
+              <a:ext uri="{C572A759-6A51-4108-AA02-DFA0A04FC94B}">
+                <ma14:wrappingTextBoxFlag xmlns:ma14="http://schemas.microsoft.com/office/mac/drawingml/2011/main" val="1"/>
+              </a:ext>
+            </a:extLst>
+          </p:spPr>
+          <p:txBody>
+            <a:bodyPr wrap="none" lIns="71437" tIns="71437" rIns="71437" bIns="71437" numCol="1" anchor="ctr">
+              <a:spAutoFit/>
+            </a:bodyPr>
+            <a:lstStyle>
+              <a:lvl1pPr algn="l">
+                <a:defRPr sz="10000">
+                  <a:latin typeface="Roboto Bold"/>
+                  <a:ea typeface="Roboto Bold"/>
+                  <a:cs typeface="Roboto Bold"/>
+                  <a:sym typeface="Roboto Bold"/>
+                </a:defRPr>
+              </a:lvl1pPr>
+            </a:lstStyle>
+            <a:p>
+              <a:pPr/>
+              <a:r>
+                <a:t>Loopring</a:t>
+              </a:r>
+            </a:p>
+          </p:txBody>
+        </p:sp>
+        <p:sp>
+          <p:nvSpPr>
+            <p:cNvPr id="398" name="去中心化代币交易所和协议"/>
+            <p:cNvSpPr txBox="1"/>
+            <p:nvPr/>
+          </p:nvSpPr>
+          <p:spPr>
+            <a:xfrm>
+              <a:off x="60388" y="2076088"/>
+              <a:ext cx="3813176" cy="561976"/>
+            </a:xfrm>
+            <a:prstGeom prst="rect">
+              <a:avLst/>
+            </a:prstGeom>
+            <a:noFill/>
+            <a:ln w="12700" cap="flat">
+              <a:noFill/>
+              <a:miter lim="400000"/>
+            </a:ln>
+            <a:effectLst/>
+            <a:extLst>
+              <a:ext uri="{C572A759-6A51-4108-AA02-DFA0A04FC94B}">
+                <ma14:wrappingTextBoxFlag xmlns:ma14="http://schemas.microsoft.com/office/mac/drawingml/2011/main" val="1"/>
+              </a:ext>
+            </a:extLst>
+          </p:spPr>
+          <p:txBody>
+            <a:bodyPr wrap="none" lIns="71437" tIns="71437" rIns="71437" bIns="71437" numCol="1" anchor="ctr">
+              <a:spAutoFit/>
+            </a:bodyPr>
+            <a:lstStyle>
+              <a:lvl1pPr algn="l">
+                <a:defRPr sz="2400">
+                  <a:latin typeface="Roboto Regular"/>
+                  <a:ea typeface="Roboto Regular"/>
+                  <a:cs typeface="Roboto Regular"/>
+                  <a:sym typeface="Roboto Regular"/>
+                </a:defRPr>
+              </a:lvl1pPr>
+            </a:lstStyle>
+            <a:p>
+              <a:pPr/>
+              <a:r>
+                <a:t>去中心化代币交易所和协议</a:t>
+              </a:r>
+            </a:p>
+          </p:txBody>
+        </p:sp>
+      </p:grpSp>
     </p:spTree>
   </p:cSld>
   <p:clrMapOvr>
@@ -18898,7 +19855,7 @@
                                       <p:cBhvr>
                                         <p:cTn id="6" fill="hold"/>
                                         <p:tgtEl>
-                                          <p:spTgt spid="387"/>
+                                          <p:spTgt spid="395"/>
                                         </p:tgtEl>
                                         <p:attrNameLst>
                                           <p:attrName>style.visibility</p:attrName>
@@ -18912,7 +19869,7 @@
                                       <p:cBhvr>
                                         <p:cTn id="7" dur="500"/>
                                         <p:tgtEl>
-                                          <p:spTgt spid="387"/>
+                                          <p:spTgt spid="395"/>
                                         </p:tgtEl>
                                       </p:cBhvr>
                                     </p:animEffect>
@@ -18941,7 +19898,7 @@
                                       <p:cBhvr>
                                         <p:cTn id="10" fill="hold"/>
                                         <p:tgtEl>
-                                          <p:spTgt spid="388"/>
+                                          <p:spTgt spid="396"/>
                                         </p:tgtEl>
                                         <p:attrNameLst>
                                           <p:attrName>style.visibility</p:attrName>
@@ -18955,7 +19912,7 @@
                                       <p:cBhvr>
                                         <p:cTn id="11" dur="500"/>
                                         <p:tgtEl>
-                                          <p:spTgt spid="388"/>
+                                          <p:spTgt spid="396"/>
                                         </p:tgtEl>
                                       </p:cBhvr>
                                     </p:animEffect>
@@ -18990,14 +19947,14 @@
       </p:par>
     </p:tnLst>
     <p:bldLst>
-      <p:bldP build="whole" bldLvl="1" animBg="1" rev="0" advAuto="0" spid="387" grpId="1"/>
-      <p:bldP build="whole" bldLvl="1" animBg="1" rev="0" advAuto="0" spid="388" grpId="2"/>
+      <p:bldP build="whole" bldLvl="1" animBg="1" rev="0" advAuto="0" spid="396" grpId="2"/>
+      <p:bldP build="whole" bldLvl="1" animBg="1" rev="0" advAuto="0" spid="395" grpId="1"/>
     </p:bldLst>
   </p:timing>
 </p:sld>
 </file>
 
-<file path=ppt/slides/slide23.xml><?xml version="1.0" encoding="utf-8"?>
+<file path=ppt/slides/slide24.xml><?xml version="1.0" encoding="utf-8"?>
 <p:sld xmlns:a="http://schemas.openxmlformats.org/drawingml/2006/main" xmlns:r="http://schemas.openxmlformats.org/officeDocument/2006/relationships" xmlns:p="http://schemas.openxmlformats.org/presentationml/2006/main" showMasterSp="1" showMasterPhAnim="1">
   <p:cSld>
     <p:bg>
@@ -19023,7 +19980,7 @@
       </p:grpSpPr>
       <p:sp>
         <p:nvSpPr>
-          <p:cNvPr id="393" name="Centralized…"/>
+          <p:cNvPr id="401" name="Centralized…"/>
           <p:cNvSpPr txBox="1"/>
           <p:nvPr/>
         </p:nvSpPr>
@@ -19077,7 +20034,7 @@
       </p:sp>
       <p:sp>
         <p:nvSpPr>
-          <p:cNvPr id="394" name="首先是个协议"/>
+          <p:cNvPr id="402" name="首先是个协议"/>
           <p:cNvSpPr txBox="1"/>
           <p:nvPr/>
         </p:nvSpPr>
@@ -19125,7 +20082,7 @@
       </p:sp>
       <p:sp>
         <p:nvSpPr>
-          <p:cNvPr id="395" name="HTTP"/>
+          <p:cNvPr id="403" name="HTTP"/>
           <p:cNvSpPr/>
           <p:nvPr/>
         </p:nvSpPr>
@@ -19174,7 +20131,7 @@
       </p:sp>
       <p:sp>
         <p:nvSpPr>
-          <p:cNvPr id="396" name="Linux"/>
+          <p:cNvPr id="404" name="Linux"/>
           <p:cNvSpPr/>
           <p:nvPr/>
         </p:nvSpPr>
@@ -19223,7 +20180,7 @@
       </p:sp>
       <p:sp>
         <p:nvSpPr>
-          <p:cNvPr id="397" name="Windows"/>
+          <p:cNvPr id="405" name="Windows"/>
           <p:cNvSpPr/>
           <p:nvPr/>
         </p:nvSpPr>
@@ -19272,7 +20229,7 @@
       </p:sp>
       <p:sp>
         <p:nvSpPr>
-          <p:cNvPr id="398" name="Android"/>
+          <p:cNvPr id="406" name="Android"/>
           <p:cNvSpPr/>
           <p:nvPr/>
         </p:nvSpPr>
@@ -19321,7 +20278,7 @@
       </p:sp>
       <p:sp>
         <p:nvSpPr>
-          <p:cNvPr id="399" name="iOS"/>
+          <p:cNvPr id="407" name="iOS"/>
           <p:cNvSpPr/>
           <p:nvPr/>
         </p:nvSpPr>
@@ -19370,7 +20327,7 @@
       </p:sp>
       <p:sp>
         <p:nvSpPr>
-          <p:cNvPr id="400" name="如同HTTP协议可以再多个操作系统中实现"/>
+          <p:cNvPr id="408" name="如同HTTP协议可以再多个操作系统中实现"/>
           <p:cNvSpPr txBox="1"/>
           <p:nvPr/>
         </p:nvSpPr>
@@ -19415,7 +20372,7 @@
       </p:sp>
       <p:sp>
         <p:nvSpPr>
-          <p:cNvPr id="401" name="Chrome"/>
+          <p:cNvPr id="409" name="Chrome"/>
           <p:cNvSpPr/>
           <p:nvPr/>
         </p:nvSpPr>
@@ -19464,7 +20421,7 @@
       </p:sp>
       <p:sp>
         <p:nvSpPr>
-          <p:cNvPr id="402" name="Firefox"/>
+          <p:cNvPr id="410" name="Firefox"/>
           <p:cNvSpPr/>
           <p:nvPr/>
         </p:nvSpPr>
@@ -19513,7 +20470,7 @@
       </p:sp>
       <p:sp>
         <p:nvSpPr>
-          <p:cNvPr id="403" name="Safari"/>
+          <p:cNvPr id="411" name="Safari"/>
           <p:cNvSpPr/>
           <p:nvPr/>
         </p:nvSpPr>
@@ -19562,7 +20519,7 @@
       </p:sp>
       <p:sp>
         <p:nvSpPr>
-          <p:cNvPr id="404" name="IE"/>
+          <p:cNvPr id="412" name="IE"/>
           <p:cNvSpPr/>
           <p:nvPr/>
         </p:nvSpPr>
@@ -19611,7 +20568,7 @@
       </p:sp>
       <p:grpSp>
         <p:nvGrpSpPr>
-          <p:cNvPr id="407" name="Group"/>
+          <p:cNvPr id="415" name="成组"/>
           <p:cNvGrpSpPr/>
           <p:nvPr/>
         </p:nvGrpSpPr>
@@ -19625,7 +20582,7 @@
         </p:grpSpPr>
         <p:sp>
           <p:nvSpPr>
-            <p:cNvPr id="405" name="Loopring"/>
+            <p:cNvPr id="413" name="Loopring"/>
             <p:cNvSpPr txBox="1"/>
             <p:nvPr/>
           </p:nvSpPr>
@@ -19673,7 +20630,7 @@
         </p:sp>
         <p:sp>
           <p:nvSpPr>
-            <p:cNvPr id="406" name="去中心化代币交易所和协议"/>
+            <p:cNvPr id="414" name="去中心化代币交易所和协议"/>
             <p:cNvSpPr txBox="1"/>
             <p:nvPr/>
           </p:nvSpPr>
@@ -19740,7 +20697,7 @@
 </p:sld>
 </file>
 
-<file path=ppt/slides/slide24.xml><?xml version="1.0" encoding="utf-8"?>
+<file path=ppt/slides/slide25.xml><?xml version="1.0" encoding="utf-8"?>
 <p:sld xmlns:a="http://schemas.openxmlformats.org/drawingml/2006/main" xmlns:r="http://schemas.openxmlformats.org/officeDocument/2006/relationships" xmlns:p="http://schemas.openxmlformats.org/presentationml/2006/main" showMasterSp="1" showMasterPhAnim="1">
   <p:cSld>
     <p:bg>
@@ -19766,7 +20723,7 @@
       </p:grpSpPr>
       <p:sp>
         <p:nvSpPr>
-          <p:cNvPr id="409" name="Centralized…"/>
+          <p:cNvPr id="417" name="Centralized…"/>
           <p:cNvSpPr txBox="1"/>
           <p:nvPr/>
         </p:nvSpPr>
@@ -19820,7 +20777,7 @@
       </p:sp>
       <p:sp>
         <p:nvSpPr>
-          <p:cNvPr id="410" name="Loopring Protocol"/>
+          <p:cNvPr id="418" name="Loopring Protocol"/>
           <p:cNvSpPr/>
           <p:nvPr/>
         </p:nvSpPr>
@@ -19872,7 +20829,7 @@
       </p:sp>
       <p:sp>
         <p:nvSpPr>
-          <p:cNvPr id="411" name="Ethereum"/>
+          <p:cNvPr id="419" name="Ethereum"/>
           <p:cNvSpPr/>
           <p:nvPr/>
         </p:nvSpPr>
@@ -19921,7 +20878,7 @@
       </p:sp>
       <p:sp>
         <p:nvSpPr>
-          <p:cNvPr id="412" name="量子链QTUM"/>
+          <p:cNvPr id="420" name="量子链QTUM"/>
           <p:cNvSpPr/>
           <p:nvPr/>
         </p:nvSpPr>
@@ -19970,7 +20927,7 @@
       </p:sp>
       <p:sp>
         <p:nvSpPr>
-          <p:cNvPr id="413" name="EOS"/>
+          <p:cNvPr id="421" name="EOS"/>
           <p:cNvSpPr/>
           <p:nvPr/>
         </p:nvSpPr>
@@ -20019,7 +20976,7 @@
       </p:sp>
       <p:sp>
         <p:nvSpPr>
-          <p:cNvPr id="414" name="…"/>
+          <p:cNvPr id="422" name="…"/>
           <p:cNvSpPr/>
           <p:nvPr/>
         </p:nvSpPr>
@@ -20068,7 +21025,7 @@
       </p:sp>
       <p:sp>
         <p:nvSpPr>
-          <p:cNvPr id="415" name="Loopring也可以再多个支持智能合约的类ERC20代币的公有链上实现。"/>
+          <p:cNvPr id="423" name="Loopring也可以在多个支持智能合约的类ERC20代币的公有链上实现。"/>
           <p:cNvSpPr txBox="1"/>
           <p:nvPr/>
         </p:nvSpPr>
@@ -20106,14 +21063,14 @@
           <a:p>
             <a:pPr/>
             <a:r>
-              <a:t>Loopring也可以再多个支持智能合约的类ERC20代币的公有链上实现。</a:t>
+              <a:t>Loopring也可以在多个支持智能合约的类ERC20代币的公有链上实现。</a:t>
             </a:r>
           </a:p>
         </p:txBody>
       </p:sp>
       <p:sp>
         <p:nvSpPr>
-          <p:cNvPr id="416" name="Loopring交易所"/>
+          <p:cNvPr id="424" name="Loopring交易所"/>
           <p:cNvSpPr/>
           <p:nvPr/>
         </p:nvSpPr>
@@ -20166,7 +21123,7 @@
       </p:sp>
       <p:sp>
         <p:nvSpPr>
-          <p:cNvPr id="417" name="其他交易所"/>
+          <p:cNvPr id="425" name="其他交易所"/>
           <p:cNvSpPr/>
           <p:nvPr/>
         </p:nvSpPr>
@@ -20218,7 +21175,7 @@
       </p:sp>
       <p:sp>
         <p:nvSpPr>
-          <p:cNvPr id="418" name="dApp2"/>
+          <p:cNvPr id="426" name="dApp2"/>
           <p:cNvSpPr/>
           <p:nvPr/>
         </p:nvSpPr>
@@ -20271,7 +21228,7 @@
       </p:sp>
       <p:sp>
         <p:nvSpPr>
-          <p:cNvPr id="419" name="首先是个协议"/>
+          <p:cNvPr id="427" name="首先是个协议"/>
           <p:cNvSpPr txBox="1"/>
           <p:nvPr/>
         </p:nvSpPr>
@@ -20319,7 +21276,7 @@
       </p:sp>
       <p:grpSp>
         <p:nvGrpSpPr>
-          <p:cNvPr id="422" name="Group"/>
+          <p:cNvPr id="430" name="成组"/>
           <p:cNvGrpSpPr/>
           <p:nvPr/>
         </p:nvGrpSpPr>
@@ -20333,7 +21290,7 @@
         </p:grpSpPr>
         <p:sp>
           <p:nvSpPr>
-            <p:cNvPr id="420" name="Loopring"/>
+            <p:cNvPr id="428" name="Loopring"/>
             <p:cNvSpPr txBox="1"/>
             <p:nvPr/>
           </p:nvSpPr>
@@ -20381,7 +21338,7 @@
         </p:sp>
         <p:sp>
           <p:nvSpPr>
-            <p:cNvPr id="421" name="去中心化代币交易所和协议"/>
+            <p:cNvPr id="429" name="去中心化代币交易所和协议"/>
             <p:cNvSpPr txBox="1"/>
             <p:nvPr/>
           </p:nvSpPr>
@@ -20448,7 +21405,7 @@
 </p:sld>
 </file>
 
-<file path=ppt/slides/slide25.xml><?xml version="1.0" encoding="utf-8"?>
+<file path=ppt/slides/slide26.xml><?xml version="1.0" encoding="utf-8"?>
 <p:sld xmlns:a="http://schemas.openxmlformats.org/drawingml/2006/main" xmlns:r="http://schemas.openxmlformats.org/officeDocument/2006/relationships" xmlns:p="http://schemas.openxmlformats.org/presentationml/2006/main" showMasterSp="1" showMasterPhAnim="1">
   <p:cSld>
     <p:bg>
@@ -20474,7 +21431,7 @@
       </p:grpSpPr>
       <p:sp>
         <p:nvSpPr>
-          <p:cNvPr id="424" name="Centralized…"/>
+          <p:cNvPr id="432" name="Centralized…"/>
           <p:cNvSpPr txBox="1"/>
           <p:nvPr/>
         </p:nvSpPr>
@@ -20528,7 +21485,7 @@
       </p:sp>
       <p:grpSp>
         <p:nvGrpSpPr>
-          <p:cNvPr id="427" name="Group"/>
+          <p:cNvPr id="435" name="成组"/>
           <p:cNvGrpSpPr/>
           <p:nvPr/>
         </p:nvGrpSpPr>
@@ -20542,7 +21499,7 @@
         </p:grpSpPr>
         <p:sp>
           <p:nvSpPr>
-            <p:cNvPr id="425" name="目标1. 协议验证和落地示范"/>
+            <p:cNvPr id="433" name="目标1. 协议验证和落地示范"/>
             <p:cNvSpPr txBox="1"/>
             <p:nvPr/>
           </p:nvSpPr>
@@ -20590,7 +21547,7 @@
         </p:sp>
         <p:sp>
           <p:nvSpPr>
-            <p:cNvPr id="426" name="我们的交易所将是协议的第一个应用。我们将向社区证明去中心化交易所在效率和安全性方面可以有兼而有之的解决方案。…"/>
+            <p:cNvPr id="434" name="我们的交易所将是协议的第一个应用。我们将向社区证明去中心化交易所在效率和安全性方面可以有兼而有之的解决方案。…"/>
             <p:cNvSpPr txBox="1"/>
             <p:nvPr/>
           </p:nvSpPr>
@@ -20667,7 +21624,7 @@
       </p:grpSp>
       <p:grpSp>
         <p:nvGrpSpPr>
-          <p:cNvPr id="430" name="Group"/>
+          <p:cNvPr id="438" name="成组"/>
           <p:cNvGrpSpPr/>
           <p:nvPr/>
         </p:nvGrpSpPr>
@@ -20681,7 +21638,7 @@
         </p:grpSpPr>
         <p:sp>
           <p:nvSpPr>
-            <p:cNvPr id="428" name="目标2. 验证环路发现算法"/>
+            <p:cNvPr id="436" name="目标2. 验证环路发现算法"/>
             <p:cNvSpPr txBox="1"/>
             <p:nvPr/>
           </p:nvSpPr>
@@ -20729,7 +21686,7 @@
         </p:sp>
         <p:sp>
           <p:nvSpPr>
-            <p:cNvPr id="429" name="线下撮合的效率对于交易所之间的竞争异常重要。我们预见未来交易所的主要竞争力不是用户数，而是撮合能力。"/>
+            <p:cNvPr id="437" name="线下撮合的效率对于交易所之间的竞争异常重要。我们预见未来交易所的主要竞争力不是用户数，而是撮合能力。"/>
             <p:cNvSpPr txBox="1"/>
             <p:nvPr/>
           </p:nvSpPr>
@@ -20778,7 +21735,7 @@
       </p:grpSp>
       <p:grpSp>
         <p:nvGrpSpPr>
-          <p:cNvPr id="433" name="Group"/>
+          <p:cNvPr id="441" name="成组"/>
           <p:cNvGrpSpPr/>
           <p:nvPr/>
         </p:nvGrpSpPr>
@@ -20792,7 +21749,7 @@
         </p:grpSpPr>
         <p:sp>
           <p:nvSpPr>
-            <p:cNvPr id="431" name="目标3. 为以太坊ICO生态提供流动性"/>
+            <p:cNvPr id="439" name="目标3. 为以太坊ICO生态提供流动性"/>
             <p:cNvSpPr txBox="1"/>
             <p:nvPr/>
           </p:nvSpPr>
@@ -20840,7 +21797,7 @@
         </p:sp>
         <p:sp>
           <p:nvSpPr>
-            <p:cNvPr id="432" name="有了我们的交易所，任何基于ETH的ICO代币都可以第一时间与ETH及其他ERC20代币做交换。"/>
+            <p:cNvPr id="440" name="有了我们的交易所，任何基于ETH的ICO代币都可以第一时间与ETH及其他ERC20代币做交换。"/>
             <p:cNvSpPr txBox="1"/>
             <p:nvPr/>
           </p:nvSpPr>
@@ -20889,7 +21846,7 @@
       </p:grpSp>
       <p:sp>
         <p:nvSpPr>
-          <p:cNvPr id="434" name="也是个交易所"/>
+          <p:cNvPr id="442" name="也是个交易所"/>
           <p:cNvSpPr txBox="1"/>
           <p:nvPr/>
         </p:nvSpPr>
@@ -20937,7 +21894,7 @@
       </p:sp>
       <p:grpSp>
         <p:nvGrpSpPr>
-          <p:cNvPr id="437" name="Group"/>
+          <p:cNvPr id="445" name="成组"/>
           <p:cNvGrpSpPr/>
           <p:nvPr/>
         </p:nvGrpSpPr>
@@ -20951,7 +21908,7 @@
         </p:grpSpPr>
         <p:sp>
           <p:nvSpPr>
-            <p:cNvPr id="435" name="Loopring"/>
+            <p:cNvPr id="443" name="Loopring"/>
             <p:cNvSpPr txBox="1"/>
             <p:nvPr/>
           </p:nvSpPr>
@@ -20999,7 +21956,7 @@
         </p:sp>
         <p:sp>
           <p:nvSpPr>
-            <p:cNvPr id="436" name="去中心化代币交易所和协议"/>
+            <p:cNvPr id="444" name="去中心化代币交易所和协议"/>
             <p:cNvSpPr txBox="1"/>
             <p:nvPr/>
           </p:nvSpPr>
@@ -21085,7 +22042,7 @@
                                       <p:cBhvr>
                                         <p:cTn id="6" fill="hold"/>
                                         <p:tgtEl>
-                                          <p:spTgt spid="427"/>
+                                          <p:spTgt spid="435"/>
                                         </p:tgtEl>
                                         <p:attrNameLst>
                                           <p:attrName>style.visibility</p:attrName>
@@ -21099,7 +22056,7 @@
                                       <p:cBhvr>
                                         <p:cTn id="7" dur="500"/>
                                         <p:tgtEl>
-                                          <p:spTgt spid="427"/>
+                                          <p:spTgt spid="435"/>
                                         </p:tgtEl>
                                       </p:cBhvr>
                                     </p:animEffect>
@@ -21137,7 +22094,7 @@
                                       <p:cBhvr>
                                         <p:cTn id="11" fill="hold"/>
                                         <p:tgtEl>
-                                          <p:spTgt spid="430"/>
+                                          <p:spTgt spid="438"/>
                                         </p:tgtEl>
                                         <p:attrNameLst>
                                           <p:attrName>style.visibility</p:attrName>
@@ -21151,7 +22108,7 @@
                                       <p:cBhvr>
                                         <p:cTn id="12" dur="500"/>
                                         <p:tgtEl>
-                                          <p:spTgt spid="430"/>
+                                          <p:spTgt spid="438"/>
                                         </p:tgtEl>
                                       </p:cBhvr>
                                     </p:animEffect>
@@ -21189,7 +22146,7 @@
                                       <p:cBhvr>
                                         <p:cTn id="16" fill="hold"/>
                                         <p:tgtEl>
-                                          <p:spTgt spid="433"/>
+                                          <p:spTgt spid="441"/>
                                         </p:tgtEl>
                                         <p:attrNameLst>
                                           <p:attrName>style.visibility</p:attrName>
@@ -21203,7 +22160,7 @@
                                       <p:cBhvr>
                                         <p:cTn id="17" dur="500"/>
                                         <p:tgtEl>
-                                          <p:spTgt spid="433"/>
+                                          <p:spTgt spid="441"/>
                                         </p:tgtEl>
                                       </p:cBhvr>
                                     </p:animEffect>
@@ -21238,15 +22195,15 @@
       </p:par>
     </p:tnLst>
     <p:bldLst>
-      <p:bldP build="whole" bldLvl="1" animBg="1" rev="0" advAuto="0" spid="433" grpId="3"/>
-      <p:bldP build="whole" bldLvl="1" animBg="1" rev="0" advAuto="0" spid="427" grpId="1"/>
-      <p:bldP build="whole" bldLvl="1" animBg="1" rev="0" advAuto="0" spid="430" grpId="2"/>
+      <p:bldP build="whole" bldLvl="1" animBg="1" rev="0" advAuto="0" spid="435" grpId="1"/>
+      <p:bldP build="whole" bldLvl="1" animBg="1" rev="0" advAuto="0" spid="438" grpId="2"/>
+      <p:bldP build="whole" bldLvl="1" animBg="1" rev="0" advAuto="0" spid="441" grpId="3"/>
     </p:bldLst>
   </p:timing>
 </p:sld>
 </file>
 
-<file path=ppt/slides/slide26.xml><?xml version="1.0" encoding="utf-8"?>
+<file path=ppt/slides/slide27.xml><?xml version="1.0" encoding="utf-8"?>
 <p:sld xmlns:a="http://schemas.openxmlformats.org/drawingml/2006/main" xmlns:r="http://schemas.openxmlformats.org/officeDocument/2006/relationships" xmlns:p="http://schemas.openxmlformats.org/presentationml/2006/main" showMasterSp="1" showMasterPhAnim="1">
   <p:cSld>
     <p:bg>
@@ -21272,7 +22229,7 @@
       </p:grpSpPr>
       <p:sp>
         <p:nvSpPr>
-          <p:cNvPr id="439" name="Centralized…"/>
+          <p:cNvPr id="447" name="Centralized…"/>
           <p:cNvSpPr txBox="1"/>
           <p:nvPr/>
         </p:nvSpPr>
@@ -21326,7 +22283,7 @@
       </p:sp>
       <p:grpSp>
         <p:nvGrpSpPr>
-          <p:cNvPr id="443" name="Group"/>
+          <p:cNvPr id="451" name="成组"/>
           <p:cNvGrpSpPr/>
           <p:nvPr/>
         </p:nvGrpSpPr>
@@ -21340,7 +22297,7 @@
         </p:grpSpPr>
         <p:sp>
           <p:nvSpPr>
-            <p:cNvPr id="440" name="English Whitepaper"/>
+            <p:cNvPr id="448" name="English Whitepaper"/>
             <p:cNvSpPr/>
             <p:nvPr/>
           </p:nvSpPr>
@@ -21411,7 +22368,7 @@
         </p:sp>
         <p:sp>
           <p:nvSpPr>
-            <p:cNvPr id="441" name="Triangle"/>
+            <p:cNvPr id="449" name="三角形"/>
             <p:cNvSpPr/>
             <p:nvPr/>
           </p:nvSpPr>
@@ -21488,7 +22445,7 @@
         </p:sp>
         <p:sp>
           <p:nvSpPr>
-            <p:cNvPr id="442" name="Triangle"/>
+            <p:cNvPr id="450" name="三角形"/>
             <p:cNvSpPr/>
             <p:nvPr/>
           </p:nvSpPr>
@@ -21566,7 +22523,7 @@
       </p:grpSp>
       <p:grpSp>
         <p:nvGrpSpPr>
-          <p:cNvPr id="447" name="Group"/>
+          <p:cNvPr id="455" name="成组"/>
           <p:cNvGrpSpPr/>
           <p:nvPr/>
         </p:nvGrpSpPr>
@@ -21580,7 +22537,7 @@
         </p:grpSpPr>
         <p:sp>
           <p:nvSpPr>
-            <p:cNvPr id="444" name="中文白皮书"/>
+            <p:cNvPr id="452" name="中文白皮书"/>
             <p:cNvSpPr/>
             <p:nvPr/>
           </p:nvSpPr>
@@ -21651,7 +22608,7 @@
         </p:sp>
         <p:sp>
           <p:nvSpPr>
-            <p:cNvPr id="445" name="Triangle"/>
+            <p:cNvPr id="453" name="三角形"/>
             <p:cNvSpPr/>
             <p:nvPr/>
           </p:nvSpPr>
@@ -21728,7 +22685,7 @@
         </p:sp>
         <p:sp>
           <p:nvSpPr>
-            <p:cNvPr id="446" name="Triangle"/>
+            <p:cNvPr id="454" name="三角形"/>
             <p:cNvSpPr/>
             <p:nvPr/>
           </p:nvSpPr>
@@ -21806,7 +22763,7 @@
       </p:grpSp>
       <p:grpSp>
         <p:nvGrpSpPr>
-          <p:cNvPr id="450" name="Group"/>
+          <p:cNvPr id="458" name="成组"/>
           <p:cNvGrpSpPr/>
           <p:nvPr/>
         </p:nvGrpSpPr>
@@ -21820,7 +22777,7 @@
         </p:grpSpPr>
         <p:sp>
           <p:nvSpPr>
-            <p:cNvPr id="448" name="Loopring"/>
+            <p:cNvPr id="456" name="Loopring"/>
             <p:cNvSpPr txBox="1"/>
             <p:nvPr/>
           </p:nvSpPr>
@@ -21868,7 +22825,7 @@
         </p:sp>
         <p:sp>
           <p:nvSpPr>
-            <p:cNvPr id="449" name="去中心化代币交易所和协议"/>
+            <p:cNvPr id="457" name="去中心化代币交易所和协议"/>
             <p:cNvSpPr txBox="1"/>
             <p:nvPr/>
           </p:nvSpPr>
@@ -21924,7 +22881,7 @@
 </p:sld>
 </file>
 
-<file path=ppt/slides/slide27.xml><?xml version="1.0" encoding="utf-8"?>
+<file path=ppt/slides/slide28.xml><?xml version="1.0" encoding="utf-8"?>
 <p:sld xmlns:a="http://schemas.openxmlformats.org/drawingml/2006/main" xmlns:r="http://schemas.openxmlformats.org/officeDocument/2006/relationships" xmlns:p="http://schemas.openxmlformats.org/presentationml/2006/main" showMasterSp="1" showMasterPhAnim="1">
   <p:cSld>
     <p:bg>
@@ -21953,7 +22910,7 @@
       </p:grpSpPr>
       <p:sp>
         <p:nvSpPr>
-          <p:cNvPr id="452" name="代币LRC的发行"/>
+          <p:cNvPr id="460" name="代币LRC的发行"/>
           <p:cNvSpPr txBox="1"/>
           <p:nvPr/>
         </p:nvSpPr>
@@ -21998,7 +22955,7 @@
       </p:sp>
       <p:sp>
         <p:nvSpPr>
-          <p:cNvPr id="453" name="ICO"/>
+          <p:cNvPr id="461" name="ICO"/>
           <p:cNvSpPr txBox="1"/>
           <p:nvPr/>
         </p:nvSpPr>
@@ -22043,7 +23000,7 @@
       </p:sp>
       <p:sp>
         <p:nvSpPr>
-          <p:cNvPr id="454" name="2017/08/01 - 2017/08/30"/>
+          <p:cNvPr id="462" name="2017/08/01 - 2017/08/30"/>
           <p:cNvSpPr txBox="1"/>
           <p:nvPr/>
         </p:nvSpPr>
@@ -22095,780 +23052,6 @@
     <a:masterClrMapping/>
   </p:clrMapOvr>
   <p:transition xmlns:p14="http://schemas.microsoft.com/office/powerpoint/2010/main" spd="med" advClick="1"/>
-</p:sld>
-</file>
-
-<file path=ppt/slides/slide28.xml><?xml version="1.0" encoding="utf-8"?>
-<p:sld xmlns:a="http://schemas.openxmlformats.org/drawingml/2006/main" xmlns:r="http://schemas.openxmlformats.org/officeDocument/2006/relationships" xmlns:p="http://schemas.openxmlformats.org/presentationml/2006/main" showMasterSp="1" showMasterPhAnim="1">
-  <p:cSld>
-    <p:bg>
-      <p:bgPr>
-        <a:solidFill>
-          <a:schemeClr val="accent1">
-            <a:satOff val="-3355"/>
-            <a:lumOff val="26614"/>
-          </a:schemeClr>
-        </a:solidFill>
-      </p:bgPr>
-    </p:bg>
-    <p:spTree>
-      <p:nvGrpSpPr>
-        <p:cNvPr id="1" name=""/>
-        <p:cNvGrpSpPr/>
-        <p:nvPr/>
-      </p:nvGrpSpPr>
-      <p:grpSpPr>
-        <a:xfrm>
-          <a:off x="0" y="0"/>
-          <a:ext cx="0" cy="0"/>
-          <a:chOff x="0" y="0"/>
-          <a:chExt cx="0" cy="0"/>
-        </a:xfrm>
-      </p:grpSpPr>
-      <p:sp>
-        <p:nvSpPr>
-          <p:cNvPr id="456" name="ICO"/>
-          <p:cNvSpPr txBox="1"/>
-          <p:nvPr/>
-        </p:nvSpPr>
-        <p:spPr>
-          <a:xfrm>
-            <a:off x="7013898" y="1514"/>
-            <a:ext cx="3110409" cy="2555876"/>
-          </a:xfrm>
-          <a:prstGeom prst="rect">
-            <a:avLst/>
-          </a:prstGeom>
-          <a:ln w="12700">
-            <a:miter lim="400000"/>
-          </a:ln>
-          <a:extLst>
-            <a:ext uri="{C572A759-6A51-4108-AA02-DFA0A04FC94B}">
-              <ma14:wrappingTextBoxFlag xmlns:ma14="http://schemas.microsoft.com/office/mac/drawingml/2011/main" val="1"/>
-            </a:ext>
-          </a:extLst>
-        </p:spPr>
-        <p:txBody>
-          <a:bodyPr wrap="none" lIns="71437" tIns="71437" rIns="71437" bIns="71437" anchor="ctr">
-            <a:spAutoFit/>
-          </a:bodyPr>
-          <a:lstStyle>
-            <a:lvl1pPr>
-              <a:defRPr sz="14400">
-                <a:latin typeface="Roboto Bold"/>
-                <a:ea typeface="Roboto Bold"/>
-                <a:cs typeface="Roboto Bold"/>
-                <a:sym typeface="Roboto Bold"/>
-              </a:defRPr>
-            </a:lvl1pPr>
-          </a:lstStyle>
-          <a:p>
-            <a:pPr/>
-            <a:r>
-              <a:t>ICO</a:t>
-            </a:r>
-          </a:p>
-        </p:txBody>
-      </p:sp>
-      <p:sp>
-        <p:nvSpPr>
-          <p:cNvPr id="457" name="第1阶段      封顶2万ETH"/>
-          <p:cNvSpPr/>
-          <p:nvPr/>
-        </p:nvSpPr>
-        <p:spPr>
-          <a:xfrm>
-            <a:off x="1566639" y="2920279"/>
-            <a:ext cx="7345847" cy="1122853"/>
-          </a:xfrm>
-          <a:prstGeom prst="rect">
-            <a:avLst/>
-          </a:prstGeom>
-          <a:solidFill>
-            <a:srgbClr val="FFFFFF"/>
-          </a:solidFill>
-          <a:ln w="12700">
-            <a:miter lim="400000"/>
-          </a:ln>
-          <a:extLst>
-            <a:ext uri="{C572A759-6A51-4108-AA02-DFA0A04FC94B}">
-              <ma14:wrappingTextBoxFlag xmlns:ma14="http://schemas.microsoft.com/office/mac/drawingml/2011/main" val="1"/>
-            </a:ext>
-          </a:extLst>
-        </p:spPr>
-        <p:txBody>
-          <a:bodyPr lIns="71437" tIns="71437" rIns="71437" bIns="71437" anchor="ctr"/>
-          <a:lstStyle/>
-          <a:p>
-            <a:pPr lvl="3" algn="l">
-              <a:defRPr sz="4800">
-                <a:solidFill>
-                  <a:schemeClr val="accent1"/>
-                </a:solidFill>
-                <a:latin typeface="Roboto Black"/>
-                <a:ea typeface="Roboto Black"/>
-                <a:cs typeface="Roboto Black"/>
-                <a:sym typeface="Roboto Black"/>
-              </a:defRPr>
-            </a:pPr>
-            <a:r>
-              <a:t>第1阶段  </a:t>
-            </a:r>
-            <a:r>
-              <a:rPr>
-                <a:latin typeface="Roboto Light"/>
-                <a:ea typeface="Roboto Light"/>
-                <a:cs typeface="Roboto Light"/>
-                <a:sym typeface="Roboto Light"/>
-              </a:rPr>
-              <a:t>    封顶2万ETH</a:t>
-            </a:r>
-          </a:p>
-        </p:txBody>
-      </p:sp>
-      <p:sp>
-        <p:nvSpPr>
-          <p:cNvPr id="458" name="第2阶段      封顶2万ETH"/>
-          <p:cNvSpPr/>
-          <p:nvPr/>
-        </p:nvSpPr>
-        <p:spPr>
-          <a:xfrm>
-            <a:off x="1566639" y="4406021"/>
-            <a:ext cx="7345847" cy="1122852"/>
-          </a:xfrm>
-          <a:prstGeom prst="rect">
-            <a:avLst/>
-          </a:prstGeom>
-          <a:solidFill>
-            <a:srgbClr val="FFFFFF"/>
-          </a:solidFill>
-          <a:ln w="12700">
-            <a:miter lim="400000"/>
-          </a:ln>
-          <a:extLst>
-            <a:ext uri="{C572A759-6A51-4108-AA02-DFA0A04FC94B}">
-              <ma14:wrappingTextBoxFlag xmlns:ma14="http://schemas.microsoft.com/office/mac/drawingml/2011/main" val="1"/>
-            </a:ext>
-          </a:extLst>
-        </p:spPr>
-        <p:txBody>
-          <a:bodyPr lIns="71437" tIns="71437" rIns="71437" bIns="71437" anchor="ctr"/>
-          <a:lstStyle/>
-          <a:p>
-            <a:pPr lvl="3" algn="l">
-              <a:defRPr sz="4800">
-                <a:solidFill>
-                  <a:schemeClr val="accent1"/>
-                </a:solidFill>
-                <a:latin typeface="Roboto Black"/>
-                <a:ea typeface="Roboto Black"/>
-                <a:cs typeface="Roboto Black"/>
-                <a:sym typeface="Roboto Black"/>
-              </a:defRPr>
-            </a:pPr>
-            <a:r>
-              <a:t>第2阶段      </a:t>
-            </a:r>
-            <a:r>
-              <a:rPr>
-                <a:latin typeface="Roboto Light"/>
-                <a:ea typeface="Roboto Light"/>
-                <a:cs typeface="Roboto Light"/>
-                <a:sym typeface="Roboto Light"/>
-              </a:rPr>
-              <a:t>封顶2万ETH</a:t>
-            </a:r>
-          </a:p>
-        </p:txBody>
-      </p:sp>
-      <p:sp>
-        <p:nvSpPr>
-          <p:cNvPr id="459" name="第3阶段      封顶2万ETH"/>
-          <p:cNvSpPr/>
-          <p:nvPr/>
-        </p:nvSpPr>
-        <p:spPr>
-          <a:xfrm>
-            <a:off x="1566639" y="5891763"/>
-            <a:ext cx="7345847" cy="1122852"/>
-          </a:xfrm>
-          <a:prstGeom prst="rect">
-            <a:avLst/>
-          </a:prstGeom>
-          <a:solidFill>
-            <a:srgbClr val="FFFFFF"/>
-          </a:solidFill>
-          <a:ln w="12700">
-            <a:miter lim="400000"/>
-          </a:ln>
-          <a:extLst>
-            <a:ext uri="{C572A759-6A51-4108-AA02-DFA0A04FC94B}">
-              <ma14:wrappingTextBoxFlag xmlns:ma14="http://schemas.microsoft.com/office/mac/drawingml/2011/main" val="1"/>
-            </a:ext>
-          </a:extLst>
-        </p:spPr>
-        <p:txBody>
-          <a:bodyPr lIns="71437" tIns="71437" rIns="71437" bIns="71437" anchor="ctr"/>
-          <a:lstStyle/>
-          <a:p>
-            <a:pPr lvl="3" algn="l">
-              <a:defRPr sz="4800">
-                <a:solidFill>
-                  <a:schemeClr val="accent1"/>
-                </a:solidFill>
-                <a:latin typeface="Roboto Black"/>
-                <a:ea typeface="Roboto Black"/>
-                <a:cs typeface="Roboto Black"/>
-                <a:sym typeface="Roboto Black"/>
-              </a:defRPr>
-            </a:pPr>
-            <a:r>
-              <a:t>第3阶段      </a:t>
-            </a:r>
-            <a:r>
-              <a:rPr>
-                <a:latin typeface="Roboto Light"/>
-                <a:ea typeface="Roboto Light"/>
-                <a:cs typeface="Roboto Light"/>
-                <a:sym typeface="Roboto Light"/>
-              </a:rPr>
-              <a:t>封顶2万ETH</a:t>
-            </a:r>
-          </a:p>
-        </p:txBody>
-      </p:sp>
-      <p:sp>
-        <p:nvSpPr>
-          <p:cNvPr id="460" name="第4阶段      封顶2万ETH"/>
-          <p:cNvSpPr/>
-          <p:nvPr/>
-        </p:nvSpPr>
-        <p:spPr>
-          <a:xfrm>
-            <a:off x="1566639" y="7377505"/>
-            <a:ext cx="7345847" cy="1122852"/>
-          </a:xfrm>
-          <a:prstGeom prst="rect">
-            <a:avLst/>
-          </a:prstGeom>
-          <a:solidFill>
-            <a:srgbClr val="FFFFFF"/>
-          </a:solidFill>
-          <a:ln w="12700">
-            <a:miter lim="400000"/>
-          </a:ln>
-          <a:extLst>
-            <a:ext uri="{C572A759-6A51-4108-AA02-DFA0A04FC94B}">
-              <ma14:wrappingTextBoxFlag xmlns:ma14="http://schemas.microsoft.com/office/mac/drawingml/2011/main" val="1"/>
-            </a:ext>
-          </a:extLst>
-        </p:spPr>
-        <p:txBody>
-          <a:bodyPr lIns="71437" tIns="71437" rIns="71437" bIns="71437" anchor="ctr"/>
-          <a:lstStyle/>
-          <a:p>
-            <a:pPr lvl="3" algn="l">
-              <a:defRPr sz="4800">
-                <a:solidFill>
-                  <a:schemeClr val="accent1"/>
-                </a:solidFill>
-                <a:latin typeface="Roboto Black"/>
-                <a:ea typeface="Roboto Black"/>
-                <a:cs typeface="Roboto Black"/>
-                <a:sym typeface="Roboto Black"/>
-              </a:defRPr>
-            </a:pPr>
-            <a:r>
-              <a:t>第4阶段      </a:t>
-            </a:r>
-            <a:r>
-              <a:rPr>
-                <a:latin typeface="Roboto Light"/>
-                <a:ea typeface="Roboto Light"/>
-                <a:cs typeface="Roboto Light"/>
-                <a:sym typeface="Roboto Light"/>
-              </a:rPr>
-              <a:t>封顶2万ETH</a:t>
-            </a:r>
-          </a:p>
-        </p:txBody>
-      </p:sp>
-      <p:sp>
-        <p:nvSpPr>
-          <p:cNvPr id="461" name="第5阶段      封顶2万ETH"/>
-          <p:cNvSpPr/>
-          <p:nvPr/>
-        </p:nvSpPr>
-        <p:spPr>
-          <a:xfrm>
-            <a:off x="1566640" y="8863247"/>
-            <a:ext cx="7345846" cy="1122852"/>
-          </a:xfrm>
-          <a:prstGeom prst="rect">
-            <a:avLst/>
-          </a:prstGeom>
-          <a:solidFill>
-            <a:srgbClr val="FFFFFF"/>
-          </a:solidFill>
-          <a:ln w="12700">
-            <a:miter lim="400000"/>
-          </a:ln>
-          <a:extLst>
-            <a:ext uri="{C572A759-6A51-4108-AA02-DFA0A04FC94B}">
-              <ma14:wrappingTextBoxFlag xmlns:ma14="http://schemas.microsoft.com/office/mac/drawingml/2011/main" val="1"/>
-            </a:ext>
-          </a:extLst>
-        </p:spPr>
-        <p:txBody>
-          <a:bodyPr lIns="71437" tIns="71437" rIns="71437" bIns="71437" anchor="ctr"/>
-          <a:lstStyle/>
-          <a:p>
-            <a:pPr lvl="3" algn="l">
-              <a:defRPr sz="4800">
-                <a:solidFill>
-                  <a:schemeClr val="accent1"/>
-                </a:solidFill>
-                <a:latin typeface="Roboto Black"/>
-                <a:ea typeface="Roboto Black"/>
-                <a:cs typeface="Roboto Black"/>
-                <a:sym typeface="Roboto Black"/>
-              </a:defRPr>
-            </a:pPr>
-            <a:r>
-              <a:t>第5阶段      </a:t>
-            </a:r>
-            <a:r>
-              <a:rPr>
-                <a:latin typeface="Roboto Light"/>
-                <a:ea typeface="Roboto Light"/>
-                <a:cs typeface="Roboto Light"/>
-                <a:sym typeface="Roboto Light"/>
-              </a:rPr>
-              <a:t>封顶2万ETH</a:t>
-            </a:r>
-          </a:p>
-        </p:txBody>
-      </p:sp>
-      <p:sp>
-        <p:nvSpPr>
-          <p:cNvPr id="462" name="ICO持续时间为30天，最多筹集10万个ETH，最少筹集5万个ETH；…"/>
-          <p:cNvSpPr txBox="1"/>
-          <p:nvPr/>
-        </p:nvSpPr>
-        <p:spPr>
-          <a:xfrm>
-            <a:off x="9475658" y="2426734"/>
-            <a:ext cx="13913936" cy="9515476"/>
-          </a:xfrm>
-          <a:prstGeom prst="rect">
-            <a:avLst/>
-          </a:prstGeom>
-          <a:ln w="12700">
-            <a:miter lim="400000"/>
-          </a:ln>
-          <a:extLst>
-            <a:ext uri="{C572A759-6A51-4108-AA02-DFA0A04FC94B}">
-              <ma14:wrappingTextBoxFlag xmlns:ma14="http://schemas.microsoft.com/office/mac/drawingml/2011/main" val="1"/>
-            </a:ext>
-          </a:extLst>
-        </p:spPr>
-        <p:txBody>
-          <a:bodyPr lIns="71437" tIns="71437" rIns="71437" bIns="71437" anchor="ctr">
-            <a:spAutoFit/>
-          </a:bodyPr>
-          <a:lstStyle/>
-          <a:p>
-            <a:pPr marL="228600" indent="-228600" algn="l" defTabSz="457200">
-              <a:buSzPct val="100000"/>
-              <a:buChar char="•"/>
-              <a:defRPr sz="2900">
-                <a:solidFill>
-                  <a:srgbClr val="FFFFFF"/>
-                </a:solidFill>
-                <a:latin typeface="Roboto Regular"/>
-                <a:ea typeface="Roboto Regular"/>
-                <a:cs typeface="Roboto Regular"/>
-                <a:sym typeface="Roboto Regular"/>
-              </a:defRPr>
-            </a:pPr>
-            <a:r>
-              <a:t>ICO持续时间为30天，最多筹集10万个ETH，最少筹集5万个ETH；</a:t>
-            </a:r>
-          </a:p>
-          <a:p>
-            <a:pPr marL="228600" indent="-228600" algn="l" defTabSz="457200">
-              <a:buSzPct val="100000"/>
-              <a:buChar char="•"/>
-              <a:defRPr sz="2900">
-                <a:solidFill>
-                  <a:srgbClr val="FFFFFF"/>
-                </a:solidFill>
-                <a:latin typeface="Roboto Regular"/>
-                <a:ea typeface="Roboto Regular"/>
-                <a:cs typeface="Roboto Regular"/>
-                <a:sym typeface="Roboto Regular"/>
-              </a:defRPr>
-            </a:pPr>
-            <a:r>
-              <a:t>众筹不到5万ETH，项目失败，一星期内返还投资；</a:t>
-            </a:r>
-          </a:p>
-          <a:p>
-            <a:pPr marL="228600" indent="-228600" algn="l" defTabSz="457200">
-              <a:buSzPct val="100000"/>
-              <a:buChar char="•"/>
-              <a:defRPr sz="2900">
-                <a:solidFill>
-                  <a:srgbClr val="FFFFFF"/>
-                </a:solidFill>
-                <a:latin typeface="Roboto Regular"/>
-                <a:ea typeface="Roboto Regular"/>
-                <a:cs typeface="Roboto Regular"/>
-                <a:sym typeface="Roboto Regular"/>
-              </a:defRPr>
-            </a:pPr>
-            <a:r>
-              <a:t>前2万ETH（含）每个ETH兑换6000 LRC；</a:t>
-            </a:r>
-          </a:p>
-          <a:p>
-            <a:pPr marL="228600" indent="-228600" algn="l" defTabSz="457200">
-              <a:buSzPct val="100000"/>
-              <a:buChar char="•"/>
-              <a:defRPr sz="2900">
-                <a:solidFill>
-                  <a:srgbClr val="FFFFFF"/>
-                </a:solidFill>
-                <a:latin typeface="Roboto Regular"/>
-                <a:ea typeface="Roboto Regular"/>
-                <a:cs typeface="Roboto Regular"/>
-                <a:sym typeface="Roboto Regular"/>
-              </a:defRPr>
-            </a:pPr>
-            <a:r>
-              <a:t>2万到4万（含）间每个ETH兑换5750LRC；</a:t>
-            </a:r>
-          </a:p>
-          <a:p>
-            <a:pPr marL="228600" indent="-228600" algn="l" defTabSz="457200">
-              <a:buSzPct val="100000"/>
-              <a:buChar char="•"/>
-              <a:defRPr sz="2900">
-                <a:solidFill>
-                  <a:srgbClr val="FFFFFF"/>
-                </a:solidFill>
-                <a:latin typeface="Roboto Regular"/>
-                <a:ea typeface="Roboto Regular"/>
-                <a:cs typeface="Roboto Regular"/>
-                <a:sym typeface="Roboto Regular"/>
-              </a:defRPr>
-            </a:pPr>
-            <a:r>
-              <a:t>4万到6万（含）间每个ETH兑换5500 LRC；</a:t>
-            </a:r>
-          </a:p>
-          <a:p>
-            <a:pPr marL="228600" indent="-228600" algn="l" defTabSz="457200">
-              <a:buSzPct val="100000"/>
-              <a:buChar char="•"/>
-              <a:defRPr sz="2900">
-                <a:solidFill>
-                  <a:srgbClr val="FFFFFF"/>
-                </a:solidFill>
-                <a:latin typeface="Roboto Regular"/>
-                <a:ea typeface="Roboto Regular"/>
-                <a:cs typeface="Roboto Regular"/>
-                <a:sym typeface="Roboto Regular"/>
-              </a:defRPr>
-            </a:pPr>
-            <a:r>
-              <a:t>6万到8万（含）间每个ETH兑换5250 LRC；</a:t>
-            </a:r>
-          </a:p>
-          <a:p>
-            <a:pPr marL="228600" indent="-228600" algn="l" defTabSz="457200">
-              <a:buSzPct val="100000"/>
-              <a:buChar char="•"/>
-              <a:defRPr sz="2900">
-                <a:solidFill>
-                  <a:srgbClr val="FFFFFF"/>
-                </a:solidFill>
-                <a:latin typeface="Roboto Regular"/>
-                <a:ea typeface="Roboto Regular"/>
-                <a:cs typeface="Roboto Regular"/>
-                <a:sym typeface="Roboto Regular"/>
-              </a:defRPr>
-            </a:pPr>
-            <a:r>
-              <a:t>8万到10万（含）间每个ETH兑换5000 LRC；</a:t>
-            </a:r>
-          </a:p>
-          <a:p>
-            <a:pPr marL="228600" indent="-228600" algn="l" defTabSz="457200">
-              <a:buSzPct val="100000"/>
-              <a:buChar char="•"/>
-              <a:defRPr sz="2900">
-                <a:solidFill>
-                  <a:srgbClr val="FFFFFF"/>
-                </a:solidFill>
-                <a:latin typeface="Roboto Regular"/>
-                <a:ea typeface="Roboto Regular"/>
-                <a:cs typeface="Roboto Regular"/>
-                <a:sym typeface="Roboto Regular"/>
-              </a:defRPr>
-            </a:pPr>
-            <a:r>
-              <a:t>筹集到5万到6万ETH（含），ICO期间出售的LRC占比为40.0%；</a:t>
-            </a:r>
-          </a:p>
-          <a:p>
-            <a:pPr marL="228600" indent="-228600" algn="l" defTabSz="457200">
-              <a:buSzPct val="100000"/>
-              <a:buChar char="•"/>
-              <a:defRPr sz="2900">
-                <a:solidFill>
-                  <a:srgbClr val="FFFFFF"/>
-                </a:solidFill>
-                <a:latin typeface="Roboto Regular"/>
-                <a:ea typeface="Roboto Regular"/>
-                <a:cs typeface="Roboto Regular"/>
-                <a:sym typeface="Roboto Regular"/>
-              </a:defRPr>
-            </a:pPr>
-            <a:r>
-              <a:t>筹集到6万到7万ETH（含），ICO期间出售的LRC占比为42.5%；</a:t>
-            </a:r>
-          </a:p>
-          <a:p>
-            <a:pPr marL="228600" indent="-228600" algn="l" defTabSz="457200">
-              <a:buSzPct val="100000"/>
-              <a:buChar char="•"/>
-              <a:defRPr sz="2900">
-                <a:solidFill>
-                  <a:srgbClr val="FFFFFF"/>
-                </a:solidFill>
-                <a:latin typeface="Roboto Regular"/>
-                <a:ea typeface="Roboto Regular"/>
-                <a:cs typeface="Roboto Regular"/>
-                <a:sym typeface="Roboto Regular"/>
-              </a:defRPr>
-            </a:pPr>
-            <a:r>
-              <a:t>筹集到7万到8万ETH（含），ICO期间出售的LRC占比为45.0%；</a:t>
-            </a:r>
-          </a:p>
-          <a:p>
-            <a:pPr marL="228600" indent="-228600" algn="l" defTabSz="457200">
-              <a:buSzPct val="100000"/>
-              <a:buChar char="•"/>
-              <a:defRPr sz="2900">
-                <a:solidFill>
-                  <a:srgbClr val="FFFFFF"/>
-                </a:solidFill>
-                <a:latin typeface="Roboto Regular"/>
-                <a:ea typeface="Roboto Regular"/>
-                <a:cs typeface="Roboto Regular"/>
-                <a:sym typeface="Roboto Regular"/>
-              </a:defRPr>
-            </a:pPr>
-            <a:r>
-              <a:t>筹集到8万到9万ETH（含），ICO期间出售的LRC占比为47.5%；</a:t>
-            </a:r>
-          </a:p>
-          <a:p>
-            <a:pPr marL="228600" indent="-228600" algn="l" defTabSz="457200">
-              <a:buSzPct val="100000"/>
-              <a:buChar char="•"/>
-              <a:defRPr sz="2900">
-                <a:solidFill>
-                  <a:srgbClr val="FFFFFF"/>
-                </a:solidFill>
-                <a:latin typeface="Roboto Regular"/>
-                <a:ea typeface="Roboto Regular"/>
-                <a:cs typeface="Roboto Regular"/>
-                <a:sym typeface="Roboto Regular"/>
-              </a:defRPr>
-            </a:pPr>
-            <a:r>
-              <a:t>筹集到9万到10万ETH（含），ICO期间出售的LRC占比为50.0%；</a:t>
-            </a:r>
-          </a:p>
-          <a:p>
-            <a:pPr marL="228600" indent="-228600" algn="l" defTabSz="457200">
-              <a:buSzPct val="100000"/>
-              <a:buChar char="•"/>
-              <a:defRPr sz="2900">
-                <a:solidFill>
-                  <a:srgbClr val="FFFFFF"/>
-                </a:solidFill>
-                <a:latin typeface="Roboto Regular"/>
-                <a:ea typeface="Roboto Regular"/>
-                <a:cs typeface="Roboto Regular"/>
-                <a:sym typeface="Roboto Regular"/>
-              </a:defRPr>
-            </a:pPr>
-            <a:r>
-              <a:t>未发售的LRC中，10%通过preICO商定价格出售给早期投资者和社区贡献者；</a:t>
-            </a:r>
-          </a:p>
-          <a:p>
-            <a:pPr marL="228600" indent="-228600" algn="l" defTabSz="457200">
-              <a:buSzPct val="100000"/>
-              <a:buChar char="•"/>
-              <a:defRPr sz="2900">
-                <a:solidFill>
-                  <a:srgbClr val="FFFFFF"/>
-                </a:solidFill>
-                <a:latin typeface="Roboto Regular"/>
-                <a:ea typeface="Roboto Regular"/>
-                <a:cs typeface="Roboto Regular"/>
-                <a:sym typeface="Roboto Regular"/>
-              </a:defRPr>
-            </a:pPr>
-            <a:r>
-              <a:t>未发售的LRC中，40%留给团队；</a:t>
-            </a:r>
-          </a:p>
-          <a:p>
-            <a:pPr marL="228600" indent="-228600" algn="l" defTabSz="457200">
-              <a:buSzPct val="100000"/>
-              <a:buChar char="•"/>
-              <a:defRPr sz="2900">
-                <a:solidFill>
-                  <a:srgbClr val="FFFFFF"/>
-                </a:solidFill>
-                <a:latin typeface="Roboto Regular"/>
-                <a:ea typeface="Roboto Regular"/>
-                <a:cs typeface="Roboto Regular"/>
-                <a:sym typeface="Roboto Regular"/>
-              </a:defRPr>
-            </a:pPr>
-            <a:r>
-              <a:t>未发售的LRC中，50%留给社区推广和对外合作；</a:t>
-            </a:r>
-          </a:p>
-          <a:p>
-            <a:pPr marL="228600" indent="-228600" algn="l" defTabSz="457200">
-              <a:buSzPct val="100000"/>
-              <a:buChar char="•"/>
-              <a:defRPr sz="2900">
-                <a:solidFill>
-                  <a:srgbClr val="FFFFFF"/>
-                </a:solidFill>
-                <a:latin typeface="Roboto Regular"/>
-                <a:ea typeface="Roboto Regular"/>
-                <a:cs typeface="Roboto Regular"/>
-                <a:sym typeface="Roboto Regular"/>
-              </a:defRPr>
-            </a:pPr>
-            <a:r>
-              <a:t>团队持有的LRC锁定期为3年，第一年后释放25%，第二年35%， 第三年40%；</a:t>
-            </a:r>
-          </a:p>
-          <a:p>
-            <a:pPr marL="228600" indent="-228600" algn="l" defTabSz="457200">
-              <a:buSzPct val="100000"/>
-              <a:buChar char="•"/>
-              <a:defRPr sz="2900">
-                <a:solidFill>
-                  <a:srgbClr val="FFFFFF"/>
-                </a:solidFill>
-                <a:latin typeface="Roboto Regular"/>
-                <a:ea typeface="Roboto Regular"/>
-                <a:cs typeface="Roboto Regular"/>
-                <a:sym typeface="Roboto Regular"/>
-              </a:defRPr>
-            </a:pPr>
-            <a:r>
-              <a:t>ICO期间投资者的代币通过智能合约自动发行并转账给用户投资的ETH地址；</a:t>
-            </a:r>
-          </a:p>
-          <a:p>
-            <a:pPr marL="228600" indent="-228600" algn="l" defTabSz="457200">
-              <a:buSzPct val="100000"/>
-              <a:buChar char="•"/>
-              <a:defRPr sz="2900">
-                <a:solidFill>
-                  <a:srgbClr val="FFFFFF"/>
-                </a:solidFill>
-                <a:latin typeface="Roboto Regular"/>
-                <a:ea typeface="Roboto Regular"/>
-                <a:cs typeface="Roboto Regular"/>
-                <a:sym typeface="Roboto Regular"/>
-              </a:defRPr>
-            </a:pPr>
-            <a:r>
-              <a:t>ICO结束后，由团队触发智能合约一次性发行未发售的代币；</a:t>
-            </a:r>
-          </a:p>
-        </p:txBody>
-      </p:sp>
-      <p:sp>
-        <p:nvSpPr>
-          <p:cNvPr id="463" name="2017/08/01 - 2017/08/30"/>
-          <p:cNvSpPr txBox="1"/>
-          <p:nvPr/>
-        </p:nvSpPr>
-        <p:spPr>
-          <a:xfrm>
-            <a:off x="10675483" y="833364"/>
-            <a:ext cx="6694618" cy="892176"/>
-          </a:xfrm>
-          <a:prstGeom prst="rect">
-            <a:avLst/>
-          </a:prstGeom>
-          <a:ln w="12700">
-            <a:miter lim="400000"/>
-          </a:ln>
-          <a:extLst>
-            <a:ext uri="{C572A759-6A51-4108-AA02-DFA0A04FC94B}">
-              <ma14:wrappingTextBoxFlag xmlns:ma14="http://schemas.microsoft.com/office/mac/drawingml/2011/main" val="1"/>
-            </a:ext>
-          </a:extLst>
-        </p:spPr>
-        <p:txBody>
-          <a:bodyPr wrap="none" lIns="71437" tIns="71437" rIns="71437" bIns="71437" anchor="ctr">
-            <a:spAutoFit/>
-          </a:bodyPr>
-          <a:lstStyle>
-            <a:lvl1pPr>
-              <a:defRPr sz="4500">
-                <a:solidFill>
-                  <a:srgbClr val="FFFFFF"/>
-                </a:solidFill>
-                <a:latin typeface="Roboto Regular"/>
-                <a:ea typeface="Roboto Regular"/>
-                <a:cs typeface="Roboto Regular"/>
-                <a:sym typeface="Roboto Regular"/>
-              </a:defRPr>
-            </a:lvl1pPr>
-          </a:lstStyle>
-          <a:p>
-            <a:pPr/>
-            <a:r>
-              <a:t>2017/08/01 - 2017/08/30</a:t>
-            </a:r>
-          </a:p>
-        </p:txBody>
-      </p:sp>
-    </p:spTree>
-  </p:cSld>
-  <p:clrMapOvr>
-    <a:masterClrMapping/>
-  </p:clrMapOvr>
-  <mc:AlternateContent xmlns:mc="http://schemas.openxmlformats.org/markup-compatibility/2006">
-    <mc:Choice xmlns:p14="http://schemas.microsoft.com/office/powerpoint/2010/main" Requires="p14">
-      <p:transition spd="fast" advClick="1" p14:dur="750">
-        <p:dissolve/>
-      </p:transition>
-    </mc:Choice>
-    <mc:Fallback>
-      <p:transition spd="fast">
-        <p:fade/>
-      </p:transition>
-    </mc:Fallback>
-  </mc:AlternateContent>
 </p:sld>
 </file>
 
@@ -22901,7 +23084,7 @@
       </p:grpSpPr>
       <p:sp>
         <p:nvSpPr>
-          <p:cNvPr id="465" name="ICO"/>
+          <p:cNvPr id="464" name="ICO"/>
           <p:cNvSpPr txBox="1"/>
           <p:nvPr/>
         </p:nvSpPr>
@@ -22946,7 +23129,1131 @@
       </p:sp>
       <p:sp>
         <p:nvSpPr>
-          <p:cNvPr id="466" name="24-Hour Trade Volume…"/>
+          <p:cNvPr id="465" name="第1阶段      封顶2万ETH"/>
+          <p:cNvSpPr/>
+          <p:nvPr/>
+        </p:nvSpPr>
+        <p:spPr>
+          <a:xfrm>
+            <a:off x="1566639" y="2920279"/>
+            <a:ext cx="7345847" cy="1122853"/>
+          </a:xfrm>
+          <a:prstGeom prst="rect">
+            <a:avLst/>
+          </a:prstGeom>
+          <a:solidFill>
+            <a:srgbClr val="FFFFFF"/>
+          </a:solidFill>
+          <a:ln w="12700">
+            <a:miter lim="400000"/>
+          </a:ln>
+          <a:extLst>
+            <a:ext uri="{C572A759-6A51-4108-AA02-DFA0A04FC94B}">
+              <ma14:wrappingTextBoxFlag xmlns:ma14="http://schemas.microsoft.com/office/mac/drawingml/2011/main" val="1"/>
+            </a:ext>
+          </a:extLst>
+        </p:spPr>
+        <p:txBody>
+          <a:bodyPr lIns="71437" tIns="71437" rIns="71437" bIns="71437" anchor="ctr"/>
+          <a:lstStyle/>
+          <a:p>
+            <a:pPr lvl="3" algn="l">
+              <a:defRPr sz="4800">
+                <a:solidFill>
+                  <a:schemeClr val="accent1"/>
+                </a:solidFill>
+                <a:latin typeface="Roboto Black"/>
+                <a:ea typeface="Roboto Black"/>
+                <a:cs typeface="Roboto Black"/>
+                <a:sym typeface="Roboto Black"/>
+              </a:defRPr>
+            </a:pPr>
+            <a:r>
+              <a:t>第1阶段  </a:t>
+            </a:r>
+            <a:r>
+              <a:rPr>
+                <a:latin typeface="Roboto Light"/>
+                <a:ea typeface="Roboto Light"/>
+                <a:cs typeface="Roboto Light"/>
+                <a:sym typeface="Roboto Light"/>
+              </a:rPr>
+              <a:t>    封顶2万ETH</a:t>
+            </a:r>
+          </a:p>
+        </p:txBody>
+      </p:sp>
+      <p:sp>
+        <p:nvSpPr>
+          <p:cNvPr id="466" name="第2阶段      封顶2万ETH"/>
+          <p:cNvSpPr/>
+          <p:nvPr/>
+        </p:nvSpPr>
+        <p:spPr>
+          <a:xfrm>
+            <a:off x="1566639" y="4406021"/>
+            <a:ext cx="7345847" cy="1122852"/>
+          </a:xfrm>
+          <a:prstGeom prst="rect">
+            <a:avLst/>
+          </a:prstGeom>
+          <a:solidFill>
+            <a:srgbClr val="FFFFFF"/>
+          </a:solidFill>
+          <a:ln w="12700">
+            <a:miter lim="400000"/>
+          </a:ln>
+          <a:extLst>
+            <a:ext uri="{C572A759-6A51-4108-AA02-DFA0A04FC94B}">
+              <ma14:wrappingTextBoxFlag xmlns:ma14="http://schemas.microsoft.com/office/mac/drawingml/2011/main" val="1"/>
+            </a:ext>
+          </a:extLst>
+        </p:spPr>
+        <p:txBody>
+          <a:bodyPr lIns="71437" tIns="71437" rIns="71437" bIns="71437" anchor="ctr"/>
+          <a:lstStyle/>
+          <a:p>
+            <a:pPr lvl="3" algn="l">
+              <a:defRPr sz="4800">
+                <a:solidFill>
+                  <a:schemeClr val="accent1"/>
+                </a:solidFill>
+                <a:latin typeface="Roboto Black"/>
+                <a:ea typeface="Roboto Black"/>
+                <a:cs typeface="Roboto Black"/>
+                <a:sym typeface="Roboto Black"/>
+              </a:defRPr>
+            </a:pPr>
+            <a:r>
+              <a:t>第2阶段      </a:t>
+            </a:r>
+            <a:r>
+              <a:rPr>
+                <a:latin typeface="Roboto Light"/>
+                <a:ea typeface="Roboto Light"/>
+                <a:cs typeface="Roboto Light"/>
+                <a:sym typeface="Roboto Light"/>
+              </a:rPr>
+              <a:t>封顶2万ETH</a:t>
+            </a:r>
+          </a:p>
+        </p:txBody>
+      </p:sp>
+      <p:sp>
+        <p:nvSpPr>
+          <p:cNvPr id="467" name="第3阶段      封顶2万ETH"/>
+          <p:cNvSpPr/>
+          <p:nvPr/>
+        </p:nvSpPr>
+        <p:spPr>
+          <a:xfrm>
+            <a:off x="1566639" y="5891763"/>
+            <a:ext cx="7345847" cy="1122852"/>
+          </a:xfrm>
+          <a:prstGeom prst="rect">
+            <a:avLst/>
+          </a:prstGeom>
+          <a:solidFill>
+            <a:srgbClr val="FFFFFF"/>
+          </a:solidFill>
+          <a:ln w="12700">
+            <a:miter lim="400000"/>
+          </a:ln>
+          <a:extLst>
+            <a:ext uri="{C572A759-6A51-4108-AA02-DFA0A04FC94B}">
+              <ma14:wrappingTextBoxFlag xmlns:ma14="http://schemas.microsoft.com/office/mac/drawingml/2011/main" val="1"/>
+            </a:ext>
+          </a:extLst>
+        </p:spPr>
+        <p:txBody>
+          <a:bodyPr lIns="71437" tIns="71437" rIns="71437" bIns="71437" anchor="ctr"/>
+          <a:lstStyle/>
+          <a:p>
+            <a:pPr lvl="3" algn="l">
+              <a:defRPr sz="4800">
+                <a:solidFill>
+                  <a:schemeClr val="accent1"/>
+                </a:solidFill>
+                <a:latin typeface="Roboto Black"/>
+                <a:ea typeface="Roboto Black"/>
+                <a:cs typeface="Roboto Black"/>
+                <a:sym typeface="Roboto Black"/>
+              </a:defRPr>
+            </a:pPr>
+            <a:r>
+              <a:t>第3阶段      </a:t>
+            </a:r>
+            <a:r>
+              <a:rPr>
+                <a:latin typeface="Roboto Light"/>
+                <a:ea typeface="Roboto Light"/>
+                <a:cs typeface="Roboto Light"/>
+                <a:sym typeface="Roboto Light"/>
+              </a:rPr>
+              <a:t>封顶2万ETH</a:t>
+            </a:r>
+          </a:p>
+        </p:txBody>
+      </p:sp>
+      <p:sp>
+        <p:nvSpPr>
+          <p:cNvPr id="468" name="第4阶段      封顶2万ETH"/>
+          <p:cNvSpPr/>
+          <p:nvPr/>
+        </p:nvSpPr>
+        <p:spPr>
+          <a:xfrm>
+            <a:off x="1566639" y="7377505"/>
+            <a:ext cx="7345847" cy="1122852"/>
+          </a:xfrm>
+          <a:prstGeom prst="rect">
+            <a:avLst/>
+          </a:prstGeom>
+          <a:solidFill>
+            <a:srgbClr val="FFFFFF"/>
+          </a:solidFill>
+          <a:ln w="12700">
+            <a:miter lim="400000"/>
+          </a:ln>
+          <a:extLst>
+            <a:ext uri="{C572A759-6A51-4108-AA02-DFA0A04FC94B}">
+              <ma14:wrappingTextBoxFlag xmlns:ma14="http://schemas.microsoft.com/office/mac/drawingml/2011/main" val="1"/>
+            </a:ext>
+          </a:extLst>
+        </p:spPr>
+        <p:txBody>
+          <a:bodyPr lIns="71437" tIns="71437" rIns="71437" bIns="71437" anchor="ctr"/>
+          <a:lstStyle/>
+          <a:p>
+            <a:pPr lvl="3" algn="l">
+              <a:defRPr sz="4800">
+                <a:solidFill>
+                  <a:schemeClr val="accent1"/>
+                </a:solidFill>
+                <a:latin typeface="Roboto Black"/>
+                <a:ea typeface="Roboto Black"/>
+                <a:cs typeface="Roboto Black"/>
+                <a:sym typeface="Roboto Black"/>
+              </a:defRPr>
+            </a:pPr>
+            <a:r>
+              <a:t>第4阶段      </a:t>
+            </a:r>
+            <a:r>
+              <a:rPr>
+                <a:latin typeface="Roboto Light"/>
+                <a:ea typeface="Roboto Light"/>
+                <a:cs typeface="Roboto Light"/>
+                <a:sym typeface="Roboto Light"/>
+              </a:rPr>
+              <a:t>封顶2万ETH</a:t>
+            </a:r>
+          </a:p>
+        </p:txBody>
+      </p:sp>
+      <p:sp>
+        <p:nvSpPr>
+          <p:cNvPr id="469" name="第5阶段      封顶2万ETH"/>
+          <p:cNvSpPr/>
+          <p:nvPr/>
+        </p:nvSpPr>
+        <p:spPr>
+          <a:xfrm>
+            <a:off x="1566640" y="8863247"/>
+            <a:ext cx="7345846" cy="1122852"/>
+          </a:xfrm>
+          <a:prstGeom prst="rect">
+            <a:avLst/>
+          </a:prstGeom>
+          <a:solidFill>
+            <a:srgbClr val="FFFFFF"/>
+          </a:solidFill>
+          <a:ln w="12700">
+            <a:miter lim="400000"/>
+          </a:ln>
+          <a:extLst>
+            <a:ext uri="{C572A759-6A51-4108-AA02-DFA0A04FC94B}">
+              <ma14:wrappingTextBoxFlag xmlns:ma14="http://schemas.microsoft.com/office/mac/drawingml/2011/main" val="1"/>
+            </a:ext>
+          </a:extLst>
+        </p:spPr>
+        <p:txBody>
+          <a:bodyPr lIns="71437" tIns="71437" rIns="71437" bIns="71437" anchor="ctr"/>
+          <a:lstStyle/>
+          <a:p>
+            <a:pPr lvl="3" algn="l">
+              <a:defRPr sz="4800">
+                <a:solidFill>
+                  <a:schemeClr val="accent1"/>
+                </a:solidFill>
+                <a:latin typeface="Roboto Black"/>
+                <a:ea typeface="Roboto Black"/>
+                <a:cs typeface="Roboto Black"/>
+                <a:sym typeface="Roboto Black"/>
+              </a:defRPr>
+            </a:pPr>
+            <a:r>
+              <a:t>第5阶段      </a:t>
+            </a:r>
+            <a:r>
+              <a:rPr>
+                <a:latin typeface="Roboto Light"/>
+                <a:ea typeface="Roboto Light"/>
+                <a:cs typeface="Roboto Light"/>
+                <a:sym typeface="Roboto Light"/>
+              </a:rPr>
+              <a:t>封顶2万ETH</a:t>
+            </a:r>
+          </a:p>
+        </p:txBody>
+      </p:sp>
+      <p:sp>
+        <p:nvSpPr>
+          <p:cNvPr id="470" name="ICO持续时间为30天，最多筹集10万个ETH，最少筹集5万个ETH；…"/>
+          <p:cNvSpPr txBox="1"/>
+          <p:nvPr/>
+        </p:nvSpPr>
+        <p:spPr>
+          <a:xfrm>
+            <a:off x="9475658" y="2426734"/>
+            <a:ext cx="13913936" cy="9515476"/>
+          </a:xfrm>
+          <a:prstGeom prst="rect">
+            <a:avLst/>
+          </a:prstGeom>
+          <a:ln w="12700">
+            <a:miter lim="400000"/>
+          </a:ln>
+          <a:extLst>
+            <a:ext uri="{C572A759-6A51-4108-AA02-DFA0A04FC94B}">
+              <ma14:wrappingTextBoxFlag xmlns:ma14="http://schemas.microsoft.com/office/mac/drawingml/2011/main" val="1"/>
+            </a:ext>
+          </a:extLst>
+        </p:spPr>
+        <p:txBody>
+          <a:bodyPr lIns="71437" tIns="71437" rIns="71437" bIns="71437" anchor="ctr">
+            <a:spAutoFit/>
+          </a:bodyPr>
+          <a:lstStyle/>
+          <a:p>
+            <a:pPr marL="228600" indent="-228600" algn="l" defTabSz="457200">
+              <a:buSzPct val="100000"/>
+              <a:buChar char="•"/>
+              <a:defRPr sz="2900">
+                <a:solidFill>
+                  <a:srgbClr val="FFFFFF"/>
+                </a:solidFill>
+                <a:latin typeface="Roboto Regular"/>
+                <a:ea typeface="Roboto Regular"/>
+                <a:cs typeface="Roboto Regular"/>
+                <a:sym typeface="Roboto Regular"/>
+              </a:defRPr>
+            </a:pPr>
+            <a:r>
+              <a:t>ICO持续时间为30天，最多筹集10万个ETH，最少筹集5万个ETH；</a:t>
+            </a:r>
+          </a:p>
+          <a:p>
+            <a:pPr marL="228600" indent="-228600" algn="l" defTabSz="457200">
+              <a:buSzPct val="100000"/>
+              <a:buChar char="•"/>
+              <a:defRPr sz="2900">
+                <a:solidFill>
+                  <a:srgbClr val="FFFFFF"/>
+                </a:solidFill>
+                <a:latin typeface="Roboto Regular"/>
+                <a:ea typeface="Roboto Regular"/>
+                <a:cs typeface="Roboto Regular"/>
+                <a:sym typeface="Roboto Regular"/>
+              </a:defRPr>
+            </a:pPr>
+            <a:r>
+              <a:t>众筹不到5万ETH，项目失败，一星期内返还投资；</a:t>
+            </a:r>
+          </a:p>
+          <a:p>
+            <a:pPr marL="228600" indent="-228600" algn="l" defTabSz="457200">
+              <a:buSzPct val="100000"/>
+              <a:buChar char="•"/>
+              <a:defRPr sz="2900">
+                <a:solidFill>
+                  <a:srgbClr val="FFFFFF"/>
+                </a:solidFill>
+                <a:latin typeface="Roboto Regular"/>
+                <a:ea typeface="Roboto Regular"/>
+                <a:cs typeface="Roboto Regular"/>
+                <a:sym typeface="Roboto Regular"/>
+              </a:defRPr>
+            </a:pPr>
+            <a:r>
+              <a:t>前2万ETH（含）每个ETH兑换6000 LRC；</a:t>
+            </a:r>
+          </a:p>
+          <a:p>
+            <a:pPr marL="228600" indent="-228600" algn="l" defTabSz="457200">
+              <a:buSzPct val="100000"/>
+              <a:buChar char="•"/>
+              <a:defRPr sz="2900">
+                <a:solidFill>
+                  <a:srgbClr val="FFFFFF"/>
+                </a:solidFill>
+                <a:latin typeface="Roboto Regular"/>
+                <a:ea typeface="Roboto Regular"/>
+                <a:cs typeface="Roboto Regular"/>
+                <a:sym typeface="Roboto Regular"/>
+              </a:defRPr>
+            </a:pPr>
+            <a:r>
+              <a:t>2万到4万（含）间每个ETH兑换5750LRC；</a:t>
+            </a:r>
+          </a:p>
+          <a:p>
+            <a:pPr marL="228600" indent="-228600" algn="l" defTabSz="457200">
+              <a:buSzPct val="100000"/>
+              <a:buChar char="•"/>
+              <a:defRPr sz="2900">
+                <a:solidFill>
+                  <a:srgbClr val="FFFFFF"/>
+                </a:solidFill>
+                <a:latin typeface="Roboto Regular"/>
+                <a:ea typeface="Roboto Regular"/>
+                <a:cs typeface="Roboto Regular"/>
+                <a:sym typeface="Roboto Regular"/>
+              </a:defRPr>
+            </a:pPr>
+            <a:r>
+              <a:t>4万到6万（含）间每个ETH兑换5500 LRC；</a:t>
+            </a:r>
+          </a:p>
+          <a:p>
+            <a:pPr marL="228600" indent="-228600" algn="l" defTabSz="457200">
+              <a:buSzPct val="100000"/>
+              <a:buChar char="•"/>
+              <a:defRPr sz="2900">
+                <a:solidFill>
+                  <a:srgbClr val="FFFFFF"/>
+                </a:solidFill>
+                <a:latin typeface="Roboto Regular"/>
+                <a:ea typeface="Roboto Regular"/>
+                <a:cs typeface="Roboto Regular"/>
+                <a:sym typeface="Roboto Regular"/>
+              </a:defRPr>
+            </a:pPr>
+            <a:r>
+              <a:t>6万到8万（含）间每个ETH兑换5250 LRC；</a:t>
+            </a:r>
+          </a:p>
+          <a:p>
+            <a:pPr marL="228600" indent="-228600" algn="l" defTabSz="457200">
+              <a:buSzPct val="100000"/>
+              <a:buChar char="•"/>
+              <a:defRPr sz="2900">
+                <a:solidFill>
+                  <a:srgbClr val="FFFFFF"/>
+                </a:solidFill>
+                <a:latin typeface="Roboto Regular"/>
+                <a:ea typeface="Roboto Regular"/>
+                <a:cs typeface="Roboto Regular"/>
+                <a:sym typeface="Roboto Regular"/>
+              </a:defRPr>
+            </a:pPr>
+            <a:r>
+              <a:t>8万到10万（含）间每个ETH兑换5000 LRC；</a:t>
+            </a:r>
+          </a:p>
+          <a:p>
+            <a:pPr marL="228600" indent="-228600" algn="l" defTabSz="457200">
+              <a:buSzPct val="100000"/>
+              <a:buChar char="•"/>
+              <a:defRPr sz="2900">
+                <a:solidFill>
+                  <a:srgbClr val="FFFFFF"/>
+                </a:solidFill>
+                <a:latin typeface="Roboto Regular"/>
+                <a:ea typeface="Roboto Regular"/>
+                <a:cs typeface="Roboto Regular"/>
+                <a:sym typeface="Roboto Regular"/>
+              </a:defRPr>
+            </a:pPr>
+            <a:r>
+              <a:t>筹集到5万到6万ETH（含），ICO期间出售的LRC占比为40.0%；</a:t>
+            </a:r>
+          </a:p>
+          <a:p>
+            <a:pPr marL="228600" indent="-228600" algn="l" defTabSz="457200">
+              <a:buSzPct val="100000"/>
+              <a:buChar char="•"/>
+              <a:defRPr sz="2900">
+                <a:solidFill>
+                  <a:srgbClr val="FFFFFF"/>
+                </a:solidFill>
+                <a:latin typeface="Roboto Regular"/>
+                <a:ea typeface="Roboto Regular"/>
+                <a:cs typeface="Roboto Regular"/>
+                <a:sym typeface="Roboto Regular"/>
+              </a:defRPr>
+            </a:pPr>
+            <a:r>
+              <a:t>筹集到6万到7万ETH（含），ICO期间出售的LRC占比为42.5%；</a:t>
+            </a:r>
+          </a:p>
+          <a:p>
+            <a:pPr marL="228600" indent="-228600" algn="l" defTabSz="457200">
+              <a:buSzPct val="100000"/>
+              <a:buChar char="•"/>
+              <a:defRPr sz="2900">
+                <a:solidFill>
+                  <a:srgbClr val="FFFFFF"/>
+                </a:solidFill>
+                <a:latin typeface="Roboto Regular"/>
+                <a:ea typeface="Roboto Regular"/>
+                <a:cs typeface="Roboto Regular"/>
+                <a:sym typeface="Roboto Regular"/>
+              </a:defRPr>
+            </a:pPr>
+            <a:r>
+              <a:t>筹集到7万到8万ETH（含），ICO期间出售的LRC占比为45.0%；</a:t>
+            </a:r>
+          </a:p>
+          <a:p>
+            <a:pPr marL="228600" indent="-228600" algn="l" defTabSz="457200">
+              <a:buSzPct val="100000"/>
+              <a:buChar char="•"/>
+              <a:defRPr sz="2900">
+                <a:solidFill>
+                  <a:srgbClr val="FFFFFF"/>
+                </a:solidFill>
+                <a:latin typeface="Roboto Regular"/>
+                <a:ea typeface="Roboto Regular"/>
+                <a:cs typeface="Roboto Regular"/>
+                <a:sym typeface="Roboto Regular"/>
+              </a:defRPr>
+            </a:pPr>
+            <a:r>
+              <a:t>筹集到8万到9万ETH（含），ICO期间出售的LRC占比为47.5%；</a:t>
+            </a:r>
+          </a:p>
+          <a:p>
+            <a:pPr marL="228600" indent="-228600" algn="l" defTabSz="457200">
+              <a:buSzPct val="100000"/>
+              <a:buChar char="•"/>
+              <a:defRPr sz="2900">
+                <a:solidFill>
+                  <a:srgbClr val="FFFFFF"/>
+                </a:solidFill>
+                <a:latin typeface="Roboto Regular"/>
+                <a:ea typeface="Roboto Regular"/>
+                <a:cs typeface="Roboto Regular"/>
+                <a:sym typeface="Roboto Regular"/>
+              </a:defRPr>
+            </a:pPr>
+            <a:r>
+              <a:t>筹集到9万到10万ETH（含），ICO期间出售的LRC占比为50.0%；</a:t>
+            </a:r>
+          </a:p>
+          <a:p>
+            <a:pPr marL="228600" indent="-228600" algn="l" defTabSz="457200">
+              <a:buSzPct val="100000"/>
+              <a:buChar char="•"/>
+              <a:defRPr sz="2900">
+                <a:solidFill>
+                  <a:srgbClr val="FFFFFF"/>
+                </a:solidFill>
+                <a:latin typeface="Roboto Regular"/>
+                <a:ea typeface="Roboto Regular"/>
+                <a:cs typeface="Roboto Regular"/>
+                <a:sym typeface="Roboto Regular"/>
+              </a:defRPr>
+            </a:pPr>
+            <a:r>
+              <a:t>未发售的LRC中，10%通过preICO商定价格出售给早期投资者和社区贡献者；</a:t>
+            </a:r>
+          </a:p>
+          <a:p>
+            <a:pPr marL="228600" indent="-228600" algn="l" defTabSz="457200">
+              <a:buSzPct val="100000"/>
+              <a:buChar char="•"/>
+              <a:defRPr sz="2900">
+                <a:solidFill>
+                  <a:srgbClr val="FFFFFF"/>
+                </a:solidFill>
+                <a:latin typeface="Roboto Regular"/>
+                <a:ea typeface="Roboto Regular"/>
+                <a:cs typeface="Roboto Regular"/>
+                <a:sym typeface="Roboto Regular"/>
+              </a:defRPr>
+            </a:pPr>
+            <a:r>
+              <a:t>未发售的LRC中，40%留给团队；</a:t>
+            </a:r>
+          </a:p>
+          <a:p>
+            <a:pPr marL="228600" indent="-228600" algn="l" defTabSz="457200">
+              <a:buSzPct val="100000"/>
+              <a:buChar char="•"/>
+              <a:defRPr sz="2900">
+                <a:solidFill>
+                  <a:srgbClr val="FFFFFF"/>
+                </a:solidFill>
+                <a:latin typeface="Roboto Regular"/>
+                <a:ea typeface="Roboto Regular"/>
+                <a:cs typeface="Roboto Regular"/>
+                <a:sym typeface="Roboto Regular"/>
+              </a:defRPr>
+            </a:pPr>
+            <a:r>
+              <a:t>未发售的LRC中，50%留给社区推广和对外合作；</a:t>
+            </a:r>
+          </a:p>
+          <a:p>
+            <a:pPr marL="228600" indent="-228600" algn="l" defTabSz="457200">
+              <a:buSzPct val="100000"/>
+              <a:buChar char="•"/>
+              <a:defRPr sz="2900">
+                <a:solidFill>
+                  <a:srgbClr val="FFFFFF"/>
+                </a:solidFill>
+                <a:latin typeface="Roboto Regular"/>
+                <a:ea typeface="Roboto Regular"/>
+                <a:cs typeface="Roboto Regular"/>
+                <a:sym typeface="Roboto Regular"/>
+              </a:defRPr>
+            </a:pPr>
+            <a:r>
+              <a:t>团队持有的LRC锁定期为3年，第一年后释放25%，第二年35%， 第三年40%；</a:t>
+            </a:r>
+          </a:p>
+          <a:p>
+            <a:pPr marL="228600" indent="-228600" algn="l" defTabSz="457200">
+              <a:buSzPct val="100000"/>
+              <a:buChar char="•"/>
+              <a:defRPr sz="2900">
+                <a:solidFill>
+                  <a:srgbClr val="FFFFFF"/>
+                </a:solidFill>
+                <a:latin typeface="Roboto Regular"/>
+                <a:ea typeface="Roboto Regular"/>
+                <a:cs typeface="Roboto Regular"/>
+                <a:sym typeface="Roboto Regular"/>
+              </a:defRPr>
+            </a:pPr>
+            <a:r>
+              <a:t>ICO期间投资者的代币通过智能合约自动发行并转账给用户投资的ETH地址；</a:t>
+            </a:r>
+          </a:p>
+          <a:p>
+            <a:pPr marL="228600" indent="-228600" algn="l" defTabSz="457200">
+              <a:buSzPct val="100000"/>
+              <a:buChar char="•"/>
+              <a:defRPr sz="2900">
+                <a:solidFill>
+                  <a:srgbClr val="FFFFFF"/>
+                </a:solidFill>
+                <a:latin typeface="Roboto Regular"/>
+                <a:ea typeface="Roboto Regular"/>
+                <a:cs typeface="Roboto Regular"/>
+                <a:sym typeface="Roboto Regular"/>
+              </a:defRPr>
+            </a:pPr>
+            <a:r>
+              <a:t>ICO结束后，由团队触发智能合约一次性发行未发售的代币；</a:t>
+            </a:r>
+          </a:p>
+        </p:txBody>
+      </p:sp>
+      <p:sp>
+        <p:nvSpPr>
+          <p:cNvPr id="471" name="2017/08/01 - 2017/08/30"/>
+          <p:cNvSpPr txBox="1"/>
+          <p:nvPr/>
+        </p:nvSpPr>
+        <p:spPr>
+          <a:xfrm>
+            <a:off x="10675483" y="833364"/>
+            <a:ext cx="6694618" cy="892176"/>
+          </a:xfrm>
+          <a:prstGeom prst="rect">
+            <a:avLst/>
+          </a:prstGeom>
+          <a:ln w="12700">
+            <a:miter lim="400000"/>
+          </a:ln>
+          <a:extLst>
+            <a:ext uri="{C572A759-6A51-4108-AA02-DFA0A04FC94B}">
+              <ma14:wrappingTextBoxFlag xmlns:ma14="http://schemas.microsoft.com/office/mac/drawingml/2011/main" val="1"/>
+            </a:ext>
+          </a:extLst>
+        </p:spPr>
+        <p:txBody>
+          <a:bodyPr wrap="none" lIns="71437" tIns="71437" rIns="71437" bIns="71437" anchor="ctr">
+            <a:spAutoFit/>
+          </a:bodyPr>
+          <a:lstStyle>
+            <a:lvl1pPr>
+              <a:defRPr sz="4500">
+                <a:solidFill>
+                  <a:srgbClr val="FFFFFF"/>
+                </a:solidFill>
+                <a:latin typeface="Roboto Regular"/>
+                <a:ea typeface="Roboto Regular"/>
+                <a:cs typeface="Roboto Regular"/>
+                <a:sym typeface="Roboto Regular"/>
+              </a:defRPr>
+            </a:lvl1pPr>
+          </a:lstStyle>
+          <a:p>
+            <a:pPr/>
+            <a:r>
+              <a:t>2017/08/01 - 2017/08/30</a:t>
+            </a:r>
+          </a:p>
+        </p:txBody>
+      </p:sp>
+    </p:spTree>
+  </p:cSld>
+  <p:clrMapOvr>
+    <a:masterClrMapping/>
+  </p:clrMapOvr>
+  <mc:AlternateContent xmlns:mc="http://schemas.openxmlformats.org/markup-compatibility/2006">
+    <mc:Choice xmlns:p14="http://schemas.microsoft.com/office/powerpoint/2010/main" Requires="p14">
+      <p:transition spd="fast" advClick="1" p14:dur="750">
+        <p:dissolve/>
+      </p:transition>
+    </mc:Choice>
+    <mc:Fallback>
+      <p:transition spd="fast">
+        <p:fade/>
+      </p:transition>
+    </mc:Fallback>
+  </mc:AlternateContent>
+</p:sld>
+</file>
+
+<file path=ppt/slides/slide3.xml><?xml version="1.0" encoding="utf-8"?>
+<p:sld xmlns:a="http://schemas.openxmlformats.org/drawingml/2006/main" xmlns:r="http://schemas.openxmlformats.org/officeDocument/2006/relationships" xmlns:p="http://schemas.openxmlformats.org/presentationml/2006/main" showMasterSp="1" showMasterPhAnim="1">
+  <p:cSld>
+    <p:bg>
+      <p:bgPr>
+        <a:solidFill>
+          <a:srgbClr val="EEEEEE"/>
+        </a:solidFill>
+      </p:bgPr>
+    </p:bg>
+    <p:spTree>
+      <p:nvGrpSpPr>
+        <p:cNvPr id="1" name=""/>
+        <p:cNvGrpSpPr/>
+        <p:nvPr/>
+      </p:nvGrpSpPr>
+      <p:grpSpPr>
+        <a:xfrm>
+          <a:off x="0" y="0"/>
+          <a:ext cx="0" cy="0"/>
+          <a:chOff x="0" y="0"/>
+          <a:chExt cx="0" cy="0"/>
+        </a:xfrm>
+      </p:grpSpPr>
+      <p:pic>
+        <p:nvPicPr>
+          <p:cNvPr id="128" name="屏幕快照 2017-06-29 15.15.42.jpg" descr="屏幕快照 2017-06-29 15.15.42.jpg"/>
+          <p:cNvPicPr>
+            <a:picLocks noChangeAspect="1"/>
+          </p:cNvPicPr>
+          <p:nvPr/>
+        </p:nvPicPr>
+        <p:blipFill>
+          <a:blip r:embed="rId2">
+            <a:extLst/>
+          </a:blip>
+          <a:stretch>
+            <a:fillRect/>
+          </a:stretch>
+        </p:blipFill>
+        <p:spPr>
+          <a:xfrm>
+            <a:off x="9205559" y="-14071600"/>
+            <a:ext cx="13893801" cy="13208000"/>
+          </a:xfrm>
+          <a:prstGeom prst="rect">
+            <a:avLst/>
+          </a:prstGeom>
+          <a:ln w="12700">
+            <a:miter lim="400000"/>
+          </a:ln>
+        </p:spPr>
+      </p:pic>
+      <p:sp>
+        <p:nvSpPr>
+          <p:cNvPr id="129" name="团队"/>
+          <p:cNvSpPr txBox="1"/>
+          <p:nvPr/>
+        </p:nvSpPr>
+        <p:spPr>
+          <a:xfrm>
+            <a:off x="2791336" y="1782896"/>
+            <a:ext cx="3559176" cy="2530476"/>
+          </a:xfrm>
+          <a:prstGeom prst="rect">
+            <a:avLst/>
+          </a:prstGeom>
+          <a:ln w="12700">
+            <a:miter lim="400000"/>
+          </a:ln>
+          <a:extLst>
+            <a:ext uri="{C572A759-6A51-4108-AA02-DFA0A04FC94B}">
+              <ma14:wrappingTextBoxFlag xmlns:ma14="http://schemas.microsoft.com/office/mac/drawingml/2011/main" val="1"/>
+            </a:ext>
+          </a:extLst>
+        </p:spPr>
+        <p:txBody>
+          <a:bodyPr wrap="none" lIns="71437" tIns="71437" rIns="71437" bIns="71437" anchor="ctr">
+            <a:spAutoFit/>
+          </a:bodyPr>
+          <a:lstStyle>
+            <a:lvl1pPr>
+              <a:defRPr sz="13400">
+                <a:latin typeface="Roboto Bold"/>
+                <a:ea typeface="Roboto Bold"/>
+                <a:cs typeface="Roboto Bold"/>
+                <a:sym typeface="Roboto Bold"/>
+              </a:defRPr>
+            </a:lvl1pPr>
+          </a:lstStyle>
+          <a:p>
+            <a:pPr/>
+            <a:r>
+              <a:t>团队</a:t>
+            </a:r>
+          </a:p>
+        </p:txBody>
+      </p:sp>
+      <p:pic>
+        <p:nvPicPr>
+          <p:cNvPr id="130" name="屏幕快照 2017-06-29 15.19.02.jpg" descr="屏幕快照 2017-06-29 15.19.02.jpg"/>
+          <p:cNvPicPr>
+            <a:picLocks noChangeAspect="1"/>
+          </p:cNvPicPr>
+          <p:nvPr/>
+        </p:nvPicPr>
+        <p:blipFill>
+          <a:blip r:embed="rId3">
+            <a:extLst/>
+          </a:blip>
+          <a:stretch>
+            <a:fillRect/>
+          </a:stretch>
+        </p:blipFill>
+        <p:spPr>
+          <a:xfrm>
+            <a:off x="379924" y="-5587784"/>
+            <a:ext cx="8382001" cy="3581401"/>
+          </a:xfrm>
+          <a:prstGeom prst="rect">
+            <a:avLst/>
+          </a:prstGeom>
+          <a:ln w="12700">
+            <a:miter lim="400000"/>
+          </a:ln>
+        </p:spPr>
+      </p:pic>
+      <p:sp>
+        <p:nvSpPr>
+          <p:cNvPr id="131" name="4位 - Google工程师…"/>
+          <p:cNvSpPr txBox="1"/>
+          <p:nvPr/>
+        </p:nvSpPr>
+        <p:spPr>
+          <a:xfrm>
+            <a:off x="8855655" y="4468610"/>
+            <a:ext cx="9116102" cy="5426076"/>
+          </a:xfrm>
+          <a:prstGeom prst="rect">
+            <a:avLst/>
+          </a:prstGeom>
+          <a:ln w="12700">
+            <a:miter lim="400000"/>
+          </a:ln>
+          <a:extLst>
+            <a:ext uri="{C572A759-6A51-4108-AA02-DFA0A04FC94B}">
+              <ma14:wrappingTextBoxFlag xmlns:ma14="http://schemas.microsoft.com/office/mac/drawingml/2011/main" val="1"/>
+            </a:ext>
+          </a:extLst>
+        </p:spPr>
+        <p:txBody>
+          <a:bodyPr wrap="none" lIns="71437" tIns="71437" rIns="71437" bIns="71437" anchor="ctr">
+            <a:spAutoFit/>
+          </a:bodyPr>
+          <a:lstStyle/>
+          <a:p>
+            <a:pPr marL="228600" indent="-228600" algn="l">
+              <a:buSzPct val="100000"/>
+              <a:buChar char="•"/>
+              <a:defRPr sz="3700">
+                <a:solidFill>
+                  <a:srgbClr val="53585F"/>
+                </a:solidFill>
+                <a:latin typeface="Roboto Regular"/>
+                <a:ea typeface="Roboto Regular"/>
+                <a:cs typeface="Roboto Regular"/>
+                <a:sym typeface="Roboto Regular"/>
+              </a:defRPr>
+            </a:pPr>
+            <a:r>
+              <a:t>4位 - Google工程师</a:t>
+            </a:r>
+          </a:p>
+          <a:p>
+            <a:pPr marL="228600" indent="-228600" algn="l">
+              <a:buSzPct val="100000"/>
+              <a:buChar char="•"/>
+              <a:defRPr sz="3700">
+                <a:solidFill>
+                  <a:srgbClr val="53585F"/>
+                </a:solidFill>
+                <a:latin typeface="Roboto Regular"/>
+                <a:ea typeface="Roboto Regular"/>
+                <a:cs typeface="Roboto Regular"/>
+                <a:sym typeface="Roboto Regular"/>
+              </a:defRPr>
+            </a:pPr>
+            <a:r>
+              <a:t>3位 - 蚂蚁金服工程师</a:t>
+            </a:r>
+          </a:p>
+          <a:p>
+            <a:pPr marL="228600" indent="-228600" algn="l">
+              <a:buSzPct val="100000"/>
+              <a:buChar char="•"/>
+              <a:defRPr sz="3700">
+                <a:solidFill>
+                  <a:srgbClr val="53585F"/>
+                </a:solidFill>
+                <a:latin typeface="Roboto Regular"/>
+                <a:ea typeface="Roboto Regular"/>
+                <a:cs typeface="Roboto Regular"/>
+                <a:sym typeface="Roboto Regular"/>
+              </a:defRPr>
+            </a:pPr>
+            <a:r>
+              <a:t>2位 - 美团工程师</a:t>
+            </a:r>
+          </a:p>
+          <a:p>
+            <a:pPr marL="228600" indent="-228600" algn="l">
+              <a:buSzPct val="100000"/>
+              <a:buChar char="•"/>
+              <a:defRPr sz="3700">
+                <a:solidFill>
+                  <a:srgbClr val="53585F"/>
+                </a:solidFill>
+                <a:latin typeface="Roboto Regular"/>
+                <a:ea typeface="Roboto Regular"/>
+                <a:cs typeface="Roboto Regular"/>
+                <a:sym typeface="Roboto Regular"/>
+              </a:defRPr>
+            </a:pPr>
+            <a:r>
+              <a:t>2位 - 金融领域运营/风控</a:t>
+            </a:r>
+          </a:p>
+          <a:p>
+            <a:pPr marL="228600" indent="-228600" algn="l">
+              <a:buSzPct val="100000"/>
+              <a:buChar char="•"/>
+              <a:defRPr sz="3700">
+                <a:solidFill>
+                  <a:srgbClr val="53585F"/>
+                </a:solidFill>
+                <a:latin typeface="Roboto Regular"/>
+                <a:ea typeface="Roboto Regular"/>
+                <a:cs typeface="Roboto Regular"/>
+                <a:sym typeface="Roboto Regular"/>
+              </a:defRPr>
+            </a:pPr>
+            <a:r>
+              <a:t>3位 - 博士研究生</a:t>
+            </a:r>
+          </a:p>
+          <a:p>
+            <a:pPr marL="228600" indent="-228600" algn="l">
+              <a:buSzPct val="100000"/>
+              <a:buChar char="•"/>
+              <a:defRPr sz="3700">
+                <a:solidFill>
+                  <a:srgbClr val="53585F"/>
+                </a:solidFill>
+                <a:latin typeface="Roboto Regular"/>
+                <a:ea typeface="Roboto Regular"/>
+                <a:cs typeface="Roboto Regular"/>
+                <a:sym typeface="Roboto Regular"/>
+              </a:defRPr>
+            </a:pPr>
+            <a:r>
+              <a:t>6位 - 硕士研究生 </a:t>
+            </a:r>
+          </a:p>
+          <a:p>
+            <a:pPr marL="228600" indent="-228600" algn="l">
+              <a:buSzPct val="100000"/>
+              <a:buChar char="•"/>
+              <a:defRPr sz="3700">
+                <a:solidFill>
+                  <a:srgbClr val="53585F"/>
+                </a:solidFill>
+                <a:latin typeface="Roboto Regular"/>
+                <a:ea typeface="Roboto Regular"/>
+                <a:cs typeface="Roboto Regular"/>
+                <a:sym typeface="Roboto Regular"/>
+              </a:defRPr>
+            </a:pPr>
+            <a:r>
+              <a:t>4位 - 上市互联网公司总监级以上管理经验</a:t>
+            </a:r>
+          </a:p>
+          <a:p>
+            <a:pPr marL="228600" indent="-228600" algn="l">
+              <a:buSzPct val="100000"/>
+              <a:buChar char="•"/>
+              <a:defRPr sz="3700">
+                <a:solidFill>
+                  <a:srgbClr val="53585F"/>
+                </a:solidFill>
+                <a:latin typeface="Roboto Regular"/>
+                <a:ea typeface="Roboto Regular"/>
+                <a:cs typeface="Roboto Regular"/>
+                <a:sym typeface="Roboto Regular"/>
+              </a:defRPr>
+            </a:pPr>
+            <a:r>
+              <a:t>7位 - 虚拟资产交易所创业经验</a:t>
+            </a:r>
+          </a:p>
+        </p:txBody>
+      </p:sp>
+      <p:pic>
+        <p:nvPicPr>
+          <p:cNvPr id="132" name="屏幕快照 2017-06-29 15.15.51.jpg" descr="屏幕快照 2017-06-29 15.15.51.jpg"/>
+          <p:cNvPicPr>
+            <a:picLocks noChangeAspect="1"/>
+          </p:cNvPicPr>
+          <p:nvPr/>
+        </p:nvPicPr>
+        <p:blipFill>
+          <a:blip r:embed="rId4">
+            <a:extLst/>
+          </a:blip>
+          <a:stretch>
+            <a:fillRect/>
+          </a:stretch>
+        </p:blipFill>
+        <p:spPr>
+          <a:xfrm>
+            <a:off x="9047040" y="14941550"/>
+            <a:ext cx="13970001" cy="12585700"/>
+          </a:xfrm>
+          <a:prstGeom prst="rect">
+            <a:avLst/>
+          </a:prstGeom>
+          <a:ln w="12700">
+            <a:miter lim="400000"/>
+          </a:ln>
+        </p:spPr>
+      </p:pic>
+    </p:spTree>
+  </p:cSld>
+  <p:clrMapOvr>
+    <a:masterClrMapping/>
+  </p:clrMapOvr>
+  <mc:AlternateContent xmlns:mc="http://schemas.openxmlformats.org/markup-compatibility/2006">
+    <mc:Choice xmlns:p14="http://schemas.microsoft.com/office/powerpoint/2010/main" Requires="p14">
+      <p:transition spd="fast" advClick="1" p14:dur="750">
+        <p:dissolve/>
+      </p:transition>
+    </mc:Choice>
+    <mc:Fallback>
+      <p:transition spd="fast">
+        <p:fade/>
+      </p:transition>
+    </mc:Fallback>
+  </mc:AlternateContent>
+</p:sld>
+</file>
+
+<file path=ppt/slides/slide30.xml><?xml version="1.0" encoding="utf-8"?>
+<p:sld xmlns:a="http://schemas.openxmlformats.org/drawingml/2006/main" xmlns:r="http://schemas.openxmlformats.org/officeDocument/2006/relationships" xmlns:p="http://schemas.openxmlformats.org/presentationml/2006/main" showMasterSp="1" showMasterPhAnim="1">
+  <p:cSld>
+    <p:bg>
+      <p:bgPr>
+        <a:solidFill>
+          <a:schemeClr val="accent1">
+            <a:satOff val="-3355"/>
+            <a:lumOff val="26614"/>
+          </a:schemeClr>
+        </a:solidFill>
+      </p:bgPr>
+    </p:bg>
+    <p:spTree>
+      <p:nvGrpSpPr>
+        <p:cNvPr id="1" name=""/>
+        <p:cNvGrpSpPr/>
+        <p:nvPr/>
+      </p:nvGrpSpPr>
+      <p:grpSpPr>
+        <a:xfrm>
+          <a:off x="0" y="0"/>
+          <a:ext cx="0" cy="0"/>
+          <a:chOff x="0" y="0"/>
+          <a:chExt cx="0" cy="0"/>
+        </a:xfrm>
+      </p:grpSpPr>
+      <p:sp>
+        <p:nvSpPr>
+          <p:cNvPr id="473" name="ICO"/>
+          <p:cNvSpPr txBox="1"/>
+          <p:nvPr/>
+        </p:nvSpPr>
+        <p:spPr>
+          <a:xfrm>
+            <a:off x="7013898" y="1514"/>
+            <a:ext cx="3110409" cy="2555876"/>
+          </a:xfrm>
+          <a:prstGeom prst="rect">
+            <a:avLst/>
+          </a:prstGeom>
+          <a:ln w="12700">
+            <a:miter lim="400000"/>
+          </a:ln>
+          <a:extLst>
+            <a:ext uri="{C572A759-6A51-4108-AA02-DFA0A04FC94B}">
+              <ma14:wrappingTextBoxFlag xmlns:ma14="http://schemas.microsoft.com/office/mac/drawingml/2011/main" val="1"/>
+            </a:ext>
+          </a:extLst>
+        </p:spPr>
+        <p:txBody>
+          <a:bodyPr wrap="none" lIns="71437" tIns="71437" rIns="71437" bIns="71437" anchor="ctr">
+            <a:spAutoFit/>
+          </a:bodyPr>
+          <a:lstStyle>
+            <a:lvl1pPr>
+              <a:defRPr sz="14400">
+                <a:latin typeface="Roboto Bold"/>
+                <a:ea typeface="Roboto Bold"/>
+                <a:cs typeface="Roboto Bold"/>
+                <a:sym typeface="Roboto Bold"/>
+              </a:defRPr>
+            </a:lvl1pPr>
+          </a:lstStyle>
+          <a:p>
+            <a:pPr/>
+            <a:r>
+              <a:t>ICO</a:t>
+            </a:r>
+          </a:p>
+        </p:txBody>
+      </p:sp>
+      <p:sp>
+        <p:nvSpPr>
+          <p:cNvPr id="474" name="24-Hour Trade Volume…"/>
           <p:cNvSpPr txBox="1"/>
           <p:nvPr/>
         </p:nvSpPr>
@@ -23002,7 +24309,7 @@
       </p:sp>
       <p:sp>
         <p:nvSpPr>
-          <p:cNvPr id="467" name="$5B"/>
+          <p:cNvPr id="475" name="$5B"/>
           <p:cNvSpPr txBox="1"/>
           <p:nvPr/>
         </p:nvSpPr>
@@ -23047,7 +24354,7 @@
       </p:sp>
       <p:sp>
         <p:nvSpPr>
-          <p:cNvPr id="468" name="2017/08/01 - 2017/08/30"/>
+          <p:cNvPr id="476" name="2017/08/01 - 2017/08/30"/>
           <p:cNvSpPr txBox="1"/>
           <p:nvPr/>
         </p:nvSpPr>
@@ -23095,7 +24402,7 @@
       </p:sp>
       <p:sp>
         <p:nvSpPr>
-          <p:cNvPr id="469" name="Rectangle"/>
+          <p:cNvPr id="477" name="矩形"/>
           <p:cNvSpPr/>
           <p:nvPr/>
         </p:nvSpPr>
@@ -23134,7 +24441,7 @@
       </p:sp>
       <p:graphicFrame>
         <p:nvGraphicFramePr>
-          <p:cNvPr id="470" name="ICO数据"/>
+          <p:cNvPr id="478" name="ICO数据"/>
           <p:cNvGraphicFramePr/>
           <p:nvPr/>
         </p:nvGraphicFramePr>
@@ -30053,128 +31360,7 @@
 </p:sld>
 </file>
 
-<file path=ppt/slides/slide3.xml><?xml version="1.0" encoding="utf-8"?>
-<p:sld xmlns:a="http://schemas.openxmlformats.org/drawingml/2006/main" xmlns:r="http://schemas.openxmlformats.org/officeDocument/2006/relationships" xmlns:p="http://schemas.openxmlformats.org/presentationml/2006/main" showMasterSp="1" showMasterPhAnim="1">
-  <p:cSld>
-    <p:bg>
-      <p:bgPr>
-        <a:solidFill>
-          <a:srgbClr val="212121"/>
-        </a:solidFill>
-      </p:bgPr>
-    </p:bg>
-    <p:spTree>
-      <p:nvGrpSpPr>
-        <p:cNvPr id="1" name=""/>
-        <p:cNvGrpSpPr/>
-        <p:nvPr/>
-      </p:nvGrpSpPr>
-      <p:grpSpPr>
-        <a:xfrm>
-          <a:off x="0" y="0"/>
-          <a:ext cx="0" cy="0"/>
-          <a:chOff x="0" y="0"/>
-          <a:chExt cx="0" cy="0"/>
-        </a:xfrm>
-      </p:grpSpPr>
-      <p:pic>
-        <p:nvPicPr>
-          <p:cNvPr id="127" name="屏幕快照 2017-06-29 15.15.51.jpg" descr="屏幕快照 2017-06-29 15.15.51.jpg"/>
-          <p:cNvPicPr>
-            <a:picLocks noChangeAspect="1"/>
-          </p:cNvPicPr>
-          <p:nvPr/>
-        </p:nvPicPr>
-        <p:blipFill>
-          <a:blip r:embed="rId2">
-            <a:extLst/>
-          </a:blip>
-          <a:stretch>
-            <a:fillRect/>
-          </a:stretch>
-        </p:blipFill>
-        <p:spPr>
-          <a:xfrm>
-            <a:off x="9047040" y="565150"/>
-            <a:ext cx="13970001" cy="12585700"/>
-          </a:xfrm>
-          <a:prstGeom prst="rect">
-            <a:avLst/>
-          </a:prstGeom>
-          <a:ln w="12700">
-            <a:miter lim="400000"/>
-          </a:ln>
-        </p:spPr>
-      </p:pic>
-      <p:sp>
-        <p:nvSpPr>
-          <p:cNvPr id="128" name="团队"/>
-          <p:cNvSpPr txBox="1"/>
-          <p:nvPr/>
-        </p:nvSpPr>
-        <p:spPr>
-          <a:xfrm>
-            <a:off x="2791336" y="1782896"/>
-            <a:ext cx="3559176" cy="2530476"/>
-          </a:xfrm>
-          <a:prstGeom prst="rect">
-            <a:avLst/>
-          </a:prstGeom>
-          <a:ln w="12700">
-            <a:miter lim="400000"/>
-          </a:ln>
-          <a:extLst>
-            <a:ext uri="{C572A759-6A51-4108-AA02-DFA0A04FC94B}">
-              <ma14:wrappingTextBoxFlag xmlns:ma14="http://schemas.microsoft.com/office/mac/drawingml/2011/main" val="1"/>
-            </a:ext>
-          </a:extLst>
-        </p:spPr>
-        <p:txBody>
-          <a:bodyPr wrap="none" lIns="71437" tIns="71437" rIns="71437" bIns="71437" anchor="ctr">
-            <a:spAutoFit/>
-          </a:bodyPr>
-          <a:lstStyle>
-            <a:lvl1pPr>
-              <a:defRPr sz="13400">
-                <a:solidFill>
-                  <a:srgbClr val="DCDEE0"/>
-                </a:solidFill>
-                <a:latin typeface="Roboto Bold"/>
-                <a:ea typeface="Roboto Bold"/>
-                <a:cs typeface="Roboto Bold"/>
-                <a:sym typeface="Roboto Bold"/>
-              </a:defRPr>
-            </a:lvl1pPr>
-          </a:lstStyle>
-          <a:p>
-            <a:pPr/>
-            <a:r>
-              <a:t>团队</a:t>
-            </a:r>
-          </a:p>
-        </p:txBody>
-      </p:sp>
-    </p:spTree>
-  </p:cSld>
-  <p:clrMapOvr>
-    <a:masterClrMapping/>
-  </p:clrMapOvr>
-  <mc:AlternateContent xmlns:mc="http://schemas.openxmlformats.org/markup-compatibility/2006">
-    <mc:Choice xmlns:p14="http://schemas.microsoft.com/office/powerpoint/2010/main" Requires="p14">
-      <p:transition spd="fast" advClick="1" p14:dur="750">
-        <p:push dir="u"/>
-      </p:transition>
-    </mc:Choice>
-    <mc:Fallback>
-      <p:transition spd="fast">
-        <p:fade/>
-      </p:transition>
-    </mc:Fallback>
-  </mc:AlternateContent>
-</p:sld>
-</file>
-
-<file path=ppt/slides/slide30.xml><?xml version="1.0" encoding="utf-8"?>
+<file path=ppt/slides/slide31.xml><?xml version="1.0" encoding="utf-8"?>
 <p:sld xmlns:a="http://schemas.openxmlformats.org/drawingml/2006/main" xmlns:r="http://schemas.openxmlformats.org/officeDocument/2006/relationships" xmlns:p="http://schemas.openxmlformats.org/presentationml/2006/main" showMasterSp="1" showMasterPhAnim="1">
   <p:cSld>
     <p:bg>
@@ -30203,7 +31389,7 @@
       </p:grpSpPr>
       <p:sp>
         <p:nvSpPr>
-          <p:cNvPr id="472" name="ICO"/>
+          <p:cNvPr id="480" name="ICO"/>
           <p:cNvSpPr txBox="1"/>
           <p:nvPr/>
         </p:nvSpPr>
@@ -30248,7 +31434,7 @@
       </p:sp>
       <p:sp>
         <p:nvSpPr>
-          <p:cNvPr id="473" name="2017/08/01 - 2017/08/30"/>
+          <p:cNvPr id="481" name="2017/08/01 - 2017/08/30"/>
           <p:cNvSpPr txBox="1"/>
           <p:nvPr/>
         </p:nvSpPr>
@@ -30296,7 +31482,7 @@
       </p:sp>
       <p:grpSp>
         <p:nvGrpSpPr>
-          <p:cNvPr id="476" name="Group"/>
+          <p:cNvPr id="484" name="成组"/>
           <p:cNvGrpSpPr/>
           <p:nvPr/>
         </p:nvGrpSpPr>
@@ -30310,7 +31496,7 @@
         </p:grpSpPr>
         <p:sp>
           <p:nvSpPr>
-            <p:cNvPr id="474" name="1. 众筹基于以太坊智能合约"/>
+            <p:cNvPr id="482" name="1. 众筹基于以太坊智能合约"/>
             <p:cNvSpPr txBox="1"/>
             <p:nvPr/>
           </p:nvSpPr>
@@ -30361,7 +31547,7 @@
         </p:sp>
         <p:sp>
           <p:nvSpPr>
-            <p:cNvPr id="475" name="所有参与众筹的ETH都需要通过普通以太坊转账，转到智能合约地址。未能成功参与ICO的ETH会被立即返还到原来的账号。"/>
+            <p:cNvPr id="483" name="所有参与众筹的ETH都需要通过普通以太坊转账，转到智能合约地址。未能成功参与ICO的ETH会被立即返还到原来的账号。"/>
             <p:cNvSpPr txBox="1"/>
             <p:nvPr/>
           </p:nvSpPr>
@@ -30413,7 +31599,7 @@
       </p:grpSp>
       <p:grpSp>
         <p:nvGrpSpPr>
-          <p:cNvPr id="479" name="Group"/>
+          <p:cNvPr id="487" name="成组"/>
           <p:cNvGrpSpPr/>
           <p:nvPr/>
         </p:nvGrpSpPr>
@@ -30427,7 +31613,7 @@
         </p:grpSpPr>
         <p:sp>
           <p:nvSpPr>
-            <p:cNvPr id="477" name="2. LRC使用ERC20标准"/>
+            <p:cNvPr id="485" name="2. LRC使用ERC20标准"/>
             <p:cNvSpPr txBox="1"/>
             <p:nvPr/>
           </p:nvSpPr>
@@ -30478,7 +31664,7 @@
         </p:sp>
         <p:sp>
           <p:nvSpPr>
-            <p:cNvPr id="478" name="我们的代币LRC符合ERC20标准，并且所有出售的代币在ETH入账时实时发行并转账给用户的ETH地址。切记不要通过交易所直接提现ETH到我们ICO的众筹地址。"/>
+            <p:cNvPr id="486" name="我们的代币LRC符合ERC20标准，并且所有出售的代币在ETH入账时实时发行并转账给用户的ETH地址。切记不要通过交易所直接提现ETH到我们ICO的众筹地址。"/>
             <p:cNvSpPr txBox="1"/>
             <p:nvPr/>
           </p:nvSpPr>
@@ -30546,7 +31732,7 @@
       </p:grpSp>
       <p:grpSp>
         <p:nvGrpSpPr>
-          <p:cNvPr id="482" name="Group"/>
+          <p:cNvPr id="490" name="成组"/>
           <p:cNvGrpSpPr/>
           <p:nvPr/>
         </p:nvGrpSpPr>
@@ -30560,7 +31746,7 @@
         </p:grpSpPr>
         <p:sp>
           <p:nvSpPr>
-            <p:cNvPr id="480" name="3. LRC具有原生流动性"/>
+            <p:cNvPr id="488" name="3. LRC具有原生流动性"/>
             <p:cNvSpPr txBox="1"/>
             <p:nvPr/>
           </p:nvSpPr>
@@ -30611,7 +31797,7 @@
         </p:sp>
         <p:sp>
           <p:nvSpPr>
-            <p:cNvPr id="481" name="Loopring上线后，可以支持所有ERC20代币间的交易，包括LRC。Loopring为以太坊ICO生态提供0成本的上市交易。"/>
+            <p:cNvPr id="489" name="Loopring上线后，可以支持所有ERC20代币间的交易，包括LRC。Loopring为以太坊ICO生态提供0成本的上市交易。"/>
             <p:cNvSpPr txBox="1"/>
             <p:nvPr/>
           </p:nvSpPr>
@@ -30711,7 +31897,7 @@
                                       <p:cBhvr>
                                         <p:cTn id="6" fill="hold"/>
                                         <p:tgtEl>
-                                          <p:spTgt spid="479"/>
+                                          <p:spTgt spid="487"/>
                                         </p:tgtEl>
                                         <p:attrNameLst>
                                           <p:attrName>style.visibility</p:attrName>
@@ -30725,7 +31911,7 @@
                                       <p:cBhvr>
                                         <p:cTn id="7" dur="1000"/>
                                         <p:tgtEl>
-                                          <p:spTgt spid="479"/>
+                                          <p:spTgt spid="487"/>
                                         </p:tgtEl>
                                       </p:cBhvr>
                                     </p:animEffect>
@@ -30763,7 +31949,7 @@
                                       <p:cBhvr>
                                         <p:cTn id="11" fill="hold"/>
                                         <p:tgtEl>
-                                          <p:spTgt spid="482"/>
+                                          <p:spTgt spid="490"/>
                                         </p:tgtEl>
                                         <p:attrNameLst>
                                           <p:attrName>style.visibility</p:attrName>
@@ -30777,7 +31963,7 @@
                                       <p:cBhvr>
                                         <p:cTn id="12" dur="1000"/>
                                         <p:tgtEl>
-                                          <p:spTgt spid="482"/>
+                                          <p:spTgt spid="490"/>
                                         </p:tgtEl>
                                       </p:cBhvr>
                                     </p:animEffect>
@@ -30812,14 +31998,14 @@
       </p:par>
     </p:tnLst>
     <p:bldLst>
-      <p:bldP build="whole" bldLvl="1" animBg="1" rev="0" advAuto="0" spid="479" grpId="1"/>
-      <p:bldP build="whole" bldLvl="1" animBg="1" rev="0" advAuto="0" spid="482" grpId="2"/>
+      <p:bldP build="whole" bldLvl="1" animBg="1" rev="0" advAuto="0" spid="487" grpId="1"/>
+      <p:bldP build="whole" bldLvl="1" animBg="1" rev="0" advAuto="0" spid="490" grpId="2"/>
     </p:bldLst>
   </p:timing>
 </p:sld>
 </file>
 
-<file path=ppt/slides/slide31.xml><?xml version="1.0" encoding="utf-8"?>
+<file path=ppt/slides/slide32.xml><?xml version="1.0" encoding="utf-8"?>
 <p:sld xmlns:a="http://schemas.openxmlformats.org/drawingml/2006/main" xmlns:r="http://schemas.openxmlformats.org/officeDocument/2006/relationships" xmlns:p="http://schemas.openxmlformats.org/presentationml/2006/main" showMasterSp="1" showMasterPhAnim="1">
   <p:cSld>
     <p:bg>
@@ -30845,7 +32031,7 @@
       </p:grpSpPr>
       <p:sp>
         <p:nvSpPr>
-          <p:cNvPr id="484" name="计划"/>
+          <p:cNvPr id="492" name="计划"/>
           <p:cNvSpPr txBox="1"/>
           <p:nvPr/>
         </p:nvSpPr>
@@ -30893,7 +32079,7 @@
       </p:sp>
       <p:pic>
         <p:nvPicPr>
-          <p:cNvPr id="485" name="屏幕快照 2017-06-29 15.30.47.jpg" descr="屏幕快照 2017-06-29 15.30.47.jpg"/>
+          <p:cNvPr id="493" name="屏幕快照 2017-06-29 15.30.47.jpg" descr="屏幕快照 2017-06-29 15.30.47.jpg"/>
           <p:cNvPicPr>
             <a:picLocks noChangeAspect="1"/>
           </p:cNvPicPr>
@@ -30940,7 +32126,7 @@
 </p:sld>
 </file>
 
-<file path=ppt/slides/slide32.xml><?xml version="1.0" encoding="utf-8"?>
+<file path=ppt/slides/slide33.xml><?xml version="1.0" encoding="utf-8"?>
 <p:sld xmlns:a="http://schemas.openxmlformats.org/drawingml/2006/main" xmlns:r="http://schemas.openxmlformats.org/officeDocument/2006/relationships" xmlns:p="http://schemas.openxmlformats.org/presentationml/2006/main" showMasterSp="1" showMasterPhAnim="1">
   <p:cSld>
     <p:bg>
@@ -30969,7 +32155,7 @@
       </p:grpSpPr>
       <p:sp>
         <p:nvSpPr>
-          <p:cNvPr id="487" name="24-Hour Trade Volume…"/>
+          <p:cNvPr id="495" name="24-Hour Trade Volume…"/>
           <p:cNvSpPr txBox="1"/>
           <p:nvPr/>
         </p:nvSpPr>
@@ -31025,7 +32211,7 @@
       </p:sp>
       <p:sp>
         <p:nvSpPr>
-          <p:cNvPr id="488" name="$5B"/>
+          <p:cNvPr id="496" name="$5B"/>
           <p:cNvSpPr txBox="1"/>
           <p:nvPr/>
         </p:nvSpPr>
@@ -31070,7 +32256,7 @@
       </p:sp>
       <p:sp>
         <p:nvSpPr>
-          <p:cNvPr id="489" name="微信/wechat…"/>
+          <p:cNvPr id="497" name="微信/wechat…"/>
           <p:cNvSpPr txBox="1"/>
           <p:nvPr/>
         </p:nvSpPr>
@@ -31198,7 +32384,7 @@
       </p:sp>
       <p:pic>
         <p:nvPicPr>
-          <p:cNvPr id="490" name="屏幕快照 2017-06-29 12.45.29.jpg" descr="屏幕快照 2017-06-29 12.45.29.jpg"/>
+          <p:cNvPr id="498" name="屏幕快照 2017-06-29 12.45.29.jpg" descr="屏幕快照 2017-06-29 12.45.29.jpg"/>
           <p:cNvPicPr>
             <a:picLocks noChangeAspect="1"/>
           </p:cNvPicPr>
@@ -31240,6 +32426,301 @@
     <p:bg>
       <p:bgPr>
         <a:solidFill>
+          <a:srgbClr val="212121"/>
+        </a:solidFill>
+      </p:bgPr>
+    </p:bg>
+    <p:spTree>
+      <p:nvGrpSpPr>
+        <p:cNvPr id="1" name=""/>
+        <p:cNvGrpSpPr/>
+        <p:nvPr/>
+      </p:nvGrpSpPr>
+      <p:grpSpPr>
+        <a:xfrm>
+          <a:off x="0" y="0"/>
+          <a:ext cx="0" cy="0"/>
+          <a:chOff x="0" y="0"/>
+          <a:chExt cx="0" cy="0"/>
+        </a:xfrm>
+      </p:grpSpPr>
+      <p:pic>
+        <p:nvPicPr>
+          <p:cNvPr id="134" name="屏幕快照 2017-06-29 15.15.51.jpg" descr="屏幕快照 2017-06-29 15.15.51.jpg"/>
+          <p:cNvPicPr>
+            <a:picLocks noChangeAspect="1"/>
+          </p:cNvPicPr>
+          <p:nvPr/>
+        </p:nvPicPr>
+        <p:blipFill>
+          <a:blip r:embed="rId2">
+            <a:extLst/>
+          </a:blip>
+          <a:stretch>
+            <a:fillRect/>
+          </a:stretch>
+        </p:blipFill>
+        <p:spPr>
+          <a:xfrm>
+            <a:off x="9047040" y="565150"/>
+            <a:ext cx="13970001" cy="12585700"/>
+          </a:xfrm>
+          <a:prstGeom prst="rect">
+            <a:avLst/>
+          </a:prstGeom>
+          <a:ln w="12700">
+            <a:miter lim="400000"/>
+          </a:ln>
+        </p:spPr>
+      </p:pic>
+      <p:sp>
+        <p:nvSpPr>
+          <p:cNvPr id="135" name="团队"/>
+          <p:cNvSpPr txBox="1"/>
+          <p:nvPr/>
+        </p:nvSpPr>
+        <p:spPr>
+          <a:xfrm>
+            <a:off x="2791336" y="1782896"/>
+            <a:ext cx="3559176" cy="2530476"/>
+          </a:xfrm>
+          <a:prstGeom prst="rect">
+            <a:avLst/>
+          </a:prstGeom>
+          <a:ln w="12700">
+            <a:miter lim="400000"/>
+          </a:ln>
+          <a:extLst>
+            <a:ext uri="{C572A759-6A51-4108-AA02-DFA0A04FC94B}">
+              <ma14:wrappingTextBoxFlag xmlns:ma14="http://schemas.microsoft.com/office/mac/drawingml/2011/main" val="1"/>
+            </a:ext>
+          </a:extLst>
+        </p:spPr>
+        <p:txBody>
+          <a:bodyPr wrap="none" lIns="71437" tIns="71437" rIns="71437" bIns="71437" anchor="ctr">
+            <a:spAutoFit/>
+          </a:bodyPr>
+          <a:lstStyle>
+            <a:lvl1pPr>
+              <a:defRPr sz="13400">
+                <a:solidFill>
+                  <a:srgbClr val="DCDEE0"/>
+                </a:solidFill>
+                <a:latin typeface="Roboto Bold"/>
+                <a:ea typeface="Roboto Bold"/>
+                <a:cs typeface="Roboto Bold"/>
+                <a:sym typeface="Roboto Bold"/>
+              </a:defRPr>
+            </a:lvl1pPr>
+          </a:lstStyle>
+          <a:p>
+            <a:pPr/>
+            <a:r>
+              <a:t>团队</a:t>
+            </a:r>
+          </a:p>
+        </p:txBody>
+      </p:sp>
+      <p:sp>
+        <p:nvSpPr>
+          <p:cNvPr id="136" name="4位 - Google工程师…"/>
+          <p:cNvSpPr txBox="1"/>
+          <p:nvPr/>
+        </p:nvSpPr>
+        <p:spPr>
+          <a:xfrm>
+            <a:off x="8855655" y="-5945390"/>
+            <a:ext cx="9116102" cy="5426076"/>
+          </a:xfrm>
+          <a:prstGeom prst="rect">
+            <a:avLst/>
+          </a:prstGeom>
+          <a:ln w="12700">
+            <a:miter lim="400000"/>
+          </a:ln>
+          <a:extLst>
+            <a:ext uri="{C572A759-6A51-4108-AA02-DFA0A04FC94B}">
+              <ma14:wrappingTextBoxFlag xmlns:ma14="http://schemas.microsoft.com/office/mac/drawingml/2011/main" val="1"/>
+            </a:ext>
+          </a:extLst>
+        </p:spPr>
+        <p:txBody>
+          <a:bodyPr wrap="none" lIns="71437" tIns="71437" rIns="71437" bIns="71437" anchor="ctr">
+            <a:spAutoFit/>
+          </a:bodyPr>
+          <a:lstStyle/>
+          <a:p>
+            <a:pPr marL="228600" indent="-228600" algn="l">
+              <a:buSzPct val="100000"/>
+              <a:buChar char="•"/>
+              <a:defRPr sz="3700">
+                <a:solidFill>
+                  <a:srgbClr val="53585F"/>
+                </a:solidFill>
+                <a:latin typeface="Roboto Regular"/>
+                <a:ea typeface="Roboto Regular"/>
+                <a:cs typeface="Roboto Regular"/>
+                <a:sym typeface="Roboto Regular"/>
+              </a:defRPr>
+            </a:pPr>
+            <a:r>
+              <a:t>4位 - Google工程师</a:t>
+            </a:r>
+          </a:p>
+          <a:p>
+            <a:pPr marL="228600" indent="-228600" algn="l">
+              <a:buSzPct val="100000"/>
+              <a:buChar char="•"/>
+              <a:defRPr sz="3700">
+                <a:solidFill>
+                  <a:srgbClr val="53585F"/>
+                </a:solidFill>
+                <a:latin typeface="Roboto Regular"/>
+                <a:ea typeface="Roboto Regular"/>
+                <a:cs typeface="Roboto Regular"/>
+                <a:sym typeface="Roboto Regular"/>
+              </a:defRPr>
+            </a:pPr>
+            <a:r>
+              <a:t>3位 - 蚂蚁金服工程师</a:t>
+            </a:r>
+          </a:p>
+          <a:p>
+            <a:pPr marL="228600" indent="-228600" algn="l">
+              <a:buSzPct val="100000"/>
+              <a:buChar char="•"/>
+              <a:defRPr sz="3700">
+                <a:solidFill>
+                  <a:srgbClr val="53585F"/>
+                </a:solidFill>
+                <a:latin typeface="Roboto Regular"/>
+                <a:ea typeface="Roboto Regular"/>
+                <a:cs typeface="Roboto Regular"/>
+                <a:sym typeface="Roboto Regular"/>
+              </a:defRPr>
+            </a:pPr>
+            <a:r>
+              <a:t>2外 - 美团工程师</a:t>
+            </a:r>
+          </a:p>
+          <a:p>
+            <a:pPr marL="228600" indent="-228600" algn="l">
+              <a:buSzPct val="100000"/>
+              <a:buChar char="•"/>
+              <a:defRPr sz="3700">
+                <a:solidFill>
+                  <a:srgbClr val="53585F"/>
+                </a:solidFill>
+                <a:latin typeface="Roboto Regular"/>
+                <a:ea typeface="Roboto Regular"/>
+                <a:cs typeface="Roboto Regular"/>
+                <a:sym typeface="Roboto Regular"/>
+              </a:defRPr>
+            </a:pPr>
+            <a:r>
+              <a:t>2位 - 金融领域运营/风控</a:t>
+            </a:r>
+          </a:p>
+          <a:p>
+            <a:pPr marL="228600" indent="-228600" algn="l">
+              <a:buSzPct val="100000"/>
+              <a:buChar char="•"/>
+              <a:defRPr sz="3700">
+                <a:solidFill>
+                  <a:srgbClr val="53585F"/>
+                </a:solidFill>
+                <a:latin typeface="Roboto Regular"/>
+                <a:ea typeface="Roboto Regular"/>
+                <a:cs typeface="Roboto Regular"/>
+                <a:sym typeface="Roboto Regular"/>
+              </a:defRPr>
+            </a:pPr>
+            <a:r>
+              <a:t>3位 - 博士研究生</a:t>
+            </a:r>
+          </a:p>
+          <a:p>
+            <a:pPr marL="228600" indent="-228600" algn="l">
+              <a:buSzPct val="100000"/>
+              <a:buChar char="•"/>
+              <a:defRPr sz="3700">
+                <a:solidFill>
+                  <a:srgbClr val="53585F"/>
+                </a:solidFill>
+                <a:latin typeface="Roboto Regular"/>
+                <a:ea typeface="Roboto Regular"/>
+                <a:cs typeface="Roboto Regular"/>
+                <a:sym typeface="Roboto Regular"/>
+              </a:defRPr>
+            </a:pPr>
+            <a:r>
+              <a:t>6位 - 硕士研究生 </a:t>
+            </a:r>
+          </a:p>
+          <a:p>
+            <a:pPr marL="228600" indent="-228600" algn="l">
+              <a:buSzPct val="100000"/>
+              <a:buChar char="•"/>
+              <a:defRPr sz="3700">
+                <a:solidFill>
+                  <a:srgbClr val="53585F"/>
+                </a:solidFill>
+                <a:latin typeface="Roboto Regular"/>
+                <a:ea typeface="Roboto Regular"/>
+                <a:cs typeface="Roboto Regular"/>
+                <a:sym typeface="Roboto Regular"/>
+              </a:defRPr>
+            </a:pPr>
+            <a:r>
+              <a:t>4位 - 上市互联网公司总监级以上管理经验</a:t>
+            </a:r>
+          </a:p>
+          <a:p>
+            <a:pPr marL="228600" indent="-228600" algn="l">
+              <a:buSzPct val="100000"/>
+              <a:buChar char="•"/>
+              <a:defRPr sz="3700">
+                <a:solidFill>
+                  <a:srgbClr val="53585F"/>
+                </a:solidFill>
+                <a:latin typeface="Roboto Regular"/>
+                <a:ea typeface="Roboto Regular"/>
+                <a:cs typeface="Roboto Regular"/>
+                <a:sym typeface="Roboto Regular"/>
+              </a:defRPr>
+            </a:pPr>
+            <a:r>
+              <a:t>7位 - 虚拟资产交易所创业经验</a:t>
+            </a:r>
+          </a:p>
+        </p:txBody>
+      </p:sp>
+    </p:spTree>
+  </p:cSld>
+  <p:clrMapOvr>
+    <a:masterClrMapping/>
+  </p:clrMapOvr>
+  <mc:AlternateContent xmlns:mc="http://schemas.openxmlformats.org/markup-compatibility/2006">
+    <mc:Choice xmlns:p14="http://schemas.microsoft.com/office/powerpoint/2010/main" Requires="p14">
+      <p:transition spd="fast" advClick="1" p14:dur="750">
+        <p:dissolve/>
+      </p:transition>
+    </mc:Choice>
+    <mc:Fallback>
+      <p:transition spd="fast">
+        <p:fade/>
+      </p:transition>
+    </mc:Fallback>
+  </mc:AlternateContent>
+</p:sld>
+</file>
+
+<file path=ppt/slides/slide5.xml><?xml version="1.0" encoding="utf-8"?>
+<p:sld xmlns:a="http://schemas.openxmlformats.org/drawingml/2006/main" xmlns:r="http://schemas.openxmlformats.org/officeDocument/2006/relationships" xmlns:p="http://schemas.openxmlformats.org/presentationml/2006/main" showMasterSp="1" showMasterPhAnim="1">
+  <p:cSld>
+    <p:bg>
+      <p:bgPr>
+        <a:solidFill>
           <a:schemeClr val="accent1">
             <a:satOff val="-3355"/>
             <a:lumOff val="26614"/>
@@ -31263,7 +32744,7 @@
       </p:grpSpPr>
       <p:sp>
         <p:nvSpPr>
-          <p:cNvPr id="130" name="24-Hour Trade Volume…"/>
+          <p:cNvPr id="138" name="24-Hour Trade Volume…"/>
           <p:cNvSpPr txBox="1"/>
           <p:nvPr/>
         </p:nvSpPr>
@@ -31319,7 +32800,7 @@
       </p:sp>
       <p:sp>
         <p:nvSpPr>
-          <p:cNvPr id="131" name="$5B"/>
+          <p:cNvPr id="139" name="$5B"/>
           <p:cNvSpPr txBox="1"/>
           <p:nvPr/>
         </p:nvSpPr>
@@ -31364,7 +32845,7 @@
       </p:sp>
       <p:sp>
         <p:nvSpPr>
-          <p:cNvPr id="132" name="公有链代币总市值"/>
+          <p:cNvPr id="140" name="公有链代币总市值"/>
           <p:cNvSpPr txBox="1"/>
           <p:nvPr/>
         </p:nvSpPr>
@@ -31409,7 +32890,7 @@
       </p:sp>
       <p:sp>
         <p:nvSpPr>
-          <p:cNvPr id="133" name="1090亿美金"/>
+          <p:cNvPr id="141" name="1090亿美金"/>
           <p:cNvSpPr txBox="1"/>
           <p:nvPr/>
         </p:nvSpPr>
@@ -31454,7 +32935,7 @@
       </p:sp>
       <p:sp>
         <p:nvSpPr>
-          <p:cNvPr id="134" name="同比增长830%↑"/>
+          <p:cNvPr id="142" name="同比增长830%↑"/>
           <p:cNvSpPr txBox="1"/>
           <p:nvPr/>
         </p:nvSpPr>
@@ -31502,7 +32983,7 @@
       </p:sp>
       <p:pic>
         <p:nvPicPr>
-          <p:cNvPr id="135" name="屏幕快照 2017-06-25 18.07.47.jpg" descr="屏幕快照 2017-06-25 18.07.47.jpg"/>
+          <p:cNvPr id="143" name="屏幕快照 2017-06-25 18.07.47.jpg" descr="屏幕快照 2017-06-25 18.07.47.jpg"/>
           <p:cNvPicPr>
             <a:picLocks noChangeAspect="1"/>
           </p:cNvPicPr>
@@ -31539,452 +33020,6 @@
     <mc:Choice xmlns:p14="http://schemas.microsoft.com/office/powerpoint/2010/main" Requires="p14">
       <p:transition spd="fast" advClick="1" p14:dur="750">
         <p:push dir="u"/>
-      </p:transition>
-    </mc:Choice>
-    <mc:Fallback>
-      <p:transition spd="fast">
-        <p:fade/>
-      </p:transition>
-    </mc:Fallback>
-  </mc:AlternateContent>
-  <p:timing>
-    <p:tnLst>
-      <p:par>
-        <p:cTn id="1" nodeType="tmRoot" restart="never" dur="indefinite" fill="hold">
-          <p:childTnLst>
-            <p:seq concurrent="1" prevAc="none" nextAc="seek">
-              <p:cTn id="2" nodeType="mainSeq" dur="indefinite" fill="hold">
-                <p:childTnLst>
-                  <p:par>
-                    <p:cTn id="3" fill="hold">
-                      <p:stCondLst>
-                        <p:cond delay="indefinite"/>
-                      </p:stCondLst>
-                      <p:childTnLst>
-                        <p:par>
-                          <p:cTn id="4" fill="hold">
-                            <p:stCondLst>
-                              <p:cond delay="0"/>
-                            </p:stCondLst>
-                            <p:childTnLst>
-                              <p:par>
-                                <p:cTn id="5" presetClass="entr" nodeType="clickEffect" presetSubtype="16" presetID="23" grpId="1" fill="hold">
-                                  <p:stCondLst>
-                                    <p:cond delay="0"/>
-                                  </p:stCondLst>
-                                  <p:iterate type="el" backwards="0">
-                                    <p:tmAbs val="0"/>
-                                  </p:iterate>
-                                  <p:childTnLst>
-                                    <p:set>
-                                      <p:cBhvr>
-                                        <p:cTn id="6" fill="hold"/>
-                                        <p:tgtEl>
-                                          <p:spTgt spid="134"/>
-                                        </p:tgtEl>
-                                        <p:attrNameLst>
-                                          <p:attrName>style.visibility</p:attrName>
-                                        </p:attrNameLst>
-                                      </p:cBhvr>
-                                      <p:to>
-                                        <p:strVal val="visible"/>
-                                      </p:to>
-                                    </p:set>
-                                    <p:anim calcmode="lin" valueType="num">
-                                      <p:cBhvr>
-                                        <p:cTn id="7" dur="750" fill="hold"/>
-                                        <p:tgtEl>
-                                          <p:spTgt spid="134"/>
-                                        </p:tgtEl>
-                                        <p:attrNameLst>
-                                          <p:attrName>ppt_w</p:attrName>
-                                        </p:attrNameLst>
-                                      </p:cBhvr>
-                                      <p:tavLst>
-                                        <p:tav tm="0">
-                                          <p:val>
-                                            <p:fltVal val="0"/>
-                                          </p:val>
-                                        </p:tav>
-                                        <p:tav tm="100000">
-                                          <p:val>
-                                            <p:strVal val="#ppt_w"/>
-                                          </p:val>
-                                        </p:tav>
-                                      </p:tavLst>
-                                    </p:anim>
-                                    <p:anim calcmode="lin" valueType="num">
-                                      <p:cBhvr>
-                                        <p:cTn id="8" dur="750" fill="hold"/>
-                                        <p:tgtEl>
-                                          <p:spTgt spid="134"/>
-                                        </p:tgtEl>
-                                        <p:attrNameLst>
-                                          <p:attrName>ppt_h</p:attrName>
-                                        </p:attrNameLst>
-                                      </p:cBhvr>
-                                      <p:tavLst>
-                                        <p:tav tm="0">
-                                          <p:val>
-                                            <p:fltVal val="0"/>
-                                          </p:val>
-                                        </p:tav>
-                                        <p:tav tm="100000">
-                                          <p:val>
-                                            <p:strVal val="#ppt_h"/>
-                                          </p:val>
-                                        </p:tav>
-                                      </p:tavLst>
-                                    </p:anim>
-                                  </p:childTnLst>
-                                </p:cTn>
-                              </p:par>
-                            </p:childTnLst>
-                          </p:cTn>
-                        </p:par>
-                      </p:childTnLst>
-                    </p:cTn>
-                  </p:par>
-                </p:childTnLst>
-              </p:cTn>
-              <p:prevCondLst>
-                <p:cond evt="onPrev">
-                  <p:tgtEl>
-                    <p:sldTgt/>
-                  </p:tgtEl>
-                </p:cond>
-              </p:prevCondLst>
-              <p:nextCondLst>
-                <p:cond evt="onNext">
-                  <p:tgtEl>
-                    <p:sldTgt/>
-                  </p:tgtEl>
-                </p:cond>
-              </p:nextCondLst>
-            </p:seq>
-          </p:childTnLst>
-        </p:cTn>
-      </p:par>
-    </p:tnLst>
-    <p:bldLst>
-      <p:bldP build="whole" bldLvl="1" animBg="1" rev="0" advAuto="0" spid="134" grpId="1"/>
-    </p:bldLst>
-  </p:timing>
-</p:sld>
-</file>
-
-<file path=ppt/slides/slide5.xml><?xml version="1.0" encoding="utf-8"?>
-<p:sld xmlns:a="http://schemas.openxmlformats.org/drawingml/2006/main" xmlns:r="http://schemas.openxmlformats.org/officeDocument/2006/relationships" xmlns:p="http://schemas.openxmlformats.org/presentationml/2006/main" showMasterSp="1" showMasterPhAnim="1">
-  <p:cSld>
-    <p:bg>
-      <p:bgPr>
-        <a:solidFill>
-          <a:schemeClr val="accent1">
-            <a:satOff val="-3355"/>
-            <a:lumOff val="26614"/>
-          </a:schemeClr>
-        </a:solidFill>
-      </p:bgPr>
-    </p:bg>
-    <p:spTree>
-      <p:nvGrpSpPr>
-        <p:cNvPr id="1" name=""/>
-        <p:cNvGrpSpPr/>
-        <p:nvPr/>
-      </p:nvGrpSpPr>
-      <p:grpSpPr>
-        <a:xfrm>
-          <a:off x="0" y="0"/>
-          <a:ext cx="0" cy="0"/>
-          <a:chOff x="0" y="0"/>
-          <a:chExt cx="0" cy="0"/>
-        </a:xfrm>
-      </p:grpSpPr>
-      <p:sp>
-        <p:nvSpPr>
-          <p:cNvPr id="137" name="公有链代币总市值"/>
-          <p:cNvSpPr txBox="1"/>
-          <p:nvPr/>
-        </p:nvSpPr>
-        <p:spPr>
-          <a:xfrm>
-            <a:off x="3096913" y="8048981"/>
-            <a:ext cx="4727576" cy="942976"/>
-          </a:xfrm>
-          <a:prstGeom prst="rect">
-            <a:avLst/>
-          </a:prstGeom>
-          <a:ln w="12700">
-            <a:miter lim="400000"/>
-          </a:ln>
-          <a:extLst>
-            <a:ext uri="{C572A759-6A51-4108-AA02-DFA0A04FC94B}">
-              <ma14:wrappingTextBoxFlag xmlns:ma14="http://schemas.microsoft.com/office/mac/drawingml/2011/main" val="1"/>
-            </a:ext>
-          </a:extLst>
-        </p:spPr>
-        <p:txBody>
-          <a:bodyPr wrap="none" lIns="71437" tIns="71437" rIns="71437" bIns="71437" anchor="ctr">
-            <a:spAutoFit/>
-          </a:bodyPr>
-          <a:lstStyle>
-            <a:lvl1pPr>
-              <a:defRPr sz="4500">
-                <a:latin typeface="Roboto Regular"/>
-                <a:ea typeface="Roboto Regular"/>
-                <a:cs typeface="Roboto Regular"/>
-                <a:sym typeface="Roboto Regular"/>
-              </a:defRPr>
-            </a:lvl1pPr>
-          </a:lstStyle>
-          <a:p>
-            <a:pPr/>
-            <a:r>
-              <a:t>公有链代币总市值</a:t>
-            </a:r>
-          </a:p>
-        </p:txBody>
-      </p:sp>
-      <p:sp>
-        <p:nvSpPr>
-          <p:cNvPr id="138" name="1090亿美金"/>
-          <p:cNvSpPr txBox="1"/>
-          <p:nvPr/>
-        </p:nvSpPr>
-        <p:spPr>
-          <a:xfrm>
-            <a:off x="749296" y="5443687"/>
-            <a:ext cx="9166474" cy="2530476"/>
-          </a:xfrm>
-          <a:prstGeom prst="rect">
-            <a:avLst/>
-          </a:prstGeom>
-          <a:ln w="12700">
-            <a:miter lim="400000"/>
-          </a:ln>
-          <a:extLst>
-            <a:ext uri="{C572A759-6A51-4108-AA02-DFA0A04FC94B}">
-              <ma14:wrappingTextBoxFlag xmlns:ma14="http://schemas.microsoft.com/office/mac/drawingml/2011/main" val="1"/>
-            </a:ext>
-          </a:extLst>
-        </p:spPr>
-        <p:txBody>
-          <a:bodyPr wrap="none" lIns="71437" tIns="71437" rIns="71437" bIns="71437" anchor="ctr">
-            <a:spAutoFit/>
-          </a:bodyPr>
-          <a:lstStyle>
-            <a:lvl1pPr>
-              <a:defRPr sz="13400">
-                <a:latin typeface="Roboto Bold"/>
-                <a:ea typeface="Roboto Bold"/>
-                <a:cs typeface="Roboto Bold"/>
-                <a:sym typeface="Roboto Bold"/>
-              </a:defRPr>
-            </a:lvl1pPr>
-          </a:lstStyle>
-          <a:p>
-            <a:pPr/>
-            <a:r>
-              <a:t>1090亿美金</a:t>
-            </a:r>
-          </a:p>
-        </p:txBody>
-      </p:sp>
-      <p:sp>
-        <p:nvSpPr>
-          <p:cNvPr id="139" name="同比增长830%↑"/>
-          <p:cNvSpPr txBox="1"/>
-          <p:nvPr/>
-        </p:nvSpPr>
-        <p:spPr>
-          <a:xfrm>
-            <a:off x="7897558" y="4724043"/>
-            <a:ext cx="4193748" cy="942976"/>
-          </a:xfrm>
-          <a:prstGeom prst="rect">
-            <a:avLst/>
-          </a:prstGeom>
-          <a:ln w="12700">
-            <a:miter lim="400000"/>
-          </a:ln>
-          <a:extLst>
-            <a:ext uri="{C572A759-6A51-4108-AA02-DFA0A04FC94B}">
-              <ma14:wrappingTextBoxFlag xmlns:ma14="http://schemas.microsoft.com/office/mac/drawingml/2011/main" val="1"/>
-            </a:ext>
-          </a:extLst>
-        </p:spPr>
-        <p:txBody>
-          <a:bodyPr wrap="none" lIns="71437" tIns="71437" rIns="71437" bIns="71437" anchor="ctr">
-            <a:spAutoFit/>
-          </a:bodyPr>
-          <a:lstStyle>
-            <a:lvl1pPr>
-              <a:defRPr sz="4500">
-                <a:solidFill>
-                  <a:srgbClr val="FFFFFF"/>
-                </a:solidFill>
-                <a:latin typeface="Roboto Regular"/>
-                <a:ea typeface="Roboto Regular"/>
-                <a:cs typeface="Roboto Regular"/>
-                <a:sym typeface="Roboto Regular"/>
-              </a:defRPr>
-            </a:lvl1pPr>
-          </a:lstStyle>
-          <a:p>
-            <a:pPr/>
-            <a:r>
-              <a:t>同比增长830%↑</a:t>
-            </a:r>
-          </a:p>
-        </p:txBody>
-      </p:sp>
-      <p:sp>
-        <p:nvSpPr>
-          <p:cNvPr id="140" name="24小时全球交易额"/>
-          <p:cNvSpPr txBox="1"/>
-          <p:nvPr/>
-        </p:nvSpPr>
-        <p:spPr>
-          <a:xfrm>
-            <a:off x="14443439" y="8048981"/>
-            <a:ext cx="4799571" cy="942976"/>
-          </a:xfrm>
-          <a:prstGeom prst="rect">
-            <a:avLst/>
-          </a:prstGeom>
-          <a:ln w="12700">
-            <a:miter lim="400000"/>
-          </a:ln>
-          <a:extLst>
-            <a:ext uri="{C572A759-6A51-4108-AA02-DFA0A04FC94B}">
-              <ma14:wrappingTextBoxFlag xmlns:ma14="http://schemas.microsoft.com/office/mac/drawingml/2011/main" val="1"/>
-            </a:ext>
-          </a:extLst>
-        </p:spPr>
-        <p:txBody>
-          <a:bodyPr wrap="none" lIns="71437" tIns="71437" rIns="71437" bIns="71437" anchor="ctr">
-            <a:spAutoFit/>
-          </a:bodyPr>
-          <a:lstStyle>
-            <a:lvl1pPr>
-              <a:defRPr sz="4500">
-                <a:latin typeface="Roboto Regular"/>
-                <a:ea typeface="Roboto Regular"/>
-                <a:cs typeface="Roboto Regular"/>
-                <a:sym typeface="Roboto Regular"/>
-              </a:defRPr>
-            </a:lvl1pPr>
-          </a:lstStyle>
-          <a:p>
-            <a:pPr/>
-            <a:r>
-              <a:t>24小时全球交易额</a:t>
-            </a:r>
-          </a:p>
-        </p:txBody>
-      </p:sp>
-      <p:sp>
-        <p:nvSpPr>
-          <p:cNvPr id="141" name="50亿美金"/>
-          <p:cNvSpPr txBox="1"/>
-          <p:nvPr/>
-        </p:nvSpPr>
-        <p:spPr>
-          <a:xfrm>
-            <a:off x="13108193" y="5443687"/>
-            <a:ext cx="7213725" cy="2530476"/>
-          </a:xfrm>
-          <a:prstGeom prst="rect">
-            <a:avLst/>
-          </a:prstGeom>
-          <a:ln w="12700">
-            <a:miter lim="400000"/>
-          </a:ln>
-          <a:extLst>
-            <a:ext uri="{C572A759-6A51-4108-AA02-DFA0A04FC94B}">
-              <ma14:wrappingTextBoxFlag xmlns:ma14="http://schemas.microsoft.com/office/mac/drawingml/2011/main" val="1"/>
-            </a:ext>
-          </a:extLst>
-        </p:spPr>
-        <p:txBody>
-          <a:bodyPr wrap="none" lIns="71437" tIns="71437" rIns="71437" bIns="71437" anchor="ctr">
-            <a:spAutoFit/>
-          </a:bodyPr>
-          <a:lstStyle>
-            <a:lvl1pPr>
-              <a:defRPr sz="13400">
-                <a:latin typeface="Roboto Bold"/>
-                <a:ea typeface="Roboto Bold"/>
-                <a:cs typeface="Roboto Bold"/>
-                <a:sym typeface="Roboto Bold"/>
-              </a:defRPr>
-            </a:lvl1pPr>
-          </a:lstStyle>
-          <a:p>
-            <a:pPr/>
-            <a:r>
-              <a:t>50亿美金</a:t>
-            </a:r>
-          </a:p>
-        </p:txBody>
-      </p:sp>
-      <p:sp>
-        <p:nvSpPr>
-          <p:cNvPr id="142" name="同比增长1250%↑"/>
-          <p:cNvSpPr txBox="1"/>
-          <p:nvPr/>
-        </p:nvSpPr>
-        <p:spPr>
-          <a:xfrm>
-            <a:off x="19119208" y="4724043"/>
-            <a:ext cx="4515496" cy="942976"/>
-          </a:xfrm>
-          <a:prstGeom prst="rect">
-            <a:avLst/>
-          </a:prstGeom>
-          <a:ln w="12700">
-            <a:miter lim="400000"/>
-          </a:ln>
-          <a:extLst>
-            <a:ext uri="{C572A759-6A51-4108-AA02-DFA0A04FC94B}">
-              <ma14:wrappingTextBoxFlag xmlns:ma14="http://schemas.microsoft.com/office/mac/drawingml/2011/main" val="1"/>
-            </a:ext>
-          </a:extLst>
-        </p:spPr>
-        <p:txBody>
-          <a:bodyPr wrap="none" lIns="71437" tIns="71437" rIns="71437" bIns="71437" anchor="ctr">
-            <a:spAutoFit/>
-          </a:bodyPr>
-          <a:lstStyle>
-            <a:lvl1pPr>
-              <a:defRPr sz="4500">
-                <a:solidFill>
-                  <a:srgbClr val="FFFFFF"/>
-                </a:solidFill>
-                <a:latin typeface="Roboto Regular"/>
-                <a:ea typeface="Roboto Regular"/>
-                <a:cs typeface="Roboto Regular"/>
-                <a:sym typeface="Roboto Regular"/>
-              </a:defRPr>
-            </a:lvl1pPr>
-          </a:lstStyle>
-          <a:p>
-            <a:pPr/>
-            <a:r>
-              <a:t>同比增长1250%↑</a:t>
-            </a:r>
-          </a:p>
-        </p:txBody>
-      </p:sp>
-    </p:spTree>
-  </p:cSld>
-  <p:clrMapOvr>
-    <a:masterClrMapping/>
-  </p:clrMapOvr>
-  <mc:AlternateContent xmlns:mc="http://schemas.openxmlformats.org/markup-compatibility/2006">
-    <mc:Choice xmlns:p14="http://schemas.microsoft.com/office/powerpoint/2010/main" Requires="p14">
-      <p:transition spd="fast" advClick="1" p14:dur="750">
-        <p:dissolve/>
       </p:transition>
     </mc:Choice>
     <mc:Fallback>
@@ -32148,7 +33183,453 @@
       </p:grpSpPr>
       <p:sp>
         <p:nvSpPr>
-          <p:cNvPr id="144" name="Cryptocurrency Market Cap…"/>
+          <p:cNvPr id="145" name="公有链代币总市值"/>
+          <p:cNvSpPr txBox="1"/>
+          <p:nvPr/>
+        </p:nvSpPr>
+        <p:spPr>
+          <a:xfrm>
+            <a:off x="3096913" y="8048981"/>
+            <a:ext cx="4727576" cy="942976"/>
+          </a:xfrm>
+          <a:prstGeom prst="rect">
+            <a:avLst/>
+          </a:prstGeom>
+          <a:ln w="12700">
+            <a:miter lim="400000"/>
+          </a:ln>
+          <a:extLst>
+            <a:ext uri="{C572A759-6A51-4108-AA02-DFA0A04FC94B}">
+              <ma14:wrappingTextBoxFlag xmlns:ma14="http://schemas.microsoft.com/office/mac/drawingml/2011/main" val="1"/>
+            </a:ext>
+          </a:extLst>
+        </p:spPr>
+        <p:txBody>
+          <a:bodyPr wrap="none" lIns="71437" tIns="71437" rIns="71437" bIns="71437" anchor="ctr">
+            <a:spAutoFit/>
+          </a:bodyPr>
+          <a:lstStyle>
+            <a:lvl1pPr>
+              <a:defRPr sz="4500">
+                <a:latin typeface="Roboto Regular"/>
+                <a:ea typeface="Roboto Regular"/>
+                <a:cs typeface="Roboto Regular"/>
+                <a:sym typeface="Roboto Regular"/>
+              </a:defRPr>
+            </a:lvl1pPr>
+          </a:lstStyle>
+          <a:p>
+            <a:pPr/>
+            <a:r>
+              <a:t>公有链代币总市值</a:t>
+            </a:r>
+          </a:p>
+        </p:txBody>
+      </p:sp>
+      <p:sp>
+        <p:nvSpPr>
+          <p:cNvPr id="146" name="1090亿美金"/>
+          <p:cNvSpPr txBox="1"/>
+          <p:nvPr/>
+        </p:nvSpPr>
+        <p:spPr>
+          <a:xfrm>
+            <a:off x="749296" y="5443687"/>
+            <a:ext cx="9166474" cy="2530476"/>
+          </a:xfrm>
+          <a:prstGeom prst="rect">
+            <a:avLst/>
+          </a:prstGeom>
+          <a:ln w="12700">
+            <a:miter lim="400000"/>
+          </a:ln>
+          <a:extLst>
+            <a:ext uri="{C572A759-6A51-4108-AA02-DFA0A04FC94B}">
+              <ma14:wrappingTextBoxFlag xmlns:ma14="http://schemas.microsoft.com/office/mac/drawingml/2011/main" val="1"/>
+            </a:ext>
+          </a:extLst>
+        </p:spPr>
+        <p:txBody>
+          <a:bodyPr wrap="none" lIns="71437" tIns="71437" rIns="71437" bIns="71437" anchor="ctr">
+            <a:spAutoFit/>
+          </a:bodyPr>
+          <a:lstStyle>
+            <a:lvl1pPr>
+              <a:defRPr sz="13400">
+                <a:latin typeface="Roboto Bold"/>
+                <a:ea typeface="Roboto Bold"/>
+                <a:cs typeface="Roboto Bold"/>
+                <a:sym typeface="Roboto Bold"/>
+              </a:defRPr>
+            </a:lvl1pPr>
+          </a:lstStyle>
+          <a:p>
+            <a:pPr/>
+            <a:r>
+              <a:t>1090亿美金</a:t>
+            </a:r>
+          </a:p>
+        </p:txBody>
+      </p:sp>
+      <p:sp>
+        <p:nvSpPr>
+          <p:cNvPr id="147" name="同比增长830%↑"/>
+          <p:cNvSpPr txBox="1"/>
+          <p:nvPr/>
+        </p:nvSpPr>
+        <p:spPr>
+          <a:xfrm>
+            <a:off x="7897558" y="4724043"/>
+            <a:ext cx="4193748" cy="942976"/>
+          </a:xfrm>
+          <a:prstGeom prst="rect">
+            <a:avLst/>
+          </a:prstGeom>
+          <a:ln w="12700">
+            <a:miter lim="400000"/>
+          </a:ln>
+          <a:extLst>
+            <a:ext uri="{C572A759-6A51-4108-AA02-DFA0A04FC94B}">
+              <ma14:wrappingTextBoxFlag xmlns:ma14="http://schemas.microsoft.com/office/mac/drawingml/2011/main" val="1"/>
+            </a:ext>
+          </a:extLst>
+        </p:spPr>
+        <p:txBody>
+          <a:bodyPr wrap="none" lIns="71437" tIns="71437" rIns="71437" bIns="71437" anchor="ctr">
+            <a:spAutoFit/>
+          </a:bodyPr>
+          <a:lstStyle>
+            <a:lvl1pPr>
+              <a:defRPr sz="4500">
+                <a:solidFill>
+                  <a:srgbClr val="FFFFFF"/>
+                </a:solidFill>
+                <a:latin typeface="Roboto Regular"/>
+                <a:ea typeface="Roboto Regular"/>
+                <a:cs typeface="Roboto Regular"/>
+                <a:sym typeface="Roboto Regular"/>
+              </a:defRPr>
+            </a:lvl1pPr>
+          </a:lstStyle>
+          <a:p>
+            <a:pPr/>
+            <a:r>
+              <a:t>同比增长830%↑</a:t>
+            </a:r>
+          </a:p>
+        </p:txBody>
+      </p:sp>
+      <p:sp>
+        <p:nvSpPr>
+          <p:cNvPr id="148" name="24小时全球交易额"/>
+          <p:cNvSpPr txBox="1"/>
+          <p:nvPr/>
+        </p:nvSpPr>
+        <p:spPr>
+          <a:xfrm>
+            <a:off x="14443439" y="8048981"/>
+            <a:ext cx="4799571" cy="942976"/>
+          </a:xfrm>
+          <a:prstGeom prst="rect">
+            <a:avLst/>
+          </a:prstGeom>
+          <a:ln w="12700">
+            <a:miter lim="400000"/>
+          </a:ln>
+          <a:extLst>
+            <a:ext uri="{C572A759-6A51-4108-AA02-DFA0A04FC94B}">
+              <ma14:wrappingTextBoxFlag xmlns:ma14="http://schemas.microsoft.com/office/mac/drawingml/2011/main" val="1"/>
+            </a:ext>
+          </a:extLst>
+        </p:spPr>
+        <p:txBody>
+          <a:bodyPr wrap="none" lIns="71437" tIns="71437" rIns="71437" bIns="71437" anchor="ctr">
+            <a:spAutoFit/>
+          </a:bodyPr>
+          <a:lstStyle>
+            <a:lvl1pPr>
+              <a:defRPr sz="4500">
+                <a:latin typeface="Roboto Regular"/>
+                <a:ea typeface="Roboto Regular"/>
+                <a:cs typeface="Roboto Regular"/>
+                <a:sym typeface="Roboto Regular"/>
+              </a:defRPr>
+            </a:lvl1pPr>
+          </a:lstStyle>
+          <a:p>
+            <a:pPr/>
+            <a:r>
+              <a:t>24小时全球交易额</a:t>
+            </a:r>
+          </a:p>
+        </p:txBody>
+      </p:sp>
+      <p:sp>
+        <p:nvSpPr>
+          <p:cNvPr id="149" name="50亿美金"/>
+          <p:cNvSpPr txBox="1"/>
+          <p:nvPr/>
+        </p:nvSpPr>
+        <p:spPr>
+          <a:xfrm>
+            <a:off x="13108193" y="5443687"/>
+            <a:ext cx="7213725" cy="2530476"/>
+          </a:xfrm>
+          <a:prstGeom prst="rect">
+            <a:avLst/>
+          </a:prstGeom>
+          <a:ln w="12700">
+            <a:miter lim="400000"/>
+          </a:ln>
+          <a:extLst>
+            <a:ext uri="{C572A759-6A51-4108-AA02-DFA0A04FC94B}">
+              <ma14:wrappingTextBoxFlag xmlns:ma14="http://schemas.microsoft.com/office/mac/drawingml/2011/main" val="1"/>
+            </a:ext>
+          </a:extLst>
+        </p:spPr>
+        <p:txBody>
+          <a:bodyPr wrap="none" lIns="71437" tIns="71437" rIns="71437" bIns="71437" anchor="ctr">
+            <a:spAutoFit/>
+          </a:bodyPr>
+          <a:lstStyle>
+            <a:lvl1pPr>
+              <a:defRPr sz="13400">
+                <a:latin typeface="Roboto Bold"/>
+                <a:ea typeface="Roboto Bold"/>
+                <a:cs typeface="Roboto Bold"/>
+                <a:sym typeface="Roboto Bold"/>
+              </a:defRPr>
+            </a:lvl1pPr>
+          </a:lstStyle>
+          <a:p>
+            <a:pPr/>
+            <a:r>
+              <a:t>50亿美金</a:t>
+            </a:r>
+          </a:p>
+        </p:txBody>
+      </p:sp>
+      <p:sp>
+        <p:nvSpPr>
+          <p:cNvPr id="150" name="同比增长1250%↑"/>
+          <p:cNvSpPr txBox="1"/>
+          <p:nvPr/>
+        </p:nvSpPr>
+        <p:spPr>
+          <a:xfrm>
+            <a:off x="19119208" y="4724043"/>
+            <a:ext cx="4515496" cy="942976"/>
+          </a:xfrm>
+          <a:prstGeom prst="rect">
+            <a:avLst/>
+          </a:prstGeom>
+          <a:ln w="12700">
+            <a:miter lim="400000"/>
+          </a:ln>
+          <a:extLst>
+            <a:ext uri="{C572A759-6A51-4108-AA02-DFA0A04FC94B}">
+              <ma14:wrappingTextBoxFlag xmlns:ma14="http://schemas.microsoft.com/office/mac/drawingml/2011/main" val="1"/>
+            </a:ext>
+          </a:extLst>
+        </p:spPr>
+        <p:txBody>
+          <a:bodyPr wrap="none" lIns="71437" tIns="71437" rIns="71437" bIns="71437" anchor="ctr">
+            <a:spAutoFit/>
+          </a:bodyPr>
+          <a:lstStyle>
+            <a:lvl1pPr>
+              <a:defRPr sz="4500">
+                <a:solidFill>
+                  <a:srgbClr val="FFFFFF"/>
+                </a:solidFill>
+                <a:latin typeface="Roboto Regular"/>
+                <a:ea typeface="Roboto Regular"/>
+                <a:cs typeface="Roboto Regular"/>
+                <a:sym typeface="Roboto Regular"/>
+              </a:defRPr>
+            </a:lvl1pPr>
+          </a:lstStyle>
+          <a:p>
+            <a:pPr/>
+            <a:r>
+              <a:t>同比增长1250%↑</a:t>
+            </a:r>
+          </a:p>
+        </p:txBody>
+      </p:sp>
+    </p:spTree>
+  </p:cSld>
+  <p:clrMapOvr>
+    <a:masterClrMapping/>
+  </p:clrMapOvr>
+  <mc:AlternateContent xmlns:mc="http://schemas.openxmlformats.org/markup-compatibility/2006">
+    <mc:Choice xmlns:p14="http://schemas.microsoft.com/office/powerpoint/2010/main" Requires="p14">
+      <p:transition spd="fast" advClick="1" p14:dur="750">
+        <p:dissolve/>
+      </p:transition>
+    </mc:Choice>
+    <mc:Fallback>
+      <p:transition spd="fast">
+        <p:fade/>
+      </p:transition>
+    </mc:Fallback>
+  </mc:AlternateContent>
+  <p:timing>
+    <p:tnLst>
+      <p:par>
+        <p:cTn id="1" nodeType="tmRoot" restart="never" dur="indefinite" fill="hold">
+          <p:childTnLst>
+            <p:seq concurrent="1" prevAc="none" nextAc="seek">
+              <p:cTn id="2" nodeType="mainSeq" dur="indefinite" fill="hold">
+                <p:childTnLst>
+                  <p:par>
+                    <p:cTn id="3" fill="hold">
+                      <p:stCondLst>
+                        <p:cond delay="indefinite"/>
+                      </p:stCondLst>
+                      <p:childTnLst>
+                        <p:par>
+                          <p:cTn id="4" fill="hold">
+                            <p:stCondLst>
+                              <p:cond delay="0"/>
+                            </p:stCondLst>
+                            <p:childTnLst>
+                              <p:par>
+                                <p:cTn id="5" presetClass="entr" nodeType="clickEffect" presetSubtype="16" presetID="23" grpId="1" fill="hold">
+                                  <p:stCondLst>
+                                    <p:cond delay="0"/>
+                                  </p:stCondLst>
+                                  <p:iterate type="el" backwards="0">
+                                    <p:tmAbs val="0"/>
+                                  </p:iterate>
+                                  <p:childTnLst>
+                                    <p:set>
+                                      <p:cBhvr>
+                                        <p:cTn id="6" fill="hold"/>
+                                        <p:tgtEl>
+                                          <p:spTgt spid="150"/>
+                                        </p:tgtEl>
+                                        <p:attrNameLst>
+                                          <p:attrName>style.visibility</p:attrName>
+                                        </p:attrNameLst>
+                                      </p:cBhvr>
+                                      <p:to>
+                                        <p:strVal val="visible"/>
+                                      </p:to>
+                                    </p:set>
+                                    <p:anim calcmode="lin" valueType="num">
+                                      <p:cBhvr>
+                                        <p:cTn id="7" dur="750" fill="hold"/>
+                                        <p:tgtEl>
+                                          <p:spTgt spid="150"/>
+                                        </p:tgtEl>
+                                        <p:attrNameLst>
+                                          <p:attrName>ppt_w</p:attrName>
+                                        </p:attrNameLst>
+                                      </p:cBhvr>
+                                      <p:tavLst>
+                                        <p:tav tm="0">
+                                          <p:val>
+                                            <p:fltVal val="0"/>
+                                          </p:val>
+                                        </p:tav>
+                                        <p:tav tm="100000">
+                                          <p:val>
+                                            <p:strVal val="#ppt_w"/>
+                                          </p:val>
+                                        </p:tav>
+                                      </p:tavLst>
+                                    </p:anim>
+                                    <p:anim calcmode="lin" valueType="num">
+                                      <p:cBhvr>
+                                        <p:cTn id="8" dur="750" fill="hold"/>
+                                        <p:tgtEl>
+                                          <p:spTgt spid="150"/>
+                                        </p:tgtEl>
+                                        <p:attrNameLst>
+                                          <p:attrName>ppt_h</p:attrName>
+                                        </p:attrNameLst>
+                                      </p:cBhvr>
+                                      <p:tavLst>
+                                        <p:tav tm="0">
+                                          <p:val>
+                                            <p:fltVal val="0"/>
+                                          </p:val>
+                                        </p:tav>
+                                        <p:tav tm="100000">
+                                          <p:val>
+                                            <p:strVal val="#ppt_h"/>
+                                          </p:val>
+                                        </p:tav>
+                                      </p:tavLst>
+                                    </p:anim>
+                                  </p:childTnLst>
+                                </p:cTn>
+                              </p:par>
+                            </p:childTnLst>
+                          </p:cTn>
+                        </p:par>
+                      </p:childTnLst>
+                    </p:cTn>
+                  </p:par>
+                </p:childTnLst>
+              </p:cTn>
+              <p:prevCondLst>
+                <p:cond evt="onPrev">
+                  <p:tgtEl>
+                    <p:sldTgt/>
+                  </p:tgtEl>
+                </p:cond>
+              </p:prevCondLst>
+              <p:nextCondLst>
+                <p:cond evt="onNext">
+                  <p:tgtEl>
+                    <p:sldTgt/>
+                  </p:tgtEl>
+                </p:cond>
+              </p:nextCondLst>
+            </p:seq>
+          </p:childTnLst>
+        </p:cTn>
+      </p:par>
+    </p:tnLst>
+    <p:bldLst>
+      <p:bldP build="whole" bldLvl="1" animBg="1" rev="0" advAuto="0" spid="150" grpId="1"/>
+    </p:bldLst>
+  </p:timing>
+</p:sld>
+</file>
+
+<file path=ppt/slides/slide7.xml><?xml version="1.0" encoding="utf-8"?>
+<p:sld xmlns:a="http://schemas.openxmlformats.org/drawingml/2006/main" xmlns:r="http://schemas.openxmlformats.org/officeDocument/2006/relationships" xmlns:p="http://schemas.openxmlformats.org/presentationml/2006/main" showMasterSp="1" showMasterPhAnim="1">
+  <p:cSld>
+    <p:bg>
+      <p:bgPr>
+        <a:solidFill>
+          <a:schemeClr val="accent1">
+            <a:satOff val="-3355"/>
+            <a:lumOff val="26614"/>
+          </a:schemeClr>
+        </a:solidFill>
+      </p:bgPr>
+    </p:bg>
+    <p:spTree>
+      <p:nvGrpSpPr>
+        <p:cNvPr id="1" name=""/>
+        <p:cNvGrpSpPr/>
+        <p:nvPr/>
+      </p:nvGrpSpPr>
+      <p:grpSpPr>
+        <a:xfrm>
+          <a:off x="0" y="0"/>
+          <a:ext cx="0" cy="0"/>
+          <a:chOff x="0" y="0"/>
+          <a:chExt cx="0" cy="0"/>
+        </a:xfrm>
+      </p:grpSpPr>
+      <p:sp>
+        <p:nvSpPr>
+          <p:cNvPr id="152" name="Cryptocurrency Market Cap…"/>
           <p:cNvSpPr txBox="1"/>
           <p:nvPr/>
         </p:nvSpPr>
@@ -32204,7 +33685,7 @@
       </p:sp>
       <p:sp>
         <p:nvSpPr>
-          <p:cNvPr id="145" name="$109B"/>
+          <p:cNvPr id="153" name="$109B"/>
           <p:cNvSpPr txBox="1"/>
           <p:nvPr/>
         </p:nvSpPr>
@@ -32249,7 +33730,7 @@
       </p:sp>
       <p:sp>
         <p:nvSpPr>
-          <p:cNvPr id="146" name="Poloniex…"/>
+          <p:cNvPr id="154" name="Poloniex…"/>
           <p:cNvSpPr txBox="1"/>
           <p:nvPr/>
         </p:nvSpPr>
@@ -32549,7 +34030,7 @@
       </p:sp>
       <p:sp>
         <p:nvSpPr>
-          <p:cNvPr id="147" name="中心化交易所"/>
+          <p:cNvPr id="155" name="中心化交易所"/>
           <p:cNvSpPr txBox="1"/>
           <p:nvPr/>
         </p:nvSpPr>
@@ -32589,7 +34070,7 @@
       </p:sp>
       <p:sp>
         <p:nvSpPr>
-          <p:cNvPr id="148" name="问题#1: 用户资产需要托管…"/>
+          <p:cNvPr id="156" name="问题#1: 用户资产需要托管…"/>
           <p:cNvSpPr/>
           <p:nvPr/>
         </p:nvSpPr>
@@ -32652,7 +34133,7 @@
       </p:sp>
       <p:sp>
         <p:nvSpPr>
-          <p:cNvPr id="149" name="24小时全球交易额"/>
+          <p:cNvPr id="157" name="24小时全球交易额"/>
           <p:cNvSpPr txBox="1"/>
           <p:nvPr/>
         </p:nvSpPr>
@@ -32697,7 +34178,7 @@
       </p:sp>
       <p:sp>
         <p:nvSpPr>
-          <p:cNvPr id="150" name="50亿美金"/>
+          <p:cNvPr id="158" name="50亿美金"/>
           <p:cNvSpPr txBox="1"/>
           <p:nvPr/>
         </p:nvSpPr>
@@ -32742,7 +34223,7 @@
       </p:sp>
       <p:sp>
         <p:nvSpPr>
-          <p:cNvPr id="151" name="同比增长1250%↑"/>
+          <p:cNvPr id="159" name="同比增长1250%↑"/>
           <p:cNvSpPr txBox="1"/>
           <p:nvPr/>
         </p:nvSpPr>
@@ -32838,7 +34319,7 @@
                                       <p:cBhvr>
                                         <p:cTn id="6" fill="hold"/>
                                         <p:tgtEl>
-                                          <p:spTgt spid="147"/>
+                                          <p:spTgt spid="155"/>
                                         </p:tgtEl>
                                         <p:attrNameLst>
                                           <p:attrName>style.visibility</p:attrName>
@@ -32852,7 +34333,7 @@
                                       <p:cBhvr>
                                         <p:cTn id="7" dur="1000"/>
                                         <p:tgtEl>
-                                          <p:spTgt spid="147"/>
+                                          <p:spTgt spid="155"/>
                                         </p:tgtEl>
                                       </p:cBhvr>
                                     </p:animEffect>
@@ -32887,13 +34368,13 @@
       </p:par>
     </p:tnLst>
     <p:bldLst>
-      <p:bldP build="whole" bldLvl="1" animBg="1" rev="0" advAuto="0" spid="147" grpId="1"/>
+      <p:bldP build="whole" bldLvl="1" animBg="1" rev="0" advAuto="0" spid="155" grpId="1"/>
     </p:bldLst>
   </p:timing>
 </p:sld>
 </file>
 
-<file path=ppt/slides/slide7.xml><?xml version="1.0" encoding="utf-8"?>
+<file path=ppt/slides/slide8.xml><?xml version="1.0" encoding="utf-8"?>
 <p:sld xmlns:a="http://schemas.openxmlformats.org/drawingml/2006/main" xmlns:r="http://schemas.openxmlformats.org/officeDocument/2006/relationships" xmlns:p="http://schemas.openxmlformats.org/presentationml/2006/main" showMasterSp="1" showMasterPhAnim="1">
   <p:cSld>
     <p:bg>
@@ -32919,7 +34400,7 @@
       </p:grpSpPr>
       <p:sp>
         <p:nvSpPr>
-          <p:cNvPr id="153" name="24-Hour Trade Volume…"/>
+          <p:cNvPr id="161" name="24-Hour Trade Volume…"/>
           <p:cNvSpPr txBox="1"/>
           <p:nvPr/>
         </p:nvSpPr>
@@ -32985,7 +34466,7 @@
       </p:sp>
       <p:sp>
         <p:nvSpPr>
-          <p:cNvPr id="154" name="$5B"/>
+          <p:cNvPr id="162" name="$5B"/>
           <p:cNvSpPr txBox="1"/>
           <p:nvPr/>
         </p:nvSpPr>
@@ -33035,7 +34516,7 @@
       </p:sp>
       <p:sp>
         <p:nvSpPr>
-          <p:cNvPr id="155" name="Poloniex…"/>
+          <p:cNvPr id="163" name="Poloniex…"/>
           <p:cNvSpPr txBox="1"/>
           <p:nvPr/>
         </p:nvSpPr>
@@ -33365,7 +34846,7 @@
       </p:sp>
       <p:sp>
         <p:nvSpPr>
-          <p:cNvPr id="156" name="问题#1: 用户资产需要托管…"/>
+          <p:cNvPr id="164" name="问题#1: 用户资产需要托管…"/>
           <p:cNvSpPr/>
           <p:nvPr/>
         </p:nvSpPr>
@@ -33428,7 +34909,7 @@
       </p:sp>
       <p:sp>
         <p:nvSpPr>
-          <p:cNvPr id="157" name="问题#2: 交易所内幕交易…"/>
+          <p:cNvPr id="165" name="问题#2: 交易所内幕交易…"/>
           <p:cNvSpPr/>
           <p:nvPr/>
         </p:nvSpPr>
@@ -33491,7 +34972,7 @@
       </p:sp>
       <p:sp>
         <p:nvSpPr>
-          <p:cNvPr id="158" name="中心化交易所"/>
+          <p:cNvPr id="166" name="中心化交易所"/>
           <p:cNvSpPr txBox="1"/>
           <p:nvPr/>
         </p:nvSpPr>
@@ -33531,7 +35012,7 @@
       </p:sp>
       <p:sp>
         <p:nvSpPr>
-          <p:cNvPr id="159" name="2013年10月，香港GBL突然关闭，用户2000万美金无法提现。…"/>
+          <p:cNvPr id="167" name="2013年10月，香港GBL突然关闭，用户2000万美金无法提现。…"/>
           <p:cNvSpPr txBox="1"/>
           <p:nvPr/>
         </p:nvSpPr>
@@ -33742,7 +35223,7 @@
                                       <p:cBhvr>
                                         <p:cTn id="6" fill="hold"/>
                                         <p:tgtEl>
-                                          <p:spTgt spid="159"/>
+                                          <p:spTgt spid="167"/>
                                         </p:tgtEl>
                                         <p:attrNameLst>
                                           <p:attrName>style.visibility</p:attrName>
@@ -33783,13 +35264,13 @@
       </p:par>
     </p:tnLst>
     <p:bldLst>
-      <p:bldP build="whole" bldLvl="1" animBg="1" rev="0" advAuto="0" spid="159" grpId="1"/>
+      <p:bldP build="whole" bldLvl="1" animBg="1" rev="0" advAuto="0" spid="167" grpId="1"/>
     </p:bldLst>
   </p:timing>
 </p:sld>
 </file>
 
-<file path=ppt/slides/slide8.xml><?xml version="1.0" encoding="utf-8"?>
+<file path=ppt/slides/slide9.xml><?xml version="1.0" encoding="utf-8"?>
 <p:sld xmlns:a="http://schemas.openxmlformats.org/drawingml/2006/main" xmlns:r="http://schemas.openxmlformats.org/officeDocument/2006/relationships" xmlns:p="http://schemas.openxmlformats.org/presentationml/2006/main" showMasterSp="1" showMasterPhAnim="1">
   <p:cSld>
     <p:bg>
@@ -33815,7 +35296,7 @@
       </p:grpSpPr>
       <p:sp>
         <p:nvSpPr>
-          <p:cNvPr id="163" name="24-Hour Trade Volume…"/>
+          <p:cNvPr id="171" name="24-Hour Trade Volume…"/>
           <p:cNvSpPr txBox="1"/>
           <p:nvPr/>
         </p:nvSpPr>
@@ -33881,7 +35362,7 @@
       </p:sp>
       <p:sp>
         <p:nvSpPr>
-          <p:cNvPr id="164" name="$5B"/>
+          <p:cNvPr id="172" name="$5B"/>
           <p:cNvSpPr txBox="1"/>
           <p:nvPr/>
         </p:nvSpPr>
@@ -33931,7 +35412,7 @@
       </p:sp>
       <p:sp>
         <p:nvSpPr>
-          <p:cNvPr id="165" name="Poloniex…"/>
+          <p:cNvPr id="173" name="Poloniex…"/>
           <p:cNvSpPr txBox="1"/>
           <p:nvPr/>
         </p:nvSpPr>
@@ -34261,7 +35742,7 @@
       </p:sp>
       <p:sp>
         <p:nvSpPr>
-          <p:cNvPr id="166" name="问题#1: 用户资产需要托管…"/>
+          <p:cNvPr id="174" name="问题#1: 用户资产需要托管…"/>
           <p:cNvSpPr/>
           <p:nvPr/>
         </p:nvSpPr>
@@ -34324,7 +35805,7 @@
       </p:sp>
       <p:sp>
         <p:nvSpPr>
-          <p:cNvPr id="167" name="问题#2: 交易所内幕交易…"/>
+          <p:cNvPr id="175" name="问题#2: 交易所内幕交易…"/>
           <p:cNvSpPr/>
           <p:nvPr/>
         </p:nvSpPr>
@@ -34387,7 +35868,7 @@
       </p:sp>
       <p:sp>
         <p:nvSpPr>
-          <p:cNvPr id="168" name="问题#3: 订单散落到多交易所…"/>
+          <p:cNvPr id="176" name="问题#3: 订单散落到多交易所…"/>
           <p:cNvSpPr/>
           <p:nvPr/>
         </p:nvSpPr>
@@ -34450,7 +35931,7 @@
       </p:sp>
       <p:sp>
         <p:nvSpPr>
-          <p:cNvPr id="169" name="中心化交易所"/>
+          <p:cNvPr id="177" name="中心化交易所"/>
           <p:cNvSpPr txBox="1"/>
           <p:nvPr/>
         </p:nvSpPr>
@@ -34490,7 +35971,7 @@
       </p:sp>
       <p:sp>
         <p:nvSpPr>
-          <p:cNvPr id="170" name="2013年10，香港GBL突然关闭，2000万美万。…"/>
+          <p:cNvPr id="178" name="2013年10，香港GBL突然关闭，2000万美万。…"/>
           <p:cNvSpPr txBox="1"/>
           <p:nvPr/>
         </p:nvSpPr>
@@ -34628,788 +36109,6 @@
             </a:pPr>
             <a:r>
               <a:t>2016年5月，比特币平台Gatecoin18万以太，250比特币。</a:t>
-            </a:r>
-          </a:p>
-        </p:txBody>
-      </p:sp>
-    </p:spTree>
-  </p:cSld>
-  <p:clrMapOvr>
-    <a:masterClrMapping/>
-  </p:clrMapOvr>
-  <mc:AlternateContent xmlns:mc="http://schemas.openxmlformats.org/markup-compatibility/2006">
-    <mc:Choice xmlns:p14="http://schemas.microsoft.com/office/powerpoint/2010/main" Requires="p14">
-      <p:transition spd="fast" advClick="1" p14:dur="750">
-        <p:dissolve/>
-      </p:transition>
-    </mc:Choice>
-    <mc:Fallback>
-      <p:transition spd="fast">
-        <p:fade/>
-      </p:transition>
-    </mc:Fallback>
-  </mc:AlternateContent>
-</p:sld>
-</file>
-
-<file path=ppt/slides/slide9.xml><?xml version="1.0" encoding="utf-8"?>
-<p:sld xmlns:a="http://schemas.openxmlformats.org/drawingml/2006/main" xmlns:r="http://schemas.openxmlformats.org/officeDocument/2006/relationships" xmlns:p="http://schemas.openxmlformats.org/presentationml/2006/main" showMasterSp="1" showMasterPhAnim="1">
-  <p:cSld>
-    <p:bg>
-      <p:bgPr>
-        <a:solidFill>
-          <a:srgbClr val="FFFFFF"/>
-        </a:solidFill>
-      </p:bgPr>
-    </p:bg>
-    <p:spTree>
-      <p:nvGrpSpPr>
-        <p:cNvPr id="1" name=""/>
-        <p:cNvGrpSpPr/>
-        <p:nvPr/>
-      </p:nvGrpSpPr>
-      <p:grpSpPr>
-        <a:xfrm>
-          <a:off x="0" y="0"/>
-          <a:ext cx="0" cy="0"/>
-          <a:chOff x="0" y="0"/>
-          <a:chExt cx="0" cy="0"/>
-        </a:xfrm>
-      </p:grpSpPr>
-      <p:sp>
-        <p:nvSpPr>
-          <p:cNvPr id="172" name="24-Hour Trade Volume…"/>
-          <p:cNvSpPr txBox="1"/>
-          <p:nvPr/>
-        </p:nvSpPr>
-        <p:spPr>
-          <a:xfrm>
-            <a:off x="2113666" y="7171635"/>
-            <a:ext cx="6032706" cy="1641476"/>
-          </a:xfrm>
-          <a:prstGeom prst="rect">
-            <a:avLst/>
-          </a:prstGeom>
-          <a:ln w="12700">
-            <a:miter lim="400000"/>
-          </a:ln>
-          <a:extLst>
-            <a:ext uri="{C572A759-6A51-4108-AA02-DFA0A04FC94B}">
-              <ma14:wrappingTextBoxFlag xmlns:ma14="http://schemas.microsoft.com/office/mac/drawingml/2011/main" val="1"/>
-            </a:ext>
-          </a:extLst>
-        </p:spPr>
-        <p:txBody>
-          <a:bodyPr wrap="none" lIns="71437" tIns="71437" rIns="71437" bIns="71437" anchor="ctr">
-            <a:spAutoFit/>
-          </a:bodyPr>
-          <a:lstStyle/>
-          <a:p>
-            <a:pPr>
-              <a:defRPr sz="4500">
-                <a:solidFill>
-                  <a:srgbClr val="000000">
-                    <a:alpha val="0"/>
-                  </a:srgbClr>
-                </a:solidFill>
-                <a:latin typeface="Roboto Regular"/>
-                <a:ea typeface="Roboto Regular"/>
-                <a:cs typeface="Roboto Regular"/>
-                <a:sym typeface="Roboto Regular"/>
-              </a:defRPr>
-            </a:pPr>
-            <a:r>
-              <a:t>24-Hour Trade Volume</a:t>
-            </a:r>
-          </a:p>
-          <a:p>
-            <a:pPr>
-              <a:defRPr sz="4500">
-                <a:solidFill>
-                  <a:srgbClr val="000000">
-                    <a:alpha val="0"/>
-                  </a:srgbClr>
-                </a:solidFill>
-                <a:latin typeface="Roboto Regular"/>
-                <a:ea typeface="Roboto Regular"/>
-                <a:cs typeface="Roboto Regular"/>
-                <a:sym typeface="Roboto Regular"/>
-              </a:defRPr>
-            </a:pPr>
-            <a:r>
-              <a:t>on Global Exchanges</a:t>
-            </a:r>
-          </a:p>
-        </p:txBody>
-      </p:sp>
-      <p:sp>
-        <p:nvSpPr>
-          <p:cNvPr id="173" name="$5B"/>
-          <p:cNvSpPr txBox="1"/>
-          <p:nvPr/>
-        </p:nvSpPr>
-        <p:spPr>
-          <a:xfrm>
-            <a:off x="3416312" y="4902889"/>
-            <a:ext cx="3427414" cy="2555876"/>
-          </a:xfrm>
-          <a:prstGeom prst="rect">
-            <a:avLst/>
-          </a:prstGeom>
-          <a:ln w="12700">
-            <a:miter lim="400000"/>
-          </a:ln>
-          <a:extLst>
-            <a:ext uri="{C572A759-6A51-4108-AA02-DFA0A04FC94B}">
-              <ma14:wrappingTextBoxFlag xmlns:ma14="http://schemas.microsoft.com/office/mac/drawingml/2011/main" val="1"/>
-            </a:ext>
-          </a:extLst>
-        </p:spPr>
-        <p:txBody>
-          <a:bodyPr wrap="none" lIns="71437" tIns="71437" rIns="71437" bIns="71437" anchor="ctr">
-            <a:spAutoFit/>
-          </a:bodyPr>
-          <a:lstStyle>
-            <a:lvl1pPr>
-              <a:defRPr sz="14400">
-                <a:solidFill>
-                  <a:srgbClr val="000000">
-                    <a:alpha val="0"/>
-                  </a:srgbClr>
-                </a:solidFill>
-                <a:latin typeface="Roboto Bold"/>
-                <a:ea typeface="Roboto Bold"/>
-                <a:cs typeface="Roboto Bold"/>
-                <a:sym typeface="Roboto Bold"/>
-              </a:defRPr>
-            </a:lvl1pPr>
-          </a:lstStyle>
-          <a:p>
-            <a:pPr/>
-            <a:r>
-              <a:t>$5B</a:t>
-            </a:r>
-          </a:p>
-        </p:txBody>
-      </p:sp>
-      <p:sp>
-        <p:nvSpPr>
-          <p:cNvPr id="174" name="Poloniex…"/>
-          <p:cNvSpPr txBox="1"/>
-          <p:nvPr/>
-        </p:nvSpPr>
-        <p:spPr>
-          <a:xfrm>
-            <a:off x="10971586" y="785812"/>
-            <a:ext cx="3640237" cy="12144376"/>
-          </a:xfrm>
-          <a:prstGeom prst="rect">
-            <a:avLst/>
-          </a:prstGeom>
-          <a:ln w="12700">
-            <a:miter lim="400000"/>
-          </a:ln>
-          <a:extLst>
-            <a:ext uri="{C572A759-6A51-4108-AA02-DFA0A04FC94B}">
-              <ma14:wrappingTextBoxFlag xmlns:ma14="http://schemas.microsoft.com/office/mac/drawingml/2011/main" val="1"/>
-            </a:ext>
-          </a:extLst>
-        </p:spPr>
-        <p:txBody>
-          <a:bodyPr wrap="none" lIns="71437" tIns="71437" rIns="71437" bIns="71437" anchor="ctr">
-            <a:spAutoFit/>
-          </a:bodyPr>
-          <a:lstStyle/>
-          <a:p>
-            <a:pPr marL="800100" indent="-800100" algn="l">
-              <a:buSzPct val="100000"/>
-              <a:buAutoNum type="arabicPeriod" startAt="1"/>
-              <a:defRPr sz="4800">
-                <a:solidFill>
-                  <a:srgbClr val="FFFFFF">
-                    <a:alpha val="0"/>
-                  </a:srgbClr>
-                </a:solidFill>
-                <a:latin typeface="Roboto Bold"/>
-                <a:ea typeface="Roboto Bold"/>
-                <a:cs typeface="Roboto Bold"/>
-                <a:sym typeface="Roboto Bold"/>
-              </a:defRPr>
-            </a:pPr>
-            <a:r>
-              <a:t>Poloniex</a:t>
-            </a:r>
-          </a:p>
-          <a:p>
-            <a:pPr marL="800100" indent="-800100" algn="l">
-              <a:buSzPct val="100000"/>
-              <a:buAutoNum type="arabicPeriod" startAt="1"/>
-              <a:defRPr sz="4800">
-                <a:solidFill>
-                  <a:srgbClr val="FFFFFF">
-                    <a:alpha val="0"/>
-                  </a:srgbClr>
-                </a:solidFill>
-                <a:latin typeface="Roboto Bold"/>
-                <a:ea typeface="Roboto Bold"/>
-                <a:cs typeface="Roboto Bold"/>
-                <a:sym typeface="Roboto Bold"/>
-              </a:defRPr>
-            </a:pPr>
-            <a:r>
-              <a:t>Kraken</a:t>
-            </a:r>
-          </a:p>
-          <a:p>
-            <a:pPr marL="800100" indent="-800100" algn="l">
-              <a:buSzPct val="100000"/>
-              <a:buAutoNum type="arabicPeriod" startAt="1"/>
-              <a:defRPr sz="4800">
-                <a:solidFill>
-                  <a:srgbClr val="FFFFFF">
-                    <a:alpha val="0"/>
-                  </a:srgbClr>
-                </a:solidFill>
-                <a:latin typeface="Roboto Bold"/>
-                <a:ea typeface="Roboto Bold"/>
-                <a:cs typeface="Roboto Bold"/>
-                <a:sym typeface="Roboto Bold"/>
-              </a:defRPr>
-            </a:pPr>
-            <a:r>
-              <a:t>Bitfinex</a:t>
-            </a:r>
-          </a:p>
-          <a:p>
-            <a:pPr marL="800100" indent="-800100" algn="l">
-              <a:buSzPct val="100000"/>
-              <a:buAutoNum type="arabicPeriod" startAt="1"/>
-              <a:defRPr sz="4800">
-                <a:solidFill>
-                  <a:srgbClr val="FFFFFF">
-                    <a:alpha val="0"/>
-                  </a:srgbClr>
-                </a:solidFill>
-                <a:latin typeface="Roboto Bold"/>
-                <a:ea typeface="Roboto Bold"/>
-                <a:cs typeface="Roboto Bold"/>
-                <a:sym typeface="Roboto Bold"/>
-              </a:defRPr>
-            </a:pPr>
-            <a:r>
-              <a:t>OKCoin</a:t>
-            </a:r>
-          </a:p>
-          <a:p>
-            <a:pPr marL="800100" indent="-800100" algn="l">
-              <a:buSzPct val="100000"/>
-              <a:buAutoNum type="arabicPeriod" startAt="1"/>
-              <a:defRPr sz="4800">
-                <a:solidFill>
-                  <a:srgbClr val="FFFFFF">
-                    <a:alpha val="0"/>
-                  </a:srgbClr>
-                </a:solidFill>
-                <a:latin typeface="Roboto Bold"/>
-                <a:ea typeface="Roboto Bold"/>
-                <a:cs typeface="Roboto Bold"/>
-                <a:sym typeface="Roboto Bold"/>
-              </a:defRPr>
-            </a:pPr>
-            <a:r>
-              <a:t>BTC38</a:t>
-            </a:r>
-          </a:p>
-          <a:p>
-            <a:pPr marL="800100" indent="-800100" algn="l">
-              <a:buSzPct val="100000"/>
-              <a:buAutoNum type="arabicPeriod" startAt="1"/>
-              <a:defRPr sz="4800">
-                <a:solidFill>
-                  <a:srgbClr val="FFFFFF">
-                    <a:alpha val="0"/>
-                  </a:srgbClr>
-                </a:solidFill>
-                <a:latin typeface="Roboto Bold"/>
-                <a:ea typeface="Roboto Bold"/>
-                <a:cs typeface="Roboto Bold"/>
-                <a:sym typeface="Roboto Bold"/>
-              </a:defRPr>
-            </a:pPr>
-            <a:r>
-              <a:t>Bittrex</a:t>
-            </a:r>
-          </a:p>
-          <a:p>
-            <a:pPr marL="800100" indent="-800100" algn="l">
-              <a:buSzPct val="100000"/>
-              <a:buAutoNum type="arabicPeriod" startAt="1"/>
-              <a:defRPr sz="4800">
-                <a:solidFill>
-                  <a:srgbClr val="FFFFFF">
-                    <a:alpha val="0"/>
-                  </a:srgbClr>
-                </a:solidFill>
-                <a:latin typeface="Roboto Bold"/>
-                <a:ea typeface="Roboto Bold"/>
-                <a:cs typeface="Roboto Bold"/>
-                <a:sym typeface="Roboto Bold"/>
-              </a:defRPr>
-            </a:pPr>
-            <a:r>
-              <a:t>Quoine</a:t>
-            </a:r>
-          </a:p>
-          <a:p>
-            <a:pPr marL="800100" indent="-800100" algn="l">
-              <a:buSzPct val="100000"/>
-              <a:buAutoNum type="arabicPeriod" startAt="1"/>
-              <a:defRPr sz="4800">
-                <a:solidFill>
-                  <a:srgbClr val="FFFFFF">
-                    <a:alpha val="0"/>
-                  </a:srgbClr>
-                </a:solidFill>
-                <a:latin typeface="Roboto Bold"/>
-                <a:ea typeface="Roboto Bold"/>
-                <a:cs typeface="Roboto Bold"/>
-                <a:sym typeface="Roboto Bold"/>
-              </a:defRPr>
-            </a:pPr>
-            <a:r>
-              <a:t>Bitstamp</a:t>
-            </a:r>
-          </a:p>
-          <a:p>
-            <a:pPr marL="800100" indent="-800100" algn="l">
-              <a:buSzPct val="100000"/>
-              <a:buAutoNum type="arabicPeriod" startAt="1"/>
-              <a:defRPr sz="4800">
-                <a:solidFill>
-                  <a:srgbClr val="FFFFFF">
-                    <a:alpha val="0"/>
-                  </a:srgbClr>
-                </a:solidFill>
-                <a:latin typeface="Roboto Bold"/>
-                <a:ea typeface="Roboto Bold"/>
-                <a:cs typeface="Roboto Bold"/>
-                <a:sym typeface="Roboto Bold"/>
-              </a:defRPr>
-            </a:pPr>
-            <a:r>
-              <a:t>BTC-e</a:t>
-            </a:r>
-          </a:p>
-          <a:p>
-            <a:pPr marL="800100" indent="-800100" algn="l">
-              <a:buSzPct val="100000"/>
-              <a:buAutoNum type="arabicPeriod" startAt="1"/>
-              <a:defRPr sz="4800">
-                <a:solidFill>
-                  <a:srgbClr val="FFFFFF">
-                    <a:alpha val="0"/>
-                  </a:srgbClr>
-                </a:solidFill>
-                <a:latin typeface="Roboto Bold"/>
-                <a:ea typeface="Roboto Bold"/>
-                <a:cs typeface="Roboto Bold"/>
-                <a:sym typeface="Roboto Bold"/>
-              </a:defRPr>
-            </a:pPr>
-            <a:r>
-              <a:t>CEX.IO</a:t>
-            </a:r>
-          </a:p>
-          <a:p>
-            <a:pPr marL="800100" indent="-800100" algn="l">
-              <a:buSzPct val="100000"/>
-              <a:buAutoNum type="arabicPeriod" startAt="1"/>
-              <a:defRPr sz="4800">
-                <a:solidFill>
-                  <a:srgbClr val="FFFFFF">
-                    <a:alpha val="0"/>
-                  </a:srgbClr>
-                </a:solidFill>
-                <a:latin typeface="Roboto Bold"/>
-                <a:ea typeface="Roboto Bold"/>
-                <a:cs typeface="Roboto Bold"/>
-                <a:sym typeface="Roboto Bold"/>
-              </a:defRPr>
-            </a:pPr>
-            <a:r>
-              <a:t>YoBit</a:t>
-            </a:r>
-          </a:p>
-          <a:p>
-            <a:pPr marL="800100" indent="-800100" algn="l">
-              <a:buSzPct val="100000"/>
-              <a:buAutoNum type="arabicPeriod" startAt="1"/>
-              <a:defRPr sz="4800">
-                <a:solidFill>
-                  <a:srgbClr val="FFFFFF">
-                    <a:alpha val="0"/>
-                  </a:srgbClr>
-                </a:solidFill>
-                <a:latin typeface="Roboto Bold"/>
-                <a:ea typeface="Roboto Bold"/>
-                <a:cs typeface="Roboto Bold"/>
-                <a:sym typeface="Roboto Bold"/>
-              </a:defRPr>
-            </a:pPr>
-            <a:r>
-              <a:t>hitbtc</a:t>
-            </a:r>
-          </a:p>
-          <a:p>
-            <a:pPr marL="800100" indent="-800100" algn="l">
-              <a:buSzPct val="100000"/>
-              <a:buAutoNum type="arabicPeriod" startAt="1"/>
-              <a:defRPr sz="4800">
-                <a:solidFill>
-                  <a:srgbClr val="FFFFFF">
-                    <a:alpha val="0"/>
-                  </a:srgbClr>
-                </a:solidFill>
-                <a:latin typeface="Roboto Bold"/>
-                <a:ea typeface="Roboto Bold"/>
-                <a:cs typeface="Roboto Bold"/>
-                <a:sym typeface="Roboto Bold"/>
-              </a:defRPr>
-            </a:pPr>
-            <a:r>
-              <a:t>Vaultoro</a:t>
-            </a:r>
-          </a:p>
-          <a:p>
-            <a:pPr marL="800100" indent="-800100" algn="l">
-              <a:buSzPct val="100000"/>
-              <a:buAutoNum type="arabicPeriod" startAt="1"/>
-              <a:defRPr sz="4800">
-                <a:solidFill>
-                  <a:srgbClr val="FFFFFF">
-                    <a:alpha val="0"/>
-                  </a:srgbClr>
-                </a:solidFill>
-                <a:latin typeface="Roboto Bold"/>
-                <a:ea typeface="Roboto Bold"/>
-                <a:cs typeface="Roboto Bold"/>
-                <a:sym typeface="Roboto Bold"/>
-              </a:defRPr>
-            </a:pPr>
-            <a:r>
-              <a:t>Coinspot</a:t>
-            </a:r>
-          </a:p>
-          <a:p>
-            <a:pPr marL="800100" indent="-800100" algn="l">
-              <a:buSzPct val="100000"/>
-              <a:buAutoNum type="arabicPeriod" startAt="1"/>
-              <a:defRPr sz="4800">
-                <a:solidFill>
-                  <a:srgbClr val="FFFFFF">
-                    <a:alpha val="0"/>
-                  </a:srgbClr>
-                </a:solidFill>
-                <a:latin typeface="Roboto Bold"/>
-                <a:ea typeface="Roboto Bold"/>
-                <a:cs typeface="Roboto Bold"/>
-                <a:sym typeface="Roboto Bold"/>
-              </a:defRPr>
-            </a:pPr>
-            <a:r>
-              <a:t>Bter</a:t>
-            </a:r>
-          </a:p>
-        </p:txBody>
-      </p:sp>
-      <p:sp>
-        <p:nvSpPr>
-          <p:cNvPr id="175" name="问题#1: 用户资产需要托管…"/>
-          <p:cNvSpPr/>
-          <p:nvPr/>
-        </p:nvSpPr>
-        <p:spPr>
-          <a:xfrm>
-            <a:off x="1272857" y="1839184"/>
-            <a:ext cx="13369382" cy="3319332"/>
-          </a:xfrm>
-          <a:prstGeom prst="rect">
-            <a:avLst/>
-          </a:prstGeom>
-          <a:solidFill>
-            <a:schemeClr val="accent2"/>
-          </a:solidFill>
-          <a:ln w="12700">
-            <a:miter lim="400000"/>
-          </a:ln>
-          <a:extLst>
-            <a:ext uri="{C572A759-6A51-4108-AA02-DFA0A04FC94B}">
-              <ma14:wrappingTextBoxFlag xmlns:ma14="http://schemas.microsoft.com/office/mac/drawingml/2011/main" val="1"/>
-            </a:ext>
-          </a:extLst>
-        </p:spPr>
-        <p:txBody>
-          <a:bodyPr lIns="71437" tIns="71437" rIns="71437" bIns="71437" anchor="ctr"/>
-          <a:lstStyle/>
-          <a:p>
-            <a:pPr lvl="3" algn="l">
-              <a:defRPr sz="4800">
-                <a:solidFill>
-                  <a:srgbClr val="FFFFFF"/>
-                </a:solidFill>
-                <a:latin typeface="Roboto Black"/>
-                <a:ea typeface="Roboto Black"/>
-                <a:cs typeface="Roboto Black"/>
-                <a:sym typeface="Roboto Black"/>
-              </a:defRPr>
-            </a:pPr>
-            <a:r>
-              <a:t>问题#1: 用户资产需要托管</a:t>
-            </a:r>
-          </a:p>
-          <a:p>
-            <a:pPr lvl="3" algn="l">
-              <a:defRPr sz="4800">
-                <a:solidFill>
-                  <a:srgbClr val="FFFFFF"/>
-                </a:solidFill>
-                <a:latin typeface="Roboto Black"/>
-                <a:ea typeface="Roboto Black"/>
-                <a:cs typeface="Roboto Black"/>
-                <a:sym typeface="Roboto Black"/>
-              </a:defRPr>
-            </a:pPr>
-            <a:r>
-              <a:t>                      [安全性风险]</a:t>
-            </a:r>
-          </a:p>
-        </p:txBody>
-      </p:sp>
-      <p:sp>
-        <p:nvSpPr>
-          <p:cNvPr id="176" name="问题#2: 交易所内幕交易…"/>
-          <p:cNvSpPr/>
-          <p:nvPr/>
-        </p:nvSpPr>
-        <p:spPr>
-          <a:xfrm>
-            <a:off x="1272857" y="5198334"/>
-            <a:ext cx="13369382" cy="3319332"/>
-          </a:xfrm>
-          <a:prstGeom prst="rect">
-            <a:avLst/>
-          </a:prstGeom>
-          <a:solidFill>
-            <a:schemeClr val="accent1"/>
-          </a:solidFill>
-          <a:ln w="12700">
-            <a:miter lim="400000"/>
-          </a:ln>
-          <a:extLst>
-            <a:ext uri="{C572A759-6A51-4108-AA02-DFA0A04FC94B}">
-              <ma14:wrappingTextBoxFlag xmlns:ma14="http://schemas.microsoft.com/office/mac/drawingml/2011/main" val="1"/>
-            </a:ext>
-          </a:extLst>
-        </p:spPr>
-        <p:txBody>
-          <a:bodyPr lIns="71437" tIns="71437" rIns="71437" bIns="71437" anchor="ctr"/>
-          <a:lstStyle/>
-          <a:p>
-            <a:pPr lvl="3" algn="l">
-              <a:defRPr sz="4800">
-                <a:solidFill>
-                  <a:srgbClr val="FFFFFF"/>
-                </a:solidFill>
-                <a:latin typeface="Roboto Black"/>
-                <a:ea typeface="Roboto Black"/>
-                <a:cs typeface="Roboto Black"/>
-                <a:sym typeface="Roboto Black"/>
-              </a:defRPr>
-            </a:pPr>
-            <a:r>
-              <a:t>问题#2: 交易所内幕交易</a:t>
-            </a:r>
-          </a:p>
-          <a:p>
-            <a:pPr lvl="3" algn="l">
-              <a:defRPr sz="4800">
-                <a:solidFill>
-                  <a:srgbClr val="FFFFFF"/>
-                </a:solidFill>
-                <a:latin typeface="Roboto Black"/>
-                <a:ea typeface="Roboto Black"/>
-                <a:cs typeface="Roboto Black"/>
-                <a:sym typeface="Roboto Black"/>
-              </a:defRPr>
-            </a:pPr>
-            <a:r>
-              <a:t>                      [透明与公正]</a:t>
-            </a:r>
-          </a:p>
-        </p:txBody>
-      </p:sp>
-      <p:sp>
-        <p:nvSpPr>
-          <p:cNvPr id="177" name="问题#3: 订单散落到多交易所…"/>
-          <p:cNvSpPr/>
-          <p:nvPr/>
-        </p:nvSpPr>
-        <p:spPr>
-          <a:xfrm>
-            <a:off x="1272857" y="8557484"/>
-            <a:ext cx="13369382" cy="3319332"/>
-          </a:xfrm>
-          <a:prstGeom prst="rect">
-            <a:avLst/>
-          </a:prstGeom>
-          <a:solidFill>
-            <a:schemeClr val="accent5"/>
-          </a:solidFill>
-          <a:ln w="12700">
-            <a:miter lim="400000"/>
-          </a:ln>
-          <a:extLst>
-            <a:ext uri="{C572A759-6A51-4108-AA02-DFA0A04FC94B}">
-              <ma14:wrappingTextBoxFlag xmlns:ma14="http://schemas.microsoft.com/office/mac/drawingml/2011/main" val="1"/>
-            </a:ext>
-          </a:extLst>
-        </p:spPr>
-        <p:txBody>
-          <a:bodyPr lIns="71437" tIns="71437" rIns="71437" bIns="71437" anchor="ctr"/>
-          <a:lstStyle/>
-          <a:p>
-            <a:pPr lvl="3" algn="l">
-              <a:defRPr sz="4800">
-                <a:solidFill>
-                  <a:srgbClr val="FFFFFF"/>
-                </a:solidFill>
-                <a:latin typeface="Roboto Black"/>
-                <a:ea typeface="Roboto Black"/>
-                <a:cs typeface="Roboto Black"/>
-                <a:sym typeface="Roboto Black"/>
-              </a:defRPr>
-            </a:pPr>
-            <a:r>
-              <a:t>问题#3: 订单散落到多交易所</a:t>
-            </a:r>
-          </a:p>
-          <a:p>
-            <a:pPr lvl="3" algn="l">
-              <a:defRPr sz="4800">
-                <a:solidFill>
-                  <a:srgbClr val="FFFFFF"/>
-                </a:solidFill>
-                <a:latin typeface="Roboto Black"/>
-                <a:ea typeface="Roboto Black"/>
-                <a:cs typeface="Roboto Black"/>
-                <a:sym typeface="Roboto Black"/>
-              </a:defRPr>
-            </a:pPr>
-            <a:r>
-              <a:t>                      [流动性限制]</a:t>
-            </a:r>
-          </a:p>
-        </p:txBody>
-      </p:sp>
-      <p:sp>
-        <p:nvSpPr>
-          <p:cNvPr id="178" name="问题#4: 缺少或没有监管…"/>
-          <p:cNvSpPr/>
-          <p:nvPr/>
-        </p:nvSpPr>
-        <p:spPr>
-          <a:xfrm>
-            <a:off x="1272857" y="13969958"/>
-            <a:ext cx="13369382" cy="3319331"/>
-          </a:xfrm>
-          <a:prstGeom prst="rect">
-            <a:avLst/>
-          </a:prstGeom>
-          <a:solidFill>
-            <a:schemeClr val="accent6"/>
-          </a:solidFill>
-          <a:ln w="12700">
-            <a:miter lim="400000"/>
-          </a:ln>
-          <a:extLst>
-            <a:ext uri="{C572A759-6A51-4108-AA02-DFA0A04FC94B}">
-              <ma14:wrappingTextBoxFlag xmlns:ma14="http://schemas.microsoft.com/office/mac/drawingml/2011/main" val="1"/>
-            </a:ext>
-          </a:extLst>
-        </p:spPr>
-        <p:txBody>
-          <a:bodyPr lIns="71437" tIns="71437" rIns="71437" bIns="71437" anchor="ctr"/>
-          <a:lstStyle/>
-          <a:p>
-            <a:pPr lvl="3" algn="l">
-              <a:defRPr sz="4800">
-                <a:solidFill>
-                  <a:srgbClr val="FFFFFF"/>
-                </a:solidFill>
-                <a:latin typeface="Roboto Black"/>
-                <a:ea typeface="Roboto Black"/>
-                <a:cs typeface="Roboto Black"/>
-                <a:sym typeface="Roboto Black"/>
-              </a:defRPr>
-            </a:pPr>
-            <a:r>
-              <a:t>问题#4: 缺少或没有监管</a:t>
-            </a:r>
-          </a:p>
-          <a:p>
-            <a:pPr lvl="3" algn="l">
-              <a:defRPr sz="4800">
-                <a:solidFill>
-                  <a:srgbClr val="FFFFFF"/>
-                </a:solidFill>
-                <a:latin typeface="Roboto Black"/>
-                <a:ea typeface="Roboto Black"/>
-                <a:cs typeface="Roboto Black"/>
-                <a:sym typeface="Roboto Black"/>
-              </a:defRPr>
-            </a:pPr>
-            <a:r>
-              <a:t>                      [安全性风险]</a:t>
-            </a:r>
-          </a:p>
-        </p:txBody>
-      </p:sp>
-      <p:sp>
-        <p:nvSpPr>
-          <p:cNvPr id="179" name="中心化交易所"/>
-          <p:cNvSpPr txBox="1"/>
-          <p:nvPr/>
-        </p:nvSpPr>
-        <p:spPr>
-          <a:xfrm>
-            <a:off x="16024297" y="6151562"/>
-            <a:ext cx="5641976" cy="1412876"/>
-          </a:xfrm>
-          <a:prstGeom prst="rect">
-            <a:avLst/>
-          </a:prstGeom>
-          <a:ln w="12700">
-            <a:miter lim="400000"/>
-          </a:ln>
-          <a:extLst>
-            <a:ext uri="{C572A759-6A51-4108-AA02-DFA0A04FC94B}">
-              <ma14:wrappingTextBoxFlag xmlns:ma14="http://schemas.microsoft.com/office/mac/drawingml/2011/main" val="1"/>
-            </a:ext>
-          </a:extLst>
-        </p:spPr>
-        <p:txBody>
-          <a:bodyPr wrap="none" lIns="71437" tIns="71437" rIns="71437" bIns="71437" anchor="ctr">
-            <a:spAutoFit/>
-          </a:bodyPr>
-          <a:lstStyle>
-            <a:lvl1pPr>
-              <a:defRPr sz="7200"/>
-            </a:lvl1pPr>
-          </a:lstStyle>
-          <a:p>
-            <a:pPr/>
-            <a:r>
-              <a:t>中心化交易所</a:t>
             </a:r>
           </a:p>
         </p:txBody>

--- a/keynote/loopring-technical.pptx
+++ b/keynote/loopring-technical.pptx
@@ -41,6 +41,7 @@
     <p:sldId id="286" r:id="rId38"/>
     <p:sldId id="287" r:id="rId39"/>
     <p:sldId id="288" r:id="rId40"/>
+    <p:sldId id="289" r:id="rId41"/>
   </p:sldIdLst>
   <p:sldSz cx="24384000" cy="13716000"/>
   <p:notesSz cx="6858000" cy="9144000"/>
@@ -8238,8 +8239,8 @@
       </p:par>
     </p:tnLst>
     <p:bldLst>
+      <p:bldP build="whole" bldLvl="1" animBg="1" rev="0" advAuto="0" spid="231" grpId="3"/>
       <p:bldP build="whole" bldLvl="1" animBg="1" rev="0" advAuto="0" spid="230" grpId="2"/>
-      <p:bldP build="whole" bldLvl="1" animBg="1" rev="0" advAuto="0" spid="231" grpId="3"/>
       <p:bldP build="whole" bldLvl="1" animBg="1" rev="0" advAuto="0" spid="229" grpId="1"/>
     </p:bldLst>
   </p:timing>
@@ -17598,9 +17599,9 @@
       </p:par>
     </p:tnLst>
     <p:bldLst>
+      <p:bldP build="whole" bldLvl="1" animBg="1" rev="0" advAuto="0" spid="354" grpId="1"/>
+      <p:bldP build="whole" bldLvl="1" animBg="1" rev="0" advAuto="0" spid="355" grpId="2"/>
       <p:bldP build="whole" bldLvl="1" animBg="1" rev="0" advAuto="0" spid="356" grpId="3"/>
-      <p:bldP build="whole" bldLvl="1" animBg="1" rev="0" advAuto="0" spid="355" grpId="2"/>
-      <p:bldP build="whole" bldLvl="1" animBg="1" rev="0" advAuto="0" spid="354" grpId="1"/>
     </p:bldLst>
   </p:timing>
 </p:sld>
@@ -19329,8 +19330,8 @@
     </p:tnLst>
     <p:bldLst>
       <p:bldP build="whole" bldLvl="1" animBg="1" rev="0" advAuto="0" spid="381" grpId="3"/>
+      <p:bldP build="whole" bldLvl="1" animBg="1" rev="0" advAuto="0" spid="379" grpId="2"/>
       <p:bldP build="whole" bldLvl="1" animBg="1" rev="0" advAuto="0" spid="380" grpId="1"/>
-      <p:bldP build="whole" bldLvl="1" animBg="1" rev="0" advAuto="0" spid="379" grpId="2"/>
     </p:bldLst>
   </p:timing>
 </p:sld>
@@ -19947,8 +19948,8 @@
       </p:par>
     </p:tnLst>
     <p:bldLst>
+      <p:bldP build="whole" bldLvl="1" animBg="1" rev="0" advAuto="0" spid="395" grpId="1"/>
       <p:bldP build="whole" bldLvl="1" animBg="1" rev="0" advAuto="0" spid="396" grpId="2"/>
-      <p:bldP build="whole" bldLvl="1" animBg="1" rev="0" advAuto="0" spid="395" grpId="1"/>
     </p:bldLst>
   </p:timing>
 </p:sld>
@@ -31366,10 +31367,7 @@
     <p:bg>
       <p:bgPr>
         <a:solidFill>
-          <a:schemeClr val="accent1">
-            <a:satOff val="-3355"/>
-            <a:lumOff val="26614"/>
-          </a:schemeClr>
+          <a:srgbClr val="FFFFFF"/>
         </a:solidFill>
       </p:bgPr>
     </p:bg>
@@ -31434,7 +31432,108 @@
       </p:sp>
       <p:sp>
         <p:nvSpPr>
-          <p:cNvPr id="481" name="2017/08/01 - 2017/08/30"/>
+          <p:cNvPr id="481" name="24-Hour Trade Volume…"/>
+          <p:cNvSpPr txBox="1"/>
+          <p:nvPr/>
+        </p:nvSpPr>
+        <p:spPr>
+          <a:xfrm>
+            <a:off x="26084085" y="7171635"/>
+            <a:ext cx="6032705" cy="1641476"/>
+          </a:xfrm>
+          <a:prstGeom prst="rect">
+            <a:avLst/>
+          </a:prstGeom>
+          <a:ln w="12700">
+            <a:miter lim="400000"/>
+          </a:ln>
+          <a:extLst>
+            <a:ext uri="{C572A759-6A51-4108-AA02-DFA0A04FC94B}">
+              <ma14:wrappingTextBoxFlag xmlns:ma14="http://schemas.microsoft.com/office/mac/drawingml/2011/main" val="1"/>
+            </a:ext>
+          </a:extLst>
+        </p:spPr>
+        <p:txBody>
+          <a:bodyPr wrap="none" lIns="71437" tIns="71437" rIns="71437" bIns="71437" anchor="ctr">
+            <a:spAutoFit/>
+          </a:bodyPr>
+          <a:lstStyle/>
+          <a:p>
+            <a:pPr>
+              <a:defRPr sz="4500">
+                <a:latin typeface="Roboto Regular"/>
+                <a:ea typeface="Roboto Regular"/>
+                <a:cs typeface="Roboto Regular"/>
+                <a:sym typeface="Roboto Regular"/>
+              </a:defRPr>
+            </a:pPr>
+            <a:r>
+              <a:t>24-Hour Trade Volume</a:t>
+            </a:r>
+          </a:p>
+          <a:p>
+            <a:pPr>
+              <a:defRPr sz="4500">
+                <a:latin typeface="Roboto Regular"/>
+                <a:ea typeface="Roboto Regular"/>
+                <a:cs typeface="Roboto Regular"/>
+                <a:sym typeface="Roboto Regular"/>
+              </a:defRPr>
+            </a:pPr>
+            <a:r>
+              <a:t>on Global Exchanges</a:t>
+            </a:r>
+          </a:p>
+        </p:txBody>
+      </p:sp>
+      <p:sp>
+        <p:nvSpPr>
+          <p:cNvPr id="482" name="$5B"/>
+          <p:cNvSpPr txBox="1"/>
+          <p:nvPr/>
+        </p:nvSpPr>
+        <p:spPr>
+          <a:xfrm>
+            <a:off x="27386731" y="4902890"/>
+            <a:ext cx="3427413" cy="2555876"/>
+          </a:xfrm>
+          <a:prstGeom prst="rect">
+            <a:avLst/>
+          </a:prstGeom>
+          <a:ln w="12700">
+            <a:miter lim="400000"/>
+          </a:ln>
+          <a:extLst>
+            <a:ext uri="{C572A759-6A51-4108-AA02-DFA0A04FC94B}">
+              <ma14:wrappingTextBoxFlag xmlns:ma14="http://schemas.microsoft.com/office/mac/drawingml/2011/main" val="1"/>
+            </a:ext>
+          </a:extLst>
+        </p:spPr>
+        <p:txBody>
+          <a:bodyPr wrap="none" lIns="71437" tIns="71437" rIns="71437" bIns="71437" anchor="ctr">
+            <a:spAutoFit/>
+          </a:bodyPr>
+          <a:lstStyle>
+            <a:lvl1pPr>
+              <a:defRPr sz="14400">
+                <a:latin typeface="Roboto Bold"/>
+                <a:ea typeface="Roboto Bold"/>
+                <a:cs typeface="Roboto Bold"/>
+                <a:sym typeface="Roboto Bold"/>
+              </a:defRPr>
+            </a:lvl1pPr>
+          </a:lstStyle>
+          <a:p>
+            <a:pPr/>
+            <a:r>
+              <a:t>$5B</a:t>
+            </a:r>
+          </a:p>
+        </p:txBody>
+      </p:sp>
+      <p:sp>
+        <p:nvSpPr>
+          <p:cNvPr id="483" name="2017/08/01 - 2017/08/30"/>
           <p:cNvSpPr txBox="1"/>
           <p:nvPr/>
         </p:nvSpPr>
@@ -31463,7 +31562,10 @@
             <a:lvl1pPr>
               <a:defRPr sz="4500">
                 <a:solidFill>
-                  <a:srgbClr val="FFFFFF"/>
+                  <a:schemeClr val="accent1">
+                    <a:satOff val="-3355"/>
+                    <a:lumOff val="26614"/>
+                  </a:schemeClr>
                 </a:solidFill>
                 <a:latin typeface="Roboto Regular"/>
                 <a:ea typeface="Roboto Regular"/>
@@ -31480,9 +31582,258 @@
           </a:p>
         </p:txBody>
       </p:sp>
+      <p:sp>
+        <p:nvSpPr>
+          <p:cNvPr id="484" name="一次投资，多次回报"/>
+          <p:cNvSpPr txBox="1"/>
+          <p:nvPr/>
+        </p:nvSpPr>
+        <p:spPr>
+          <a:xfrm>
+            <a:off x="9256712" y="4344914"/>
+            <a:ext cx="5870576" cy="1031876"/>
+          </a:xfrm>
+          <a:prstGeom prst="rect">
+            <a:avLst/>
+          </a:prstGeom>
+          <a:ln w="12700">
+            <a:miter lim="400000"/>
+          </a:ln>
+          <a:extLst>
+            <a:ext uri="{C572A759-6A51-4108-AA02-DFA0A04FC94B}">
+              <ma14:wrappingTextBoxFlag xmlns:ma14="http://schemas.microsoft.com/office/mac/drawingml/2011/main" val="1"/>
+            </a:ext>
+          </a:extLst>
+        </p:spPr>
+        <p:txBody>
+          <a:bodyPr wrap="none" lIns="71437" tIns="71437" rIns="71437" bIns="71437" anchor="ctr">
+            <a:spAutoFit/>
+          </a:bodyPr>
+          <a:lstStyle>
+            <a:lvl1pPr algn="l">
+              <a:spcBef>
+                <a:spcPts val="5900"/>
+              </a:spcBef>
+              <a:defRPr>
+                <a:solidFill>
+                  <a:schemeClr val="accent5">
+                    <a:hueOff val="-444211"/>
+                    <a:satOff val="-14915"/>
+                    <a:lumOff val="22857"/>
+                  </a:schemeClr>
+                </a:solidFill>
+              </a:defRPr>
+            </a:lvl1pPr>
+          </a:lstStyle>
+          <a:p>
+            <a:pPr/>
+            <a:r>
+              <a:t>一次投资，多次回报</a:t>
+            </a:r>
+          </a:p>
+        </p:txBody>
+      </p:sp>
+      <p:sp>
+        <p:nvSpPr>
+          <p:cNvPr id="485" name="在其它共有链（如EOS，ETC）实施Loopring协议后也会发行LRC代币。如果目标公有链用的数字签名算法和以太坊一致（ECDSA），我们将为所有参与ICO的公钥地址发行等比例代币，并收取5%的费用。如果目标公有链的数字签名算法和ETH不一致，基金会保留权利采用另外的发行策略。"/>
+          <p:cNvSpPr txBox="1"/>
+          <p:nvPr/>
+        </p:nvSpPr>
+        <p:spPr>
+          <a:xfrm>
+            <a:off x="3606793" y="5724980"/>
+            <a:ext cx="17170414" cy="3038476"/>
+          </a:xfrm>
+          <a:prstGeom prst="rect">
+            <a:avLst/>
+          </a:prstGeom>
+          <a:solidFill>
+            <a:schemeClr val="accent5">
+              <a:hueOff val="-444211"/>
+              <a:satOff val="-14915"/>
+              <a:lumOff val="22857"/>
+            </a:schemeClr>
+          </a:solidFill>
+          <a:ln w="12700">
+            <a:miter lim="400000"/>
+          </a:ln>
+          <a:effectLst>
+            <a:outerShdw sx="100000" sy="100000" kx="0" ky="0" algn="b" rotWithShape="0" blurRad="63500" dist="12700" dir="0">
+              <a:srgbClr val="000000">
+                <a:alpha val="50000"/>
+              </a:srgbClr>
+            </a:outerShdw>
+          </a:effectLst>
+          <a:extLst>
+            <a:ext uri="{C572A759-6A51-4108-AA02-DFA0A04FC94B}">
+              <ma14:wrappingTextBoxFlag xmlns:ma14="http://schemas.microsoft.com/office/mac/drawingml/2011/main" val="1"/>
+            </a:ext>
+          </a:extLst>
+        </p:spPr>
+        <p:txBody>
+          <a:bodyPr lIns="71437" tIns="71437" rIns="71437" bIns="71437" anchor="ctr">
+            <a:spAutoFit/>
+          </a:bodyPr>
+          <a:lstStyle>
+            <a:lvl1pPr>
+              <a:defRPr sz="4100">
+                <a:solidFill>
+                  <a:srgbClr val="FFFFFF"/>
+                </a:solidFill>
+              </a:defRPr>
+            </a:lvl1pPr>
+          </a:lstStyle>
+          <a:p>
+            <a:pPr/>
+            <a:r>
+              <a:t>在其它共有链（如EOS，ETC）实施Loopring协议后也会发行LRC代币。如果目标公有链用的数字签名算法和以太坊一致（ECDSA），我们将为所有参与ICO的公钥地址发行等比例代币，并收取5%的费用。如果目标公有链的数字签名算法和ETH不一致，基金会保留权利采用另外的发行策略。</a:t>
+            </a:r>
+          </a:p>
+        </p:txBody>
+      </p:sp>
+    </p:spTree>
+  </p:cSld>
+  <p:clrMapOvr>
+    <a:masterClrMapping/>
+  </p:clrMapOvr>
+  <mc:AlternateContent xmlns:mc="http://schemas.openxmlformats.org/markup-compatibility/2006">
+    <mc:Choice xmlns:p14="http://schemas.microsoft.com/office/powerpoint/2010/main" Requires="p14">
+      <p:transition spd="fast" advClick="1" p14:dur="750">
+        <p:dissolve/>
+      </p:transition>
+    </mc:Choice>
+    <mc:Fallback>
+      <p:transition spd="fast">
+        <p:fade/>
+      </p:transition>
+    </mc:Fallback>
+  </mc:AlternateContent>
+</p:sld>
+</file>
+
+<file path=ppt/slides/slide32.xml><?xml version="1.0" encoding="utf-8"?>
+<p:sld xmlns:a="http://schemas.openxmlformats.org/drawingml/2006/main" xmlns:r="http://schemas.openxmlformats.org/officeDocument/2006/relationships" xmlns:p="http://schemas.openxmlformats.org/presentationml/2006/main" showMasterSp="1" showMasterPhAnim="1">
+  <p:cSld>
+    <p:bg>
+      <p:bgPr>
+        <a:solidFill>
+          <a:schemeClr val="accent1">
+            <a:satOff val="-3355"/>
+            <a:lumOff val="26614"/>
+          </a:schemeClr>
+        </a:solidFill>
+      </p:bgPr>
+    </p:bg>
+    <p:spTree>
+      <p:nvGrpSpPr>
+        <p:cNvPr id="1" name=""/>
+        <p:cNvGrpSpPr/>
+        <p:nvPr/>
+      </p:nvGrpSpPr>
+      <p:grpSpPr>
+        <a:xfrm>
+          <a:off x="0" y="0"/>
+          <a:ext cx="0" cy="0"/>
+          <a:chOff x="0" y="0"/>
+          <a:chExt cx="0" cy="0"/>
+        </a:xfrm>
+      </p:grpSpPr>
+      <p:sp>
+        <p:nvSpPr>
+          <p:cNvPr id="487" name="ICO"/>
+          <p:cNvSpPr txBox="1"/>
+          <p:nvPr/>
+        </p:nvSpPr>
+        <p:spPr>
+          <a:xfrm>
+            <a:off x="7013898" y="1514"/>
+            <a:ext cx="3110409" cy="2555876"/>
+          </a:xfrm>
+          <a:prstGeom prst="rect">
+            <a:avLst/>
+          </a:prstGeom>
+          <a:ln w="12700">
+            <a:miter lim="400000"/>
+          </a:ln>
+          <a:extLst>
+            <a:ext uri="{C572A759-6A51-4108-AA02-DFA0A04FC94B}">
+              <ma14:wrappingTextBoxFlag xmlns:ma14="http://schemas.microsoft.com/office/mac/drawingml/2011/main" val="1"/>
+            </a:ext>
+          </a:extLst>
+        </p:spPr>
+        <p:txBody>
+          <a:bodyPr wrap="none" lIns="71437" tIns="71437" rIns="71437" bIns="71437" anchor="ctr">
+            <a:spAutoFit/>
+          </a:bodyPr>
+          <a:lstStyle>
+            <a:lvl1pPr>
+              <a:defRPr sz="14400">
+                <a:latin typeface="Roboto Bold"/>
+                <a:ea typeface="Roboto Bold"/>
+                <a:cs typeface="Roboto Bold"/>
+                <a:sym typeface="Roboto Bold"/>
+              </a:defRPr>
+            </a:lvl1pPr>
+          </a:lstStyle>
+          <a:p>
+            <a:pPr/>
+            <a:r>
+              <a:t>ICO</a:t>
+            </a:r>
+          </a:p>
+        </p:txBody>
+      </p:sp>
+      <p:sp>
+        <p:nvSpPr>
+          <p:cNvPr id="488" name="2017/08/01 - 2017/08/30"/>
+          <p:cNvSpPr txBox="1"/>
+          <p:nvPr/>
+        </p:nvSpPr>
+        <p:spPr>
+          <a:xfrm>
+            <a:off x="10675483" y="833364"/>
+            <a:ext cx="6694618" cy="892176"/>
+          </a:xfrm>
+          <a:prstGeom prst="rect">
+            <a:avLst/>
+          </a:prstGeom>
+          <a:ln w="12700">
+            <a:miter lim="400000"/>
+          </a:ln>
+          <a:extLst>
+            <a:ext uri="{C572A759-6A51-4108-AA02-DFA0A04FC94B}">
+              <ma14:wrappingTextBoxFlag xmlns:ma14="http://schemas.microsoft.com/office/mac/drawingml/2011/main" val="1"/>
+            </a:ext>
+          </a:extLst>
+        </p:spPr>
+        <p:txBody>
+          <a:bodyPr wrap="none" lIns="71437" tIns="71437" rIns="71437" bIns="71437" anchor="ctr">
+            <a:spAutoFit/>
+          </a:bodyPr>
+          <a:lstStyle>
+            <a:lvl1pPr>
+              <a:defRPr sz="4500">
+                <a:solidFill>
+                  <a:srgbClr val="FFFFFF"/>
+                </a:solidFill>
+                <a:latin typeface="Roboto Regular"/>
+                <a:ea typeface="Roboto Regular"/>
+                <a:cs typeface="Roboto Regular"/>
+                <a:sym typeface="Roboto Regular"/>
+              </a:defRPr>
+            </a:lvl1pPr>
+          </a:lstStyle>
+          <a:p>
+            <a:pPr/>
+            <a:r>
+              <a:t>2017/08/01 - 2017/08/30</a:t>
+            </a:r>
+          </a:p>
+        </p:txBody>
+      </p:sp>
       <p:grpSp>
         <p:nvGrpSpPr>
-          <p:cNvPr id="484" name="成组"/>
+          <p:cNvPr id="491" name="成组"/>
           <p:cNvGrpSpPr/>
           <p:nvPr/>
         </p:nvGrpSpPr>
@@ -31496,7 +31847,7 @@
         </p:grpSpPr>
         <p:sp>
           <p:nvSpPr>
-            <p:cNvPr id="482" name="1. 众筹基于以太坊智能合约"/>
+            <p:cNvPr id="489" name="1. 众筹基于以太坊智能合约"/>
             <p:cNvSpPr txBox="1"/>
             <p:nvPr/>
           </p:nvSpPr>
@@ -31547,7 +31898,7 @@
         </p:sp>
         <p:sp>
           <p:nvSpPr>
-            <p:cNvPr id="483" name="所有参与众筹的ETH都需要通过普通以太坊转账，转到智能合约地址。未能成功参与ICO的ETH会被立即返还到原来的账号。"/>
+            <p:cNvPr id="490" name="所有参与众筹的ETH都需要通过普通以太坊转账，转到智能合约地址。未能成功参与ICO的ETH会被立即返还到原来的账号。"/>
             <p:cNvSpPr txBox="1"/>
             <p:nvPr/>
           </p:nvSpPr>
@@ -31599,7 +31950,7 @@
       </p:grpSp>
       <p:grpSp>
         <p:nvGrpSpPr>
-          <p:cNvPr id="487" name="成组"/>
+          <p:cNvPr id="494" name="成组"/>
           <p:cNvGrpSpPr/>
           <p:nvPr/>
         </p:nvGrpSpPr>
@@ -31613,7 +31964,7 @@
         </p:grpSpPr>
         <p:sp>
           <p:nvSpPr>
-            <p:cNvPr id="485" name="2. LRC使用ERC20标准"/>
+            <p:cNvPr id="492" name="2. LRC使用ERC20标准"/>
             <p:cNvSpPr txBox="1"/>
             <p:nvPr/>
           </p:nvSpPr>
@@ -31664,7 +32015,7 @@
         </p:sp>
         <p:sp>
           <p:nvSpPr>
-            <p:cNvPr id="486" name="我们的代币LRC符合ERC20标准，并且所有出售的代币在ETH入账时实时发行并转账给用户的ETH地址。切记不要通过交易所直接提现ETH到我们ICO的众筹地址。"/>
+            <p:cNvPr id="493" name="我们的代币LRC符合ERC20标准，并且所有出售的代币在ETH入账时实时发行并转账给用户的ETH地址。切记不要通过交易所直接提现ETH到我们ICO的众筹地址。"/>
             <p:cNvSpPr txBox="1"/>
             <p:nvPr/>
           </p:nvSpPr>
@@ -31732,7 +32083,7 @@
       </p:grpSp>
       <p:grpSp>
         <p:nvGrpSpPr>
-          <p:cNvPr id="490" name="成组"/>
+          <p:cNvPr id="497" name="成组"/>
           <p:cNvGrpSpPr/>
           <p:nvPr/>
         </p:nvGrpSpPr>
@@ -31746,7 +32097,7 @@
         </p:grpSpPr>
         <p:sp>
           <p:nvSpPr>
-            <p:cNvPr id="488" name="3. LRC具有原生流动性"/>
+            <p:cNvPr id="495" name="3. LRC具有原生流动性"/>
             <p:cNvSpPr txBox="1"/>
             <p:nvPr/>
           </p:nvSpPr>
@@ -31797,7 +32148,7 @@
         </p:sp>
         <p:sp>
           <p:nvSpPr>
-            <p:cNvPr id="489" name="Loopring上线后，可以支持所有ERC20代币间的交易，包括LRC。Loopring为以太坊ICO生态提供0成本的上市交易。"/>
+            <p:cNvPr id="496" name="Loopring上线后，可以支持所有ERC20代币间的交易，包括LRC。Loopring为以太坊ICO生态提供0成本的上市交易。"/>
             <p:cNvSpPr txBox="1"/>
             <p:nvPr/>
           </p:nvSpPr>
@@ -31897,7 +32248,7 @@
                                       <p:cBhvr>
                                         <p:cTn id="6" fill="hold"/>
                                         <p:tgtEl>
-                                          <p:spTgt spid="487"/>
+                                          <p:spTgt spid="494"/>
                                         </p:tgtEl>
                                         <p:attrNameLst>
                                           <p:attrName>style.visibility</p:attrName>
@@ -31911,7 +32262,7 @@
                                       <p:cBhvr>
                                         <p:cTn id="7" dur="1000"/>
                                         <p:tgtEl>
-                                          <p:spTgt spid="487"/>
+                                          <p:spTgt spid="494"/>
                                         </p:tgtEl>
                                       </p:cBhvr>
                                     </p:animEffect>
@@ -31949,7 +32300,7 @@
                                       <p:cBhvr>
                                         <p:cTn id="11" fill="hold"/>
                                         <p:tgtEl>
-                                          <p:spTgt spid="490"/>
+                                          <p:spTgt spid="497"/>
                                         </p:tgtEl>
                                         <p:attrNameLst>
                                           <p:attrName>style.visibility</p:attrName>
@@ -31963,7 +32314,7 @@
                                       <p:cBhvr>
                                         <p:cTn id="12" dur="1000"/>
                                         <p:tgtEl>
-                                          <p:spTgt spid="490"/>
+                                          <p:spTgt spid="497"/>
                                         </p:tgtEl>
                                       </p:cBhvr>
                                     </p:animEffect>
@@ -31998,14 +32349,14 @@
       </p:par>
     </p:tnLst>
     <p:bldLst>
-      <p:bldP build="whole" bldLvl="1" animBg="1" rev="0" advAuto="0" spid="487" grpId="1"/>
-      <p:bldP build="whole" bldLvl="1" animBg="1" rev="0" advAuto="0" spid="490" grpId="2"/>
+      <p:bldP build="whole" bldLvl="1" animBg="1" rev="0" advAuto="0" spid="497" grpId="2"/>
+      <p:bldP build="whole" bldLvl="1" animBg="1" rev="0" advAuto="0" spid="494" grpId="1"/>
     </p:bldLst>
   </p:timing>
 </p:sld>
 </file>
 
-<file path=ppt/slides/slide32.xml><?xml version="1.0" encoding="utf-8"?>
+<file path=ppt/slides/slide33.xml><?xml version="1.0" encoding="utf-8"?>
 <p:sld xmlns:a="http://schemas.openxmlformats.org/drawingml/2006/main" xmlns:r="http://schemas.openxmlformats.org/officeDocument/2006/relationships" xmlns:p="http://schemas.openxmlformats.org/presentationml/2006/main" showMasterSp="1" showMasterPhAnim="1">
   <p:cSld>
     <p:bg>
@@ -32031,7 +32382,7 @@
       </p:grpSpPr>
       <p:sp>
         <p:nvSpPr>
-          <p:cNvPr id="492" name="计划"/>
+          <p:cNvPr id="499" name="计划"/>
           <p:cNvSpPr txBox="1"/>
           <p:nvPr/>
         </p:nvSpPr>
@@ -32079,7 +32430,7 @@
       </p:sp>
       <p:pic>
         <p:nvPicPr>
-          <p:cNvPr id="493" name="屏幕快照 2017-06-29 15.30.47.jpg" descr="屏幕快照 2017-06-29 15.30.47.jpg"/>
+          <p:cNvPr id="500" name="屏幕快照 2017-06-29 15.30.47.jpg" descr="屏幕快照 2017-06-29 15.30.47.jpg"/>
           <p:cNvPicPr>
             <a:picLocks noChangeAspect="1"/>
           </p:cNvPicPr>
@@ -32126,7 +32477,7 @@
 </p:sld>
 </file>
 
-<file path=ppt/slides/slide33.xml><?xml version="1.0" encoding="utf-8"?>
+<file path=ppt/slides/slide34.xml><?xml version="1.0" encoding="utf-8"?>
 <p:sld xmlns:a="http://schemas.openxmlformats.org/drawingml/2006/main" xmlns:r="http://schemas.openxmlformats.org/officeDocument/2006/relationships" xmlns:p="http://schemas.openxmlformats.org/presentationml/2006/main" showMasterSp="1" showMasterPhAnim="1">
   <p:cSld>
     <p:bg>
@@ -32155,7 +32506,7 @@
       </p:grpSpPr>
       <p:sp>
         <p:nvSpPr>
-          <p:cNvPr id="495" name="24-Hour Trade Volume…"/>
+          <p:cNvPr id="502" name="24-Hour Trade Volume…"/>
           <p:cNvSpPr txBox="1"/>
           <p:nvPr/>
         </p:nvSpPr>
@@ -32211,7 +32562,7 @@
       </p:sp>
       <p:sp>
         <p:nvSpPr>
-          <p:cNvPr id="496" name="$5B"/>
+          <p:cNvPr id="503" name="$5B"/>
           <p:cNvSpPr txBox="1"/>
           <p:nvPr/>
         </p:nvSpPr>
@@ -32256,7 +32607,7 @@
       </p:sp>
       <p:sp>
         <p:nvSpPr>
-          <p:cNvPr id="497" name="微信/wechat…"/>
+          <p:cNvPr id="504" name="微信/wechat…"/>
           <p:cNvSpPr txBox="1"/>
           <p:nvPr/>
         </p:nvSpPr>
@@ -32384,7 +32735,7 @@
       </p:sp>
       <p:pic>
         <p:nvPicPr>
-          <p:cNvPr id="498" name="屏幕快照 2017-06-29 12.45.29.jpg" descr="屏幕快照 2017-06-29 12.45.29.jpg"/>
+          <p:cNvPr id="505" name="屏幕快照 2017-06-29 12.45.29.jpg" descr="屏幕快照 2017-06-29 12.45.29.jpg"/>
           <p:cNvPicPr>
             <a:picLocks noChangeAspect="1"/>
           </p:cNvPicPr>

--- a/keynote/loopring-technical.pptx
+++ b/keynote/loopring-technical.pptx
@@ -543,7 +543,7 @@
       </p:grpSpPr>
       <p:sp>
         <p:nvSpPr>
-          <p:cNvPr id="168" name="Shape 168"/>
+          <p:cNvPr id="169" name="Shape 169"/>
           <p:cNvSpPr/>
           <p:nvPr>
             <p:ph type="sldImg"/>
@@ -564,7 +564,7 @@
       </p:sp>
       <p:sp>
         <p:nvSpPr>
-          <p:cNvPr id="169" name="Shape 169"/>
+          <p:cNvPr id="170" name="Shape 170"/>
           <p:cNvSpPr/>
           <p:nvPr>
             <p:ph type="body" sz="quarter" idx="1"/>
@@ -3465,6 +3465,53 @@
           </a:ln>
         </p:spPr>
       </p:pic>
+      <p:sp>
+        <p:nvSpPr>
+          <p:cNvPr id="122" name="v1.1"/>
+          <p:cNvSpPr txBox="1"/>
+          <p:nvPr/>
+        </p:nvSpPr>
+        <p:spPr>
+          <a:xfrm>
+            <a:off x="22538266" y="12927012"/>
+            <a:ext cx="491618" cy="358776"/>
+          </a:xfrm>
+          <a:prstGeom prst="rect">
+            <a:avLst/>
+          </a:prstGeom>
+          <a:ln w="12700">
+            <a:miter lim="400000"/>
+          </a:ln>
+          <a:extLst>
+            <a:ext uri="{C572A759-6A51-4108-AA02-DFA0A04FC94B}">
+              <ma14:wrappingTextBoxFlag xmlns:ma14="http://schemas.microsoft.com/office/mac/drawingml/2011/main" val="1"/>
+            </a:ext>
+          </a:extLst>
+        </p:spPr>
+        <p:txBody>
+          <a:bodyPr wrap="none" lIns="71437" tIns="71437" rIns="71437" bIns="71437" anchor="ctr">
+            <a:spAutoFit/>
+          </a:bodyPr>
+          <a:lstStyle>
+            <a:lvl1pPr algn="l">
+              <a:spcBef>
+                <a:spcPts val="5900"/>
+              </a:spcBef>
+              <a:defRPr sz="1400">
+                <a:solidFill>
+                  <a:srgbClr val="DCDEE0"/>
+                </a:solidFill>
+              </a:defRPr>
+            </a:lvl1pPr>
+          </a:lstStyle>
+          <a:p>
+            <a:pPr/>
+            <a:r>
+              <a:t>v1.1</a:t>
+            </a:r>
+          </a:p>
+        </p:txBody>
+      </p:sp>
     </p:spTree>
   </p:cSld>
   <p:clrMapOvr>
@@ -3500,7 +3547,7 @@
       </p:grpSpPr>
       <p:sp>
         <p:nvSpPr>
-          <p:cNvPr id="180" name="24-Hour Trade Volume…"/>
+          <p:cNvPr id="181" name="24-Hour Trade Volume…"/>
           <p:cNvSpPr txBox="1"/>
           <p:nvPr/>
         </p:nvSpPr>
@@ -3566,7 +3613,7 @@
       </p:sp>
       <p:sp>
         <p:nvSpPr>
-          <p:cNvPr id="181" name="$5B"/>
+          <p:cNvPr id="182" name="$5B"/>
           <p:cNvSpPr txBox="1"/>
           <p:nvPr/>
         </p:nvSpPr>
@@ -3616,7 +3663,7 @@
       </p:sp>
       <p:sp>
         <p:nvSpPr>
-          <p:cNvPr id="182" name="Poloniex…"/>
+          <p:cNvPr id="183" name="Poloniex…"/>
           <p:cNvSpPr txBox="1"/>
           <p:nvPr/>
         </p:nvSpPr>
@@ -3946,7 +3993,7 @@
       </p:sp>
       <p:sp>
         <p:nvSpPr>
-          <p:cNvPr id="183" name="问题#1: 用户资产需要托管…"/>
+          <p:cNvPr id="184" name="问题#1: 用户资产需要托管…"/>
           <p:cNvSpPr/>
           <p:nvPr/>
         </p:nvSpPr>
@@ -4009,7 +4056,7 @@
       </p:sp>
       <p:sp>
         <p:nvSpPr>
-          <p:cNvPr id="184" name="问题#2: 交易所内幕交易…"/>
+          <p:cNvPr id="185" name="问题#2: 交易所内幕交易…"/>
           <p:cNvSpPr/>
           <p:nvPr/>
         </p:nvSpPr>
@@ -4072,7 +4119,7 @@
       </p:sp>
       <p:sp>
         <p:nvSpPr>
-          <p:cNvPr id="185" name="问题#3: 订单散落到多交易所…"/>
+          <p:cNvPr id="186" name="问题#3: 订单散落到多交易所…"/>
           <p:cNvSpPr/>
           <p:nvPr/>
         </p:nvSpPr>
@@ -4135,7 +4182,7 @@
       </p:sp>
       <p:sp>
         <p:nvSpPr>
-          <p:cNvPr id="186" name="问题#4: 缺少或没有监管…"/>
+          <p:cNvPr id="187" name="问题#4: 缺少或没有监管…"/>
           <p:cNvSpPr/>
           <p:nvPr/>
         </p:nvSpPr>
@@ -4198,7 +4245,7 @@
       </p:sp>
       <p:sp>
         <p:nvSpPr>
-          <p:cNvPr id="187" name="中心化交易所"/>
+          <p:cNvPr id="188" name="中心化交易所"/>
           <p:cNvSpPr txBox="1"/>
           <p:nvPr/>
         </p:nvSpPr>
@@ -4282,7 +4329,7 @@
       </p:grpSpPr>
       <p:sp>
         <p:nvSpPr>
-          <p:cNvPr id="189" name="24-Hour Trade Volume…"/>
+          <p:cNvPr id="190" name="24-Hour Trade Volume…"/>
           <p:cNvSpPr txBox="1"/>
           <p:nvPr/>
         </p:nvSpPr>
@@ -4348,7 +4395,7 @@
       </p:sp>
       <p:sp>
         <p:nvSpPr>
-          <p:cNvPr id="190" name="$5B"/>
+          <p:cNvPr id="191" name="$5B"/>
           <p:cNvSpPr txBox="1"/>
           <p:nvPr/>
         </p:nvSpPr>
@@ -4398,7 +4445,7 @@
       </p:sp>
       <p:sp>
         <p:nvSpPr>
-          <p:cNvPr id="191" name="Poloniex…"/>
+          <p:cNvPr id="192" name="Poloniex…"/>
           <p:cNvSpPr txBox="1"/>
           <p:nvPr/>
         </p:nvSpPr>
@@ -4728,7 +4775,7 @@
       </p:sp>
       <p:sp>
         <p:nvSpPr>
-          <p:cNvPr id="192" name="问题#1: 用户资产需要托管…"/>
+          <p:cNvPr id="193" name="问题#1: 用户资产需要托管…"/>
           <p:cNvSpPr/>
           <p:nvPr/>
         </p:nvSpPr>
@@ -4791,7 +4838,7 @@
       </p:sp>
       <p:sp>
         <p:nvSpPr>
-          <p:cNvPr id="193" name="问题#2: 交易所内幕交易…"/>
+          <p:cNvPr id="194" name="问题#2: 交易所内幕交易…"/>
           <p:cNvSpPr/>
           <p:nvPr/>
         </p:nvSpPr>
@@ -4854,7 +4901,7 @@
       </p:sp>
       <p:sp>
         <p:nvSpPr>
-          <p:cNvPr id="194" name="问题#3: 订单散落到多交易所…"/>
+          <p:cNvPr id="195" name="问题#3: 订单散落到多交易所…"/>
           <p:cNvSpPr/>
           <p:nvPr/>
         </p:nvSpPr>
@@ -4917,7 +4964,7 @@
       </p:sp>
       <p:sp>
         <p:nvSpPr>
-          <p:cNvPr id="195" name="问题#4: 缺少或没有监管…"/>
+          <p:cNvPr id="196" name="问题#4: 缺少或没有监管…"/>
           <p:cNvSpPr/>
           <p:nvPr/>
         </p:nvSpPr>
@@ -4980,7 +5027,7 @@
       </p:sp>
       <p:sp>
         <p:nvSpPr>
-          <p:cNvPr id="196" name="中心化交易所"/>
+          <p:cNvPr id="197" name="中心化交易所"/>
           <p:cNvSpPr txBox="1"/>
           <p:nvPr/>
         </p:nvSpPr>
@@ -5064,7 +5111,7 @@
       </p:grpSpPr>
       <p:sp>
         <p:nvSpPr>
-          <p:cNvPr id="198" name="问题#1: 用户资产需要托管…"/>
+          <p:cNvPr id="199" name="问题#1: 用户资产需要托管…"/>
           <p:cNvSpPr/>
           <p:nvPr/>
         </p:nvSpPr>
@@ -5127,7 +5174,7 @@
       </p:sp>
       <p:sp>
         <p:nvSpPr>
-          <p:cNvPr id="199" name="问题#2: 交易所内幕交易…"/>
+          <p:cNvPr id="200" name="问题#2: 交易所内幕交易…"/>
           <p:cNvSpPr/>
           <p:nvPr/>
         </p:nvSpPr>
@@ -5190,7 +5237,7 @@
       </p:sp>
       <p:sp>
         <p:nvSpPr>
-          <p:cNvPr id="200" name="问题#3: 订单散落到多交易所…"/>
+          <p:cNvPr id="201" name="问题#3: 订单散落到多交易所…"/>
           <p:cNvSpPr/>
           <p:nvPr/>
         </p:nvSpPr>
@@ -5253,7 +5300,7 @@
       </p:sp>
       <p:sp>
         <p:nvSpPr>
-          <p:cNvPr id="201" name="问题#4: 缺少或没有监管…"/>
+          <p:cNvPr id="202" name="问题#4: 缺少或没有监管…"/>
           <p:cNvSpPr/>
           <p:nvPr/>
         </p:nvSpPr>
@@ -5316,7 +5363,7 @@
       </p:sp>
       <p:sp>
         <p:nvSpPr>
-          <p:cNvPr id="202" name="{"/>
+          <p:cNvPr id="203" name="{"/>
           <p:cNvSpPr txBox="1"/>
           <p:nvPr/>
         </p:nvSpPr>
@@ -5361,7 +5408,7 @@
       </p:sp>
       <p:grpSp>
         <p:nvGrpSpPr>
-          <p:cNvPr id="205" name="成组"/>
+          <p:cNvPr id="206" name="成组"/>
           <p:cNvGrpSpPr/>
           <p:nvPr/>
         </p:nvGrpSpPr>
@@ -5375,7 +5422,7 @@
         </p:grpSpPr>
         <p:sp>
           <p:nvSpPr>
-            <p:cNvPr id="203" name="Loopring"/>
+            <p:cNvPr id="204" name="Loopring"/>
             <p:cNvSpPr txBox="1"/>
             <p:nvPr/>
           </p:nvSpPr>
@@ -5423,7 +5470,7 @@
         </p:sp>
         <p:sp>
           <p:nvSpPr>
-            <p:cNvPr id="204" name="去中心化代币交易所和协议"/>
+            <p:cNvPr id="205" name="去中心化代币交易所和协议"/>
             <p:cNvSpPr txBox="1"/>
             <p:nvPr/>
           </p:nvSpPr>
@@ -5472,7 +5519,7 @@
       </p:grpSp>
       <p:sp>
         <p:nvSpPr>
-          <p:cNvPr id="206" name="中心化交易所"/>
+          <p:cNvPr id="207" name="中心化交易所"/>
           <p:cNvSpPr txBox="1"/>
           <p:nvPr/>
         </p:nvSpPr>
@@ -5556,7 +5603,7 @@
       </p:grpSpPr>
       <p:sp>
         <p:nvSpPr>
-          <p:cNvPr id="208" name="Centralized…"/>
+          <p:cNvPr id="209" name="Centralized…"/>
           <p:cNvSpPr txBox="1"/>
           <p:nvPr/>
         </p:nvSpPr>
@@ -5610,7 +5657,7 @@
       </p:sp>
       <p:sp>
         <p:nvSpPr>
-          <p:cNvPr id="209" name="问题#1: 用户资产需要托管…"/>
+          <p:cNvPr id="210" name="问题#1: 用户资产需要托管…"/>
           <p:cNvSpPr/>
           <p:nvPr/>
         </p:nvSpPr>
@@ -5673,7 +5720,7 @@
       </p:sp>
       <p:sp>
         <p:nvSpPr>
-          <p:cNvPr id="210" name="问题#2: 交易所内幕交易…"/>
+          <p:cNvPr id="211" name="问题#2: 交易所内幕交易…"/>
           <p:cNvSpPr/>
           <p:nvPr/>
         </p:nvSpPr>
@@ -5736,7 +5783,7 @@
       </p:sp>
       <p:sp>
         <p:nvSpPr>
-          <p:cNvPr id="211" name="问题#3: 订单散落到多交易所…"/>
+          <p:cNvPr id="212" name="问题#3: 订单散落到多交易所…"/>
           <p:cNvSpPr/>
           <p:nvPr/>
         </p:nvSpPr>
@@ -5799,7 +5846,7 @@
       </p:sp>
       <p:sp>
         <p:nvSpPr>
-          <p:cNvPr id="212" name="{"/>
+          <p:cNvPr id="213" name="{"/>
           <p:cNvSpPr txBox="1"/>
           <p:nvPr/>
         </p:nvSpPr>
@@ -5844,7 +5891,7 @@
       </p:sp>
       <p:grpSp>
         <p:nvGrpSpPr>
-          <p:cNvPr id="215" name="成组"/>
+          <p:cNvPr id="216" name="成组"/>
           <p:cNvGrpSpPr/>
           <p:nvPr/>
         </p:nvGrpSpPr>
@@ -5858,7 +5905,7 @@
         </p:grpSpPr>
         <p:sp>
           <p:nvSpPr>
-            <p:cNvPr id="213" name="1.资产无需托管"/>
+            <p:cNvPr id="214" name="1.资产无需托管"/>
             <p:cNvSpPr txBox="1"/>
             <p:nvPr/>
           </p:nvSpPr>
@@ -5906,7 +5953,7 @@
         </p:sp>
         <p:sp>
           <p:nvSpPr>
-            <p:cNvPr id="214" name="没有充值提现过程，用户订单中的代币一直存放在用户区块链账户中，同时订单不锁定代币，下单后依然可以任意支配资产。"/>
+            <p:cNvPr id="215" name="没有充值提现过程，用户订单中的代币一直存放在用户区块链账户中，同时订单不锁定代币，下单后依然可以任意支配资产。"/>
             <p:cNvSpPr txBox="1"/>
             <p:nvPr/>
           </p:nvSpPr>
@@ -5955,7 +6002,7 @@
       </p:grpSp>
       <p:grpSp>
         <p:nvGrpSpPr>
-          <p:cNvPr id="218" name="成组"/>
+          <p:cNvPr id="219" name="成组"/>
           <p:cNvGrpSpPr/>
           <p:nvPr/>
         </p:nvGrpSpPr>
@@ -5969,7 +6016,7 @@
         </p:grpSpPr>
         <p:sp>
           <p:nvSpPr>
-            <p:cNvPr id="216" name="2. 区块链上交易清算"/>
+            <p:cNvPr id="217" name="2. 区块链上交易清算"/>
             <p:cNvSpPr txBox="1"/>
             <p:nvPr/>
           </p:nvSpPr>
@@ -6017,7 +6064,7 @@
         </p:sp>
         <p:sp>
           <p:nvSpPr>
-            <p:cNvPr id="217" name="订单链外生成，传播和撮合；链上做交易和验证和清结算，清结算通过智能合约保障原执行。不会再有内幕交易。"/>
+            <p:cNvPr id="218" name="订单链外生成，传播和撮合；链上做交易和验证和清结算，清结算通过智能合约保障原执行。不会再有内幕交易。"/>
             <p:cNvSpPr txBox="1"/>
             <p:nvPr/>
           </p:nvSpPr>
@@ -6066,7 +6113,7 @@
       </p:grpSp>
       <p:grpSp>
         <p:nvGrpSpPr>
-          <p:cNvPr id="221" name="成组"/>
+          <p:cNvPr id="222" name="成组"/>
           <p:cNvGrpSpPr/>
           <p:nvPr/>
         </p:nvGrpSpPr>
@@ -6080,7 +6127,7 @@
         </p:grpSpPr>
         <p:sp>
           <p:nvSpPr>
-            <p:cNvPr id="219" name="3. 订单共享"/>
+            <p:cNvPr id="220" name="3. 订单共享"/>
             <p:cNvSpPr txBox="1"/>
             <p:nvPr/>
           </p:nvSpPr>
@@ -6128,7 +6175,7 @@
         </p:sp>
         <p:sp>
           <p:nvSpPr>
-            <p:cNvPr id="220" name="订单可以被广播给一个或多个交易所，做联合的，同时也是竞争式的撮合。用户成交价格更优惠，流动性更大。"/>
+            <p:cNvPr id="221" name="订单可以被广播给一个或多个交易所，做联合的，同时也是竞争式的撮合。用户成交价格更优惠，流动性更大。"/>
             <p:cNvSpPr txBox="1"/>
             <p:nvPr/>
           </p:nvSpPr>
@@ -6177,7 +6224,7 @@
       </p:grpSp>
       <p:grpSp>
         <p:nvGrpSpPr>
-          <p:cNvPr id="224" name="成组"/>
+          <p:cNvPr id="225" name="成组"/>
           <p:cNvGrpSpPr/>
           <p:nvPr/>
         </p:nvGrpSpPr>
@@ -6191,7 +6238,7 @@
         </p:grpSpPr>
         <p:sp>
           <p:nvSpPr>
-            <p:cNvPr id="222" name="4.多订单环路撮合"/>
+            <p:cNvPr id="223" name="4.多订单环路撮合"/>
             <p:cNvSpPr txBox="1"/>
             <p:nvPr/>
           </p:nvSpPr>
@@ -6239,7 +6286,7 @@
         </p:sp>
         <p:sp>
           <p:nvSpPr>
-            <p:cNvPr id="223" name="革命性的“环路撮合”机制，允许任意两个虚拟货币之间的交易。同时能够更大程度上生成新的流动性。"/>
+            <p:cNvPr id="224" name="革命性的“环路撮合”机制，允许任意两个虚拟货币之间的交易。同时能够更大程度上生成新的流动性。"/>
             <p:cNvSpPr txBox="1"/>
             <p:nvPr/>
           </p:nvSpPr>
@@ -6288,7 +6335,7 @@
       </p:grpSp>
       <p:grpSp>
         <p:nvGrpSpPr>
-          <p:cNvPr id="227" name="成组"/>
+          <p:cNvPr id="228" name="成组"/>
           <p:cNvGrpSpPr/>
           <p:nvPr/>
         </p:nvGrpSpPr>
@@ -6302,7 +6349,7 @@
         </p:grpSpPr>
         <p:sp>
           <p:nvSpPr>
-            <p:cNvPr id="225" name="Loopring"/>
+            <p:cNvPr id="226" name="Loopring"/>
             <p:cNvSpPr txBox="1"/>
             <p:nvPr/>
           </p:nvSpPr>
@@ -6350,7 +6397,7 @@
         </p:sp>
         <p:sp>
           <p:nvSpPr>
-            <p:cNvPr id="226" name="去中心化代币交易所和协议"/>
+            <p:cNvPr id="227" name="去中心化代币交易所和协议"/>
             <p:cNvSpPr txBox="1"/>
             <p:nvPr/>
           </p:nvSpPr>
@@ -6447,7 +6494,7 @@
                                       <p:cBhvr>
                                         <p:cTn id="6" fill="hold"/>
                                         <p:tgtEl>
-                                          <p:spTgt spid="218"/>
+                                          <p:spTgt spid="219"/>
                                         </p:tgtEl>
                                         <p:attrNameLst>
                                           <p:attrName>style.visibility</p:attrName>
@@ -6461,7 +6508,7 @@
                                       <p:cBhvr>
                                         <p:cTn id="7" dur="1000"/>
                                         <p:tgtEl>
-                                          <p:spTgt spid="218"/>
+                                          <p:spTgt spid="219"/>
                                         </p:tgtEl>
                                       </p:cBhvr>
                                     </p:animEffect>
@@ -6499,7 +6546,7 @@
                                       <p:cBhvr>
                                         <p:cTn id="11" fill="hold"/>
                                         <p:tgtEl>
-                                          <p:spTgt spid="221"/>
+                                          <p:spTgt spid="222"/>
                                         </p:tgtEl>
                                         <p:attrNameLst>
                                           <p:attrName>style.visibility</p:attrName>
@@ -6513,7 +6560,7 @@
                                       <p:cBhvr>
                                         <p:cTn id="12" dur="1000"/>
                                         <p:tgtEl>
-                                          <p:spTgt spid="221"/>
+                                          <p:spTgt spid="222"/>
                                         </p:tgtEl>
                                       </p:cBhvr>
                                     </p:animEffect>
@@ -6551,7 +6598,7 @@
                                       <p:cBhvr>
                                         <p:cTn id="16" fill="hold"/>
                                         <p:tgtEl>
-                                          <p:spTgt spid="224"/>
+                                          <p:spTgt spid="225"/>
                                         </p:tgtEl>
                                         <p:attrNameLst>
                                           <p:attrName>style.visibility</p:attrName>
@@ -6565,7 +6612,7 @@
                                       <p:cBhvr>
                                         <p:cTn id="17" dur="1000"/>
                                         <p:tgtEl>
-                                          <p:spTgt spid="224"/>
+                                          <p:spTgt spid="225"/>
                                         </p:tgtEl>
                                       </p:cBhvr>
                                     </p:animEffect>
@@ -6600,9 +6647,9 @@
       </p:par>
     </p:tnLst>
     <p:bldLst>
-      <p:bldP build="whole" bldLvl="1" animBg="1" rev="0" advAuto="0" spid="218" grpId="1"/>
-      <p:bldP build="whole" bldLvl="1" animBg="1" rev="0" advAuto="0" spid="221" grpId="2"/>
-      <p:bldP build="whole" bldLvl="1" animBg="1" rev="0" advAuto="0" spid="224" grpId="3"/>
+      <p:bldP build="whole" bldLvl="1" animBg="1" rev="0" advAuto="0" spid="225" grpId="3"/>
+      <p:bldP build="whole" bldLvl="1" animBg="1" rev="0" advAuto="0" spid="219" grpId="1"/>
+      <p:bldP build="whole" bldLvl="1" animBg="1" rev="0" advAuto="0" spid="222" grpId="2"/>
     </p:bldLst>
   </p:timing>
 </p:sld>
@@ -6634,7 +6681,7 @@
       </p:grpSpPr>
       <p:pic>
         <p:nvPicPr>
-          <p:cNvPr id="229" name="pasted-image.pdf" descr="pasted-image.pdf"/>
+          <p:cNvPr id="230" name="pasted-image.pdf" descr="pasted-image.pdf"/>
           <p:cNvPicPr>
             <a:picLocks noChangeAspect="1"/>
           </p:cNvPicPr>
@@ -6663,7 +6710,7 @@
       </p:pic>
       <p:pic>
         <p:nvPicPr>
-          <p:cNvPr id="230" name="pasted-image.pdf" descr="pasted-image.pdf"/>
+          <p:cNvPr id="231" name="pasted-image.pdf" descr="pasted-image.pdf"/>
           <p:cNvPicPr>
             <a:picLocks noChangeAspect="1"/>
           </p:cNvPicPr>
@@ -6692,7 +6739,7 @@
       </p:pic>
       <p:pic>
         <p:nvPicPr>
-          <p:cNvPr id="231" name="pasted-image.pdf" descr="pasted-image.pdf"/>
+          <p:cNvPr id="232" name="pasted-image.pdf" descr="pasted-image.pdf"/>
           <p:cNvPicPr>
             <a:picLocks noChangeAspect="1"/>
           </p:cNvPicPr>
@@ -6721,7 +6768,7 @@
       </p:pic>
       <p:sp>
         <p:nvSpPr>
-          <p:cNvPr id="232" name="order#1…"/>
+          <p:cNvPr id="233" name="order#1…"/>
           <p:cNvSpPr/>
           <p:nvPr/>
         </p:nvSpPr>
@@ -6874,7 +6921,7 @@
       </p:sp>
       <p:sp>
         <p:nvSpPr>
-          <p:cNvPr id="233" name="order#1…"/>
+          <p:cNvPr id="234" name="order#1…"/>
           <p:cNvSpPr/>
           <p:nvPr/>
         </p:nvSpPr>
@@ -7027,7 +7074,7 @@
       </p:sp>
       <p:sp>
         <p:nvSpPr>
-          <p:cNvPr id="234" name="order#1…"/>
+          <p:cNvPr id="235" name="order#1…"/>
           <p:cNvSpPr/>
           <p:nvPr/>
         </p:nvSpPr>
@@ -7180,7 +7227,7 @@
       </p:sp>
       <p:sp>
         <p:nvSpPr>
-          <p:cNvPr id="235" name="order#2…"/>
+          <p:cNvPr id="236" name="order#2…"/>
           <p:cNvSpPr/>
           <p:nvPr/>
         </p:nvSpPr>
@@ -7333,7 +7380,7 @@
       </p:sp>
       <p:sp>
         <p:nvSpPr>
-          <p:cNvPr id="236" name="order#2…"/>
+          <p:cNvPr id="237" name="order#2…"/>
           <p:cNvSpPr/>
           <p:nvPr/>
         </p:nvSpPr>
@@ -7486,7 +7533,7 @@
       </p:sp>
       <p:sp>
         <p:nvSpPr>
-          <p:cNvPr id="237" name="order#2…"/>
+          <p:cNvPr id="238" name="order#2…"/>
           <p:cNvSpPr/>
           <p:nvPr/>
         </p:nvSpPr>
@@ -7639,7 +7686,7 @@
       </p:sp>
       <p:sp>
         <p:nvSpPr>
-          <p:cNvPr id="238" name="order#2…"/>
+          <p:cNvPr id="239" name="order#2…"/>
           <p:cNvSpPr/>
           <p:nvPr/>
         </p:nvSpPr>
@@ -7792,7 +7839,7 @@
       </p:sp>
       <p:sp>
         <p:nvSpPr>
-          <p:cNvPr id="239" name="order#1…"/>
+          <p:cNvPr id="240" name="order#1…"/>
           <p:cNvSpPr/>
           <p:nvPr/>
         </p:nvSpPr>
@@ -7945,7 +7992,7 @@
       </p:sp>
       <p:grpSp>
         <p:nvGrpSpPr>
-          <p:cNvPr id="242" name="成组"/>
+          <p:cNvPr id="243" name="成组"/>
           <p:cNvGrpSpPr/>
           <p:nvPr/>
         </p:nvGrpSpPr>
@@ -7959,7 +8006,7 @@
         </p:grpSpPr>
         <p:sp>
           <p:nvSpPr>
-            <p:cNvPr id="240" name="Loopring"/>
+            <p:cNvPr id="241" name="Loopring"/>
             <p:cNvSpPr txBox="1"/>
             <p:nvPr/>
           </p:nvSpPr>
@@ -8007,7 +8054,7 @@
         </p:sp>
         <p:sp>
           <p:nvSpPr>
-            <p:cNvPr id="241" name="去中心化代币交易所和协议"/>
+            <p:cNvPr id="242" name="去中心化代币交易所和协议"/>
             <p:cNvSpPr txBox="1"/>
             <p:nvPr/>
           </p:nvSpPr>
@@ -8104,7 +8151,7 @@
                                       <p:cBhvr>
                                         <p:cTn id="6" fill="hold"/>
                                         <p:tgtEl>
-                                          <p:spTgt spid="229"/>
+                                          <p:spTgt spid="230"/>
                                         </p:tgtEl>
                                         <p:attrNameLst>
                                           <p:attrName>style.visibility</p:attrName>
@@ -8118,7 +8165,7 @@
                                       <p:cBhvr>
                                         <p:cTn id="7" dur="1000"/>
                                         <p:tgtEl>
-                                          <p:spTgt spid="229"/>
+                                          <p:spTgt spid="230"/>
                                         </p:tgtEl>
                                       </p:cBhvr>
                                     </p:animEffect>
@@ -8147,7 +8194,7 @@
                                       <p:cBhvr>
                                         <p:cTn id="10" fill="hold"/>
                                         <p:tgtEl>
-                                          <p:spTgt spid="230"/>
+                                          <p:spTgt spid="231"/>
                                         </p:tgtEl>
                                         <p:attrNameLst>
                                           <p:attrName>style.visibility</p:attrName>
@@ -8161,7 +8208,7 @@
                                       <p:cBhvr>
                                         <p:cTn id="11" dur="1000"/>
                                         <p:tgtEl>
-                                          <p:spTgt spid="230"/>
+                                          <p:spTgt spid="231"/>
                                         </p:tgtEl>
                                       </p:cBhvr>
                                     </p:animEffect>
@@ -8190,7 +8237,7 @@
                                       <p:cBhvr>
                                         <p:cTn id="14" fill="hold"/>
                                         <p:tgtEl>
-                                          <p:spTgt spid="231"/>
+                                          <p:spTgt spid="232"/>
                                         </p:tgtEl>
                                         <p:attrNameLst>
                                           <p:attrName>style.visibility</p:attrName>
@@ -8204,7 +8251,7 @@
                                       <p:cBhvr>
                                         <p:cTn id="15" dur="1000"/>
                                         <p:tgtEl>
-                                          <p:spTgt spid="231"/>
+                                          <p:spTgt spid="232"/>
                                         </p:tgtEl>
                                       </p:cBhvr>
                                     </p:animEffect>
@@ -8239,9 +8286,9 @@
       </p:par>
     </p:tnLst>
     <p:bldLst>
-      <p:bldP build="whole" bldLvl="1" animBg="1" rev="0" advAuto="0" spid="231" grpId="3"/>
-      <p:bldP build="whole" bldLvl="1" animBg="1" rev="0" advAuto="0" spid="230" grpId="2"/>
-      <p:bldP build="whole" bldLvl="1" animBg="1" rev="0" advAuto="0" spid="229" grpId="1"/>
+      <p:bldP build="whole" bldLvl="1" animBg="1" rev="0" advAuto="0" spid="232" grpId="3"/>
+      <p:bldP build="whole" bldLvl="1" animBg="1" rev="0" advAuto="0" spid="230" grpId="1"/>
+      <p:bldP build="whole" bldLvl="1" animBg="1" rev="0" advAuto="0" spid="231" grpId="2"/>
     </p:bldLst>
   </p:timing>
 </p:sld>
@@ -8273,7 +8320,7 @@
       </p:grpSpPr>
       <p:pic>
         <p:nvPicPr>
-          <p:cNvPr id="244" name="pasted-image.pdf" descr="pasted-image.pdf"/>
+          <p:cNvPr id="245" name="pasted-image.pdf" descr="pasted-image.pdf"/>
           <p:cNvPicPr>
             <a:picLocks noChangeAspect="1"/>
           </p:cNvPicPr>
@@ -8302,7 +8349,7 @@
       </p:pic>
       <p:pic>
         <p:nvPicPr>
-          <p:cNvPr id="245" name="pasted-image.pdf" descr="pasted-image.pdf"/>
+          <p:cNvPr id="246" name="pasted-image.pdf" descr="pasted-image.pdf"/>
           <p:cNvPicPr>
             <a:picLocks noChangeAspect="1"/>
           </p:cNvPicPr>
@@ -8331,7 +8378,7 @@
       </p:pic>
       <p:pic>
         <p:nvPicPr>
-          <p:cNvPr id="246" name="pasted-image.pdf" descr="pasted-image.pdf"/>
+          <p:cNvPr id="247" name="pasted-image.pdf" descr="pasted-image.pdf"/>
           <p:cNvPicPr>
             <a:picLocks noChangeAspect="1"/>
           </p:cNvPicPr>
@@ -8360,7 +8407,7 @@
       </p:pic>
       <p:sp>
         <p:nvSpPr>
-          <p:cNvPr id="247" name="order#1…"/>
+          <p:cNvPr id="248" name="order#1…"/>
           <p:cNvSpPr/>
           <p:nvPr/>
         </p:nvSpPr>
@@ -8513,7 +8560,7 @@
       </p:sp>
       <p:sp>
         <p:nvSpPr>
-          <p:cNvPr id="248" name="order#1…"/>
+          <p:cNvPr id="249" name="order#1…"/>
           <p:cNvSpPr/>
           <p:nvPr/>
         </p:nvSpPr>
@@ -8666,7 +8713,7 @@
       </p:sp>
       <p:sp>
         <p:nvSpPr>
-          <p:cNvPr id="249" name="order#2…"/>
+          <p:cNvPr id="250" name="order#2…"/>
           <p:cNvSpPr/>
           <p:nvPr/>
         </p:nvSpPr>
@@ -8819,7 +8866,7 @@
       </p:sp>
       <p:sp>
         <p:nvSpPr>
-          <p:cNvPr id="250" name="order#2…"/>
+          <p:cNvPr id="251" name="order#2…"/>
           <p:cNvSpPr/>
           <p:nvPr/>
         </p:nvSpPr>
@@ -8972,7 +9019,7 @@
       </p:sp>
       <p:sp>
         <p:nvSpPr>
-          <p:cNvPr id="251" name="order#1…"/>
+          <p:cNvPr id="252" name="order#1…"/>
           <p:cNvSpPr/>
           <p:nvPr/>
         </p:nvSpPr>
@@ -9125,7 +9172,7 @@
       </p:sp>
       <p:sp>
         <p:nvSpPr>
-          <p:cNvPr id="252" name="order#2…"/>
+          <p:cNvPr id="253" name="order#2…"/>
           <p:cNvSpPr/>
           <p:nvPr/>
         </p:nvSpPr>
@@ -9278,7 +9325,7 @@
       </p:sp>
       <p:sp>
         <p:nvSpPr>
-          <p:cNvPr id="253" name="order#2…"/>
+          <p:cNvPr id="254" name="order#2…"/>
           <p:cNvSpPr/>
           <p:nvPr/>
         </p:nvSpPr>
@@ -9431,7 +9478,7 @@
       </p:sp>
       <p:sp>
         <p:nvSpPr>
-          <p:cNvPr id="254" name="order#1…"/>
+          <p:cNvPr id="255" name="order#1…"/>
           <p:cNvSpPr/>
           <p:nvPr/>
         </p:nvSpPr>
@@ -9584,7 +9631,7 @@
       </p:sp>
       <p:grpSp>
         <p:nvGrpSpPr>
-          <p:cNvPr id="257" name="成组"/>
+          <p:cNvPr id="258" name="成组"/>
           <p:cNvGrpSpPr/>
           <p:nvPr/>
         </p:nvGrpSpPr>
@@ -9598,7 +9645,7 @@
         </p:grpSpPr>
         <p:sp>
           <p:nvSpPr>
-            <p:cNvPr id="255" name="Loopring"/>
+            <p:cNvPr id="256" name="Loopring"/>
             <p:cNvSpPr txBox="1"/>
             <p:nvPr/>
           </p:nvSpPr>
@@ -9646,7 +9693,7 @@
         </p:sp>
         <p:sp>
           <p:nvSpPr>
-            <p:cNvPr id="256" name="去中心化代币交易所和协议"/>
+            <p:cNvPr id="257" name="去中心化代币交易所和协议"/>
             <p:cNvSpPr txBox="1"/>
             <p:nvPr/>
           </p:nvSpPr>
@@ -9739,7 +9786,7 @@
       </p:grpSpPr>
       <p:pic>
         <p:nvPicPr>
-          <p:cNvPr id="259" name="pasted-image.pdf" descr="pasted-image.pdf"/>
+          <p:cNvPr id="260" name="pasted-image.pdf" descr="pasted-image.pdf"/>
           <p:cNvPicPr>
             <a:picLocks noChangeAspect="1"/>
           </p:cNvPicPr>
@@ -9768,7 +9815,7 @@
       </p:pic>
       <p:pic>
         <p:nvPicPr>
-          <p:cNvPr id="260" name="pasted-image.pdf" descr="pasted-image.pdf"/>
+          <p:cNvPr id="261" name="pasted-image.pdf" descr="pasted-image.pdf"/>
           <p:cNvPicPr>
             <a:picLocks noChangeAspect="1"/>
           </p:cNvPicPr>
@@ -9797,7 +9844,7 @@
       </p:pic>
       <p:pic>
         <p:nvPicPr>
-          <p:cNvPr id="261" name="pasted-image.pdf" descr="pasted-image.pdf"/>
+          <p:cNvPr id="262" name="pasted-image.pdf" descr="pasted-image.pdf"/>
           <p:cNvPicPr>
             <a:picLocks noChangeAspect="1"/>
           </p:cNvPicPr>
@@ -9826,7 +9873,7 @@
       </p:pic>
       <p:pic>
         <p:nvPicPr>
-          <p:cNvPr id="262" name="pasted-image.pdf" descr="pasted-image.pdf"/>
+          <p:cNvPr id="263" name="pasted-image.pdf" descr="pasted-image.pdf"/>
           <p:cNvPicPr>
             <a:picLocks noChangeAspect="1"/>
           </p:cNvPicPr>
@@ -9855,7 +9902,7 @@
       </p:pic>
       <p:sp>
         <p:nvSpPr>
-          <p:cNvPr id="263" name="order#1…"/>
+          <p:cNvPr id="264" name="order#1…"/>
           <p:cNvSpPr/>
           <p:nvPr/>
         </p:nvSpPr>
@@ -10008,7 +10055,7 @@
       </p:sp>
       <p:sp>
         <p:nvSpPr>
-          <p:cNvPr id="264" name="order#1…"/>
+          <p:cNvPr id="265" name="order#1…"/>
           <p:cNvSpPr/>
           <p:nvPr/>
         </p:nvSpPr>
@@ -10161,7 +10208,7 @@
       </p:sp>
       <p:sp>
         <p:nvSpPr>
-          <p:cNvPr id="265" name="order#2…"/>
+          <p:cNvPr id="266" name="order#2…"/>
           <p:cNvSpPr/>
           <p:nvPr/>
         </p:nvSpPr>
@@ -10314,7 +10361,7 @@
       </p:sp>
       <p:sp>
         <p:nvSpPr>
-          <p:cNvPr id="266" name="order#2…"/>
+          <p:cNvPr id="267" name="order#2…"/>
           <p:cNvSpPr/>
           <p:nvPr/>
         </p:nvSpPr>
@@ -10467,7 +10514,7 @@
       </p:sp>
       <p:sp>
         <p:nvSpPr>
-          <p:cNvPr id="267" name="order#1…"/>
+          <p:cNvPr id="268" name="order#1…"/>
           <p:cNvSpPr/>
           <p:nvPr/>
         </p:nvSpPr>
@@ -10620,7 +10667,7 @@
       </p:sp>
       <p:sp>
         <p:nvSpPr>
-          <p:cNvPr id="268" name="order#2…"/>
+          <p:cNvPr id="269" name="order#2…"/>
           <p:cNvSpPr/>
           <p:nvPr/>
         </p:nvSpPr>
@@ -10773,7 +10820,7 @@
       </p:sp>
       <p:sp>
         <p:nvSpPr>
-          <p:cNvPr id="269" name="order#2…"/>
+          <p:cNvPr id="270" name="order#2…"/>
           <p:cNvSpPr/>
           <p:nvPr/>
         </p:nvSpPr>
@@ -10926,7 +10973,7 @@
       </p:sp>
       <p:sp>
         <p:nvSpPr>
-          <p:cNvPr id="270" name="order#1…"/>
+          <p:cNvPr id="271" name="order#1…"/>
           <p:cNvSpPr/>
           <p:nvPr/>
         </p:nvSpPr>
@@ -11079,7 +11126,7 @@
       </p:sp>
       <p:sp>
         <p:nvSpPr>
-          <p:cNvPr id="271" name="Blockchain"/>
+          <p:cNvPr id="272" name="Blockchain"/>
           <p:cNvSpPr/>
           <p:nvPr/>
         </p:nvSpPr>
@@ -11134,7 +11181,7 @@
       </p:sp>
       <p:sp>
         <p:nvSpPr>
-          <p:cNvPr id="272" name="address_X"/>
+          <p:cNvPr id="273" name="address_X"/>
           <p:cNvSpPr/>
           <p:nvPr/>
         </p:nvSpPr>
@@ -11186,7 +11233,7 @@
       </p:sp>
       <p:sp>
         <p:nvSpPr>
-          <p:cNvPr id="273" name="address_Y"/>
+          <p:cNvPr id="274" name="address_Y"/>
           <p:cNvSpPr/>
           <p:nvPr/>
         </p:nvSpPr>
@@ -11238,7 +11285,7 @@
       </p:sp>
       <p:sp>
         <p:nvSpPr>
-          <p:cNvPr id="274" name="Loopring…"/>
+          <p:cNvPr id="275" name="Loopring…"/>
           <p:cNvSpPr/>
           <p:nvPr/>
         </p:nvSpPr>
@@ -11300,7 +11347,7 @@
       </p:sp>
       <p:grpSp>
         <p:nvGrpSpPr>
-          <p:cNvPr id="277" name="成组"/>
+          <p:cNvPr id="278" name="成组"/>
           <p:cNvGrpSpPr/>
           <p:nvPr/>
         </p:nvGrpSpPr>
@@ -11314,7 +11361,7 @@
         </p:grpSpPr>
         <p:sp>
           <p:nvSpPr>
-            <p:cNvPr id="275" name="Loopring"/>
+            <p:cNvPr id="276" name="Loopring"/>
             <p:cNvSpPr txBox="1"/>
             <p:nvPr/>
           </p:nvSpPr>
@@ -11362,7 +11409,7 @@
         </p:sp>
         <p:sp>
           <p:nvSpPr>
-            <p:cNvPr id="276" name="去中心化代币交易所和协议"/>
+            <p:cNvPr id="277" name="去中心化代币交易所和协议"/>
             <p:cNvSpPr txBox="1"/>
             <p:nvPr/>
           </p:nvSpPr>
@@ -11462,7 +11509,7 @@
                                       <p:cBhvr>
                                         <p:cTn id="6" fill="hold"/>
                                         <p:tgtEl>
-                                          <p:spTgt spid="259"/>
+                                          <p:spTgt spid="260"/>
                                         </p:tgtEl>
                                         <p:attrNameLst>
                                           <p:attrName>style.visibility</p:attrName>
@@ -11476,7 +11523,7 @@
                                       <p:cBhvr>
                                         <p:cTn id="7" dur="1000"/>
                                         <p:tgtEl>
-                                          <p:spTgt spid="259"/>
+                                          <p:spTgt spid="260"/>
                                         </p:tgtEl>
                                       </p:cBhvr>
                                     </p:animEffect>
@@ -11511,7 +11558,7 @@
       </p:par>
     </p:tnLst>
     <p:bldLst>
-      <p:bldP build="whole" bldLvl="1" animBg="1" rev="0" advAuto="0" spid="259" grpId="1"/>
+      <p:bldP build="whole" bldLvl="1" animBg="1" rev="0" advAuto="0" spid="260" grpId="1"/>
     </p:bldLst>
   </p:timing>
 </p:sld>
@@ -11543,7 +11590,7 @@
       </p:grpSpPr>
       <p:pic>
         <p:nvPicPr>
-          <p:cNvPr id="279" name="pasted-image.pdf" descr="pasted-image.pdf"/>
+          <p:cNvPr id="280" name="pasted-image.pdf" descr="pasted-image.pdf"/>
           <p:cNvPicPr>
             <a:picLocks noChangeAspect="1"/>
           </p:cNvPicPr>
@@ -11572,7 +11619,7 @@
       </p:pic>
       <p:pic>
         <p:nvPicPr>
-          <p:cNvPr id="280" name="pasted-image.pdf" descr="pasted-image.pdf"/>
+          <p:cNvPr id="281" name="pasted-image.pdf" descr="pasted-image.pdf"/>
           <p:cNvPicPr>
             <a:picLocks noChangeAspect="1"/>
           </p:cNvPicPr>
@@ -11602,7 +11649,7 @@
       </p:pic>
       <p:pic>
         <p:nvPicPr>
-          <p:cNvPr id="281" name="pasted-image.pdf" descr="pasted-image.pdf"/>
+          <p:cNvPr id="282" name="pasted-image.pdf" descr="pasted-image.pdf"/>
           <p:cNvPicPr>
             <a:picLocks noChangeAspect="1"/>
           </p:cNvPicPr>
@@ -11632,7 +11679,7 @@
       </p:pic>
       <p:sp>
         <p:nvSpPr>
-          <p:cNvPr id="282" name="order#1…"/>
+          <p:cNvPr id="283" name="order#1…"/>
           <p:cNvSpPr/>
           <p:nvPr/>
         </p:nvSpPr>
@@ -11789,7 +11836,7 @@
       </p:sp>
       <p:sp>
         <p:nvSpPr>
-          <p:cNvPr id="283" name="order#2…"/>
+          <p:cNvPr id="284" name="order#2…"/>
           <p:cNvSpPr/>
           <p:nvPr/>
         </p:nvSpPr>
@@ -11946,7 +11993,7 @@
       </p:sp>
       <p:sp>
         <p:nvSpPr>
-          <p:cNvPr id="284" name="order#1…"/>
+          <p:cNvPr id="285" name="order#1…"/>
           <p:cNvSpPr/>
           <p:nvPr/>
         </p:nvSpPr>
@@ -12103,7 +12150,7 @@
       </p:sp>
       <p:sp>
         <p:nvSpPr>
-          <p:cNvPr id="285" name="order#2…"/>
+          <p:cNvPr id="286" name="order#2…"/>
           <p:cNvSpPr/>
           <p:nvPr/>
         </p:nvSpPr>
@@ -12260,7 +12307,7 @@
       </p:sp>
       <p:sp>
         <p:nvSpPr>
-          <p:cNvPr id="286" name="order#2…"/>
+          <p:cNvPr id="287" name="order#2…"/>
           <p:cNvSpPr/>
           <p:nvPr/>
         </p:nvSpPr>
@@ -12413,7 +12460,7 @@
       </p:sp>
       <p:sp>
         <p:nvSpPr>
-          <p:cNvPr id="287" name="order#1…"/>
+          <p:cNvPr id="288" name="order#1…"/>
           <p:cNvSpPr/>
           <p:nvPr/>
         </p:nvSpPr>
@@ -12566,7 +12613,7 @@
       </p:sp>
       <p:sp>
         <p:nvSpPr>
-          <p:cNvPr id="288" name="Blockchain"/>
+          <p:cNvPr id="289" name="Blockchain"/>
           <p:cNvSpPr/>
           <p:nvPr/>
         </p:nvSpPr>
@@ -12621,7 +12668,7 @@
       </p:sp>
       <p:sp>
         <p:nvSpPr>
-          <p:cNvPr id="289" name="address_X"/>
+          <p:cNvPr id="290" name="address_X"/>
           <p:cNvSpPr/>
           <p:nvPr/>
         </p:nvSpPr>
@@ -12673,7 +12720,7 @@
       </p:sp>
       <p:sp>
         <p:nvSpPr>
-          <p:cNvPr id="290" name="address_Y"/>
+          <p:cNvPr id="291" name="address_Y"/>
           <p:cNvSpPr/>
           <p:nvPr/>
         </p:nvSpPr>
@@ -12725,7 +12772,7 @@
       </p:sp>
       <p:sp>
         <p:nvSpPr>
-          <p:cNvPr id="291" name="Loopring…"/>
+          <p:cNvPr id="292" name="Loopring…"/>
           <p:cNvSpPr/>
           <p:nvPr/>
         </p:nvSpPr>
@@ -12787,7 +12834,7 @@
       </p:sp>
       <p:pic>
         <p:nvPicPr>
-          <p:cNvPr id="292" name="pasted-image.pdf" descr="pasted-image.pdf"/>
+          <p:cNvPr id="293" name="pasted-image.pdf" descr="pasted-image.pdf"/>
           <p:cNvPicPr>
             <a:picLocks noChangeAspect="1"/>
           </p:cNvPicPr>
@@ -12816,7 +12863,7 @@
       </p:pic>
       <p:sp>
         <p:nvSpPr>
-          <p:cNvPr id="293" name="order#1…"/>
+          <p:cNvPr id="294" name="order#1…"/>
           <p:cNvSpPr/>
           <p:nvPr/>
         </p:nvSpPr>
@@ -12969,7 +13016,7 @@
       </p:sp>
       <p:sp>
         <p:nvSpPr>
-          <p:cNvPr id="294" name="order#2…"/>
+          <p:cNvPr id="295" name="order#2…"/>
           <p:cNvSpPr/>
           <p:nvPr/>
         </p:nvSpPr>
@@ -13122,7 +13169,7 @@
       </p:sp>
       <p:sp>
         <p:nvSpPr>
-          <p:cNvPr id="295" name="线条"/>
+          <p:cNvPr id="296" name="线条"/>
           <p:cNvSpPr/>
           <p:nvPr/>
         </p:nvSpPr>
@@ -13161,7 +13208,7 @@
       </p:sp>
       <p:sp>
         <p:nvSpPr>
-          <p:cNvPr id="296" name="线条"/>
+          <p:cNvPr id="297" name="线条"/>
           <p:cNvSpPr/>
           <p:nvPr/>
         </p:nvSpPr>
@@ -13201,7 +13248,7 @@
       </p:sp>
       <p:sp>
         <p:nvSpPr>
-          <p:cNvPr id="297" name="线条"/>
+          <p:cNvPr id="298" name="线条"/>
           <p:cNvSpPr/>
           <p:nvPr/>
         </p:nvSpPr>
@@ -13241,7 +13288,7 @@
       </p:sp>
       <p:grpSp>
         <p:nvGrpSpPr>
-          <p:cNvPr id="300" name="成组"/>
+          <p:cNvPr id="301" name="成组"/>
           <p:cNvGrpSpPr/>
           <p:nvPr/>
         </p:nvGrpSpPr>
@@ -13255,7 +13302,7 @@
         </p:grpSpPr>
         <p:sp>
           <p:nvSpPr>
-            <p:cNvPr id="298" name="Loopring"/>
+            <p:cNvPr id="299" name="Loopring"/>
             <p:cNvSpPr txBox="1"/>
             <p:nvPr/>
           </p:nvSpPr>
@@ -13303,7 +13350,7 @@
         </p:sp>
         <p:sp>
           <p:nvSpPr>
-            <p:cNvPr id="299" name="去中心化代币交易所和协议"/>
+            <p:cNvPr id="300" name="去中心化代币交易所和协议"/>
             <p:cNvSpPr txBox="1"/>
             <p:nvPr/>
           </p:nvSpPr>
@@ -13396,7 +13443,7 @@
       </p:grpSpPr>
       <p:pic>
         <p:nvPicPr>
-          <p:cNvPr id="302" name="pasted-image.pdf" descr="pasted-image.pdf"/>
+          <p:cNvPr id="303" name="pasted-image.pdf" descr="pasted-image.pdf"/>
           <p:cNvPicPr>
             <a:picLocks noChangeAspect="1"/>
           </p:cNvPicPr>
@@ -13425,7 +13472,7 @@
       </p:pic>
       <p:pic>
         <p:nvPicPr>
-          <p:cNvPr id="303" name="pasted-image.pdf" descr="pasted-image.pdf"/>
+          <p:cNvPr id="304" name="pasted-image.pdf" descr="pasted-image.pdf"/>
           <p:cNvPicPr>
             <a:picLocks noChangeAspect="1"/>
           </p:cNvPicPr>
@@ -13455,7 +13502,7 @@
       </p:pic>
       <p:pic>
         <p:nvPicPr>
-          <p:cNvPr id="304" name="pasted-image.pdf" descr="pasted-image.pdf"/>
+          <p:cNvPr id="305" name="pasted-image.pdf" descr="pasted-image.pdf"/>
           <p:cNvPicPr>
             <a:picLocks noChangeAspect="1"/>
           </p:cNvPicPr>
@@ -13485,7 +13532,7 @@
       </p:pic>
       <p:sp>
         <p:nvSpPr>
-          <p:cNvPr id="305" name="order#1…"/>
+          <p:cNvPr id="306" name="order#1…"/>
           <p:cNvSpPr/>
           <p:nvPr/>
         </p:nvSpPr>
@@ -13642,7 +13689,7 @@
       </p:sp>
       <p:sp>
         <p:nvSpPr>
-          <p:cNvPr id="306" name="order#2…"/>
+          <p:cNvPr id="307" name="order#2…"/>
           <p:cNvSpPr/>
           <p:nvPr/>
         </p:nvSpPr>
@@ -13799,7 +13846,7 @@
       </p:sp>
       <p:sp>
         <p:nvSpPr>
-          <p:cNvPr id="307" name="order#1…"/>
+          <p:cNvPr id="308" name="order#1…"/>
           <p:cNvSpPr/>
           <p:nvPr/>
         </p:nvSpPr>
@@ -13956,7 +14003,7 @@
       </p:sp>
       <p:sp>
         <p:nvSpPr>
-          <p:cNvPr id="308" name="order#2…"/>
+          <p:cNvPr id="309" name="order#2…"/>
           <p:cNvSpPr/>
           <p:nvPr/>
         </p:nvSpPr>
@@ -14113,7 +14160,7 @@
       </p:sp>
       <p:sp>
         <p:nvSpPr>
-          <p:cNvPr id="309" name="order#2…"/>
+          <p:cNvPr id="310" name="order#2…"/>
           <p:cNvSpPr/>
           <p:nvPr/>
         </p:nvSpPr>
@@ -14266,7 +14313,7 @@
       </p:sp>
       <p:sp>
         <p:nvSpPr>
-          <p:cNvPr id="310" name="order#1…"/>
+          <p:cNvPr id="311" name="order#1…"/>
           <p:cNvSpPr/>
           <p:nvPr/>
         </p:nvSpPr>
@@ -14419,7 +14466,7 @@
       </p:sp>
       <p:sp>
         <p:nvSpPr>
-          <p:cNvPr id="311" name="Blockchain"/>
+          <p:cNvPr id="312" name="Blockchain"/>
           <p:cNvSpPr/>
           <p:nvPr/>
         </p:nvSpPr>
@@ -14474,7 +14521,7 @@
       </p:sp>
       <p:sp>
         <p:nvSpPr>
-          <p:cNvPr id="312" name="address_X"/>
+          <p:cNvPr id="313" name="address_X"/>
           <p:cNvSpPr/>
           <p:nvPr/>
         </p:nvSpPr>
@@ -14526,7 +14573,7 @@
       </p:sp>
       <p:sp>
         <p:nvSpPr>
-          <p:cNvPr id="313" name="address_Y"/>
+          <p:cNvPr id="314" name="address_Y"/>
           <p:cNvSpPr/>
           <p:nvPr/>
         </p:nvSpPr>
@@ -14578,7 +14625,7 @@
       </p:sp>
       <p:sp>
         <p:nvSpPr>
-          <p:cNvPr id="314" name="Loopring…"/>
+          <p:cNvPr id="315" name="Loopring…"/>
           <p:cNvSpPr/>
           <p:nvPr/>
         </p:nvSpPr>
@@ -14640,7 +14687,7 @@
       </p:sp>
       <p:pic>
         <p:nvPicPr>
-          <p:cNvPr id="315" name="pasted-image.pdf" descr="pasted-image.pdf"/>
+          <p:cNvPr id="316" name="pasted-image.pdf" descr="pasted-image.pdf"/>
           <p:cNvPicPr>
             <a:picLocks noChangeAspect="1"/>
           </p:cNvPicPr>
@@ -14669,7 +14716,7 @@
       </p:pic>
       <p:sp>
         <p:nvSpPr>
-          <p:cNvPr id="316" name="order#1…"/>
+          <p:cNvPr id="317" name="order#1…"/>
           <p:cNvSpPr/>
           <p:nvPr/>
         </p:nvSpPr>
@@ -14822,7 +14869,7 @@
       </p:sp>
       <p:sp>
         <p:nvSpPr>
-          <p:cNvPr id="317" name="order#2…"/>
+          <p:cNvPr id="318" name="order#2…"/>
           <p:cNvSpPr/>
           <p:nvPr/>
         </p:nvSpPr>
@@ -14975,7 +15022,7 @@
       </p:sp>
       <p:sp>
         <p:nvSpPr>
-          <p:cNvPr id="318" name="线条"/>
+          <p:cNvPr id="319" name="线条"/>
           <p:cNvSpPr/>
           <p:nvPr/>
         </p:nvSpPr>
@@ -15014,7 +15061,7 @@
       </p:sp>
       <p:sp>
         <p:nvSpPr>
-          <p:cNvPr id="319" name="线条"/>
+          <p:cNvPr id="320" name="线条"/>
           <p:cNvSpPr/>
           <p:nvPr/>
         </p:nvSpPr>
@@ -15054,7 +15101,7 @@
       </p:sp>
       <p:sp>
         <p:nvSpPr>
-          <p:cNvPr id="320" name="线条"/>
+          <p:cNvPr id="321" name="线条"/>
           <p:cNvSpPr/>
           <p:nvPr/>
         </p:nvSpPr>
@@ -15094,7 +15141,7 @@
       </p:sp>
       <p:grpSp>
         <p:nvGrpSpPr>
-          <p:cNvPr id="325" name="成组"/>
+          <p:cNvPr id="326" name="成组"/>
           <p:cNvGrpSpPr/>
           <p:nvPr/>
         </p:nvGrpSpPr>
@@ -15108,7 +15155,7 @@
         </p:grpSpPr>
         <p:sp>
           <p:nvSpPr>
-            <p:cNvPr id="329" name="连接线"/>
+            <p:cNvPr id="330" name="连接线"/>
             <p:cNvSpPr/>
             <p:nvPr/>
           </p:nvSpPr>
@@ -15174,7 +15221,7 @@
         </p:sp>
         <p:sp>
           <p:nvSpPr>
-            <p:cNvPr id="322" name="4750 token_A"/>
+            <p:cNvPr id="323" name="4750 token_A"/>
             <p:cNvSpPr txBox="1"/>
             <p:nvPr/>
           </p:nvSpPr>
@@ -15229,7 +15276,7 @@
         </p:sp>
         <p:sp>
           <p:nvSpPr>
-            <p:cNvPr id="330" name="连接线"/>
+            <p:cNvPr id="331" name="连接线"/>
             <p:cNvSpPr/>
             <p:nvPr/>
           </p:nvSpPr>
@@ -15295,7 +15342,7 @@
         </p:sp>
         <p:sp>
           <p:nvSpPr>
-            <p:cNvPr id="324" name="5 token_B"/>
+            <p:cNvPr id="325" name="5 token_B"/>
             <p:cNvSpPr txBox="1"/>
             <p:nvPr/>
           </p:nvSpPr>
@@ -15351,7 +15398,7 @@
       </p:grpSp>
       <p:grpSp>
         <p:nvGrpSpPr>
-          <p:cNvPr id="328" name="成组"/>
+          <p:cNvPr id="329" name="成组"/>
           <p:cNvGrpSpPr/>
           <p:nvPr/>
         </p:nvGrpSpPr>
@@ -15365,7 +15412,7 @@
         </p:grpSpPr>
         <p:sp>
           <p:nvSpPr>
-            <p:cNvPr id="326" name="Loopring"/>
+            <p:cNvPr id="327" name="Loopring"/>
             <p:cNvSpPr txBox="1"/>
             <p:nvPr/>
           </p:nvSpPr>
@@ -15413,7 +15460,7 @@
         </p:sp>
         <p:sp>
           <p:nvSpPr>
-            <p:cNvPr id="327" name="去中心化代币交易所和协议"/>
+            <p:cNvPr id="328" name="去中心化代币交易所和协议"/>
             <p:cNvSpPr txBox="1"/>
             <p:nvPr/>
           </p:nvSpPr>
@@ -15510,7 +15557,7 @@
                                       <p:cBhvr>
                                         <p:cTn id="6" fill="hold"/>
                                         <p:tgtEl>
-                                          <p:spTgt spid="325"/>
+                                          <p:spTgt spid="326"/>
                                         </p:tgtEl>
                                         <p:attrNameLst>
                                           <p:attrName>style.visibility</p:attrName>
@@ -15551,7 +15598,7 @@
       </p:par>
     </p:tnLst>
     <p:bldLst>
-      <p:bldP build="whole" bldLvl="1" animBg="1" rev="0" advAuto="0" spid="325" grpId="1"/>
+      <p:bldP build="whole" bldLvl="1" animBg="1" rev="0" advAuto="0" spid="326" grpId="1"/>
     </p:bldLst>
   </p:timing>
 </p:sld>
@@ -15583,7 +15630,7 @@
       </p:grpSpPr>
       <p:sp>
         <p:nvSpPr>
-          <p:cNvPr id="332" name="Centralized…"/>
+          <p:cNvPr id="333" name="Centralized…"/>
           <p:cNvSpPr txBox="1"/>
           <p:nvPr/>
         </p:nvSpPr>
@@ -15637,7 +15684,7 @@
       </p:sp>
       <p:sp>
         <p:nvSpPr>
-          <p:cNvPr id="333" name="问题#1: 用户资产需要托管…"/>
+          <p:cNvPr id="334" name="问题#1: 用户资产需要托管…"/>
           <p:cNvSpPr/>
           <p:nvPr/>
         </p:nvSpPr>
@@ -15700,7 +15747,7 @@
       </p:sp>
       <p:sp>
         <p:nvSpPr>
-          <p:cNvPr id="334" name="问题#2: 交易所内幕交易…"/>
+          <p:cNvPr id="335" name="问题#2: 交易所内幕交易…"/>
           <p:cNvSpPr/>
           <p:nvPr/>
         </p:nvSpPr>
@@ -15763,7 +15810,7 @@
       </p:sp>
       <p:sp>
         <p:nvSpPr>
-          <p:cNvPr id="335" name="问题#3: 订单散落到多交易所…"/>
+          <p:cNvPr id="336" name="问题#3: 订单散落到多交易所…"/>
           <p:cNvSpPr/>
           <p:nvPr/>
         </p:nvSpPr>
@@ -15826,7 +15873,7 @@
       </p:sp>
       <p:sp>
         <p:nvSpPr>
-          <p:cNvPr id="336" name="{"/>
+          <p:cNvPr id="337" name="{"/>
           <p:cNvSpPr txBox="1"/>
           <p:nvPr/>
         </p:nvSpPr>
@@ -15871,7 +15918,7 @@
       </p:sp>
       <p:grpSp>
         <p:nvGrpSpPr>
-          <p:cNvPr id="339" name="成组"/>
+          <p:cNvPr id="340" name="成组"/>
           <p:cNvGrpSpPr/>
           <p:nvPr/>
         </p:nvGrpSpPr>
@@ -15885,7 +15932,7 @@
         </p:grpSpPr>
         <p:sp>
           <p:nvSpPr>
-            <p:cNvPr id="337" name="1.资产无需托管"/>
+            <p:cNvPr id="338" name="1.资产无需托管"/>
             <p:cNvSpPr txBox="1"/>
             <p:nvPr/>
           </p:nvSpPr>
@@ -15933,7 +15980,7 @@
         </p:sp>
         <p:sp>
           <p:nvSpPr>
-            <p:cNvPr id="338" name="没有充值提现过程，用户订单中的代币一直存放在用户区块链账户中，同时订单不锁定代币，下单后依然可以任意支配资产。"/>
+            <p:cNvPr id="339" name="没有充值提现过程，用户订单中的代币一直存放在用户区块链账户中，同时订单不锁定代币，下单后依然可以任意支配资产。"/>
             <p:cNvSpPr txBox="1"/>
             <p:nvPr/>
           </p:nvSpPr>
@@ -15982,7 +16029,7 @@
       </p:grpSp>
       <p:grpSp>
         <p:nvGrpSpPr>
-          <p:cNvPr id="342" name="成组"/>
+          <p:cNvPr id="343" name="成组"/>
           <p:cNvGrpSpPr/>
           <p:nvPr/>
         </p:nvGrpSpPr>
@@ -15996,7 +16043,7 @@
         </p:grpSpPr>
         <p:sp>
           <p:nvSpPr>
-            <p:cNvPr id="340" name="2. 区块链上交易清算"/>
+            <p:cNvPr id="341" name="2. 区块链上交易清算"/>
             <p:cNvSpPr txBox="1"/>
             <p:nvPr/>
           </p:nvSpPr>
@@ -16044,7 +16091,7 @@
         </p:sp>
         <p:sp>
           <p:nvSpPr>
-            <p:cNvPr id="341" name="订单链外生成，传播和撮合；链上做交易和验证和清结算，清结算通过智能合约保障原执行。不会再有内幕交易。"/>
+            <p:cNvPr id="342" name="订单链外生成，传播和撮合；链上做交易和验证和清结算，清结算通过智能合约保障原执行。不会再有内幕交易。"/>
             <p:cNvSpPr txBox="1"/>
             <p:nvPr/>
           </p:nvSpPr>
@@ -16093,7 +16140,7 @@
       </p:grpSp>
       <p:grpSp>
         <p:nvGrpSpPr>
-          <p:cNvPr id="345" name="成组"/>
+          <p:cNvPr id="346" name="成组"/>
           <p:cNvGrpSpPr/>
           <p:nvPr/>
         </p:nvGrpSpPr>
@@ -16107,7 +16154,7 @@
         </p:grpSpPr>
         <p:sp>
           <p:nvSpPr>
-            <p:cNvPr id="343" name="3. 订单共享"/>
+            <p:cNvPr id="344" name="3. 订单共享"/>
             <p:cNvSpPr txBox="1"/>
             <p:nvPr/>
           </p:nvSpPr>
@@ -16155,7 +16202,7 @@
         </p:sp>
         <p:sp>
           <p:nvSpPr>
-            <p:cNvPr id="344" name="订单可以被广播给一个或多个交易所，做联合的，同时也是竞争式的撮合。用户成交价格更优惠，流动性更大。"/>
+            <p:cNvPr id="345" name="订单可以被广播给一个或多个交易所，做联合的，同时也是竞争式的撮合。用户成交价格更优惠，流动性更大。"/>
             <p:cNvSpPr txBox="1"/>
             <p:nvPr/>
           </p:nvSpPr>
@@ -16204,7 +16251,7 @@
       </p:grpSp>
       <p:grpSp>
         <p:nvGrpSpPr>
-          <p:cNvPr id="348" name="成组"/>
+          <p:cNvPr id="349" name="成组"/>
           <p:cNvGrpSpPr/>
           <p:nvPr/>
         </p:nvGrpSpPr>
@@ -16218,7 +16265,7 @@
         </p:grpSpPr>
         <p:sp>
           <p:nvSpPr>
-            <p:cNvPr id="346" name="4.多订单环路撮合"/>
+            <p:cNvPr id="347" name="4.多订单环路撮合"/>
             <p:cNvSpPr txBox="1"/>
             <p:nvPr/>
           </p:nvSpPr>
@@ -16266,7 +16313,7 @@
         </p:sp>
         <p:sp>
           <p:nvSpPr>
-            <p:cNvPr id="347" name="革命性的“环路撮合”机制，允许任意两个虚拟货币之间的交易。同时能够更大程度上生成新的流动性。"/>
+            <p:cNvPr id="348" name="革命性的“环路撮合”机制，允许任意两个虚拟货币之间的交易。同时能够更大程度上生成新的流动性。"/>
             <p:cNvSpPr txBox="1"/>
             <p:nvPr/>
           </p:nvSpPr>
@@ -16315,7 +16362,7 @@
       </p:grpSp>
       <p:grpSp>
         <p:nvGrpSpPr>
-          <p:cNvPr id="351" name="成组"/>
+          <p:cNvPr id="352" name="成组"/>
           <p:cNvGrpSpPr/>
           <p:nvPr/>
         </p:nvGrpSpPr>
@@ -16329,7 +16376,7 @@
         </p:grpSpPr>
         <p:sp>
           <p:nvSpPr>
-            <p:cNvPr id="349" name="Loopring"/>
+            <p:cNvPr id="350" name="Loopring"/>
             <p:cNvSpPr txBox="1"/>
             <p:nvPr/>
           </p:nvSpPr>
@@ -16377,7 +16424,7 @@
         </p:sp>
         <p:sp>
           <p:nvSpPr>
-            <p:cNvPr id="350" name="去中心化代币交易所和协议"/>
+            <p:cNvPr id="351" name="去中心化代币交易所和协议"/>
             <p:cNvSpPr txBox="1"/>
             <p:nvPr/>
           </p:nvSpPr>
@@ -16470,7 +16517,7 @@
       </p:grpSpPr>
       <p:pic>
         <p:nvPicPr>
-          <p:cNvPr id="123" name="屏幕快照 2017-06-29 15.15.42.jpg" descr="屏幕快照 2017-06-29 15.15.42.jpg"/>
+          <p:cNvPr id="124" name="屏幕快照 2017-06-29 15.15.42.jpg" descr="屏幕快照 2017-06-29 15.15.42.jpg"/>
           <p:cNvPicPr>
             <a:picLocks noChangeAspect="1"/>
           </p:cNvPicPr>
@@ -16499,7 +16546,7 @@
       </p:pic>
       <p:sp>
         <p:nvSpPr>
-          <p:cNvPr id="124" name="团队"/>
+          <p:cNvPr id="125" name="团队"/>
           <p:cNvSpPr txBox="1"/>
           <p:nvPr/>
         </p:nvSpPr>
@@ -16544,7 +16591,7 @@
       </p:sp>
       <p:pic>
         <p:nvPicPr>
-          <p:cNvPr id="125" name="屏幕快照 2017-06-29 15.19.02.jpg" descr="屏幕快照 2017-06-29 15.19.02.jpg"/>
+          <p:cNvPr id="126" name="屏幕快照 2017-06-29 15.19.02.jpg" descr="屏幕快照 2017-06-29 15.19.02.jpg"/>
           <p:cNvPicPr>
             <a:picLocks noChangeAspect="1"/>
           </p:cNvPicPr>
@@ -16573,7 +16620,7 @@
       </p:pic>
       <p:sp>
         <p:nvSpPr>
-          <p:cNvPr id="126" name="4位 - Google工程师…"/>
+          <p:cNvPr id="127" name="4位 - Google工程师…"/>
           <p:cNvSpPr txBox="1"/>
           <p:nvPr/>
         </p:nvSpPr>
@@ -16791,7 +16838,7 @@
       </p:grpSpPr>
       <p:sp>
         <p:nvSpPr>
-          <p:cNvPr id="353" name="Centralized…"/>
+          <p:cNvPr id="354" name="Centralized…"/>
           <p:cNvSpPr txBox="1"/>
           <p:nvPr/>
         </p:nvSpPr>
@@ -16845,7 +16892,7 @@
       </p:sp>
       <p:sp>
         <p:nvSpPr>
-          <p:cNvPr id="354" name="order#1…"/>
+          <p:cNvPr id="355" name="order#1…"/>
           <p:cNvSpPr/>
           <p:nvPr/>
         </p:nvSpPr>
@@ -16998,7 +17045,7 @@
       </p:sp>
       <p:sp>
         <p:nvSpPr>
-          <p:cNvPr id="355" name="order#2…"/>
+          <p:cNvPr id="356" name="order#2…"/>
           <p:cNvSpPr/>
           <p:nvPr/>
         </p:nvSpPr>
@@ -17150,7 +17197,7 @@
       </p:sp>
       <p:sp>
         <p:nvSpPr>
-          <p:cNvPr id="356" name="order#3…"/>
+          <p:cNvPr id="357" name="order#3…"/>
           <p:cNvSpPr/>
           <p:nvPr/>
         </p:nvSpPr>
@@ -17302,7 +17349,7 @@
       </p:sp>
       <p:grpSp>
         <p:nvGrpSpPr>
-          <p:cNvPr id="359" name="成组"/>
+          <p:cNvPr id="360" name="成组"/>
           <p:cNvGrpSpPr/>
           <p:nvPr/>
         </p:nvGrpSpPr>
@@ -17316,7 +17363,7 @@
         </p:grpSpPr>
         <p:sp>
           <p:nvSpPr>
-            <p:cNvPr id="357" name="4.多订单环路撮合"/>
+            <p:cNvPr id="358" name="4.多订单环路撮合"/>
             <p:cNvSpPr txBox="1"/>
             <p:nvPr/>
           </p:nvSpPr>
@@ -17364,7 +17411,7 @@
         </p:sp>
         <p:sp>
           <p:nvSpPr>
-            <p:cNvPr id="358" name="革命性的“环路撮合”机制，允许任意两个虚拟货币之间的交易。同时能够更大程度上生成新的流动性。"/>
+            <p:cNvPr id="359" name="革命性的“环路撮合”机制，允许任意两个虚拟货币之间的交易。同时能够更大程度上生成新的流动性。"/>
             <p:cNvSpPr txBox="1"/>
             <p:nvPr/>
           </p:nvSpPr>
@@ -17464,7 +17511,7 @@
                                       <p:cBhvr>
                                         <p:cTn id="6" fill="hold"/>
                                         <p:tgtEl>
-                                          <p:spTgt spid="354"/>
+                                          <p:spTgt spid="355"/>
                                         </p:tgtEl>
                                         <p:attrNameLst>
                                           <p:attrName>style.visibility</p:attrName>
@@ -17478,7 +17525,7 @@
                                       <p:cBhvr>
                                         <p:cTn id="7" dur="1000"/>
                                         <p:tgtEl>
-                                          <p:spTgt spid="354"/>
+                                          <p:spTgt spid="355"/>
                                         </p:tgtEl>
                                       </p:cBhvr>
                                     </p:animEffect>
@@ -17507,7 +17554,7 @@
                                       <p:cBhvr>
                                         <p:cTn id="10" fill="hold"/>
                                         <p:tgtEl>
-                                          <p:spTgt spid="355"/>
+                                          <p:spTgt spid="356"/>
                                         </p:tgtEl>
                                         <p:attrNameLst>
                                           <p:attrName>style.visibility</p:attrName>
@@ -17521,7 +17568,7 @@
                                       <p:cBhvr>
                                         <p:cTn id="11" dur="500"/>
                                         <p:tgtEl>
-                                          <p:spTgt spid="355"/>
+                                          <p:spTgt spid="356"/>
                                         </p:tgtEl>
                                       </p:cBhvr>
                                     </p:animEffect>
@@ -17550,7 +17597,7 @@
                                       <p:cBhvr>
                                         <p:cTn id="14" fill="hold"/>
                                         <p:tgtEl>
-                                          <p:spTgt spid="356"/>
+                                          <p:spTgt spid="357"/>
                                         </p:tgtEl>
                                         <p:attrNameLst>
                                           <p:attrName>style.visibility</p:attrName>
@@ -17564,7 +17611,7 @@
                                       <p:cBhvr>
                                         <p:cTn id="15" dur="500"/>
                                         <p:tgtEl>
-                                          <p:spTgt spid="356"/>
+                                          <p:spTgt spid="357"/>
                                         </p:tgtEl>
                                       </p:cBhvr>
                                     </p:animEffect>
@@ -17599,9 +17646,9 @@
       </p:par>
     </p:tnLst>
     <p:bldLst>
-      <p:bldP build="whole" bldLvl="1" animBg="1" rev="0" advAuto="0" spid="354" grpId="1"/>
-      <p:bldP build="whole" bldLvl="1" animBg="1" rev="0" advAuto="0" spid="355" grpId="2"/>
-      <p:bldP build="whole" bldLvl="1" animBg="1" rev="0" advAuto="0" spid="356" grpId="3"/>
+      <p:bldP build="whole" bldLvl="1" animBg="1" rev="0" advAuto="0" spid="355" grpId="1"/>
+      <p:bldP build="whole" bldLvl="1" animBg="1" rev="0" advAuto="0" spid="356" grpId="2"/>
+      <p:bldP build="whole" bldLvl="1" animBg="1" rev="0" advAuto="0" spid="357" grpId="3"/>
     </p:bldLst>
   </p:timing>
 </p:sld>
@@ -17633,7 +17680,7 @@
       </p:grpSpPr>
       <p:sp>
         <p:nvSpPr>
-          <p:cNvPr id="361" name="Centralized…"/>
+          <p:cNvPr id="362" name="Centralized…"/>
           <p:cNvSpPr txBox="1"/>
           <p:nvPr/>
         </p:nvSpPr>
@@ -17687,7 +17734,7 @@
       </p:sp>
       <p:sp>
         <p:nvSpPr>
-          <p:cNvPr id="362" name="order#1…"/>
+          <p:cNvPr id="363" name="order#1…"/>
           <p:cNvSpPr/>
           <p:nvPr/>
         </p:nvSpPr>
@@ -17840,7 +17887,7 @@
       </p:sp>
       <p:sp>
         <p:nvSpPr>
-          <p:cNvPr id="363" name="order#2…"/>
+          <p:cNvPr id="364" name="order#2…"/>
           <p:cNvSpPr/>
           <p:nvPr/>
         </p:nvSpPr>
@@ -17992,7 +18039,7 @@
       </p:sp>
       <p:sp>
         <p:nvSpPr>
-          <p:cNvPr id="364" name="order#3…"/>
+          <p:cNvPr id="365" name="order#3…"/>
           <p:cNvSpPr/>
           <p:nvPr/>
         </p:nvSpPr>
@@ -18144,7 +18191,7 @@
       </p:sp>
       <p:grpSp>
         <p:nvGrpSpPr>
-          <p:cNvPr id="371" name="成组"/>
+          <p:cNvPr id="372" name="成组"/>
           <p:cNvGrpSpPr/>
           <p:nvPr/>
         </p:nvGrpSpPr>
@@ -18158,7 +18205,7 @@
         </p:grpSpPr>
         <p:sp>
           <p:nvSpPr>
-            <p:cNvPr id="365" name="线条"/>
+            <p:cNvPr id="366" name="线条"/>
             <p:cNvSpPr/>
             <p:nvPr/>
           </p:nvSpPr>
@@ -18203,7 +18250,7 @@
         </p:sp>
         <p:sp>
           <p:nvSpPr>
-            <p:cNvPr id="366" name="线条"/>
+            <p:cNvPr id="367" name="线条"/>
             <p:cNvSpPr/>
             <p:nvPr/>
           </p:nvSpPr>
@@ -18248,7 +18295,7 @@
         </p:sp>
         <p:sp>
           <p:nvSpPr>
-            <p:cNvPr id="367" name="线条"/>
+            <p:cNvPr id="368" name="线条"/>
             <p:cNvSpPr/>
             <p:nvPr/>
           </p:nvSpPr>
@@ -18292,7 +18339,7 @@
         </p:sp>
         <p:sp>
           <p:nvSpPr>
-            <p:cNvPr id="368" name="线条"/>
+            <p:cNvPr id="369" name="线条"/>
             <p:cNvSpPr/>
             <p:nvPr/>
           </p:nvSpPr>
@@ -18336,7 +18383,7 @@
         </p:sp>
         <p:sp>
           <p:nvSpPr>
-            <p:cNvPr id="369" name="线条"/>
+            <p:cNvPr id="370" name="线条"/>
             <p:cNvSpPr/>
             <p:nvPr/>
           </p:nvSpPr>
@@ -18380,7 +18427,7 @@
         </p:sp>
         <p:sp>
           <p:nvSpPr>
-            <p:cNvPr id="370" name="线条"/>
+            <p:cNvPr id="371" name="线条"/>
             <p:cNvSpPr/>
             <p:nvPr/>
           </p:nvSpPr>
@@ -18425,7 +18472,7 @@
       </p:grpSp>
       <p:grpSp>
         <p:nvGrpSpPr>
-          <p:cNvPr id="375" name="成组"/>
+          <p:cNvPr id="376" name="成组"/>
           <p:cNvGrpSpPr/>
           <p:nvPr/>
         </p:nvGrpSpPr>
@@ -18439,7 +18486,7 @@
         </p:grpSpPr>
         <p:sp>
           <p:nvSpPr>
-            <p:cNvPr id="372" name="线条"/>
+            <p:cNvPr id="373" name="线条"/>
             <p:cNvSpPr/>
             <p:nvPr/>
           </p:nvSpPr>
@@ -18484,7 +18531,7 @@
         </p:sp>
         <p:sp>
           <p:nvSpPr>
-            <p:cNvPr id="373" name="线条"/>
+            <p:cNvPr id="374" name="线条"/>
             <p:cNvSpPr/>
             <p:nvPr/>
           </p:nvSpPr>
@@ -18528,7 +18575,7 @@
         </p:sp>
         <p:sp>
           <p:nvSpPr>
-            <p:cNvPr id="374" name="线条"/>
+            <p:cNvPr id="375" name="线条"/>
             <p:cNvSpPr/>
             <p:nvPr/>
           </p:nvSpPr>
@@ -18573,7 +18620,7 @@
       </p:grpSp>
       <p:sp>
         <p:nvSpPr>
-          <p:cNvPr id="376" name="8 token_B"/>
+          <p:cNvPr id="377" name="8 token_B"/>
           <p:cNvSpPr txBox="1"/>
           <p:nvPr/>
         </p:nvSpPr>
@@ -18636,7 +18683,7 @@
       </p:sp>
       <p:sp>
         <p:nvSpPr>
-          <p:cNvPr id="377" name="98 token_C"/>
+          <p:cNvPr id="378" name="98 token_C"/>
           <p:cNvSpPr txBox="1"/>
           <p:nvPr/>
         </p:nvSpPr>
@@ -18701,7 +18748,7 @@
       </p:sp>
       <p:sp>
         <p:nvSpPr>
-          <p:cNvPr id="378" name="7898 token_A"/>
+          <p:cNvPr id="379" name="7898 token_A"/>
           <p:cNvSpPr txBox="1"/>
           <p:nvPr/>
         </p:nvSpPr>
@@ -18767,7 +18814,7 @@
       </p:sp>
       <p:sp>
         <p:nvSpPr>
-          <p:cNvPr id="379" name="dust"/>
+          <p:cNvPr id="380" name="dust"/>
           <p:cNvSpPr/>
           <p:nvPr/>
         </p:nvSpPr>
@@ -18821,7 +18868,7 @@
       </p:sp>
       <p:sp>
         <p:nvSpPr>
-          <p:cNvPr id="380" name="dust"/>
+          <p:cNvPr id="381" name="dust"/>
           <p:cNvSpPr/>
           <p:nvPr/>
         </p:nvSpPr>
@@ -18875,7 +18922,7 @@
       </p:sp>
       <p:pic>
         <p:nvPicPr>
-          <p:cNvPr id="381" name="Screen Shot 2017-06-12 at 22.05.26.jpg" descr="Screen Shot 2017-06-12 at 22.05.26.jpg"/>
+          <p:cNvPr id="382" name="Screen Shot 2017-06-12 at 22.05.26.jpg" descr="Screen Shot 2017-06-12 at 22.05.26.jpg"/>
           <p:cNvPicPr>
             <a:picLocks noChangeAspect="1"/>
           </p:cNvPicPr>
@@ -18904,7 +18951,7 @@
       </p:pic>
       <p:grpSp>
         <p:nvGrpSpPr>
-          <p:cNvPr id="384" name="成组"/>
+          <p:cNvPr id="385" name="成组"/>
           <p:cNvGrpSpPr/>
           <p:nvPr/>
         </p:nvGrpSpPr>
@@ -18918,7 +18965,7 @@
         </p:grpSpPr>
         <p:sp>
           <p:nvSpPr>
-            <p:cNvPr id="382" name="4.多订单环路撮合"/>
+            <p:cNvPr id="383" name="4.多订单环路撮合"/>
             <p:cNvSpPr txBox="1"/>
             <p:nvPr/>
           </p:nvSpPr>
@@ -18966,7 +19013,7 @@
         </p:sp>
         <p:sp>
           <p:nvSpPr>
-            <p:cNvPr id="383" name="革命性的“环路撮合”机制，允许任意两个虚拟货币之间的交易。同时能够更大程度上生成新的流动性。"/>
+            <p:cNvPr id="384" name="革命性的“环路撮合”机制，允许任意两个虚拟货币之间的交易。同时能够更大程度上生成新的流动性。"/>
             <p:cNvSpPr txBox="1"/>
             <p:nvPr/>
           </p:nvSpPr>
@@ -19015,7 +19062,7 @@
       </p:grpSp>
       <p:grpSp>
         <p:nvGrpSpPr>
-          <p:cNvPr id="387" name="成组"/>
+          <p:cNvPr id="388" name="成组"/>
           <p:cNvGrpSpPr/>
           <p:nvPr/>
         </p:nvGrpSpPr>
@@ -19029,7 +19076,7 @@
         </p:grpSpPr>
         <p:sp>
           <p:nvSpPr>
-            <p:cNvPr id="385" name="Loopring"/>
+            <p:cNvPr id="386" name="Loopring"/>
             <p:cNvSpPr txBox="1"/>
             <p:nvPr/>
           </p:nvSpPr>
@@ -19077,7 +19124,7 @@
         </p:sp>
         <p:sp>
           <p:nvSpPr>
-            <p:cNvPr id="386" name="去中心化代币交易所和协议"/>
+            <p:cNvPr id="387" name="去中心化代币交易所和协议"/>
             <p:cNvSpPr txBox="1"/>
             <p:nvPr/>
           </p:nvSpPr>
@@ -19163,7 +19210,7 @@
                                       <p:cBhvr>
                                         <p:cTn id="6" fill="hold"/>
                                         <p:tgtEl>
-                                          <p:spTgt spid="380"/>
+                                          <p:spTgt spid="381"/>
                                         </p:tgtEl>
                                         <p:attrNameLst>
                                           <p:attrName>style.visibility</p:attrName>
@@ -19198,7 +19245,7 @@
                                       <p:cBhvr>
                                         <p:cTn id="9" fill="hold"/>
                                         <p:tgtEl>
-                                          <p:spTgt spid="379"/>
+                                          <p:spTgt spid="380"/>
                                         </p:tgtEl>
                                         <p:attrNameLst>
                                           <p:attrName>style.visibility</p:attrName>
@@ -19242,7 +19289,7 @@
                                       <p:cBhvr>
                                         <p:cTn id="13" fill="hold"/>
                                         <p:tgtEl>
-                                          <p:spTgt spid="381"/>
+                                          <p:spTgt spid="382"/>
                                         </p:tgtEl>
                                         <p:attrNameLst>
                                           <p:attrName>style.visibility</p:attrName>
@@ -19256,7 +19303,7 @@
                                       <p:cBhvr>
                                         <p:cTn id="14" dur="1000" fill="hold"/>
                                         <p:tgtEl>
-                                          <p:spTgt spid="381"/>
+                                          <p:spTgt spid="382"/>
                                         </p:tgtEl>
                                         <p:attrNameLst>
                                           <p:attrName>ppt_w</p:attrName>
@@ -19279,7 +19326,7 @@
                                       <p:cBhvr>
                                         <p:cTn id="15" dur="1000" fill="hold"/>
                                         <p:tgtEl>
-                                          <p:spTgt spid="381"/>
+                                          <p:spTgt spid="382"/>
                                         </p:tgtEl>
                                         <p:attrNameLst>
                                           <p:attrName>ppt_h</p:attrName>
@@ -19329,9 +19376,9 @@
       </p:par>
     </p:tnLst>
     <p:bldLst>
-      <p:bldP build="whole" bldLvl="1" animBg="1" rev="0" advAuto="0" spid="381" grpId="3"/>
-      <p:bldP build="whole" bldLvl="1" animBg="1" rev="0" advAuto="0" spid="379" grpId="2"/>
-      <p:bldP build="whole" bldLvl="1" animBg="1" rev="0" advAuto="0" spid="380" grpId="1"/>
+      <p:bldP build="whole" bldLvl="1" animBg="1" rev="0" advAuto="0" spid="381" grpId="1"/>
+      <p:bldP build="whole" bldLvl="1" animBg="1" rev="0" advAuto="0" spid="382" grpId="3"/>
+      <p:bldP build="whole" bldLvl="1" animBg="1" rev="0" advAuto="0" spid="380" grpId="2"/>
     </p:bldLst>
   </p:timing>
 </p:sld>
@@ -19363,7 +19410,7 @@
       </p:grpSpPr>
       <p:grpSp>
         <p:nvGrpSpPr>
-          <p:cNvPr id="391" name="成组"/>
+          <p:cNvPr id="392" name="成组"/>
           <p:cNvGrpSpPr/>
           <p:nvPr/>
         </p:nvGrpSpPr>
@@ -19377,7 +19424,7 @@
         </p:grpSpPr>
         <p:sp>
           <p:nvSpPr>
-            <p:cNvPr id="389" name="Loopring"/>
+            <p:cNvPr id="390" name="Loopring"/>
             <p:cNvSpPr txBox="1"/>
             <p:nvPr/>
           </p:nvSpPr>
@@ -19425,7 +19472,7 @@
         </p:sp>
         <p:sp>
           <p:nvSpPr>
-            <p:cNvPr id="390" name="去中心化代币交易所和协议"/>
+            <p:cNvPr id="391" name="去中心化代币交易所和协议"/>
             <p:cNvSpPr txBox="1"/>
             <p:nvPr/>
           </p:nvSpPr>
@@ -19474,7 +19521,7 @@
       </p:grpSp>
       <p:pic>
         <p:nvPicPr>
-          <p:cNvPr id="392" name="pasted-image.pdf" descr="pasted-image.pdf"/>
+          <p:cNvPr id="393" name="pasted-image.pdf" descr="pasted-image.pdf"/>
           <p:cNvPicPr>
             <a:picLocks noChangeAspect="1"/>
           </p:cNvPicPr>
@@ -19547,7 +19594,7 @@
       </p:grpSpPr>
       <p:sp>
         <p:nvSpPr>
-          <p:cNvPr id="394" name="Centralized…"/>
+          <p:cNvPr id="395" name="Centralized…"/>
           <p:cNvSpPr txBox="1"/>
           <p:nvPr/>
         </p:nvSpPr>
@@ -19601,7 +19648,7 @@
       </p:sp>
       <p:sp>
         <p:nvSpPr>
-          <p:cNvPr id="395" name="首先是个协议"/>
+          <p:cNvPr id="396" name="首先是个协议"/>
           <p:cNvSpPr txBox="1"/>
           <p:nvPr/>
         </p:nvSpPr>
@@ -19649,7 +19696,7 @@
       </p:sp>
       <p:sp>
         <p:nvSpPr>
-          <p:cNvPr id="396" name="其使命是通过去中心化技术，创造零风险，高流动性的资产交易模式。"/>
+          <p:cNvPr id="397" name="其使命是通过去中心化技术，创造零风险，高流动性的资产交易模式。"/>
           <p:cNvSpPr txBox="1"/>
           <p:nvPr/>
         </p:nvSpPr>
@@ -19694,7 +19741,7 @@
       </p:sp>
       <p:grpSp>
         <p:nvGrpSpPr>
-          <p:cNvPr id="399" name="成组"/>
+          <p:cNvPr id="400" name="成组"/>
           <p:cNvGrpSpPr/>
           <p:nvPr/>
         </p:nvGrpSpPr>
@@ -19708,7 +19755,7 @@
         </p:grpSpPr>
         <p:sp>
           <p:nvSpPr>
-            <p:cNvPr id="397" name="Loopring"/>
+            <p:cNvPr id="398" name="Loopring"/>
             <p:cNvSpPr txBox="1"/>
             <p:nvPr/>
           </p:nvSpPr>
@@ -19756,7 +19803,7 @@
         </p:sp>
         <p:sp>
           <p:nvSpPr>
-            <p:cNvPr id="398" name="去中心化代币交易所和协议"/>
+            <p:cNvPr id="399" name="去中心化代币交易所和协议"/>
             <p:cNvSpPr txBox="1"/>
             <p:nvPr/>
           </p:nvSpPr>
@@ -19856,7 +19903,7 @@
                                       <p:cBhvr>
                                         <p:cTn id="6" fill="hold"/>
                                         <p:tgtEl>
-                                          <p:spTgt spid="395"/>
+                                          <p:spTgt spid="396"/>
                                         </p:tgtEl>
                                         <p:attrNameLst>
                                           <p:attrName>style.visibility</p:attrName>
@@ -19870,7 +19917,7 @@
                                       <p:cBhvr>
                                         <p:cTn id="7" dur="500"/>
                                         <p:tgtEl>
-                                          <p:spTgt spid="395"/>
+                                          <p:spTgt spid="396"/>
                                         </p:tgtEl>
                                       </p:cBhvr>
                                     </p:animEffect>
@@ -19899,7 +19946,7 @@
                                       <p:cBhvr>
                                         <p:cTn id="10" fill="hold"/>
                                         <p:tgtEl>
-                                          <p:spTgt spid="396"/>
+                                          <p:spTgt spid="397"/>
                                         </p:tgtEl>
                                         <p:attrNameLst>
                                           <p:attrName>style.visibility</p:attrName>
@@ -19913,7 +19960,7 @@
                                       <p:cBhvr>
                                         <p:cTn id="11" dur="500"/>
                                         <p:tgtEl>
-                                          <p:spTgt spid="396"/>
+                                          <p:spTgt spid="397"/>
                                         </p:tgtEl>
                                       </p:cBhvr>
                                     </p:animEffect>
@@ -19948,8 +19995,8 @@
       </p:par>
     </p:tnLst>
     <p:bldLst>
-      <p:bldP build="whole" bldLvl="1" animBg="1" rev="0" advAuto="0" spid="395" grpId="1"/>
-      <p:bldP build="whole" bldLvl="1" animBg="1" rev="0" advAuto="0" spid="396" grpId="2"/>
+      <p:bldP build="whole" bldLvl="1" animBg="1" rev="0" advAuto="0" spid="397" grpId="2"/>
+      <p:bldP build="whole" bldLvl="1" animBg="1" rev="0" advAuto="0" spid="396" grpId="1"/>
     </p:bldLst>
   </p:timing>
 </p:sld>
@@ -19981,7 +20028,7 @@
       </p:grpSpPr>
       <p:sp>
         <p:nvSpPr>
-          <p:cNvPr id="401" name="Centralized…"/>
+          <p:cNvPr id="402" name="Centralized…"/>
           <p:cNvSpPr txBox="1"/>
           <p:nvPr/>
         </p:nvSpPr>
@@ -20035,7 +20082,7 @@
       </p:sp>
       <p:sp>
         <p:nvSpPr>
-          <p:cNvPr id="402" name="首先是个协议"/>
+          <p:cNvPr id="403" name="首先是个协议"/>
           <p:cNvSpPr txBox="1"/>
           <p:nvPr/>
         </p:nvSpPr>
@@ -20083,7 +20130,7 @@
       </p:sp>
       <p:sp>
         <p:nvSpPr>
-          <p:cNvPr id="403" name="HTTP"/>
+          <p:cNvPr id="404" name="HTTP"/>
           <p:cNvSpPr/>
           <p:nvPr/>
         </p:nvSpPr>
@@ -20132,7 +20179,7 @@
       </p:sp>
       <p:sp>
         <p:nvSpPr>
-          <p:cNvPr id="404" name="Linux"/>
+          <p:cNvPr id="405" name="Linux"/>
           <p:cNvSpPr/>
           <p:nvPr/>
         </p:nvSpPr>
@@ -20181,7 +20228,7 @@
       </p:sp>
       <p:sp>
         <p:nvSpPr>
-          <p:cNvPr id="405" name="Windows"/>
+          <p:cNvPr id="406" name="Windows"/>
           <p:cNvSpPr/>
           <p:nvPr/>
         </p:nvSpPr>
@@ -20230,7 +20277,7 @@
       </p:sp>
       <p:sp>
         <p:nvSpPr>
-          <p:cNvPr id="406" name="Android"/>
+          <p:cNvPr id="407" name="Android"/>
           <p:cNvSpPr/>
           <p:nvPr/>
         </p:nvSpPr>
@@ -20279,7 +20326,7 @@
       </p:sp>
       <p:sp>
         <p:nvSpPr>
-          <p:cNvPr id="407" name="iOS"/>
+          <p:cNvPr id="408" name="iOS"/>
           <p:cNvSpPr/>
           <p:nvPr/>
         </p:nvSpPr>
@@ -20328,7 +20375,7 @@
       </p:sp>
       <p:sp>
         <p:nvSpPr>
-          <p:cNvPr id="408" name="如同HTTP协议可以再多个操作系统中实现"/>
+          <p:cNvPr id="409" name="如同HTTP协议可以再多个操作系统中实现"/>
           <p:cNvSpPr txBox="1"/>
           <p:nvPr/>
         </p:nvSpPr>
@@ -20373,7 +20420,7 @@
       </p:sp>
       <p:sp>
         <p:nvSpPr>
-          <p:cNvPr id="409" name="Chrome"/>
+          <p:cNvPr id="410" name="Chrome"/>
           <p:cNvSpPr/>
           <p:nvPr/>
         </p:nvSpPr>
@@ -20422,7 +20469,7 @@
       </p:sp>
       <p:sp>
         <p:nvSpPr>
-          <p:cNvPr id="410" name="Firefox"/>
+          <p:cNvPr id="411" name="Firefox"/>
           <p:cNvSpPr/>
           <p:nvPr/>
         </p:nvSpPr>
@@ -20471,7 +20518,7 @@
       </p:sp>
       <p:sp>
         <p:nvSpPr>
-          <p:cNvPr id="411" name="Safari"/>
+          <p:cNvPr id="412" name="Safari"/>
           <p:cNvSpPr/>
           <p:nvPr/>
         </p:nvSpPr>
@@ -20520,7 +20567,7 @@
       </p:sp>
       <p:sp>
         <p:nvSpPr>
-          <p:cNvPr id="412" name="IE"/>
+          <p:cNvPr id="413" name="IE"/>
           <p:cNvSpPr/>
           <p:nvPr/>
         </p:nvSpPr>
@@ -20569,7 +20616,7 @@
       </p:sp>
       <p:grpSp>
         <p:nvGrpSpPr>
-          <p:cNvPr id="415" name="成组"/>
+          <p:cNvPr id="416" name="成组"/>
           <p:cNvGrpSpPr/>
           <p:nvPr/>
         </p:nvGrpSpPr>
@@ -20583,7 +20630,7 @@
         </p:grpSpPr>
         <p:sp>
           <p:nvSpPr>
-            <p:cNvPr id="413" name="Loopring"/>
+            <p:cNvPr id="414" name="Loopring"/>
             <p:cNvSpPr txBox="1"/>
             <p:nvPr/>
           </p:nvSpPr>
@@ -20631,7 +20678,7 @@
         </p:sp>
         <p:sp>
           <p:nvSpPr>
-            <p:cNvPr id="414" name="去中心化代币交易所和协议"/>
+            <p:cNvPr id="415" name="去中心化代币交易所和协议"/>
             <p:cNvSpPr txBox="1"/>
             <p:nvPr/>
           </p:nvSpPr>
@@ -20724,7 +20771,7 @@
       </p:grpSpPr>
       <p:sp>
         <p:nvSpPr>
-          <p:cNvPr id="417" name="Centralized…"/>
+          <p:cNvPr id="418" name="Centralized…"/>
           <p:cNvSpPr txBox="1"/>
           <p:nvPr/>
         </p:nvSpPr>
@@ -20778,7 +20825,7 @@
       </p:sp>
       <p:sp>
         <p:nvSpPr>
-          <p:cNvPr id="418" name="Loopring Protocol"/>
+          <p:cNvPr id="419" name="Loopring Protocol"/>
           <p:cNvSpPr/>
           <p:nvPr/>
         </p:nvSpPr>
@@ -20830,7 +20877,7 @@
       </p:sp>
       <p:sp>
         <p:nvSpPr>
-          <p:cNvPr id="419" name="Ethereum"/>
+          <p:cNvPr id="420" name="Ethereum"/>
           <p:cNvSpPr/>
           <p:nvPr/>
         </p:nvSpPr>
@@ -20879,7 +20926,7 @@
       </p:sp>
       <p:sp>
         <p:nvSpPr>
-          <p:cNvPr id="420" name="量子链QTUM"/>
+          <p:cNvPr id="421" name="量子链QTUM"/>
           <p:cNvSpPr/>
           <p:nvPr/>
         </p:nvSpPr>
@@ -20928,7 +20975,7 @@
       </p:sp>
       <p:sp>
         <p:nvSpPr>
-          <p:cNvPr id="421" name="EOS"/>
+          <p:cNvPr id="422" name="EOS"/>
           <p:cNvSpPr/>
           <p:nvPr/>
         </p:nvSpPr>
@@ -20977,7 +21024,7 @@
       </p:sp>
       <p:sp>
         <p:nvSpPr>
-          <p:cNvPr id="422" name="…"/>
+          <p:cNvPr id="423" name="…"/>
           <p:cNvSpPr/>
           <p:nvPr/>
         </p:nvSpPr>
@@ -21026,7 +21073,7 @@
       </p:sp>
       <p:sp>
         <p:nvSpPr>
-          <p:cNvPr id="423" name="Loopring也可以在多个支持智能合约的类ERC20代币的公有链上实现。"/>
+          <p:cNvPr id="424" name="Loopring也可以在多个支持智能合约的类ERC20代币的公有链上实现。"/>
           <p:cNvSpPr txBox="1"/>
           <p:nvPr/>
         </p:nvSpPr>
@@ -21071,7 +21118,7 @@
       </p:sp>
       <p:sp>
         <p:nvSpPr>
-          <p:cNvPr id="424" name="Loopring交易所"/>
+          <p:cNvPr id="425" name="Loopring交易所"/>
           <p:cNvSpPr/>
           <p:nvPr/>
         </p:nvSpPr>
@@ -21124,7 +21171,7 @@
       </p:sp>
       <p:sp>
         <p:nvSpPr>
-          <p:cNvPr id="425" name="其他交易所"/>
+          <p:cNvPr id="426" name="其他交易所"/>
           <p:cNvSpPr/>
           <p:nvPr/>
         </p:nvSpPr>
@@ -21176,7 +21223,7 @@
       </p:sp>
       <p:sp>
         <p:nvSpPr>
-          <p:cNvPr id="426" name="dApp2"/>
+          <p:cNvPr id="427" name="dApp2"/>
           <p:cNvSpPr/>
           <p:nvPr/>
         </p:nvSpPr>
@@ -21229,7 +21276,7 @@
       </p:sp>
       <p:sp>
         <p:nvSpPr>
-          <p:cNvPr id="427" name="首先是个协议"/>
+          <p:cNvPr id="428" name="首先是个协议"/>
           <p:cNvSpPr txBox="1"/>
           <p:nvPr/>
         </p:nvSpPr>
@@ -21277,7 +21324,7 @@
       </p:sp>
       <p:grpSp>
         <p:nvGrpSpPr>
-          <p:cNvPr id="430" name="成组"/>
+          <p:cNvPr id="431" name="成组"/>
           <p:cNvGrpSpPr/>
           <p:nvPr/>
         </p:nvGrpSpPr>
@@ -21291,7 +21338,7 @@
         </p:grpSpPr>
         <p:sp>
           <p:nvSpPr>
-            <p:cNvPr id="428" name="Loopring"/>
+            <p:cNvPr id="429" name="Loopring"/>
             <p:cNvSpPr txBox="1"/>
             <p:nvPr/>
           </p:nvSpPr>
@@ -21339,7 +21386,7 @@
         </p:sp>
         <p:sp>
           <p:nvSpPr>
-            <p:cNvPr id="429" name="去中心化代币交易所和协议"/>
+            <p:cNvPr id="430" name="去中心化代币交易所和协议"/>
             <p:cNvSpPr txBox="1"/>
             <p:nvPr/>
           </p:nvSpPr>
@@ -21432,7 +21479,7 @@
       </p:grpSpPr>
       <p:sp>
         <p:nvSpPr>
-          <p:cNvPr id="432" name="Centralized…"/>
+          <p:cNvPr id="433" name="Centralized…"/>
           <p:cNvSpPr txBox="1"/>
           <p:nvPr/>
         </p:nvSpPr>
@@ -21486,7 +21533,7 @@
       </p:sp>
       <p:grpSp>
         <p:nvGrpSpPr>
-          <p:cNvPr id="435" name="成组"/>
+          <p:cNvPr id="436" name="成组"/>
           <p:cNvGrpSpPr/>
           <p:nvPr/>
         </p:nvGrpSpPr>
@@ -21500,7 +21547,7 @@
         </p:grpSpPr>
         <p:sp>
           <p:nvSpPr>
-            <p:cNvPr id="433" name="目标1. 协议验证和落地示范"/>
+            <p:cNvPr id="434" name="目标1. 协议验证和落地示范"/>
             <p:cNvSpPr txBox="1"/>
             <p:nvPr/>
           </p:nvSpPr>
@@ -21548,7 +21595,7 @@
         </p:sp>
         <p:sp>
           <p:nvSpPr>
-            <p:cNvPr id="434" name="我们的交易所将是协议的第一个应用。我们将向社区证明去中心化交易所在效率和安全性方面可以有兼而有之的解决方案。…"/>
+            <p:cNvPr id="435" name="我们的交易所将是协议的第一个应用。我们将向社区证明去中心化交易所在效率和安全性方面可以有兼而有之的解决方案。…"/>
             <p:cNvSpPr txBox="1"/>
             <p:nvPr/>
           </p:nvSpPr>
@@ -21625,7 +21672,7 @@
       </p:grpSp>
       <p:grpSp>
         <p:nvGrpSpPr>
-          <p:cNvPr id="438" name="成组"/>
+          <p:cNvPr id="439" name="成组"/>
           <p:cNvGrpSpPr/>
           <p:nvPr/>
         </p:nvGrpSpPr>
@@ -21639,7 +21686,7 @@
         </p:grpSpPr>
         <p:sp>
           <p:nvSpPr>
-            <p:cNvPr id="436" name="目标2. 验证环路发现算法"/>
+            <p:cNvPr id="437" name="目标2. 验证环路发现算法"/>
             <p:cNvSpPr txBox="1"/>
             <p:nvPr/>
           </p:nvSpPr>
@@ -21687,7 +21734,7 @@
         </p:sp>
         <p:sp>
           <p:nvSpPr>
-            <p:cNvPr id="437" name="线下撮合的效率对于交易所之间的竞争异常重要。我们预见未来交易所的主要竞争力不是用户数，而是撮合能力。"/>
+            <p:cNvPr id="438" name="线下撮合的效率对于交易所之间的竞争异常重要。我们预见未来交易所的主要竞争力不是用户数，而是撮合能力。"/>
             <p:cNvSpPr txBox="1"/>
             <p:nvPr/>
           </p:nvSpPr>
@@ -21736,7 +21783,7 @@
       </p:grpSp>
       <p:grpSp>
         <p:nvGrpSpPr>
-          <p:cNvPr id="441" name="成组"/>
+          <p:cNvPr id="442" name="成组"/>
           <p:cNvGrpSpPr/>
           <p:nvPr/>
         </p:nvGrpSpPr>
@@ -21750,7 +21797,7 @@
         </p:grpSpPr>
         <p:sp>
           <p:nvSpPr>
-            <p:cNvPr id="439" name="目标3. 为以太坊ICO生态提供流动性"/>
+            <p:cNvPr id="440" name="目标3. 为以太坊ICO生态提供流动性"/>
             <p:cNvSpPr txBox="1"/>
             <p:nvPr/>
           </p:nvSpPr>
@@ -21798,7 +21845,7 @@
         </p:sp>
         <p:sp>
           <p:nvSpPr>
-            <p:cNvPr id="440" name="有了我们的交易所，任何基于ETH的ICO代币都可以第一时间与ETH及其他ERC20代币做交换。"/>
+            <p:cNvPr id="441" name="有了我们的交易所，任何基于ETH的ICO代币都可以第一时间与ETH及其他ERC20代币做交换。"/>
             <p:cNvSpPr txBox="1"/>
             <p:nvPr/>
           </p:nvSpPr>
@@ -21847,7 +21894,7 @@
       </p:grpSp>
       <p:sp>
         <p:nvSpPr>
-          <p:cNvPr id="442" name="也是个交易所"/>
+          <p:cNvPr id="443" name="也是个交易所"/>
           <p:cNvSpPr txBox="1"/>
           <p:nvPr/>
         </p:nvSpPr>
@@ -21895,7 +21942,7 @@
       </p:sp>
       <p:grpSp>
         <p:nvGrpSpPr>
-          <p:cNvPr id="445" name="成组"/>
+          <p:cNvPr id="446" name="成组"/>
           <p:cNvGrpSpPr/>
           <p:nvPr/>
         </p:nvGrpSpPr>
@@ -21909,7 +21956,7 @@
         </p:grpSpPr>
         <p:sp>
           <p:nvSpPr>
-            <p:cNvPr id="443" name="Loopring"/>
+            <p:cNvPr id="444" name="Loopring"/>
             <p:cNvSpPr txBox="1"/>
             <p:nvPr/>
           </p:nvSpPr>
@@ -21957,7 +22004,7 @@
         </p:sp>
         <p:sp>
           <p:nvSpPr>
-            <p:cNvPr id="444" name="去中心化代币交易所和协议"/>
+            <p:cNvPr id="445" name="去中心化代币交易所和协议"/>
             <p:cNvSpPr txBox="1"/>
             <p:nvPr/>
           </p:nvSpPr>
@@ -22043,7 +22090,7 @@
                                       <p:cBhvr>
                                         <p:cTn id="6" fill="hold"/>
                                         <p:tgtEl>
-                                          <p:spTgt spid="435"/>
+                                          <p:spTgt spid="436"/>
                                         </p:tgtEl>
                                         <p:attrNameLst>
                                           <p:attrName>style.visibility</p:attrName>
@@ -22057,7 +22104,7 @@
                                       <p:cBhvr>
                                         <p:cTn id="7" dur="500"/>
                                         <p:tgtEl>
-                                          <p:spTgt spid="435"/>
+                                          <p:spTgt spid="436"/>
                                         </p:tgtEl>
                                       </p:cBhvr>
                                     </p:animEffect>
@@ -22095,7 +22142,7 @@
                                       <p:cBhvr>
                                         <p:cTn id="11" fill="hold"/>
                                         <p:tgtEl>
-                                          <p:spTgt spid="438"/>
+                                          <p:spTgt spid="439"/>
                                         </p:tgtEl>
                                         <p:attrNameLst>
                                           <p:attrName>style.visibility</p:attrName>
@@ -22109,7 +22156,7 @@
                                       <p:cBhvr>
                                         <p:cTn id="12" dur="500"/>
                                         <p:tgtEl>
-                                          <p:spTgt spid="438"/>
+                                          <p:spTgt spid="439"/>
                                         </p:tgtEl>
                                       </p:cBhvr>
                                     </p:animEffect>
@@ -22147,7 +22194,7 @@
                                       <p:cBhvr>
                                         <p:cTn id="16" fill="hold"/>
                                         <p:tgtEl>
-                                          <p:spTgt spid="441"/>
+                                          <p:spTgt spid="442"/>
                                         </p:tgtEl>
                                         <p:attrNameLst>
                                           <p:attrName>style.visibility</p:attrName>
@@ -22161,7 +22208,7 @@
                                       <p:cBhvr>
                                         <p:cTn id="17" dur="500"/>
                                         <p:tgtEl>
-                                          <p:spTgt spid="441"/>
+                                          <p:spTgt spid="442"/>
                                         </p:tgtEl>
                                       </p:cBhvr>
                                     </p:animEffect>
@@ -22196,9 +22243,9 @@
       </p:par>
     </p:tnLst>
     <p:bldLst>
-      <p:bldP build="whole" bldLvl="1" animBg="1" rev="0" advAuto="0" spid="435" grpId="1"/>
-      <p:bldP build="whole" bldLvl="1" animBg="1" rev="0" advAuto="0" spid="438" grpId="2"/>
-      <p:bldP build="whole" bldLvl="1" animBg="1" rev="0" advAuto="0" spid="441" grpId="3"/>
+      <p:bldP build="whole" bldLvl="1" animBg="1" rev="0" advAuto="0" spid="442" grpId="3"/>
+      <p:bldP build="whole" bldLvl="1" animBg="1" rev="0" advAuto="0" spid="436" grpId="1"/>
+      <p:bldP build="whole" bldLvl="1" animBg="1" rev="0" advAuto="0" spid="439" grpId="2"/>
     </p:bldLst>
   </p:timing>
 </p:sld>
@@ -22230,7 +22277,7 @@
       </p:grpSpPr>
       <p:sp>
         <p:nvSpPr>
-          <p:cNvPr id="447" name="Centralized…"/>
+          <p:cNvPr id="448" name="Centralized…"/>
           <p:cNvSpPr txBox="1"/>
           <p:nvPr/>
         </p:nvSpPr>
@@ -22284,7 +22331,7 @@
       </p:sp>
       <p:grpSp>
         <p:nvGrpSpPr>
-          <p:cNvPr id="451" name="成组"/>
+          <p:cNvPr id="452" name="成组"/>
           <p:cNvGrpSpPr/>
           <p:nvPr/>
         </p:nvGrpSpPr>
@@ -22298,7 +22345,7 @@
         </p:grpSpPr>
         <p:sp>
           <p:nvSpPr>
-            <p:cNvPr id="448" name="English Whitepaper"/>
+            <p:cNvPr id="449" name="English Whitepaper"/>
             <p:cNvSpPr/>
             <p:nvPr/>
           </p:nvSpPr>
@@ -22369,7 +22416,7 @@
         </p:sp>
         <p:sp>
           <p:nvSpPr>
-            <p:cNvPr id="449" name="三角形"/>
+            <p:cNvPr id="450" name="三角形"/>
             <p:cNvSpPr/>
             <p:nvPr/>
           </p:nvSpPr>
@@ -22446,7 +22493,7 @@
         </p:sp>
         <p:sp>
           <p:nvSpPr>
-            <p:cNvPr id="450" name="三角形"/>
+            <p:cNvPr id="451" name="三角形"/>
             <p:cNvSpPr/>
             <p:nvPr/>
           </p:nvSpPr>
@@ -22524,7 +22571,7 @@
       </p:grpSp>
       <p:grpSp>
         <p:nvGrpSpPr>
-          <p:cNvPr id="455" name="成组"/>
+          <p:cNvPr id="456" name="成组"/>
           <p:cNvGrpSpPr/>
           <p:nvPr/>
         </p:nvGrpSpPr>
@@ -22538,7 +22585,7 @@
         </p:grpSpPr>
         <p:sp>
           <p:nvSpPr>
-            <p:cNvPr id="452" name="中文白皮书"/>
+            <p:cNvPr id="453" name="中文白皮书"/>
             <p:cNvSpPr/>
             <p:nvPr/>
           </p:nvSpPr>
@@ -22609,7 +22656,7 @@
         </p:sp>
         <p:sp>
           <p:nvSpPr>
-            <p:cNvPr id="453" name="三角形"/>
+            <p:cNvPr id="454" name="三角形"/>
             <p:cNvSpPr/>
             <p:nvPr/>
           </p:nvSpPr>
@@ -22686,7 +22733,7 @@
         </p:sp>
         <p:sp>
           <p:nvSpPr>
-            <p:cNvPr id="454" name="三角形"/>
+            <p:cNvPr id="455" name="三角形"/>
             <p:cNvSpPr/>
             <p:nvPr/>
           </p:nvSpPr>
@@ -22764,7 +22811,7 @@
       </p:grpSp>
       <p:grpSp>
         <p:nvGrpSpPr>
-          <p:cNvPr id="458" name="成组"/>
+          <p:cNvPr id="459" name="成组"/>
           <p:cNvGrpSpPr/>
           <p:nvPr/>
         </p:nvGrpSpPr>
@@ -22778,7 +22825,7 @@
         </p:grpSpPr>
         <p:sp>
           <p:nvSpPr>
-            <p:cNvPr id="456" name="Loopring"/>
+            <p:cNvPr id="457" name="Loopring"/>
             <p:cNvSpPr txBox="1"/>
             <p:nvPr/>
           </p:nvSpPr>
@@ -22826,7 +22873,7 @@
         </p:sp>
         <p:sp>
           <p:nvSpPr>
-            <p:cNvPr id="457" name="去中心化代币交易所和协议"/>
+            <p:cNvPr id="458" name="去中心化代币交易所和协议"/>
             <p:cNvSpPr txBox="1"/>
             <p:nvPr/>
           </p:nvSpPr>
@@ -22911,7 +22958,7 @@
       </p:grpSpPr>
       <p:sp>
         <p:nvSpPr>
-          <p:cNvPr id="460" name="代币LRC的发行"/>
+          <p:cNvPr id="461" name="代币LRC的发行"/>
           <p:cNvSpPr txBox="1"/>
           <p:nvPr/>
         </p:nvSpPr>
@@ -22956,7 +23003,7 @@
       </p:sp>
       <p:sp>
         <p:nvSpPr>
-          <p:cNvPr id="461" name="ICO"/>
+          <p:cNvPr id="462" name="ICO"/>
           <p:cNvSpPr txBox="1"/>
           <p:nvPr/>
         </p:nvSpPr>
@@ -23001,7 +23048,7 @@
       </p:sp>
       <p:sp>
         <p:nvSpPr>
-          <p:cNvPr id="462" name="2017/08/01 - 2017/08/30"/>
+          <p:cNvPr id="463" name="2017/08/01 - 2017/08/30"/>
           <p:cNvSpPr txBox="1"/>
           <p:nvPr/>
         </p:nvSpPr>
@@ -23085,7 +23132,7 @@
       </p:grpSpPr>
       <p:sp>
         <p:nvSpPr>
-          <p:cNvPr id="464" name="ICO"/>
+          <p:cNvPr id="465" name="ICO"/>
           <p:cNvSpPr txBox="1"/>
           <p:nvPr/>
         </p:nvSpPr>
@@ -23130,7 +23177,7 @@
       </p:sp>
       <p:sp>
         <p:nvSpPr>
-          <p:cNvPr id="465" name="第1阶段      封顶2万ETH"/>
+          <p:cNvPr id="466" name="第1阶段      封顶2万ETH"/>
           <p:cNvSpPr/>
           <p:nvPr/>
         </p:nvSpPr>
@@ -23186,7 +23233,7 @@
       </p:sp>
       <p:sp>
         <p:nvSpPr>
-          <p:cNvPr id="466" name="第2阶段      封顶2万ETH"/>
+          <p:cNvPr id="467" name="第2阶段      封顶2万ETH"/>
           <p:cNvSpPr/>
           <p:nvPr/>
         </p:nvSpPr>
@@ -23242,7 +23289,7 @@
       </p:sp>
       <p:sp>
         <p:nvSpPr>
-          <p:cNvPr id="467" name="第3阶段      封顶2万ETH"/>
+          <p:cNvPr id="468" name="第3阶段      封顶2万ETH"/>
           <p:cNvSpPr/>
           <p:nvPr/>
         </p:nvSpPr>
@@ -23298,7 +23345,7 @@
       </p:sp>
       <p:sp>
         <p:nvSpPr>
-          <p:cNvPr id="468" name="第4阶段      封顶2万ETH"/>
+          <p:cNvPr id="469" name="第4阶段      封顶2万ETH"/>
           <p:cNvSpPr/>
           <p:nvPr/>
         </p:nvSpPr>
@@ -23354,7 +23401,7 @@
       </p:sp>
       <p:sp>
         <p:nvSpPr>
-          <p:cNvPr id="469" name="第5阶段      封顶2万ETH"/>
+          <p:cNvPr id="470" name="第5阶段      封顶2万ETH"/>
           <p:cNvSpPr/>
           <p:nvPr/>
         </p:nvSpPr>
@@ -23410,7 +23457,7 @@
       </p:sp>
       <p:sp>
         <p:nvSpPr>
-          <p:cNvPr id="470" name="ICO持续时间为30天，最多筹集10万个ETH，最少筹集5万个ETH；…"/>
+          <p:cNvPr id="471" name="ICO持续时间为30天，最多筹集10万个ETH，最少筹集5万个ETH；…"/>
           <p:cNvSpPr txBox="1"/>
           <p:nvPr/>
         </p:nvSpPr>
@@ -23764,7 +23811,7 @@
       </p:sp>
       <p:sp>
         <p:nvSpPr>
-          <p:cNvPr id="471" name="2017/08/01 - 2017/08/30"/>
+          <p:cNvPr id="472" name="2017/08/01 - 2017/08/30"/>
           <p:cNvSpPr txBox="1"/>
           <p:nvPr/>
         </p:nvSpPr>
@@ -23856,7 +23903,7 @@
       </p:grpSpPr>
       <p:pic>
         <p:nvPicPr>
-          <p:cNvPr id="128" name="屏幕快照 2017-06-29 15.15.42.jpg" descr="屏幕快照 2017-06-29 15.15.42.jpg"/>
+          <p:cNvPr id="129" name="屏幕快照 2017-06-29 15.15.42.jpg" descr="屏幕快照 2017-06-29 15.15.42.jpg"/>
           <p:cNvPicPr>
             <a:picLocks noChangeAspect="1"/>
           </p:cNvPicPr>
@@ -23885,7 +23932,7 @@
       </p:pic>
       <p:sp>
         <p:nvSpPr>
-          <p:cNvPr id="129" name="团队"/>
+          <p:cNvPr id="130" name="团队"/>
           <p:cNvSpPr txBox="1"/>
           <p:nvPr/>
         </p:nvSpPr>
@@ -23930,7 +23977,7 @@
       </p:sp>
       <p:pic>
         <p:nvPicPr>
-          <p:cNvPr id="130" name="屏幕快照 2017-06-29 15.19.02.jpg" descr="屏幕快照 2017-06-29 15.19.02.jpg"/>
+          <p:cNvPr id="131" name="屏幕快照 2017-06-29 15.19.02.jpg" descr="屏幕快照 2017-06-29 15.19.02.jpg"/>
           <p:cNvPicPr>
             <a:picLocks noChangeAspect="1"/>
           </p:cNvPicPr>
@@ -23959,7 +24006,7 @@
       </p:pic>
       <p:sp>
         <p:nvSpPr>
-          <p:cNvPr id="131" name="4位 - Google工程师…"/>
+          <p:cNvPr id="132" name="4位 - Google工程师…"/>
           <p:cNvSpPr txBox="1"/>
           <p:nvPr/>
         </p:nvSpPr>
@@ -24133,7 +24180,7 @@
       </p:sp>
       <p:pic>
         <p:nvPicPr>
-          <p:cNvPr id="132" name="屏幕快照 2017-06-29 15.15.51.jpg" descr="屏幕快照 2017-06-29 15.15.51.jpg"/>
+          <p:cNvPr id="133" name="屏幕快照 2017-06-29 15.15.51.jpg" descr="屏幕快照 2017-06-29 15.15.51.jpg"/>
           <p:cNvPicPr>
             <a:picLocks noChangeAspect="1"/>
           </p:cNvPicPr>
@@ -24209,7 +24256,7 @@
       </p:grpSpPr>
       <p:sp>
         <p:nvSpPr>
-          <p:cNvPr id="473" name="ICO"/>
+          <p:cNvPr id="474" name="ICO"/>
           <p:cNvSpPr txBox="1"/>
           <p:nvPr/>
         </p:nvSpPr>
@@ -24254,7 +24301,7 @@
       </p:sp>
       <p:sp>
         <p:nvSpPr>
-          <p:cNvPr id="474" name="24-Hour Trade Volume…"/>
+          <p:cNvPr id="475" name="24-Hour Trade Volume…"/>
           <p:cNvSpPr txBox="1"/>
           <p:nvPr/>
         </p:nvSpPr>
@@ -24310,7 +24357,7 @@
       </p:sp>
       <p:sp>
         <p:nvSpPr>
-          <p:cNvPr id="475" name="$5B"/>
+          <p:cNvPr id="476" name="$5B"/>
           <p:cNvSpPr txBox="1"/>
           <p:nvPr/>
         </p:nvSpPr>
@@ -24355,7 +24402,7 @@
       </p:sp>
       <p:sp>
         <p:nvSpPr>
-          <p:cNvPr id="476" name="2017/08/01 - 2017/08/30"/>
+          <p:cNvPr id="477" name="2017/08/01 - 2017/08/30"/>
           <p:cNvSpPr txBox="1"/>
           <p:nvPr/>
         </p:nvSpPr>
@@ -24403,7 +24450,7 @@
       </p:sp>
       <p:sp>
         <p:nvSpPr>
-          <p:cNvPr id="477" name="矩形"/>
+          <p:cNvPr id="478" name="矩形"/>
           <p:cNvSpPr/>
           <p:nvPr/>
         </p:nvSpPr>
@@ -24442,7 +24489,7 @@
       </p:sp>
       <p:graphicFrame>
         <p:nvGraphicFramePr>
-          <p:cNvPr id="478" name="ICO数据"/>
+          <p:cNvPr id="479" name="ICO数据"/>
           <p:cNvGraphicFramePr/>
           <p:nvPr/>
         </p:nvGraphicFramePr>
@@ -31387,7 +31434,7 @@
       </p:grpSpPr>
       <p:sp>
         <p:nvSpPr>
-          <p:cNvPr id="480" name="ICO"/>
+          <p:cNvPr id="481" name="ICO"/>
           <p:cNvSpPr txBox="1"/>
           <p:nvPr/>
         </p:nvSpPr>
@@ -31432,7 +31479,7 @@
       </p:sp>
       <p:sp>
         <p:nvSpPr>
-          <p:cNvPr id="481" name="24-Hour Trade Volume…"/>
+          <p:cNvPr id="482" name="24-Hour Trade Volume…"/>
           <p:cNvSpPr txBox="1"/>
           <p:nvPr/>
         </p:nvSpPr>
@@ -31488,7 +31535,7 @@
       </p:sp>
       <p:sp>
         <p:nvSpPr>
-          <p:cNvPr id="482" name="$5B"/>
+          <p:cNvPr id="483" name="$5B"/>
           <p:cNvSpPr txBox="1"/>
           <p:nvPr/>
         </p:nvSpPr>
@@ -31533,7 +31580,7 @@
       </p:sp>
       <p:sp>
         <p:nvSpPr>
-          <p:cNvPr id="483" name="2017/08/01 - 2017/08/30"/>
+          <p:cNvPr id="484" name="2017/08/01 - 2017/08/30"/>
           <p:cNvSpPr txBox="1"/>
           <p:nvPr/>
         </p:nvSpPr>
@@ -31584,7 +31631,7 @@
       </p:sp>
       <p:sp>
         <p:nvSpPr>
-          <p:cNvPr id="484" name="一次投资，多次回报"/>
+          <p:cNvPr id="485" name="一次投资，多次回报"/>
           <p:cNvSpPr txBox="1"/>
           <p:nvPr/>
         </p:nvSpPr>
@@ -31635,7 +31682,7 @@
       </p:sp>
       <p:sp>
         <p:nvSpPr>
-          <p:cNvPr id="485" name="在其它共有链（如EOS，ETC）实施Loopring协议后也会发行LRC代币。如果目标公有链用的数字签名算法和以太坊一致（ECDSA），我们将为所有参与ICO的公钥地址发行等比例代币，并收取5%的费用。如果目标公有链的数字签名算法和ETH不一致，基金会保留权利采用另外的发行策略。"/>
+          <p:cNvPr id="486" name="在其它共有链（如EOS，ETC）实施Loopring协议后也会发行LRC代币。如果目标公有链用的数字签名算法和以太坊一致（ECDSA），我们将为所有参与ICO的公钥地址发行等比例代币，并收取5%的费用。如果目标公有链的数字签名算法和ETH不一致，基金会保留权利采用另外的发行策略。"/>
           <p:cNvSpPr txBox="1"/>
           <p:nvPr/>
         </p:nvSpPr>
@@ -31740,7 +31787,7 @@
       </p:grpSpPr>
       <p:sp>
         <p:nvSpPr>
-          <p:cNvPr id="487" name="ICO"/>
+          <p:cNvPr id="488" name="ICO"/>
           <p:cNvSpPr txBox="1"/>
           <p:nvPr/>
         </p:nvSpPr>
@@ -31785,7 +31832,7 @@
       </p:sp>
       <p:sp>
         <p:nvSpPr>
-          <p:cNvPr id="488" name="2017/08/01 - 2017/08/30"/>
+          <p:cNvPr id="489" name="2017/08/01 - 2017/08/30"/>
           <p:cNvSpPr txBox="1"/>
           <p:nvPr/>
         </p:nvSpPr>
@@ -31833,7 +31880,7 @@
       </p:sp>
       <p:grpSp>
         <p:nvGrpSpPr>
-          <p:cNvPr id="491" name="成组"/>
+          <p:cNvPr id="492" name="成组"/>
           <p:cNvGrpSpPr/>
           <p:nvPr/>
         </p:nvGrpSpPr>
@@ -31847,7 +31894,7 @@
         </p:grpSpPr>
         <p:sp>
           <p:nvSpPr>
-            <p:cNvPr id="489" name="1. 众筹基于以太坊智能合约"/>
+            <p:cNvPr id="490" name="1. 众筹基于以太坊智能合约"/>
             <p:cNvSpPr txBox="1"/>
             <p:nvPr/>
           </p:nvSpPr>
@@ -31898,7 +31945,7 @@
         </p:sp>
         <p:sp>
           <p:nvSpPr>
-            <p:cNvPr id="490" name="所有参与众筹的ETH都需要通过普通以太坊转账，转到智能合约地址。未能成功参与ICO的ETH会被立即返还到原来的账号。"/>
+            <p:cNvPr id="491" name="所有参与众筹的ETH都需要通过普通以太坊转账，转到智能合约地址。未能成功参与ICO的ETH会被立即返还到原来的账号。"/>
             <p:cNvSpPr txBox="1"/>
             <p:nvPr/>
           </p:nvSpPr>
@@ -31950,7 +31997,7 @@
       </p:grpSp>
       <p:grpSp>
         <p:nvGrpSpPr>
-          <p:cNvPr id="494" name="成组"/>
+          <p:cNvPr id="495" name="成组"/>
           <p:cNvGrpSpPr/>
           <p:nvPr/>
         </p:nvGrpSpPr>
@@ -31964,7 +32011,7 @@
         </p:grpSpPr>
         <p:sp>
           <p:nvSpPr>
-            <p:cNvPr id="492" name="2. LRC使用ERC20标准"/>
+            <p:cNvPr id="493" name="2. LRC使用ERC20标准"/>
             <p:cNvSpPr txBox="1"/>
             <p:nvPr/>
           </p:nvSpPr>
@@ -32015,7 +32062,7 @@
         </p:sp>
         <p:sp>
           <p:nvSpPr>
-            <p:cNvPr id="493" name="我们的代币LRC符合ERC20标准，并且所有出售的代币在ETH入账时实时发行并转账给用户的ETH地址。切记不要通过交易所直接提现ETH到我们ICO的众筹地址。"/>
+            <p:cNvPr id="494" name="我们的代币LRC符合ERC20标准，并且所有出售的代币在ETH入账时实时发行并转账给用户的ETH地址。切记不要通过交易所直接提现ETH到我们ICO的众筹地址。"/>
             <p:cNvSpPr txBox="1"/>
             <p:nvPr/>
           </p:nvSpPr>
@@ -32083,7 +32130,7 @@
       </p:grpSp>
       <p:grpSp>
         <p:nvGrpSpPr>
-          <p:cNvPr id="497" name="成组"/>
+          <p:cNvPr id="498" name="成组"/>
           <p:cNvGrpSpPr/>
           <p:nvPr/>
         </p:nvGrpSpPr>
@@ -32097,7 +32144,7 @@
         </p:grpSpPr>
         <p:sp>
           <p:nvSpPr>
-            <p:cNvPr id="495" name="3. LRC具有原生流动性"/>
+            <p:cNvPr id="496" name="3. LRC具有原生流动性"/>
             <p:cNvSpPr txBox="1"/>
             <p:nvPr/>
           </p:nvSpPr>
@@ -32148,7 +32195,7 @@
         </p:sp>
         <p:sp>
           <p:nvSpPr>
-            <p:cNvPr id="496" name="Loopring上线后，可以支持所有ERC20代币间的交易，包括LRC。Loopring为以太坊ICO生态提供0成本的上市交易。"/>
+            <p:cNvPr id="497" name="Loopring上线后，可以支持所有ERC20代币间的交易，包括LRC。Loopring为以太坊ICO生态提供0成本的上市交易。"/>
             <p:cNvSpPr txBox="1"/>
             <p:nvPr/>
           </p:nvSpPr>
@@ -32248,7 +32295,7 @@
                                       <p:cBhvr>
                                         <p:cTn id="6" fill="hold"/>
                                         <p:tgtEl>
-                                          <p:spTgt spid="494"/>
+                                          <p:spTgt spid="495"/>
                                         </p:tgtEl>
                                         <p:attrNameLst>
                                           <p:attrName>style.visibility</p:attrName>
@@ -32262,7 +32309,7 @@
                                       <p:cBhvr>
                                         <p:cTn id="7" dur="1000"/>
                                         <p:tgtEl>
-                                          <p:spTgt spid="494"/>
+                                          <p:spTgt spid="495"/>
                                         </p:tgtEl>
                                       </p:cBhvr>
                                     </p:animEffect>
@@ -32300,7 +32347,7 @@
                                       <p:cBhvr>
                                         <p:cTn id="11" fill="hold"/>
                                         <p:tgtEl>
-                                          <p:spTgt spid="497"/>
+                                          <p:spTgt spid="498"/>
                                         </p:tgtEl>
                                         <p:attrNameLst>
                                           <p:attrName>style.visibility</p:attrName>
@@ -32314,7 +32361,7 @@
                                       <p:cBhvr>
                                         <p:cTn id="12" dur="1000"/>
                                         <p:tgtEl>
-                                          <p:spTgt spid="497"/>
+                                          <p:spTgt spid="498"/>
                                         </p:tgtEl>
                                       </p:cBhvr>
                                     </p:animEffect>
@@ -32349,8 +32396,8 @@
       </p:par>
     </p:tnLst>
     <p:bldLst>
-      <p:bldP build="whole" bldLvl="1" animBg="1" rev="0" advAuto="0" spid="497" grpId="2"/>
-      <p:bldP build="whole" bldLvl="1" animBg="1" rev="0" advAuto="0" spid="494" grpId="1"/>
+      <p:bldP build="whole" bldLvl="1" animBg="1" rev="0" advAuto="0" spid="495" grpId="1"/>
+      <p:bldP build="whole" bldLvl="1" animBg="1" rev="0" advAuto="0" spid="498" grpId="2"/>
     </p:bldLst>
   </p:timing>
 </p:sld>
@@ -32382,7 +32429,7 @@
       </p:grpSpPr>
       <p:sp>
         <p:nvSpPr>
-          <p:cNvPr id="499" name="计划"/>
+          <p:cNvPr id="500" name="计划"/>
           <p:cNvSpPr txBox="1"/>
           <p:nvPr/>
         </p:nvSpPr>
@@ -32430,7 +32477,7 @@
       </p:sp>
       <p:pic>
         <p:nvPicPr>
-          <p:cNvPr id="500" name="屏幕快照 2017-06-29 15.30.47.jpg" descr="屏幕快照 2017-06-29 15.30.47.jpg"/>
+          <p:cNvPr id="501" name="屏幕快照 2017-06-29 15.30.47.jpg" descr="屏幕快照 2017-06-29 15.30.47.jpg"/>
           <p:cNvPicPr>
             <a:picLocks noChangeAspect="1"/>
           </p:cNvPicPr>
@@ -32506,7 +32553,7 @@
       </p:grpSpPr>
       <p:sp>
         <p:nvSpPr>
-          <p:cNvPr id="502" name="24-Hour Trade Volume…"/>
+          <p:cNvPr id="503" name="24-Hour Trade Volume…"/>
           <p:cNvSpPr txBox="1"/>
           <p:nvPr/>
         </p:nvSpPr>
@@ -32562,7 +32609,7 @@
       </p:sp>
       <p:sp>
         <p:nvSpPr>
-          <p:cNvPr id="503" name="$5B"/>
+          <p:cNvPr id="504" name="$5B"/>
           <p:cNvSpPr txBox="1"/>
           <p:nvPr/>
         </p:nvSpPr>
@@ -32607,7 +32654,7 @@
       </p:sp>
       <p:sp>
         <p:nvSpPr>
-          <p:cNvPr id="504" name="微信/wechat…"/>
+          <p:cNvPr id="505" name="微信/wechat…"/>
           <p:cNvSpPr txBox="1"/>
           <p:nvPr/>
         </p:nvSpPr>
@@ -32735,7 +32782,7 @@
       </p:sp>
       <p:pic>
         <p:nvPicPr>
-          <p:cNvPr id="505" name="屏幕快照 2017-06-29 12.45.29.jpg" descr="屏幕快照 2017-06-29 12.45.29.jpg"/>
+          <p:cNvPr id="506" name="屏幕快照 2017-06-29 12.45.29.jpg" descr="屏幕快照 2017-06-29 12.45.29.jpg"/>
           <p:cNvPicPr>
             <a:picLocks noChangeAspect="1"/>
           </p:cNvPicPr>
@@ -32797,7 +32844,7 @@
       </p:grpSpPr>
       <p:pic>
         <p:nvPicPr>
-          <p:cNvPr id="134" name="屏幕快照 2017-06-29 15.15.51.jpg" descr="屏幕快照 2017-06-29 15.15.51.jpg"/>
+          <p:cNvPr id="135" name="屏幕快照 2017-06-29 15.15.51.jpg" descr="屏幕快照 2017-06-29 15.15.51.jpg"/>
           <p:cNvPicPr>
             <a:picLocks noChangeAspect="1"/>
           </p:cNvPicPr>
@@ -32826,7 +32873,7 @@
       </p:pic>
       <p:sp>
         <p:nvSpPr>
-          <p:cNvPr id="135" name="团队"/>
+          <p:cNvPr id="136" name="团队"/>
           <p:cNvSpPr txBox="1"/>
           <p:nvPr/>
         </p:nvSpPr>
@@ -32874,7 +32921,7 @@
       </p:sp>
       <p:sp>
         <p:nvSpPr>
-          <p:cNvPr id="136" name="4位 - Google工程师…"/>
+          <p:cNvPr id="137" name="4位 - Google工程师…"/>
           <p:cNvSpPr txBox="1"/>
           <p:nvPr/>
         </p:nvSpPr>
@@ -33095,7 +33142,7 @@
       </p:grpSpPr>
       <p:sp>
         <p:nvSpPr>
-          <p:cNvPr id="138" name="24-Hour Trade Volume…"/>
+          <p:cNvPr id="139" name="24-Hour Trade Volume…"/>
           <p:cNvSpPr txBox="1"/>
           <p:nvPr/>
         </p:nvSpPr>
@@ -33151,7 +33198,7 @@
       </p:sp>
       <p:sp>
         <p:nvSpPr>
-          <p:cNvPr id="139" name="$5B"/>
+          <p:cNvPr id="140" name="$5B"/>
           <p:cNvSpPr txBox="1"/>
           <p:nvPr/>
         </p:nvSpPr>
@@ -33196,7 +33243,7 @@
       </p:sp>
       <p:sp>
         <p:nvSpPr>
-          <p:cNvPr id="140" name="公有链代币总市值"/>
+          <p:cNvPr id="141" name="公有链代币总市值"/>
           <p:cNvSpPr txBox="1"/>
           <p:nvPr/>
         </p:nvSpPr>
@@ -33241,7 +33288,7 @@
       </p:sp>
       <p:sp>
         <p:nvSpPr>
-          <p:cNvPr id="141" name="1090亿美金"/>
+          <p:cNvPr id="142" name="1090亿美金"/>
           <p:cNvSpPr txBox="1"/>
           <p:nvPr/>
         </p:nvSpPr>
@@ -33286,7 +33333,7 @@
       </p:sp>
       <p:sp>
         <p:nvSpPr>
-          <p:cNvPr id="142" name="同比增长830%↑"/>
+          <p:cNvPr id="143" name="同比增长830%↑"/>
           <p:cNvSpPr txBox="1"/>
           <p:nvPr/>
         </p:nvSpPr>
@@ -33334,7 +33381,7 @@
       </p:sp>
       <p:pic>
         <p:nvPicPr>
-          <p:cNvPr id="143" name="屏幕快照 2017-06-25 18.07.47.jpg" descr="屏幕快照 2017-06-25 18.07.47.jpg"/>
+          <p:cNvPr id="144" name="屏幕快照 2017-06-25 18.07.47.jpg" descr="屏幕快照 2017-06-25 18.07.47.jpg"/>
           <p:cNvPicPr>
             <a:picLocks noChangeAspect="1"/>
           </p:cNvPicPr>
@@ -33412,7 +33459,7 @@
                                       <p:cBhvr>
                                         <p:cTn id="6" fill="hold"/>
                                         <p:tgtEl>
-                                          <p:spTgt spid="142"/>
+                                          <p:spTgt spid="143"/>
                                         </p:tgtEl>
                                         <p:attrNameLst>
                                           <p:attrName>style.visibility</p:attrName>
@@ -33426,7 +33473,7 @@
                                       <p:cBhvr>
                                         <p:cTn id="7" dur="750" fill="hold"/>
                                         <p:tgtEl>
-                                          <p:spTgt spid="142"/>
+                                          <p:spTgt spid="143"/>
                                         </p:tgtEl>
                                         <p:attrNameLst>
                                           <p:attrName>ppt_w</p:attrName>
@@ -33449,7 +33496,7 @@
                                       <p:cBhvr>
                                         <p:cTn id="8" dur="750" fill="hold"/>
                                         <p:tgtEl>
-                                          <p:spTgt spid="142"/>
+                                          <p:spTgt spid="143"/>
                                         </p:tgtEl>
                                         <p:attrNameLst>
                                           <p:attrName>ppt_h</p:attrName>
@@ -33499,7 +33546,7 @@
       </p:par>
     </p:tnLst>
     <p:bldLst>
-      <p:bldP build="whole" bldLvl="1" animBg="1" rev="0" advAuto="0" spid="142" grpId="1"/>
+      <p:bldP build="whole" bldLvl="1" animBg="1" rev="0" advAuto="0" spid="143" grpId="1"/>
     </p:bldLst>
   </p:timing>
 </p:sld>
@@ -33534,7 +33581,7 @@
       </p:grpSpPr>
       <p:sp>
         <p:nvSpPr>
-          <p:cNvPr id="145" name="公有链代币总市值"/>
+          <p:cNvPr id="146" name="公有链代币总市值"/>
           <p:cNvSpPr txBox="1"/>
           <p:nvPr/>
         </p:nvSpPr>
@@ -33579,7 +33626,7 @@
       </p:sp>
       <p:sp>
         <p:nvSpPr>
-          <p:cNvPr id="146" name="1090亿美金"/>
+          <p:cNvPr id="147" name="1090亿美金"/>
           <p:cNvSpPr txBox="1"/>
           <p:nvPr/>
         </p:nvSpPr>
@@ -33624,7 +33671,7 @@
       </p:sp>
       <p:sp>
         <p:nvSpPr>
-          <p:cNvPr id="147" name="同比增长830%↑"/>
+          <p:cNvPr id="148" name="同比增长830%↑"/>
           <p:cNvSpPr txBox="1"/>
           <p:nvPr/>
         </p:nvSpPr>
@@ -33672,7 +33719,7 @@
       </p:sp>
       <p:sp>
         <p:nvSpPr>
-          <p:cNvPr id="148" name="24小时全球交易额"/>
+          <p:cNvPr id="149" name="24小时全球交易额"/>
           <p:cNvSpPr txBox="1"/>
           <p:nvPr/>
         </p:nvSpPr>
@@ -33717,7 +33764,7 @@
       </p:sp>
       <p:sp>
         <p:nvSpPr>
-          <p:cNvPr id="149" name="50亿美金"/>
+          <p:cNvPr id="150" name="50亿美金"/>
           <p:cNvSpPr txBox="1"/>
           <p:nvPr/>
         </p:nvSpPr>
@@ -33762,7 +33809,7 @@
       </p:sp>
       <p:sp>
         <p:nvSpPr>
-          <p:cNvPr id="150" name="同比增长1250%↑"/>
+          <p:cNvPr id="151" name="同比增长1250%↑"/>
           <p:cNvSpPr txBox="1"/>
           <p:nvPr/>
         </p:nvSpPr>
@@ -33858,7 +33905,7 @@
                                       <p:cBhvr>
                                         <p:cTn id="6" fill="hold"/>
                                         <p:tgtEl>
-                                          <p:spTgt spid="150"/>
+                                          <p:spTgt spid="151"/>
                                         </p:tgtEl>
                                         <p:attrNameLst>
                                           <p:attrName>style.visibility</p:attrName>
@@ -33872,7 +33919,7 @@
                                       <p:cBhvr>
                                         <p:cTn id="7" dur="750" fill="hold"/>
                                         <p:tgtEl>
-                                          <p:spTgt spid="150"/>
+                                          <p:spTgt spid="151"/>
                                         </p:tgtEl>
                                         <p:attrNameLst>
                                           <p:attrName>ppt_w</p:attrName>
@@ -33895,7 +33942,7 @@
                                       <p:cBhvr>
                                         <p:cTn id="8" dur="750" fill="hold"/>
                                         <p:tgtEl>
-                                          <p:spTgt spid="150"/>
+                                          <p:spTgt spid="151"/>
                                         </p:tgtEl>
                                         <p:attrNameLst>
                                           <p:attrName>ppt_h</p:attrName>
@@ -33945,7 +33992,7 @@
       </p:par>
     </p:tnLst>
     <p:bldLst>
-      <p:bldP build="whole" bldLvl="1" animBg="1" rev="0" advAuto="0" spid="150" grpId="1"/>
+      <p:bldP build="whole" bldLvl="1" animBg="1" rev="0" advAuto="0" spid="151" grpId="1"/>
     </p:bldLst>
   </p:timing>
 </p:sld>
@@ -33980,7 +34027,7 @@
       </p:grpSpPr>
       <p:sp>
         <p:nvSpPr>
-          <p:cNvPr id="152" name="Cryptocurrency Market Cap…"/>
+          <p:cNvPr id="153" name="Cryptocurrency Market Cap…"/>
           <p:cNvSpPr txBox="1"/>
           <p:nvPr/>
         </p:nvSpPr>
@@ -34036,7 +34083,7 @@
       </p:sp>
       <p:sp>
         <p:nvSpPr>
-          <p:cNvPr id="153" name="$109B"/>
+          <p:cNvPr id="154" name="$109B"/>
           <p:cNvSpPr txBox="1"/>
           <p:nvPr/>
         </p:nvSpPr>
@@ -34081,7 +34128,7 @@
       </p:sp>
       <p:sp>
         <p:nvSpPr>
-          <p:cNvPr id="154" name="Poloniex…"/>
+          <p:cNvPr id="155" name="Poloniex…"/>
           <p:cNvSpPr txBox="1"/>
           <p:nvPr/>
         </p:nvSpPr>
@@ -34381,7 +34428,7 @@
       </p:sp>
       <p:sp>
         <p:nvSpPr>
-          <p:cNvPr id="155" name="中心化交易所"/>
+          <p:cNvPr id="156" name="中心化交易所"/>
           <p:cNvSpPr txBox="1"/>
           <p:nvPr/>
         </p:nvSpPr>
@@ -34421,7 +34468,7 @@
       </p:sp>
       <p:sp>
         <p:nvSpPr>
-          <p:cNvPr id="156" name="问题#1: 用户资产需要托管…"/>
+          <p:cNvPr id="157" name="问题#1: 用户资产需要托管…"/>
           <p:cNvSpPr/>
           <p:nvPr/>
         </p:nvSpPr>
@@ -34484,7 +34531,7 @@
       </p:sp>
       <p:sp>
         <p:nvSpPr>
-          <p:cNvPr id="157" name="24小时全球交易额"/>
+          <p:cNvPr id="158" name="24小时全球交易额"/>
           <p:cNvSpPr txBox="1"/>
           <p:nvPr/>
         </p:nvSpPr>
@@ -34529,7 +34576,7 @@
       </p:sp>
       <p:sp>
         <p:nvSpPr>
-          <p:cNvPr id="158" name="50亿美金"/>
+          <p:cNvPr id="159" name="50亿美金"/>
           <p:cNvSpPr txBox="1"/>
           <p:nvPr/>
         </p:nvSpPr>
@@ -34574,7 +34621,7 @@
       </p:sp>
       <p:sp>
         <p:nvSpPr>
-          <p:cNvPr id="159" name="同比增长1250%↑"/>
+          <p:cNvPr id="160" name="同比增长1250%↑"/>
           <p:cNvSpPr txBox="1"/>
           <p:nvPr/>
         </p:nvSpPr>
@@ -34670,7 +34717,7 @@
                                       <p:cBhvr>
                                         <p:cTn id="6" fill="hold"/>
                                         <p:tgtEl>
-                                          <p:spTgt spid="155"/>
+                                          <p:spTgt spid="156"/>
                                         </p:tgtEl>
                                         <p:attrNameLst>
                                           <p:attrName>style.visibility</p:attrName>
@@ -34684,7 +34731,7 @@
                                       <p:cBhvr>
                                         <p:cTn id="7" dur="1000"/>
                                         <p:tgtEl>
-                                          <p:spTgt spid="155"/>
+                                          <p:spTgt spid="156"/>
                                         </p:tgtEl>
                                       </p:cBhvr>
                                     </p:animEffect>
@@ -34719,7 +34766,7 @@
       </p:par>
     </p:tnLst>
     <p:bldLst>
-      <p:bldP build="whole" bldLvl="1" animBg="1" rev="0" advAuto="0" spid="155" grpId="1"/>
+      <p:bldP build="whole" bldLvl="1" animBg="1" rev="0" advAuto="0" spid="156" grpId="1"/>
     </p:bldLst>
   </p:timing>
 </p:sld>
@@ -34751,7 +34798,7 @@
       </p:grpSpPr>
       <p:sp>
         <p:nvSpPr>
-          <p:cNvPr id="161" name="24-Hour Trade Volume…"/>
+          <p:cNvPr id="162" name="24-Hour Trade Volume…"/>
           <p:cNvSpPr txBox="1"/>
           <p:nvPr/>
         </p:nvSpPr>
@@ -34817,7 +34864,7 @@
       </p:sp>
       <p:sp>
         <p:nvSpPr>
-          <p:cNvPr id="162" name="$5B"/>
+          <p:cNvPr id="163" name="$5B"/>
           <p:cNvSpPr txBox="1"/>
           <p:nvPr/>
         </p:nvSpPr>
@@ -34867,7 +34914,7 @@
       </p:sp>
       <p:sp>
         <p:nvSpPr>
-          <p:cNvPr id="163" name="Poloniex…"/>
+          <p:cNvPr id="164" name="Poloniex…"/>
           <p:cNvSpPr txBox="1"/>
           <p:nvPr/>
         </p:nvSpPr>
@@ -35197,7 +35244,7 @@
       </p:sp>
       <p:sp>
         <p:nvSpPr>
-          <p:cNvPr id="164" name="问题#1: 用户资产需要托管…"/>
+          <p:cNvPr id="165" name="问题#1: 用户资产需要托管…"/>
           <p:cNvSpPr/>
           <p:nvPr/>
         </p:nvSpPr>
@@ -35260,7 +35307,7 @@
       </p:sp>
       <p:sp>
         <p:nvSpPr>
-          <p:cNvPr id="165" name="问题#2: 交易所内幕交易…"/>
+          <p:cNvPr id="166" name="问题#2: 交易所内幕交易…"/>
           <p:cNvSpPr/>
           <p:nvPr/>
         </p:nvSpPr>
@@ -35323,7 +35370,7 @@
       </p:sp>
       <p:sp>
         <p:nvSpPr>
-          <p:cNvPr id="166" name="中心化交易所"/>
+          <p:cNvPr id="167" name="中心化交易所"/>
           <p:cNvSpPr txBox="1"/>
           <p:nvPr/>
         </p:nvSpPr>
@@ -35363,7 +35410,7 @@
       </p:sp>
       <p:sp>
         <p:nvSpPr>
-          <p:cNvPr id="167" name="2013年10月，香港GBL突然关闭，用户2000万美金无法提现。…"/>
+          <p:cNvPr id="168" name="2013年10月，香港GBL突然关闭，用户2000万美金无法提现。…"/>
           <p:cNvSpPr txBox="1"/>
           <p:nvPr/>
         </p:nvSpPr>
@@ -35574,7 +35621,7 @@
                                       <p:cBhvr>
                                         <p:cTn id="6" fill="hold"/>
                                         <p:tgtEl>
-                                          <p:spTgt spid="167"/>
+                                          <p:spTgt spid="168"/>
                                         </p:tgtEl>
                                         <p:attrNameLst>
                                           <p:attrName>style.visibility</p:attrName>
@@ -35615,7 +35662,7 @@
       </p:par>
     </p:tnLst>
     <p:bldLst>
-      <p:bldP build="whole" bldLvl="1" animBg="1" rev="0" advAuto="0" spid="167" grpId="1"/>
+      <p:bldP build="whole" bldLvl="1" animBg="1" rev="0" advAuto="0" spid="168" grpId="1"/>
     </p:bldLst>
   </p:timing>
 </p:sld>
@@ -35647,7 +35694,7 @@
       </p:grpSpPr>
       <p:sp>
         <p:nvSpPr>
-          <p:cNvPr id="171" name="24-Hour Trade Volume…"/>
+          <p:cNvPr id="172" name="24-Hour Trade Volume…"/>
           <p:cNvSpPr txBox="1"/>
           <p:nvPr/>
         </p:nvSpPr>
@@ -35713,7 +35760,7 @@
       </p:sp>
       <p:sp>
         <p:nvSpPr>
-          <p:cNvPr id="172" name="$5B"/>
+          <p:cNvPr id="173" name="$5B"/>
           <p:cNvSpPr txBox="1"/>
           <p:nvPr/>
         </p:nvSpPr>
@@ -35763,7 +35810,7 @@
       </p:sp>
       <p:sp>
         <p:nvSpPr>
-          <p:cNvPr id="173" name="Poloniex…"/>
+          <p:cNvPr id="174" name="Poloniex…"/>
           <p:cNvSpPr txBox="1"/>
           <p:nvPr/>
         </p:nvSpPr>
@@ -36093,7 +36140,7 @@
       </p:sp>
       <p:sp>
         <p:nvSpPr>
-          <p:cNvPr id="174" name="问题#1: 用户资产需要托管…"/>
+          <p:cNvPr id="175" name="问题#1: 用户资产需要托管…"/>
           <p:cNvSpPr/>
           <p:nvPr/>
         </p:nvSpPr>
@@ -36156,7 +36203,7 @@
       </p:sp>
       <p:sp>
         <p:nvSpPr>
-          <p:cNvPr id="175" name="问题#2: 交易所内幕交易…"/>
+          <p:cNvPr id="176" name="问题#2: 交易所内幕交易…"/>
           <p:cNvSpPr/>
           <p:nvPr/>
         </p:nvSpPr>
@@ -36219,7 +36266,7 @@
       </p:sp>
       <p:sp>
         <p:nvSpPr>
-          <p:cNvPr id="176" name="问题#3: 订单散落到多交易所…"/>
+          <p:cNvPr id="177" name="问题#3: 订单散落到多交易所…"/>
           <p:cNvSpPr/>
           <p:nvPr/>
         </p:nvSpPr>
@@ -36282,7 +36329,7 @@
       </p:sp>
       <p:sp>
         <p:nvSpPr>
-          <p:cNvPr id="177" name="中心化交易所"/>
+          <p:cNvPr id="178" name="中心化交易所"/>
           <p:cNvSpPr txBox="1"/>
           <p:nvPr/>
         </p:nvSpPr>
@@ -36322,7 +36369,7 @@
       </p:sp>
       <p:sp>
         <p:nvSpPr>
-          <p:cNvPr id="178" name="2013年10，香港GBL突然关闭，2000万美万。…"/>
+          <p:cNvPr id="179" name="2013年10，香港GBL突然关闭，2000万美万。…"/>
           <p:cNvSpPr txBox="1"/>
           <p:nvPr/>
         </p:nvSpPr>

--- a/keynote/loopring-technical.pptx
+++ b/keynote/loopring-technical.pptx
@@ -1357,7 +1357,7 @@
       </p:grpSpPr>
       <p:sp>
         <p:nvSpPr>
-          <p:cNvPr id="169" name="Shape 169"/>
+          <p:cNvPr id="171" name="Shape 171"/>
           <p:cNvSpPr/>
           <p:nvPr>
             <p:ph type="sldImg"/>
@@ -1378,7 +1378,7 @@
       </p:sp>
       <p:sp>
         <p:nvSpPr>
-          <p:cNvPr id="170" name="Shape 170"/>
+          <p:cNvPr id="172" name="Shape 172"/>
           <p:cNvSpPr/>
           <p:nvPr>
             <p:ph type="body" sz="quarter" idx="1"/>
@@ -4361,7 +4361,7 @@
       </p:grpSpPr>
       <p:sp>
         <p:nvSpPr>
-          <p:cNvPr id="181" name="24-Hour Trade Volume…"/>
+          <p:cNvPr id="183" name="24-Hour Trade Volume…"/>
           <p:cNvSpPr txBox="1"/>
           <p:nvPr/>
         </p:nvSpPr>
@@ -4427,7 +4427,7 @@
       </p:sp>
       <p:sp>
         <p:nvSpPr>
-          <p:cNvPr id="182" name="$5B"/>
+          <p:cNvPr id="184" name="$5B"/>
           <p:cNvSpPr txBox="1"/>
           <p:nvPr/>
         </p:nvSpPr>
@@ -4477,7 +4477,7 @@
       </p:sp>
       <p:sp>
         <p:nvSpPr>
-          <p:cNvPr id="183" name="Poloniex…"/>
+          <p:cNvPr id="185" name="Poloniex…"/>
           <p:cNvSpPr txBox="1"/>
           <p:nvPr/>
         </p:nvSpPr>
@@ -4807,7 +4807,7 @@
       </p:sp>
       <p:sp>
         <p:nvSpPr>
-          <p:cNvPr id="184" name="问题#1: 用户资产需要托管…"/>
+          <p:cNvPr id="186" name="问题#1: 用户资产需要托管…"/>
           <p:cNvSpPr/>
           <p:nvPr/>
         </p:nvSpPr>
@@ -4870,7 +4870,7 @@
       </p:sp>
       <p:sp>
         <p:nvSpPr>
-          <p:cNvPr id="185" name="问题#2: 交易所内幕交易…"/>
+          <p:cNvPr id="187" name="问题#2: 交易所内幕交易…"/>
           <p:cNvSpPr/>
           <p:nvPr/>
         </p:nvSpPr>
@@ -4933,7 +4933,7 @@
       </p:sp>
       <p:sp>
         <p:nvSpPr>
-          <p:cNvPr id="186" name="问题#3: 订单散落到多交易所…"/>
+          <p:cNvPr id="188" name="问题#3: 订单散落到多交易所…"/>
           <p:cNvSpPr/>
           <p:nvPr/>
         </p:nvSpPr>
@@ -4996,7 +4996,7 @@
       </p:sp>
       <p:sp>
         <p:nvSpPr>
-          <p:cNvPr id="187" name="问题#4: 缺少或没有监管…"/>
+          <p:cNvPr id="189" name="问题#4: 缺少或没有监管…"/>
           <p:cNvSpPr/>
           <p:nvPr/>
         </p:nvSpPr>
@@ -5059,7 +5059,7 @@
       </p:sp>
       <p:sp>
         <p:nvSpPr>
-          <p:cNvPr id="188" name="中心化交易所"/>
+          <p:cNvPr id="190" name="中心化交易所"/>
           <p:cNvSpPr txBox="1"/>
           <p:nvPr/>
         </p:nvSpPr>
@@ -5143,7 +5143,7 @@
       </p:grpSpPr>
       <p:sp>
         <p:nvSpPr>
-          <p:cNvPr id="190" name="24-Hour Trade Volume…"/>
+          <p:cNvPr id="192" name="24-Hour Trade Volume…"/>
           <p:cNvSpPr txBox="1"/>
           <p:nvPr/>
         </p:nvSpPr>
@@ -5209,7 +5209,7 @@
       </p:sp>
       <p:sp>
         <p:nvSpPr>
-          <p:cNvPr id="191" name="$5B"/>
+          <p:cNvPr id="193" name="$5B"/>
           <p:cNvSpPr txBox="1"/>
           <p:nvPr/>
         </p:nvSpPr>
@@ -5259,7 +5259,7 @@
       </p:sp>
       <p:sp>
         <p:nvSpPr>
-          <p:cNvPr id="192" name="Poloniex…"/>
+          <p:cNvPr id="194" name="Poloniex…"/>
           <p:cNvSpPr txBox="1"/>
           <p:nvPr/>
         </p:nvSpPr>
@@ -5589,7 +5589,7 @@
       </p:sp>
       <p:sp>
         <p:nvSpPr>
-          <p:cNvPr id="193" name="问题#1: 用户资产需要托管…"/>
+          <p:cNvPr id="195" name="问题#1: 用户资产需要托管…"/>
           <p:cNvSpPr/>
           <p:nvPr/>
         </p:nvSpPr>
@@ -5652,7 +5652,7 @@
       </p:sp>
       <p:sp>
         <p:nvSpPr>
-          <p:cNvPr id="194" name="问题#2: 交易所内幕交易…"/>
+          <p:cNvPr id="196" name="问题#2: 交易所内幕交易…"/>
           <p:cNvSpPr/>
           <p:nvPr/>
         </p:nvSpPr>
@@ -5715,7 +5715,7 @@
       </p:sp>
       <p:sp>
         <p:nvSpPr>
-          <p:cNvPr id="195" name="问题#3: 订单散落到多交易所…"/>
+          <p:cNvPr id="197" name="问题#3: 订单散落到多交易所…"/>
           <p:cNvSpPr/>
           <p:nvPr/>
         </p:nvSpPr>
@@ -5778,7 +5778,7 @@
       </p:sp>
       <p:sp>
         <p:nvSpPr>
-          <p:cNvPr id="196" name="问题#4: 缺少或没有监管…"/>
+          <p:cNvPr id="198" name="问题#4: 缺少或没有监管…"/>
           <p:cNvSpPr/>
           <p:nvPr/>
         </p:nvSpPr>
@@ -5841,7 +5841,7 @@
       </p:sp>
       <p:sp>
         <p:nvSpPr>
-          <p:cNvPr id="197" name="中心化交易所"/>
+          <p:cNvPr id="199" name="中心化交易所"/>
           <p:cNvSpPr txBox="1"/>
           <p:nvPr/>
         </p:nvSpPr>
@@ -5925,7 +5925,7 @@
       </p:grpSpPr>
       <p:sp>
         <p:nvSpPr>
-          <p:cNvPr id="199" name="问题#1: 用户资产需要托管…"/>
+          <p:cNvPr id="201" name="问题#1: 用户资产需要托管…"/>
           <p:cNvSpPr/>
           <p:nvPr/>
         </p:nvSpPr>
@@ -5988,7 +5988,7 @@
       </p:sp>
       <p:sp>
         <p:nvSpPr>
-          <p:cNvPr id="200" name="问题#2: 交易所内幕交易…"/>
+          <p:cNvPr id="202" name="问题#2: 交易所内幕交易…"/>
           <p:cNvSpPr/>
           <p:nvPr/>
         </p:nvSpPr>
@@ -6051,7 +6051,7 @@
       </p:sp>
       <p:sp>
         <p:nvSpPr>
-          <p:cNvPr id="201" name="问题#3: 订单散落到多交易所…"/>
+          <p:cNvPr id="203" name="问题#3: 订单散落到多交易所…"/>
           <p:cNvSpPr/>
           <p:nvPr/>
         </p:nvSpPr>
@@ -6114,7 +6114,7 @@
       </p:sp>
       <p:sp>
         <p:nvSpPr>
-          <p:cNvPr id="202" name="问题#4: 缺少或没有监管…"/>
+          <p:cNvPr id="204" name="问题#4: 缺少或没有监管…"/>
           <p:cNvSpPr/>
           <p:nvPr/>
         </p:nvSpPr>
@@ -6177,7 +6177,7 @@
       </p:sp>
       <p:sp>
         <p:nvSpPr>
-          <p:cNvPr id="203" name="{"/>
+          <p:cNvPr id="205" name="{"/>
           <p:cNvSpPr txBox="1"/>
           <p:nvPr/>
         </p:nvSpPr>
@@ -6222,7 +6222,7 @@
       </p:sp>
       <p:grpSp>
         <p:nvGrpSpPr>
-          <p:cNvPr id="206" name="Group"/>
+          <p:cNvPr id="208" name="Group"/>
           <p:cNvGrpSpPr/>
           <p:nvPr/>
         </p:nvGrpSpPr>
@@ -6236,7 +6236,7 @@
         </p:grpSpPr>
         <p:sp>
           <p:nvSpPr>
-            <p:cNvPr id="204" name="Loopring"/>
+            <p:cNvPr id="206" name="Loopring"/>
             <p:cNvSpPr txBox="1"/>
             <p:nvPr/>
           </p:nvSpPr>
@@ -6284,7 +6284,7 @@
         </p:sp>
         <p:sp>
           <p:nvSpPr>
-            <p:cNvPr id="205" name="去中心化代币交易所和协议"/>
+            <p:cNvPr id="207" name="去中心化代币交易所和协议"/>
             <p:cNvSpPr txBox="1"/>
             <p:nvPr/>
           </p:nvSpPr>
@@ -6333,7 +6333,7 @@
       </p:grpSp>
       <p:sp>
         <p:nvSpPr>
-          <p:cNvPr id="207" name="中心化交易所"/>
+          <p:cNvPr id="209" name="中心化交易所"/>
           <p:cNvSpPr txBox="1"/>
           <p:nvPr/>
         </p:nvSpPr>
@@ -6417,7 +6417,7 @@
       </p:grpSpPr>
       <p:sp>
         <p:nvSpPr>
-          <p:cNvPr id="209" name="Centralized…"/>
+          <p:cNvPr id="211" name="Centralized…"/>
           <p:cNvSpPr txBox="1"/>
           <p:nvPr/>
         </p:nvSpPr>
@@ -6471,7 +6471,7 @@
       </p:sp>
       <p:sp>
         <p:nvSpPr>
-          <p:cNvPr id="210" name="问题#1: 用户资产需要托管…"/>
+          <p:cNvPr id="212" name="问题#1: 用户资产需要托管…"/>
           <p:cNvSpPr/>
           <p:nvPr/>
         </p:nvSpPr>
@@ -6534,7 +6534,7 @@
       </p:sp>
       <p:sp>
         <p:nvSpPr>
-          <p:cNvPr id="211" name="问题#2: 交易所内幕交易…"/>
+          <p:cNvPr id="213" name="问题#2: 交易所内幕交易…"/>
           <p:cNvSpPr/>
           <p:nvPr/>
         </p:nvSpPr>
@@ -6597,7 +6597,7 @@
       </p:sp>
       <p:sp>
         <p:nvSpPr>
-          <p:cNvPr id="212" name="问题#3: 订单散落到多交易所…"/>
+          <p:cNvPr id="214" name="问题#3: 订单散落到多交易所…"/>
           <p:cNvSpPr/>
           <p:nvPr/>
         </p:nvSpPr>
@@ -6660,7 +6660,7 @@
       </p:sp>
       <p:sp>
         <p:nvSpPr>
-          <p:cNvPr id="213" name="{"/>
+          <p:cNvPr id="215" name="{"/>
           <p:cNvSpPr txBox="1"/>
           <p:nvPr/>
         </p:nvSpPr>
@@ -6705,7 +6705,7 @@
       </p:sp>
       <p:grpSp>
         <p:nvGrpSpPr>
-          <p:cNvPr id="216" name="Group"/>
+          <p:cNvPr id="218" name="Group"/>
           <p:cNvGrpSpPr/>
           <p:nvPr/>
         </p:nvGrpSpPr>
@@ -6719,7 +6719,7 @@
         </p:grpSpPr>
         <p:sp>
           <p:nvSpPr>
-            <p:cNvPr id="214" name="1.资产无需托管"/>
+            <p:cNvPr id="216" name="1.资产无需托管"/>
             <p:cNvSpPr txBox="1"/>
             <p:nvPr/>
           </p:nvSpPr>
@@ -6767,7 +6767,7 @@
         </p:sp>
         <p:sp>
           <p:nvSpPr>
-            <p:cNvPr id="215" name="没有充值提现过程，用户订单中的代币一直存放在用户区块链账户中，同时订单不锁定代币，下单后依然可以任意支配资产。"/>
+            <p:cNvPr id="217" name="没有充值提现过程，用户订单中的代币一直存放在用户区块链账户中，同时订单不锁定代币，下单后依然可以任意支配资产。"/>
             <p:cNvSpPr txBox="1"/>
             <p:nvPr/>
           </p:nvSpPr>
@@ -6816,7 +6816,7 @@
       </p:grpSp>
       <p:grpSp>
         <p:nvGrpSpPr>
-          <p:cNvPr id="219" name="Group"/>
+          <p:cNvPr id="221" name="Group"/>
           <p:cNvGrpSpPr/>
           <p:nvPr/>
         </p:nvGrpSpPr>
@@ -6830,7 +6830,7 @@
         </p:grpSpPr>
         <p:sp>
           <p:nvSpPr>
-            <p:cNvPr id="217" name="2. 区块链上交易清算"/>
+            <p:cNvPr id="219" name="2. 区块链上交易清算"/>
             <p:cNvSpPr txBox="1"/>
             <p:nvPr/>
           </p:nvSpPr>
@@ -6878,7 +6878,7 @@
         </p:sp>
         <p:sp>
           <p:nvSpPr>
-            <p:cNvPr id="218" name="订单链外生成，传播和撮合；链上做交易和验证和清结算，清结算通过智能合约保障原执行。不会再有内幕交易。"/>
+            <p:cNvPr id="220" name="订单链外生成，传播和撮合；链上做交易和验证和清结算，清结算通过智能合约保障原执行。不会再有内幕交易。"/>
             <p:cNvSpPr txBox="1"/>
             <p:nvPr/>
           </p:nvSpPr>
@@ -6927,7 +6927,7 @@
       </p:grpSp>
       <p:grpSp>
         <p:nvGrpSpPr>
-          <p:cNvPr id="222" name="Group"/>
+          <p:cNvPr id="224" name="Group"/>
           <p:cNvGrpSpPr/>
           <p:nvPr/>
         </p:nvGrpSpPr>
@@ -6941,7 +6941,7 @@
         </p:grpSpPr>
         <p:sp>
           <p:nvSpPr>
-            <p:cNvPr id="220" name="3. 订单共享"/>
+            <p:cNvPr id="222" name="3. 订单共享"/>
             <p:cNvSpPr txBox="1"/>
             <p:nvPr/>
           </p:nvSpPr>
@@ -6989,7 +6989,7 @@
         </p:sp>
         <p:sp>
           <p:nvSpPr>
-            <p:cNvPr id="221" name="订单可以被广播给一个或多个交易所，做联合的，同时也是竞争式的撮合。用户成交价格更优惠，流动性更大。"/>
+            <p:cNvPr id="223" name="订单可以被广播给一个或多个交易所，做联合的，同时也是竞争式的撮合。用户成交价格更优惠，流动性更大。"/>
             <p:cNvSpPr txBox="1"/>
             <p:nvPr/>
           </p:nvSpPr>
@@ -7038,7 +7038,7 @@
       </p:grpSp>
       <p:grpSp>
         <p:nvGrpSpPr>
-          <p:cNvPr id="225" name="Group"/>
+          <p:cNvPr id="227" name="Group"/>
           <p:cNvGrpSpPr/>
           <p:nvPr/>
         </p:nvGrpSpPr>
@@ -7052,7 +7052,7 @@
         </p:grpSpPr>
         <p:sp>
           <p:nvSpPr>
-            <p:cNvPr id="223" name="4.多订单环路撮合"/>
+            <p:cNvPr id="225" name="4.多订单环路撮合"/>
             <p:cNvSpPr txBox="1"/>
             <p:nvPr/>
           </p:nvSpPr>
@@ -7100,7 +7100,7 @@
         </p:sp>
         <p:sp>
           <p:nvSpPr>
-            <p:cNvPr id="224" name="革命性的“环路撮合”机制，允许任意两个虚拟货币之间的交易。同时能够更大程度上生成新的流动性。"/>
+            <p:cNvPr id="226" name="革命性的“环路撮合”机制，允许任意两个虚拟货币之间的交易。同时能够更大程度上生成新的流动性。"/>
             <p:cNvSpPr txBox="1"/>
             <p:nvPr/>
           </p:nvSpPr>
@@ -7149,7 +7149,7 @@
       </p:grpSp>
       <p:grpSp>
         <p:nvGrpSpPr>
-          <p:cNvPr id="228" name="Group"/>
+          <p:cNvPr id="230" name="Group"/>
           <p:cNvGrpSpPr/>
           <p:nvPr/>
         </p:nvGrpSpPr>
@@ -7163,7 +7163,7 @@
         </p:grpSpPr>
         <p:sp>
           <p:nvSpPr>
-            <p:cNvPr id="226" name="Loopring"/>
+            <p:cNvPr id="228" name="Loopring"/>
             <p:cNvSpPr txBox="1"/>
             <p:nvPr/>
           </p:nvSpPr>
@@ -7211,7 +7211,7 @@
         </p:sp>
         <p:sp>
           <p:nvSpPr>
-            <p:cNvPr id="227" name="去中心化代币交易所和协议"/>
+            <p:cNvPr id="229" name="去中心化代币交易所和协议"/>
             <p:cNvSpPr txBox="1"/>
             <p:nvPr/>
           </p:nvSpPr>
@@ -7308,7 +7308,7 @@
                                       <p:cBhvr>
                                         <p:cTn id="6" fill="hold"/>
                                         <p:tgtEl>
-                                          <p:spTgt spid="219"/>
+                                          <p:spTgt spid="221"/>
                                         </p:tgtEl>
                                         <p:attrNameLst>
                                           <p:attrName>style.visibility</p:attrName>
@@ -7322,7 +7322,7 @@
                                       <p:cBhvr>
                                         <p:cTn id="7" dur="1000"/>
                                         <p:tgtEl>
-                                          <p:spTgt spid="219"/>
+                                          <p:spTgt spid="221"/>
                                         </p:tgtEl>
                                       </p:cBhvr>
                                     </p:animEffect>
@@ -7360,7 +7360,7 @@
                                       <p:cBhvr>
                                         <p:cTn id="11" fill="hold"/>
                                         <p:tgtEl>
-                                          <p:spTgt spid="222"/>
+                                          <p:spTgt spid="224"/>
                                         </p:tgtEl>
                                         <p:attrNameLst>
                                           <p:attrName>style.visibility</p:attrName>
@@ -7374,7 +7374,7 @@
                                       <p:cBhvr>
                                         <p:cTn id="12" dur="1000"/>
                                         <p:tgtEl>
-                                          <p:spTgt spid="222"/>
+                                          <p:spTgt spid="224"/>
                                         </p:tgtEl>
                                       </p:cBhvr>
                                     </p:animEffect>
@@ -7412,7 +7412,7 @@
                                       <p:cBhvr>
                                         <p:cTn id="16" fill="hold"/>
                                         <p:tgtEl>
-                                          <p:spTgt spid="225"/>
+                                          <p:spTgt spid="227"/>
                                         </p:tgtEl>
                                         <p:attrNameLst>
                                           <p:attrName>style.visibility</p:attrName>
@@ -7426,7 +7426,7 @@
                                       <p:cBhvr>
                                         <p:cTn id="17" dur="1000"/>
                                         <p:tgtEl>
-                                          <p:spTgt spid="225"/>
+                                          <p:spTgt spid="227"/>
                                         </p:tgtEl>
                                       </p:cBhvr>
                                     </p:animEffect>
@@ -7461,9 +7461,9 @@
       </p:par>
     </p:tnLst>
     <p:bldLst>
-      <p:bldP build="whole" bldLvl="1" animBg="1" rev="0" advAuto="0" spid="219" grpId="1"/>
-      <p:bldP build="whole" bldLvl="1" animBg="1" rev="0" advAuto="0" spid="222" grpId="2"/>
-      <p:bldP build="whole" bldLvl="1" animBg="1" rev="0" advAuto="0" spid="225" grpId="3"/>
+      <p:bldP build="whole" bldLvl="1" animBg="1" rev="0" advAuto="0" spid="227" grpId="3"/>
+      <p:bldP build="whole" bldLvl="1" animBg="1" rev="0" advAuto="0" spid="221" grpId="1"/>
+      <p:bldP build="whole" bldLvl="1" animBg="1" rev="0" advAuto="0" spid="224" grpId="2"/>
     </p:bldLst>
   </p:timing>
 </p:sld>
@@ -7495,7 +7495,7 @@
       </p:grpSpPr>
       <p:pic>
         <p:nvPicPr>
-          <p:cNvPr id="230" name="pasted-image.pdf" descr="pasted-image.pdf"/>
+          <p:cNvPr id="232" name="pasted-image.pdf" descr="pasted-image.pdf"/>
           <p:cNvPicPr>
             <a:picLocks noChangeAspect="1"/>
           </p:cNvPicPr>
@@ -7524,7 +7524,7 @@
       </p:pic>
       <p:pic>
         <p:nvPicPr>
-          <p:cNvPr id="231" name="pasted-image.pdf" descr="pasted-image.pdf"/>
+          <p:cNvPr id="233" name="pasted-image.pdf" descr="pasted-image.pdf"/>
           <p:cNvPicPr>
             <a:picLocks noChangeAspect="1"/>
           </p:cNvPicPr>
@@ -7553,7 +7553,7 @@
       </p:pic>
       <p:pic>
         <p:nvPicPr>
-          <p:cNvPr id="232" name="pasted-image.pdf" descr="pasted-image.pdf"/>
+          <p:cNvPr id="234" name="pasted-image.pdf" descr="pasted-image.pdf"/>
           <p:cNvPicPr>
             <a:picLocks noChangeAspect="1"/>
           </p:cNvPicPr>
@@ -7582,7 +7582,7 @@
       </p:pic>
       <p:sp>
         <p:nvSpPr>
-          <p:cNvPr id="233" name="order#1…"/>
+          <p:cNvPr id="235" name="order#1…"/>
           <p:cNvSpPr/>
           <p:nvPr/>
         </p:nvSpPr>
@@ -7735,7 +7735,7 @@
       </p:sp>
       <p:sp>
         <p:nvSpPr>
-          <p:cNvPr id="234" name="order#1…"/>
+          <p:cNvPr id="236" name="order#1…"/>
           <p:cNvSpPr/>
           <p:nvPr/>
         </p:nvSpPr>
@@ -7888,7 +7888,7 @@
       </p:sp>
       <p:sp>
         <p:nvSpPr>
-          <p:cNvPr id="235" name="order#1…"/>
+          <p:cNvPr id="237" name="order#1…"/>
           <p:cNvSpPr/>
           <p:nvPr/>
         </p:nvSpPr>
@@ -8041,7 +8041,7 @@
       </p:sp>
       <p:sp>
         <p:nvSpPr>
-          <p:cNvPr id="236" name="order#2…"/>
+          <p:cNvPr id="238" name="order#2…"/>
           <p:cNvSpPr/>
           <p:nvPr/>
         </p:nvSpPr>
@@ -8194,7 +8194,7 @@
       </p:sp>
       <p:sp>
         <p:nvSpPr>
-          <p:cNvPr id="237" name="order#2…"/>
+          <p:cNvPr id="239" name="order#2…"/>
           <p:cNvSpPr/>
           <p:nvPr/>
         </p:nvSpPr>
@@ -8347,7 +8347,7 @@
       </p:sp>
       <p:sp>
         <p:nvSpPr>
-          <p:cNvPr id="238" name="order#2…"/>
+          <p:cNvPr id="240" name="order#2…"/>
           <p:cNvSpPr/>
           <p:nvPr/>
         </p:nvSpPr>
@@ -8500,7 +8500,7 @@
       </p:sp>
       <p:sp>
         <p:nvSpPr>
-          <p:cNvPr id="239" name="order#2…"/>
+          <p:cNvPr id="241" name="order#2…"/>
           <p:cNvSpPr/>
           <p:nvPr/>
         </p:nvSpPr>
@@ -8653,7 +8653,7 @@
       </p:sp>
       <p:sp>
         <p:nvSpPr>
-          <p:cNvPr id="240" name="order#1…"/>
+          <p:cNvPr id="242" name="order#1…"/>
           <p:cNvSpPr/>
           <p:nvPr/>
         </p:nvSpPr>
@@ -8806,7 +8806,7 @@
       </p:sp>
       <p:grpSp>
         <p:nvGrpSpPr>
-          <p:cNvPr id="243" name="Group"/>
+          <p:cNvPr id="245" name="Group"/>
           <p:cNvGrpSpPr/>
           <p:nvPr/>
         </p:nvGrpSpPr>
@@ -8820,7 +8820,7 @@
         </p:grpSpPr>
         <p:sp>
           <p:nvSpPr>
-            <p:cNvPr id="241" name="Loopring"/>
+            <p:cNvPr id="243" name="Loopring"/>
             <p:cNvSpPr txBox="1"/>
             <p:nvPr/>
           </p:nvSpPr>
@@ -8868,7 +8868,7 @@
         </p:sp>
         <p:sp>
           <p:nvSpPr>
-            <p:cNvPr id="242" name="去中心化代币交易所和协议"/>
+            <p:cNvPr id="244" name="去中心化代币交易所和协议"/>
             <p:cNvSpPr txBox="1"/>
             <p:nvPr/>
           </p:nvSpPr>
@@ -8965,7 +8965,7 @@
                                       <p:cBhvr>
                                         <p:cTn id="6" fill="hold"/>
                                         <p:tgtEl>
-                                          <p:spTgt spid="230"/>
+                                          <p:spTgt spid="232"/>
                                         </p:tgtEl>
                                         <p:attrNameLst>
                                           <p:attrName>style.visibility</p:attrName>
@@ -8979,7 +8979,7 @@
                                       <p:cBhvr>
                                         <p:cTn id="7" dur="1000"/>
                                         <p:tgtEl>
-                                          <p:spTgt spid="230"/>
+                                          <p:spTgt spid="232"/>
                                         </p:tgtEl>
                                       </p:cBhvr>
                                     </p:animEffect>
@@ -9008,7 +9008,7 @@
                                       <p:cBhvr>
                                         <p:cTn id="10" fill="hold"/>
                                         <p:tgtEl>
-                                          <p:spTgt spid="231"/>
+                                          <p:spTgt spid="233"/>
                                         </p:tgtEl>
                                         <p:attrNameLst>
                                           <p:attrName>style.visibility</p:attrName>
@@ -9022,7 +9022,7 @@
                                       <p:cBhvr>
                                         <p:cTn id="11" dur="1000"/>
                                         <p:tgtEl>
-                                          <p:spTgt spid="231"/>
+                                          <p:spTgt spid="233"/>
                                         </p:tgtEl>
                                       </p:cBhvr>
                                     </p:animEffect>
@@ -9051,7 +9051,7 @@
                                       <p:cBhvr>
                                         <p:cTn id="14" fill="hold"/>
                                         <p:tgtEl>
-                                          <p:spTgt spid="232"/>
+                                          <p:spTgt spid="234"/>
                                         </p:tgtEl>
                                         <p:attrNameLst>
                                           <p:attrName>style.visibility</p:attrName>
@@ -9065,7 +9065,7 @@
                                       <p:cBhvr>
                                         <p:cTn id="15" dur="1000"/>
                                         <p:tgtEl>
-                                          <p:spTgt spid="232"/>
+                                          <p:spTgt spid="234"/>
                                         </p:tgtEl>
                                       </p:cBhvr>
                                     </p:animEffect>
@@ -9100,9 +9100,9 @@
       </p:par>
     </p:tnLst>
     <p:bldLst>
-      <p:bldP build="whole" bldLvl="1" animBg="1" rev="0" advAuto="0" spid="231" grpId="2"/>
-      <p:bldP build="whole" bldLvl="1" animBg="1" rev="0" advAuto="0" spid="232" grpId="3"/>
-      <p:bldP build="whole" bldLvl="1" animBg="1" rev="0" advAuto="0" spid="230" grpId="1"/>
+      <p:bldP build="whole" bldLvl="1" animBg="1" rev="0" advAuto="0" spid="232" grpId="1"/>
+      <p:bldP build="whole" bldLvl="1" animBg="1" rev="0" advAuto="0" spid="234" grpId="3"/>
+      <p:bldP build="whole" bldLvl="1" animBg="1" rev="0" advAuto="0" spid="233" grpId="2"/>
     </p:bldLst>
   </p:timing>
 </p:sld>
@@ -9134,7 +9134,7 @@
       </p:grpSpPr>
       <p:pic>
         <p:nvPicPr>
-          <p:cNvPr id="245" name="pasted-image.pdf" descr="pasted-image.pdf"/>
+          <p:cNvPr id="247" name="pasted-image.pdf" descr="pasted-image.pdf"/>
           <p:cNvPicPr>
             <a:picLocks noChangeAspect="1"/>
           </p:cNvPicPr>
@@ -9163,7 +9163,7 @@
       </p:pic>
       <p:pic>
         <p:nvPicPr>
-          <p:cNvPr id="246" name="pasted-image.pdf" descr="pasted-image.pdf"/>
+          <p:cNvPr id="248" name="pasted-image.pdf" descr="pasted-image.pdf"/>
           <p:cNvPicPr>
             <a:picLocks noChangeAspect="1"/>
           </p:cNvPicPr>
@@ -9192,7 +9192,7 @@
       </p:pic>
       <p:pic>
         <p:nvPicPr>
-          <p:cNvPr id="247" name="pasted-image.pdf" descr="pasted-image.pdf"/>
+          <p:cNvPr id="249" name="pasted-image.pdf" descr="pasted-image.pdf"/>
           <p:cNvPicPr>
             <a:picLocks noChangeAspect="1"/>
           </p:cNvPicPr>
@@ -9221,7 +9221,7 @@
       </p:pic>
       <p:sp>
         <p:nvSpPr>
-          <p:cNvPr id="248" name="order#1…"/>
+          <p:cNvPr id="250" name="order#1…"/>
           <p:cNvSpPr/>
           <p:nvPr/>
         </p:nvSpPr>
@@ -9374,7 +9374,7 @@
       </p:sp>
       <p:sp>
         <p:nvSpPr>
-          <p:cNvPr id="249" name="order#1…"/>
+          <p:cNvPr id="251" name="order#1…"/>
           <p:cNvSpPr/>
           <p:nvPr/>
         </p:nvSpPr>
@@ -9527,7 +9527,7 @@
       </p:sp>
       <p:sp>
         <p:nvSpPr>
-          <p:cNvPr id="250" name="order#2…"/>
+          <p:cNvPr id="252" name="order#2…"/>
           <p:cNvSpPr/>
           <p:nvPr/>
         </p:nvSpPr>
@@ -9680,7 +9680,7 @@
       </p:sp>
       <p:sp>
         <p:nvSpPr>
-          <p:cNvPr id="251" name="order#2…"/>
+          <p:cNvPr id="253" name="order#2…"/>
           <p:cNvSpPr/>
           <p:nvPr/>
         </p:nvSpPr>
@@ -9833,7 +9833,7 @@
       </p:sp>
       <p:sp>
         <p:nvSpPr>
-          <p:cNvPr id="252" name="order#1…"/>
+          <p:cNvPr id="254" name="order#1…"/>
           <p:cNvSpPr/>
           <p:nvPr/>
         </p:nvSpPr>
@@ -9986,7 +9986,7 @@
       </p:sp>
       <p:sp>
         <p:nvSpPr>
-          <p:cNvPr id="253" name="order#2…"/>
+          <p:cNvPr id="255" name="order#2…"/>
           <p:cNvSpPr/>
           <p:nvPr/>
         </p:nvSpPr>
@@ -10139,7 +10139,7 @@
       </p:sp>
       <p:sp>
         <p:nvSpPr>
-          <p:cNvPr id="254" name="order#2…"/>
+          <p:cNvPr id="256" name="order#2…"/>
           <p:cNvSpPr/>
           <p:nvPr/>
         </p:nvSpPr>
@@ -10292,7 +10292,7 @@
       </p:sp>
       <p:sp>
         <p:nvSpPr>
-          <p:cNvPr id="255" name="order#1…"/>
+          <p:cNvPr id="257" name="order#1…"/>
           <p:cNvSpPr/>
           <p:nvPr/>
         </p:nvSpPr>
@@ -10445,7 +10445,7 @@
       </p:sp>
       <p:grpSp>
         <p:nvGrpSpPr>
-          <p:cNvPr id="258" name="Group"/>
+          <p:cNvPr id="260" name="Group"/>
           <p:cNvGrpSpPr/>
           <p:nvPr/>
         </p:nvGrpSpPr>
@@ -10459,7 +10459,7 @@
         </p:grpSpPr>
         <p:sp>
           <p:nvSpPr>
-            <p:cNvPr id="256" name="Loopring"/>
+            <p:cNvPr id="258" name="Loopring"/>
             <p:cNvSpPr txBox="1"/>
             <p:nvPr/>
           </p:nvSpPr>
@@ -10507,7 +10507,7 @@
         </p:sp>
         <p:sp>
           <p:nvSpPr>
-            <p:cNvPr id="257" name="去中心化代币交易所和协议"/>
+            <p:cNvPr id="259" name="去中心化代币交易所和协议"/>
             <p:cNvSpPr txBox="1"/>
             <p:nvPr/>
           </p:nvSpPr>
@@ -10600,7 +10600,7 @@
       </p:grpSpPr>
       <p:pic>
         <p:nvPicPr>
-          <p:cNvPr id="260" name="pasted-image.pdf" descr="pasted-image.pdf"/>
+          <p:cNvPr id="262" name="pasted-image.pdf" descr="pasted-image.pdf"/>
           <p:cNvPicPr>
             <a:picLocks noChangeAspect="1"/>
           </p:cNvPicPr>
@@ -10629,7 +10629,7 @@
       </p:pic>
       <p:pic>
         <p:nvPicPr>
-          <p:cNvPr id="261" name="pasted-image.pdf" descr="pasted-image.pdf"/>
+          <p:cNvPr id="263" name="pasted-image.pdf" descr="pasted-image.pdf"/>
           <p:cNvPicPr>
             <a:picLocks noChangeAspect="1"/>
           </p:cNvPicPr>
@@ -10658,7 +10658,7 @@
       </p:pic>
       <p:pic>
         <p:nvPicPr>
-          <p:cNvPr id="262" name="pasted-image.pdf" descr="pasted-image.pdf"/>
+          <p:cNvPr id="264" name="pasted-image.pdf" descr="pasted-image.pdf"/>
           <p:cNvPicPr>
             <a:picLocks noChangeAspect="1"/>
           </p:cNvPicPr>
@@ -10687,7 +10687,7 @@
       </p:pic>
       <p:pic>
         <p:nvPicPr>
-          <p:cNvPr id="263" name="pasted-image.pdf" descr="pasted-image.pdf"/>
+          <p:cNvPr id="265" name="pasted-image.pdf" descr="pasted-image.pdf"/>
           <p:cNvPicPr>
             <a:picLocks noChangeAspect="1"/>
           </p:cNvPicPr>
@@ -10716,7 +10716,7 @@
       </p:pic>
       <p:sp>
         <p:nvSpPr>
-          <p:cNvPr id="264" name="order#1…"/>
+          <p:cNvPr id="266" name="order#1…"/>
           <p:cNvSpPr/>
           <p:nvPr/>
         </p:nvSpPr>
@@ -10869,7 +10869,7 @@
       </p:sp>
       <p:sp>
         <p:nvSpPr>
-          <p:cNvPr id="265" name="order#1…"/>
+          <p:cNvPr id="267" name="order#1…"/>
           <p:cNvSpPr/>
           <p:nvPr/>
         </p:nvSpPr>
@@ -11022,7 +11022,7 @@
       </p:sp>
       <p:sp>
         <p:nvSpPr>
-          <p:cNvPr id="266" name="order#2…"/>
+          <p:cNvPr id="268" name="order#2…"/>
           <p:cNvSpPr/>
           <p:nvPr/>
         </p:nvSpPr>
@@ -11175,7 +11175,7 @@
       </p:sp>
       <p:sp>
         <p:nvSpPr>
-          <p:cNvPr id="267" name="order#2…"/>
+          <p:cNvPr id="269" name="order#2…"/>
           <p:cNvSpPr/>
           <p:nvPr/>
         </p:nvSpPr>
@@ -11328,7 +11328,7 @@
       </p:sp>
       <p:sp>
         <p:nvSpPr>
-          <p:cNvPr id="268" name="order#1…"/>
+          <p:cNvPr id="270" name="order#1…"/>
           <p:cNvSpPr/>
           <p:nvPr/>
         </p:nvSpPr>
@@ -11481,7 +11481,7 @@
       </p:sp>
       <p:sp>
         <p:nvSpPr>
-          <p:cNvPr id="269" name="order#2…"/>
+          <p:cNvPr id="271" name="order#2…"/>
           <p:cNvSpPr/>
           <p:nvPr/>
         </p:nvSpPr>
@@ -11634,7 +11634,7 @@
       </p:sp>
       <p:sp>
         <p:nvSpPr>
-          <p:cNvPr id="270" name="order#2…"/>
+          <p:cNvPr id="272" name="order#2…"/>
           <p:cNvSpPr/>
           <p:nvPr/>
         </p:nvSpPr>
@@ -11787,7 +11787,7 @@
       </p:sp>
       <p:sp>
         <p:nvSpPr>
-          <p:cNvPr id="271" name="order#1…"/>
+          <p:cNvPr id="273" name="order#1…"/>
           <p:cNvSpPr/>
           <p:nvPr/>
         </p:nvSpPr>
@@ -11940,7 +11940,7 @@
       </p:sp>
       <p:sp>
         <p:nvSpPr>
-          <p:cNvPr id="272" name="Blockchain"/>
+          <p:cNvPr id="274" name="Blockchain"/>
           <p:cNvSpPr/>
           <p:nvPr/>
         </p:nvSpPr>
@@ -11995,7 +11995,7 @@
       </p:sp>
       <p:sp>
         <p:nvSpPr>
-          <p:cNvPr id="273" name="address_X"/>
+          <p:cNvPr id="275" name="address_X"/>
           <p:cNvSpPr/>
           <p:nvPr/>
         </p:nvSpPr>
@@ -12047,7 +12047,7 @@
       </p:sp>
       <p:sp>
         <p:nvSpPr>
-          <p:cNvPr id="274" name="address_Y"/>
+          <p:cNvPr id="276" name="address_Y"/>
           <p:cNvSpPr/>
           <p:nvPr/>
         </p:nvSpPr>
@@ -12099,7 +12099,7 @@
       </p:sp>
       <p:sp>
         <p:nvSpPr>
-          <p:cNvPr id="275" name="Loopring…"/>
+          <p:cNvPr id="277" name="Loopring…"/>
           <p:cNvSpPr/>
           <p:nvPr/>
         </p:nvSpPr>
@@ -12161,7 +12161,7 @@
       </p:sp>
       <p:grpSp>
         <p:nvGrpSpPr>
-          <p:cNvPr id="278" name="Group"/>
+          <p:cNvPr id="280" name="Group"/>
           <p:cNvGrpSpPr/>
           <p:nvPr/>
         </p:nvGrpSpPr>
@@ -12175,7 +12175,7 @@
         </p:grpSpPr>
         <p:sp>
           <p:nvSpPr>
-            <p:cNvPr id="276" name="Loopring"/>
+            <p:cNvPr id="278" name="Loopring"/>
             <p:cNvSpPr txBox="1"/>
             <p:nvPr/>
           </p:nvSpPr>
@@ -12223,7 +12223,7 @@
         </p:sp>
         <p:sp>
           <p:nvSpPr>
-            <p:cNvPr id="277" name="去中心化代币交易所和协议"/>
+            <p:cNvPr id="279" name="去中心化代币交易所和协议"/>
             <p:cNvSpPr txBox="1"/>
             <p:nvPr/>
           </p:nvSpPr>
@@ -12323,7 +12323,7 @@
                                       <p:cBhvr>
                                         <p:cTn id="6" fill="hold"/>
                                         <p:tgtEl>
-                                          <p:spTgt spid="260"/>
+                                          <p:spTgt spid="262"/>
                                         </p:tgtEl>
                                         <p:attrNameLst>
                                           <p:attrName>style.visibility</p:attrName>
@@ -12337,7 +12337,7 @@
                                       <p:cBhvr>
                                         <p:cTn id="7" dur="1000"/>
                                         <p:tgtEl>
-                                          <p:spTgt spid="260"/>
+                                          <p:spTgt spid="262"/>
                                         </p:tgtEl>
                                       </p:cBhvr>
                                     </p:animEffect>
@@ -12372,7 +12372,7 @@
       </p:par>
     </p:tnLst>
     <p:bldLst>
-      <p:bldP build="whole" bldLvl="1" animBg="1" rev="0" advAuto="0" spid="260" grpId="1"/>
+      <p:bldP build="whole" bldLvl="1" animBg="1" rev="0" advAuto="0" spid="262" grpId="1"/>
     </p:bldLst>
   </p:timing>
 </p:sld>
@@ -12404,7 +12404,7 @@
       </p:grpSpPr>
       <p:pic>
         <p:nvPicPr>
-          <p:cNvPr id="280" name="pasted-image.pdf" descr="pasted-image.pdf"/>
+          <p:cNvPr id="282" name="pasted-image.pdf" descr="pasted-image.pdf"/>
           <p:cNvPicPr>
             <a:picLocks noChangeAspect="1"/>
           </p:cNvPicPr>
@@ -12433,7 +12433,7 @@
       </p:pic>
       <p:pic>
         <p:nvPicPr>
-          <p:cNvPr id="281" name="pasted-image.pdf" descr="pasted-image.pdf"/>
+          <p:cNvPr id="283" name="pasted-image.pdf" descr="pasted-image.pdf"/>
           <p:cNvPicPr>
             <a:picLocks noChangeAspect="1"/>
           </p:cNvPicPr>
@@ -12463,7 +12463,7 @@
       </p:pic>
       <p:pic>
         <p:nvPicPr>
-          <p:cNvPr id="282" name="pasted-image.pdf" descr="pasted-image.pdf"/>
+          <p:cNvPr id="284" name="pasted-image.pdf" descr="pasted-image.pdf"/>
           <p:cNvPicPr>
             <a:picLocks noChangeAspect="1"/>
           </p:cNvPicPr>
@@ -12493,7 +12493,7 @@
       </p:pic>
       <p:sp>
         <p:nvSpPr>
-          <p:cNvPr id="283" name="order#1…"/>
+          <p:cNvPr id="285" name="order#1…"/>
           <p:cNvSpPr/>
           <p:nvPr/>
         </p:nvSpPr>
@@ -12650,7 +12650,7 @@
       </p:sp>
       <p:sp>
         <p:nvSpPr>
-          <p:cNvPr id="284" name="order#2…"/>
+          <p:cNvPr id="286" name="order#2…"/>
           <p:cNvSpPr/>
           <p:nvPr/>
         </p:nvSpPr>
@@ -12807,7 +12807,7 @@
       </p:sp>
       <p:sp>
         <p:nvSpPr>
-          <p:cNvPr id="285" name="order#1…"/>
+          <p:cNvPr id="287" name="order#1…"/>
           <p:cNvSpPr/>
           <p:nvPr/>
         </p:nvSpPr>
@@ -12964,7 +12964,7 @@
       </p:sp>
       <p:sp>
         <p:nvSpPr>
-          <p:cNvPr id="286" name="order#2…"/>
+          <p:cNvPr id="288" name="order#2…"/>
           <p:cNvSpPr/>
           <p:nvPr/>
         </p:nvSpPr>
@@ -13121,7 +13121,7 @@
       </p:sp>
       <p:sp>
         <p:nvSpPr>
-          <p:cNvPr id="287" name="order#2…"/>
+          <p:cNvPr id="289" name="order#2…"/>
           <p:cNvSpPr/>
           <p:nvPr/>
         </p:nvSpPr>
@@ -13274,7 +13274,7 @@
       </p:sp>
       <p:sp>
         <p:nvSpPr>
-          <p:cNvPr id="288" name="order#1…"/>
+          <p:cNvPr id="290" name="order#1…"/>
           <p:cNvSpPr/>
           <p:nvPr/>
         </p:nvSpPr>
@@ -13427,7 +13427,7 @@
       </p:sp>
       <p:sp>
         <p:nvSpPr>
-          <p:cNvPr id="289" name="Blockchain"/>
+          <p:cNvPr id="291" name="Blockchain"/>
           <p:cNvSpPr/>
           <p:nvPr/>
         </p:nvSpPr>
@@ -13482,7 +13482,7 @@
       </p:sp>
       <p:sp>
         <p:nvSpPr>
-          <p:cNvPr id="290" name="address_X"/>
+          <p:cNvPr id="292" name="address_X"/>
           <p:cNvSpPr/>
           <p:nvPr/>
         </p:nvSpPr>
@@ -13534,7 +13534,7 @@
       </p:sp>
       <p:sp>
         <p:nvSpPr>
-          <p:cNvPr id="291" name="address_Y"/>
+          <p:cNvPr id="293" name="address_Y"/>
           <p:cNvSpPr/>
           <p:nvPr/>
         </p:nvSpPr>
@@ -13586,7 +13586,7 @@
       </p:sp>
       <p:sp>
         <p:nvSpPr>
-          <p:cNvPr id="292" name="Loopring…"/>
+          <p:cNvPr id="294" name="Loopring…"/>
           <p:cNvSpPr/>
           <p:nvPr/>
         </p:nvSpPr>
@@ -13648,7 +13648,7 @@
       </p:sp>
       <p:pic>
         <p:nvPicPr>
-          <p:cNvPr id="293" name="pasted-image.pdf" descr="pasted-image.pdf"/>
+          <p:cNvPr id="295" name="pasted-image.pdf" descr="pasted-image.pdf"/>
           <p:cNvPicPr>
             <a:picLocks noChangeAspect="1"/>
           </p:cNvPicPr>
@@ -13677,7 +13677,7 @@
       </p:pic>
       <p:sp>
         <p:nvSpPr>
-          <p:cNvPr id="294" name="order#1…"/>
+          <p:cNvPr id="296" name="order#1…"/>
           <p:cNvSpPr/>
           <p:nvPr/>
         </p:nvSpPr>
@@ -13830,7 +13830,7 @@
       </p:sp>
       <p:sp>
         <p:nvSpPr>
-          <p:cNvPr id="295" name="order#2…"/>
+          <p:cNvPr id="297" name="order#2…"/>
           <p:cNvSpPr/>
           <p:nvPr/>
         </p:nvSpPr>
@@ -13983,7 +13983,7 @@
       </p:sp>
       <p:sp>
         <p:nvSpPr>
-          <p:cNvPr id="296" name="Line"/>
+          <p:cNvPr id="298" name="Line"/>
           <p:cNvSpPr/>
           <p:nvPr/>
         </p:nvSpPr>
@@ -14022,7 +14022,7 @@
       </p:sp>
       <p:sp>
         <p:nvSpPr>
-          <p:cNvPr id="297" name="Line"/>
+          <p:cNvPr id="299" name="Line"/>
           <p:cNvSpPr/>
           <p:nvPr/>
         </p:nvSpPr>
@@ -14062,7 +14062,7 @@
       </p:sp>
       <p:sp>
         <p:nvSpPr>
-          <p:cNvPr id="298" name="Line"/>
+          <p:cNvPr id="300" name="Line"/>
           <p:cNvSpPr/>
           <p:nvPr/>
         </p:nvSpPr>
@@ -14102,7 +14102,7 @@
       </p:sp>
       <p:grpSp>
         <p:nvGrpSpPr>
-          <p:cNvPr id="301" name="Group"/>
+          <p:cNvPr id="303" name="Group"/>
           <p:cNvGrpSpPr/>
           <p:nvPr/>
         </p:nvGrpSpPr>
@@ -14116,7 +14116,7 @@
         </p:grpSpPr>
         <p:sp>
           <p:nvSpPr>
-            <p:cNvPr id="299" name="Loopring"/>
+            <p:cNvPr id="301" name="Loopring"/>
             <p:cNvSpPr txBox="1"/>
             <p:nvPr/>
           </p:nvSpPr>
@@ -14164,7 +14164,7 @@
         </p:sp>
         <p:sp>
           <p:nvSpPr>
-            <p:cNvPr id="300" name="去中心化代币交易所和协议"/>
+            <p:cNvPr id="302" name="去中心化代币交易所和协议"/>
             <p:cNvSpPr txBox="1"/>
             <p:nvPr/>
           </p:nvSpPr>
@@ -14257,7 +14257,7 @@
       </p:grpSpPr>
       <p:pic>
         <p:nvPicPr>
-          <p:cNvPr id="303" name="pasted-image.pdf" descr="pasted-image.pdf"/>
+          <p:cNvPr id="305" name="pasted-image.pdf" descr="pasted-image.pdf"/>
           <p:cNvPicPr>
             <a:picLocks noChangeAspect="1"/>
           </p:cNvPicPr>
@@ -14286,7 +14286,7 @@
       </p:pic>
       <p:pic>
         <p:nvPicPr>
-          <p:cNvPr id="304" name="pasted-image.pdf" descr="pasted-image.pdf"/>
+          <p:cNvPr id="306" name="pasted-image.pdf" descr="pasted-image.pdf"/>
           <p:cNvPicPr>
             <a:picLocks noChangeAspect="1"/>
           </p:cNvPicPr>
@@ -14316,7 +14316,7 @@
       </p:pic>
       <p:pic>
         <p:nvPicPr>
-          <p:cNvPr id="305" name="pasted-image.pdf" descr="pasted-image.pdf"/>
+          <p:cNvPr id="307" name="pasted-image.pdf" descr="pasted-image.pdf"/>
           <p:cNvPicPr>
             <a:picLocks noChangeAspect="1"/>
           </p:cNvPicPr>
@@ -14346,7 +14346,7 @@
       </p:pic>
       <p:sp>
         <p:nvSpPr>
-          <p:cNvPr id="306" name="order#1…"/>
+          <p:cNvPr id="308" name="order#1…"/>
           <p:cNvSpPr/>
           <p:nvPr/>
         </p:nvSpPr>
@@ -14503,7 +14503,7 @@
       </p:sp>
       <p:sp>
         <p:nvSpPr>
-          <p:cNvPr id="307" name="order#2…"/>
+          <p:cNvPr id="309" name="order#2…"/>
           <p:cNvSpPr/>
           <p:nvPr/>
         </p:nvSpPr>
@@ -14660,7 +14660,7 @@
       </p:sp>
       <p:sp>
         <p:nvSpPr>
-          <p:cNvPr id="308" name="order#1…"/>
+          <p:cNvPr id="310" name="order#1…"/>
           <p:cNvSpPr/>
           <p:nvPr/>
         </p:nvSpPr>
@@ -14817,7 +14817,7 @@
       </p:sp>
       <p:sp>
         <p:nvSpPr>
-          <p:cNvPr id="309" name="order#2…"/>
+          <p:cNvPr id="311" name="order#2…"/>
           <p:cNvSpPr/>
           <p:nvPr/>
         </p:nvSpPr>
@@ -14974,7 +14974,7 @@
       </p:sp>
       <p:sp>
         <p:nvSpPr>
-          <p:cNvPr id="310" name="order#2…"/>
+          <p:cNvPr id="312" name="order#2…"/>
           <p:cNvSpPr/>
           <p:nvPr/>
         </p:nvSpPr>
@@ -15127,7 +15127,7 @@
       </p:sp>
       <p:sp>
         <p:nvSpPr>
-          <p:cNvPr id="311" name="order#1…"/>
+          <p:cNvPr id="313" name="order#1…"/>
           <p:cNvSpPr/>
           <p:nvPr/>
         </p:nvSpPr>
@@ -15280,7 +15280,7 @@
       </p:sp>
       <p:sp>
         <p:nvSpPr>
-          <p:cNvPr id="312" name="Blockchain"/>
+          <p:cNvPr id="314" name="Blockchain"/>
           <p:cNvSpPr/>
           <p:nvPr/>
         </p:nvSpPr>
@@ -15335,7 +15335,7 @@
       </p:sp>
       <p:sp>
         <p:nvSpPr>
-          <p:cNvPr id="313" name="address_X"/>
+          <p:cNvPr id="315" name="address_X"/>
           <p:cNvSpPr/>
           <p:nvPr/>
         </p:nvSpPr>
@@ -15387,7 +15387,7 @@
       </p:sp>
       <p:sp>
         <p:nvSpPr>
-          <p:cNvPr id="314" name="address_Y"/>
+          <p:cNvPr id="316" name="address_Y"/>
           <p:cNvSpPr/>
           <p:nvPr/>
         </p:nvSpPr>
@@ -15439,7 +15439,7 @@
       </p:sp>
       <p:sp>
         <p:nvSpPr>
-          <p:cNvPr id="315" name="Loopring…"/>
+          <p:cNvPr id="317" name="Loopring…"/>
           <p:cNvSpPr/>
           <p:nvPr/>
         </p:nvSpPr>
@@ -15501,7 +15501,7 @@
       </p:sp>
       <p:pic>
         <p:nvPicPr>
-          <p:cNvPr id="316" name="pasted-image.pdf" descr="pasted-image.pdf"/>
+          <p:cNvPr id="318" name="pasted-image.pdf" descr="pasted-image.pdf"/>
           <p:cNvPicPr>
             <a:picLocks noChangeAspect="1"/>
           </p:cNvPicPr>
@@ -15530,7 +15530,7 @@
       </p:pic>
       <p:sp>
         <p:nvSpPr>
-          <p:cNvPr id="317" name="order#1…"/>
+          <p:cNvPr id="319" name="order#1…"/>
           <p:cNvSpPr/>
           <p:nvPr/>
         </p:nvSpPr>
@@ -15683,7 +15683,7 @@
       </p:sp>
       <p:sp>
         <p:nvSpPr>
-          <p:cNvPr id="318" name="order#2…"/>
+          <p:cNvPr id="320" name="order#2…"/>
           <p:cNvSpPr/>
           <p:nvPr/>
         </p:nvSpPr>
@@ -15836,7 +15836,7 @@
       </p:sp>
       <p:sp>
         <p:nvSpPr>
-          <p:cNvPr id="319" name="Line"/>
+          <p:cNvPr id="321" name="Line"/>
           <p:cNvSpPr/>
           <p:nvPr/>
         </p:nvSpPr>
@@ -15875,7 +15875,7 @@
       </p:sp>
       <p:sp>
         <p:nvSpPr>
-          <p:cNvPr id="320" name="Line"/>
+          <p:cNvPr id="322" name="Line"/>
           <p:cNvSpPr/>
           <p:nvPr/>
         </p:nvSpPr>
@@ -15915,7 +15915,7 @@
       </p:sp>
       <p:sp>
         <p:nvSpPr>
-          <p:cNvPr id="321" name="Line"/>
+          <p:cNvPr id="323" name="Line"/>
           <p:cNvSpPr/>
           <p:nvPr/>
         </p:nvSpPr>
@@ -15955,7 +15955,7 @@
       </p:sp>
       <p:grpSp>
         <p:nvGrpSpPr>
-          <p:cNvPr id="326" name="Group"/>
+          <p:cNvPr id="328" name="Group"/>
           <p:cNvGrpSpPr/>
           <p:nvPr/>
         </p:nvGrpSpPr>
@@ -15969,7 +15969,7 @@
         </p:grpSpPr>
         <p:sp>
           <p:nvSpPr>
-            <p:cNvPr id="330" name="Connection Line"/>
+            <p:cNvPr id="332" name="Connection Line"/>
             <p:cNvSpPr/>
             <p:nvPr/>
           </p:nvSpPr>
@@ -16035,7 +16035,7 @@
         </p:sp>
         <p:sp>
           <p:nvSpPr>
-            <p:cNvPr id="323" name="4750 token_A"/>
+            <p:cNvPr id="325" name="4750 token_A"/>
             <p:cNvSpPr txBox="1"/>
             <p:nvPr/>
           </p:nvSpPr>
@@ -16090,7 +16090,7 @@
         </p:sp>
         <p:sp>
           <p:nvSpPr>
-            <p:cNvPr id="331" name="Connection Line"/>
+            <p:cNvPr id="333" name="Connection Line"/>
             <p:cNvSpPr/>
             <p:nvPr/>
           </p:nvSpPr>
@@ -16156,7 +16156,7 @@
         </p:sp>
         <p:sp>
           <p:nvSpPr>
-            <p:cNvPr id="325" name="5 token_B"/>
+            <p:cNvPr id="327" name="5 token_B"/>
             <p:cNvSpPr txBox="1"/>
             <p:nvPr/>
           </p:nvSpPr>
@@ -16212,7 +16212,7 @@
       </p:grpSp>
       <p:grpSp>
         <p:nvGrpSpPr>
-          <p:cNvPr id="329" name="Group"/>
+          <p:cNvPr id="331" name="Group"/>
           <p:cNvGrpSpPr/>
           <p:nvPr/>
         </p:nvGrpSpPr>
@@ -16226,7 +16226,7 @@
         </p:grpSpPr>
         <p:sp>
           <p:nvSpPr>
-            <p:cNvPr id="327" name="Loopring"/>
+            <p:cNvPr id="329" name="Loopring"/>
             <p:cNvSpPr txBox="1"/>
             <p:nvPr/>
           </p:nvSpPr>
@@ -16274,7 +16274,7 @@
         </p:sp>
         <p:sp>
           <p:nvSpPr>
-            <p:cNvPr id="328" name="去中心化代币交易所和协议"/>
+            <p:cNvPr id="330" name="去中心化代币交易所和协议"/>
             <p:cNvSpPr txBox="1"/>
             <p:nvPr/>
           </p:nvSpPr>
@@ -16371,7 +16371,7 @@
                                       <p:cBhvr>
                                         <p:cTn id="6" fill="hold"/>
                                         <p:tgtEl>
-                                          <p:spTgt spid="326"/>
+                                          <p:spTgt spid="328"/>
                                         </p:tgtEl>
                                         <p:attrNameLst>
                                           <p:attrName>style.visibility</p:attrName>
@@ -16412,7 +16412,7 @@
       </p:par>
     </p:tnLst>
     <p:bldLst>
-      <p:bldP build="whole" bldLvl="1" animBg="1" rev="0" advAuto="0" spid="326" grpId="1"/>
+      <p:bldP build="whole" bldLvl="1" animBg="1" rev="0" advAuto="0" spid="328" grpId="1"/>
     </p:bldLst>
   </p:timing>
 </p:sld>
@@ -16444,7 +16444,7 @@
       </p:grpSpPr>
       <p:sp>
         <p:nvSpPr>
-          <p:cNvPr id="333" name="问题#1: 用户资产需要托管…"/>
+          <p:cNvPr id="335" name="问题#1: 用户资产需要托管…"/>
           <p:cNvSpPr/>
           <p:nvPr/>
         </p:nvSpPr>
@@ -16507,7 +16507,7 @@
       </p:sp>
       <p:sp>
         <p:nvSpPr>
-          <p:cNvPr id="334" name="问题#2: 交易所内幕交易…"/>
+          <p:cNvPr id="336" name="问题#2: 交易所内幕交易…"/>
           <p:cNvSpPr/>
           <p:nvPr/>
         </p:nvSpPr>
@@ -16570,7 +16570,7 @@
       </p:sp>
       <p:sp>
         <p:nvSpPr>
-          <p:cNvPr id="335" name="问题#3: 订单散落到多交易所…"/>
+          <p:cNvPr id="337" name="问题#3: 订单散落到多交易所…"/>
           <p:cNvSpPr/>
           <p:nvPr/>
         </p:nvSpPr>
@@ -16633,7 +16633,7 @@
       </p:sp>
       <p:sp>
         <p:nvSpPr>
-          <p:cNvPr id="336" name="{"/>
+          <p:cNvPr id="338" name="{"/>
           <p:cNvSpPr txBox="1"/>
           <p:nvPr/>
         </p:nvSpPr>
@@ -16678,7 +16678,7 @@
       </p:sp>
       <p:grpSp>
         <p:nvGrpSpPr>
-          <p:cNvPr id="339" name="Group"/>
+          <p:cNvPr id="341" name="Group"/>
           <p:cNvGrpSpPr/>
           <p:nvPr/>
         </p:nvGrpSpPr>
@@ -16692,7 +16692,7 @@
         </p:grpSpPr>
         <p:sp>
           <p:nvSpPr>
-            <p:cNvPr id="337" name="1.资产无需托管"/>
+            <p:cNvPr id="339" name="1.资产无需托管"/>
             <p:cNvSpPr txBox="1"/>
             <p:nvPr/>
           </p:nvSpPr>
@@ -16740,7 +16740,7 @@
         </p:sp>
         <p:sp>
           <p:nvSpPr>
-            <p:cNvPr id="338" name="没有充值提现过程，用户订单中的代币一直存放在用户区块链账户中，同时订单不锁定代币，下单后依然可以任意支配资产。"/>
+            <p:cNvPr id="340" name="没有充值提现过程，用户订单中的代币一直存放在用户区块链账户中，同时订单不锁定代币，下单后依然可以任意支配资产。"/>
             <p:cNvSpPr txBox="1"/>
             <p:nvPr/>
           </p:nvSpPr>
@@ -16789,7 +16789,7 @@
       </p:grpSp>
       <p:grpSp>
         <p:nvGrpSpPr>
-          <p:cNvPr id="342" name="Group"/>
+          <p:cNvPr id="344" name="Group"/>
           <p:cNvGrpSpPr/>
           <p:nvPr/>
         </p:nvGrpSpPr>
@@ -16803,7 +16803,7 @@
         </p:grpSpPr>
         <p:sp>
           <p:nvSpPr>
-            <p:cNvPr id="340" name="2. 区块链上交易清算"/>
+            <p:cNvPr id="342" name="2. 区块链上交易清算"/>
             <p:cNvSpPr txBox="1"/>
             <p:nvPr/>
           </p:nvSpPr>
@@ -16851,7 +16851,7 @@
         </p:sp>
         <p:sp>
           <p:nvSpPr>
-            <p:cNvPr id="341" name="订单链外生成，传播和撮合；链上做交易和验证和清结算，清结算通过智能合约保障原执行。不会再有内幕交易。"/>
+            <p:cNvPr id="343" name="订单链外生成，传播和撮合；链上做交易和验证和清结算，清结算通过智能合约保障原执行。不会再有内幕交易。"/>
             <p:cNvSpPr txBox="1"/>
             <p:nvPr/>
           </p:nvSpPr>
@@ -16900,7 +16900,7 @@
       </p:grpSp>
       <p:grpSp>
         <p:nvGrpSpPr>
-          <p:cNvPr id="345" name="Group"/>
+          <p:cNvPr id="347" name="Group"/>
           <p:cNvGrpSpPr/>
           <p:nvPr/>
         </p:nvGrpSpPr>
@@ -16914,7 +16914,7 @@
         </p:grpSpPr>
         <p:sp>
           <p:nvSpPr>
-            <p:cNvPr id="343" name="3. 订单共享"/>
+            <p:cNvPr id="345" name="3. 订单共享"/>
             <p:cNvSpPr txBox="1"/>
             <p:nvPr/>
           </p:nvSpPr>
@@ -16962,7 +16962,7 @@
         </p:sp>
         <p:sp>
           <p:nvSpPr>
-            <p:cNvPr id="344" name="订单可以被广播给一个或多个交易所，做联合的，同时也是竞争式的撮合。用户成交价格更优惠，流动性更大。"/>
+            <p:cNvPr id="346" name="订单可以被广播给一个或多个交易所，做联合的，同时也是竞争式的撮合。用户成交价格更优惠，流动性更大。"/>
             <p:cNvSpPr txBox="1"/>
             <p:nvPr/>
           </p:nvSpPr>
@@ -17011,7 +17011,7 @@
       </p:grpSp>
       <p:grpSp>
         <p:nvGrpSpPr>
-          <p:cNvPr id="348" name="Group"/>
+          <p:cNvPr id="350" name="Group"/>
           <p:cNvGrpSpPr/>
           <p:nvPr/>
         </p:nvGrpSpPr>
@@ -17025,7 +17025,7 @@
         </p:grpSpPr>
         <p:sp>
           <p:nvSpPr>
-            <p:cNvPr id="346" name="4.多订单环路撮合"/>
+            <p:cNvPr id="348" name="4.多订单环路撮合"/>
             <p:cNvSpPr txBox="1"/>
             <p:nvPr/>
           </p:nvSpPr>
@@ -17073,7 +17073,7 @@
         </p:sp>
         <p:sp>
           <p:nvSpPr>
-            <p:cNvPr id="347" name="革命性的“环路撮合”机制，允许任意两个虚拟货币之间的交易。同时能够更大程度上生成新的流动性。"/>
+            <p:cNvPr id="349" name="革命性的“环路撮合”机制，允许任意两个虚拟货币之间的交易。同时能够更大程度上生成新的流动性。"/>
             <p:cNvSpPr txBox="1"/>
             <p:nvPr/>
           </p:nvSpPr>
@@ -17122,7 +17122,7 @@
       </p:grpSp>
       <p:grpSp>
         <p:nvGrpSpPr>
-          <p:cNvPr id="351" name="Group"/>
+          <p:cNvPr id="353" name="Group"/>
           <p:cNvGrpSpPr/>
           <p:nvPr/>
         </p:nvGrpSpPr>
@@ -17136,7 +17136,7 @@
         </p:grpSpPr>
         <p:sp>
           <p:nvSpPr>
-            <p:cNvPr id="349" name="Loopring"/>
+            <p:cNvPr id="351" name="Loopring"/>
             <p:cNvSpPr txBox="1"/>
             <p:nvPr/>
           </p:nvSpPr>
@@ -17184,7 +17184,7 @@
         </p:sp>
         <p:sp>
           <p:nvSpPr>
-            <p:cNvPr id="350" name="去中心化代币交易所和协议"/>
+            <p:cNvPr id="352" name="去中心化代币交易所和协议"/>
             <p:cNvSpPr txBox="1"/>
             <p:nvPr/>
           </p:nvSpPr>
@@ -17598,7 +17598,7 @@
       </p:grpSpPr>
       <p:sp>
         <p:nvSpPr>
-          <p:cNvPr id="353" name="order#1…"/>
+          <p:cNvPr id="355" name="order#1…"/>
           <p:cNvSpPr/>
           <p:nvPr/>
         </p:nvSpPr>
@@ -17751,7 +17751,7 @@
       </p:sp>
       <p:sp>
         <p:nvSpPr>
-          <p:cNvPr id="354" name="order#2…"/>
+          <p:cNvPr id="356" name="order#2…"/>
           <p:cNvSpPr/>
           <p:nvPr/>
         </p:nvSpPr>
@@ -17903,7 +17903,7 @@
       </p:sp>
       <p:sp>
         <p:nvSpPr>
-          <p:cNvPr id="355" name="order#3…"/>
+          <p:cNvPr id="357" name="order#3…"/>
           <p:cNvSpPr/>
           <p:nvPr/>
         </p:nvSpPr>
@@ -18055,7 +18055,7 @@
       </p:sp>
       <p:grpSp>
         <p:nvGrpSpPr>
-          <p:cNvPr id="358" name="Group"/>
+          <p:cNvPr id="360" name="Group"/>
           <p:cNvGrpSpPr/>
           <p:nvPr/>
         </p:nvGrpSpPr>
@@ -18069,7 +18069,7 @@
         </p:grpSpPr>
         <p:sp>
           <p:nvSpPr>
-            <p:cNvPr id="356" name="4.多订单环路撮合"/>
+            <p:cNvPr id="358" name="4.多订单环路撮合"/>
             <p:cNvSpPr txBox="1"/>
             <p:nvPr/>
           </p:nvSpPr>
@@ -18117,7 +18117,7 @@
         </p:sp>
         <p:sp>
           <p:nvSpPr>
-            <p:cNvPr id="357" name="革命性的“环路撮合”机制，允许任意两个虚拟货币之间的交易。同时能够更大程度上生成新的流动性。"/>
+            <p:cNvPr id="359" name="革命性的“环路撮合”机制，允许任意两个虚拟货币之间的交易。同时能够更大程度上生成新的流动性。"/>
             <p:cNvSpPr txBox="1"/>
             <p:nvPr/>
           </p:nvSpPr>
@@ -18217,7 +18217,7 @@
                                       <p:cBhvr>
                                         <p:cTn id="6" fill="hold"/>
                                         <p:tgtEl>
-                                          <p:spTgt spid="353"/>
+                                          <p:spTgt spid="355"/>
                                         </p:tgtEl>
                                         <p:attrNameLst>
                                           <p:attrName>style.visibility</p:attrName>
@@ -18231,7 +18231,7 @@
                                       <p:cBhvr>
                                         <p:cTn id="7" dur="1000"/>
                                         <p:tgtEl>
-                                          <p:spTgt spid="353"/>
+                                          <p:spTgt spid="355"/>
                                         </p:tgtEl>
                                       </p:cBhvr>
                                     </p:animEffect>
@@ -18260,7 +18260,7 @@
                                       <p:cBhvr>
                                         <p:cTn id="10" fill="hold"/>
                                         <p:tgtEl>
-                                          <p:spTgt spid="354"/>
+                                          <p:spTgt spid="356"/>
                                         </p:tgtEl>
                                         <p:attrNameLst>
                                           <p:attrName>style.visibility</p:attrName>
@@ -18274,7 +18274,7 @@
                                       <p:cBhvr>
                                         <p:cTn id="11" dur="500"/>
                                         <p:tgtEl>
-                                          <p:spTgt spid="354"/>
+                                          <p:spTgt spid="356"/>
                                         </p:tgtEl>
                                       </p:cBhvr>
                                     </p:animEffect>
@@ -18303,7 +18303,7 @@
                                       <p:cBhvr>
                                         <p:cTn id="14" fill="hold"/>
                                         <p:tgtEl>
-                                          <p:spTgt spid="355"/>
+                                          <p:spTgt spid="357"/>
                                         </p:tgtEl>
                                         <p:attrNameLst>
                                           <p:attrName>style.visibility</p:attrName>
@@ -18317,7 +18317,7 @@
                                       <p:cBhvr>
                                         <p:cTn id="15" dur="500"/>
                                         <p:tgtEl>
-                                          <p:spTgt spid="355"/>
+                                          <p:spTgt spid="357"/>
                                         </p:tgtEl>
                                       </p:cBhvr>
                                     </p:animEffect>
@@ -18352,9 +18352,9 @@
       </p:par>
     </p:tnLst>
     <p:bldLst>
-      <p:bldP build="whole" bldLvl="1" animBg="1" rev="0" advAuto="0" spid="353" grpId="1"/>
-      <p:bldP build="whole" bldLvl="1" animBg="1" rev="0" advAuto="0" spid="354" grpId="2"/>
-      <p:bldP build="whole" bldLvl="1" animBg="1" rev="0" advAuto="0" spid="355" grpId="3"/>
+      <p:bldP build="whole" bldLvl="1" animBg="1" rev="0" advAuto="0" spid="355" grpId="1"/>
+      <p:bldP build="whole" bldLvl="1" animBg="1" rev="0" advAuto="0" spid="356" grpId="2"/>
+      <p:bldP build="whole" bldLvl="1" animBg="1" rev="0" advAuto="0" spid="357" grpId="3"/>
     </p:bldLst>
   </p:timing>
 </p:sld>
@@ -18386,7 +18386,7 @@
       </p:grpSpPr>
       <p:sp>
         <p:nvSpPr>
-          <p:cNvPr id="360" name="order#1…"/>
+          <p:cNvPr id="362" name="order#1…"/>
           <p:cNvSpPr/>
           <p:nvPr/>
         </p:nvSpPr>
@@ -18539,7 +18539,7 @@
       </p:sp>
       <p:sp>
         <p:nvSpPr>
-          <p:cNvPr id="361" name="order#2…"/>
+          <p:cNvPr id="363" name="order#2…"/>
           <p:cNvSpPr/>
           <p:nvPr/>
         </p:nvSpPr>
@@ -18691,7 +18691,7 @@
       </p:sp>
       <p:sp>
         <p:nvSpPr>
-          <p:cNvPr id="362" name="order#3…"/>
+          <p:cNvPr id="364" name="order#3…"/>
           <p:cNvSpPr/>
           <p:nvPr/>
         </p:nvSpPr>
@@ -18843,7 +18843,7 @@
       </p:sp>
       <p:grpSp>
         <p:nvGrpSpPr>
-          <p:cNvPr id="369" name="Group"/>
+          <p:cNvPr id="371" name="Group"/>
           <p:cNvGrpSpPr/>
           <p:nvPr/>
         </p:nvGrpSpPr>
@@ -18857,7 +18857,7 @@
         </p:grpSpPr>
         <p:sp>
           <p:nvSpPr>
-            <p:cNvPr id="363" name="Line"/>
+            <p:cNvPr id="365" name="Line"/>
             <p:cNvSpPr/>
             <p:nvPr/>
           </p:nvSpPr>
@@ -18902,7 +18902,7 @@
         </p:sp>
         <p:sp>
           <p:nvSpPr>
-            <p:cNvPr id="364" name="Line"/>
+            <p:cNvPr id="366" name="Line"/>
             <p:cNvSpPr/>
             <p:nvPr/>
           </p:nvSpPr>
@@ -18947,7 +18947,7 @@
         </p:sp>
         <p:sp>
           <p:nvSpPr>
-            <p:cNvPr id="365" name="Line"/>
+            <p:cNvPr id="367" name="Line"/>
             <p:cNvSpPr/>
             <p:nvPr/>
           </p:nvSpPr>
@@ -18991,7 +18991,7 @@
         </p:sp>
         <p:sp>
           <p:nvSpPr>
-            <p:cNvPr id="366" name="Line"/>
+            <p:cNvPr id="368" name="Line"/>
             <p:cNvSpPr/>
             <p:nvPr/>
           </p:nvSpPr>
@@ -19035,7 +19035,7 @@
         </p:sp>
         <p:sp>
           <p:nvSpPr>
-            <p:cNvPr id="367" name="Line"/>
+            <p:cNvPr id="369" name="Line"/>
             <p:cNvSpPr/>
             <p:nvPr/>
           </p:nvSpPr>
@@ -19079,7 +19079,7 @@
         </p:sp>
         <p:sp>
           <p:nvSpPr>
-            <p:cNvPr id="368" name="Line"/>
+            <p:cNvPr id="370" name="Line"/>
             <p:cNvSpPr/>
             <p:nvPr/>
           </p:nvSpPr>
@@ -19124,7 +19124,7 @@
       </p:grpSp>
       <p:grpSp>
         <p:nvGrpSpPr>
-          <p:cNvPr id="373" name="Group"/>
+          <p:cNvPr id="375" name="Group"/>
           <p:cNvGrpSpPr/>
           <p:nvPr/>
         </p:nvGrpSpPr>
@@ -19138,7 +19138,7 @@
         </p:grpSpPr>
         <p:sp>
           <p:nvSpPr>
-            <p:cNvPr id="370" name="Line"/>
+            <p:cNvPr id="372" name="Line"/>
             <p:cNvSpPr/>
             <p:nvPr/>
           </p:nvSpPr>
@@ -19183,7 +19183,7 @@
         </p:sp>
         <p:sp>
           <p:nvSpPr>
-            <p:cNvPr id="371" name="Line"/>
+            <p:cNvPr id="373" name="Line"/>
             <p:cNvSpPr/>
             <p:nvPr/>
           </p:nvSpPr>
@@ -19227,7 +19227,7 @@
         </p:sp>
         <p:sp>
           <p:nvSpPr>
-            <p:cNvPr id="372" name="Line"/>
+            <p:cNvPr id="374" name="Line"/>
             <p:cNvSpPr/>
             <p:nvPr/>
           </p:nvSpPr>
@@ -19272,7 +19272,7 @@
       </p:grpSp>
       <p:sp>
         <p:nvSpPr>
-          <p:cNvPr id="374" name="8 token_B"/>
+          <p:cNvPr id="376" name="8 token_B"/>
           <p:cNvSpPr txBox="1"/>
           <p:nvPr/>
         </p:nvSpPr>
@@ -19335,7 +19335,7 @@
       </p:sp>
       <p:sp>
         <p:nvSpPr>
-          <p:cNvPr id="375" name="98 token_C"/>
+          <p:cNvPr id="377" name="98 token_C"/>
           <p:cNvSpPr txBox="1"/>
           <p:nvPr/>
         </p:nvSpPr>
@@ -19400,7 +19400,7 @@
       </p:sp>
       <p:sp>
         <p:nvSpPr>
-          <p:cNvPr id="376" name="7898 token_A"/>
+          <p:cNvPr id="378" name="7898 token_A"/>
           <p:cNvSpPr txBox="1"/>
           <p:nvPr/>
         </p:nvSpPr>
@@ -19466,7 +19466,7 @@
       </p:sp>
       <p:pic>
         <p:nvPicPr>
-          <p:cNvPr id="377" name="Screen Shot 2017-06-12 at 22.05.26.jpg" descr="Screen Shot 2017-06-12 at 22.05.26.jpg"/>
+          <p:cNvPr id="379" name="Screen Shot 2017-06-12 at 22.05.26.jpg" descr="Screen Shot 2017-06-12 at 22.05.26.jpg"/>
           <p:cNvPicPr>
             <a:picLocks noChangeAspect="1"/>
           </p:cNvPicPr>
@@ -19495,7 +19495,7 @@
       </p:pic>
       <p:grpSp>
         <p:nvGrpSpPr>
-          <p:cNvPr id="380" name="Group"/>
+          <p:cNvPr id="382" name="Group"/>
           <p:cNvGrpSpPr/>
           <p:nvPr/>
         </p:nvGrpSpPr>
@@ -19509,7 +19509,7 @@
         </p:grpSpPr>
         <p:sp>
           <p:nvSpPr>
-            <p:cNvPr id="378" name="4.多订单环路撮合"/>
+            <p:cNvPr id="380" name="4.多订单环路撮合"/>
             <p:cNvSpPr txBox="1"/>
             <p:nvPr/>
           </p:nvSpPr>
@@ -19557,7 +19557,7 @@
         </p:sp>
         <p:sp>
           <p:nvSpPr>
-            <p:cNvPr id="379" name="革命性的“环路撮合”机制，允许任意两个虚拟货币之间的交易。同时能够更大程度上生成新的流动性。"/>
+            <p:cNvPr id="381" name="革命性的“环路撮合”机制，允许任意两个虚拟货币之间的交易。同时能够更大程度上生成新的流动性。"/>
             <p:cNvSpPr txBox="1"/>
             <p:nvPr/>
           </p:nvSpPr>
@@ -19606,7 +19606,7 @@
       </p:grpSp>
       <p:grpSp>
         <p:nvGrpSpPr>
-          <p:cNvPr id="383" name="Group"/>
+          <p:cNvPr id="385" name="Group"/>
           <p:cNvGrpSpPr/>
           <p:nvPr/>
         </p:nvGrpSpPr>
@@ -19620,7 +19620,7 @@
         </p:grpSpPr>
         <p:sp>
           <p:nvSpPr>
-            <p:cNvPr id="381" name="Loopring"/>
+            <p:cNvPr id="383" name="Loopring"/>
             <p:cNvSpPr txBox="1"/>
             <p:nvPr/>
           </p:nvSpPr>
@@ -19668,7 +19668,7 @@
         </p:sp>
         <p:sp>
           <p:nvSpPr>
-            <p:cNvPr id="382" name="去中心化代币交易所和协议"/>
+            <p:cNvPr id="384" name="去中心化代币交易所和协议"/>
             <p:cNvSpPr txBox="1"/>
             <p:nvPr/>
           </p:nvSpPr>
@@ -19754,7 +19754,7 @@
                                       <p:cBhvr>
                                         <p:cTn id="6" fill="hold"/>
                                         <p:tgtEl>
-                                          <p:spTgt spid="377"/>
+                                          <p:spTgt spid="379"/>
                                         </p:tgtEl>
                                         <p:attrNameLst>
                                           <p:attrName>style.visibility</p:attrName>
@@ -19768,7 +19768,7 @@
                                       <p:cBhvr>
                                         <p:cTn id="7" dur="1000" fill="hold"/>
                                         <p:tgtEl>
-                                          <p:spTgt spid="377"/>
+                                          <p:spTgt spid="379"/>
                                         </p:tgtEl>
                                         <p:attrNameLst>
                                           <p:attrName>ppt_w</p:attrName>
@@ -19791,7 +19791,7 @@
                                       <p:cBhvr>
                                         <p:cTn id="8" dur="1000" fill="hold"/>
                                         <p:tgtEl>
-                                          <p:spTgt spid="377"/>
+                                          <p:spTgt spid="379"/>
                                         </p:tgtEl>
                                         <p:attrNameLst>
                                           <p:attrName>ppt_h</p:attrName>
@@ -19841,7 +19841,7 @@
       </p:par>
     </p:tnLst>
     <p:bldLst>
-      <p:bldP build="whole" bldLvl="1" animBg="1" rev="0" advAuto="0" spid="377" grpId="1"/>
+      <p:bldP build="whole" bldLvl="1" animBg="1" rev="0" advAuto="0" spid="379" grpId="1"/>
     </p:bldLst>
   </p:timing>
 </p:sld>
@@ -19873,7 +19873,7 @@
       </p:grpSpPr>
       <p:grpSp>
         <p:nvGrpSpPr>
-          <p:cNvPr id="387" name="Group"/>
+          <p:cNvPr id="389" name="Group"/>
           <p:cNvGrpSpPr/>
           <p:nvPr/>
         </p:nvGrpSpPr>
@@ -19887,7 +19887,7 @@
         </p:grpSpPr>
         <p:sp>
           <p:nvSpPr>
-            <p:cNvPr id="385" name="Loopring"/>
+            <p:cNvPr id="387" name="Loopring"/>
             <p:cNvSpPr txBox="1"/>
             <p:nvPr/>
           </p:nvSpPr>
@@ -19935,7 +19935,7 @@
         </p:sp>
         <p:sp>
           <p:nvSpPr>
-            <p:cNvPr id="386" name="去中心化代币交易所和协议"/>
+            <p:cNvPr id="388" name="去中心化代币交易所和协议"/>
             <p:cNvSpPr txBox="1"/>
             <p:nvPr/>
           </p:nvSpPr>
@@ -19984,7 +19984,7 @@
       </p:grpSp>
       <p:pic>
         <p:nvPicPr>
-          <p:cNvPr id="388" name="pasted-image.pdf" descr="pasted-image.pdf"/>
+          <p:cNvPr id="390" name="pasted-image.pdf" descr="pasted-image.pdf"/>
           <p:cNvPicPr>
             <a:picLocks noChangeAspect="1"/>
           </p:cNvPicPr>
@@ -20057,7 +20057,7 @@
       </p:grpSpPr>
       <p:sp>
         <p:nvSpPr>
-          <p:cNvPr id="390" name="首先是个协议"/>
+          <p:cNvPr id="392" name="首先是个协议"/>
           <p:cNvSpPr txBox="1"/>
           <p:nvPr/>
         </p:nvSpPr>
@@ -20105,7 +20105,7 @@
       </p:sp>
       <p:sp>
         <p:nvSpPr>
-          <p:cNvPr id="391" name="其使命是通过去中心化技术，创造零风险，高流动性的资产交易模式。"/>
+          <p:cNvPr id="393" name="其使命是通过去中心化技术，创造零风险，高流动性的资产交易模式。"/>
           <p:cNvSpPr txBox="1"/>
           <p:nvPr/>
         </p:nvSpPr>
@@ -20150,7 +20150,7 @@
       </p:sp>
       <p:grpSp>
         <p:nvGrpSpPr>
-          <p:cNvPr id="394" name="Group"/>
+          <p:cNvPr id="396" name="Group"/>
           <p:cNvGrpSpPr/>
           <p:nvPr/>
         </p:nvGrpSpPr>
@@ -20164,7 +20164,7 @@
         </p:grpSpPr>
         <p:sp>
           <p:nvSpPr>
-            <p:cNvPr id="392" name="Loopring"/>
+            <p:cNvPr id="394" name="Loopring"/>
             <p:cNvSpPr txBox="1"/>
             <p:nvPr/>
           </p:nvSpPr>
@@ -20212,7 +20212,7 @@
         </p:sp>
         <p:sp>
           <p:nvSpPr>
-            <p:cNvPr id="393" name="去中心化代币交易所和协议"/>
+            <p:cNvPr id="395" name="去中心化代币交易所和协议"/>
             <p:cNvSpPr txBox="1"/>
             <p:nvPr/>
           </p:nvSpPr>
@@ -20312,7 +20312,7 @@
                                       <p:cBhvr>
                                         <p:cTn id="6" fill="hold"/>
                                         <p:tgtEl>
-                                          <p:spTgt spid="390"/>
+                                          <p:spTgt spid="392"/>
                                         </p:tgtEl>
                                         <p:attrNameLst>
                                           <p:attrName>style.visibility</p:attrName>
@@ -20326,7 +20326,7 @@
                                       <p:cBhvr>
                                         <p:cTn id="7" dur="500"/>
                                         <p:tgtEl>
-                                          <p:spTgt spid="390"/>
+                                          <p:spTgt spid="392"/>
                                         </p:tgtEl>
                                       </p:cBhvr>
                                     </p:animEffect>
@@ -20355,7 +20355,7 @@
                                       <p:cBhvr>
                                         <p:cTn id="10" fill="hold"/>
                                         <p:tgtEl>
-                                          <p:spTgt spid="391"/>
+                                          <p:spTgt spid="393"/>
                                         </p:tgtEl>
                                         <p:attrNameLst>
                                           <p:attrName>style.visibility</p:attrName>
@@ -20369,7 +20369,7 @@
                                       <p:cBhvr>
                                         <p:cTn id="11" dur="500"/>
                                         <p:tgtEl>
-                                          <p:spTgt spid="391"/>
+                                          <p:spTgt spid="393"/>
                                         </p:tgtEl>
                                       </p:cBhvr>
                                     </p:animEffect>
@@ -20404,8 +20404,8 @@
       </p:par>
     </p:tnLst>
     <p:bldLst>
-      <p:bldP build="whole" bldLvl="1" animBg="1" rev="0" advAuto="0" spid="390" grpId="1"/>
-      <p:bldP build="whole" bldLvl="1" animBg="1" rev="0" advAuto="0" spid="391" grpId="2"/>
+      <p:bldP build="whole" bldLvl="1" animBg="1" rev="0" advAuto="0" spid="392" grpId="1"/>
+      <p:bldP build="whole" bldLvl="1" animBg="1" rev="0" advAuto="0" spid="393" grpId="2"/>
     </p:bldLst>
   </p:timing>
 </p:sld>
@@ -20437,7 +20437,7 @@
       </p:grpSpPr>
       <p:sp>
         <p:nvSpPr>
-          <p:cNvPr id="396" name="首先是个协议"/>
+          <p:cNvPr id="398" name="首先是个协议"/>
           <p:cNvSpPr txBox="1"/>
           <p:nvPr/>
         </p:nvSpPr>
@@ -20485,7 +20485,7 @@
       </p:sp>
       <p:sp>
         <p:nvSpPr>
-          <p:cNvPr id="397" name="HTTP"/>
+          <p:cNvPr id="399" name="HTTP"/>
           <p:cNvSpPr/>
           <p:nvPr/>
         </p:nvSpPr>
@@ -20534,7 +20534,7 @@
       </p:sp>
       <p:sp>
         <p:nvSpPr>
-          <p:cNvPr id="398" name="Linux"/>
+          <p:cNvPr id="400" name="Linux"/>
           <p:cNvSpPr/>
           <p:nvPr/>
         </p:nvSpPr>
@@ -20583,7 +20583,7 @@
       </p:sp>
       <p:sp>
         <p:nvSpPr>
-          <p:cNvPr id="399" name="Windows"/>
+          <p:cNvPr id="401" name="Windows"/>
           <p:cNvSpPr/>
           <p:nvPr/>
         </p:nvSpPr>
@@ -20632,7 +20632,7 @@
       </p:sp>
       <p:sp>
         <p:nvSpPr>
-          <p:cNvPr id="400" name="Android"/>
+          <p:cNvPr id="402" name="Android"/>
           <p:cNvSpPr/>
           <p:nvPr/>
         </p:nvSpPr>
@@ -20681,7 +20681,7 @@
       </p:sp>
       <p:sp>
         <p:nvSpPr>
-          <p:cNvPr id="401" name="iOS"/>
+          <p:cNvPr id="403" name="iOS"/>
           <p:cNvSpPr/>
           <p:nvPr/>
         </p:nvSpPr>
@@ -20730,7 +20730,7 @@
       </p:sp>
       <p:sp>
         <p:nvSpPr>
-          <p:cNvPr id="402" name="如同HTTP协议可以再多个操作系统中实现"/>
+          <p:cNvPr id="404" name="如同HTTP协议可以再多个操作系统中实现"/>
           <p:cNvSpPr txBox="1"/>
           <p:nvPr/>
         </p:nvSpPr>
@@ -20775,7 +20775,7 @@
       </p:sp>
       <p:sp>
         <p:nvSpPr>
-          <p:cNvPr id="403" name="Chrome"/>
+          <p:cNvPr id="405" name="Chrome"/>
           <p:cNvSpPr/>
           <p:nvPr/>
         </p:nvSpPr>
@@ -20824,7 +20824,7 @@
       </p:sp>
       <p:sp>
         <p:nvSpPr>
-          <p:cNvPr id="404" name="Firefox"/>
+          <p:cNvPr id="406" name="Firefox"/>
           <p:cNvSpPr/>
           <p:nvPr/>
         </p:nvSpPr>
@@ -20873,7 +20873,7 @@
       </p:sp>
       <p:sp>
         <p:nvSpPr>
-          <p:cNvPr id="405" name="Safari"/>
+          <p:cNvPr id="407" name="Safari"/>
           <p:cNvSpPr/>
           <p:nvPr/>
         </p:nvSpPr>
@@ -20922,7 +20922,7 @@
       </p:sp>
       <p:sp>
         <p:nvSpPr>
-          <p:cNvPr id="406" name="IE"/>
+          <p:cNvPr id="408" name="IE"/>
           <p:cNvSpPr/>
           <p:nvPr/>
         </p:nvSpPr>
@@ -20971,7 +20971,7 @@
       </p:sp>
       <p:grpSp>
         <p:nvGrpSpPr>
-          <p:cNvPr id="409" name="Group"/>
+          <p:cNvPr id="411" name="Group"/>
           <p:cNvGrpSpPr/>
           <p:nvPr/>
         </p:nvGrpSpPr>
@@ -20985,7 +20985,7 @@
         </p:grpSpPr>
         <p:sp>
           <p:nvSpPr>
-            <p:cNvPr id="407" name="Loopring"/>
+            <p:cNvPr id="409" name="Loopring"/>
             <p:cNvSpPr txBox="1"/>
             <p:nvPr/>
           </p:nvSpPr>
@@ -21033,7 +21033,7 @@
         </p:sp>
         <p:sp>
           <p:nvSpPr>
-            <p:cNvPr id="408" name="去中心化代币交易所和协议"/>
+            <p:cNvPr id="410" name="去中心化代币交易所和协议"/>
             <p:cNvSpPr txBox="1"/>
             <p:nvPr/>
           </p:nvSpPr>
@@ -21126,7 +21126,7 @@
       </p:grpSpPr>
       <p:sp>
         <p:nvSpPr>
-          <p:cNvPr id="411" name="Loopring Protocol"/>
+          <p:cNvPr id="413" name="Loopring Protocol"/>
           <p:cNvSpPr/>
           <p:nvPr/>
         </p:nvSpPr>
@@ -21178,7 +21178,7 @@
       </p:sp>
       <p:sp>
         <p:nvSpPr>
-          <p:cNvPr id="412" name="Ethereum"/>
+          <p:cNvPr id="414" name="Ethereum"/>
           <p:cNvSpPr/>
           <p:nvPr/>
         </p:nvSpPr>
@@ -21227,7 +21227,7 @@
       </p:sp>
       <p:sp>
         <p:nvSpPr>
-          <p:cNvPr id="413" name="量子链QTUM"/>
+          <p:cNvPr id="415" name="量子链QTUM"/>
           <p:cNvSpPr/>
           <p:nvPr/>
         </p:nvSpPr>
@@ -21276,7 +21276,7 @@
       </p:sp>
       <p:sp>
         <p:nvSpPr>
-          <p:cNvPr id="414" name="EOS"/>
+          <p:cNvPr id="416" name="EOS"/>
           <p:cNvSpPr/>
           <p:nvPr/>
         </p:nvSpPr>
@@ -21325,7 +21325,7 @@
       </p:sp>
       <p:sp>
         <p:nvSpPr>
-          <p:cNvPr id="415" name="…"/>
+          <p:cNvPr id="417" name="…"/>
           <p:cNvSpPr/>
           <p:nvPr/>
         </p:nvSpPr>
@@ -21374,7 +21374,7 @@
       </p:sp>
       <p:sp>
         <p:nvSpPr>
-          <p:cNvPr id="416" name="Loopring也可以在多个支持智能合约的类ERC20代币的公有链上实现。"/>
+          <p:cNvPr id="418" name="Loopring也可以在多个支持智能合约的类ERC20代币的公有链上实现。"/>
           <p:cNvSpPr txBox="1"/>
           <p:nvPr/>
         </p:nvSpPr>
@@ -21419,7 +21419,7 @@
       </p:sp>
       <p:sp>
         <p:nvSpPr>
-          <p:cNvPr id="417" name="Loopring交易所"/>
+          <p:cNvPr id="419" name="Loopring交易所"/>
           <p:cNvSpPr/>
           <p:nvPr/>
         </p:nvSpPr>
@@ -21472,7 +21472,7 @@
       </p:sp>
       <p:sp>
         <p:nvSpPr>
-          <p:cNvPr id="418" name="其他交易所"/>
+          <p:cNvPr id="420" name="其他交易所"/>
           <p:cNvSpPr/>
           <p:nvPr/>
         </p:nvSpPr>
@@ -21524,7 +21524,7 @@
       </p:sp>
       <p:sp>
         <p:nvSpPr>
-          <p:cNvPr id="419" name="dApp2"/>
+          <p:cNvPr id="421" name="dApp2"/>
           <p:cNvSpPr/>
           <p:nvPr/>
         </p:nvSpPr>
@@ -21577,7 +21577,7 @@
       </p:sp>
       <p:sp>
         <p:nvSpPr>
-          <p:cNvPr id="420" name="首先是个协议"/>
+          <p:cNvPr id="422" name="首先是个协议"/>
           <p:cNvSpPr txBox="1"/>
           <p:nvPr/>
         </p:nvSpPr>
@@ -21625,7 +21625,7 @@
       </p:sp>
       <p:grpSp>
         <p:nvGrpSpPr>
-          <p:cNvPr id="423" name="Group"/>
+          <p:cNvPr id="425" name="Group"/>
           <p:cNvGrpSpPr/>
           <p:nvPr/>
         </p:nvGrpSpPr>
@@ -21639,7 +21639,7 @@
         </p:grpSpPr>
         <p:sp>
           <p:nvSpPr>
-            <p:cNvPr id="421" name="Loopring"/>
+            <p:cNvPr id="423" name="Loopring"/>
             <p:cNvSpPr txBox="1"/>
             <p:nvPr/>
           </p:nvSpPr>
@@ -21687,7 +21687,7 @@
         </p:sp>
         <p:sp>
           <p:nvSpPr>
-            <p:cNvPr id="422" name="去中心化代币交易所和协议"/>
+            <p:cNvPr id="424" name="去中心化代币交易所和协议"/>
             <p:cNvSpPr txBox="1"/>
             <p:nvPr/>
           </p:nvSpPr>
@@ -21780,7 +21780,7 @@
       </p:grpSpPr>
       <p:grpSp>
         <p:nvGrpSpPr>
-          <p:cNvPr id="427" name="Group"/>
+          <p:cNvPr id="429" name="Group"/>
           <p:cNvGrpSpPr/>
           <p:nvPr/>
         </p:nvGrpSpPr>
@@ -21794,7 +21794,7 @@
         </p:grpSpPr>
         <p:sp>
           <p:nvSpPr>
-            <p:cNvPr id="425" name="目标1. 协议验证和落地示范"/>
+            <p:cNvPr id="427" name="目标1. 协议验证和落地示范"/>
             <p:cNvSpPr txBox="1"/>
             <p:nvPr/>
           </p:nvSpPr>
@@ -21842,7 +21842,7 @@
         </p:sp>
         <p:sp>
           <p:nvSpPr>
-            <p:cNvPr id="426" name="我们的交易所将是协议的第一个应用。我们将向社区证明去中心化交易所在效率和安全性方面可以有兼而有之的解决方案。…"/>
+            <p:cNvPr id="428" name="我们的交易所将是协议的第一个应用。我们将向社区证明去中心化交易所在效率和安全性方面可以有兼而有之的解决方案。…"/>
             <p:cNvSpPr txBox="1"/>
             <p:nvPr/>
           </p:nvSpPr>
@@ -21919,7 +21919,7 @@
       </p:grpSp>
       <p:grpSp>
         <p:nvGrpSpPr>
-          <p:cNvPr id="430" name="Group"/>
+          <p:cNvPr id="432" name="Group"/>
           <p:cNvGrpSpPr/>
           <p:nvPr/>
         </p:nvGrpSpPr>
@@ -21933,7 +21933,7 @@
         </p:grpSpPr>
         <p:sp>
           <p:nvSpPr>
-            <p:cNvPr id="428" name="目标2. 验证环路发现算法"/>
+            <p:cNvPr id="430" name="目标2. 验证环路发现算法"/>
             <p:cNvSpPr txBox="1"/>
             <p:nvPr/>
           </p:nvSpPr>
@@ -21981,7 +21981,7 @@
         </p:sp>
         <p:sp>
           <p:nvSpPr>
-            <p:cNvPr id="429" name="线下撮合的效率对于交易所之间的竞争异常重要。我们预见未来交易所的主要竞争力不是用户数，而是撮合能力。"/>
+            <p:cNvPr id="431" name="线下撮合的效率对于交易所之间的竞争异常重要。我们预见未来交易所的主要竞争力不是用户数，而是撮合能力。"/>
             <p:cNvSpPr txBox="1"/>
             <p:nvPr/>
           </p:nvSpPr>
@@ -22030,7 +22030,7 @@
       </p:grpSp>
       <p:grpSp>
         <p:nvGrpSpPr>
-          <p:cNvPr id="433" name="Group"/>
+          <p:cNvPr id="435" name="Group"/>
           <p:cNvGrpSpPr/>
           <p:nvPr/>
         </p:nvGrpSpPr>
@@ -22044,7 +22044,7 @@
         </p:grpSpPr>
         <p:sp>
           <p:nvSpPr>
-            <p:cNvPr id="431" name="目标3. 为以太坊ICO生态提供流动性"/>
+            <p:cNvPr id="433" name="目标3. 为以太坊ICO生态提供流动性"/>
             <p:cNvSpPr txBox="1"/>
             <p:nvPr/>
           </p:nvSpPr>
@@ -22092,7 +22092,7 @@
         </p:sp>
         <p:sp>
           <p:nvSpPr>
-            <p:cNvPr id="432" name="有了我们的交易所，任何基于ETH的ICO代币都可以第一时间与ETH及其他ERC20代币做交换。"/>
+            <p:cNvPr id="434" name="有了我们的交易所，任何基于ETH的ICO代币都可以第一时间与ETH及其他ERC20代币做交换。"/>
             <p:cNvSpPr txBox="1"/>
             <p:nvPr/>
           </p:nvSpPr>
@@ -22141,7 +22141,7 @@
       </p:grpSp>
       <p:sp>
         <p:nvSpPr>
-          <p:cNvPr id="434" name="也是个交易所"/>
+          <p:cNvPr id="436" name="也是个交易所"/>
           <p:cNvSpPr txBox="1"/>
           <p:nvPr/>
         </p:nvSpPr>
@@ -22189,7 +22189,7 @@
       </p:sp>
       <p:grpSp>
         <p:nvGrpSpPr>
-          <p:cNvPr id="437" name="Group"/>
+          <p:cNvPr id="439" name="Group"/>
           <p:cNvGrpSpPr/>
           <p:nvPr/>
         </p:nvGrpSpPr>
@@ -22203,7 +22203,7 @@
         </p:grpSpPr>
         <p:sp>
           <p:nvSpPr>
-            <p:cNvPr id="435" name="Loopring"/>
+            <p:cNvPr id="437" name="Loopring"/>
             <p:cNvSpPr txBox="1"/>
             <p:nvPr/>
           </p:nvSpPr>
@@ -22251,7 +22251,7 @@
         </p:sp>
         <p:sp>
           <p:nvSpPr>
-            <p:cNvPr id="436" name="去中心化代币交易所和协议"/>
+            <p:cNvPr id="438" name="去中心化代币交易所和协议"/>
             <p:cNvSpPr txBox="1"/>
             <p:nvPr/>
           </p:nvSpPr>
@@ -22337,7 +22337,7 @@
                                       <p:cBhvr>
                                         <p:cTn id="6" fill="hold"/>
                                         <p:tgtEl>
-                                          <p:spTgt spid="427"/>
+                                          <p:spTgt spid="429"/>
                                         </p:tgtEl>
                                         <p:attrNameLst>
                                           <p:attrName>style.visibility</p:attrName>
@@ -22351,7 +22351,7 @@
                                       <p:cBhvr>
                                         <p:cTn id="7" dur="500"/>
                                         <p:tgtEl>
-                                          <p:spTgt spid="427"/>
+                                          <p:spTgt spid="429"/>
                                         </p:tgtEl>
                                       </p:cBhvr>
                                     </p:animEffect>
@@ -22389,7 +22389,7 @@
                                       <p:cBhvr>
                                         <p:cTn id="11" fill="hold"/>
                                         <p:tgtEl>
-                                          <p:spTgt spid="430"/>
+                                          <p:spTgt spid="432"/>
                                         </p:tgtEl>
                                         <p:attrNameLst>
                                           <p:attrName>style.visibility</p:attrName>
@@ -22403,7 +22403,7 @@
                                       <p:cBhvr>
                                         <p:cTn id="12" dur="500"/>
                                         <p:tgtEl>
-                                          <p:spTgt spid="430"/>
+                                          <p:spTgt spid="432"/>
                                         </p:tgtEl>
                                       </p:cBhvr>
                                     </p:animEffect>
@@ -22441,7 +22441,7 @@
                                       <p:cBhvr>
                                         <p:cTn id="16" fill="hold"/>
                                         <p:tgtEl>
-                                          <p:spTgt spid="433"/>
+                                          <p:spTgt spid="435"/>
                                         </p:tgtEl>
                                         <p:attrNameLst>
                                           <p:attrName>style.visibility</p:attrName>
@@ -22455,7 +22455,7 @@
                                       <p:cBhvr>
                                         <p:cTn id="17" dur="500"/>
                                         <p:tgtEl>
-                                          <p:spTgt spid="433"/>
+                                          <p:spTgt spid="435"/>
                                         </p:tgtEl>
                                       </p:cBhvr>
                                     </p:animEffect>
@@ -22490,9 +22490,9 @@
       </p:par>
     </p:tnLst>
     <p:bldLst>
-      <p:bldP build="whole" bldLvl="1" animBg="1" rev="0" advAuto="0" spid="430" grpId="2"/>
-      <p:bldP build="whole" bldLvl="1" animBg="1" rev="0" advAuto="0" spid="427" grpId="1"/>
-      <p:bldP build="whole" bldLvl="1" animBg="1" rev="0" advAuto="0" spid="433" grpId="3"/>
+      <p:bldP build="whole" bldLvl="1" animBg="1" rev="0" advAuto="0" spid="435" grpId="3"/>
+      <p:bldP build="whole" bldLvl="1" animBg="1" rev="0" advAuto="0" spid="429" grpId="1"/>
+      <p:bldP build="whole" bldLvl="1" animBg="1" rev="0" advAuto="0" spid="432" grpId="2"/>
     </p:bldLst>
   </p:timing>
 </p:sld>
@@ -22524,7 +22524,7 @@
       </p:grpSpPr>
       <p:sp>
         <p:nvSpPr>
-          <p:cNvPr id="439" name="Group"/>
+          <p:cNvPr id="441" name="Group"/>
           <p:cNvSpPr txBox="1"/>
           <p:nvPr/>
         </p:nvSpPr>
@@ -22572,14 +22572,14 @@
       </p:sp>
       <p:sp>
         <p:nvSpPr>
-          <p:cNvPr id="440" name="Ethereum"/>
+          <p:cNvPr id="442" name="Ethereum"/>
           <p:cNvSpPr/>
           <p:nvPr/>
         </p:nvSpPr>
         <p:spPr>
           <a:xfrm>
-            <a:off x="5984946" y="3127621"/>
-            <a:ext cx="12575781" cy="1688816"/>
+            <a:off x="5984947" y="3127621"/>
+            <a:ext cx="12575780" cy="1688817"/>
           </a:xfrm>
           <a:prstGeom prst="rect">
             <a:avLst/>
@@ -22621,7 +22621,7 @@
       </p:sp>
       <p:grpSp>
         <p:nvGrpSpPr>
-          <p:cNvPr id="444" name="Group"/>
+          <p:cNvPr id="446" name="Group"/>
           <p:cNvGrpSpPr/>
           <p:nvPr/>
         </p:nvGrpSpPr>
@@ -22630,12 +22630,12 @@
             <a:off x="5984947" y="5127662"/>
             <a:ext cx="12574690" cy="946076"/>
             <a:chOff x="0" y="0"/>
-            <a:chExt cx="12574689" cy="946074"/>
+            <a:chExt cx="12574688" cy="946074"/>
           </a:xfrm>
         </p:grpSpPr>
         <p:sp>
           <p:nvSpPr>
-            <p:cNvPr id="441" name="钱包"/>
+            <p:cNvPr id="443" name="钱包"/>
             <p:cNvSpPr/>
             <p:nvPr/>
           </p:nvSpPr>
@@ -22688,7 +22688,7 @@
         </p:sp>
         <p:sp>
           <p:nvSpPr>
-            <p:cNvPr id="442" name="钱包"/>
+            <p:cNvPr id="444" name="钱包"/>
             <p:cNvSpPr/>
             <p:nvPr/>
           </p:nvSpPr>
@@ -22741,14 +22741,14 @@
         </p:sp>
         <p:sp>
           <p:nvSpPr>
-            <p:cNvPr id="443" name="钱包"/>
+            <p:cNvPr id="445" name="钱包"/>
             <p:cNvSpPr/>
             <p:nvPr/>
           </p:nvSpPr>
           <p:spPr>
             <a:xfrm>
               <a:off x="8915400" y="0"/>
-              <a:ext cx="3659290" cy="946075"/>
+              <a:ext cx="3659289" cy="946075"/>
             </a:xfrm>
             <a:prstGeom prst="rect">
               <a:avLst/>
@@ -22795,21 +22795,21 @@
       </p:grpSp>
       <p:grpSp>
         <p:nvGrpSpPr>
-          <p:cNvPr id="448" name="Group"/>
+          <p:cNvPr id="450" name="Group"/>
           <p:cNvGrpSpPr/>
           <p:nvPr/>
         </p:nvGrpSpPr>
         <p:grpSpPr>
           <a:xfrm>
             <a:off x="5985492" y="10880762"/>
-            <a:ext cx="12574689" cy="946076"/>
+            <a:ext cx="12574690" cy="946076"/>
             <a:chOff x="0" y="0"/>
             <a:chExt cx="12574688" cy="946074"/>
           </a:xfrm>
         </p:grpSpPr>
         <p:sp>
           <p:nvSpPr>
-            <p:cNvPr id="445" name="撮合服务"/>
+            <p:cNvPr id="447" name="撮合服务"/>
             <p:cNvSpPr/>
             <p:nvPr/>
           </p:nvSpPr>
@@ -22862,7 +22862,7 @@
         </p:sp>
         <p:sp>
           <p:nvSpPr>
-            <p:cNvPr id="446" name="撮合服务"/>
+            <p:cNvPr id="448" name="撮合服务"/>
             <p:cNvSpPr/>
             <p:nvPr/>
           </p:nvSpPr>
@@ -22915,14 +22915,14 @@
         </p:sp>
         <p:sp>
           <p:nvSpPr>
-            <p:cNvPr id="447" name="撮合服务"/>
+            <p:cNvPr id="449" name="撮合服务"/>
             <p:cNvSpPr/>
             <p:nvPr/>
           </p:nvSpPr>
           <p:spPr>
             <a:xfrm>
-              <a:off x="8915399" y="0"/>
-              <a:ext cx="3659290" cy="946075"/>
+              <a:off x="8915400" y="0"/>
+              <a:ext cx="3659289" cy="946075"/>
             </a:xfrm>
             <a:prstGeom prst="rect">
               <a:avLst/>
@@ -22969,7 +22969,7 @@
       </p:grpSp>
       <p:grpSp>
         <p:nvGrpSpPr>
-          <p:cNvPr id="459" name="Group"/>
+          <p:cNvPr id="461" name="Group"/>
           <p:cNvGrpSpPr/>
           <p:nvPr/>
         </p:nvGrpSpPr>
@@ -22983,7 +22983,7 @@
         </p:grpSpPr>
         <p:sp>
           <p:nvSpPr>
-            <p:cNvPr id="449" name="IPFS/SWARM/HTTP/P2P"/>
+            <p:cNvPr id="451" name="IPFS/SWARM/HTTP/P2P"/>
             <p:cNvSpPr/>
             <p:nvPr/>
           </p:nvSpPr>
@@ -23036,7 +23036,7 @@
         </p:sp>
         <p:grpSp>
           <p:nvGrpSpPr>
-            <p:cNvPr id="458" name="Group"/>
+            <p:cNvPr id="460" name="Group"/>
             <p:cNvGrpSpPr/>
             <p:nvPr/>
           </p:nvGrpSpPr>
@@ -23050,7 +23050,7 @@
           </p:grpSpPr>
           <p:sp>
             <p:nvSpPr>
-              <p:cNvPr id="450" name="Line"/>
+              <p:cNvPr id="452" name="Line"/>
               <p:cNvSpPr/>
               <p:nvPr/>
             </p:nvSpPr>
@@ -23058,96 +23058,6 @@
               <a:xfrm flipH="1">
                 <a:off x="-1" y="0"/>
                 <a:ext cx="2" cy="602966"/>
-              </a:xfrm>
-              <a:prstGeom prst="line">
-                <a:avLst/>
-              </a:prstGeom>
-              <a:noFill/>
-              <a:ln w="50800" cap="flat">
-                <a:solidFill>
-                  <a:srgbClr val="FFFFFF"/>
-                </a:solidFill>
-                <a:prstDash val="solid"/>
-                <a:miter lim="400000"/>
-                <a:tailEnd type="triangle" w="med" len="med"/>
-              </a:ln>
-              <a:effectLst/>
-            </p:spPr>
-            <p:txBody>
-              <a:bodyPr wrap="square" lIns="71437" tIns="71437" rIns="71437" bIns="71437" numCol="1" anchor="ctr">
-                <a:noAutofit/>
-              </a:bodyPr>
-              <a:lstStyle/>
-              <a:p>
-                <a:pPr algn="l">
-                  <a:defRPr sz="4800">
-                    <a:solidFill>
-                      <a:schemeClr val="accent6"/>
-                    </a:solidFill>
-                    <a:latin typeface="Roboto Black"/>
-                    <a:ea typeface="Roboto Black"/>
-                    <a:cs typeface="Roboto Black"/>
-                    <a:sym typeface="Roboto Black"/>
-                  </a:defRPr>
-                </a:pPr>
-              </a:p>
-            </p:txBody>
-          </p:sp>
-          <p:sp>
-            <p:nvSpPr>
-              <p:cNvPr id="451" name="Line"/>
-              <p:cNvSpPr/>
-              <p:nvPr/>
-            </p:nvSpPr>
-            <p:spPr>
-              <a:xfrm>
-                <a:off x="1710196" y="36531"/>
-                <a:ext cx="1" cy="602967"/>
-              </a:xfrm>
-              <a:prstGeom prst="line">
-                <a:avLst/>
-              </a:prstGeom>
-              <a:noFill/>
-              <a:ln w="50800" cap="flat">
-                <a:solidFill>
-                  <a:srgbClr val="FFFFFF"/>
-                </a:solidFill>
-                <a:prstDash val="solid"/>
-                <a:miter lim="400000"/>
-                <a:tailEnd type="triangle" w="med" len="med"/>
-              </a:ln>
-              <a:effectLst/>
-            </p:spPr>
-            <p:txBody>
-              <a:bodyPr wrap="square" lIns="71437" tIns="71437" rIns="71437" bIns="71437" numCol="1" anchor="ctr">
-                <a:noAutofit/>
-              </a:bodyPr>
-              <a:lstStyle/>
-              <a:p>
-                <a:pPr algn="l">
-                  <a:defRPr sz="4800">
-                    <a:solidFill>
-                      <a:schemeClr val="accent6"/>
-                    </a:solidFill>
-                    <a:latin typeface="Roboto Black"/>
-                    <a:ea typeface="Roboto Black"/>
-                    <a:cs typeface="Roboto Black"/>
-                    <a:sym typeface="Roboto Black"/>
-                  </a:defRPr>
-                </a:pPr>
-              </a:p>
-            </p:txBody>
-          </p:sp>
-          <p:sp>
-            <p:nvSpPr>
-              <p:cNvPr id="452" name="Line"/>
-              <p:cNvSpPr/>
-              <p:nvPr/>
-            </p:nvSpPr>
-            <p:spPr>
-              <a:xfrm>
-                <a:off x="3420391" y="36531"/>
-                <a:ext cx="1" cy="602967"/>
               </a:xfrm>
               <a:prstGeom prst="line">
                 <a:avLst/>
@@ -23191,7 +23101,7 @@
             </p:nvSpPr>
             <p:spPr>
               <a:xfrm>
-                <a:off x="5105187" y="36531"/>
+                <a:off x="1710196" y="36531"/>
                 <a:ext cx="1" cy="602967"/>
               </a:xfrm>
               <a:prstGeom prst="line">
@@ -23236,7 +23146,7 @@
             </p:nvSpPr>
             <p:spPr>
               <a:xfrm>
-                <a:off x="6802682" y="36531"/>
+                <a:off x="3420391" y="36531"/>
                 <a:ext cx="1" cy="602967"/>
               </a:xfrm>
               <a:prstGeom prst="line">
@@ -23281,7 +23191,7 @@
             </p:nvSpPr>
             <p:spPr>
               <a:xfrm>
-                <a:off x="8500179" y="36531"/>
+                <a:off x="5105187" y="36531"/>
                 <a:ext cx="1" cy="602967"/>
               </a:xfrm>
               <a:prstGeom prst="line">
@@ -23326,7 +23236,7 @@
             </p:nvSpPr>
             <p:spPr>
               <a:xfrm>
-                <a:off x="10184974" y="36531"/>
+                <a:off x="6802682" y="36531"/>
                 <a:ext cx="1" cy="602967"/>
               </a:xfrm>
               <a:prstGeom prst="line">
@@ -23371,6 +23281,96 @@
             </p:nvSpPr>
             <p:spPr>
               <a:xfrm>
+                <a:off x="8500179" y="36531"/>
+                <a:ext cx="1" cy="602967"/>
+              </a:xfrm>
+              <a:prstGeom prst="line">
+                <a:avLst/>
+              </a:prstGeom>
+              <a:noFill/>
+              <a:ln w="50800" cap="flat">
+                <a:solidFill>
+                  <a:srgbClr val="FFFFFF"/>
+                </a:solidFill>
+                <a:prstDash val="solid"/>
+                <a:miter lim="400000"/>
+                <a:tailEnd type="triangle" w="med" len="med"/>
+              </a:ln>
+              <a:effectLst/>
+            </p:spPr>
+            <p:txBody>
+              <a:bodyPr wrap="square" lIns="71437" tIns="71437" rIns="71437" bIns="71437" numCol="1" anchor="ctr">
+                <a:noAutofit/>
+              </a:bodyPr>
+              <a:lstStyle/>
+              <a:p>
+                <a:pPr algn="l">
+                  <a:defRPr sz="4800">
+                    <a:solidFill>
+                      <a:schemeClr val="accent6"/>
+                    </a:solidFill>
+                    <a:latin typeface="Roboto Black"/>
+                    <a:ea typeface="Roboto Black"/>
+                    <a:cs typeface="Roboto Black"/>
+                    <a:sym typeface="Roboto Black"/>
+                  </a:defRPr>
+                </a:pPr>
+              </a:p>
+            </p:txBody>
+          </p:sp>
+          <p:sp>
+            <p:nvSpPr>
+              <p:cNvPr id="458" name="Line"/>
+              <p:cNvSpPr/>
+              <p:nvPr/>
+            </p:nvSpPr>
+            <p:spPr>
+              <a:xfrm>
+                <a:off x="10184974" y="36531"/>
+                <a:ext cx="1" cy="602967"/>
+              </a:xfrm>
+              <a:prstGeom prst="line">
+                <a:avLst/>
+              </a:prstGeom>
+              <a:noFill/>
+              <a:ln w="50800" cap="flat">
+                <a:solidFill>
+                  <a:srgbClr val="FFFFFF"/>
+                </a:solidFill>
+                <a:prstDash val="solid"/>
+                <a:miter lim="400000"/>
+                <a:tailEnd type="triangle" w="med" len="med"/>
+              </a:ln>
+              <a:effectLst/>
+            </p:spPr>
+            <p:txBody>
+              <a:bodyPr wrap="square" lIns="71437" tIns="71437" rIns="71437" bIns="71437" numCol="1" anchor="ctr">
+                <a:noAutofit/>
+              </a:bodyPr>
+              <a:lstStyle/>
+              <a:p>
+                <a:pPr algn="l">
+                  <a:defRPr sz="4800">
+                    <a:solidFill>
+                      <a:schemeClr val="accent6"/>
+                    </a:solidFill>
+                    <a:latin typeface="Roboto Black"/>
+                    <a:ea typeface="Roboto Black"/>
+                    <a:cs typeface="Roboto Black"/>
+                    <a:sym typeface="Roboto Black"/>
+                  </a:defRPr>
+                </a:pPr>
+              </a:p>
+            </p:txBody>
+          </p:sp>
+          <p:sp>
+            <p:nvSpPr>
+              <p:cNvPr id="459" name="Line"/>
+              <p:cNvSpPr/>
+              <p:nvPr/>
+            </p:nvSpPr>
+            <p:spPr>
+              <a:xfrm>
                 <a:off x="11869769" y="36531"/>
                 <a:ext cx="1" cy="602967"/>
               </a:xfrm>
@@ -23412,21 +23412,21 @@
       </p:grpSp>
       <p:grpSp>
         <p:nvGrpSpPr>
-          <p:cNvPr id="476" name="Group"/>
+          <p:cNvPr id="478" name="Group"/>
           <p:cNvGrpSpPr/>
           <p:nvPr/>
         </p:nvGrpSpPr>
         <p:grpSpPr>
           <a:xfrm>
             <a:off x="5615764" y="6182702"/>
-            <a:ext cx="13152472" cy="1938948"/>
+            <a:ext cx="13152473" cy="1938948"/>
             <a:chOff x="0" y="0"/>
             <a:chExt cx="13152471" cy="1938947"/>
           </a:xfrm>
         </p:grpSpPr>
         <p:sp>
           <p:nvSpPr>
-            <p:cNvPr id="460" name="订单"/>
+            <p:cNvPr id="462" name="订单"/>
             <p:cNvSpPr/>
             <p:nvPr/>
           </p:nvSpPr>
@@ -23486,7 +23486,7 @@
         </p:sp>
         <p:sp>
           <p:nvSpPr>
-            <p:cNvPr id="461" name="订单"/>
+            <p:cNvPr id="463" name="订单"/>
             <p:cNvSpPr/>
             <p:nvPr/>
           </p:nvSpPr>
@@ -23546,7 +23546,7 @@
         </p:sp>
         <p:sp>
           <p:nvSpPr>
-            <p:cNvPr id="462" name="订单"/>
+            <p:cNvPr id="464" name="订单"/>
             <p:cNvSpPr/>
             <p:nvPr/>
           </p:nvSpPr>
@@ -23606,7 +23606,7 @@
         </p:sp>
         <p:sp>
           <p:nvSpPr>
-            <p:cNvPr id="463" name="订单"/>
+            <p:cNvPr id="465" name="订单"/>
             <p:cNvSpPr/>
             <p:nvPr/>
           </p:nvSpPr>
@@ -23666,13 +23666,13 @@
         </p:sp>
         <p:sp>
           <p:nvSpPr>
-            <p:cNvPr id="464" name="订单"/>
+            <p:cNvPr id="466" name="订单"/>
             <p:cNvSpPr/>
             <p:nvPr/>
           </p:nvSpPr>
           <p:spPr>
             <a:xfrm>
-              <a:off x="8487479" y="668947"/>
+              <a:off x="8487480" y="668947"/>
               <a:ext cx="1270001" cy="1270001"/>
             </a:xfrm>
             <a:prstGeom prst="ellipse">
@@ -23726,7 +23726,7 @@
         </p:sp>
         <p:sp>
           <p:nvSpPr>
-            <p:cNvPr id="465" name="订单"/>
+            <p:cNvPr id="467" name="订单"/>
             <p:cNvSpPr/>
             <p:nvPr/>
           </p:nvSpPr>
@@ -23786,13 +23786,13 @@
         </p:sp>
         <p:sp>
           <p:nvSpPr>
-            <p:cNvPr id="466" name="订单"/>
+            <p:cNvPr id="468" name="订单"/>
             <p:cNvSpPr/>
             <p:nvPr/>
           </p:nvSpPr>
           <p:spPr>
             <a:xfrm>
-              <a:off x="10184974" y="668947"/>
+              <a:off x="10184975" y="668947"/>
               <a:ext cx="1270001" cy="1270001"/>
             </a:xfrm>
             <a:prstGeom prst="ellipse">
@@ -23846,7 +23846,7 @@
         </p:sp>
         <p:sp>
           <p:nvSpPr>
-            <p:cNvPr id="467" name="订单"/>
+            <p:cNvPr id="469" name="订单"/>
             <p:cNvSpPr/>
             <p:nvPr/>
           </p:nvSpPr>
@@ -23906,7 +23906,7 @@
         </p:sp>
         <p:sp>
           <p:nvSpPr>
-            <p:cNvPr id="468" name="Line"/>
+            <p:cNvPr id="470" name="Line"/>
             <p:cNvSpPr/>
             <p:nvPr/>
           </p:nvSpPr>
@@ -23951,7 +23951,7 @@
         </p:sp>
         <p:sp>
           <p:nvSpPr>
-            <p:cNvPr id="469" name="Line"/>
+            <p:cNvPr id="471" name="Line"/>
             <p:cNvSpPr/>
             <p:nvPr/>
           </p:nvSpPr>
@@ -23996,7 +23996,7 @@
         </p:sp>
         <p:sp>
           <p:nvSpPr>
-            <p:cNvPr id="470" name="Line"/>
+            <p:cNvPr id="472" name="Line"/>
             <p:cNvSpPr/>
             <p:nvPr/>
           </p:nvSpPr>
@@ -24041,7 +24041,7 @@
         </p:sp>
         <p:sp>
           <p:nvSpPr>
-            <p:cNvPr id="471" name="Line"/>
+            <p:cNvPr id="473" name="Line"/>
             <p:cNvSpPr/>
             <p:nvPr/>
           </p:nvSpPr>
@@ -24086,7 +24086,7 @@
         </p:sp>
         <p:sp>
           <p:nvSpPr>
-            <p:cNvPr id="472" name="Line"/>
+            <p:cNvPr id="474" name="Line"/>
             <p:cNvSpPr/>
             <p:nvPr/>
           </p:nvSpPr>
@@ -24131,13 +24131,13 @@
         </p:sp>
         <p:sp>
           <p:nvSpPr>
-            <p:cNvPr id="473" name="Line"/>
+            <p:cNvPr id="475" name="Line"/>
             <p:cNvSpPr/>
             <p:nvPr/>
           </p:nvSpPr>
           <p:spPr>
             <a:xfrm>
-              <a:off x="9141530" y="36532"/>
+              <a:off x="9141531" y="36532"/>
               <a:ext cx="1" cy="602967"/>
             </a:xfrm>
             <a:prstGeom prst="line">
@@ -24176,7 +24176,7 @@
         </p:sp>
         <p:sp>
           <p:nvSpPr>
-            <p:cNvPr id="474" name="Line"/>
+            <p:cNvPr id="476" name="Line"/>
             <p:cNvSpPr/>
             <p:nvPr/>
           </p:nvSpPr>
@@ -24221,7 +24221,7 @@
         </p:sp>
         <p:sp>
           <p:nvSpPr>
-            <p:cNvPr id="475" name="Line"/>
+            <p:cNvPr id="477" name="Line"/>
             <p:cNvSpPr/>
             <p:nvPr/>
           </p:nvSpPr>
@@ -24267,7 +24267,7 @@
       </p:grpSp>
       <p:grpSp>
         <p:nvGrpSpPr>
-          <p:cNvPr id="482" name="Group"/>
+          <p:cNvPr id="484" name="Group"/>
           <p:cNvGrpSpPr/>
           <p:nvPr/>
         </p:nvGrpSpPr>
@@ -24281,7 +24281,7 @@
         </p:grpSpPr>
         <p:sp>
           <p:nvSpPr>
-            <p:cNvPr id="484" name="Connection Line"/>
+            <p:cNvPr id="486" name="Connection Line"/>
             <p:cNvSpPr/>
             <p:nvPr/>
           </p:nvSpPr>
@@ -24347,7 +24347,7 @@
         </p:sp>
         <p:grpSp>
           <p:nvGrpSpPr>
-            <p:cNvPr id="481" name="Group"/>
+            <p:cNvPr id="483" name="Group"/>
             <p:cNvGrpSpPr/>
             <p:nvPr/>
           </p:nvGrpSpPr>
@@ -24361,7 +24361,7 @@
           </p:grpSpPr>
           <p:sp>
             <p:nvSpPr>
-              <p:cNvPr id="478" name="Circle"/>
+              <p:cNvPr id="480" name="Circle"/>
               <p:cNvSpPr/>
               <p:nvPr/>
             </p:nvSpPr>
@@ -24415,7 +24415,7 @@
           </p:sp>
           <p:sp>
             <p:nvSpPr>
-              <p:cNvPr id="479" name="Circle"/>
+              <p:cNvPr id="481" name="Circle"/>
               <p:cNvSpPr/>
               <p:nvPr/>
             </p:nvSpPr>
@@ -24469,7 +24469,7 @@
           </p:sp>
           <p:sp>
             <p:nvSpPr>
-              <p:cNvPr id="480" name="Circle"/>
+              <p:cNvPr id="482" name="Circle"/>
               <p:cNvSpPr/>
               <p:nvPr/>
             </p:nvSpPr>
@@ -24525,7 +24525,7 @@
       </p:grpSp>
       <p:sp>
         <p:nvSpPr>
-          <p:cNvPr id="483" name="资产代币化…"/>
+          <p:cNvPr id="485" name="资产代币化…"/>
           <p:cNvSpPr/>
           <p:nvPr/>
         </p:nvSpPr>
@@ -24604,7 +24604,7 @@
   </p:clrMapOvr>
   <mc:AlternateContent xmlns:mc="http://schemas.openxmlformats.org/markup-compatibility/2006">
     <mc:Choice xmlns:p14="http://schemas.microsoft.com/office/powerpoint/2010/main" Requires="p14">
-      <p:transition spd="fast" advClick="1" p14:dur="700">
+      <p:transition spd="fast" advClick="1" p14:dur="699">
         <p:cover dir="u"/>
       </p:transition>
     </mc:Choice>
@@ -24647,7 +24647,7 @@
                                       <p:cBhvr>
                                         <p:cTn id="6" fill="hold"/>
                                         <p:tgtEl>
-                                          <p:spTgt spid="444"/>
+                                          <p:spTgt spid="446"/>
                                         </p:tgtEl>
                                         <p:attrNameLst>
                                           <p:attrName>style.visibility</p:attrName>
@@ -24661,7 +24661,7 @@
                                       <p:cBhvr>
                                         <p:cTn id="7" dur="500"/>
                                         <p:tgtEl>
-                                          <p:spTgt spid="444"/>
+                                          <p:spTgt spid="446"/>
                                         </p:tgtEl>
                                       </p:cBhvr>
                                     </p:animEffect>
@@ -24699,7 +24699,7 @@
                                       <p:cBhvr>
                                         <p:cTn id="11" fill="hold"/>
                                         <p:tgtEl>
-                                          <p:spTgt spid="476"/>
+                                          <p:spTgt spid="478"/>
                                         </p:tgtEl>
                                         <p:attrNameLst>
                                           <p:attrName>style.visibility</p:attrName>
@@ -24713,7 +24713,7 @@
                                       <p:cBhvr>
                                         <p:cTn id="12" dur="500"/>
                                         <p:tgtEl>
-                                          <p:spTgt spid="476"/>
+                                          <p:spTgt spid="478"/>
                                         </p:tgtEl>
                                       </p:cBhvr>
                                     </p:animEffect>
@@ -24751,7 +24751,7 @@
                                       <p:cBhvr>
                                         <p:cTn id="16" fill="hold"/>
                                         <p:tgtEl>
-                                          <p:spTgt spid="459"/>
+                                          <p:spTgt spid="461"/>
                                         </p:tgtEl>
                                         <p:attrNameLst>
                                           <p:attrName>style.visibility</p:attrName>
@@ -24765,7 +24765,7 @@
                                       <p:cBhvr>
                                         <p:cTn id="17" dur="500"/>
                                         <p:tgtEl>
-                                          <p:spTgt spid="459"/>
+                                          <p:spTgt spid="461"/>
                                         </p:tgtEl>
                                       </p:cBhvr>
                                     </p:animEffect>
@@ -24803,7 +24803,7 @@
                                       <p:cBhvr>
                                         <p:cTn id="21" fill="hold"/>
                                         <p:tgtEl>
-                                          <p:spTgt spid="448"/>
+                                          <p:spTgt spid="450"/>
                                         </p:tgtEl>
                                         <p:attrNameLst>
                                           <p:attrName>style.visibility</p:attrName>
@@ -24817,7 +24817,7 @@
                                       <p:cBhvr>
                                         <p:cTn id="22" dur="500"/>
                                         <p:tgtEl>
-                                          <p:spTgt spid="448"/>
+                                          <p:spTgt spid="450"/>
                                         </p:tgtEl>
                                       </p:cBhvr>
                                     </p:animEffect>
@@ -24855,7 +24855,7 @@
                                       <p:cBhvr>
                                         <p:cTn id="26" fill="hold"/>
                                         <p:tgtEl>
-                                          <p:spTgt spid="482"/>
+                                          <p:spTgt spid="484"/>
                                         </p:tgtEl>
                                         <p:attrNameLst>
                                           <p:attrName>style.visibility</p:attrName>
@@ -24869,7 +24869,7 @@
                                       <p:cBhvr>
                                         <p:cTn id="27" dur="1000"/>
                                         <p:tgtEl>
-                                          <p:spTgt spid="482"/>
+                                          <p:spTgt spid="484"/>
                                         </p:tgtEl>
                                       </p:cBhvr>
                                     </p:animEffect>
@@ -24904,11 +24904,11 @@
       </p:par>
     </p:tnLst>
     <p:bldLst>
-      <p:bldP build="whole" bldLvl="1" animBg="1" rev="0" advAuto="0" spid="476" grpId="2"/>
-      <p:bldP build="whole" bldLvl="1" animBg="1" rev="0" advAuto="0" spid="448" grpId="4"/>
-      <p:bldP build="whole" bldLvl="1" animBg="1" rev="0" advAuto="0" spid="482" grpId="5"/>
-      <p:bldP build="whole" bldLvl="1" animBg="1" rev="0" advAuto="0" spid="459" grpId="3"/>
-      <p:bldP build="whole" bldLvl="1" animBg="1" rev="0" advAuto="0" spid="444" grpId="1"/>
+      <p:bldP build="whole" bldLvl="1" animBg="1" rev="0" advAuto="0" spid="446" grpId="1"/>
+      <p:bldP build="whole" bldLvl="1" animBg="1" rev="0" advAuto="0" spid="450" grpId="4"/>
+      <p:bldP build="whole" bldLvl="1" animBg="1" rev="0" advAuto="0" spid="484" grpId="5"/>
+      <p:bldP build="whole" bldLvl="1" animBg="1" rev="0" advAuto="0" spid="478" grpId="2"/>
+      <p:bldP build="whole" bldLvl="1" animBg="1" rev="0" advAuto="0" spid="461" grpId="3"/>
     </p:bldLst>
   </p:timing>
 </p:sld>
@@ -24940,7 +24940,7 @@
       </p:grpSpPr>
       <p:sp>
         <p:nvSpPr>
-          <p:cNvPr id="486" name="Group"/>
+          <p:cNvPr id="488" name="Group"/>
           <p:cNvSpPr txBox="1"/>
           <p:nvPr/>
         </p:nvSpPr>
@@ -24988,13 +24988,13 @@
       </p:sp>
       <p:sp>
         <p:nvSpPr>
-          <p:cNvPr id="487" name="Ethereum"/>
+          <p:cNvPr id="489" name="Ethereum"/>
           <p:cNvSpPr/>
           <p:nvPr/>
         </p:nvSpPr>
         <p:spPr>
           <a:xfrm>
-            <a:off x="13096947" y="3026021"/>
+            <a:off x="13096946" y="3026021"/>
             <a:ext cx="12575780" cy="1688817"/>
           </a:xfrm>
           <a:prstGeom prst="rect">
@@ -25037,7 +25037,7 @@
       </p:sp>
       <p:grpSp>
         <p:nvGrpSpPr>
-          <p:cNvPr id="491" name="Group"/>
+          <p:cNvPr id="493" name="Group"/>
           <p:cNvGrpSpPr/>
           <p:nvPr/>
         </p:nvGrpSpPr>
@@ -25051,7 +25051,7 @@
         </p:grpSpPr>
         <p:sp>
           <p:nvSpPr>
-            <p:cNvPr id="488" name="钱包"/>
+            <p:cNvPr id="490" name="钱包"/>
             <p:cNvSpPr/>
             <p:nvPr/>
           </p:nvSpPr>
@@ -25104,7 +25104,7 @@
         </p:sp>
         <p:sp>
           <p:nvSpPr>
-            <p:cNvPr id="489" name="钱包"/>
+            <p:cNvPr id="491" name="钱包"/>
             <p:cNvSpPr/>
             <p:nvPr/>
           </p:nvSpPr>
@@ -25157,7 +25157,7 @@
         </p:sp>
         <p:sp>
           <p:nvSpPr>
-            <p:cNvPr id="490" name="钱包"/>
+            <p:cNvPr id="492" name="钱包"/>
             <p:cNvSpPr/>
             <p:nvPr/>
           </p:nvSpPr>
@@ -25211,21 +25211,21 @@
       </p:grpSp>
       <p:grpSp>
         <p:nvGrpSpPr>
-          <p:cNvPr id="495" name="Group"/>
+          <p:cNvPr id="497" name="Group"/>
           <p:cNvGrpSpPr/>
           <p:nvPr/>
         </p:nvGrpSpPr>
         <p:grpSpPr>
           <a:xfrm>
             <a:off x="13097492" y="10779162"/>
-            <a:ext cx="12574690" cy="946076"/>
+            <a:ext cx="12574689" cy="946076"/>
             <a:chOff x="0" y="0"/>
             <a:chExt cx="12574688" cy="946074"/>
           </a:xfrm>
         </p:grpSpPr>
         <p:sp>
           <p:nvSpPr>
-            <p:cNvPr id="492" name="撮合服务"/>
+            <p:cNvPr id="494" name="撮合服务"/>
             <p:cNvSpPr/>
             <p:nvPr/>
           </p:nvSpPr>
@@ -25278,7 +25278,7 @@
         </p:sp>
         <p:sp>
           <p:nvSpPr>
-            <p:cNvPr id="493" name="撮合服务"/>
+            <p:cNvPr id="495" name="撮合服务"/>
             <p:cNvSpPr/>
             <p:nvPr/>
           </p:nvSpPr>
@@ -25331,7 +25331,7 @@
         </p:sp>
         <p:sp>
           <p:nvSpPr>
-            <p:cNvPr id="494" name="撮合服务"/>
+            <p:cNvPr id="496" name="撮合服务"/>
             <p:cNvSpPr/>
             <p:nvPr/>
           </p:nvSpPr>
@@ -25385,21 +25385,21 @@
       </p:grpSp>
       <p:grpSp>
         <p:nvGrpSpPr>
-          <p:cNvPr id="506" name="Group"/>
+          <p:cNvPr id="508" name="Group"/>
           <p:cNvGrpSpPr/>
           <p:nvPr/>
         </p:nvGrpSpPr>
         <p:grpSpPr>
           <a:xfrm>
             <a:off x="13016110" y="8086866"/>
-            <a:ext cx="12575780" cy="2450713"/>
+            <a:ext cx="12575781" cy="2450713"/>
             <a:chOff x="0" y="0"/>
             <a:chExt cx="12575779" cy="2450712"/>
           </a:xfrm>
         </p:grpSpPr>
         <p:sp>
           <p:nvSpPr>
-            <p:cNvPr id="496" name="IPFS/SWARM/HTTP/P2P"/>
+            <p:cNvPr id="498" name="IPFS/SWARM/HTTP/P2P"/>
             <p:cNvSpPr/>
             <p:nvPr/>
           </p:nvSpPr>
@@ -25452,7 +25452,7 @@
         </p:sp>
         <p:grpSp>
           <p:nvGrpSpPr>
-            <p:cNvPr id="505" name="Group"/>
+            <p:cNvPr id="507" name="Group"/>
             <p:cNvGrpSpPr/>
             <p:nvPr/>
           </p:nvGrpSpPr>
@@ -25466,7 +25466,7 @@
           </p:grpSpPr>
           <p:sp>
             <p:nvSpPr>
-              <p:cNvPr id="497" name="Line"/>
+              <p:cNvPr id="499" name="Line"/>
               <p:cNvSpPr/>
               <p:nvPr/>
             </p:nvSpPr>
@@ -25474,96 +25474,6 @@
               <a:xfrm flipH="1">
                 <a:off x="-1" y="0"/>
                 <a:ext cx="2" cy="602966"/>
-              </a:xfrm>
-              <a:prstGeom prst="line">
-                <a:avLst/>
-              </a:prstGeom>
-              <a:noFill/>
-              <a:ln w="50800" cap="flat">
-                <a:solidFill>
-                  <a:srgbClr val="FFFFFF"/>
-                </a:solidFill>
-                <a:prstDash val="solid"/>
-                <a:miter lim="400000"/>
-                <a:tailEnd type="triangle" w="med" len="med"/>
-              </a:ln>
-              <a:effectLst/>
-            </p:spPr>
-            <p:txBody>
-              <a:bodyPr wrap="square" lIns="71437" tIns="71437" rIns="71437" bIns="71437" numCol="1" anchor="ctr">
-                <a:noAutofit/>
-              </a:bodyPr>
-              <a:lstStyle/>
-              <a:p>
-                <a:pPr algn="l">
-                  <a:defRPr sz="4800">
-                    <a:solidFill>
-                      <a:schemeClr val="accent6"/>
-                    </a:solidFill>
-                    <a:latin typeface="Roboto Black"/>
-                    <a:ea typeface="Roboto Black"/>
-                    <a:cs typeface="Roboto Black"/>
-                    <a:sym typeface="Roboto Black"/>
-                  </a:defRPr>
-                </a:pPr>
-              </a:p>
-            </p:txBody>
-          </p:sp>
-          <p:sp>
-            <p:nvSpPr>
-              <p:cNvPr id="498" name="Line"/>
-              <p:cNvSpPr/>
-              <p:nvPr/>
-            </p:nvSpPr>
-            <p:spPr>
-              <a:xfrm>
-                <a:off x="1710196" y="36531"/>
-                <a:ext cx="1" cy="602967"/>
-              </a:xfrm>
-              <a:prstGeom prst="line">
-                <a:avLst/>
-              </a:prstGeom>
-              <a:noFill/>
-              <a:ln w="50800" cap="flat">
-                <a:solidFill>
-                  <a:srgbClr val="FFFFFF"/>
-                </a:solidFill>
-                <a:prstDash val="solid"/>
-                <a:miter lim="400000"/>
-                <a:tailEnd type="triangle" w="med" len="med"/>
-              </a:ln>
-              <a:effectLst/>
-            </p:spPr>
-            <p:txBody>
-              <a:bodyPr wrap="square" lIns="71437" tIns="71437" rIns="71437" bIns="71437" numCol="1" anchor="ctr">
-                <a:noAutofit/>
-              </a:bodyPr>
-              <a:lstStyle/>
-              <a:p>
-                <a:pPr algn="l">
-                  <a:defRPr sz="4800">
-                    <a:solidFill>
-                      <a:schemeClr val="accent6"/>
-                    </a:solidFill>
-                    <a:latin typeface="Roboto Black"/>
-                    <a:ea typeface="Roboto Black"/>
-                    <a:cs typeface="Roboto Black"/>
-                    <a:sym typeface="Roboto Black"/>
-                  </a:defRPr>
-                </a:pPr>
-              </a:p>
-            </p:txBody>
-          </p:sp>
-          <p:sp>
-            <p:nvSpPr>
-              <p:cNvPr id="499" name="Line"/>
-              <p:cNvSpPr/>
-              <p:nvPr/>
-            </p:nvSpPr>
-            <p:spPr>
-              <a:xfrm>
-                <a:off x="3420391" y="36531"/>
-                <a:ext cx="1" cy="602967"/>
               </a:xfrm>
               <a:prstGeom prst="line">
                 <a:avLst/>
@@ -25607,7 +25517,7 @@
             </p:nvSpPr>
             <p:spPr>
               <a:xfrm>
-                <a:off x="5105187" y="36531"/>
+                <a:off x="1710196" y="36531"/>
                 <a:ext cx="1" cy="602967"/>
               </a:xfrm>
               <a:prstGeom prst="line">
@@ -25652,7 +25562,7 @@
             </p:nvSpPr>
             <p:spPr>
               <a:xfrm>
-                <a:off x="6802682" y="36531"/>
+                <a:off x="3420391" y="36531"/>
                 <a:ext cx="1" cy="602967"/>
               </a:xfrm>
               <a:prstGeom prst="line">
@@ -25697,7 +25607,7 @@
             </p:nvSpPr>
             <p:spPr>
               <a:xfrm>
-                <a:off x="8500179" y="36531"/>
+                <a:off x="5105187" y="36531"/>
                 <a:ext cx="1" cy="602967"/>
               </a:xfrm>
               <a:prstGeom prst="line">
@@ -25742,7 +25652,7 @@
             </p:nvSpPr>
             <p:spPr>
               <a:xfrm>
-                <a:off x="10184974" y="36531"/>
+                <a:off x="6802682" y="36531"/>
                 <a:ext cx="1" cy="602967"/>
               </a:xfrm>
               <a:prstGeom prst="line">
@@ -25787,6 +25697,96 @@
             </p:nvSpPr>
             <p:spPr>
               <a:xfrm>
+                <a:off x="8500179" y="36531"/>
+                <a:ext cx="1" cy="602967"/>
+              </a:xfrm>
+              <a:prstGeom prst="line">
+                <a:avLst/>
+              </a:prstGeom>
+              <a:noFill/>
+              <a:ln w="50800" cap="flat">
+                <a:solidFill>
+                  <a:srgbClr val="FFFFFF"/>
+                </a:solidFill>
+                <a:prstDash val="solid"/>
+                <a:miter lim="400000"/>
+                <a:tailEnd type="triangle" w="med" len="med"/>
+              </a:ln>
+              <a:effectLst/>
+            </p:spPr>
+            <p:txBody>
+              <a:bodyPr wrap="square" lIns="71437" tIns="71437" rIns="71437" bIns="71437" numCol="1" anchor="ctr">
+                <a:noAutofit/>
+              </a:bodyPr>
+              <a:lstStyle/>
+              <a:p>
+                <a:pPr algn="l">
+                  <a:defRPr sz="4800">
+                    <a:solidFill>
+                      <a:schemeClr val="accent6"/>
+                    </a:solidFill>
+                    <a:latin typeface="Roboto Black"/>
+                    <a:ea typeface="Roboto Black"/>
+                    <a:cs typeface="Roboto Black"/>
+                    <a:sym typeface="Roboto Black"/>
+                  </a:defRPr>
+                </a:pPr>
+              </a:p>
+            </p:txBody>
+          </p:sp>
+          <p:sp>
+            <p:nvSpPr>
+              <p:cNvPr id="505" name="Line"/>
+              <p:cNvSpPr/>
+              <p:nvPr/>
+            </p:nvSpPr>
+            <p:spPr>
+              <a:xfrm>
+                <a:off x="10184974" y="36531"/>
+                <a:ext cx="1" cy="602967"/>
+              </a:xfrm>
+              <a:prstGeom prst="line">
+                <a:avLst/>
+              </a:prstGeom>
+              <a:noFill/>
+              <a:ln w="50800" cap="flat">
+                <a:solidFill>
+                  <a:srgbClr val="FFFFFF"/>
+                </a:solidFill>
+                <a:prstDash val="solid"/>
+                <a:miter lim="400000"/>
+                <a:tailEnd type="triangle" w="med" len="med"/>
+              </a:ln>
+              <a:effectLst/>
+            </p:spPr>
+            <p:txBody>
+              <a:bodyPr wrap="square" lIns="71437" tIns="71437" rIns="71437" bIns="71437" numCol="1" anchor="ctr">
+                <a:noAutofit/>
+              </a:bodyPr>
+              <a:lstStyle/>
+              <a:p>
+                <a:pPr algn="l">
+                  <a:defRPr sz="4800">
+                    <a:solidFill>
+                      <a:schemeClr val="accent6"/>
+                    </a:solidFill>
+                    <a:latin typeface="Roboto Black"/>
+                    <a:ea typeface="Roboto Black"/>
+                    <a:cs typeface="Roboto Black"/>
+                    <a:sym typeface="Roboto Black"/>
+                  </a:defRPr>
+                </a:pPr>
+              </a:p>
+            </p:txBody>
+          </p:sp>
+          <p:sp>
+            <p:nvSpPr>
+              <p:cNvPr id="506" name="Line"/>
+              <p:cNvSpPr/>
+              <p:nvPr/>
+            </p:nvSpPr>
+            <p:spPr>
+              <a:xfrm>
                 <a:off x="11869769" y="36531"/>
                 <a:ext cx="1" cy="602967"/>
               </a:xfrm>
@@ -25828,21 +25828,21 @@
       </p:grpSp>
       <p:grpSp>
         <p:nvGrpSpPr>
-          <p:cNvPr id="523" name="Group"/>
+          <p:cNvPr id="525" name="Group"/>
           <p:cNvGrpSpPr/>
           <p:nvPr/>
         </p:nvGrpSpPr>
         <p:grpSpPr>
           <a:xfrm>
             <a:off x="12727764" y="6081102"/>
-            <a:ext cx="13152473" cy="1938948"/>
+            <a:ext cx="13152472" cy="1938948"/>
             <a:chOff x="0" y="0"/>
             <a:chExt cx="13152471" cy="1938947"/>
           </a:xfrm>
         </p:grpSpPr>
         <p:sp>
           <p:nvSpPr>
-            <p:cNvPr id="507" name="订单"/>
+            <p:cNvPr id="509" name="订单"/>
             <p:cNvSpPr/>
             <p:nvPr/>
           </p:nvSpPr>
@@ -25902,7 +25902,7 @@
         </p:sp>
         <p:sp>
           <p:nvSpPr>
-            <p:cNvPr id="508" name="订单"/>
+            <p:cNvPr id="510" name="订单"/>
             <p:cNvSpPr/>
             <p:nvPr/>
           </p:nvSpPr>
@@ -25962,7 +25962,7 @@
         </p:sp>
         <p:sp>
           <p:nvSpPr>
-            <p:cNvPr id="509" name="订单"/>
+            <p:cNvPr id="511" name="订单"/>
             <p:cNvSpPr/>
             <p:nvPr/>
           </p:nvSpPr>
@@ -26022,7 +26022,7 @@
         </p:sp>
         <p:sp>
           <p:nvSpPr>
-            <p:cNvPr id="510" name="订单"/>
+            <p:cNvPr id="512" name="订单"/>
             <p:cNvSpPr/>
             <p:nvPr/>
           </p:nvSpPr>
@@ -26082,7 +26082,7 @@
         </p:sp>
         <p:sp>
           <p:nvSpPr>
-            <p:cNvPr id="511" name="订单"/>
+            <p:cNvPr id="513" name="订单"/>
             <p:cNvSpPr/>
             <p:nvPr/>
           </p:nvSpPr>
@@ -26142,7 +26142,7 @@
         </p:sp>
         <p:sp>
           <p:nvSpPr>
-            <p:cNvPr id="512" name="订单"/>
+            <p:cNvPr id="514" name="订单"/>
             <p:cNvSpPr/>
             <p:nvPr/>
           </p:nvSpPr>
@@ -26202,7 +26202,7 @@
         </p:sp>
         <p:sp>
           <p:nvSpPr>
-            <p:cNvPr id="513" name="订单"/>
+            <p:cNvPr id="515" name="订单"/>
             <p:cNvSpPr/>
             <p:nvPr/>
           </p:nvSpPr>
@@ -26262,7 +26262,7 @@
         </p:sp>
         <p:sp>
           <p:nvSpPr>
-            <p:cNvPr id="514" name="订单"/>
+            <p:cNvPr id="516" name="订单"/>
             <p:cNvSpPr/>
             <p:nvPr/>
           </p:nvSpPr>
@@ -26322,7 +26322,7 @@
         </p:sp>
         <p:sp>
           <p:nvSpPr>
-            <p:cNvPr id="515" name="Line"/>
+            <p:cNvPr id="517" name="Line"/>
             <p:cNvSpPr/>
             <p:nvPr/>
           </p:nvSpPr>
@@ -26367,7 +26367,7 @@
         </p:sp>
         <p:sp>
           <p:nvSpPr>
-            <p:cNvPr id="516" name="Line"/>
+            <p:cNvPr id="518" name="Line"/>
             <p:cNvSpPr/>
             <p:nvPr/>
           </p:nvSpPr>
@@ -26412,7 +26412,7 @@
         </p:sp>
         <p:sp>
           <p:nvSpPr>
-            <p:cNvPr id="517" name="Line"/>
+            <p:cNvPr id="519" name="Line"/>
             <p:cNvSpPr/>
             <p:nvPr/>
           </p:nvSpPr>
@@ -26457,7 +26457,7 @@
         </p:sp>
         <p:sp>
           <p:nvSpPr>
-            <p:cNvPr id="518" name="Line"/>
+            <p:cNvPr id="520" name="Line"/>
             <p:cNvSpPr/>
             <p:nvPr/>
           </p:nvSpPr>
@@ -26502,7 +26502,7 @@
         </p:sp>
         <p:sp>
           <p:nvSpPr>
-            <p:cNvPr id="519" name="Line"/>
+            <p:cNvPr id="521" name="Line"/>
             <p:cNvSpPr/>
             <p:nvPr/>
           </p:nvSpPr>
@@ -26547,7 +26547,7 @@
         </p:sp>
         <p:sp>
           <p:nvSpPr>
-            <p:cNvPr id="520" name="Line"/>
+            <p:cNvPr id="522" name="Line"/>
             <p:cNvSpPr/>
             <p:nvPr/>
           </p:nvSpPr>
@@ -26592,7 +26592,7 @@
         </p:sp>
         <p:sp>
           <p:nvSpPr>
-            <p:cNvPr id="521" name="Line"/>
+            <p:cNvPr id="523" name="Line"/>
             <p:cNvSpPr/>
             <p:nvPr/>
           </p:nvSpPr>
@@ -26637,7 +26637,7 @@
         </p:sp>
         <p:sp>
           <p:nvSpPr>
-            <p:cNvPr id="522" name="Line"/>
+            <p:cNvPr id="524" name="Line"/>
             <p:cNvSpPr/>
             <p:nvPr/>
           </p:nvSpPr>
@@ -26683,7 +26683,7 @@
       </p:grpSp>
       <p:grpSp>
         <p:nvGrpSpPr>
-          <p:cNvPr id="529" name="Group"/>
+          <p:cNvPr id="531" name="Group"/>
           <p:cNvGrpSpPr/>
           <p:nvPr/>
         </p:nvGrpSpPr>
@@ -26697,7 +26697,7 @@
         </p:grpSpPr>
         <p:sp>
           <p:nvSpPr>
-            <p:cNvPr id="548" name="Connection Line"/>
+            <p:cNvPr id="550" name="Connection Line"/>
             <p:cNvSpPr/>
             <p:nvPr/>
           </p:nvSpPr>
@@ -26763,7 +26763,7 @@
         </p:sp>
         <p:grpSp>
           <p:nvGrpSpPr>
-            <p:cNvPr id="528" name="Group"/>
+            <p:cNvPr id="530" name="Group"/>
             <p:cNvGrpSpPr/>
             <p:nvPr/>
           </p:nvGrpSpPr>
@@ -26777,7 +26777,7 @@
           </p:grpSpPr>
           <p:sp>
             <p:nvSpPr>
-              <p:cNvPr id="525" name="Circle"/>
+              <p:cNvPr id="527" name="Circle"/>
               <p:cNvSpPr/>
               <p:nvPr/>
             </p:nvSpPr>
@@ -26831,7 +26831,7 @@
           </p:sp>
           <p:sp>
             <p:nvSpPr>
-              <p:cNvPr id="526" name="Circle"/>
+              <p:cNvPr id="528" name="Circle"/>
               <p:cNvSpPr/>
               <p:nvPr/>
             </p:nvSpPr>
@@ -26885,7 +26885,7 @@
           </p:sp>
           <p:sp>
             <p:nvSpPr>
-              <p:cNvPr id="527" name="Circle"/>
+              <p:cNvPr id="529" name="Circle"/>
               <p:cNvSpPr/>
               <p:nvPr/>
             </p:nvSpPr>
@@ -26941,7 +26941,7 @@
       </p:grpSp>
       <p:sp>
         <p:nvSpPr>
-          <p:cNvPr id="530" name="资产代币化…"/>
+          <p:cNvPr id="532" name="资产代币化…"/>
           <p:cNvSpPr/>
           <p:nvPr/>
         </p:nvSpPr>
@@ -27015,7 +27015,7 @@
       </p:sp>
       <p:grpSp>
         <p:nvGrpSpPr>
-          <p:cNvPr id="536" name="Group"/>
+          <p:cNvPr id="538" name="Group"/>
           <p:cNvGrpSpPr/>
           <p:nvPr/>
         </p:nvGrpSpPr>
@@ -27029,7 +27029,7 @@
         </p:grpSpPr>
         <p:sp>
           <p:nvSpPr>
-            <p:cNvPr id="531" name="法币"/>
+            <p:cNvPr id="533" name="法币"/>
             <p:cNvSpPr/>
             <p:nvPr/>
           </p:nvSpPr>
@@ -27091,7 +27091,7 @@
         </p:sp>
         <p:sp>
           <p:nvSpPr>
-            <p:cNvPr id="532" name="其它区块链"/>
+            <p:cNvPr id="534" name="其它区块链"/>
             <p:cNvSpPr/>
             <p:nvPr/>
           </p:nvSpPr>
@@ -27148,7 +27148,7 @@
         </p:sp>
         <p:sp>
           <p:nvSpPr>
-            <p:cNvPr id="549" name="Connection Line"/>
+            <p:cNvPr id="551" name="Connection Line"/>
             <p:cNvSpPr/>
             <p:nvPr/>
           </p:nvSpPr>
@@ -27210,7 +27210,7 @@
         </p:sp>
         <p:sp>
           <p:nvSpPr>
-            <p:cNvPr id="550" name="Connection Line"/>
+            <p:cNvPr id="552" name="Connection Line"/>
             <p:cNvSpPr/>
             <p:nvPr/>
           </p:nvSpPr>
@@ -27272,7 +27272,7 @@
         </p:sp>
         <p:sp>
           <p:nvSpPr>
-            <p:cNvPr id="535" name="抵押"/>
+            <p:cNvPr id="537" name="抵押"/>
             <p:cNvSpPr txBox="1"/>
             <p:nvPr/>
           </p:nvSpPr>
@@ -27323,7 +27323,7 @@
       </p:grpSp>
       <p:grpSp>
         <p:nvGrpSpPr>
-          <p:cNvPr id="539" name="Group"/>
+          <p:cNvPr id="541" name="Group"/>
           <p:cNvGrpSpPr/>
           <p:nvPr/>
         </p:nvGrpSpPr>
@@ -27337,7 +27337,7 @@
         </p:grpSpPr>
         <p:sp>
           <p:nvSpPr>
-            <p:cNvPr id="551" name="Connection Line"/>
+            <p:cNvPr id="553" name="Connection Line"/>
             <p:cNvSpPr/>
             <p:nvPr/>
           </p:nvSpPr>
@@ -27399,7 +27399,7 @@
         </p:sp>
         <p:sp>
           <p:nvSpPr>
-            <p:cNvPr id="538" name="代币发行"/>
+            <p:cNvPr id="540" name="代币发行"/>
             <p:cNvSpPr txBox="1"/>
             <p:nvPr/>
           </p:nvSpPr>
@@ -27450,7 +27450,7 @@
       </p:grpSp>
       <p:grpSp>
         <p:nvGrpSpPr>
-          <p:cNvPr id="543" name="Group"/>
+          <p:cNvPr id="545" name="Group"/>
           <p:cNvGrpSpPr/>
           <p:nvPr/>
         </p:nvGrpSpPr>
@@ -27464,7 +27464,7 @@
         </p:grpSpPr>
         <p:sp>
           <p:nvSpPr>
-            <p:cNvPr id="540" name="English Whitepaper"/>
+            <p:cNvPr id="542" name="English Whitepaper"/>
             <p:cNvSpPr/>
             <p:nvPr/>
           </p:nvSpPr>
@@ -27532,7 +27532,7 @@
         </p:sp>
         <p:sp>
           <p:nvSpPr>
-            <p:cNvPr id="541" name="Triangle"/>
+            <p:cNvPr id="543" name="Triangle"/>
             <p:cNvSpPr/>
             <p:nvPr/>
           </p:nvSpPr>
@@ -27609,7 +27609,7 @@
         </p:sp>
         <p:sp>
           <p:nvSpPr>
-            <p:cNvPr id="542" name="Triangle"/>
+            <p:cNvPr id="544" name="Triangle"/>
             <p:cNvSpPr/>
             <p:nvPr/>
           </p:nvSpPr>
@@ -27684,7 +27684,7 @@
       </p:grpSp>
       <p:grpSp>
         <p:nvGrpSpPr>
-          <p:cNvPr id="547" name="Group"/>
+          <p:cNvPr id="549" name="Group"/>
           <p:cNvGrpSpPr/>
           <p:nvPr/>
         </p:nvGrpSpPr>
@@ -27698,7 +27698,7 @@
         </p:grpSpPr>
         <p:sp>
           <p:nvSpPr>
-            <p:cNvPr id="544" name="中文白皮书"/>
+            <p:cNvPr id="546" name="中文白皮书"/>
             <p:cNvSpPr/>
             <p:nvPr/>
           </p:nvSpPr>
@@ -27766,7 +27766,7 @@
         </p:sp>
         <p:sp>
           <p:nvSpPr>
-            <p:cNvPr id="545" name="Triangle"/>
+            <p:cNvPr id="547" name="Triangle"/>
             <p:cNvSpPr/>
             <p:nvPr/>
           </p:nvSpPr>
@@ -27843,7 +27843,7 @@
         </p:sp>
         <p:sp>
           <p:nvSpPr>
-            <p:cNvPr id="546" name="Triangle"/>
+            <p:cNvPr id="548" name="Triangle"/>
             <p:cNvSpPr/>
             <p:nvPr/>
           </p:nvSpPr>
@@ -27923,7 +27923,7 @@
   </p:clrMapOvr>
   <mc:AlternateContent xmlns:mc="http://schemas.openxmlformats.org/markup-compatibility/2006">
     <mc:Choice xmlns:p14="http://schemas.microsoft.com/office/powerpoint/2010/main" Requires="p14">
-      <p:transition spd="fast" advClick="1" p14:dur="700">
+      <p:transition spd="fast" advClick="1" p14:dur="699">
         <p:dissolve/>
       </p:transition>
     </mc:Choice>
@@ -27966,7 +27966,7 @@
                                       <p:cBhvr>
                                         <p:cTn id="6" fill="hold"/>
                                         <p:tgtEl>
-                                          <p:spTgt spid="536"/>
+                                          <p:spTgt spid="538"/>
                                         </p:tgtEl>
                                         <p:attrNameLst>
                                           <p:attrName>style.visibility</p:attrName>
@@ -27980,7 +27980,7 @@
                                       <p:cBhvr>
                                         <p:cTn id="7" dur="400"/>
                                         <p:tgtEl>
-                                          <p:spTgt spid="536"/>
+                                          <p:spTgt spid="538"/>
                                         </p:tgtEl>
                                       </p:cBhvr>
                                     </p:animEffect>
@@ -28018,7 +28018,7 @@
                                       <p:cBhvr>
                                         <p:cTn id="11" fill="hold"/>
                                         <p:tgtEl>
-                                          <p:spTgt spid="539"/>
+                                          <p:spTgt spid="541"/>
                                         </p:tgtEl>
                                         <p:attrNameLst>
                                           <p:attrName>style.visibility</p:attrName>
@@ -28032,7 +28032,7 @@
                                       <p:cBhvr>
                                         <p:cTn id="12" dur="500"/>
                                         <p:tgtEl>
-                                          <p:spTgt spid="539"/>
+                                          <p:spTgt spid="541"/>
                                         </p:tgtEl>
                                       </p:cBhvr>
                                     </p:animEffect>
@@ -28067,8 +28067,8 @@
       </p:par>
     </p:tnLst>
     <p:bldLst>
-      <p:bldP build="whole" bldLvl="1" animBg="1" rev="0" advAuto="0" spid="536" grpId="1"/>
-      <p:bldP build="whole" bldLvl="1" animBg="1" rev="0" advAuto="0" spid="539" grpId="2"/>
+      <p:bldP build="whole" bldLvl="1" animBg="1" rev="0" advAuto="0" spid="541" grpId="2"/>
+      <p:bldP build="whole" bldLvl="1" animBg="1" rev="0" advAuto="0" spid="538" grpId="1"/>
     </p:bldLst>
   </p:timing>
 </p:sld>
@@ -28100,7 +28100,7 @@
       </p:grpSpPr>
       <p:grpSp>
         <p:nvGrpSpPr>
-          <p:cNvPr id="556" name="Group"/>
+          <p:cNvPr id="558" name="Group"/>
           <p:cNvGrpSpPr/>
           <p:nvPr/>
         </p:nvGrpSpPr>
@@ -28114,7 +28114,7 @@
         </p:grpSpPr>
         <p:sp>
           <p:nvSpPr>
-            <p:cNvPr id="553" name="English Whitepaper"/>
+            <p:cNvPr id="555" name="English Whitepaper"/>
             <p:cNvSpPr/>
             <p:nvPr/>
           </p:nvSpPr>
@@ -28182,7 +28182,7 @@
         </p:sp>
         <p:sp>
           <p:nvSpPr>
-            <p:cNvPr id="554" name="Triangle"/>
+            <p:cNvPr id="556" name="Triangle"/>
             <p:cNvSpPr/>
             <p:nvPr/>
           </p:nvSpPr>
@@ -28259,7 +28259,7 @@
         </p:sp>
         <p:sp>
           <p:nvSpPr>
-            <p:cNvPr id="555" name="Triangle"/>
+            <p:cNvPr id="557" name="Triangle"/>
             <p:cNvSpPr/>
             <p:nvPr/>
           </p:nvSpPr>
@@ -28334,7 +28334,7 @@
       </p:grpSp>
       <p:grpSp>
         <p:nvGrpSpPr>
-          <p:cNvPr id="560" name="Group"/>
+          <p:cNvPr id="562" name="Group"/>
           <p:cNvGrpSpPr/>
           <p:nvPr/>
         </p:nvGrpSpPr>
@@ -28348,7 +28348,7 @@
         </p:grpSpPr>
         <p:sp>
           <p:nvSpPr>
-            <p:cNvPr id="557" name="中文白皮书"/>
+            <p:cNvPr id="559" name="中文白皮书"/>
             <p:cNvSpPr/>
             <p:nvPr/>
           </p:nvSpPr>
@@ -28416,7 +28416,7 @@
         </p:sp>
         <p:sp>
           <p:nvSpPr>
-            <p:cNvPr id="558" name="Triangle"/>
+            <p:cNvPr id="560" name="Triangle"/>
             <p:cNvSpPr/>
             <p:nvPr/>
           </p:nvSpPr>
@@ -28493,7 +28493,7 @@
         </p:sp>
         <p:sp>
           <p:nvSpPr>
-            <p:cNvPr id="559" name="Triangle"/>
+            <p:cNvPr id="561" name="Triangle"/>
             <p:cNvSpPr/>
             <p:nvPr/>
           </p:nvSpPr>
@@ -28568,7 +28568,7 @@
       </p:grpSp>
       <p:sp>
         <p:nvSpPr>
-          <p:cNvPr id="561" name="Group"/>
+          <p:cNvPr id="563" name="Group"/>
           <p:cNvSpPr txBox="1"/>
           <p:nvPr/>
         </p:nvSpPr>
@@ -28621,7 +28621,7 @@
   </p:clrMapOvr>
   <mc:AlternateContent xmlns:mc="http://schemas.openxmlformats.org/markup-compatibility/2006">
     <mc:Choice xmlns:p14="http://schemas.microsoft.com/office/powerpoint/2010/main" Requires="p14">
-      <p:transition spd="fast" advClick="1" p14:dur="700">
+      <p:transition spd="fast" advClick="1" p14:dur="699">
         <p:dissolve/>
       </p:transition>
     </mc:Choice>
@@ -28937,7 +28937,7 @@
       </p:sp>
       <p:pic>
         <p:nvPicPr>
-          <p:cNvPr id="133" name="屏幕快照 2017-06-29 15.15.51.jpg" descr="屏幕快照 2017-06-29 15.15.51.jpg"/>
+          <p:cNvPr id="133" name="Screen Shot 2017-07-18 at 11.14.57.jpg" descr="Screen Shot 2017-07-18 at 11.14.57.jpg"/>
           <p:cNvPicPr>
             <a:picLocks noChangeAspect="1"/>
           </p:cNvPicPr>
@@ -28953,8 +28953,37 @@
         </p:blipFill>
         <p:spPr>
           <a:xfrm>
-            <a:off x="9047040" y="14941550"/>
-            <a:ext cx="13970001" cy="12585700"/>
+            <a:off x="9442053" y="16596143"/>
+            <a:ext cx="14038460" cy="13035714"/>
+          </a:xfrm>
+          <a:prstGeom prst="rect">
+            <a:avLst/>
+          </a:prstGeom>
+          <a:ln w="12700">
+            <a:miter lim="400000"/>
+          </a:ln>
+        </p:spPr>
+      </p:pic>
+      <p:pic>
+        <p:nvPicPr>
+          <p:cNvPr id="134" name="Screen Shot 2017-07-18 at 11.15.05.jpg" descr="Screen Shot 2017-07-18 at 11.15.05.jpg"/>
+          <p:cNvPicPr>
+            <a:picLocks noChangeAspect="1"/>
+          </p:cNvPicPr>
+          <p:nvPr/>
+        </p:nvPicPr>
+        <p:blipFill>
+          <a:blip r:embed="rId5">
+            <a:extLst/>
+          </a:blip>
+          <a:stretch>
+            <a:fillRect/>
+          </a:stretch>
+        </p:blipFill>
+        <p:spPr>
+          <a:xfrm>
+            <a:off x="183332" y="23527081"/>
+            <a:ext cx="8775184" cy="5828131"/>
           </a:xfrm>
           <a:prstGeom prst="rect">
             <a:avLst/>
@@ -29013,7 +29042,7 @@
       </p:grpSpPr>
       <p:sp>
         <p:nvSpPr>
-          <p:cNvPr id="563" name="代币LRC的发行"/>
+          <p:cNvPr id="565" name="代币LRC的发行"/>
           <p:cNvSpPr txBox="1"/>
           <p:nvPr/>
         </p:nvSpPr>
@@ -29058,7 +29087,7 @@
       </p:sp>
       <p:sp>
         <p:nvSpPr>
-          <p:cNvPr id="564" name="代币众售"/>
+          <p:cNvPr id="566" name="代币众售"/>
           <p:cNvSpPr txBox="1"/>
           <p:nvPr/>
         </p:nvSpPr>
@@ -29103,7 +29132,7 @@
       </p:sp>
       <p:sp>
         <p:nvSpPr>
-          <p:cNvPr id="565" name="2017/08/01"/>
+          <p:cNvPr id="567" name="2017/08/01"/>
           <p:cNvSpPr txBox="1"/>
           <p:nvPr/>
         </p:nvSpPr>
@@ -29151,13 +29180,13 @@
       </p:sp>
       <p:sp>
         <p:nvSpPr>
-          <p:cNvPr id="566" name="2017/08/30"/>
+          <p:cNvPr id="568" name="2017/08/30"/>
           <p:cNvSpPr txBox="1"/>
           <p:nvPr/>
         </p:nvSpPr>
         <p:spPr>
           <a:xfrm>
-            <a:off x="12321625" y="8343794"/>
+            <a:off x="12321624" y="8343794"/>
             <a:ext cx="3204785" cy="892176"/>
           </a:xfrm>
           <a:prstGeom prst="rect">
@@ -29199,7 +29228,7 @@
       </p:sp>
       <p:sp>
         <p:nvSpPr>
-          <p:cNvPr id="567" name="-"/>
+          <p:cNvPr id="569" name="-"/>
           <p:cNvSpPr txBox="1"/>
           <p:nvPr/>
         </p:nvSpPr>
@@ -29252,7 +29281,7 @@
   </p:clrMapOvr>
   <mc:AlternateContent xmlns:mc="http://schemas.openxmlformats.org/markup-compatibility/2006">
     <mc:Choice xmlns:p14="http://schemas.microsoft.com/office/powerpoint/2010/main" Requires="p14">
-      <p:transition spd="fast" advClick="1" p14:dur="700">
+      <p:transition spd="fast" advClick="1" p14:dur="699">
         <p:cover dir="u"/>
       </p:transition>
     </mc:Choice>
@@ -29294,7 +29323,7 @@
       </p:grpSpPr>
       <p:sp>
         <p:nvSpPr>
-          <p:cNvPr id="569" name="代币众售"/>
+          <p:cNvPr id="571" name="代币众售"/>
           <p:cNvSpPr txBox="1"/>
           <p:nvPr/>
         </p:nvSpPr>
@@ -29339,14 +29368,14 @@
       </p:sp>
       <p:sp>
         <p:nvSpPr>
-          <p:cNvPr id="570" name="30 天"/>
+          <p:cNvPr id="572" name="30 天"/>
           <p:cNvSpPr txBox="1"/>
           <p:nvPr/>
         </p:nvSpPr>
         <p:spPr>
           <a:xfrm>
             <a:off x="11355344" y="5660463"/>
-            <a:ext cx="1673313" cy="1031876"/>
+            <a:ext cx="1673312" cy="1031876"/>
           </a:xfrm>
           <a:prstGeom prst="rect">
             <a:avLst/>
@@ -29387,14 +29416,14 @@
       </p:sp>
       <p:sp>
         <p:nvSpPr>
-          <p:cNvPr id="571" name="Line"/>
+          <p:cNvPr id="573" name="Line"/>
           <p:cNvSpPr/>
           <p:nvPr/>
         </p:nvSpPr>
         <p:spPr>
           <a:xfrm>
             <a:off x="13008618" y="6176400"/>
-            <a:ext cx="6694620" cy="1"/>
+            <a:ext cx="6694619" cy="1"/>
           </a:xfrm>
           <a:prstGeom prst="line">
             <a:avLst/>
@@ -29427,7 +29456,7 @@
       </p:sp>
       <p:sp>
         <p:nvSpPr>
-          <p:cNvPr id="572" name="Line"/>
+          <p:cNvPr id="574" name="Line"/>
           <p:cNvSpPr/>
           <p:nvPr/>
         </p:nvSpPr>
@@ -29467,7 +29496,7 @@
       </p:sp>
       <p:sp>
         <p:nvSpPr>
-          <p:cNvPr id="573" name="2017/08/01"/>
+          <p:cNvPr id="575" name="2017/08/01"/>
           <p:cNvSpPr txBox="1"/>
           <p:nvPr/>
         </p:nvSpPr>
@@ -29515,7 +29544,7 @@
       </p:sp>
       <p:sp>
         <p:nvSpPr>
-          <p:cNvPr id="574" name="2017/08/30"/>
+          <p:cNvPr id="576" name="2017/08/30"/>
           <p:cNvSpPr txBox="1"/>
           <p:nvPr/>
         </p:nvSpPr>
@@ -29610,7 +29639,7 @@
       </p:grpSpPr>
       <p:graphicFrame>
         <p:nvGraphicFramePr>
-          <p:cNvPr id="576" name="2D Stacked Column Chart"/>
+          <p:cNvPr id="578" name="2D Stacked Column Chart"/>
           <p:cNvGraphicFramePr/>
           <p:nvPr/>
         </p:nvGraphicFramePr>
@@ -29626,7 +29655,7 @@
       </p:graphicFrame>
       <p:sp>
         <p:nvSpPr>
-          <p:cNvPr id="577" name="代币众售"/>
+          <p:cNvPr id="579" name="代币众售"/>
           <p:cNvSpPr txBox="1"/>
           <p:nvPr/>
         </p:nvSpPr>
@@ -29671,14 +29700,14 @@
       </p:sp>
       <p:sp>
         <p:nvSpPr>
-          <p:cNvPr id="578" name="30 天"/>
+          <p:cNvPr id="580" name="30 天"/>
           <p:cNvSpPr txBox="1"/>
           <p:nvPr/>
         </p:nvSpPr>
         <p:spPr>
           <a:xfrm>
             <a:off x="11355344" y="10537263"/>
-            <a:ext cx="1673313" cy="1031876"/>
+            <a:ext cx="1673312" cy="1031876"/>
           </a:xfrm>
           <a:prstGeom prst="rect">
             <a:avLst/>
@@ -29719,14 +29748,14 @@
       </p:sp>
       <p:sp>
         <p:nvSpPr>
-          <p:cNvPr id="579" name="Line"/>
+          <p:cNvPr id="581" name="Line"/>
           <p:cNvSpPr/>
           <p:nvPr/>
         </p:nvSpPr>
         <p:spPr>
           <a:xfrm>
-            <a:off x="13008618" y="11053200"/>
-            <a:ext cx="6694620" cy="1"/>
+            <a:off x="13008618" y="11053201"/>
+            <a:ext cx="6694619" cy="1"/>
           </a:xfrm>
           <a:prstGeom prst="line">
             <a:avLst/>
@@ -29759,13 +29788,13 @@
       </p:sp>
       <p:sp>
         <p:nvSpPr>
-          <p:cNvPr id="580" name="Line"/>
+          <p:cNvPr id="582" name="Line"/>
           <p:cNvSpPr/>
           <p:nvPr/>
         </p:nvSpPr>
         <p:spPr>
           <a:xfrm>
-            <a:off x="4629963" y="11053200"/>
+            <a:off x="4629963" y="11053201"/>
             <a:ext cx="6694619" cy="1"/>
           </a:xfrm>
           <a:prstGeom prst="line">
@@ -29799,7 +29828,7 @@
       </p:sp>
       <p:sp>
         <p:nvSpPr>
-          <p:cNvPr id="581" name="2017/08/01"/>
+          <p:cNvPr id="583" name="2017/08/01"/>
           <p:cNvSpPr txBox="1"/>
           <p:nvPr/>
         </p:nvSpPr>
@@ -29847,7 +29876,7 @@
       </p:sp>
       <p:sp>
         <p:nvSpPr>
-          <p:cNvPr id="582" name="2017/08/30"/>
+          <p:cNvPr id="584" name="2017/08/30"/>
           <p:cNvSpPr txBox="1"/>
           <p:nvPr/>
         </p:nvSpPr>
@@ -29943,7 +29972,7 @@
                                       <p:cBhvr>
                                         <p:cTn id="6" fill="hold"/>
                                         <p:tgtEl>
-                                          <p:spTgt spid="576">
+                                          <p:spTgt spid="578">
                                             <p:graphicEl>
                                               <a:chart bldStep="gridLegend" categoryIdx="-3" seriesIdx="-3"/>
                                             </p:graphicEl>
@@ -29961,7 +29990,7 @@
                                       <p:cBhvr>
                                         <p:cTn id="7" dur="400"/>
                                         <p:tgtEl>
-                                          <p:spTgt spid="576">
+                                          <p:spTgt spid="578">
                                             <p:graphicEl>
                                               <a:chart bldStep="gridLegend" categoryIdx="-3" seriesIdx="-3"/>
                                             </p:graphicEl>
@@ -29991,7 +30020,7 @@
                                       <p:cBhvr>
                                         <p:cTn id="10" fill="hold"/>
                                         <p:tgtEl>
-                                          <p:spTgt spid="576">
+                                          <p:spTgt spid="578">
                                             <p:graphicEl>
                                               <a:chart bldStep="series" categoryIdx="-4" seriesIdx="0"/>
                                             </p:graphicEl>
@@ -30009,7 +30038,7 @@
                                       <p:cBhvr>
                                         <p:cTn id="11" dur="400"/>
                                         <p:tgtEl>
-                                          <p:spTgt spid="576">
+                                          <p:spTgt spid="578">
                                             <p:graphicEl>
                                               <a:chart bldStep="series" categoryIdx="-4" seriesIdx="0"/>
                                             </p:graphicEl>
@@ -30039,7 +30068,7 @@
                                       <p:cBhvr>
                                         <p:cTn id="14" fill="hold"/>
                                         <p:tgtEl>
-                                          <p:spTgt spid="576">
+                                          <p:spTgt spid="578">
                                             <p:graphicEl>
                                               <a:chart bldStep="series" categoryIdx="-4" seriesIdx="1"/>
                                             </p:graphicEl>
@@ -30057,7 +30086,7 @@
                                       <p:cBhvr>
                                         <p:cTn id="15" dur="400"/>
                                         <p:tgtEl>
-                                          <p:spTgt spid="576">
+                                          <p:spTgt spid="578">
                                             <p:graphicEl>
                                               <a:chart bldStep="series" categoryIdx="-4" seriesIdx="1"/>
                                             </p:graphicEl>
@@ -30096,7 +30125,7 @@
       </p:par>
     </p:tnLst>
     <p:bldLst>
-      <p:bldGraphic spid="576" grpId="1">
+      <p:bldGraphic spid="578" grpId="1">
         <p:bldSub>
           <a:bldChart bld="series"/>
         </p:bldSub>
@@ -30135,7 +30164,7 @@
       </p:grpSpPr>
       <p:sp>
         <p:nvSpPr>
-          <p:cNvPr id="584" name="代币众售"/>
+          <p:cNvPr id="586" name="代币众售"/>
           <p:cNvSpPr txBox="1"/>
           <p:nvPr/>
         </p:nvSpPr>
@@ -30180,7 +30209,7 @@
       </p:sp>
       <p:sp>
         <p:nvSpPr>
-          <p:cNvPr id="585" name="30 天"/>
+          <p:cNvPr id="587" name="30 天"/>
           <p:cNvSpPr txBox="1"/>
           <p:nvPr/>
         </p:nvSpPr>
@@ -30228,7 +30257,7 @@
       </p:sp>
       <p:sp>
         <p:nvSpPr>
-          <p:cNvPr id="586" name="Line"/>
+          <p:cNvPr id="588" name="Line"/>
           <p:cNvSpPr/>
           <p:nvPr/>
         </p:nvSpPr>
@@ -30268,7 +30297,7 @@
       </p:sp>
       <p:sp>
         <p:nvSpPr>
-          <p:cNvPr id="587" name="Line"/>
+          <p:cNvPr id="589" name="Line"/>
           <p:cNvSpPr/>
           <p:nvPr/>
         </p:nvSpPr>
@@ -30308,7 +30337,7 @@
       </p:sp>
       <p:sp>
         <p:nvSpPr>
-          <p:cNvPr id="588" name="2017/08/01"/>
+          <p:cNvPr id="590" name="2017/08/01"/>
           <p:cNvSpPr txBox="1"/>
           <p:nvPr/>
         </p:nvSpPr>
@@ -30356,7 +30385,7 @@
       </p:sp>
       <p:sp>
         <p:nvSpPr>
-          <p:cNvPr id="589" name="2017/08/30"/>
+          <p:cNvPr id="591" name="2017/08/30"/>
           <p:cNvSpPr txBox="1"/>
           <p:nvPr/>
         </p:nvSpPr>
@@ -30404,7 +30433,7 @@
       </p:sp>
       <p:sp>
         <p:nvSpPr>
-          <p:cNvPr id="590" name="Triangle"/>
+          <p:cNvPr id="592" name="Triangle"/>
           <p:cNvSpPr/>
           <p:nvPr/>
         </p:nvSpPr>
@@ -30482,7 +30511,7 @@
       </p:sp>
       <p:sp>
         <p:nvSpPr>
-          <p:cNvPr id="591" name="Line"/>
+          <p:cNvPr id="593" name="Line"/>
           <p:cNvSpPr/>
           <p:nvPr/>
         </p:nvSpPr>
@@ -30522,7 +30551,7 @@
       </p:sp>
       <p:sp>
         <p:nvSpPr>
-          <p:cNvPr id="592" name="Line"/>
+          <p:cNvPr id="594" name="Line"/>
           <p:cNvSpPr/>
           <p:nvPr/>
         </p:nvSpPr>
@@ -30562,14 +30591,14 @@
       </p:sp>
       <p:sp>
         <p:nvSpPr>
-          <p:cNvPr id="593" name="50,000ETH…"/>
+          <p:cNvPr id="595" name="50,000ETH…"/>
           <p:cNvSpPr txBox="1"/>
           <p:nvPr/>
         </p:nvSpPr>
         <p:spPr>
           <a:xfrm>
-            <a:off x="9988880" y="10975866"/>
-            <a:ext cx="3102373" cy="1641476"/>
+            <a:off x="9988881" y="10975866"/>
+            <a:ext cx="3102372" cy="1641476"/>
           </a:xfrm>
           <a:prstGeom prst="rect">
             <a:avLst/>
@@ -30624,14 +30653,14 @@
       </p:sp>
       <p:sp>
         <p:nvSpPr>
-          <p:cNvPr id="594" name="120,000ETH…"/>
+          <p:cNvPr id="596" name="120,000ETH…"/>
           <p:cNvSpPr txBox="1"/>
           <p:nvPr/>
         </p:nvSpPr>
         <p:spPr>
           <a:xfrm>
             <a:off x="17371806" y="10842516"/>
-            <a:ext cx="3424121" cy="1641476"/>
+            <a:ext cx="3424120" cy="1641476"/>
           </a:xfrm>
           <a:prstGeom prst="rect">
             <a:avLst/>
@@ -30686,7 +30715,7 @@
       </p:sp>
       <p:sp>
         <p:nvSpPr>
-          <p:cNvPr id="595" name="0ETH"/>
+          <p:cNvPr id="597" name="0ETH"/>
           <p:cNvSpPr txBox="1"/>
           <p:nvPr/>
         </p:nvSpPr>
@@ -30734,7 +30763,7 @@
       </p:sp>
       <p:sp>
         <p:nvSpPr>
-          <p:cNvPr id="596" name="Line"/>
+          <p:cNvPr id="598" name="Line"/>
           <p:cNvSpPr/>
           <p:nvPr/>
         </p:nvSpPr>
@@ -30774,7 +30803,7 @@
       </p:sp>
       <p:graphicFrame>
         <p:nvGraphicFramePr>
-          <p:cNvPr id="597" name="2D Stacked Column Chart"/>
+          <p:cNvPr id="599" name="2D Stacked Column Chart"/>
           <p:cNvGraphicFramePr/>
           <p:nvPr/>
         </p:nvGraphicFramePr>
@@ -30838,7 +30867,7 @@
                                       <p:cBhvr>
                                         <p:cTn id="6" fill="hold"/>
                                         <p:tgtEl>
-                                          <p:spTgt spid="597">
+                                          <p:spTgt spid="599">
                                             <p:graphicEl>
                                               <a:chart bldStep="gridLegend" categoryIdx="-3" seriesIdx="-3"/>
                                             </p:graphicEl>
@@ -30856,7 +30885,7 @@
                                       <p:cBhvr>
                                         <p:cTn id="7" dur="400"/>
                                         <p:tgtEl>
-                                          <p:spTgt spid="597">
+                                          <p:spTgt spid="599">
                                             <p:graphicEl>
                                               <a:chart bldStep="gridLegend" categoryIdx="-3" seriesIdx="-3"/>
                                             </p:graphicEl>
@@ -30886,7 +30915,7 @@
                                       <p:cBhvr>
                                         <p:cTn id="10" fill="hold"/>
                                         <p:tgtEl>
-                                          <p:spTgt spid="597">
+                                          <p:spTgt spid="599">
                                             <p:graphicEl>
                                               <a:chart bldStep="series" categoryIdx="-4" seriesIdx="0"/>
                                             </p:graphicEl>
@@ -30904,7 +30933,7 @@
                                       <p:cBhvr>
                                         <p:cTn id="11" dur="400"/>
                                         <p:tgtEl>
-                                          <p:spTgt spid="597">
+                                          <p:spTgt spid="599">
                                             <p:graphicEl>
                                               <a:chart bldStep="series" categoryIdx="-4" seriesIdx="0"/>
                                             </p:graphicEl>
@@ -30934,7 +30963,7 @@
                                       <p:cBhvr>
                                         <p:cTn id="14" fill="hold"/>
                                         <p:tgtEl>
-                                          <p:spTgt spid="597">
+                                          <p:spTgt spid="599">
                                             <p:graphicEl>
                                               <a:chart bldStep="series" categoryIdx="-4" seriesIdx="1"/>
                                             </p:graphicEl>
@@ -30952,7 +30981,7 @@
                                       <p:cBhvr>
                                         <p:cTn id="15" dur="400"/>
                                         <p:tgtEl>
-                                          <p:spTgt spid="597">
+                                          <p:spTgt spid="599">
                                             <p:graphicEl>
                                               <a:chart bldStep="series" categoryIdx="-4" seriesIdx="1"/>
                                             </p:graphicEl>
@@ -30991,7 +31020,7 @@
       </p:par>
     </p:tnLst>
     <p:bldLst>
-      <p:bldGraphic spid="597" grpId="1">
+      <p:bldGraphic spid="599" grpId="1">
         <p:bldSub>
           <a:bldChart bld="series"/>
         </p:bldSub>
@@ -31030,7 +31059,7 @@
       </p:grpSpPr>
       <p:sp>
         <p:nvSpPr>
-          <p:cNvPr id="599" name="代币众售"/>
+          <p:cNvPr id="601" name="代币众售"/>
           <p:cNvSpPr txBox="1"/>
           <p:nvPr/>
         </p:nvSpPr>
@@ -31075,7 +31104,7 @@
       </p:sp>
       <p:sp>
         <p:nvSpPr>
-          <p:cNvPr id="600" name="2017/08/01 - 2017/08/30"/>
+          <p:cNvPr id="602" name="2017/08/01 - 2017/08/30"/>
           <p:cNvSpPr txBox="1"/>
           <p:nvPr/>
         </p:nvSpPr>
@@ -31123,7 +31152,7 @@
       </p:sp>
       <p:grpSp>
         <p:nvGrpSpPr>
-          <p:cNvPr id="603" name="Group"/>
+          <p:cNvPr id="605" name="Group"/>
           <p:cNvGrpSpPr/>
           <p:nvPr/>
         </p:nvGrpSpPr>
@@ -31137,7 +31166,7 @@
         </p:grpSpPr>
         <p:sp>
           <p:nvSpPr>
-            <p:cNvPr id="601" name="1. 众筹基于以太坊智能合约"/>
+            <p:cNvPr id="603" name="1. 众筹基于以太坊智能合约"/>
             <p:cNvSpPr txBox="1"/>
             <p:nvPr/>
           </p:nvSpPr>
@@ -31188,7 +31217,7 @@
         </p:sp>
         <p:sp>
           <p:nvSpPr>
-            <p:cNvPr id="602" name="所有参与众筹的ETH都需要通过普通以太坊转账，转到智能合约地址。未能成功参与ICO的ETH会被立即返还到原来的账号。"/>
+            <p:cNvPr id="604" name="所有参与众筹的ETH都需要通过普通以太坊转账，转到智能合约地址。未能成功参与ICO的ETH会被立即返还到原来的账号。"/>
             <p:cNvSpPr txBox="1"/>
             <p:nvPr/>
           </p:nvSpPr>
@@ -31240,7 +31269,7 @@
       </p:grpSp>
       <p:grpSp>
         <p:nvGrpSpPr>
-          <p:cNvPr id="606" name="Group"/>
+          <p:cNvPr id="608" name="Group"/>
           <p:cNvGrpSpPr/>
           <p:nvPr/>
         </p:nvGrpSpPr>
@@ -31254,7 +31283,7 @@
         </p:grpSpPr>
         <p:sp>
           <p:nvSpPr>
-            <p:cNvPr id="604" name="2. LRC使用ERC20标准"/>
+            <p:cNvPr id="606" name="2. LRC使用ERC20标准"/>
             <p:cNvSpPr txBox="1"/>
             <p:nvPr/>
           </p:nvSpPr>
@@ -31305,7 +31334,7 @@
         </p:sp>
         <p:sp>
           <p:nvSpPr>
-            <p:cNvPr id="605" name="我们的代币LRC符合ERC20标准，并且所有出售的代币在ETH入账时实时发行并转账给用户的ETH地址。切记不要通过交易所直接提现ETH到我们ICO的众筹地址。"/>
+            <p:cNvPr id="607" name="我们的代币LRC符合ERC20标准，并且所有出售的代币在ETH入账时实时发行并转账给用户的ETH地址。切记不要通过交易所直接提现ETH到我们ICO的众筹地址。"/>
             <p:cNvSpPr txBox="1"/>
             <p:nvPr/>
           </p:nvSpPr>
@@ -31373,7 +31402,7 @@
       </p:grpSp>
       <p:grpSp>
         <p:nvGrpSpPr>
-          <p:cNvPr id="609" name="Group"/>
+          <p:cNvPr id="611" name="Group"/>
           <p:cNvGrpSpPr/>
           <p:nvPr/>
         </p:nvGrpSpPr>
@@ -31387,7 +31416,7 @@
         </p:grpSpPr>
         <p:sp>
           <p:nvSpPr>
-            <p:cNvPr id="607" name="3. LRC具有原生流动性"/>
+            <p:cNvPr id="609" name="3. LRC具有原生流动性"/>
             <p:cNvSpPr txBox="1"/>
             <p:nvPr/>
           </p:nvSpPr>
@@ -31438,7 +31467,7 @@
         </p:sp>
         <p:sp>
           <p:nvSpPr>
-            <p:cNvPr id="608" name="Loopring上线后，可以支持所有ERC20代币间的交易，包括LRC。Loopring为以太坊ICO生态提供0成本的上市交易。"/>
+            <p:cNvPr id="610" name="Loopring上线后，可以支持所有ERC20代币间的交易，包括LRC。Loopring为以太坊ICO生态提供0成本的上市交易。"/>
             <p:cNvSpPr txBox="1"/>
             <p:nvPr/>
           </p:nvSpPr>
@@ -31538,7 +31567,7 @@
                                       <p:cBhvr>
                                         <p:cTn id="6" fill="hold"/>
                                         <p:tgtEl>
-                                          <p:spTgt spid="606"/>
+                                          <p:spTgt spid="608"/>
                                         </p:tgtEl>
                                         <p:attrNameLst>
                                           <p:attrName>style.visibility</p:attrName>
@@ -31552,7 +31581,7 @@
                                       <p:cBhvr>
                                         <p:cTn id="7" dur="1000"/>
                                         <p:tgtEl>
-                                          <p:spTgt spid="606"/>
+                                          <p:spTgt spid="608"/>
                                         </p:tgtEl>
                                       </p:cBhvr>
                                     </p:animEffect>
@@ -31590,7 +31619,7 @@
                                       <p:cBhvr>
                                         <p:cTn id="11" fill="hold"/>
                                         <p:tgtEl>
-                                          <p:spTgt spid="609"/>
+                                          <p:spTgt spid="611"/>
                                         </p:tgtEl>
                                         <p:attrNameLst>
                                           <p:attrName>style.visibility</p:attrName>
@@ -31604,7 +31633,7 @@
                                       <p:cBhvr>
                                         <p:cTn id="12" dur="1000"/>
                                         <p:tgtEl>
-                                          <p:spTgt spid="609"/>
+                                          <p:spTgt spid="611"/>
                                         </p:tgtEl>
                                       </p:cBhvr>
                                     </p:animEffect>
@@ -31639,8 +31668,8 @@
       </p:par>
     </p:tnLst>
     <p:bldLst>
-      <p:bldP build="whole" bldLvl="1" animBg="1" rev="0" advAuto="0" spid="606" grpId="1"/>
-      <p:bldP build="whole" bldLvl="1" animBg="1" rev="0" advAuto="0" spid="609" grpId="2"/>
+      <p:bldP build="whole" bldLvl="1" animBg="1" rev="0" advAuto="0" spid="611" grpId="2"/>
+      <p:bldP build="whole" bldLvl="1" animBg="1" rev="0" advAuto="0" spid="608" grpId="1"/>
     </p:bldLst>
   </p:timing>
 </p:sld>
@@ -31672,7 +31701,7 @@
       </p:grpSpPr>
       <p:sp>
         <p:nvSpPr>
-          <p:cNvPr id="611" name="计划"/>
+          <p:cNvPr id="613" name="计划"/>
           <p:cNvSpPr txBox="1"/>
           <p:nvPr/>
         </p:nvSpPr>
@@ -31720,7 +31749,7 @@
       </p:sp>
       <p:pic>
         <p:nvPicPr>
-          <p:cNvPr id="612" name="屏幕快照 2017-06-29 15.30.47.jpg" descr="屏幕快照 2017-06-29 15.30.47.jpg"/>
+          <p:cNvPr id="614" name="屏幕快照 2017-06-29 15.30.47.jpg" descr="屏幕快照 2017-06-29 15.30.47.jpg"/>
           <p:cNvPicPr>
             <a:picLocks noChangeAspect="1"/>
           </p:cNvPicPr>
@@ -31793,7 +31822,7 @@
       </p:grpSpPr>
       <p:sp>
         <p:nvSpPr>
-          <p:cNvPr id="614" name="foundation@loopring.org…"/>
+          <p:cNvPr id="616" name="foundation@loopring.org…"/>
           <p:cNvSpPr txBox="1"/>
           <p:nvPr/>
         </p:nvSpPr>
@@ -31889,7 +31918,7 @@
       </p:sp>
       <p:pic>
         <p:nvPicPr>
-          <p:cNvPr id="615" name="wechat-m.png" descr="wechat-m.png"/>
+          <p:cNvPr id="617" name="wechat-m.png" descr="wechat-m.png"/>
           <p:cNvPicPr>
             <a:picLocks noChangeAspect="1"/>
           </p:cNvPicPr>
@@ -31906,7 +31935,7 @@
         <p:spPr>
           <a:xfrm>
             <a:off x="10350500" y="4572000"/>
-            <a:ext cx="3683001" cy="4572001"/>
+            <a:ext cx="3683000" cy="4572000"/>
           </a:xfrm>
           <a:prstGeom prst="rect">
             <a:avLst/>
@@ -31934,7 +31963,7 @@
     <p:bg>
       <p:bgPr>
         <a:solidFill>
-          <a:srgbClr val="212121"/>
+          <a:srgbClr val="303030"/>
         </a:solidFill>
       </p:bgPr>
     </p:bg>
@@ -31952,35 +31981,6 @@
           <a:chExt cx="0" cy="0"/>
         </a:xfrm>
       </p:grpSpPr>
-      <p:pic>
-        <p:nvPicPr>
-          <p:cNvPr id="135" name="屏幕快照 2017-06-29 15.15.51.jpg" descr="屏幕快照 2017-06-29 15.15.51.jpg"/>
-          <p:cNvPicPr>
-            <a:picLocks noChangeAspect="1"/>
-          </p:cNvPicPr>
-          <p:nvPr/>
-        </p:nvPicPr>
-        <p:blipFill>
-          <a:blip r:embed="rId2">
-            <a:extLst/>
-          </a:blip>
-          <a:stretch>
-            <a:fillRect/>
-          </a:stretch>
-        </p:blipFill>
-        <p:spPr>
-          <a:xfrm>
-            <a:off x="9047040" y="565150"/>
-            <a:ext cx="13970001" cy="12585700"/>
-          </a:xfrm>
-          <a:prstGeom prst="rect">
-            <a:avLst/>
-          </a:prstGeom>
-          <a:ln w="12700">
-            <a:miter lim="400000"/>
-          </a:ln>
-        </p:spPr>
-      </p:pic>
       <p:sp>
         <p:nvSpPr>
           <p:cNvPr id="136" name="团队"/>
@@ -32203,6 +32203,64 @@
           </a:p>
         </p:txBody>
       </p:sp>
+      <p:pic>
+        <p:nvPicPr>
+          <p:cNvPr id="138" name="Screen Shot 2017-07-18 at 11.14.57.jpg" descr="Screen Shot 2017-07-18 at 11.14.57.jpg"/>
+          <p:cNvPicPr>
+            <a:picLocks noChangeAspect="1"/>
+          </p:cNvPicPr>
+          <p:nvPr/>
+        </p:nvPicPr>
+        <p:blipFill>
+          <a:blip r:embed="rId2">
+            <a:extLst/>
+          </a:blip>
+          <a:stretch>
+            <a:fillRect/>
+          </a:stretch>
+        </p:blipFill>
+        <p:spPr>
+          <a:xfrm>
+            <a:off x="9442053" y="340143"/>
+            <a:ext cx="14038460" cy="13035714"/>
+          </a:xfrm>
+          <a:prstGeom prst="rect">
+            <a:avLst/>
+          </a:prstGeom>
+          <a:ln w="12700">
+            <a:miter lim="400000"/>
+          </a:ln>
+        </p:spPr>
+      </p:pic>
+      <p:pic>
+        <p:nvPicPr>
+          <p:cNvPr id="139" name="Screen Shot 2017-07-18 at 11.15.05.jpg" descr="Screen Shot 2017-07-18 at 11.15.05.jpg"/>
+          <p:cNvPicPr>
+            <a:picLocks noChangeAspect="1"/>
+          </p:cNvPicPr>
+          <p:nvPr/>
+        </p:nvPicPr>
+        <p:blipFill>
+          <a:blip r:embed="rId3">
+            <a:extLst/>
+          </a:blip>
+          <a:stretch>
+            <a:fillRect/>
+          </a:stretch>
+        </p:blipFill>
+        <p:spPr>
+          <a:xfrm>
+            <a:off x="183332" y="7271080"/>
+            <a:ext cx="8775184" cy="5828131"/>
+          </a:xfrm>
+          <a:prstGeom prst="rect">
+            <a:avLst/>
+          </a:prstGeom>
+          <a:ln w="12700">
+            <a:miter lim="400000"/>
+          </a:ln>
+        </p:spPr>
+      </p:pic>
     </p:spTree>
   </p:cSld>
   <p:clrMapOvr>
@@ -32252,7 +32310,7 @@
       </p:grpSpPr>
       <p:sp>
         <p:nvSpPr>
-          <p:cNvPr id="139" name="24-Hour Trade Volume…"/>
+          <p:cNvPr id="141" name="24-Hour Trade Volume…"/>
           <p:cNvSpPr txBox="1"/>
           <p:nvPr/>
         </p:nvSpPr>
@@ -32308,7 +32366,7 @@
       </p:sp>
       <p:sp>
         <p:nvSpPr>
-          <p:cNvPr id="140" name="$5B"/>
+          <p:cNvPr id="142" name="$5B"/>
           <p:cNvSpPr txBox="1"/>
           <p:nvPr/>
         </p:nvSpPr>
@@ -32353,7 +32411,7 @@
       </p:sp>
       <p:sp>
         <p:nvSpPr>
-          <p:cNvPr id="141" name="公有链代币总市值"/>
+          <p:cNvPr id="143" name="公有链代币总市值"/>
           <p:cNvSpPr txBox="1"/>
           <p:nvPr/>
         </p:nvSpPr>
@@ -32398,7 +32456,7 @@
       </p:sp>
       <p:sp>
         <p:nvSpPr>
-          <p:cNvPr id="142" name="1090亿美金"/>
+          <p:cNvPr id="144" name="1090亿美金"/>
           <p:cNvSpPr txBox="1"/>
           <p:nvPr/>
         </p:nvSpPr>
@@ -32443,7 +32501,7 @@
       </p:sp>
       <p:sp>
         <p:nvSpPr>
-          <p:cNvPr id="143" name="同比增长830%↑"/>
+          <p:cNvPr id="145" name="同比增长830%↑"/>
           <p:cNvSpPr txBox="1"/>
           <p:nvPr/>
         </p:nvSpPr>
@@ -32491,7 +32549,7 @@
       </p:sp>
       <p:pic>
         <p:nvPicPr>
-          <p:cNvPr id="144" name="屏幕快照 2017-06-25 18.07.47.jpg" descr="屏幕快照 2017-06-25 18.07.47.jpg"/>
+          <p:cNvPr id="146" name="屏幕快照 2017-06-25 18.07.47.jpg" descr="屏幕快照 2017-06-25 18.07.47.jpg"/>
           <p:cNvPicPr>
             <a:picLocks noChangeAspect="1"/>
           </p:cNvPicPr>
@@ -32569,7 +32627,7 @@
                                       <p:cBhvr>
                                         <p:cTn id="6" fill="hold"/>
                                         <p:tgtEl>
-                                          <p:spTgt spid="143"/>
+                                          <p:spTgt spid="145"/>
                                         </p:tgtEl>
                                         <p:attrNameLst>
                                           <p:attrName>style.visibility</p:attrName>
@@ -32583,7 +32641,7 @@
                                       <p:cBhvr>
                                         <p:cTn id="7" dur="750" fill="hold"/>
                                         <p:tgtEl>
-                                          <p:spTgt spid="143"/>
+                                          <p:spTgt spid="145"/>
                                         </p:tgtEl>
                                         <p:attrNameLst>
                                           <p:attrName>ppt_w</p:attrName>
@@ -32606,7 +32664,7 @@
                                       <p:cBhvr>
                                         <p:cTn id="8" dur="750" fill="hold"/>
                                         <p:tgtEl>
-                                          <p:spTgt spid="143"/>
+                                          <p:spTgt spid="145"/>
                                         </p:tgtEl>
                                         <p:attrNameLst>
                                           <p:attrName>ppt_h</p:attrName>
@@ -32656,7 +32714,7 @@
       </p:par>
     </p:tnLst>
     <p:bldLst>
-      <p:bldP build="whole" bldLvl="1" animBg="1" rev="0" advAuto="0" spid="143" grpId="1"/>
+      <p:bldP build="whole" bldLvl="1" animBg="1" rev="0" advAuto="0" spid="145" grpId="1"/>
     </p:bldLst>
   </p:timing>
 </p:sld>
@@ -32691,7 +32749,7 @@
       </p:grpSpPr>
       <p:sp>
         <p:nvSpPr>
-          <p:cNvPr id="146" name="公有链代币总市值"/>
+          <p:cNvPr id="148" name="公有链代币总市值"/>
           <p:cNvSpPr txBox="1"/>
           <p:nvPr/>
         </p:nvSpPr>
@@ -32736,7 +32794,7 @@
       </p:sp>
       <p:sp>
         <p:nvSpPr>
-          <p:cNvPr id="147" name="1090亿美金"/>
+          <p:cNvPr id="149" name="1090亿美金"/>
           <p:cNvSpPr txBox="1"/>
           <p:nvPr/>
         </p:nvSpPr>
@@ -32781,7 +32839,7 @@
       </p:sp>
       <p:sp>
         <p:nvSpPr>
-          <p:cNvPr id="148" name="同比增长830%↑"/>
+          <p:cNvPr id="150" name="同比增长830%↑"/>
           <p:cNvSpPr txBox="1"/>
           <p:nvPr/>
         </p:nvSpPr>
@@ -32829,7 +32887,7 @@
       </p:sp>
       <p:sp>
         <p:nvSpPr>
-          <p:cNvPr id="149" name="24小时全球交易额"/>
+          <p:cNvPr id="151" name="24小时全球交易额"/>
           <p:cNvSpPr txBox="1"/>
           <p:nvPr/>
         </p:nvSpPr>
@@ -32874,7 +32932,7 @@
       </p:sp>
       <p:sp>
         <p:nvSpPr>
-          <p:cNvPr id="150" name="50亿美金"/>
+          <p:cNvPr id="152" name="50亿美金"/>
           <p:cNvSpPr txBox="1"/>
           <p:nvPr/>
         </p:nvSpPr>
@@ -32919,7 +32977,7 @@
       </p:sp>
       <p:sp>
         <p:nvSpPr>
-          <p:cNvPr id="151" name="同比增长1250%↑"/>
+          <p:cNvPr id="153" name="同比增长1250%↑"/>
           <p:cNvSpPr txBox="1"/>
           <p:nvPr/>
         </p:nvSpPr>
@@ -33015,7 +33073,7 @@
                                       <p:cBhvr>
                                         <p:cTn id="6" fill="hold"/>
                                         <p:tgtEl>
-                                          <p:spTgt spid="151"/>
+                                          <p:spTgt spid="153"/>
                                         </p:tgtEl>
                                         <p:attrNameLst>
                                           <p:attrName>style.visibility</p:attrName>
@@ -33029,7 +33087,7 @@
                                       <p:cBhvr>
                                         <p:cTn id="7" dur="750" fill="hold"/>
                                         <p:tgtEl>
-                                          <p:spTgt spid="151"/>
+                                          <p:spTgt spid="153"/>
                                         </p:tgtEl>
                                         <p:attrNameLst>
                                           <p:attrName>ppt_w</p:attrName>
@@ -33052,7 +33110,7 @@
                                       <p:cBhvr>
                                         <p:cTn id="8" dur="750" fill="hold"/>
                                         <p:tgtEl>
-                                          <p:spTgt spid="151"/>
+                                          <p:spTgt spid="153"/>
                                         </p:tgtEl>
                                         <p:attrNameLst>
                                           <p:attrName>ppt_h</p:attrName>
@@ -33102,7 +33160,7 @@
       </p:par>
     </p:tnLst>
     <p:bldLst>
-      <p:bldP build="whole" bldLvl="1" animBg="1" rev="0" advAuto="0" spid="151" grpId="1"/>
+      <p:bldP build="whole" bldLvl="1" animBg="1" rev="0" advAuto="0" spid="153" grpId="1"/>
     </p:bldLst>
   </p:timing>
 </p:sld>
@@ -33137,7 +33195,7 @@
       </p:grpSpPr>
       <p:sp>
         <p:nvSpPr>
-          <p:cNvPr id="153" name="Cryptocurrency Market Cap…"/>
+          <p:cNvPr id="155" name="Cryptocurrency Market Cap…"/>
           <p:cNvSpPr txBox="1"/>
           <p:nvPr/>
         </p:nvSpPr>
@@ -33193,7 +33251,7 @@
       </p:sp>
       <p:sp>
         <p:nvSpPr>
-          <p:cNvPr id="154" name="$109B"/>
+          <p:cNvPr id="156" name="$109B"/>
           <p:cNvSpPr txBox="1"/>
           <p:nvPr/>
         </p:nvSpPr>
@@ -33238,7 +33296,7 @@
       </p:sp>
       <p:sp>
         <p:nvSpPr>
-          <p:cNvPr id="155" name="Poloniex…"/>
+          <p:cNvPr id="157" name="Poloniex…"/>
           <p:cNvSpPr txBox="1"/>
           <p:nvPr/>
         </p:nvSpPr>
@@ -33538,7 +33596,7 @@
       </p:sp>
       <p:sp>
         <p:nvSpPr>
-          <p:cNvPr id="156" name="中心化交易所"/>
+          <p:cNvPr id="158" name="中心化交易所"/>
           <p:cNvSpPr txBox="1"/>
           <p:nvPr/>
         </p:nvSpPr>
@@ -33578,7 +33636,7 @@
       </p:sp>
       <p:sp>
         <p:nvSpPr>
-          <p:cNvPr id="157" name="问题#1: 用户资产需要托管…"/>
+          <p:cNvPr id="159" name="问题#1: 用户资产需要托管…"/>
           <p:cNvSpPr/>
           <p:nvPr/>
         </p:nvSpPr>
@@ -33641,7 +33699,7 @@
       </p:sp>
       <p:sp>
         <p:nvSpPr>
-          <p:cNvPr id="158" name="24小时全球交易额"/>
+          <p:cNvPr id="160" name="24小时全球交易额"/>
           <p:cNvSpPr txBox="1"/>
           <p:nvPr/>
         </p:nvSpPr>
@@ -33686,7 +33744,7 @@
       </p:sp>
       <p:sp>
         <p:nvSpPr>
-          <p:cNvPr id="159" name="50亿美金"/>
+          <p:cNvPr id="161" name="50亿美金"/>
           <p:cNvSpPr txBox="1"/>
           <p:nvPr/>
         </p:nvSpPr>
@@ -33731,7 +33789,7 @@
       </p:sp>
       <p:sp>
         <p:nvSpPr>
-          <p:cNvPr id="160" name="同比增长1250%↑"/>
+          <p:cNvPr id="162" name="同比增长1250%↑"/>
           <p:cNvSpPr txBox="1"/>
           <p:nvPr/>
         </p:nvSpPr>
@@ -33827,7 +33885,7 @@
                                       <p:cBhvr>
                                         <p:cTn id="6" fill="hold"/>
                                         <p:tgtEl>
-                                          <p:spTgt spid="156"/>
+                                          <p:spTgt spid="158"/>
                                         </p:tgtEl>
                                         <p:attrNameLst>
                                           <p:attrName>style.visibility</p:attrName>
@@ -33841,7 +33899,7 @@
                                       <p:cBhvr>
                                         <p:cTn id="7" dur="1000"/>
                                         <p:tgtEl>
-                                          <p:spTgt spid="156"/>
+                                          <p:spTgt spid="158"/>
                                         </p:tgtEl>
                                       </p:cBhvr>
                                     </p:animEffect>
@@ -33876,7 +33934,7 @@
       </p:par>
     </p:tnLst>
     <p:bldLst>
-      <p:bldP build="whole" bldLvl="1" animBg="1" rev="0" advAuto="0" spid="156" grpId="1"/>
+      <p:bldP build="whole" bldLvl="1" animBg="1" rev="0" advAuto="0" spid="158" grpId="1"/>
     </p:bldLst>
   </p:timing>
 </p:sld>
@@ -33908,7 +33966,7 @@
       </p:grpSpPr>
       <p:sp>
         <p:nvSpPr>
-          <p:cNvPr id="162" name="24-Hour Trade Volume…"/>
+          <p:cNvPr id="164" name="24-Hour Trade Volume…"/>
           <p:cNvSpPr txBox="1"/>
           <p:nvPr/>
         </p:nvSpPr>
@@ -33974,7 +34032,7 @@
       </p:sp>
       <p:sp>
         <p:nvSpPr>
-          <p:cNvPr id="163" name="$5B"/>
+          <p:cNvPr id="165" name="$5B"/>
           <p:cNvSpPr txBox="1"/>
           <p:nvPr/>
         </p:nvSpPr>
@@ -34024,7 +34082,7 @@
       </p:sp>
       <p:sp>
         <p:nvSpPr>
-          <p:cNvPr id="164" name="Poloniex…"/>
+          <p:cNvPr id="166" name="Poloniex…"/>
           <p:cNvSpPr txBox="1"/>
           <p:nvPr/>
         </p:nvSpPr>
@@ -34354,7 +34412,7 @@
       </p:sp>
       <p:sp>
         <p:nvSpPr>
-          <p:cNvPr id="165" name="问题#1: 用户资产需要托管…"/>
+          <p:cNvPr id="167" name="问题#1: 用户资产需要托管…"/>
           <p:cNvSpPr/>
           <p:nvPr/>
         </p:nvSpPr>
@@ -34417,7 +34475,7 @@
       </p:sp>
       <p:sp>
         <p:nvSpPr>
-          <p:cNvPr id="166" name="问题#2: 交易所内幕交易…"/>
+          <p:cNvPr id="168" name="问题#2: 交易所内幕交易…"/>
           <p:cNvSpPr/>
           <p:nvPr/>
         </p:nvSpPr>
@@ -34480,7 +34538,7 @@
       </p:sp>
       <p:sp>
         <p:nvSpPr>
-          <p:cNvPr id="167" name="中心化交易所"/>
+          <p:cNvPr id="169" name="中心化交易所"/>
           <p:cNvSpPr txBox="1"/>
           <p:nvPr/>
         </p:nvSpPr>
@@ -34520,7 +34578,7 @@
       </p:sp>
       <p:sp>
         <p:nvSpPr>
-          <p:cNvPr id="168" name="2013年10月，香港GBL突然关闭，用户2000万美金无法提现。…"/>
+          <p:cNvPr id="170" name="2013年10月，香港GBL突然关闭，用户2000万美金无法提现。…"/>
           <p:cNvSpPr txBox="1"/>
           <p:nvPr/>
         </p:nvSpPr>
@@ -34731,7 +34789,7 @@
                                       <p:cBhvr>
                                         <p:cTn id="6" fill="hold"/>
                                         <p:tgtEl>
-                                          <p:spTgt spid="168"/>
+                                          <p:spTgt spid="170"/>
                                         </p:tgtEl>
                                         <p:attrNameLst>
                                           <p:attrName>style.visibility</p:attrName>
@@ -34772,7 +34830,7 @@
       </p:par>
     </p:tnLst>
     <p:bldLst>
-      <p:bldP build="whole" bldLvl="1" animBg="1" rev="0" advAuto="0" spid="168" grpId="1"/>
+      <p:bldP build="whole" bldLvl="1" animBg="1" rev="0" advAuto="0" spid="170" grpId="1"/>
     </p:bldLst>
   </p:timing>
 </p:sld>
@@ -34804,7 +34862,7 @@
       </p:grpSpPr>
       <p:sp>
         <p:nvSpPr>
-          <p:cNvPr id="172" name="24-Hour Trade Volume…"/>
+          <p:cNvPr id="174" name="24-Hour Trade Volume…"/>
           <p:cNvSpPr txBox="1"/>
           <p:nvPr/>
         </p:nvSpPr>
@@ -34870,7 +34928,7 @@
       </p:sp>
       <p:sp>
         <p:nvSpPr>
-          <p:cNvPr id="173" name="$5B"/>
+          <p:cNvPr id="175" name="$5B"/>
           <p:cNvSpPr txBox="1"/>
           <p:nvPr/>
         </p:nvSpPr>
@@ -34920,7 +34978,7 @@
       </p:sp>
       <p:sp>
         <p:nvSpPr>
-          <p:cNvPr id="174" name="Poloniex…"/>
+          <p:cNvPr id="176" name="Poloniex…"/>
           <p:cNvSpPr txBox="1"/>
           <p:nvPr/>
         </p:nvSpPr>
@@ -35250,7 +35308,7 @@
       </p:sp>
       <p:sp>
         <p:nvSpPr>
-          <p:cNvPr id="175" name="问题#1: 用户资产需要托管…"/>
+          <p:cNvPr id="177" name="问题#1: 用户资产需要托管…"/>
           <p:cNvSpPr/>
           <p:nvPr/>
         </p:nvSpPr>
@@ -35313,7 +35371,7 @@
       </p:sp>
       <p:sp>
         <p:nvSpPr>
-          <p:cNvPr id="176" name="问题#2: 交易所内幕交易…"/>
+          <p:cNvPr id="178" name="问题#2: 交易所内幕交易…"/>
           <p:cNvSpPr/>
           <p:nvPr/>
         </p:nvSpPr>
@@ -35376,7 +35434,7 @@
       </p:sp>
       <p:sp>
         <p:nvSpPr>
-          <p:cNvPr id="177" name="问题#3: 订单散落到多交易所…"/>
+          <p:cNvPr id="179" name="问题#3: 订单散落到多交易所…"/>
           <p:cNvSpPr/>
           <p:nvPr/>
         </p:nvSpPr>
@@ -35439,7 +35497,7 @@
       </p:sp>
       <p:sp>
         <p:nvSpPr>
-          <p:cNvPr id="178" name="中心化交易所"/>
+          <p:cNvPr id="180" name="中心化交易所"/>
           <p:cNvSpPr txBox="1"/>
           <p:nvPr/>
         </p:nvSpPr>
@@ -35479,7 +35537,7 @@
       </p:sp>
       <p:sp>
         <p:nvSpPr>
-          <p:cNvPr id="179" name="2013年10，香港GBL突然关闭，2000万美万。…"/>
+          <p:cNvPr id="181" name="2013年10，香港GBL突然关闭，2000万美万。…"/>
           <p:cNvSpPr txBox="1"/>
           <p:nvPr/>
         </p:nvSpPr>
